--- a/プレゼンテーション1.pptx
+++ b/プレゼンテーション1.pptx
@@ -4,9 +4,13 @@
   <p:sldMasterIdLst>
     <p:sldMasterId id="2147483648" r:id="rId1"/>
   </p:sldMasterIdLst>
+  <p:notesMasterIdLst>
+    <p:notesMasterId r:id="rId5"/>
+  </p:notesMasterIdLst>
   <p:sldIdLst>
-    <p:sldId id="256" r:id="rId2"/>
-    <p:sldId id="257" r:id="rId3"/>
+    <p:sldId id="257" r:id="rId2"/>
+    <p:sldId id="256" r:id="rId3"/>
+    <p:sldId id="259" r:id="rId4"/>
   </p:sldIdLst>
   <p:sldSz cx="12192000" cy="6858000"/>
   <p:notesSz cx="6858000" cy="9144000"/>
@@ -105,7 +109,561 @@
       </a:defRPr>
     </a:lvl9pPr>
   </p:defaultTextStyle>
+  <p:extLst>
+    <p:ext uri="{EFAFB233-063F-42B5-8137-9DF3F51BA10A}">
+      <p15:sldGuideLst xmlns:p15="http://schemas.microsoft.com/office/powerpoint/2012/main"/>
+    </p:ext>
+  </p:extLst>
 </p:presentation>
+</file>
+
+<file path=ppt/notesMasters/notesMaster1.xml><?xml version="1.0" encoding="utf-8"?>
+<p:notesMaster xmlns:a="http://schemas.openxmlformats.org/drawingml/2006/main" xmlns:r="http://schemas.openxmlformats.org/officeDocument/2006/relationships" xmlns:p="http://schemas.openxmlformats.org/presentationml/2006/main">
+  <p:cSld>
+    <p:bg>
+      <p:bgRef idx="1001">
+        <a:schemeClr val="bg1"/>
+      </p:bgRef>
+    </p:bg>
+    <p:spTree>
+      <p:nvGrpSpPr>
+        <p:cNvPr id="1" name=""/>
+        <p:cNvGrpSpPr/>
+        <p:nvPr/>
+      </p:nvGrpSpPr>
+      <p:grpSpPr>
+        <a:xfrm>
+          <a:off x="0" y="0"/>
+          <a:ext cx="0" cy="0"/>
+          <a:chOff x="0" y="0"/>
+          <a:chExt cx="0" cy="0"/>
+        </a:xfrm>
+      </p:grpSpPr>
+      <p:sp>
+        <p:nvSpPr>
+          <p:cNvPr id="2" name="ヘッダー プレースホルダー 1"/>
+          <p:cNvSpPr>
+            <a:spLocks noGrp="1"/>
+          </p:cNvSpPr>
+          <p:nvPr>
+            <p:ph type="hdr" sz="quarter"/>
+          </p:nvPr>
+        </p:nvSpPr>
+        <p:spPr>
+          <a:xfrm>
+            <a:off x="0" y="0"/>
+            <a:ext cx="2971800" cy="458788"/>
+          </a:xfrm>
+          <a:prstGeom prst="rect">
+            <a:avLst/>
+          </a:prstGeom>
+        </p:spPr>
+        <p:txBody>
+          <a:bodyPr vert="horz" lIns="91440" tIns="45720" rIns="91440" bIns="45720" rtlCol="0"/>
+          <a:lstStyle>
+            <a:lvl1pPr algn="l">
+              <a:defRPr sz="1200"/>
+            </a:lvl1pPr>
+          </a:lstStyle>
+          <a:p>
+            <a:endParaRPr kumimoji="1" lang="ja-JP" altLang="en-US"/>
+          </a:p>
+        </p:txBody>
+      </p:sp>
+      <p:sp>
+        <p:nvSpPr>
+          <p:cNvPr id="3" name="日付プレースホルダー 2"/>
+          <p:cNvSpPr>
+            <a:spLocks noGrp="1"/>
+          </p:cNvSpPr>
+          <p:nvPr>
+            <p:ph type="dt" idx="1"/>
+          </p:nvPr>
+        </p:nvSpPr>
+        <p:spPr>
+          <a:xfrm>
+            <a:off x="3884613" y="0"/>
+            <a:ext cx="2971800" cy="458788"/>
+          </a:xfrm>
+          <a:prstGeom prst="rect">
+            <a:avLst/>
+          </a:prstGeom>
+        </p:spPr>
+        <p:txBody>
+          <a:bodyPr vert="horz" lIns="91440" tIns="45720" rIns="91440" bIns="45720" rtlCol="0"/>
+          <a:lstStyle>
+            <a:lvl1pPr algn="r">
+              <a:defRPr sz="1200"/>
+            </a:lvl1pPr>
+          </a:lstStyle>
+          <a:p>
+            <a:fld id="{2BA49272-FCAE-D145-A31C-B19C91E4E1B5}" type="datetimeFigureOut">
+              <a:rPr kumimoji="1" lang="ja-JP" altLang="en-US" smtClean="0"/>
+              <a:t>2021/9/29</a:t>
+            </a:fld>
+            <a:endParaRPr kumimoji="1" lang="ja-JP" altLang="en-US"/>
+          </a:p>
+        </p:txBody>
+      </p:sp>
+      <p:sp>
+        <p:nvSpPr>
+          <p:cNvPr id="4" name="スライド イメージ プレースホルダー 3"/>
+          <p:cNvSpPr>
+            <a:spLocks noGrp="1" noRot="1" noChangeAspect="1"/>
+          </p:cNvSpPr>
+          <p:nvPr>
+            <p:ph type="sldImg" idx="2"/>
+          </p:nvPr>
+        </p:nvSpPr>
+        <p:spPr>
+          <a:xfrm>
+            <a:off x="685800" y="1143000"/>
+            <a:ext cx="5486400" cy="3086100"/>
+          </a:xfrm>
+          <a:prstGeom prst="rect">
+            <a:avLst/>
+          </a:prstGeom>
+          <a:noFill/>
+          <a:ln w="12700">
+            <a:solidFill>
+              <a:prstClr val="black"/>
+            </a:solidFill>
+          </a:ln>
+        </p:spPr>
+        <p:txBody>
+          <a:bodyPr vert="horz" lIns="91440" tIns="45720" rIns="91440" bIns="45720" rtlCol="0" anchor="ctr"/>
+          <a:lstStyle/>
+          <a:p>
+            <a:endParaRPr lang="ja-JP" altLang="en-US"/>
+          </a:p>
+        </p:txBody>
+      </p:sp>
+      <p:sp>
+        <p:nvSpPr>
+          <p:cNvPr id="5" name="ノート プレースホルダー 4"/>
+          <p:cNvSpPr>
+            <a:spLocks noGrp="1"/>
+          </p:cNvSpPr>
+          <p:nvPr>
+            <p:ph type="body" sz="quarter" idx="3"/>
+          </p:nvPr>
+        </p:nvSpPr>
+        <p:spPr>
+          <a:xfrm>
+            <a:off x="685800" y="4400550"/>
+            <a:ext cx="5486400" cy="3600450"/>
+          </a:xfrm>
+          <a:prstGeom prst="rect">
+            <a:avLst/>
+          </a:prstGeom>
+        </p:spPr>
+        <p:txBody>
+          <a:bodyPr vert="horz" lIns="91440" tIns="45720" rIns="91440" bIns="45720" rtlCol="0"/>
+          <a:lstStyle/>
+          <a:p>
+            <a:pPr lvl="0"/>
+            <a:r>
+              <a:rPr kumimoji="1" lang="ja-JP" altLang="en-US"/>
+              <a:t>マスター テキストの書式設定</a:t>
+            </a:r>
+          </a:p>
+          <a:p>
+            <a:pPr lvl="1"/>
+            <a:r>
+              <a:rPr kumimoji="1" lang="ja-JP" altLang="en-US"/>
+              <a:t>第 </a:t>
+            </a:r>
+            <a:r>
+              <a:rPr kumimoji="1" lang="en-US" altLang="ja-JP"/>
+              <a:t>2 </a:t>
+            </a:r>
+            <a:r>
+              <a:rPr kumimoji="1" lang="ja-JP" altLang="en-US"/>
+              <a:t>レベル</a:t>
+            </a:r>
+          </a:p>
+          <a:p>
+            <a:pPr lvl="2"/>
+            <a:r>
+              <a:rPr kumimoji="1" lang="ja-JP" altLang="en-US"/>
+              <a:t>第 </a:t>
+            </a:r>
+            <a:r>
+              <a:rPr kumimoji="1" lang="en-US" altLang="ja-JP"/>
+              <a:t>3 </a:t>
+            </a:r>
+            <a:r>
+              <a:rPr kumimoji="1" lang="ja-JP" altLang="en-US"/>
+              <a:t>レベル</a:t>
+            </a:r>
+          </a:p>
+          <a:p>
+            <a:pPr lvl="3"/>
+            <a:r>
+              <a:rPr kumimoji="1" lang="ja-JP" altLang="en-US"/>
+              <a:t>第 </a:t>
+            </a:r>
+            <a:r>
+              <a:rPr kumimoji="1" lang="en-US" altLang="ja-JP"/>
+              <a:t>4 </a:t>
+            </a:r>
+            <a:r>
+              <a:rPr kumimoji="1" lang="ja-JP" altLang="en-US"/>
+              <a:t>レベル</a:t>
+            </a:r>
+          </a:p>
+          <a:p>
+            <a:pPr lvl="4"/>
+            <a:r>
+              <a:rPr kumimoji="1" lang="ja-JP" altLang="en-US"/>
+              <a:t>第 </a:t>
+            </a:r>
+            <a:r>
+              <a:rPr kumimoji="1" lang="en-US" altLang="ja-JP"/>
+              <a:t>5 </a:t>
+            </a:r>
+            <a:r>
+              <a:rPr kumimoji="1" lang="ja-JP" altLang="en-US"/>
+              <a:t>レベル</a:t>
+            </a:r>
+          </a:p>
+        </p:txBody>
+      </p:sp>
+      <p:sp>
+        <p:nvSpPr>
+          <p:cNvPr id="6" name="フッター プレースホルダー 5"/>
+          <p:cNvSpPr>
+            <a:spLocks noGrp="1"/>
+          </p:cNvSpPr>
+          <p:nvPr>
+            <p:ph type="ftr" sz="quarter" idx="4"/>
+          </p:nvPr>
+        </p:nvSpPr>
+        <p:spPr>
+          <a:xfrm>
+            <a:off x="0" y="8685213"/>
+            <a:ext cx="2971800" cy="458787"/>
+          </a:xfrm>
+          <a:prstGeom prst="rect">
+            <a:avLst/>
+          </a:prstGeom>
+        </p:spPr>
+        <p:txBody>
+          <a:bodyPr vert="horz" lIns="91440" tIns="45720" rIns="91440" bIns="45720" rtlCol="0" anchor="b"/>
+          <a:lstStyle>
+            <a:lvl1pPr algn="l">
+              <a:defRPr sz="1200"/>
+            </a:lvl1pPr>
+          </a:lstStyle>
+          <a:p>
+            <a:endParaRPr kumimoji="1" lang="ja-JP" altLang="en-US"/>
+          </a:p>
+        </p:txBody>
+      </p:sp>
+      <p:sp>
+        <p:nvSpPr>
+          <p:cNvPr id="7" name="スライド番号プレースホルダー 6"/>
+          <p:cNvSpPr>
+            <a:spLocks noGrp="1"/>
+          </p:cNvSpPr>
+          <p:nvPr>
+            <p:ph type="sldNum" sz="quarter" idx="5"/>
+          </p:nvPr>
+        </p:nvSpPr>
+        <p:spPr>
+          <a:xfrm>
+            <a:off x="3884613" y="8685213"/>
+            <a:ext cx="2971800" cy="458787"/>
+          </a:xfrm>
+          <a:prstGeom prst="rect">
+            <a:avLst/>
+          </a:prstGeom>
+        </p:spPr>
+        <p:txBody>
+          <a:bodyPr vert="horz" lIns="91440" tIns="45720" rIns="91440" bIns="45720" rtlCol="0" anchor="b"/>
+          <a:lstStyle>
+            <a:lvl1pPr algn="r">
+              <a:defRPr sz="1200"/>
+            </a:lvl1pPr>
+          </a:lstStyle>
+          <a:p>
+            <a:fld id="{BE24D3FC-986F-304B-9DE2-E04180071E9A}" type="slidenum">
+              <a:rPr kumimoji="1" lang="ja-JP" altLang="en-US" smtClean="0"/>
+              <a:t>‹#›</a:t>
+            </a:fld>
+            <a:endParaRPr kumimoji="1" lang="ja-JP" altLang="en-US"/>
+          </a:p>
+        </p:txBody>
+      </p:sp>
+    </p:spTree>
+    <p:extLst>
+      <p:ext uri="{BB962C8B-B14F-4D97-AF65-F5344CB8AC3E}">
+        <p14:creationId xmlns:p14="http://schemas.microsoft.com/office/powerpoint/2010/main" val="388268050"/>
+      </p:ext>
+    </p:extLst>
+  </p:cSld>
+  <p:clrMap bg1="lt1" tx1="dk1" bg2="lt2" tx2="dk2" accent1="accent1" accent2="accent2" accent3="accent3" accent4="accent4" accent5="accent5" accent6="accent6" hlink="hlink" folHlink="folHlink"/>
+  <p:notesStyle>
+    <a:lvl1pPr marL="0" algn="l" defTabSz="914400" rtl="0" eaLnBrk="1" latinLnBrk="0" hangingPunct="1">
+      <a:defRPr kumimoji="1" sz="1200" kern="1200">
+        <a:solidFill>
+          <a:schemeClr val="tx1"/>
+        </a:solidFill>
+        <a:latin typeface="+mn-lt"/>
+        <a:ea typeface="+mn-ea"/>
+        <a:cs typeface="+mn-cs"/>
+      </a:defRPr>
+    </a:lvl1pPr>
+    <a:lvl2pPr marL="457200" algn="l" defTabSz="914400" rtl="0" eaLnBrk="1" latinLnBrk="0" hangingPunct="1">
+      <a:defRPr kumimoji="1" sz="1200" kern="1200">
+        <a:solidFill>
+          <a:schemeClr val="tx1"/>
+        </a:solidFill>
+        <a:latin typeface="+mn-lt"/>
+        <a:ea typeface="+mn-ea"/>
+        <a:cs typeface="+mn-cs"/>
+      </a:defRPr>
+    </a:lvl2pPr>
+    <a:lvl3pPr marL="914400" algn="l" defTabSz="914400" rtl="0" eaLnBrk="1" latinLnBrk="0" hangingPunct="1">
+      <a:defRPr kumimoji="1" sz="1200" kern="1200">
+        <a:solidFill>
+          <a:schemeClr val="tx1"/>
+        </a:solidFill>
+        <a:latin typeface="+mn-lt"/>
+        <a:ea typeface="+mn-ea"/>
+        <a:cs typeface="+mn-cs"/>
+      </a:defRPr>
+    </a:lvl3pPr>
+    <a:lvl4pPr marL="1371600" algn="l" defTabSz="914400" rtl="0" eaLnBrk="1" latinLnBrk="0" hangingPunct="1">
+      <a:defRPr kumimoji="1" sz="1200" kern="1200">
+        <a:solidFill>
+          <a:schemeClr val="tx1"/>
+        </a:solidFill>
+        <a:latin typeface="+mn-lt"/>
+        <a:ea typeface="+mn-ea"/>
+        <a:cs typeface="+mn-cs"/>
+      </a:defRPr>
+    </a:lvl4pPr>
+    <a:lvl5pPr marL="1828800" algn="l" defTabSz="914400" rtl="0" eaLnBrk="1" latinLnBrk="0" hangingPunct="1">
+      <a:defRPr kumimoji="1" sz="1200" kern="1200">
+        <a:solidFill>
+          <a:schemeClr val="tx1"/>
+        </a:solidFill>
+        <a:latin typeface="+mn-lt"/>
+        <a:ea typeface="+mn-ea"/>
+        <a:cs typeface="+mn-cs"/>
+      </a:defRPr>
+    </a:lvl5pPr>
+    <a:lvl6pPr marL="2286000" algn="l" defTabSz="914400" rtl="0" eaLnBrk="1" latinLnBrk="0" hangingPunct="1">
+      <a:defRPr kumimoji="1" sz="1200" kern="1200">
+        <a:solidFill>
+          <a:schemeClr val="tx1"/>
+        </a:solidFill>
+        <a:latin typeface="+mn-lt"/>
+        <a:ea typeface="+mn-ea"/>
+        <a:cs typeface="+mn-cs"/>
+      </a:defRPr>
+    </a:lvl6pPr>
+    <a:lvl7pPr marL="2743200" algn="l" defTabSz="914400" rtl="0" eaLnBrk="1" latinLnBrk="0" hangingPunct="1">
+      <a:defRPr kumimoji="1" sz="1200" kern="1200">
+        <a:solidFill>
+          <a:schemeClr val="tx1"/>
+        </a:solidFill>
+        <a:latin typeface="+mn-lt"/>
+        <a:ea typeface="+mn-ea"/>
+        <a:cs typeface="+mn-cs"/>
+      </a:defRPr>
+    </a:lvl7pPr>
+    <a:lvl8pPr marL="3200400" algn="l" defTabSz="914400" rtl="0" eaLnBrk="1" latinLnBrk="0" hangingPunct="1">
+      <a:defRPr kumimoji="1" sz="1200" kern="1200">
+        <a:solidFill>
+          <a:schemeClr val="tx1"/>
+        </a:solidFill>
+        <a:latin typeface="+mn-lt"/>
+        <a:ea typeface="+mn-ea"/>
+        <a:cs typeface="+mn-cs"/>
+      </a:defRPr>
+    </a:lvl8pPr>
+    <a:lvl9pPr marL="3657600" algn="l" defTabSz="914400" rtl="0" eaLnBrk="1" latinLnBrk="0" hangingPunct="1">
+      <a:defRPr kumimoji="1" sz="1200" kern="1200">
+        <a:solidFill>
+          <a:schemeClr val="tx1"/>
+        </a:solidFill>
+        <a:latin typeface="+mn-lt"/>
+        <a:ea typeface="+mn-ea"/>
+        <a:cs typeface="+mn-cs"/>
+      </a:defRPr>
+    </a:lvl9pPr>
+  </p:notesStyle>
+</p:notesMaster>
+</file>
+
+<file path=ppt/notesSlides/notesSlide1.xml><?xml version="1.0" encoding="utf-8"?>
+<p:notes xmlns:a="http://schemas.openxmlformats.org/drawingml/2006/main" xmlns:r="http://schemas.openxmlformats.org/officeDocument/2006/relationships" xmlns:p="http://schemas.openxmlformats.org/presentationml/2006/main">
+  <p:cSld>
+    <p:spTree>
+      <p:nvGrpSpPr>
+        <p:cNvPr id="1" name=""/>
+        <p:cNvGrpSpPr/>
+        <p:nvPr/>
+      </p:nvGrpSpPr>
+      <p:grpSpPr>
+        <a:xfrm>
+          <a:off x="0" y="0"/>
+          <a:ext cx="0" cy="0"/>
+          <a:chOff x="0" y="0"/>
+          <a:chExt cx="0" cy="0"/>
+        </a:xfrm>
+      </p:grpSpPr>
+      <p:sp>
+        <p:nvSpPr>
+          <p:cNvPr id="2" name="スライド イメージ プレースホルダー 1"/>
+          <p:cNvSpPr>
+            <a:spLocks noGrp="1" noRot="1" noChangeAspect="1"/>
+          </p:cNvSpPr>
+          <p:nvPr>
+            <p:ph type="sldImg"/>
+          </p:nvPr>
+        </p:nvSpPr>
+        <p:spPr/>
+      </p:sp>
+      <p:sp>
+        <p:nvSpPr>
+          <p:cNvPr id="3" name="ノート プレースホルダー 2"/>
+          <p:cNvSpPr>
+            <a:spLocks noGrp="1"/>
+          </p:cNvSpPr>
+          <p:nvPr>
+            <p:ph type="body" idx="1"/>
+          </p:nvPr>
+        </p:nvSpPr>
+        <p:spPr/>
+        <p:txBody>
+          <a:bodyPr/>
+          <a:lstStyle/>
+          <a:p>
+            <a:endParaRPr kumimoji="1" lang="ja-JP" altLang="en-US"/>
+          </a:p>
+        </p:txBody>
+      </p:sp>
+      <p:sp>
+        <p:nvSpPr>
+          <p:cNvPr id="4" name="スライド番号プレースホルダー 3"/>
+          <p:cNvSpPr>
+            <a:spLocks noGrp="1"/>
+          </p:cNvSpPr>
+          <p:nvPr>
+            <p:ph type="sldNum" sz="quarter" idx="5"/>
+          </p:nvPr>
+        </p:nvSpPr>
+        <p:spPr/>
+        <p:txBody>
+          <a:bodyPr/>
+          <a:lstStyle/>
+          <a:p>
+            <a:fld id="{BE24D3FC-986F-304B-9DE2-E04180071E9A}" type="slidenum">
+              <a:rPr kumimoji="1" lang="ja-JP" altLang="en-US" smtClean="0"/>
+              <a:t>2</a:t>
+            </a:fld>
+            <a:endParaRPr kumimoji="1" lang="ja-JP" altLang="en-US"/>
+          </a:p>
+        </p:txBody>
+      </p:sp>
+    </p:spTree>
+    <p:extLst>
+      <p:ext uri="{BB962C8B-B14F-4D97-AF65-F5344CB8AC3E}">
+        <p14:creationId xmlns:p14="http://schemas.microsoft.com/office/powerpoint/2010/main" val="1392095266"/>
+      </p:ext>
+    </p:extLst>
+  </p:cSld>
+  <p:clrMapOvr>
+    <a:masterClrMapping/>
+  </p:clrMapOvr>
+</p:notes>
+</file>
+
+<file path=ppt/notesSlides/notesSlide2.xml><?xml version="1.0" encoding="utf-8"?>
+<p:notes xmlns:a="http://schemas.openxmlformats.org/drawingml/2006/main" xmlns:r="http://schemas.openxmlformats.org/officeDocument/2006/relationships" xmlns:p="http://schemas.openxmlformats.org/presentationml/2006/main">
+  <p:cSld>
+    <p:spTree>
+      <p:nvGrpSpPr>
+        <p:cNvPr id="1" name=""/>
+        <p:cNvGrpSpPr/>
+        <p:nvPr/>
+      </p:nvGrpSpPr>
+      <p:grpSpPr>
+        <a:xfrm>
+          <a:off x="0" y="0"/>
+          <a:ext cx="0" cy="0"/>
+          <a:chOff x="0" y="0"/>
+          <a:chExt cx="0" cy="0"/>
+        </a:xfrm>
+      </p:grpSpPr>
+      <p:sp>
+        <p:nvSpPr>
+          <p:cNvPr id="2" name="スライド イメージ プレースホルダー 1"/>
+          <p:cNvSpPr>
+            <a:spLocks noGrp="1" noRot="1" noChangeAspect="1"/>
+          </p:cNvSpPr>
+          <p:nvPr>
+            <p:ph type="sldImg"/>
+          </p:nvPr>
+        </p:nvSpPr>
+        <p:spPr/>
+      </p:sp>
+      <p:sp>
+        <p:nvSpPr>
+          <p:cNvPr id="3" name="ノート プレースホルダー 2"/>
+          <p:cNvSpPr>
+            <a:spLocks noGrp="1"/>
+          </p:cNvSpPr>
+          <p:nvPr>
+            <p:ph type="body" idx="1"/>
+          </p:nvPr>
+        </p:nvSpPr>
+        <p:spPr/>
+        <p:txBody>
+          <a:bodyPr/>
+          <a:lstStyle/>
+          <a:p>
+            <a:endParaRPr kumimoji="1" lang="ja-JP" altLang="en-US"/>
+          </a:p>
+        </p:txBody>
+      </p:sp>
+      <p:sp>
+        <p:nvSpPr>
+          <p:cNvPr id="4" name="スライド番号プレースホルダー 3"/>
+          <p:cNvSpPr>
+            <a:spLocks noGrp="1"/>
+          </p:cNvSpPr>
+          <p:nvPr>
+            <p:ph type="sldNum" sz="quarter" idx="5"/>
+          </p:nvPr>
+        </p:nvSpPr>
+        <p:spPr/>
+        <p:txBody>
+          <a:bodyPr/>
+          <a:lstStyle/>
+          <a:p>
+            <a:fld id="{BE24D3FC-986F-304B-9DE2-E04180071E9A}" type="slidenum">
+              <a:rPr kumimoji="1" lang="ja-JP" altLang="en-US" smtClean="0"/>
+              <a:t>3</a:t>
+            </a:fld>
+            <a:endParaRPr kumimoji="1" lang="ja-JP" altLang="en-US"/>
+          </a:p>
+        </p:txBody>
+      </p:sp>
+    </p:spTree>
+    <p:extLst>
+      <p:ext uri="{BB962C8B-B14F-4D97-AF65-F5344CB8AC3E}">
+        <p14:creationId xmlns:p14="http://schemas.microsoft.com/office/powerpoint/2010/main" val="2789308763"/>
+      </p:ext>
+    </p:extLst>
+  </p:cSld>
+  <p:clrMapOvr>
+    <a:masterClrMapping/>
+  </p:clrMapOvr>
+</p:notes>
 </file>
 
 <file path=ppt/slideLayouts/slideLayout1.xml><?xml version="1.0" encoding="utf-8"?>
@@ -255,7 +813,7 @@
           <a:p>
             <a:fld id="{86BA6A6B-E36D-594B-B171-0F5ABB4A6F4D}" type="datetimeFigureOut">
               <a:rPr kumimoji="1" lang="ja-JP" altLang="en-US" smtClean="0"/>
-              <a:t>2021/9/14</a:t>
+              <a:t>2021/9/29</a:t>
             </a:fld>
             <a:endParaRPr kumimoji="1" lang="ja-JP" altLang="en-US"/>
           </a:p>
@@ -485,7 +1043,7 @@
           <a:p>
             <a:fld id="{86BA6A6B-E36D-594B-B171-0F5ABB4A6F4D}" type="datetimeFigureOut">
               <a:rPr kumimoji="1" lang="ja-JP" altLang="en-US" smtClean="0"/>
-              <a:t>2021/9/14</a:t>
+              <a:t>2021/9/29</a:t>
             </a:fld>
             <a:endParaRPr kumimoji="1" lang="ja-JP" altLang="en-US"/>
           </a:p>
@@ -725,7 +1283,7 @@
           <a:p>
             <a:fld id="{86BA6A6B-E36D-594B-B171-0F5ABB4A6F4D}" type="datetimeFigureOut">
               <a:rPr kumimoji="1" lang="ja-JP" altLang="en-US" smtClean="0"/>
-              <a:t>2021/9/14</a:t>
+              <a:t>2021/9/29</a:t>
             </a:fld>
             <a:endParaRPr kumimoji="1" lang="ja-JP" altLang="en-US"/>
           </a:p>
@@ -955,7 +1513,7 @@
           <a:p>
             <a:fld id="{86BA6A6B-E36D-594B-B171-0F5ABB4A6F4D}" type="datetimeFigureOut">
               <a:rPr kumimoji="1" lang="ja-JP" altLang="en-US" smtClean="0"/>
-              <a:t>2021/9/14</a:t>
+              <a:t>2021/9/29</a:t>
             </a:fld>
             <a:endParaRPr kumimoji="1" lang="ja-JP" altLang="en-US"/>
           </a:p>
@@ -1230,7 +1788,7 @@
           <a:p>
             <a:fld id="{86BA6A6B-E36D-594B-B171-0F5ABB4A6F4D}" type="datetimeFigureOut">
               <a:rPr kumimoji="1" lang="ja-JP" altLang="en-US" smtClean="0"/>
-              <a:t>2021/9/14</a:t>
+              <a:t>2021/9/29</a:t>
             </a:fld>
             <a:endParaRPr kumimoji="1" lang="ja-JP" altLang="en-US"/>
           </a:p>
@@ -1559,7 +2117,7 @@
           <a:p>
             <a:fld id="{86BA6A6B-E36D-594B-B171-0F5ABB4A6F4D}" type="datetimeFigureOut">
               <a:rPr kumimoji="1" lang="ja-JP" altLang="en-US" smtClean="0"/>
-              <a:t>2021/9/14</a:t>
+              <a:t>2021/9/29</a:t>
             </a:fld>
             <a:endParaRPr kumimoji="1" lang="ja-JP" altLang="en-US"/>
           </a:p>
@@ -2035,7 +2593,7 @@
           <a:p>
             <a:fld id="{86BA6A6B-E36D-594B-B171-0F5ABB4A6F4D}" type="datetimeFigureOut">
               <a:rPr kumimoji="1" lang="ja-JP" altLang="en-US" smtClean="0"/>
-              <a:t>2021/9/14</a:t>
+              <a:t>2021/9/29</a:t>
             </a:fld>
             <a:endParaRPr kumimoji="1" lang="ja-JP" altLang="en-US"/>
           </a:p>
@@ -2176,7 +2734,7 @@
           <a:p>
             <a:fld id="{86BA6A6B-E36D-594B-B171-0F5ABB4A6F4D}" type="datetimeFigureOut">
               <a:rPr kumimoji="1" lang="ja-JP" altLang="en-US" smtClean="0"/>
-              <a:t>2021/9/14</a:t>
+              <a:t>2021/9/29</a:t>
             </a:fld>
             <a:endParaRPr kumimoji="1" lang="ja-JP" altLang="en-US"/>
           </a:p>
@@ -2289,7 +2847,7 @@
           <a:p>
             <a:fld id="{86BA6A6B-E36D-594B-B171-0F5ABB4A6F4D}" type="datetimeFigureOut">
               <a:rPr kumimoji="1" lang="ja-JP" altLang="en-US" smtClean="0"/>
-              <a:t>2021/9/14</a:t>
+              <a:t>2021/9/29</a:t>
             </a:fld>
             <a:endParaRPr kumimoji="1" lang="ja-JP" altLang="en-US"/>
           </a:p>
@@ -2632,7 +3190,7 @@
           <a:p>
             <a:fld id="{86BA6A6B-E36D-594B-B171-0F5ABB4A6F4D}" type="datetimeFigureOut">
               <a:rPr kumimoji="1" lang="ja-JP" altLang="en-US" smtClean="0"/>
-              <a:t>2021/9/14</a:t>
+              <a:t>2021/9/29</a:t>
             </a:fld>
             <a:endParaRPr kumimoji="1" lang="ja-JP" altLang="en-US"/>
           </a:p>
@@ -2920,7 +3478,7 @@
           <a:p>
             <a:fld id="{86BA6A6B-E36D-594B-B171-0F5ABB4A6F4D}" type="datetimeFigureOut">
               <a:rPr kumimoji="1" lang="ja-JP" altLang="en-US" smtClean="0"/>
-              <a:t>2021/9/14</a:t>
+              <a:t>2021/9/29</a:t>
             </a:fld>
             <a:endParaRPr kumimoji="1" lang="ja-JP" altLang="en-US"/>
           </a:p>
@@ -3193,7 +3751,7 @@
           <a:p>
             <a:fld id="{86BA6A6B-E36D-594B-B171-0F5ABB4A6F4D}" type="datetimeFigureOut">
               <a:rPr kumimoji="1" lang="ja-JP" altLang="en-US" smtClean="0"/>
-              <a:t>2021/9/14</a:t>
+              <a:t>2021/9/29</a:t>
             </a:fld>
             <a:endParaRPr kumimoji="1" lang="ja-JP" altLang="en-US"/>
           </a:p>
@@ -3612,58 +4170,577 @@
       </p:grpSpPr>
       <p:sp>
         <p:nvSpPr>
-          <p:cNvPr id="2" name="タイトル 1">
-            <a:extLst>
-              <a:ext uri="{FF2B5EF4-FFF2-40B4-BE49-F238E27FC236}">
-                <a16:creationId xmlns:a16="http://schemas.microsoft.com/office/drawing/2014/main" id="{4FA812E7-FA35-8545-908B-CF218ABA2E17}"/>
-              </a:ext>
-            </a:extLst>
-          </p:cNvPr>
-          <p:cNvSpPr>
-            <a:spLocks noGrp="1"/>
-          </p:cNvSpPr>
-          <p:nvPr>
-            <p:ph type="ctrTitle"/>
-          </p:nvPr>
-        </p:nvSpPr>
-        <p:spPr/>
-        <p:txBody>
-          <a:bodyPr/>
-          <a:lstStyle/>
-          <a:p>
-            <a:endParaRPr kumimoji="1" lang="ja-JP" altLang="en-US"/>
-          </a:p>
-        </p:txBody>
-      </p:sp>
-      <p:sp>
-        <p:nvSpPr>
-          <p:cNvPr id="3" name="字幕 2">
-            <a:extLst>
-              <a:ext uri="{FF2B5EF4-FFF2-40B4-BE49-F238E27FC236}">
-                <a16:creationId xmlns:a16="http://schemas.microsoft.com/office/drawing/2014/main" id="{7F99A5E2-B707-264F-8134-AFDB1D17FC05}"/>
-              </a:ext>
-            </a:extLst>
-          </p:cNvPr>
-          <p:cNvSpPr>
-            <a:spLocks noGrp="1"/>
-          </p:cNvSpPr>
-          <p:nvPr>
-            <p:ph type="subTitle" idx="1"/>
-          </p:nvPr>
-        </p:nvSpPr>
-        <p:spPr/>
-        <p:txBody>
-          <a:bodyPr/>
-          <a:lstStyle/>
-          <a:p>
-            <a:endParaRPr kumimoji="1" lang="ja-JP" altLang="en-US"/>
+          <p:cNvPr id="2" name="正方形/長方形 1">
+            <a:extLst>
+              <a:ext uri="{FF2B5EF4-FFF2-40B4-BE49-F238E27FC236}">
+                <a16:creationId xmlns:a16="http://schemas.microsoft.com/office/drawing/2014/main" id="{BC99C515-E664-434D-8674-B1E6B5686C1C}"/>
+              </a:ext>
+            </a:extLst>
+          </p:cNvPr>
+          <p:cNvSpPr/>
+          <p:nvPr/>
+        </p:nvSpPr>
+        <p:spPr>
+          <a:xfrm>
+            <a:off x="3478924" y="3343841"/>
+            <a:ext cx="630621" cy="3090041"/>
+          </a:xfrm>
+          <a:prstGeom prst="rect">
+            <a:avLst/>
+          </a:prstGeom>
+        </p:spPr>
+        <p:style>
+          <a:lnRef idx="2">
+            <a:schemeClr val="accent1">
+              <a:shade val="50000"/>
+            </a:schemeClr>
+          </a:lnRef>
+          <a:fillRef idx="1">
+            <a:schemeClr val="accent1"/>
+          </a:fillRef>
+          <a:effectRef idx="0">
+            <a:schemeClr val="accent1"/>
+          </a:effectRef>
+          <a:fontRef idx="minor">
+            <a:schemeClr val="lt1"/>
+          </a:fontRef>
+        </p:style>
+        <p:txBody>
+          <a:bodyPr rtlCol="0" anchor="ctr"/>
+          <a:lstStyle/>
+          <a:p>
+            <a:pPr algn="ctr"/>
+            <a:endParaRPr kumimoji="1" lang="ja-JP" altLang="en-US"/>
+          </a:p>
+        </p:txBody>
+      </p:sp>
+      <p:sp>
+        <p:nvSpPr>
+          <p:cNvPr id="3" name="正方形/長方形 2">
+            <a:extLst>
+              <a:ext uri="{FF2B5EF4-FFF2-40B4-BE49-F238E27FC236}">
+                <a16:creationId xmlns:a16="http://schemas.microsoft.com/office/drawing/2014/main" id="{C4359C34-4D34-9747-9FC3-146AE117C75B}"/>
+              </a:ext>
+            </a:extLst>
+          </p:cNvPr>
+          <p:cNvSpPr/>
+          <p:nvPr/>
+        </p:nvSpPr>
+        <p:spPr>
+          <a:xfrm>
+            <a:off x="4109543" y="3974461"/>
+            <a:ext cx="630621" cy="2459421"/>
+          </a:xfrm>
+          <a:prstGeom prst="rect">
+            <a:avLst/>
+          </a:prstGeom>
+        </p:spPr>
+        <p:style>
+          <a:lnRef idx="2">
+            <a:schemeClr val="accent1">
+              <a:shade val="50000"/>
+            </a:schemeClr>
+          </a:lnRef>
+          <a:fillRef idx="1">
+            <a:schemeClr val="accent1"/>
+          </a:fillRef>
+          <a:effectRef idx="0">
+            <a:schemeClr val="accent1"/>
+          </a:effectRef>
+          <a:fontRef idx="minor">
+            <a:schemeClr val="lt1"/>
+          </a:fontRef>
+        </p:style>
+        <p:txBody>
+          <a:bodyPr rtlCol="0" anchor="ctr"/>
+          <a:lstStyle/>
+          <a:p>
+            <a:pPr algn="ctr"/>
+            <a:endParaRPr kumimoji="1" lang="ja-JP" altLang="en-US"/>
+          </a:p>
+        </p:txBody>
+      </p:sp>
+      <p:sp>
+        <p:nvSpPr>
+          <p:cNvPr id="4" name="正方形/長方形 3">
+            <a:extLst>
+              <a:ext uri="{FF2B5EF4-FFF2-40B4-BE49-F238E27FC236}">
+                <a16:creationId xmlns:a16="http://schemas.microsoft.com/office/drawing/2014/main" id="{3E08D7E5-62CE-FD4D-BEA7-80D83237F9B3}"/>
+              </a:ext>
+            </a:extLst>
+          </p:cNvPr>
+          <p:cNvSpPr/>
+          <p:nvPr/>
+        </p:nvSpPr>
+        <p:spPr>
+          <a:xfrm>
+            <a:off x="4740166" y="4636613"/>
+            <a:ext cx="630621" cy="1797269"/>
+          </a:xfrm>
+          <a:prstGeom prst="rect">
+            <a:avLst/>
+          </a:prstGeom>
+        </p:spPr>
+        <p:style>
+          <a:lnRef idx="2">
+            <a:schemeClr val="accent1">
+              <a:shade val="50000"/>
+            </a:schemeClr>
+          </a:lnRef>
+          <a:fillRef idx="1">
+            <a:schemeClr val="accent1"/>
+          </a:fillRef>
+          <a:effectRef idx="0">
+            <a:schemeClr val="accent1"/>
+          </a:effectRef>
+          <a:fontRef idx="minor">
+            <a:schemeClr val="lt1"/>
+          </a:fontRef>
+        </p:style>
+        <p:txBody>
+          <a:bodyPr rtlCol="0" anchor="ctr"/>
+          <a:lstStyle/>
+          <a:p>
+            <a:pPr algn="ctr"/>
+            <a:endParaRPr kumimoji="1" lang="ja-JP" altLang="en-US"/>
+          </a:p>
+        </p:txBody>
+      </p:sp>
+      <p:sp>
+        <p:nvSpPr>
+          <p:cNvPr id="5" name="正方形/長方形 4">
+            <a:extLst>
+              <a:ext uri="{FF2B5EF4-FFF2-40B4-BE49-F238E27FC236}">
+                <a16:creationId xmlns:a16="http://schemas.microsoft.com/office/drawing/2014/main" id="{401E7B28-3187-CD47-8866-D743FE2BAE22}"/>
+              </a:ext>
+            </a:extLst>
+          </p:cNvPr>
+          <p:cNvSpPr/>
+          <p:nvPr/>
+        </p:nvSpPr>
+        <p:spPr>
+          <a:xfrm>
+            <a:off x="5370787" y="3974461"/>
+            <a:ext cx="630621" cy="2459421"/>
+          </a:xfrm>
+          <a:prstGeom prst="rect">
+            <a:avLst/>
+          </a:prstGeom>
+        </p:spPr>
+        <p:style>
+          <a:lnRef idx="2">
+            <a:schemeClr val="accent1">
+              <a:shade val="50000"/>
+            </a:schemeClr>
+          </a:lnRef>
+          <a:fillRef idx="1">
+            <a:schemeClr val="accent1"/>
+          </a:fillRef>
+          <a:effectRef idx="0">
+            <a:schemeClr val="accent1"/>
+          </a:effectRef>
+          <a:fontRef idx="minor">
+            <a:schemeClr val="lt1"/>
+          </a:fontRef>
+        </p:style>
+        <p:txBody>
+          <a:bodyPr rtlCol="0" anchor="ctr"/>
+          <a:lstStyle/>
+          <a:p>
+            <a:pPr algn="ctr"/>
+            <a:endParaRPr kumimoji="1" lang="ja-JP" altLang="en-US"/>
+          </a:p>
+        </p:txBody>
+      </p:sp>
+      <p:sp>
+        <p:nvSpPr>
+          <p:cNvPr id="6" name="正方形/長方形 5">
+            <a:extLst>
+              <a:ext uri="{FF2B5EF4-FFF2-40B4-BE49-F238E27FC236}">
+                <a16:creationId xmlns:a16="http://schemas.microsoft.com/office/drawing/2014/main" id="{9A95800D-0806-0248-A505-A9170F493382}"/>
+              </a:ext>
+            </a:extLst>
+          </p:cNvPr>
+          <p:cNvSpPr/>
+          <p:nvPr/>
+        </p:nvSpPr>
+        <p:spPr>
+          <a:xfrm>
+            <a:off x="6001408" y="3343841"/>
+            <a:ext cx="630621" cy="3090041"/>
+          </a:xfrm>
+          <a:prstGeom prst="rect">
+            <a:avLst/>
+          </a:prstGeom>
+        </p:spPr>
+        <p:style>
+          <a:lnRef idx="2">
+            <a:schemeClr val="accent1">
+              <a:shade val="50000"/>
+            </a:schemeClr>
+          </a:lnRef>
+          <a:fillRef idx="1">
+            <a:schemeClr val="accent1"/>
+          </a:fillRef>
+          <a:effectRef idx="0">
+            <a:schemeClr val="accent1"/>
+          </a:effectRef>
+          <a:fontRef idx="minor">
+            <a:schemeClr val="lt1"/>
+          </a:fontRef>
+        </p:style>
+        <p:txBody>
+          <a:bodyPr rtlCol="0" anchor="ctr"/>
+          <a:lstStyle/>
+          <a:p>
+            <a:pPr algn="ctr"/>
+            <a:endParaRPr kumimoji="1" lang="ja-JP" altLang="en-US"/>
+          </a:p>
+        </p:txBody>
+      </p:sp>
+      <p:sp>
+        <p:nvSpPr>
+          <p:cNvPr id="7" name="正方形/長方形 6">
+            <a:extLst>
+              <a:ext uri="{FF2B5EF4-FFF2-40B4-BE49-F238E27FC236}">
+                <a16:creationId xmlns:a16="http://schemas.microsoft.com/office/drawing/2014/main" id="{4DA50C8E-484F-B640-9A1C-FEDF3FEA24C5}"/>
+              </a:ext>
+            </a:extLst>
+          </p:cNvPr>
+          <p:cNvSpPr/>
+          <p:nvPr/>
+        </p:nvSpPr>
+        <p:spPr>
+          <a:xfrm>
+            <a:off x="6632028" y="2698230"/>
+            <a:ext cx="630621" cy="3735652"/>
+          </a:xfrm>
+          <a:prstGeom prst="rect">
+            <a:avLst/>
+          </a:prstGeom>
+        </p:spPr>
+        <p:style>
+          <a:lnRef idx="2">
+            <a:schemeClr val="accent1">
+              <a:shade val="50000"/>
+            </a:schemeClr>
+          </a:lnRef>
+          <a:fillRef idx="1">
+            <a:schemeClr val="accent1"/>
+          </a:fillRef>
+          <a:effectRef idx="0">
+            <a:schemeClr val="accent1"/>
+          </a:effectRef>
+          <a:fontRef idx="minor">
+            <a:schemeClr val="lt1"/>
+          </a:fontRef>
+        </p:style>
+        <p:txBody>
+          <a:bodyPr rtlCol="0" anchor="ctr"/>
+          <a:lstStyle/>
+          <a:p>
+            <a:pPr algn="ctr"/>
+            <a:endParaRPr kumimoji="1" lang="ja-JP" altLang="en-US"/>
+          </a:p>
+        </p:txBody>
+      </p:sp>
+      <p:sp>
+        <p:nvSpPr>
+          <p:cNvPr id="8" name="正方形/長方形 7">
+            <a:extLst>
+              <a:ext uri="{FF2B5EF4-FFF2-40B4-BE49-F238E27FC236}">
+                <a16:creationId xmlns:a16="http://schemas.microsoft.com/office/drawing/2014/main" id="{F09A0B40-E3B3-D24F-B31A-AC244A1EB1AB}"/>
+              </a:ext>
+            </a:extLst>
+          </p:cNvPr>
+          <p:cNvSpPr/>
+          <p:nvPr/>
+        </p:nvSpPr>
+        <p:spPr>
+          <a:xfrm>
+            <a:off x="4740166" y="4636613"/>
+            <a:ext cx="630621" cy="1797269"/>
+          </a:xfrm>
+          <a:prstGeom prst="rect">
+            <a:avLst/>
+          </a:prstGeom>
+        </p:spPr>
+        <p:style>
+          <a:lnRef idx="2">
+            <a:schemeClr val="accent1">
+              <a:shade val="50000"/>
+            </a:schemeClr>
+          </a:lnRef>
+          <a:fillRef idx="1">
+            <a:schemeClr val="accent1"/>
+          </a:fillRef>
+          <a:effectRef idx="0">
+            <a:schemeClr val="accent1"/>
+          </a:effectRef>
+          <a:fontRef idx="minor">
+            <a:schemeClr val="lt1"/>
+          </a:fontRef>
+        </p:style>
+        <p:txBody>
+          <a:bodyPr rtlCol="0" anchor="ctr"/>
+          <a:lstStyle/>
+          <a:p>
+            <a:pPr algn="ctr"/>
+            <a:endParaRPr kumimoji="1" lang="ja-JP" altLang="en-US"/>
+          </a:p>
+        </p:txBody>
+      </p:sp>
+      <p:sp>
+        <p:nvSpPr>
+          <p:cNvPr id="9" name="正方形/長方形 8">
+            <a:extLst>
+              <a:ext uri="{FF2B5EF4-FFF2-40B4-BE49-F238E27FC236}">
+                <a16:creationId xmlns:a16="http://schemas.microsoft.com/office/drawing/2014/main" id="{A380A82B-8AD4-3147-8401-DB89FABDC299}"/>
+              </a:ext>
+            </a:extLst>
+          </p:cNvPr>
+          <p:cNvSpPr/>
+          <p:nvPr/>
+        </p:nvSpPr>
+        <p:spPr>
+          <a:xfrm>
+            <a:off x="7262650" y="3343841"/>
+            <a:ext cx="630621" cy="3090041"/>
+          </a:xfrm>
+          <a:prstGeom prst="rect">
+            <a:avLst/>
+          </a:prstGeom>
+        </p:spPr>
+        <p:style>
+          <a:lnRef idx="2">
+            <a:schemeClr val="accent1">
+              <a:shade val="50000"/>
+            </a:schemeClr>
+          </a:lnRef>
+          <a:fillRef idx="1">
+            <a:schemeClr val="accent1"/>
+          </a:fillRef>
+          <a:effectRef idx="0">
+            <a:schemeClr val="accent1"/>
+          </a:effectRef>
+          <a:fontRef idx="minor">
+            <a:schemeClr val="lt1"/>
+          </a:fontRef>
+        </p:style>
+        <p:txBody>
+          <a:bodyPr rtlCol="0" anchor="ctr"/>
+          <a:lstStyle/>
+          <a:p>
+            <a:pPr algn="ctr"/>
+            <a:endParaRPr kumimoji="1" lang="ja-JP" altLang="en-US"/>
+          </a:p>
+        </p:txBody>
+      </p:sp>
+      <p:sp>
+        <p:nvSpPr>
+          <p:cNvPr id="10" name="正方形/長方形 9">
+            <a:extLst>
+              <a:ext uri="{FF2B5EF4-FFF2-40B4-BE49-F238E27FC236}">
+                <a16:creationId xmlns:a16="http://schemas.microsoft.com/office/drawing/2014/main" id="{BF85A683-2554-FB4A-B554-1B8077E6D9D3}"/>
+              </a:ext>
+            </a:extLst>
+          </p:cNvPr>
+          <p:cNvSpPr/>
+          <p:nvPr/>
+        </p:nvSpPr>
+        <p:spPr>
+          <a:xfrm>
+            <a:off x="7893271" y="3974461"/>
+            <a:ext cx="630621" cy="2459421"/>
+          </a:xfrm>
+          <a:prstGeom prst="rect">
+            <a:avLst/>
+          </a:prstGeom>
+        </p:spPr>
+        <p:style>
+          <a:lnRef idx="2">
+            <a:schemeClr val="accent1">
+              <a:shade val="50000"/>
+            </a:schemeClr>
+          </a:lnRef>
+          <a:fillRef idx="1">
+            <a:schemeClr val="accent1"/>
+          </a:fillRef>
+          <a:effectRef idx="0">
+            <a:schemeClr val="accent1"/>
+          </a:effectRef>
+          <a:fontRef idx="minor">
+            <a:schemeClr val="lt1"/>
+          </a:fontRef>
+        </p:style>
+        <p:txBody>
+          <a:bodyPr rtlCol="0" anchor="ctr"/>
+          <a:lstStyle/>
+          <a:p>
+            <a:pPr algn="ctr"/>
+            <a:endParaRPr kumimoji="1" lang="ja-JP" altLang="en-US"/>
+          </a:p>
+        </p:txBody>
+      </p:sp>
+      <p:sp>
+        <p:nvSpPr>
+          <p:cNvPr id="12" name="正方形/長方形 11">
+            <a:extLst>
+              <a:ext uri="{FF2B5EF4-FFF2-40B4-BE49-F238E27FC236}">
+                <a16:creationId xmlns:a16="http://schemas.microsoft.com/office/drawing/2014/main" id="{87031DEE-319D-8545-A673-4012DDD7EB59}"/>
+              </a:ext>
+            </a:extLst>
+          </p:cNvPr>
+          <p:cNvSpPr/>
+          <p:nvPr/>
+        </p:nvSpPr>
+        <p:spPr>
+          <a:xfrm>
+            <a:off x="10459174" y="3420859"/>
+            <a:ext cx="630621" cy="3090041"/>
+          </a:xfrm>
+          <a:prstGeom prst="rect">
+            <a:avLst/>
+          </a:prstGeom>
+        </p:spPr>
+        <p:style>
+          <a:lnRef idx="2">
+            <a:schemeClr val="accent1">
+              <a:shade val="50000"/>
+            </a:schemeClr>
+          </a:lnRef>
+          <a:fillRef idx="1">
+            <a:schemeClr val="accent1"/>
+          </a:fillRef>
+          <a:effectRef idx="0">
+            <a:schemeClr val="accent1"/>
+          </a:effectRef>
+          <a:fontRef idx="minor">
+            <a:schemeClr val="lt1"/>
+          </a:fontRef>
+        </p:style>
+        <p:txBody>
+          <a:bodyPr rtlCol="0" anchor="ctr"/>
+          <a:lstStyle/>
+          <a:p>
+            <a:pPr algn="ctr"/>
+            <a:endParaRPr kumimoji="1" lang="ja-JP" altLang="en-US"/>
+          </a:p>
+        </p:txBody>
+      </p:sp>
+      <p:sp>
+        <p:nvSpPr>
+          <p:cNvPr id="14" name="円/楕円 13">
+            <a:extLst>
+              <a:ext uri="{FF2B5EF4-FFF2-40B4-BE49-F238E27FC236}">
+                <a16:creationId xmlns:a16="http://schemas.microsoft.com/office/drawing/2014/main" id="{74428896-D019-F845-9EC7-B223089FA7F8}"/>
+              </a:ext>
+            </a:extLst>
+          </p:cNvPr>
+          <p:cNvSpPr/>
+          <p:nvPr/>
+        </p:nvSpPr>
+        <p:spPr>
+          <a:xfrm>
+            <a:off x="5836352" y="1397367"/>
+            <a:ext cx="869258" cy="884420"/>
+          </a:xfrm>
+          <a:prstGeom prst="ellipse">
+            <a:avLst/>
+          </a:prstGeom>
+          <a:solidFill>
+            <a:srgbClr val="00B0F0"/>
+          </a:solidFill>
+        </p:spPr>
+        <p:style>
+          <a:lnRef idx="2">
+            <a:schemeClr val="accent1">
+              <a:shade val="50000"/>
+            </a:schemeClr>
+          </a:lnRef>
+          <a:fillRef idx="1">
+            <a:schemeClr val="accent1"/>
+          </a:fillRef>
+          <a:effectRef idx="0">
+            <a:schemeClr val="accent1"/>
+          </a:effectRef>
+          <a:fontRef idx="minor">
+            <a:schemeClr val="lt1"/>
+          </a:fontRef>
+        </p:style>
+        <p:txBody>
+          <a:bodyPr rtlCol="0" anchor="ctr"/>
+          <a:lstStyle/>
+          <a:p>
+            <a:pPr algn="ctr"/>
+            <a:endParaRPr kumimoji="1" lang="ja-JP" altLang="en-US"/>
+          </a:p>
+        </p:txBody>
+      </p:sp>
+      <p:sp>
+        <p:nvSpPr>
+          <p:cNvPr id="15" name="テキスト ボックス 14">
+            <a:extLst>
+              <a:ext uri="{FF2B5EF4-FFF2-40B4-BE49-F238E27FC236}">
+                <a16:creationId xmlns:a16="http://schemas.microsoft.com/office/drawing/2014/main" id="{B2456041-E7A8-434B-AD68-2BB0E01878C4}"/>
+              </a:ext>
+            </a:extLst>
+          </p:cNvPr>
+          <p:cNvSpPr txBox="1"/>
+          <p:nvPr/>
+        </p:nvSpPr>
+        <p:spPr>
+          <a:xfrm>
+            <a:off x="293685" y="-1911455"/>
+            <a:ext cx="5590989" cy="2246769"/>
+          </a:xfrm>
+          <a:prstGeom prst="rect">
+            <a:avLst/>
+          </a:prstGeom>
+          <a:noFill/>
+        </p:spPr>
+        <p:txBody>
+          <a:bodyPr wrap="square" rtlCol="0">
+            <a:spAutoFit/>
+          </a:bodyPr>
+          <a:lstStyle/>
+          <a:p>
+            <a:r>
+              <a:rPr lang="en-US" altLang="ja-JP" sz="2800" dirty="0" err="1"/>
+              <a:t>dy</a:t>
+            </a:r>
+            <a:r>
+              <a:rPr lang="en-US" altLang="ja-JP" sz="2800" dirty="0"/>
+              <a:t>(time) = v0 - g * time( = 10)</a:t>
+            </a:r>
+          </a:p>
+          <a:p>
+            <a:r>
+              <a:rPr lang="en-US" altLang="ja-JP" sz="2800" dirty="0"/>
+              <a:t>v = - g * time( = 0)</a:t>
+            </a:r>
+          </a:p>
+          <a:p>
+            <a:endParaRPr kumimoji="1" lang="en-US" altLang="ja-JP" sz="2800" dirty="0"/>
+          </a:p>
+          <a:p>
+            <a:r>
+              <a:rPr lang="en-US" altLang="ja-JP" sz="2800" dirty="0"/>
+              <a:t>const v0 = 30;</a:t>
+            </a:r>
+          </a:p>
+          <a:p>
+            <a:r>
+              <a:rPr lang="en-US" altLang="ja-JP" sz="2800" dirty="0"/>
+              <a:t>const g = 3;</a:t>
+            </a:r>
           </a:p>
         </p:txBody>
       </p:sp>
     </p:spTree>
     <p:extLst>
       <p:ext uri="{BB962C8B-B14F-4D97-AF65-F5344CB8AC3E}">
-        <p14:creationId xmlns:p14="http://schemas.microsoft.com/office/powerpoint/2010/main" val="2700247223"/>
+        <p14:creationId xmlns:p14="http://schemas.microsoft.com/office/powerpoint/2010/main" val="2896517770"/>
       </p:ext>
     </p:extLst>
   </p:cSld>
@@ -3692,10 +4769,10 @@
       </p:grpSpPr>
       <p:sp>
         <p:nvSpPr>
-          <p:cNvPr id="2" name="正方形/長方形 1">
-            <a:extLst>
-              <a:ext uri="{FF2B5EF4-FFF2-40B4-BE49-F238E27FC236}">
-                <a16:creationId xmlns:a16="http://schemas.microsoft.com/office/drawing/2014/main" id="{BC99C515-E664-434D-8674-B1E6B5686C1C}"/>
+          <p:cNvPr id="4" name="正方形/長方形 3">
+            <a:extLst>
+              <a:ext uri="{FF2B5EF4-FFF2-40B4-BE49-F238E27FC236}">
+                <a16:creationId xmlns:a16="http://schemas.microsoft.com/office/drawing/2014/main" id="{826CA0EE-A04B-F04A-9B41-259BC36C02D5}"/>
               </a:ext>
             </a:extLst>
           </p:cNvPr>
@@ -3704,10 +4781,388 @@
         </p:nvSpPr>
         <p:spPr>
           <a:xfrm>
-            <a:off x="3478924" y="3343841"/>
-            <a:ext cx="630621" cy="3090041"/>
+            <a:off x="2207941" y="2486722"/>
+            <a:ext cx="591015" cy="2720898"/>
           </a:xfrm>
           <a:prstGeom prst="rect">
+            <a:avLst/>
+          </a:prstGeom>
+          <a:solidFill>
+            <a:srgbClr val="00B0F0"/>
+          </a:solidFill>
+          <a:ln>
+            <a:solidFill>
+              <a:schemeClr val="tx1"/>
+            </a:solidFill>
+          </a:ln>
+        </p:spPr>
+        <p:style>
+          <a:lnRef idx="2">
+            <a:schemeClr val="accent1">
+              <a:shade val="50000"/>
+            </a:schemeClr>
+          </a:lnRef>
+          <a:fillRef idx="1">
+            <a:schemeClr val="accent1"/>
+          </a:fillRef>
+          <a:effectRef idx="0">
+            <a:schemeClr val="accent1"/>
+          </a:effectRef>
+          <a:fontRef idx="minor">
+            <a:schemeClr val="lt1"/>
+          </a:fontRef>
+        </p:style>
+        <p:txBody>
+          <a:bodyPr rtlCol="0" anchor="ctr"/>
+          <a:lstStyle/>
+          <a:p>
+            <a:pPr algn="ctr"/>
+            <a:endParaRPr kumimoji="1" lang="ja-JP" altLang="en-US"/>
+          </a:p>
+        </p:txBody>
+      </p:sp>
+      <p:sp>
+        <p:nvSpPr>
+          <p:cNvPr id="5" name="正方形/長方形 4">
+            <a:extLst>
+              <a:ext uri="{FF2B5EF4-FFF2-40B4-BE49-F238E27FC236}">
+                <a16:creationId xmlns:a16="http://schemas.microsoft.com/office/drawing/2014/main" id="{C3D4D315-1A21-7041-891E-333FCE131B0B}"/>
+              </a:ext>
+            </a:extLst>
+          </p:cNvPr>
+          <p:cNvSpPr/>
+          <p:nvPr/>
+        </p:nvSpPr>
+        <p:spPr>
+          <a:xfrm>
+            <a:off x="2776654" y="2999678"/>
+            <a:ext cx="591015" cy="2207942"/>
+          </a:xfrm>
+          <a:prstGeom prst="rect">
+            <a:avLst/>
+          </a:prstGeom>
+          <a:solidFill>
+            <a:srgbClr val="00B0F0"/>
+          </a:solidFill>
+          <a:ln>
+            <a:solidFill>
+              <a:schemeClr val="tx1"/>
+            </a:solidFill>
+          </a:ln>
+        </p:spPr>
+        <p:style>
+          <a:lnRef idx="2">
+            <a:schemeClr val="accent1">
+              <a:shade val="50000"/>
+            </a:schemeClr>
+          </a:lnRef>
+          <a:fillRef idx="1">
+            <a:schemeClr val="accent1"/>
+          </a:fillRef>
+          <a:effectRef idx="0">
+            <a:schemeClr val="accent1"/>
+          </a:effectRef>
+          <a:fontRef idx="minor">
+            <a:schemeClr val="lt1"/>
+          </a:fontRef>
+        </p:style>
+        <p:txBody>
+          <a:bodyPr rtlCol="0" anchor="ctr"/>
+          <a:lstStyle/>
+          <a:p>
+            <a:pPr algn="ctr"/>
+            <a:endParaRPr kumimoji="1" lang="ja-JP" altLang="en-US"/>
+          </a:p>
+        </p:txBody>
+      </p:sp>
+      <p:sp>
+        <p:nvSpPr>
+          <p:cNvPr id="6" name="正方形/長方形 5">
+            <a:extLst>
+              <a:ext uri="{FF2B5EF4-FFF2-40B4-BE49-F238E27FC236}">
+                <a16:creationId xmlns:a16="http://schemas.microsoft.com/office/drawing/2014/main" id="{6550771D-4FC5-6143-8048-DD7730A87C1E}"/>
+              </a:ext>
+            </a:extLst>
+          </p:cNvPr>
+          <p:cNvSpPr/>
+          <p:nvPr/>
+        </p:nvSpPr>
+        <p:spPr>
+          <a:xfrm>
+            <a:off x="3367669" y="3429000"/>
+            <a:ext cx="591015" cy="1778620"/>
+          </a:xfrm>
+          <a:prstGeom prst="rect">
+            <a:avLst/>
+          </a:prstGeom>
+          <a:solidFill>
+            <a:srgbClr val="00B0F0"/>
+          </a:solidFill>
+          <a:ln>
+            <a:solidFill>
+              <a:schemeClr val="tx1"/>
+            </a:solidFill>
+          </a:ln>
+        </p:spPr>
+        <p:style>
+          <a:lnRef idx="2">
+            <a:schemeClr val="accent1">
+              <a:shade val="50000"/>
+            </a:schemeClr>
+          </a:lnRef>
+          <a:fillRef idx="1">
+            <a:schemeClr val="accent1"/>
+          </a:fillRef>
+          <a:effectRef idx="0">
+            <a:schemeClr val="accent1"/>
+          </a:effectRef>
+          <a:fontRef idx="minor">
+            <a:schemeClr val="lt1"/>
+          </a:fontRef>
+        </p:style>
+        <p:txBody>
+          <a:bodyPr rtlCol="0" anchor="ctr"/>
+          <a:lstStyle/>
+          <a:p>
+            <a:pPr algn="ctr"/>
+            <a:endParaRPr kumimoji="1" lang="ja-JP" altLang="en-US"/>
+          </a:p>
+        </p:txBody>
+      </p:sp>
+      <p:sp>
+        <p:nvSpPr>
+          <p:cNvPr id="7" name="正方形/長方形 6">
+            <a:extLst>
+              <a:ext uri="{FF2B5EF4-FFF2-40B4-BE49-F238E27FC236}">
+                <a16:creationId xmlns:a16="http://schemas.microsoft.com/office/drawing/2014/main" id="{3B53C5C4-AC57-494D-BB2C-7857B7256250}"/>
+              </a:ext>
+            </a:extLst>
+          </p:cNvPr>
+          <p:cNvSpPr/>
+          <p:nvPr/>
+        </p:nvSpPr>
+        <p:spPr>
+          <a:xfrm>
+            <a:off x="4516247" y="2999678"/>
+            <a:ext cx="591015" cy="2207942"/>
+          </a:xfrm>
+          <a:prstGeom prst="rect">
+            <a:avLst/>
+          </a:prstGeom>
+          <a:solidFill>
+            <a:srgbClr val="00B0F0"/>
+          </a:solidFill>
+          <a:ln>
+            <a:solidFill>
+              <a:schemeClr val="tx1"/>
+            </a:solidFill>
+          </a:ln>
+        </p:spPr>
+        <p:style>
+          <a:lnRef idx="2">
+            <a:schemeClr val="accent1">
+              <a:shade val="50000"/>
+            </a:schemeClr>
+          </a:lnRef>
+          <a:fillRef idx="1">
+            <a:schemeClr val="accent1"/>
+          </a:fillRef>
+          <a:effectRef idx="0">
+            <a:schemeClr val="accent1"/>
+          </a:effectRef>
+          <a:fontRef idx="minor">
+            <a:schemeClr val="lt1"/>
+          </a:fontRef>
+        </p:style>
+        <p:txBody>
+          <a:bodyPr rtlCol="0" anchor="ctr"/>
+          <a:lstStyle/>
+          <a:p>
+            <a:pPr algn="ctr"/>
+            <a:endParaRPr kumimoji="1" lang="ja-JP" altLang="en-US"/>
+          </a:p>
+        </p:txBody>
+      </p:sp>
+      <p:sp>
+        <p:nvSpPr>
+          <p:cNvPr id="8" name="正方形/長方形 7">
+            <a:extLst>
+              <a:ext uri="{FF2B5EF4-FFF2-40B4-BE49-F238E27FC236}">
+                <a16:creationId xmlns:a16="http://schemas.microsoft.com/office/drawing/2014/main" id="{3E718293-DB53-3B45-B3D6-548EDF6D0B04}"/>
+              </a:ext>
+            </a:extLst>
+          </p:cNvPr>
+          <p:cNvSpPr/>
+          <p:nvPr/>
+        </p:nvSpPr>
+        <p:spPr>
+          <a:xfrm>
+            <a:off x="5084959" y="2486722"/>
+            <a:ext cx="591015" cy="2720898"/>
+          </a:xfrm>
+          <a:prstGeom prst="rect">
+            <a:avLst/>
+          </a:prstGeom>
+          <a:solidFill>
+            <a:srgbClr val="00B0F0"/>
+          </a:solidFill>
+          <a:ln>
+            <a:solidFill>
+              <a:schemeClr val="tx1"/>
+            </a:solidFill>
+          </a:ln>
+        </p:spPr>
+        <p:style>
+          <a:lnRef idx="2">
+            <a:schemeClr val="accent1">
+              <a:shade val="50000"/>
+            </a:schemeClr>
+          </a:lnRef>
+          <a:fillRef idx="1">
+            <a:schemeClr val="accent1"/>
+          </a:fillRef>
+          <a:effectRef idx="0">
+            <a:schemeClr val="accent1"/>
+          </a:effectRef>
+          <a:fontRef idx="minor">
+            <a:schemeClr val="lt1"/>
+          </a:fontRef>
+        </p:style>
+        <p:txBody>
+          <a:bodyPr rtlCol="0" anchor="ctr"/>
+          <a:lstStyle/>
+          <a:p>
+            <a:pPr algn="ctr"/>
+            <a:endParaRPr kumimoji="1" lang="ja-JP" altLang="en-US"/>
+          </a:p>
+        </p:txBody>
+      </p:sp>
+      <p:sp>
+        <p:nvSpPr>
+          <p:cNvPr id="9" name="正方形/長方形 8">
+            <a:extLst>
+              <a:ext uri="{FF2B5EF4-FFF2-40B4-BE49-F238E27FC236}">
+                <a16:creationId xmlns:a16="http://schemas.microsoft.com/office/drawing/2014/main" id="{EEC7814D-D65A-EC4E-8053-781168500733}"/>
+              </a:ext>
+            </a:extLst>
+          </p:cNvPr>
+          <p:cNvSpPr/>
+          <p:nvPr/>
+        </p:nvSpPr>
+        <p:spPr>
+          <a:xfrm>
+            <a:off x="5664825" y="2486722"/>
+            <a:ext cx="591015" cy="2720898"/>
+          </a:xfrm>
+          <a:prstGeom prst="rect">
+            <a:avLst/>
+          </a:prstGeom>
+          <a:solidFill>
+            <a:srgbClr val="00B0F0"/>
+          </a:solidFill>
+          <a:ln>
+            <a:solidFill>
+              <a:schemeClr val="tx1"/>
+            </a:solidFill>
+          </a:ln>
+        </p:spPr>
+        <p:style>
+          <a:lnRef idx="2">
+            <a:schemeClr val="accent1">
+              <a:shade val="50000"/>
+            </a:schemeClr>
+          </a:lnRef>
+          <a:fillRef idx="1">
+            <a:schemeClr val="accent1"/>
+          </a:fillRef>
+          <a:effectRef idx="0">
+            <a:schemeClr val="accent1"/>
+          </a:effectRef>
+          <a:fontRef idx="minor">
+            <a:schemeClr val="lt1"/>
+          </a:fontRef>
+        </p:style>
+        <p:txBody>
+          <a:bodyPr rtlCol="0" anchor="ctr"/>
+          <a:lstStyle/>
+          <a:p>
+            <a:pPr algn="ctr"/>
+            <a:endParaRPr kumimoji="1" lang="ja-JP" altLang="en-US"/>
+          </a:p>
+        </p:txBody>
+      </p:sp>
+      <p:sp>
+        <p:nvSpPr>
+          <p:cNvPr id="10" name="正方形/長方形 9">
+            <a:extLst>
+              <a:ext uri="{FF2B5EF4-FFF2-40B4-BE49-F238E27FC236}">
+                <a16:creationId xmlns:a16="http://schemas.microsoft.com/office/drawing/2014/main" id="{2E20736C-1CB7-0E4B-9E6B-09BF4BDBB230}"/>
+              </a:ext>
+            </a:extLst>
+          </p:cNvPr>
+          <p:cNvSpPr/>
+          <p:nvPr/>
+        </p:nvSpPr>
+        <p:spPr>
+          <a:xfrm>
+            <a:off x="7385830" y="2939565"/>
+            <a:ext cx="591015" cy="2720898"/>
+          </a:xfrm>
+          <a:prstGeom prst="rect">
+            <a:avLst/>
+          </a:prstGeom>
+          <a:solidFill>
+            <a:srgbClr val="00B0F0"/>
+          </a:solidFill>
+          <a:ln>
+            <a:solidFill>
+              <a:schemeClr val="tx1"/>
+            </a:solidFill>
+          </a:ln>
+        </p:spPr>
+        <p:style>
+          <a:lnRef idx="2">
+            <a:schemeClr val="accent1">
+              <a:shade val="50000"/>
+            </a:schemeClr>
+          </a:lnRef>
+          <a:fillRef idx="1">
+            <a:schemeClr val="accent1"/>
+          </a:fillRef>
+          <a:effectRef idx="0">
+            <a:schemeClr val="accent1"/>
+          </a:effectRef>
+          <a:fontRef idx="minor">
+            <a:schemeClr val="lt1"/>
+          </a:fontRef>
+        </p:style>
+        <p:txBody>
+          <a:bodyPr rtlCol="0" anchor="ctr"/>
+          <a:lstStyle/>
+          <a:p>
+            <a:pPr algn="ctr"/>
+            <a:endParaRPr kumimoji="1" lang="ja-JP" altLang="en-US"/>
+          </a:p>
+        </p:txBody>
+      </p:sp>
+      <p:sp>
+        <p:nvSpPr>
+          <p:cNvPr id="11" name="円/楕円 10">
+            <a:extLst>
+              <a:ext uri="{FF2B5EF4-FFF2-40B4-BE49-F238E27FC236}">
+                <a16:creationId xmlns:a16="http://schemas.microsoft.com/office/drawing/2014/main" id="{BAC070CB-9730-7B4F-818F-C0E337B4D0CC}"/>
+              </a:ext>
+            </a:extLst>
+          </p:cNvPr>
+          <p:cNvSpPr/>
+          <p:nvPr/>
+        </p:nvSpPr>
+        <p:spPr>
+          <a:xfrm>
+            <a:off x="2798956" y="1650380"/>
+            <a:ext cx="713684" cy="713678"/>
+          </a:xfrm>
+          <a:prstGeom prst="ellipse">
             <a:avLst/>
           </a:prstGeom>
         </p:spPr>
@@ -3738,10 +5193,86 @@
       </p:sp>
       <p:sp>
         <p:nvSpPr>
-          <p:cNvPr id="3" name="正方形/長方形 2">
-            <a:extLst>
-              <a:ext uri="{FF2B5EF4-FFF2-40B4-BE49-F238E27FC236}">
-                <a16:creationId xmlns:a16="http://schemas.microsoft.com/office/drawing/2014/main" id="{C4359C34-4D34-9747-9FC3-146AE117C75B}"/>
+          <p:cNvPr id="12" name="テキスト ボックス 11">
+            <a:extLst>
+              <a:ext uri="{FF2B5EF4-FFF2-40B4-BE49-F238E27FC236}">
+                <a16:creationId xmlns:a16="http://schemas.microsoft.com/office/drawing/2014/main" id="{E611EBE6-88D6-DD47-ABF2-9717FC13F11B}"/>
+              </a:ext>
+            </a:extLst>
+          </p:cNvPr>
+          <p:cNvSpPr txBox="1"/>
+          <p:nvPr/>
+        </p:nvSpPr>
+        <p:spPr>
+          <a:xfrm>
+            <a:off x="181531" y="5226784"/>
+            <a:ext cx="7189431" cy="1631216"/>
+          </a:xfrm>
+          <a:prstGeom prst="rect">
+            <a:avLst/>
+          </a:prstGeom>
+          <a:noFill/>
+        </p:spPr>
+        <p:txBody>
+          <a:bodyPr wrap="square" rtlCol="0">
+            <a:spAutoFit/>
+          </a:bodyPr>
+          <a:lstStyle/>
+          <a:p>
+            <a:r>
+              <a:rPr lang="en-US" altLang="ja-JP" sz="2000" dirty="0" err="1"/>
+              <a:t>dy</a:t>
+            </a:r>
+            <a:r>
+              <a:rPr lang="en-US" altLang="ja-JP" sz="2000" dirty="0"/>
+              <a:t>(</a:t>
+            </a:r>
+            <a:r>
+              <a:rPr lang="en-US" altLang="ja-JP" sz="2000" dirty="0" err="1"/>
+              <a:t>timeAfterJump</a:t>
+            </a:r>
+            <a:r>
+              <a:rPr lang="en-US" altLang="ja-JP" sz="2000" dirty="0"/>
+              <a:t>) = 30 - 3 * </a:t>
+            </a:r>
+            <a:r>
+              <a:rPr lang="en-US" altLang="ja-JP" sz="2000" dirty="0" err="1"/>
+              <a:t>timeAfterJump</a:t>
+            </a:r>
+            <a:r>
+              <a:rPr lang="en-US" altLang="ja-JP" sz="2000" dirty="0"/>
+              <a:t>( = 10)</a:t>
+            </a:r>
+          </a:p>
+          <a:p>
+            <a:r>
+              <a:rPr lang="en-US" altLang="ja-JP" sz="2000" dirty="0"/>
+              <a:t>v = - g * time( = 0)</a:t>
+            </a:r>
+          </a:p>
+          <a:p>
+            <a:endParaRPr kumimoji="1" lang="en-US" altLang="ja-JP" sz="2000" dirty="0"/>
+          </a:p>
+          <a:p>
+            <a:r>
+              <a:rPr lang="en-US" altLang="ja-JP" sz="2000" dirty="0"/>
+              <a:t>const v0 = 30;</a:t>
+            </a:r>
+          </a:p>
+          <a:p>
+            <a:r>
+              <a:rPr lang="en-US" altLang="ja-JP" sz="2000" dirty="0"/>
+              <a:t>const g = 3;</a:t>
+            </a:r>
+          </a:p>
+        </p:txBody>
+      </p:sp>
+      <p:sp>
+        <p:nvSpPr>
+          <p:cNvPr id="13" name="正方形/長方形 12">
+            <a:extLst>
+              <a:ext uri="{FF2B5EF4-FFF2-40B4-BE49-F238E27FC236}">
+                <a16:creationId xmlns:a16="http://schemas.microsoft.com/office/drawing/2014/main" id="{D20D0F02-1135-5347-AFDD-CF2ADE0BFFCE}"/>
               </a:ext>
             </a:extLst>
           </p:cNvPr>
@@ -3750,10 +5281,472 @@
         </p:nvSpPr>
         <p:spPr>
           <a:xfrm>
-            <a:off x="4109543" y="3974461"/>
-            <a:ext cx="630621" cy="2459421"/>
+            <a:off x="7370962" y="3433357"/>
+            <a:ext cx="591015" cy="2227106"/>
           </a:xfrm>
           <a:prstGeom prst="rect">
+            <a:avLst/>
+          </a:prstGeom>
+          <a:solidFill>
+            <a:srgbClr val="00B0F0"/>
+          </a:solidFill>
+          <a:ln>
+            <a:solidFill>
+              <a:schemeClr val="tx1"/>
+            </a:solidFill>
+          </a:ln>
+        </p:spPr>
+        <p:style>
+          <a:lnRef idx="2">
+            <a:schemeClr val="accent1">
+              <a:shade val="50000"/>
+            </a:schemeClr>
+          </a:lnRef>
+          <a:fillRef idx="1">
+            <a:schemeClr val="accent1"/>
+          </a:fillRef>
+          <a:effectRef idx="0">
+            <a:schemeClr val="accent1"/>
+          </a:effectRef>
+          <a:fontRef idx="minor">
+            <a:schemeClr val="lt1"/>
+          </a:fontRef>
+        </p:style>
+        <p:txBody>
+          <a:bodyPr rtlCol="0" anchor="ctr"/>
+          <a:lstStyle/>
+          <a:p>
+            <a:pPr algn="ctr"/>
+            <a:endParaRPr kumimoji="1" lang="ja-JP" altLang="en-US"/>
+          </a:p>
+        </p:txBody>
+      </p:sp>
+    </p:spTree>
+    <p:extLst>
+      <p:ext uri="{BB962C8B-B14F-4D97-AF65-F5344CB8AC3E}">
+        <p14:creationId xmlns:p14="http://schemas.microsoft.com/office/powerpoint/2010/main" val="2700247223"/>
+      </p:ext>
+    </p:extLst>
+  </p:cSld>
+  <p:clrMapOvr>
+    <a:masterClrMapping/>
+  </p:clrMapOvr>
+</p:sld>
+</file>
+
+<file path=ppt/slides/slide3.xml><?xml version="1.0" encoding="utf-8"?>
+<p:sld xmlns:a="http://schemas.openxmlformats.org/drawingml/2006/main" xmlns:r="http://schemas.openxmlformats.org/officeDocument/2006/relationships" xmlns:p="http://schemas.openxmlformats.org/presentationml/2006/main">
+  <p:cSld>
+    <p:spTree>
+      <p:nvGrpSpPr>
+        <p:cNvPr id="1" name=""/>
+        <p:cNvGrpSpPr/>
+        <p:nvPr/>
+      </p:nvGrpSpPr>
+      <p:grpSpPr>
+        <a:xfrm>
+          <a:off x="0" y="0"/>
+          <a:ext cx="0" cy="0"/>
+          <a:chOff x="0" y="0"/>
+          <a:chExt cx="0" cy="0"/>
+        </a:xfrm>
+      </p:grpSpPr>
+      <p:sp>
+        <p:nvSpPr>
+          <p:cNvPr id="4" name="正方形/長方形 3">
+            <a:extLst>
+              <a:ext uri="{FF2B5EF4-FFF2-40B4-BE49-F238E27FC236}">
+                <a16:creationId xmlns:a16="http://schemas.microsoft.com/office/drawing/2014/main" id="{826CA0EE-A04B-F04A-9B41-259BC36C02D5}"/>
+              </a:ext>
+            </a:extLst>
+          </p:cNvPr>
+          <p:cNvSpPr/>
+          <p:nvPr/>
+        </p:nvSpPr>
+        <p:spPr>
+          <a:xfrm>
+            <a:off x="2207941" y="3429000"/>
+            <a:ext cx="591015" cy="1778620"/>
+          </a:xfrm>
+          <a:prstGeom prst="rect">
+            <a:avLst/>
+          </a:prstGeom>
+          <a:solidFill>
+            <a:srgbClr val="00B0F0"/>
+          </a:solidFill>
+          <a:ln>
+            <a:solidFill>
+              <a:schemeClr val="tx1"/>
+            </a:solidFill>
+          </a:ln>
+        </p:spPr>
+        <p:style>
+          <a:lnRef idx="2">
+            <a:schemeClr val="accent1">
+              <a:shade val="50000"/>
+            </a:schemeClr>
+          </a:lnRef>
+          <a:fillRef idx="1">
+            <a:schemeClr val="accent1"/>
+          </a:fillRef>
+          <a:effectRef idx="0">
+            <a:schemeClr val="accent1"/>
+          </a:effectRef>
+          <a:fontRef idx="minor">
+            <a:schemeClr val="lt1"/>
+          </a:fontRef>
+        </p:style>
+        <p:txBody>
+          <a:bodyPr rtlCol="0" anchor="ctr"/>
+          <a:lstStyle/>
+          <a:p>
+            <a:pPr algn="ctr"/>
+            <a:endParaRPr kumimoji="1" lang="ja-JP" altLang="en-US"/>
+          </a:p>
+        </p:txBody>
+      </p:sp>
+      <p:sp>
+        <p:nvSpPr>
+          <p:cNvPr id="5" name="正方形/長方形 4">
+            <a:extLst>
+              <a:ext uri="{FF2B5EF4-FFF2-40B4-BE49-F238E27FC236}">
+                <a16:creationId xmlns:a16="http://schemas.microsoft.com/office/drawing/2014/main" id="{C3D4D315-1A21-7041-891E-333FCE131B0B}"/>
+              </a:ext>
+            </a:extLst>
+          </p:cNvPr>
+          <p:cNvSpPr/>
+          <p:nvPr/>
+        </p:nvSpPr>
+        <p:spPr>
+          <a:xfrm>
+            <a:off x="2776654" y="3764312"/>
+            <a:ext cx="591015" cy="1443307"/>
+          </a:xfrm>
+          <a:prstGeom prst="rect">
+            <a:avLst/>
+          </a:prstGeom>
+          <a:solidFill>
+            <a:srgbClr val="00B0F0"/>
+          </a:solidFill>
+          <a:ln>
+            <a:solidFill>
+              <a:schemeClr val="tx1"/>
+            </a:solidFill>
+          </a:ln>
+        </p:spPr>
+        <p:style>
+          <a:lnRef idx="2">
+            <a:schemeClr val="accent1">
+              <a:shade val="50000"/>
+            </a:schemeClr>
+          </a:lnRef>
+          <a:fillRef idx="1">
+            <a:schemeClr val="accent1"/>
+          </a:fillRef>
+          <a:effectRef idx="0">
+            <a:schemeClr val="accent1"/>
+          </a:effectRef>
+          <a:fontRef idx="minor">
+            <a:schemeClr val="lt1"/>
+          </a:fontRef>
+        </p:style>
+        <p:txBody>
+          <a:bodyPr rtlCol="0" anchor="ctr"/>
+          <a:lstStyle/>
+          <a:p>
+            <a:pPr algn="ctr"/>
+            <a:endParaRPr kumimoji="1" lang="ja-JP" altLang="en-US"/>
+          </a:p>
+        </p:txBody>
+      </p:sp>
+      <p:sp>
+        <p:nvSpPr>
+          <p:cNvPr id="6" name="正方形/長方形 5">
+            <a:extLst>
+              <a:ext uri="{FF2B5EF4-FFF2-40B4-BE49-F238E27FC236}">
+                <a16:creationId xmlns:a16="http://schemas.microsoft.com/office/drawing/2014/main" id="{6550771D-4FC5-6143-8048-DD7730A87C1E}"/>
+              </a:ext>
+            </a:extLst>
+          </p:cNvPr>
+          <p:cNvSpPr/>
+          <p:nvPr/>
+        </p:nvSpPr>
+        <p:spPr>
+          <a:xfrm>
+            <a:off x="3367669" y="4044956"/>
+            <a:ext cx="591015" cy="1162664"/>
+          </a:xfrm>
+          <a:prstGeom prst="rect">
+            <a:avLst/>
+          </a:prstGeom>
+          <a:solidFill>
+            <a:srgbClr val="00B0F0"/>
+          </a:solidFill>
+          <a:ln>
+            <a:solidFill>
+              <a:schemeClr val="tx1"/>
+            </a:solidFill>
+          </a:ln>
+        </p:spPr>
+        <p:style>
+          <a:lnRef idx="2">
+            <a:schemeClr val="accent1">
+              <a:shade val="50000"/>
+            </a:schemeClr>
+          </a:lnRef>
+          <a:fillRef idx="1">
+            <a:schemeClr val="accent1"/>
+          </a:fillRef>
+          <a:effectRef idx="0">
+            <a:schemeClr val="accent1"/>
+          </a:effectRef>
+          <a:fontRef idx="minor">
+            <a:schemeClr val="lt1"/>
+          </a:fontRef>
+        </p:style>
+        <p:txBody>
+          <a:bodyPr rtlCol="0" anchor="ctr"/>
+          <a:lstStyle/>
+          <a:p>
+            <a:pPr algn="ctr"/>
+            <a:endParaRPr kumimoji="1" lang="ja-JP" altLang="en-US"/>
+          </a:p>
+        </p:txBody>
+      </p:sp>
+      <p:sp>
+        <p:nvSpPr>
+          <p:cNvPr id="7" name="正方形/長方形 6">
+            <a:extLst>
+              <a:ext uri="{FF2B5EF4-FFF2-40B4-BE49-F238E27FC236}">
+                <a16:creationId xmlns:a16="http://schemas.microsoft.com/office/drawing/2014/main" id="{3B53C5C4-AC57-494D-BB2C-7857B7256250}"/>
+              </a:ext>
+            </a:extLst>
+          </p:cNvPr>
+          <p:cNvSpPr/>
+          <p:nvPr/>
+        </p:nvSpPr>
+        <p:spPr>
+          <a:xfrm>
+            <a:off x="4516247" y="3764312"/>
+            <a:ext cx="591015" cy="1443307"/>
+          </a:xfrm>
+          <a:prstGeom prst="rect">
+            <a:avLst/>
+          </a:prstGeom>
+          <a:solidFill>
+            <a:srgbClr val="00B0F0"/>
+          </a:solidFill>
+          <a:ln>
+            <a:solidFill>
+              <a:schemeClr val="tx1"/>
+            </a:solidFill>
+          </a:ln>
+        </p:spPr>
+        <p:style>
+          <a:lnRef idx="2">
+            <a:schemeClr val="accent1">
+              <a:shade val="50000"/>
+            </a:schemeClr>
+          </a:lnRef>
+          <a:fillRef idx="1">
+            <a:schemeClr val="accent1"/>
+          </a:fillRef>
+          <a:effectRef idx="0">
+            <a:schemeClr val="accent1"/>
+          </a:effectRef>
+          <a:fontRef idx="minor">
+            <a:schemeClr val="lt1"/>
+          </a:fontRef>
+        </p:style>
+        <p:txBody>
+          <a:bodyPr rtlCol="0" anchor="ctr"/>
+          <a:lstStyle/>
+          <a:p>
+            <a:pPr algn="ctr"/>
+            <a:endParaRPr kumimoji="1" lang="ja-JP" altLang="en-US"/>
+          </a:p>
+        </p:txBody>
+      </p:sp>
+      <p:sp>
+        <p:nvSpPr>
+          <p:cNvPr id="8" name="正方形/長方形 7">
+            <a:extLst>
+              <a:ext uri="{FF2B5EF4-FFF2-40B4-BE49-F238E27FC236}">
+                <a16:creationId xmlns:a16="http://schemas.microsoft.com/office/drawing/2014/main" id="{3E718293-DB53-3B45-B3D6-548EDF6D0B04}"/>
+              </a:ext>
+            </a:extLst>
+          </p:cNvPr>
+          <p:cNvSpPr/>
+          <p:nvPr/>
+        </p:nvSpPr>
+        <p:spPr>
+          <a:xfrm>
+            <a:off x="5084959" y="3429000"/>
+            <a:ext cx="591015" cy="1778620"/>
+          </a:xfrm>
+          <a:prstGeom prst="rect">
+            <a:avLst/>
+          </a:prstGeom>
+          <a:solidFill>
+            <a:srgbClr val="00B0F0"/>
+          </a:solidFill>
+          <a:ln>
+            <a:solidFill>
+              <a:schemeClr val="tx1"/>
+            </a:solidFill>
+          </a:ln>
+        </p:spPr>
+        <p:style>
+          <a:lnRef idx="2">
+            <a:schemeClr val="accent1">
+              <a:shade val="50000"/>
+            </a:schemeClr>
+          </a:lnRef>
+          <a:fillRef idx="1">
+            <a:schemeClr val="accent1"/>
+          </a:fillRef>
+          <a:effectRef idx="0">
+            <a:schemeClr val="accent1"/>
+          </a:effectRef>
+          <a:fontRef idx="minor">
+            <a:schemeClr val="lt1"/>
+          </a:fontRef>
+        </p:style>
+        <p:txBody>
+          <a:bodyPr rtlCol="0" anchor="ctr"/>
+          <a:lstStyle/>
+          <a:p>
+            <a:pPr algn="ctr"/>
+            <a:endParaRPr kumimoji="1" lang="ja-JP" altLang="en-US"/>
+          </a:p>
+        </p:txBody>
+      </p:sp>
+      <p:sp>
+        <p:nvSpPr>
+          <p:cNvPr id="9" name="正方形/長方形 8">
+            <a:extLst>
+              <a:ext uri="{FF2B5EF4-FFF2-40B4-BE49-F238E27FC236}">
+                <a16:creationId xmlns:a16="http://schemas.microsoft.com/office/drawing/2014/main" id="{EEC7814D-D65A-EC4E-8053-781168500733}"/>
+              </a:ext>
+            </a:extLst>
+          </p:cNvPr>
+          <p:cNvSpPr/>
+          <p:nvPr/>
+        </p:nvSpPr>
+        <p:spPr>
+          <a:xfrm>
+            <a:off x="5664825" y="3429000"/>
+            <a:ext cx="591015" cy="1778620"/>
+          </a:xfrm>
+          <a:prstGeom prst="rect">
+            <a:avLst/>
+          </a:prstGeom>
+          <a:solidFill>
+            <a:srgbClr val="00B0F0"/>
+          </a:solidFill>
+          <a:ln>
+            <a:solidFill>
+              <a:schemeClr val="tx1"/>
+            </a:solidFill>
+          </a:ln>
+        </p:spPr>
+        <p:style>
+          <a:lnRef idx="2">
+            <a:schemeClr val="accent1">
+              <a:shade val="50000"/>
+            </a:schemeClr>
+          </a:lnRef>
+          <a:fillRef idx="1">
+            <a:schemeClr val="accent1"/>
+          </a:fillRef>
+          <a:effectRef idx="0">
+            <a:schemeClr val="accent1"/>
+          </a:effectRef>
+          <a:fontRef idx="minor">
+            <a:schemeClr val="lt1"/>
+          </a:fontRef>
+        </p:style>
+        <p:txBody>
+          <a:bodyPr rtlCol="0" anchor="ctr"/>
+          <a:lstStyle/>
+          <a:p>
+            <a:pPr algn="ctr"/>
+            <a:endParaRPr kumimoji="1" lang="ja-JP" altLang="en-US"/>
+          </a:p>
+        </p:txBody>
+      </p:sp>
+      <p:sp>
+        <p:nvSpPr>
+          <p:cNvPr id="10" name="正方形/長方形 9">
+            <a:extLst>
+              <a:ext uri="{FF2B5EF4-FFF2-40B4-BE49-F238E27FC236}">
+                <a16:creationId xmlns:a16="http://schemas.microsoft.com/office/drawing/2014/main" id="{2E20736C-1CB7-0E4B-9E6B-09BF4BDBB230}"/>
+              </a:ext>
+            </a:extLst>
+          </p:cNvPr>
+          <p:cNvSpPr/>
+          <p:nvPr/>
+        </p:nvSpPr>
+        <p:spPr>
+          <a:xfrm>
+            <a:off x="7271480" y="3764312"/>
+            <a:ext cx="591015" cy="1443307"/>
+          </a:xfrm>
+          <a:prstGeom prst="rect">
+            <a:avLst/>
+          </a:prstGeom>
+          <a:solidFill>
+            <a:srgbClr val="00B0F0"/>
+          </a:solidFill>
+          <a:ln>
+            <a:solidFill>
+              <a:schemeClr val="tx1"/>
+            </a:solidFill>
+          </a:ln>
+        </p:spPr>
+        <p:style>
+          <a:lnRef idx="2">
+            <a:schemeClr val="accent1">
+              <a:shade val="50000"/>
+            </a:schemeClr>
+          </a:lnRef>
+          <a:fillRef idx="1">
+            <a:schemeClr val="accent1"/>
+          </a:fillRef>
+          <a:effectRef idx="0">
+            <a:schemeClr val="accent1"/>
+          </a:effectRef>
+          <a:fontRef idx="minor">
+            <a:schemeClr val="lt1"/>
+          </a:fontRef>
+        </p:style>
+        <p:txBody>
+          <a:bodyPr rtlCol="0" anchor="ctr"/>
+          <a:lstStyle/>
+          <a:p>
+            <a:pPr algn="ctr"/>
+            <a:endParaRPr kumimoji="1" lang="ja-JP" altLang="en-US"/>
+          </a:p>
+        </p:txBody>
+      </p:sp>
+      <p:sp>
+        <p:nvSpPr>
+          <p:cNvPr id="11" name="円/楕円 10">
+            <a:extLst>
+              <a:ext uri="{FF2B5EF4-FFF2-40B4-BE49-F238E27FC236}">
+                <a16:creationId xmlns:a16="http://schemas.microsoft.com/office/drawing/2014/main" id="{BAC070CB-9730-7B4F-818F-C0E337B4D0CC}"/>
+              </a:ext>
+            </a:extLst>
+          </p:cNvPr>
+          <p:cNvSpPr/>
+          <p:nvPr/>
+        </p:nvSpPr>
+        <p:spPr>
+          <a:xfrm>
+            <a:off x="2146606" y="2715322"/>
+            <a:ext cx="713684" cy="713678"/>
+          </a:xfrm>
+          <a:prstGeom prst="ellipse">
             <a:avLst/>
           </a:prstGeom>
         </p:spPr>
@@ -3784,10 +5777,108 @@
       </p:sp>
       <p:sp>
         <p:nvSpPr>
-          <p:cNvPr id="4" name="正方形/長方形 3">
-            <a:extLst>
-              <a:ext uri="{FF2B5EF4-FFF2-40B4-BE49-F238E27FC236}">
-                <a16:creationId xmlns:a16="http://schemas.microsoft.com/office/drawing/2014/main" id="{3E08D7E5-62CE-FD4D-BEA7-80D83237F9B3}"/>
+          <p:cNvPr id="2" name="テキスト ボックス 1">
+            <a:extLst>
+              <a:ext uri="{FF2B5EF4-FFF2-40B4-BE49-F238E27FC236}">
+                <a16:creationId xmlns:a16="http://schemas.microsoft.com/office/drawing/2014/main" id="{AC17C2DA-4EE5-9C44-A3D0-CF621EFB6543}"/>
+              </a:ext>
+            </a:extLst>
+          </p:cNvPr>
+          <p:cNvSpPr txBox="1"/>
+          <p:nvPr/>
+        </p:nvSpPr>
+        <p:spPr>
+          <a:xfrm>
+            <a:off x="110227" y="2180071"/>
+            <a:ext cx="2231701" cy="523220"/>
+          </a:xfrm>
+          <a:prstGeom prst="rect">
+            <a:avLst/>
+          </a:prstGeom>
+          <a:noFill/>
+        </p:spPr>
+        <p:txBody>
+          <a:bodyPr wrap="none" rtlCol="0">
+            <a:spAutoFit/>
+          </a:bodyPr>
+          <a:lstStyle/>
+          <a:p>
+            <a:r>
+              <a:rPr kumimoji="1" lang="en-US" altLang="ja-JP" sz="1400" dirty="0" err="1"/>
+              <a:t>jumpCount</a:t>
+            </a:r>
+            <a:r>
+              <a:rPr kumimoji="1" lang="en-US" altLang="ja-JP" sz="1400" dirty="0"/>
+              <a:t> = 0</a:t>
+            </a:r>
+          </a:p>
+          <a:p>
+            <a:r>
+              <a:rPr lang="en-US" altLang="ja-JP" sz="1400" dirty="0" err="1"/>
+              <a:t>isRightAfterJump</a:t>
+            </a:r>
+            <a:r>
+              <a:rPr lang="en-US" altLang="ja-JP" sz="1400" dirty="0"/>
+              <a:t> = false</a:t>
+            </a:r>
+          </a:p>
+        </p:txBody>
+      </p:sp>
+      <p:sp>
+        <p:nvSpPr>
+          <p:cNvPr id="12" name="テキスト ボックス 11">
+            <a:extLst>
+              <a:ext uri="{FF2B5EF4-FFF2-40B4-BE49-F238E27FC236}">
+                <a16:creationId xmlns:a16="http://schemas.microsoft.com/office/drawing/2014/main" id="{A10034DD-DD9B-4A4D-9E7D-DA083992ADBB}"/>
+              </a:ext>
+            </a:extLst>
+          </p:cNvPr>
+          <p:cNvSpPr txBox="1"/>
+          <p:nvPr/>
+        </p:nvSpPr>
+        <p:spPr>
+          <a:xfrm>
+            <a:off x="608442" y="1215554"/>
+            <a:ext cx="2212465" cy="523220"/>
+          </a:xfrm>
+          <a:prstGeom prst="rect">
+            <a:avLst/>
+          </a:prstGeom>
+          <a:noFill/>
+        </p:spPr>
+        <p:txBody>
+          <a:bodyPr wrap="none" rtlCol="0">
+            <a:spAutoFit/>
+          </a:bodyPr>
+          <a:lstStyle/>
+          <a:p>
+            <a:r>
+              <a:rPr kumimoji="1" lang="en-US" altLang="ja-JP" sz="1400" dirty="0" err="1"/>
+              <a:t>jumpCount</a:t>
+            </a:r>
+            <a:r>
+              <a:rPr kumimoji="1" lang="en-US" altLang="ja-JP" sz="1400" dirty="0"/>
+              <a:t> =1</a:t>
+            </a:r>
+          </a:p>
+          <a:p>
+            <a:r>
+              <a:rPr lang="en-US" altLang="ja-JP" sz="1400" dirty="0" err="1"/>
+              <a:t>isRightAfterJump</a:t>
+            </a:r>
+            <a:r>
+              <a:rPr lang="en-US" altLang="ja-JP" sz="1400" dirty="0"/>
+              <a:t> = True</a:t>
+            </a:r>
+          </a:p>
+        </p:txBody>
+      </p:sp>
+      <p:sp>
+        <p:nvSpPr>
+          <p:cNvPr id="14" name="円/楕円 13">
+            <a:extLst>
+              <a:ext uri="{FF2B5EF4-FFF2-40B4-BE49-F238E27FC236}">
+                <a16:creationId xmlns:a16="http://schemas.microsoft.com/office/drawing/2014/main" id="{50B6D5AB-2F6E-5D4E-A7FF-BC3632B30BB6}"/>
               </a:ext>
             </a:extLst>
           </p:cNvPr>
@@ -3796,10 +5887,10 @@
         </p:nvSpPr>
         <p:spPr>
           <a:xfrm>
-            <a:off x="4740166" y="4636613"/>
-            <a:ext cx="630621" cy="1797269"/>
+            <a:off x="2783345" y="1513370"/>
+            <a:ext cx="713684" cy="713678"/>
           </a:xfrm>
-          <a:prstGeom prst="rect">
+          <a:prstGeom prst="ellipse">
             <a:avLst/>
           </a:prstGeom>
         </p:spPr>
@@ -3830,10 +5921,59 @@
       </p:sp>
       <p:sp>
         <p:nvSpPr>
-          <p:cNvPr id="5" name="正方形/長方形 4">
-            <a:extLst>
-              <a:ext uri="{FF2B5EF4-FFF2-40B4-BE49-F238E27FC236}">
-                <a16:creationId xmlns:a16="http://schemas.microsoft.com/office/drawing/2014/main" id="{401E7B28-3187-CD47-8866-D743FE2BAE22}"/>
+          <p:cNvPr id="15" name="テキスト ボックス 14">
+            <a:extLst>
+              <a:ext uri="{FF2B5EF4-FFF2-40B4-BE49-F238E27FC236}">
+                <a16:creationId xmlns:a16="http://schemas.microsoft.com/office/drawing/2014/main" id="{BF1067AE-BBCA-F44A-AD73-A734258D8B3C}"/>
+              </a:ext>
+            </a:extLst>
+          </p:cNvPr>
+          <p:cNvSpPr txBox="1"/>
+          <p:nvPr/>
+        </p:nvSpPr>
+        <p:spPr>
+          <a:xfrm>
+            <a:off x="4828486" y="1172304"/>
+            <a:ext cx="2278188" cy="523220"/>
+          </a:xfrm>
+          <a:prstGeom prst="rect">
+            <a:avLst/>
+          </a:prstGeom>
+          <a:noFill/>
+        </p:spPr>
+        <p:txBody>
+          <a:bodyPr wrap="none" rtlCol="0">
+            <a:spAutoFit/>
+          </a:bodyPr>
+          <a:lstStyle/>
+          <a:p>
+            <a:r>
+              <a:rPr kumimoji="1" lang="en-US" altLang="ja-JP" sz="1400" dirty="0" err="1"/>
+              <a:t>jumpCount</a:t>
+            </a:r>
+            <a:r>
+              <a:rPr kumimoji="1" lang="en-US" altLang="ja-JP" sz="1400" dirty="0"/>
+              <a:t> =1</a:t>
+            </a:r>
+          </a:p>
+          <a:p>
+            <a:r>
+              <a:rPr lang="en-US" altLang="ja-JP" sz="1400" dirty="0" err="1"/>
+              <a:t>isRightAfterJump</a:t>
+            </a:r>
+            <a:r>
+              <a:rPr lang="en-US" altLang="ja-JP" sz="1400" dirty="0"/>
+              <a:t> = False</a:t>
+            </a:r>
+          </a:p>
+        </p:txBody>
+      </p:sp>
+      <p:sp>
+        <p:nvSpPr>
+          <p:cNvPr id="16" name="円/楕円 15">
+            <a:extLst>
+              <a:ext uri="{FF2B5EF4-FFF2-40B4-BE49-F238E27FC236}">
+                <a16:creationId xmlns:a16="http://schemas.microsoft.com/office/drawing/2014/main" id="{E78E8F1A-79BF-E546-BFAA-C3D4CD5426BB}"/>
               </a:ext>
             </a:extLst>
           </p:cNvPr>
@@ -3842,10 +5982,10 @@
         </p:nvSpPr>
         <p:spPr>
           <a:xfrm>
-            <a:off x="5370787" y="3974461"/>
-            <a:ext cx="630621" cy="2459421"/>
+            <a:off x="3958684" y="1030530"/>
+            <a:ext cx="713684" cy="713678"/>
           </a:xfrm>
-          <a:prstGeom prst="rect">
+          <a:prstGeom prst="ellipse">
             <a:avLst/>
           </a:prstGeom>
         </p:spPr>
@@ -3876,10 +6016,10 @@
       </p:sp>
       <p:sp>
         <p:nvSpPr>
-          <p:cNvPr id="6" name="正方形/長方形 5">
-            <a:extLst>
-              <a:ext uri="{FF2B5EF4-FFF2-40B4-BE49-F238E27FC236}">
-                <a16:creationId xmlns:a16="http://schemas.microsoft.com/office/drawing/2014/main" id="{9A95800D-0806-0248-A505-A9170F493382}"/>
+          <p:cNvPr id="17" name="円/楕円 16">
+            <a:extLst>
+              <a:ext uri="{FF2B5EF4-FFF2-40B4-BE49-F238E27FC236}">
+                <a16:creationId xmlns:a16="http://schemas.microsoft.com/office/drawing/2014/main" id="{0108D93D-0B54-AA4C-80AF-BA96DA4558A2}"/>
               </a:ext>
             </a:extLst>
           </p:cNvPr>
@@ -3888,10 +6028,10 @@
         </p:nvSpPr>
         <p:spPr>
           <a:xfrm>
-            <a:off x="6001408" y="3343841"/>
-            <a:ext cx="630621" cy="3090041"/>
+            <a:off x="4775366" y="-126904"/>
+            <a:ext cx="713684" cy="713678"/>
           </a:xfrm>
-          <a:prstGeom prst="rect">
+          <a:prstGeom prst="ellipse">
             <a:avLst/>
           </a:prstGeom>
         </p:spPr>
@@ -3922,299 +6062,20 @@
       </p:sp>
       <p:sp>
         <p:nvSpPr>
-          <p:cNvPr id="7" name="正方形/長方形 6">
-            <a:extLst>
-              <a:ext uri="{FF2B5EF4-FFF2-40B4-BE49-F238E27FC236}">
-                <a16:creationId xmlns:a16="http://schemas.microsoft.com/office/drawing/2014/main" id="{4DA50C8E-484F-B640-9A1C-FEDF3FEA24C5}"/>
-              </a:ext>
-            </a:extLst>
-          </p:cNvPr>
-          <p:cNvSpPr/>
+          <p:cNvPr id="19" name="テキスト ボックス 18">
+            <a:extLst>
+              <a:ext uri="{FF2B5EF4-FFF2-40B4-BE49-F238E27FC236}">
+                <a16:creationId xmlns:a16="http://schemas.microsoft.com/office/drawing/2014/main" id="{E85EE68E-5378-5547-98EE-FA60A66B759D}"/>
+              </a:ext>
+            </a:extLst>
+          </p:cNvPr>
+          <p:cNvSpPr txBox="1"/>
           <p:nvPr/>
         </p:nvSpPr>
         <p:spPr>
           <a:xfrm>
-            <a:off x="6632028" y="2698230"/>
-            <a:ext cx="630621" cy="3735652"/>
-          </a:xfrm>
-          <a:prstGeom prst="rect">
-            <a:avLst/>
-          </a:prstGeom>
-        </p:spPr>
-        <p:style>
-          <a:lnRef idx="2">
-            <a:schemeClr val="accent1">
-              <a:shade val="50000"/>
-            </a:schemeClr>
-          </a:lnRef>
-          <a:fillRef idx="1">
-            <a:schemeClr val="accent1"/>
-          </a:fillRef>
-          <a:effectRef idx="0">
-            <a:schemeClr val="accent1"/>
-          </a:effectRef>
-          <a:fontRef idx="minor">
-            <a:schemeClr val="lt1"/>
-          </a:fontRef>
-        </p:style>
-        <p:txBody>
-          <a:bodyPr rtlCol="0" anchor="ctr"/>
-          <a:lstStyle/>
-          <a:p>
-            <a:pPr algn="ctr"/>
-            <a:endParaRPr kumimoji="1" lang="ja-JP" altLang="en-US"/>
-          </a:p>
-        </p:txBody>
-      </p:sp>
-      <p:sp>
-        <p:nvSpPr>
-          <p:cNvPr id="8" name="正方形/長方形 7">
-            <a:extLst>
-              <a:ext uri="{FF2B5EF4-FFF2-40B4-BE49-F238E27FC236}">
-                <a16:creationId xmlns:a16="http://schemas.microsoft.com/office/drawing/2014/main" id="{F09A0B40-E3B3-D24F-B31A-AC244A1EB1AB}"/>
-              </a:ext>
-            </a:extLst>
-          </p:cNvPr>
-          <p:cNvSpPr/>
-          <p:nvPr/>
-        </p:nvSpPr>
-        <p:spPr>
-          <a:xfrm>
-            <a:off x="4740166" y="4636613"/>
-            <a:ext cx="630621" cy="1797269"/>
-          </a:xfrm>
-          <a:prstGeom prst="rect">
-            <a:avLst/>
-          </a:prstGeom>
-        </p:spPr>
-        <p:style>
-          <a:lnRef idx="2">
-            <a:schemeClr val="accent1">
-              <a:shade val="50000"/>
-            </a:schemeClr>
-          </a:lnRef>
-          <a:fillRef idx="1">
-            <a:schemeClr val="accent1"/>
-          </a:fillRef>
-          <a:effectRef idx="0">
-            <a:schemeClr val="accent1"/>
-          </a:effectRef>
-          <a:fontRef idx="minor">
-            <a:schemeClr val="lt1"/>
-          </a:fontRef>
-        </p:style>
-        <p:txBody>
-          <a:bodyPr rtlCol="0" anchor="ctr"/>
-          <a:lstStyle/>
-          <a:p>
-            <a:pPr algn="ctr"/>
-            <a:endParaRPr kumimoji="1" lang="ja-JP" altLang="en-US"/>
-          </a:p>
-        </p:txBody>
-      </p:sp>
-      <p:sp>
-        <p:nvSpPr>
-          <p:cNvPr id="9" name="正方形/長方形 8">
-            <a:extLst>
-              <a:ext uri="{FF2B5EF4-FFF2-40B4-BE49-F238E27FC236}">
-                <a16:creationId xmlns:a16="http://schemas.microsoft.com/office/drawing/2014/main" id="{A380A82B-8AD4-3147-8401-DB89FABDC299}"/>
-              </a:ext>
-            </a:extLst>
-          </p:cNvPr>
-          <p:cNvSpPr/>
-          <p:nvPr/>
-        </p:nvSpPr>
-        <p:spPr>
-          <a:xfrm>
-            <a:off x="7262650" y="3343841"/>
-            <a:ext cx="630621" cy="3090041"/>
-          </a:xfrm>
-          <a:prstGeom prst="rect">
-            <a:avLst/>
-          </a:prstGeom>
-        </p:spPr>
-        <p:style>
-          <a:lnRef idx="2">
-            <a:schemeClr val="accent1">
-              <a:shade val="50000"/>
-            </a:schemeClr>
-          </a:lnRef>
-          <a:fillRef idx="1">
-            <a:schemeClr val="accent1"/>
-          </a:fillRef>
-          <a:effectRef idx="0">
-            <a:schemeClr val="accent1"/>
-          </a:effectRef>
-          <a:fontRef idx="minor">
-            <a:schemeClr val="lt1"/>
-          </a:fontRef>
-        </p:style>
-        <p:txBody>
-          <a:bodyPr rtlCol="0" anchor="ctr"/>
-          <a:lstStyle/>
-          <a:p>
-            <a:pPr algn="ctr"/>
-            <a:endParaRPr kumimoji="1" lang="ja-JP" altLang="en-US"/>
-          </a:p>
-        </p:txBody>
-      </p:sp>
-      <p:sp>
-        <p:nvSpPr>
-          <p:cNvPr id="10" name="正方形/長方形 9">
-            <a:extLst>
-              <a:ext uri="{FF2B5EF4-FFF2-40B4-BE49-F238E27FC236}">
-                <a16:creationId xmlns:a16="http://schemas.microsoft.com/office/drawing/2014/main" id="{BF85A683-2554-FB4A-B554-1B8077E6D9D3}"/>
-              </a:ext>
-            </a:extLst>
-          </p:cNvPr>
-          <p:cNvSpPr/>
-          <p:nvPr/>
-        </p:nvSpPr>
-        <p:spPr>
-          <a:xfrm>
-            <a:off x="7893271" y="3974461"/>
-            <a:ext cx="630621" cy="2459421"/>
-          </a:xfrm>
-          <a:prstGeom prst="rect">
-            <a:avLst/>
-          </a:prstGeom>
-        </p:spPr>
-        <p:style>
-          <a:lnRef idx="2">
-            <a:schemeClr val="accent1">
-              <a:shade val="50000"/>
-            </a:schemeClr>
-          </a:lnRef>
-          <a:fillRef idx="1">
-            <a:schemeClr val="accent1"/>
-          </a:fillRef>
-          <a:effectRef idx="0">
-            <a:schemeClr val="accent1"/>
-          </a:effectRef>
-          <a:fontRef idx="minor">
-            <a:schemeClr val="lt1"/>
-          </a:fontRef>
-        </p:style>
-        <p:txBody>
-          <a:bodyPr rtlCol="0" anchor="ctr"/>
-          <a:lstStyle/>
-          <a:p>
-            <a:pPr algn="ctr"/>
-            <a:endParaRPr kumimoji="1" lang="ja-JP" altLang="en-US"/>
-          </a:p>
-        </p:txBody>
-      </p:sp>
-      <p:sp>
-        <p:nvSpPr>
-          <p:cNvPr id="12" name="正方形/長方形 11">
-            <a:extLst>
-              <a:ext uri="{FF2B5EF4-FFF2-40B4-BE49-F238E27FC236}">
-                <a16:creationId xmlns:a16="http://schemas.microsoft.com/office/drawing/2014/main" id="{87031DEE-319D-8545-A673-4012DDD7EB59}"/>
-              </a:ext>
-            </a:extLst>
-          </p:cNvPr>
-          <p:cNvSpPr/>
-          <p:nvPr/>
-        </p:nvSpPr>
-        <p:spPr>
-          <a:xfrm>
-            <a:off x="10459174" y="3420859"/>
-            <a:ext cx="630621" cy="3090041"/>
-          </a:xfrm>
-          <a:prstGeom prst="rect">
-            <a:avLst/>
-          </a:prstGeom>
-        </p:spPr>
-        <p:style>
-          <a:lnRef idx="2">
-            <a:schemeClr val="accent1">
-              <a:shade val="50000"/>
-            </a:schemeClr>
-          </a:lnRef>
-          <a:fillRef idx="1">
-            <a:schemeClr val="accent1"/>
-          </a:fillRef>
-          <a:effectRef idx="0">
-            <a:schemeClr val="accent1"/>
-          </a:effectRef>
-          <a:fontRef idx="minor">
-            <a:schemeClr val="lt1"/>
-          </a:fontRef>
-        </p:style>
-        <p:txBody>
-          <a:bodyPr rtlCol="0" anchor="ctr"/>
-          <a:lstStyle/>
-          <a:p>
-            <a:pPr algn="ctr"/>
-            <a:endParaRPr kumimoji="1" lang="ja-JP" altLang="en-US"/>
-          </a:p>
-        </p:txBody>
-      </p:sp>
-      <p:sp>
-        <p:nvSpPr>
-          <p:cNvPr id="14" name="円/楕円 13">
-            <a:extLst>
-              <a:ext uri="{FF2B5EF4-FFF2-40B4-BE49-F238E27FC236}">
-                <a16:creationId xmlns:a16="http://schemas.microsoft.com/office/drawing/2014/main" id="{74428896-D019-F845-9EC7-B223089FA7F8}"/>
-              </a:ext>
-            </a:extLst>
-          </p:cNvPr>
-          <p:cNvSpPr/>
-          <p:nvPr/>
-        </p:nvSpPr>
-        <p:spPr>
-          <a:xfrm>
-            <a:off x="5787239" y="828258"/>
-            <a:ext cx="869258" cy="884420"/>
-          </a:xfrm>
-          <a:prstGeom prst="ellipse">
-            <a:avLst/>
-          </a:prstGeom>
-          <a:solidFill>
-            <a:srgbClr val="00B0F0"/>
-          </a:solidFill>
-        </p:spPr>
-        <p:style>
-          <a:lnRef idx="2">
-            <a:schemeClr val="accent1">
-              <a:shade val="50000"/>
-            </a:schemeClr>
-          </a:lnRef>
-          <a:fillRef idx="1">
-            <a:schemeClr val="accent1"/>
-          </a:fillRef>
-          <a:effectRef idx="0">
-            <a:schemeClr val="accent1"/>
-          </a:effectRef>
-          <a:fontRef idx="minor">
-            <a:schemeClr val="lt1"/>
-          </a:fontRef>
-        </p:style>
-        <p:txBody>
-          <a:bodyPr rtlCol="0" anchor="ctr"/>
-          <a:lstStyle/>
-          <a:p>
-            <a:pPr algn="ctr"/>
-            <a:endParaRPr kumimoji="1" lang="ja-JP" altLang="en-US"/>
-          </a:p>
-        </p:txBody>
-      </p:sp>
-      <p:sp>
-        <p:nvSpPr>
-          <p:cNvPr id="15" name="テキスト ボックス 14">
-            <a:extLst>
-              <a:ext uri="{FF2B5EF4-FFF2-40B4-BE49-F238E27FC236}">
-                <a16:creationId xmlns:a16="http://schemas.microsoft.com/office/drawing/2014/main" id="{B2456041-E7A8-434B-AD68-2BB0E01878C4}"/>
-              </a:ext>
-            </a:extLst>
-          </p:cNvPr>
-          <p:cNvSpPr txBox="1"/>
-          <p:nvPr/>
-        </p:nvSpPr>
-        <p:spPr>
-          <a:xfrm>
-            <a:off x="293685" y="-1911455"/>
-            <a:ext cx="5590989" cy="2246769"/>
+            <a:off x="6165247" y="45532"/>
+            <a:ext cx="2212465" cy="523220"/>
           </a:xfrm>
           <a:prstGeom prst="rect">
             <a:avLst/>
@@ -4222,38 +6083,283 @@
           <a:noFill/>
         </p:spPr>
         <p:txBody>
+          <a:bodyPr wrap="none" rtlCol="0">
+            <a:spAutoFit/>
+          </a:bodyPr>
+          <a:lstStyle/>
+          <a:p>
+            <a:r>
+              <a:rPr kumimoji="1" lang="en-US" altLang="ja-JP" sz="1400" dirty="0" err="1"/>
+              <a:t>jumpCount</a:t>
+            </a:r>
+            <a:r>
+              <a:rPr kumimoji="1" lang="en-US" altLang="ja-JP" sz="1400" dirty="0"/>
+              <a:t> =2</a:t>
+            </a:r>
+          </a:p>
+          <a:p>
+            <a:r>
+              <a:rPr lang="en-US" altLang="ja-JP" sz="1400" dirty="0" err="1"/>
+              <a:t>isRightAfterJump</a:t>
+            </a:r>
+            <a:r>
+              <a:rPr lang="en-US" altLang="ja-JP" sz="1400" dirty="0"/>
+              <a:t> = True</a:t>
+            </a:r>
+          </a:p>
+        </p:txBody>
+      </p:sp>
+      <p:sp>
+        <p:nvSpPr>
+          <p:cNvPr id="23" name="フリーフォーム 22">
+            <a:extLst>
+              <a:ext uri="{FF2B5EF4-FFF2-40B4-BE49-F238E27FC236}">
+                <a16:creationId xmlns:a16="http://schemas.microsoft.com/office/drawing/2014/main" id="{CCEC8064-48ED-F744-A725-8257A4E7A2D8}"/>
+              </a:ext>
+            </a:extLst>
+          </p:cNvPr>
+          <p:cNvSpPr/>
+          <p:nvPr/>
+        </p:nvSpPr>
+        <p:spPr>
+          <a:xfrm>
+            <a:off x="2514600" y="1300084"/>
+            <a:ext cx="1732547" cy="2104853"/>
+          </a:xfrm>
+          <a:custGeom>
+            <a:avLst/>
+            <a:gdLst>
+              <a:gd name="connsiteX0" fmla="*/ 0 w 1732547"/>
+              <a:gd name="connsiteY0" fmla="*/ 1913707 h 1913707"/>
+              <a:gd name="connsiteX1" fmla="*/ 998621 w 1732547"/>
+              <a:gd name="connsiteY1" fmla="*/ 157096 h 1913707"/>
+              <a:gd name="connsiteX2" fmla="*/ 1732547 w 1732547"/>
+              <a:gd name="connsiteY2" fmla="*/ 84907 h 1913707"/>
+              <a:gd name="connsiteX3" fmla="*/ 1732547 w 1732547"/>
+              <a:gd name="connsiteY3" fmla="*/ 84907 h 1913707"/>
+            </a:gdLst>
+            <a:ahLst/>
+            <a:cxnLst>
+              <a:cxn ang="0">
+                <a:pos x="connsiteX0" y="connsiteY0"/>
+              </a:cxn>
+              <a:cxn ang="0">
+                <a:pos x="connsiteX1" y="connsiteY1"/>
+              </a:cxn>
+              <a:cxn ang="0">
+                <a:pos x="connsiteX2" y="connsiteY2"/>
+              </a:cxn>
+              <a:cxn ang="0">
+                <a:pos x="connsiteX3" y="connsiteY3"/>
+              </a:cxn>
+            </a:cxnLst>
+            <a:rect l="l" t="t" r="r" b="b"/>
+            <a:pathLst>
+              <a:path w="1732547" h="1913707">
+                <a:moveTo>
+                  <a:pt x="0" y="1913707"/>
+                </a:moveTo>
+                <a:cubicBezTo>
+                  <a:pt x="354931" y="1187801"/>
+                  <a:pt x="709863" y="461896"/>
+                  <a:pt x="998621" y="157096"/>
+                </a:cubicBezTo>
+                <a:cubicBezTo>
+                  <a:pt x="1287379" y="-147704"/>
+                  <a:pt x="1732547" y="84907"/>
+                  <a:pt x="1732547" y="84907"/>
+                </a:cubicBezTo>
+                <a:lnTo>
+                  <a:pt x="1732547" y="84907"/>
+                </a:lnTo>
+              </a:path>
+            </a:pathLst>
+          </a:custGeom>
+        </p:spPr>
+        <p:style>
+          <a:lnRef idx="3">
+            <a:schemeClr val="accent2"/>
+          </a:lnRef>
+          <a:fillRef idx="0">
+            <a:schemeClr val="accent2"/>
+          </a:fillRef>
+          <a:effectRef idx="2">
+            <a:schemeClr val="accent2"/>
+          </a:effectRef>
+          <a:fontRef idx="minor">
+            <a:schemeClr val="tx1"/>
+          </a:fontRef>
+        </p:style>
+        <p:txBody>
+          <a:bodyPr rtlCol="0" anchor="ctr"/>
+          <a:lstStyle/>
+          <a:p>
+            <a:pPr algn="ctr"/>
+            <a:endParaRPr kumimoji="1" lang="ja-JP" altLang="en-US"/>
+          </a:p>
+        </p:txBody>
+      </p:sp>
+      <p:sp>
+        <p:nvSpPr>
+          <p:cNvPr id="24" name="フリーフォーム 23">
+            <a:extLst>
+              <a:ext uri="{FF2B5EF4-FFF2-40B4-BE49-F238E27FC236}">
+                <a16:creationId xmlns:a16="http://schemas.microsoft.com/office/drawing/2014/main" id="{0AE44EC6-459B-9648-81E5-90F6D8EF0BB4}"/>
+              </a:ext>
+            </a:extLst>
+          </p:cNvPr>
+          <p:cNvSpPr/>
+          <p:nvPr/>
+        </p:nvSpPr>
+        <p:spPr>
+          <a:xfrm>
+            <a:off x="4319641" y="-360645"/>
+            <a:ext cx="1732547" cy="2104853"/>
+          </a:xfrm>
+          <a:custGeom>
+            <a:avLst/>
+            <a:gdLst>
+              <a:gd name="connsiteX0" fmla="*/ 0 w 1732547"/>
+              <a:gd name="connsiteY0" fmla="*/ 1913707 h 1913707"/>
+              <a:gd name="connsiteX1" fmla="*/ 998621 w 1732547"/>
+              <a:gd name="connsiteY1" fmla="*/ 157096 h 1913707"/>
+              <a:gd name="connsiteX2" fmla="*/ 1732547 w 1732547"/>
+              <a:gd name="connsiteY2" fmla="*/ 84907 h 1913707"/>
+              <a:gd name="connsiteX3" fmla="*/ 1732547 w 1732547"/>
+              <a:gd name="connsiteY3" fmla="*/ 84907 h 1913707"/>
+            </a:gdLst>
+            <a:ahLst/>
+            <a:cxnLst>
+              <a:cxn ang="0">
+                <a:pos x="connsiteX0" y="connsiteY0"/>
+              </a:cxn>
+              <a:cxn ang="0">
+                <a:pos x="connsiteX1" y="connsiteY1"/>
+              </a:cxn>
+              <a:cxn ang="0">
+                <a:pos x="connsiteX2" y="connsiteY2"/>
+              </a:cxn>
+              <a:cxn ang="0">
+                <a:pos x="connsiteX3" y="connsiteY3"/>
+              </a:cxn>
+            </a:cxnLst>
+            <a:rect l="l" t="t" r="r" b="b"/>
+            <a:pathLst>
+              <a:path w="1732547" h="1913707">
+                <a:moveTo>
+                  <a:pt x="0" y="1913707"/>
+                </a:moveTo>
+                <a:cubicBezTo>
+                  <a:pt x="354931" y="1187801"/>
+                  <a:pt x="709863" y="461896"/>
+                  <a:pt x="998621" y="157096"/>
+                </a:cubicBezTo>
+                <a:cubicBezTo>
+                  <a:pt x="1287379" y="-147704"/>
+                  <a:pt x="1732547" y="84907"/>
+                  <a:pt x="1732547" y="84907"/>
+                </a:cubicBezTo>
+                <a:lnTo>
+                  <a:pt x="1732547" y="84907"/>
+                </a:lnTo>
+              </a:path>
+            </a:pathLst>
+          </a:custGeom>
+        </p:spPr>
+        <p:style>
+          <a:lnRef idx="3">
+            <a:schemeClr val="accent2"/>
+          </a:lnRef>
+          <a:fillRef idx="0">
+            <a:schemeClr val="accent2"/>
+          </a:fillRef>
+          <a:effectRef idx="2">
+            <a:schemeClr val="accent2"/>
+          </a:effectRef>
+          <a:fontRef idx="minor">
+            <a:schemeClr val="tx1"/>
+          </a:fontRef>
+        </p:style>
+        <p:txBody>
+          <a:bodyPr rtlCol="0" anchor="ctr"/>
+          <a:lstStyle/>
+          <a:p>
+            <a:pPr algn="ctr"/>
+            <a:endParaRPr kumimoji="1" lang="ja-JP" altLang="en-US"/>
+          </a:p>
+        </p:txBody>
+      </p:sp>
+      <p:sp>
+        <p:nvSpPr>
+          <p:cNvPr id="27" name="テキスト ボックス 26">
+            <a:extLst>
+              <a:ext uri="{FF2B5EF4-FFF2-40B4-BE49-F238E27FC236}">
+                <a16:creationId xmlns:a16="http://schemas.microsoft.com/office/drawing/2014/main" id="{8187E3F5-2E8A-954F-8FE7-19F6FBFFE5AB}"/>
+              </a:ext>
+            </a:extLst>
+          </p:cNvPr>
+          <p:cNvSpPr txBox="1"/>
+          <p:nvPr/>
+        </p:nvSpPr>
+        <p:spPr>
+          <a:xfrm>
+            <a:off x="181531" y="5226784"/>
+            <a:ext cx="7189431" cy="1631216"/>
+          </a:xfrm>
+          <a:prstGeom prst="rect">
+            <a:avLst/>
+          </a:prstGeom>
+          <a:noFill/>
+        </p:spPr>
+        <p:txBody>
           <a:bodyPr wrap="square" rtlCol="0">
             <a:spAutoFit/>
           </a:bodyPr>
           <a:lstStyle/>
           <a:p>
             <a:r>
-              <a:rPr lang="en-US" altLang="ja-JP" sz="2800" dirty="0" err="1"/>
+              <a:rPr lang="en-US" altLang="ja-JP" sz="2000" dirty="0" err="1"/>
               <a:t>dy</a:t>
             </a:r>
             <a:r>
-              <a:rPr lang="en-US" altLang="ja-JP" sz="2800" dirty="0"/>
-              <a:t>(time) = v0 - g * time( = 10)</a:t>
-            </a:r>
-          </a:p>
-          <a:p>
-            <a:r>
-              <a:rPr lang="en-US" altLang="ja-JP" sz="2800" dirty="0"/>
+              <a:rPr lang="en-US" altLang="ja-JP" sz="2000" dirty="0"/>
+              <a:t>(</a:t>
+            </a:r>
+            <a:r>
+              <a:rPr lang="en-US" altLang="ja-JP" sz="2000" dirty="0" err="1"/>
+              <a:t>timeAfterJump</a:t>
+            </a:r>
+            <a:r>
+              <a:rPr lang="en-US" altLang="ja-JP" sz="2000" dirty="0"/>
+              <a:t>) = 30 - 3 * </a:t>
+            </a:r>
+            <a:r>
+              <a:rPr lang="en-US" altLang="ja-JP" sz="2000" dirty="0" err="1"/>
+              <a:t>timeAfterJump</a:t>
+            </a:r>
+            <a:r>
+              <a:rPr lang="en-US" altLang="ja-JP" sz="2000" dirty="0"/>
+              <a:t>( = 10)</a:t>
+            </a:r>
+          </a:p>
+          <a:p>
+            <a:r>
+              <a:rPr lang="en-US" altLang="ja-JP" sz="2000" dirty="0"/>
               <a:t>v = - g * time( = 0)</a:t>
             </a:r>
           </a:p>
           <a:p>
-            <a:endParaRPr kumimoji="1" lang="en-US" altLang="ja-JP" sz="2800" dirty="0"/>
-          </a:p>
-          <a:p>
-            <a:r>
-              <a:rPr lang="en-US" altLang="ja-JP" sz="2800" dirty="0"/>
+            <a:endParaRPr kumimoji="1" lang="en-US" altLang="ja-JP" sz="2000" dirty="0"/>
+          </a:p>
+          <a:p>
+            <a:r>
+              <a:rPr lang="en-US" altLang="ja-JP" sz="2000" dirty="0"/>
               <a:t>const v0 = 30;</a:t>
             </a:r>
           </a:p>
           <a:p>
             <a:r>
-              <a:rPr lang="en-US" altLang="ja-JP" sz="2800" dirty="0"/>
+              <a:rPr lang="en-US" altLang="ja-JP" sz="2000" dirty="0"/>
               <a:t>const g = 3;</a:t>
             </a:r>
           </a:p>
@@ -4262,7 +6368,7 @@
     </p:spTree>
     <p:extLst>
       <p:ext uri="{BB962C8B-B14F-4D97-AF65-F5344CB8AC3E}">
-        <p14:creationId xmlns:p14="http://schemas.microsoft.com/office/powerpoint/2010/main" val="2896517770"/>
+        <p14:creationId xmlns:p14="http://schemas.microsoft.com/office/powerpoint/2010/main" val="2122517729"/>
       </p:ext>
     </p:extLst>
   </p:cSld>
@@ -4565,4 +6671,299 @@
     </a:ext>
   </a:extLst>
 </a:theme>
+</file>
+
+<file path=ppt/theme/theme2.xml><?xml version="1.0" encoding="utf-8"?>
+<a:theme xmlns:a="http://schemas.openxmlformats.org/drawingml/2006/main" name="Office テーマ">
+  <a:themeElements>
+    <a:clrScheme name="Office">
+      <a:dk1>
+        <a:sysClr val="windowText" lastClr="000000"/>
+      </a:dk1>
+      <a:lt1>
+        <a:sysClr val="window" lastClr="FFFFFF"/>
+      </a:lt1>
+      <a:dk2>
+        <a:srgbClr val="44546A"/>
+      </a:dk2>
+      <a:lt2>
+        <a:srgbClr val="E7E6E6"/>
+      </a:lt2>
+      <a:accent1>
+        <a:srgbClr val="4472C4"/>
+      </a:accent1>
+      <a:accent2>
+        <a:srgbClr val="ED7D31"/>
+      </a:accent2>
+      <a:accent3>
+        <a:srgbClr val="A5A5A5"/>
+      </a:accent3>
+      <a:accent4>
+        <a:srgbClr val="FFC000"/>
+      </a:accent4>
+      <a:accent5>
+        <a:srgbClr val="5B9BD5"/>
+      </a:accent5>
+      <a:accent6>
+        <a:srgbClr val="70AD47"/>
+      </a:accent6>
+      <a:hlink>
+        <a:srgbClr val="0563C1"/>
+      </a:hlink>
+      <a:folHlink>
+        <a:srgbClr val="954F72"/>
+      </a:folHlink>
+    </a:clrScheme>
+    <a:fontScheme name="Office">
+      <a:majorFont>
+        <a:latin typeface="游ゴシック Light" panose="020F0302020204030204"/>
+        <a:ea typeface=""/>
+        <a:cs typeface=""/>
+        <a:font script="Jpan" typeface="游ゴシック Light"/>
+        <a:font script="Hang" typeface="맑은 고딕"/>
+        <a:font script="Hans" typeface="等线 Light"/>
+        <a:font script="Hant" typeface="新細明體"/>
+        <a:font script="Arab" typeface="Times New Roman"/>
+        <a:font script="Hebr" typeface="Times New Roman"/>
+        <a:font script="Thai" typeface="Angsana New"/>
+        <a:font script="Ethi" typeface="Nyala"/>
+        <a:font script="Beng" typeface="Vrinda"/>
+        <a:font script="Gujr" typeface="Shruti"/>
+        <a:font script="Khmr" typeface="MoolBoran"/>
+        <a:font script="Knda" typeface="Tunga"/>
+        <a:font script="Guru" typeface="Raavi"/>
+        <a:font script="Cans" typeface="Euphemia"/>
+        <a:font script="Cher" typeface="Plantagenet Cherokee"/>
+        <a:font script="Yiii" typeface="Microsoft Yi Baiti"/>
+        <a:font script="Tibt" typeface="Microsoft Himalaya"/>
+        <a:font script="Thaa" typeface="MV Boli"/>
+        <a:font script="Deva" typeface="Mangal"/>
+        <a:font script="Telu" typeface="Gautami"/>
+        <a:font script="Taml" typeface="Latha"/>
+        <a:font script="Syrc" typeface="Estrangelo Edessa"/>
+        <a:font script="Orya" typeface="Kalinga"/>
+        <a:font script="Mlym" typeface="Kartika"/>
+        <a:font script="Laoo" typeface="DokChampa"/>
+        <a:font script="Sinh" typeface="Iskoola Pota"/>
+        <a:font script="Mong" typeface="Mongolian Baiti"/>
+        <a:font script="Viet" typeface="Times New Roman"/>
+        <a:font script="Uigh" typeface="Microsoft Uighur"/>
+        <a:font script="Geor" typeface="Sylfaen"/>
+        <a:font script="Armn" typeface="Arial"/>
+        <a:font script="Bugi" typeface="Leelawadee UI"/>
+        <a:font script="Bopo" typeface="Microsoft JhengHei"/>
+        <a:font script="Java" typeface="Javanese Text"/>
+        <a:font script="Lisu" typeface="Segoe UI"/>
+        <a:font script="Mymr" typeface="Myanmar Text"/>
+        <a:font script="Nkoo" typeface="Ebrima"/>
+        <a:font script="Olck" typeface="Nirmala UI"/>
+        <a:font script="Osma" typeface="Ebrima"/>
+        <a:font script="Phag" typeface="Phagspa"/>
+        <a:font script="Syrn" typeface="Estrangelo Edessa"/>
+        <a:font script="Syrj" typeface="Estrangelo Edessa"/>
+        <a:font script="Syre" typeface="Estrangelo Edessa"/>
+        <a:font script="Sora" typeface="Nirmala UI"/>
+        <a:font script="Tale" typeface="Microsoft Tai Le"/>
+        <a:font script="Talu" typeface="Microsoft New Tai Lue"/>
+        <a:font script="Tfng" typeface="Ebrima"/>
+      </a:majorFont>
+      <a:minorFont>
+        <a:latin typeface="游ゴシック" panose="020F0502020204030204"/>
+        <a:ea typeface=""/>
+        <a:cs typeface=""/>
+        <a:font script="Jpan" typeface="游ゴシック"/>
+        <a:font script="Hang" typeface="맑은 고딕"/>
+        <a:font script="Hans" typeface="等线"/>
+        <a:font script="Hant" typeface="新細明體"/>
+        <a:font script="Arab" typeface="Arial"/>
+        <a:font script="Hebr" typeface="Arial"/>
+        <a:font script="Thai" typeface="Cordia New"/>
+        <a:font script="Ethi" typeface="Nyala"/>
+        <a:font script="Beng" typeface="Vrinda"/>
+        <a:font script="Gujr" typeface="Shruti"/>
+        <a:font script="Khmr" typeface="DaunPenh"/>
+        <a:font script="Knda" typeface="Tunga"/>
+        <a:font script="Guru" typeface="Raavi"/>
+        <a:font script="Cans" typeface="Euphemia"/>
+        <a:font script="Cher" typeface="Plantagenet Cherokee"/>
+        <a:font script="Yiii" typeface="Microsoft Yi Baiti"/>
+        <a:font script="Tibt" typeface="Microsoft Himalaya"/>
+        <a:font script="Thaa" typeface="MV Boli"/>
+        <a:font script="Deva" typeface="Mangal"/>
+        <a:font script="Telu" typeface="Gautami"/>
+        <a:font script="Taml" typeface="Latha"/>
+        <a:font script="Syrc" typeface="Estrangelo Edessa"/>
+        <a:font script="Orya" typeface="Kalinga"/>
+        <a:font script="Mlym" typeface="Kartika"/>
+        <a:font script="Laoo" typeface="DokChampa"/>
+        <a:font script="Sinh" typeface="Iskoola Pota"/>
+        <a:font script="Mong" typeface="Mongolian Baiti"/>
+        <a:font script="Viet" typeface="Arial"/>
+        <a:font script="Uigh" typeface="Microsoft Uighur"/>
+        <a:font script="Geor" typeface="Sylfaen"/>
+        <a:font script="Armn" typeface="Arial"/>
+        <a:font script="Bugi" typeface="Leelawadee UI"/>
+        <a:font script="Bopo" typeface="Microsoft JhengHei"/>
+        <a:font script="Java" typeface="Javanese Text"/>
+        <a:font script="Lisu" typeface="Segoe UI"/>
+        <a:font script="Mymr" typeface="Myanmar Text"/>
+        <a:font script="Nkoo" typeface="Ebrima"/>
+        <a:font script="Olck" typeface="Nirmala UI"/>
+        <a:font script="Osma" typeface="Ebrima"/>
+        <a:font script="Phag" typeface="Phagspa"/>
+        <a:font script="Syrn" typeface="Estrangelo Edessa"/>
+        <a:font script="Syrj" typeface="Estrangelo Edessa"/>
+        <a:font script="Syre" typeface="Estrangelo Edessa"/>
+        <a:font script="Sora" typeface="Nirmala UI"/>
+        <a:font script="Tale" typeface="Microsoft Tai Le"/>
+        <a:font script="Talu" typeface="Microsoft New Tai Lue"/>
+        <a:font script="Tfng" typeface="Ebrima"/>
+      </a:minorFont>
+    </a:fontScheme>
+    <a:fmtScheme name="Office">
+      <a:fillStyleLst>
+        <a:solidFill>
+          <a:schemeClr val="phClr"/>
+        </a:solidFill>
+        <a:gradFill rotWithShape="1">
+          <a:gsLst>
+            <a:gs pos="0">
+              <a:schemeClr val="phClr">
+                <a:lumMod val="110000"/>
+                <a:satMod val="105000"/>
+                <a:tint val="67000"/>
+              </a:schemeClr>
+            </a:gs>
+            <a:gs pos="50000">
+              <a:schemeClr val="phClr">
+                <a:lumMod val="105000"/>
+                <a:satMod val="103000"/>
+                <a:tint val="73000"/>
+              </a:schemeClr>
+            </a:gs>
+            <a:gs pos="100000">
+              <a:schemeClr val="phClr">
+                <a:lumMod val="105000"/>
+                <a:satMod val="109000"/>
+                <a:tint val="81000"/>
+              </a:schemeClr>
+            </a:gs>
+          </a:gsLst>
+          <a:lin ang="5400000" scaled="0"/>
+        </a:gradFill>
+        <a:gradFill rotWithShape="1">
+          <a:gsLst>
+            <a:gs pos="0">
+              <a:schemeClr val="phClr">
+                <a:satMod val="103000"/>
+                <a:lumMod val="102000"/>
+                <a:tint val="94000"/>
+              </a:schemeClr>
+            </a:gs>
+            <a:gs pos="50000">
+              <a:schemeClr val="phClr">
+                <a:satMod val="110000"/>
+                <a:lumMod val="100000"/>
+                <a:shade val="100000"/>
+              </a:schemeClr>
+            </a:gs>
+            <a:gs pos="100000">
+              <a:schemeClr val="phClr">
+                <a:lumMod val="99000"/>
+                <a:satMod val="120000"/>
+                <a:shade val="78000"/>
+              </a:schemeClr>
+            </a:gs>
+          </a:gsLst>
+          <a:lin ang="5400000" scaled="0"/>
+        </a:gradFill>
+      </a:fillStyleLst>
+      <a:lnStyleLst>
+        <a:ln w="6350" cap="flat" cmpd="sng" algn="ctr">
+          <a:solidFill>
+            <a:schemeClr val="phClr"/>
+          </a:solidFill>
+          <a:prstDash val="solid"/>
+          <a:miter lim="800000"/>
+        </a:ln>
+        <a:ln w="12700" cap="flat" cmpd="sng" algn="ctr">
+          <a:solidFill>
+            <a:schemeClr val="phClr"/>
+          </a:solidFill>
+          <a:prstDash val="solid"/>
+          <a:miter lim="800000"/>
+        </a:ln>
+        <a:ln w="19050" cap="flat" cmpd="sng" algn="ctr">
+          <a:solidFill>
+            <a:schemeClr val="phClr"/>
+          </a:solidFill>
+          <a:prstDash val="solid"/>
+          <a:miter lim="800000"/>
+        </a:ln>
+      </a:lnStyleLst>
+      <a:effectStyleLst>
+        <a:effectStyle>
+          <a:effectLst/>
+        </a:effectStyle>
+        <a:effectStyle>
+          <a:effectLst/>
+        </a:effectStyle>
+        <a:effectStyle>
+          <a:effectLst>
+            <a:outerShdw blurRad="57150" dist="19050" dir="5400000" algn="ctr" rotWithShape="0">
+              <a:srgbClr val="000000">
+                <a:alpha val="63000"/>
+              </a:srgbClr>
+            </a:outerShdw>
+          </a:effectLst>
+        </a:effectStyle>
+      </a:effectStyleLst>
+      <a:bgFillStyleLst>
+        <a:solidFill>
+          <a:schemeClr val="phClr"/>
+        </a:solidFill>
+        <a:solidFill>
+          <a:schemeClr val="phClr">
+            <a:tint val="95000"/>
+            <a:satMod val="170000"/>
+          </a:schemeClr>
+        </a:solidFill>
+        <a:gradFill rotWithShape="1">
+          <a:gsLst>
+            <a:gs pos="0">
+              <a:schemeClr val="phClr">
+                <a:tint val="93000"/>
+                <a:satMod val="150000"/>
+                <a:shade val="98000"/>
+                <a:lumMod val="102000"/>
+              </a:schemeClr>
+            </a:gs>
+            <a:gs pos="50000">
+              <a:schemeClr val="phClr">
+                <a:tint val="98000"/>
+                <a:satMod val="130000"/>
+                <a:shade val="90000"/>
+                <a:lumMod val="103000"/>
+              </a:schemeClr>
+            </a:gs>
+            <a:gs pos="100000">
+              <a:schemeClr val="phClr">
+                <a:shade val="63000"/>
+                <a:satMod val="120000"/>
+              </a:schemeClr>
+            </a:gs>
+          </a:gsLst>
+          <a:lin ang="5400000" scaled="0"/>
+        </a:gradFill>
+      </a:bgFillStyleLst>
+    </a:fmtScheme>
+  </a:themeElements>
+  <a:objectDefaults/>
+  <a:extraClrSchemeLst/>
+  <a:extLst>
+    <a:ext uri="{05A4C25C-085E-4340-85A3-A5531E510DB2}">
+      <thm15:themeFamily xmlns:thm15="http://schemas.microsoft.com/office/thememl/2012/main" name="Office Theme" id="{62F939B6-93AF-4DB8-9C6B-D6C7DFDC589F}" vid="{4A3C46E8-61CC-4603-A589-7422A47A8E4A}"/>
+    </a:ext>
+  </a:extLst>
+</a:theme>
 </file>
--- a/プレゼンテーション1.pptx
+++ b/プレゼンテーション1.pptx
@@ -199,7 +199,7 @@
           <a:p>
             <a:fld id="{2BA49272-FCAE-D145-A31C-B19C91E4E1B5}" type="datetimeFigureOut">
               <a:rPr kumimoji="1" lang="ja-JP" altLang="en-US" smtClean="0"/>
-              <a:t>2021/9/29</a:t>
+              <a:t>2021/10/5</a:t>
             </a:fld>
             <a:endParaRPr kumimoji="1" lang="ja-JP" altLang="en-US"/>
           </a:p>
@@ -813,7 +813,7 @@
           <a:p>
             <a:fld id="{86BA6A6B-E36D-594B-B171-0F5ABB4A6F4D}" type="datetimeFigureOut">
               <a:rPr kumimoji="1" lang="ja-JP" altLang="en-US" smtClean="0"/>
-              <a:t>2021/9/29</a:t>
+              <a:t>2021/10/5</a:t>
             </a:fld>
             <a:endParaRPr kumimoji="1" lang="ja-JP" altLang="en-US"/>
           </a:p>
@@ -1043,7 +1043,7 @@
           <a:p>
             <a:fld id="{86BA6A6B-E36D-594B-B171-0F5ABB4A6F4D}" type="datetimeFigureOut">
               <a:rPr kumimoji="1" lang="ja-JP" altLang="en-US" smtClean="0"/>
-              <a:t>2021/9/29</a:t>
+              <a:t>2021/10/5</a:t>
             </a:fld>
             <a:endParaRPr kumimoji="1" lang="ja-JP" altLang="en-US"/>
           </a:p>
@@ -1283,7 +1283,7 @@
           <a:p>
             <a:fld id="{86BA6A6B-E36D-594B-B171-0F5ABB4A6F4D}" type="datetimeFigureOut">
               <a:rPr kumimoji="1" lang="ja-JP" altLang="en-US" smtClean="0"/>
-              <a:t>2021/9/29</a:t>
+              <a:t>2021/10/5</a:t>
             </a:fld>
             <a:endParaRPr kumimoji="1" lang="ja-JP" altLang="en-US"/>
           </a:p>
@@ -1513,7 +1513,7 @@
           <a:p>
             <a:fld id="{86BA6A6B-E36D-594B-B171-0F5ABB4A6F4D}" type="datetimeFigureOut">
               <a:rPr kumimoji="1" lang="ja-JP" altLang="en-US" smtClean="0"/>
-              <a:t>2021/9/29</a:t>
+              <a:t>2021/10/5</a:t>
             </a:fld>
             <a:endParaRPr kumimoji="1" lang="ja-JP" altLang="en-US"/>
           </a:p>
@@ -1788,7 +1788,7 @@
           <a:p>
             <a:fld id="{86BA6A6B-E36D-594B-B171-0F5ABB4A6F4D}" type="datetimeFigureOut">
               <a:rPr kumimoji="1" lang="ja-JP" altLang="en-US" smtClean="0"/>
-              <a:t>2021/9/29</a:t>
+              <a:t>2021/10/5</a:t>
             </a:fld>
             <a:endParaRPr kumimoji="1" lang="ja-JP" altLang="en-US"/>
           </a:p>
@@ -2117,7 +2117,7 @@
           <a:p>
             <a:fld id="{86BA6A6B-E36D-594B-B171-0F5ABB4A6F4D}" type="datetimeFigureOut">
               <a:rPr kumimoji="1" lang="ja-JP" altLang="en-US" smtClean="0"/>
-              <a:t>2021/9/29</a:t>
+              <a:t>2021/10/5</a:t>
             </a:fld>
             <a:endParaRPr kumimoji="1" lang="ja-JP" altLang="en-US"/>
           </a:p>
@@ -2593,7 +2593,7 @@
           <a:p>
             <a:fld id="{86BA6A6B-E36D-594B-B171-0F5ABB4A6F4D}" type="datetimeFigureOut">
               <a:rPr kumimoji="1" lang="ja-JP" altLang="en-US" smtClean="0"/>
-              <a:t>2021/9/29</a:t>
+              <a:t>2021/10/5</a:t>
             </a:fld>
             <a:endParaRPr kumimoji="1" lang="ja-JP" altLang="en-US"/>
           </a:p>
@@ -2734,7 +2734,7 @@
           <a:p>
             <a:fld id="{86BA6A6B-E36D-594B-B171-0F5ABB4A6F4D}" type="datetimeFigureOut">
               <a:rPr kumimoji="1" lang="ja-JP" altLang="en-US" smtClean="0"/>
-              <a:t>2021/9/29</a:t>
+              <a:t>2021/10/5</a:t>
             </a:fld>
             <a:endParaRPr kumimoji="1" lang="ja-JP" altLang="en-US"/>
           </a:p>
@@ -2847,7 +2847,7 @@
           <a:p>
             <a:fld id="{86BA6A6B-E36D-594B-B171-0F5ABB4A6F4D}" type="datetimeFigureOut">
               <a:rPr kumimoji="1" lang="ja-JP" altLang="en-US" smtClean="0"/>
-              <a:t>2021/9/29</a:t>
+              <a:t>2021/10/5</a:t>
             </a:fld>
             <a:endParaRPr kumimoji="1" lang="ja-JP" altLang="en-US"/>
           </a:p>
@@ -3190,7 +3190,7 @@
           <a:p>
             <a:fld id="{86BA6A6B-E36D-594B-B171-0F5ABB4A6F4D}" type="datetimeFigureOut">
               <a:rPr kumimoji="1" lang="ja-JP" altLang="en-US" smtClean="0"/>
-              <a:t>2021/9/29</a:t>
+              <a:t>2021/10/5</a:t>
             </a:fld>
             <a:endParaRPr kumimoji="1" lang="ja-JP" altLang="en-US"/>
           </a:p>
@@ -3478,7 +3478,7 @@
           <a:p>
             <a:fld id="{86BA6A6B-E36D-594B-B171-0F5ABB4A6F4D}" type="datetimeFigureOut">
               <a:rPr kumimoji="1" lang="ja-JP" altLang="en-US" smtClean="0"/>
-              <a:t>2021/9/29</a:t>
+              <a:t>2021/10/5</a:t>
             </a:fld>
             <a:endParaRPr kumimoji="1" lang="ja-JP" altLang="en-US"/>
           </a:p>
@@ -3751,7 +3751,7 @@
           <a:p>
             <a:fld id="{86BA6A6B-E36D-594B-B171-0F5ABB4A6F4D}" type="datetimeFigureOut">
               <a:rPr kumimoji="1" lang="ja-JP" altLang="en-US" smtClean="0"/>
-              <a:t>2021/9/29</a:t>
+              <a:t>2021/10/5</a:t>
             </a:fld>
             <a:endParaRPr kumimoji="1" lang="ja-JP" altLang="en-US"/>
           </a:p>
@@ -4170,6 +4170,55 @@
       </p:grpSpPr>
       <p:sp>
         <p:nvSpPr>
+          <p:cNvPr id="16" name="円/楕円 15">
+            <a:extLst>
+              <a:ext uri="{FF2B5EF4-FFF2-40B4-BE49-F238E27FC236}">
+                <a16:creationId xmlns:a16="http://schemas.microsoft.com/office/drawing/2014/main" id="{FE905583-2E6D-5A49-B07E-3AFA5DF8B1F4}"/>
+              </a:ext>
+            </a:extLst>
+          </p:cNvPr>
+          <p:cNvSpPr/>
+          <p:nvPr/>
+        </p:nvSpPr>
+        <p:spPr>
+          <a:xfrm>
+            <a:off x="10339855" y="2859739"/>
+            <a:ext cx="869258" cy="884420"/>
+          </a:xfrm>
+          <a:prstGeom prst="ellipse">
+            <a:avLst/>
+          </a:prstGeom>
+          <a:solidFill>
+            <a:srgbClr val="FF0000"/>
+          </a:solidFill>
+        </p:spPr>
+        <p:style>
+          <a:lnRef idx="2">
+            <a:schemeClr val="accent1">
+              <a:shade val="50000"/>
+            </a:schemeClr>
+          </a:lnRef>
+          <a:fillRef idx="1">
+            <a:schemeClr val="accent1"/>
+          </a:fillRef>
+          <a:effectRef idx="0">
+            <a:schemeClr val="accent1"/>
+          </a:effectRef>
+          <a:fontRef idx="minor">
+            <a:schemeClr val="lt1"/>
+          </a:fontRef>
+        </p:style>
+        <p:txBody>
+          <a:bodyPr rtlCol="0" anchor="ctr"/>
+          <a:lstStyle/>
+          <a:p>
+            <a:pPr algn="ctr"/>
+            <a:endParaRPr kumimoji="1" lang="ja-JP" altLang="en-US"/>
+          </a:p>
+        </p:txBody>
+      </p:sp>
+      <p:sp>
+        <p:nvSpPr>
           <p:cNvPr id="2" name="正方形/長方形 1">
             <a:extLst>
               <a:ext uri="{FF2B5EF4-FFF2-40B4-BE49-F238E27FC236}">
@@ -4642,7 +4691,7 @@
         </p:nvSpPr>
         <p:spPr>
           <a:xfrm>
-            <a:off x="5836352" y="1397367"/>
+            <a:off x="8523892" y="1999119"/>
             <a:ext cx="869258" cy="884420"/>
           </a:xfrm>
           <a:prstGeom prst="ellipse">
@@ -6331,7 +6380,7 @@
             </a:r>
             <a:r>
               <a:rPr lang="en-US" altLang="ja-JP" sz="2000" dirty="0"/>
-              <a:t>) = 30 - 3 * </a:t>
+              <a:t>) = v0 - g * </a:t>
             </a:r>
             <a:r>
               <a:rPr lang="en-US" altLang="ja-JP" sz="2000" dirty="0" err="1"/>

--- a/プレゼンテーション1.pptx
+++ b/プレゼンテーション1.pptx
@@ -2,24 +2,25 @@
 <file path=ppt/presentation.xml><?xml version="1.0" encoding="utf-8"?>
 <p:presentation xmlns:a="http://schemas.openxmlformats.org/drawingml/2006/main" xmlns:r="http://schemas.openxmlformats.org/officeDocument/2006/relationships" xmlns:p="http://schemas.openxmlformats.org/presentationml/2006/main" saveSubsetFonts="1" autoCompressPictures="0">
   <p:sldMasterIdLst>
-    <p:sldMasterId id="2147483648" r:id="rId1"/>
+    <p:sldMasterId id="2147483660" r:id="rId1"/>
   </p:sldMasterIdLst>
   <p:notesMasterIdLst>
-    <p:notesMasterId r:id="rId5"/>
+    <p:notesMasterId r:id="rId6"/>
   </p:notesMasterIdLst>
   <p:sldIdLst>
     <p:sldId id="257" r:id="rId2"/>
     <p:sldId id="256" r:id="rId3"/>
     <p:sldId id="259" r:id="rId4"/>
+    <p:sldId id="260" r:id="rId5"/>
   </p:sldIdLst>
-  <p:sldSz cx="12192000" cy="6858000"/>
+  <p:sldSz cx="23760113" cy="13679488"/>
   <p:notesSz cx="6858000" cy="9144000"/>
   <p:defaultTextStyle>
     <a:defPPr>
-      <a:defRPr lang="ja-JP"/>
+      <a:defRPr lang="en-US"/>
     </a:defPPr>
-    <a:lvl1pPr marL="0" algn="l" defTabSz="914400" rtl="0" eaLnBrk="1" latinLnBrk="0" hangingPunct="1">
-      <a:defRPr kumimoji="1" sz="1800" kern="1200">
+    <a:lvl1pPr marL="0" algn="l" defTabSz="457200" rtl="0" eaLnBrk="1" latinLnBrk="0" hangingPunct="1">
+      <a:defRPr sz="1800" kern="1200">
         <a:solidFill>
           <a:schemeClr val="tx1"/>
         </a:solidFill>
@@ -28,8 +29,8 @@
         <a:cs typeface="+mn-cs"/>
       </a:defRPr>
     </a:lvl1pPr>
-    <a:lvl2pPr marL="457200" algn="l" defTabSz="914400" rtl="0" eaLnBrk="1" latinLnBrk="0" hangingPunct="1">
-      <a:defRPr kumimoji="1" sz="1800" kern="1200">
+    <a:lvl2pPr marL="457200" algn="l" defTabSz="457200" rtl="0" eaLnBrk="1" latinLnBrk="0" hangingPunct="1">
+      <a:defRPr sz="1800" kern="1200">
         <a:solidFill>
           <a:schemeClr val="tx1"/>
         </a:solidFill>
@@ -38,8 +39,8 @@
         <a:cs typeface="+mn-cs"/>
       </a:defRPr>
     </a:lvl2pPr>
-    <a:lvl3pPr marL="914400" algn="l" defTabSz="914400" rtl="0" eaLnBrk="1" latinLnBrk="0" hangingPunct="1">
-      <a:defRPr kumimoji="1" sz="1800" kern="1200">
+    <a:lvl3pPr marL="914400" algn="l" defTabSz="457200" rtl="0" eaLnBrk="1" latinLnBrk="0" hangingPunct="1">
+      <a:defRPr sz="1800" kern="1200">
         <a:solidFill>
           <a:schemeClr val="tx1"/>
         </a:solidFill>
@@ -48,8 +49,8 @@
         <a:cs typeface="+mn-cs"/>
       </a:defRPr>
     </a:lvl3pPr>
-    <a:lvl4pPr marL="1371600" algn="l" defTabSz="914400" rtl="0" eaLnBrk="1" latinLnBrk="0" hangingPunct="1">
-      <a:defRPr kumimoji="1" sz="1800" kern="1200">
+    <a:lvl4pPr marL="1371600" algn="l" defTabSz="457200" rtl="0" eaLnBrk="1" latinLnBrk="0" hangingPunct="1">
+      <a:defRPr sz="1800" kern="1200">
         <a:solidFill>
           <a:schemeClr val="tx1"/>
         </a:solidFill>
@@ -58,8 +59,8 @@
         <a:cs typeface="+mn-cs"/>
       </a:defRPr>
     </a:lvl4pPr>
-    <a:lvl5pPr marL="1828800" algn="l" defTabSz="914400" rtl="0" eaLnBrk="1" latinLnBrk="0" hangingPunct="1">
-      <a:defRPr kumimoji="1" sz="1800" kern="1200">
+    <a:lvl5pPr marL="1828800" algn="l" defTabSz="457200" rtl="0" eaLnBrk="1" latinLnBrk="0" hangingPunct="1">
+      <a:defRPr sz="1800" kern="1200">
         <a:solidFill>
           <a:schemeClr val="tx1"/>
         </a:solidFill>
@@ -68,8 +69,8 @@
         <a:cs typeface="+mn-cs"/>
       </a:defRPr>
     </a:lvl5pPr>
-    <a:lvl6pPr marL="2286000" algn="l" defTabSz="914400" rtl="0" eaLnBrk="1" latinLnBrk="0" hangingPunct="1">
-      <a:defRPr kumimoji="1" sz="1800" kern="1200">
+    <a:lvl6pPr marL="2286000" algn="l" defTabSz="457200" rtl="0" eaLnBrk="1" latinLnBrk="0" hangingPunct="1">
+      <a:defRPr sz="1800" kern="1200">
         <a:solidFill>
           <a:schemeClr val="tx1"/>
         </a:solidFill>
@@ -78,8 +79,8 @@
         <a:cs typeface="+mn-cs"/>
       </a:defRPr>
     </a:lvl6pPr>
-    <a:lvl7pPr marL="2743200" algn="l" defTabSz="914400" rtl="0" eaLnBrk="1" latinLnBrk="0" hangingPunct="1">
-      <a:defRPr kumimoji="1" sz="1800" kern="1200">
+    <a:lvl7pPr marL="2743200" algn="l" defTabSz="457200" rtl="0" eaLnBrk="1" latinLnBrk="0" hangingPunct="1">
+      <a:defRPr sz="1800" kern="1200">
         <a:solidFill>
           <a:schemeClr val="tx1"/>
         </a:solidFill>
@@ -88,8 +89,8 @@
         <a:cs typeface="+mn-cs"/>
       </a:defRPr>
     </a:lvl7pPr>
-    <a:lvl8pPr marL="3200400" algn="l" defTabSz="914400" rtl="0" eaLnBrk="1" latinLnBrk="0" hangingPunct="1">
-      <a:defRPr kumimoji="1" sz="1800" kern="1200">
+    <a:lvl8pPr marL="3200400" algn="l" defTabSz="457200" rtl="0" eaLnBrk="1" latinLnBrk="0" hangingPunct="1">
+      <a:defRPr sz="1800" kern="1200">
         <a:solidFill>
           <a:schemeClr val="tx1"/>
         </a:solidFill>
@@ -98,8 +99,8 @@
         <a:cs typeface="+mn-cs"/>
       </a:defRPr>
     </a:lvl8pPr>
-    <a:lvl9pPr marL="3657600" algn="l" defTabSz="914400" rtl="0" eaLnBrk="1" latinLnBrk="0" hangingPunct="1">
-      <a:defRPr kumimoji="1" sz="1800" kern="1200">
+    <a:lvl9pPr marL="3657600" algn="l" defTabSz="457200" rtl="0" eaLnBrk="1" latinLnBrk="0" hangingPunct="1">
+      <a:defRPr sz="1800" kern="1200">
         <a:solidFill>
           <a:schemeClr val="tx1"/>
         </a:solidFill>
@@ -199,7 +200,7 @@
           <a:p>
             <a:fld id="{2BA49272-FCAE-D145-A31C-B19C91E4E1B5}" type="datetimeFigureOut">
               <a:rPr kumimoji="1" lang="ja-JP" altLang="en-US" smtClean="0"/>
-              <a:t>2021/10/5</a:t>
+              <a:t>2021/10/12</a:t>
             </a:fld>
             <a:endParaRPr kumimoji="1" lang="ja-JP" altLang="en-US"/>
           </a:p>
@@ -217,8 +218,8 @@
         </p:nvSpPr>
         <p:spPr>
           <a:xfrm>
-            <a:off x="685800" y="1143000"/>
-            <a:ext cx="5486400" cy="3086100"/>
+            <a:off x="749300" y="1143000"/>
+            <a:ext cx="5359400" cy="3086100"/>
           </a:xfrm>
           <a:prstGeom prst="rect">
             <a:avLst/>
@@ -404,8 +405,8 @@
   </p:cSld>
   <p:clrMap bg1="lt1" tx1="dk1" bg2="lt2" tx2="dk2" accent1="accent1" accent2="accent2" accent3="accent3" accent4="accent4" accent5="accent5" accent6="accent6" hlink="hlink" folHlink="folHlink"/>
   <p:notesStyle>
-    <a:lvl1pPr marL="0" algn="l" defTabSz="914400" rtl="0" eaLnBrk="1" latinLnBrk="0" hangingPunct="1">
-      <a:defRPr kumimoji="1" sz="1200" kern="1200">
+    <a:lvl1pPr marL="0" algn="l" defTabSz="1797070" rtl="0" eaLnBrk="1" latinLnBrk="0" hangingPunct="1">
+      <a:defRPr kumimoji="1" sz="2358" kern="1200">
         <a:solidFill>
           <a:schemeClr val="tx1"/>
         </a:solidFill>
@@ -414,8 +415,8 @@
         <a:cs typeface="+mn-cs"/>
       </a:defRPr>
     </a:lvl1pPr>
-    <a:lvl2pPr marL="457200" algn="l" defTabSz="914400" rtl="0" eaLnBrk="1" latinLnBrk="0" hangingPunct="1">
-      <a:defRPr kumimoji="1" sz="1200" kern="1200">
+    <a:lvl2pPr marL="898535" algn="l" defTabSz="1797070" rtl="0" eaLnBrk="1" latinLnBrk="0" hangingPunct="1">
+      <a:defRPr kumimoji="1" sz="2358" kern="1200">
         <a:solidFill>
           <a:schemeClr val="tx1"/>
         </a:solidFill>
@@ -424,8 +425,8 @@
         <a:cs typeface="+mn-cs"/>
       </a:defRPr>
     </a:lvl2pPr>
-    <a:lvl3pPr marL="914400" algn="l" defTabSz="914400" rtl="0" eaLnBrk="1" latinLnBrk="0" hangingPunct="1">
-      <a:defRPr kumimoji="1" sz="1200" kern="1200">
+    <a:lvl3pPr marL="1797070" algn="l" defTabSz="1797070" rtl="0" eaLnBrk="1" latinLnBrk="0" hangingPunct="1">
+      <a:defRPr kumimoji="1" sz="2358" kern="1200">
         <a:solidFill>
           <a:schemeClr val="tx1"/>
         </a:solidFill>
@@ -434,8 +435,8 @@
         <a:cs typeface="+mn-cs"/>
       </a:defRPr>
     </a:lvl3pPr>
-    <a:lvl4pPr marL="1371600" algn="l" defTabSz="914400" rtl="0" eaLnBrk="1" latinLnBrk="0" hangingPunct="1">
-      <a:defRPr kumimoji="1" sz="1200" kern="1200">
+    <a:lvl4pPr marL="2695605" algn="l" defTabSz="1797070" rtl="0" eaLnBrk="1" latinLnBrk="0" hangingPunct="1">
+      <a:defRPr kumimoji="1" sz="2358" kern="1200">
         <a:solidFill>
           <a:schemeClr val="tx1"/>
         </a:solidFill>
@@ -444,8 +445,8 @@
         <a:cs typeface="+mn-cs"/>
       </a:defRPr>
     </a:lvl4pPr>
-    <a:lvl5pPr marL="1828800" algn="l" defTabSz="914400" rtl="0" eaLnBrk="1" latinLnBrk="0" hangingPunct="1">
-      <a:defRPr kumimoji="1" sz="1200" kern="1200">
+    <a:lvl5pPr marL="3594141" algn="l" defTabSz="1797070" rtl="0" eaLnBrk="1" latinLnBrk="0" hangingPunct="1">
+      <a:defRPr kumimoji="1" sz="2358" kern="1200">
         <a:solidFill>
           <a:schemeClr val="tx1"/>
         </a:solidFill>
@@ -454,8 +455,8 @@
         <a:cs typeface="+mn-cs"/>
       </a:defRPr>
     </a:lvl5pPr>
-    <a:lvl6pPr marL="2286000" algn="l" defTabSz="914400" rtl="0" eaLnBrk="1" latinLnBrk="0" hangingPunct="1">
-      <a:defRPr kumimoji="1" sz="1200" kern="1200">
+    <a:lvl6pPr marL="4492676" algn="l" defTabSz="1797070" rtl="0" eaLnBrk="1" latinLnBrk="0" hangingPunct="1">
+      <a:defRPr kumimoji="1" sz="2358" kern="1200">
         <a:solidFill>
           <a:schemeClr val="tx1"/>
         </a:solidFill>
@@ -464,8 +465,8 @@
         <a:cs typeface="+mn-cs"/>
       </a:defRPr>
     </a:lvl6pPr>
-    <a:lvl7pPr marL="2743200" algn="l" defTabSz="914400" rtl="0" eaLnBrk="1" latinLnBrk="0" hangingPunct="1">
-      <a:defRPr kumimoji="1" sz="1200" kern="1200">
+    <a:lvl7pPr marL="5391211" algn="l" defTabSz="1797070" rtl="0" eaLnBrk="1" latinLnBrk="0" hangingPunct="1">
+      <a:defRPr kumimoji="1" sz="2358" kern="1200">
         <a:solidFill>
           <a:schemeClr val="tx1"/>
         </a:solidFill>
@@ -474,8 +475,8 @@
         <a:cs typeface="+mn-cs"/>
       </a:defRPr>
     </a:lvl7pPr>
-    <a:lvl8pPr marL="3200400" algn="l" defTabSz="914400" rtl="0" eaLnBrk="1" latinLnBrk="0" hangingPunct="1">
-      <a:defRPr kumimoji="1" sz="1200" kern="1200">
+    <a:lvl8pPr marL="6289746" algn="l" defTabSz="1797070" rtl="0" eaLnBrk="1" latinLnBrk="0" hangingPunct="1">
+      <a:defRPr kumimoji="1" sz="2358" kern="1200">
         <a:solidFill>
           <a:schemeClr val="tx1"/>
         </a:solidFill>
@@ -484,8 +485,8 @@
         <a:cs typeface="+mn-cs"/>
       </a:defRPr>
     </a:lvl8pPr>
-    <a:lvl9pPr marL="3657600" algn="l" defTabSz="914400" rtl="0" eaLnBrk="1" latinLnBrk="0" hangingPunct="1">
-      <a:defRPr kumimoji="1" sz="1200" kern="1200">
+    <a:lvl9pPr marL="7188281" algn="l" defTabSz="1797070" rtl="0" eaLnBrk="1" latinLnBrk="0" hangingPunct="1">
+      <a:defRPr kumimoji="1" sz="2358" kern="1200">
         <a:solidFill>
           <a:schemeClr val="tx1"/>
         </a:solidFill>
@@ -525,7 +526,12 @@
             <p:ph type="sldImg"/>
           </p:nvPr>
         </p:nvSpPr>
-        <p:spPr/>
+        <p:spPr>
+          <a:xfrm>
+            <a:off x="749300" y="1143000"/>
+            <a:ext cx="5359400" cy="3086100"/>
+          </a:xfrm>
+        </p:spPr>
       </p:sp>
       <p:sp>
         <p:nvSpPr>
@@ -609,7 +615,12 @@
             <p:ph type="sldImg"/>
           </p:nvPr>
         </p:nvSpPr>
-        <p:spPr/>
+        <p:spPr>
+          <a:xfrm>
+            <a:off x="749300" y="1143000"/>
+            <a:ext cx="5359400" cy="3086100"/>
+          </a:xfrm>
+        </p:spPr>
       </p:sp>
       <p:sp>
         <p:nvSpPr>
@@ -657,6 +668,95 @@
     <p:extLst>
       <p:ext uri="{BB962C8B-B14F-4D97-AF65-F5344CB8AC3E}">
         <p14:creationId xmlns:p14="http://schemas.microsoft.com/office/powerpoint/2010/main" val="2789308763"/>
+      </p:ext>
+    </p:extLst>
+  </p:cSld>
+  <p:clrMapOvr>
+    <a:masterClrMapping/>
+  </p:clrMapOvr>
+</p:notes>
+</file>
+
+<file path=ppt/notesSlides/notesSlide3.xml><?xml version="1.0" encoding="utf-8"?>
+<p:notes xmlns:a="http://schemas.openxmlformats.org/drawingml/2006/main" xmlns:r="http://schemas.openxmlformats.org/officeDocument/2006/relationships" xmlns:p="http://schemas.openxmlformats.org/presentationml/2006/main">
+  <p:cSld>
+    <p:spTree>
+      <p:nvGrpSpPr>
+        <p:cNvPr id="1" name=""/>
+        <p:cNvGrpSpPr/>
+        <p:nvPr/>
+      </p:nvGrpSpPr>
+      <p:grpSpPr>
+        <a:xfrm>
+          <a:off x="0" y="0"/>
+          <a:ext cx="0" cy="0"/>
+          <a:chOff x="0" y="0"/>
+          <a:chExt cx="0" cy="0"/>
+        </a:xfrm>
+      </p:grpSpPr>
+      <p:sp>
+        <p:nvSpPr>
+          <p:cNvPr id="2" name="スライド イメージ プレースホルダー 1"/>
+          <p:cNvSpPr>
+            <a:spLocks noGrp="1" noRot="1" noChangeAspect="1"/>
+          </p:cNvSpPr>
+          <p:nvPr>
+            <p:ph type="sldImg"/>
+          </p:nvPr>
+        </p:nvSpPr>
+        <p:spPr>
+          <a:xfrm>
+            <a:off x="749300" y="1143000"/>
+            <a:ext cx="5359400" cy="3086100"/>
+          </a:xfrm>
+        </p:spPr>
+      </p:sp>
+      <p:sp>
+        <p:nvSpPr>
+          <p:cNvPr id="3" name="ノート プレースホルダー 2"/>
+          <p:cNvSpPr>
+            <a:spLocks noGrp="1"/>
+          </p:cNvSpPr>
+          <p:nvPr>
+            <p:ph type="body" idx="1"/>
+          </p:nvPr>
+        </p:nvSpPr>
+        <p:spPr/>
+        <p:txBody>
+          <a:bodyPr/>
+          <a:lstStyle/>
+          <a:p>
+            <a:endParaRPr kumimoji="1" lang="ja-JP" altLang="en-US"/>
+          </a:p>
+        </p:txBody>
+      </p:sp>
+      <p:sp>
+        <p:nvSpPr>
+          <p:cNvPr id="4" name="スライド番号プレースホルダー 3"/>
+          <p:cNvSpPr>
+            <a:spLocks noGrp="1"/>
+          </p:cNvSpPr>
+          <p:nvPr>
+            <p:ph type="sldNum" sz="quarter" idx="5"/>
+          </p:nvPr>
+        </p:nvSpPr>
+        <p:spPr/>
+        <p:txBody>
+          <a:bodyPr/>
+          <a:lstStyle/>
+          <a:p>
+            <a:fld id="{BE24D3FC-986F-304B-9DE2-E04180071E9A}" type="slidenum">
+              <a:rPr kumimoji="1" lang="ja-JP" altLang="en-US" smtClean="0"/>
+              <a:t>4</a:t>
+            </a:fld>
+            <a:endParaRPr kumimoji="1" lang="ja-JP" altLang="en-US"/>
+          </a:p>
+        </p:txBody>
+      </p:sp>
+    </p:spTree>
+    <p:extLst>
+      <p:ext uri="{BB962C8B-B14F-4D97-AF65-F5344CB8AC3E}">
+        <p14:creationId xmlns:p14="http://schemas.microsoft.com/office/powerpoint/2010/main" val="1873365027"/>
       </p:ext>
     </p:extLst>
   </p:cSld>
@@ -685,13 +785,7 @@
       </p:grpSpPr>
       <p:sp>
         <p:nvSpPr>
-          <p:cNvPr id="2" name="タイトル 1">
-            <a:extLst>
-              <a:ext uri="{FF2B5EF4-FFF2-40B4-BE49-F238E27FC236}">
-                <a16:creationId xmlns:a16="http://schemas.microsoft.com/office/drawing/2014/main" id="{DDCA8B9E-C2D3-D349-8FE0-0D3C9D0A2B4C}"/>
-              </a:ext>
-            </a:extLst>
-          </p:cNvPr>
+          <p:cNvPr id="2" name="Title 1"/>
           <p:cNvSpPr>
             <a:spLocks noGrp="1"/>
           </p:cNvSpPr>
@@ -701,34 +795,29 @@
         </p:nvSpPr>
         <p:spPr>
           <a:xfrm>
-            <a:off x="1524000" y="1122363"/>
-            <a:ext cx="9144000" cy="2387600"/>
+            <a:off x="2970014" y="2238751"/>
+            <a:ext cx="17820085" cy="4762488"/>
           </a:xfrm>
         </p:spPr>
         <p:txBody>
           <a:bodyPr anchor="b"/>
           <a:lstStyle>
             <a:lvl1pPr algn="ctr">
-              <a:defRPr sz="6000"/>
+              <a:defRPr sz="11693"/>
             </a:lvl1pPr>
           </a:lstStyle>
           <a:p>
             <a:r>
-              <a:rPr kumimoji="1" lang="ja-JP" altLang="en-US"/>
+              <a:rPr lang="ja-JP" altLang="en-US"/>
               <a:t>マスター タイトルの書式設定</a:t>
             </a:r>
-          </a:p>
-        </p:txBody>
-      </p:sp>
-      <p:sp>
-        <p:nvSpPr>
-          <p:cNvPr id="3" name="字幕 2">
-            <a:extLst>
-              <a:ext uri="{FF2B5EF4-FFF2-40B4-BE49-F238E27FC236}">
-                <a16:creationId xmlns:a16="http://schemas.microsoft.com/office/drawing/2014/main" id="{787B02E5-D478-BF4E-8A02-15EB947E87BE}"/>
-              </a:ext>
-            </a:extLst>
-          </p:cNvPr>
+            <a:endParaRPr lang="en-US" dirty="0"/>
+          </a:p>
+        </p:txBody>
+      </p:sp>
+      <p:sp>
+        <p:nvSpPr>
+          <p:cNvPr id="3" name="Subtitle 2"/>
           <p:cNvSpPr>
             <a:spLocks noGrp="1"/>
           </p:cNvSpPr>
@@ -738,8 +827,8 @@
         </p:nvSpPr>
         <p:spPr>
           <a:xfrm>
-            <a:off x="1524000" y="3602038"/>
-            <a:ext cx="9144000" cy="1655762"/>
+            <a:off x="2970014" y="7184899"/>
+            <a:ext cx="17820085" cy="3302709"/>
           </a:xfrm>
         </p:spPr>
         <p:txBody>
@@ -747,58 +836,53 @@
           <a:lstStyle>
             <a:lvl1pPr marL="0" indent="0" algn="ctr">
               <a:buNone/>
-              <a:defRPr sz="2400"/>
+              <a:defRPr sz="4677"/>
             </a:lvl1pPr>
-            <a:lvl2pPr marL="457200" indent="0" algn="ctr">
+            <a:lvl2pPr marL="890991" indent="0" algn="ctr">
               <a:buNone/>
-              <a:defRPr sz="2000"/>
+              <a:defRPr sz="3898"/>
             </a:lvl2pPr>
-            <a:lvl3pPr marL="914400" indent="0" algn="ctr">
+            <a:lvl3pPr marL="1781983" indent="0" algn="ctr">
               <a:buNone/>
-              <a:defRPr sz="1800"/>
+              <a:defRPr sz="3508"/>
             </a:lvl3pPr>
-            <a:lvl4pPr marL="1371600" indent="0" algn="ctr">
+            <a:lvl4pPr marL="2672974" indent="0" algn="ctr">
               <a:buNone/>
-              <a:defRPr sz="1600"/>
+              <a:defRPr sz="3118"/>
             </a:lvl4pPr>
-            <a:lvl5pPr marL="1828800" indent="0" algn="ctr">
+            <a:lvl5pPr marL="3563965" indent="0" algn="ctr">
               <a:buNone/>
-              <a:defRPr sz="1600"/>
+              <a:defRPr sz="3118"/>
             </a:lvl5pPr>
-            <a:lvl6pPr marL="2286000" indent="0" algn="ctr">
+            <a:lvl6pPr marL="4454957" indent="0" algn="ctr">
               <a:buNone/>
-              <a:defRPr sz="1600"/>
+              <a:defRPr sz="3118"/>
             </a:lvl6pPr>
-            <a:lvl7pPr marL="2743200" indent="0" algn="ctr">
+            <a:lvl7pPr marL="5345948" indent="0" algn="ctr">
               <a:buNone/>
-              <a:defRPr sz="1600"/>
+              <a:defRPr sz="3118"/>
             </a:lvl7pPr>
-            <a:lvl8pPr marL="3200400" indent="0" algn="ctr">
+            <a:lvl8pPr marL="6236940" indent="0" algn="ctr">
               <a:buNone/>
-              <a:defRPr sz="1600"/>
+              <a:defRPr sz="3118"/>
             </a:lvl8pPr>
-            <a:lvl9pPr marL="3657600" indent="0" algn="ctr">
+            <a:lvl9pPr marL="7127931" indent="0" algn="ctr">
               <a:buNone/>
-              <a:defRPr sz="1600"/>
+              <a:defRPr sz="3118"/>
             </a:lvl9pPr>
           </a:lstStyle>
           <a:p>
             <a:r>
-              <a:rPr kumimoji="1" lang="ja-JP" altLang="en-US"/>
+              <a:rPr lang="ja-JP" altLang="en-US"/>
               <a:t>マスター サブタイトルの書式設定</a:t>
             </a:r>
-          </a:p>
-        </p:txBody>
-      </p:sp>
-      <p:sp>
-        <p:nvSpPr>
-          <p:cNvPr id="4" name="日付プレースホルダー 3">
-            <a:extLst>
-              <a:ext uri="{FF2B5EF4-FFF2-40B4-BE49-F238E27FC236}">
-                <a16:creationId xmlns:a16="http://schemas.microsoft.com/office/drawing/2014/main" id="{FCDBCF21-0423-BF44-AB1B-BAD8490AB0C9}"/>
-              </a:ext>
-            </a:extLst>
-          </p:cNvPr>
+            <a:endParaRPr lang="en-US" dirty="0"/>
+          </a:p>
+        </p:txBody>
+      </p:sp>
+      <p:sp>
+        <p:nvSpPr>
+          <p:cNvPr id="4" name="Date Placeholder 3"/>
           <p:cNvSpPr>
             <a:spLocks noGrp="1"/>
           </p:cNvSpPr>
@@ -813,7 +897,7 @@
           <a:p>
             <a:fld id="{86BA6A6B-E36D-594B-B171-0F5ABB4A6F4D}" type="datetimeFigureOut">
               <a:rPr kumimoji="1" lang="ja-JP" altLang="en-US" smtClean="0"/>
-              <a:t>2021/10/5</a:t>
+              <a:t>2021/10/12</a:t>
             </a:fld>
             <a:endParaRPr kumimoji="1" lang="ja-JP" altLang="en-US"/>
           </a:p>
@@ -821,13 +905,7 @@
       </p:sp>
       <p:sp>
         <p:nvSpPr>
-          <p:cNvPr id="5" name="フッター プレースホルダー 4">
-            <a:extLst>
-              <a:ext uri="{FF2B5EF4-FFF2-40B4-BE49-F238E27FC236}">
-                <a16:creationId xmlns:a16="http://schemas.microsoft.com/office/drawing/2014/main" id="{EDA3D075-89E3-3D43-A292-C6BF4EAC2186}"/>
-              </a:ext>
-            </a:extLst>
-          </p:cNvPr>
+          <p:cNvPr id="5" name="Footer Placeholder 4"/>
           <p:cNvSpPr>
             <a:spLocks noGrp="1"/>
           </p:cNvSpPr>
@@ -846,13 +924,7 @@
       </p:sp>
       <p:sp>
         <p:nvSpPr>
-          <p:cNvPr id="6" name="スライド番号プレースホルダー 5">
-            <a:extLst>
-              <a:ext uri="{FF2B5EF4-FFF2-40B4-BE49-F238E27FC236}">
-                <a16:creationId xmlns:a16="http://schemas.microsoft.com/office/drawing/2014/main" id="{22BB85C8-CC05-A444-8F9A-7B114FBE4487}"/>
-              </a:ext>
-            </a:extLst>
-          </p:cNvPr>
+          <p:cNvPr id="6" name="Slide Number Placeholder 5"/>
           <p:cNvSpPr>
             <a:spLocks noGrp="1"/>
           </p:cNvSpPr>
@@ -876,7 +948,7 @@
     </p:spTree>
     <p:extLst>
       <p:ext uri="{BB962C8B-B14F-4D97-AF65-F5344CB8AC3E}">
-        <p14:creationId xmlns:p14="http://schemas.microsoft.com/office/powerpoint/2010/main" val="130539270"/>
+        <p14:creationId xmlns:p14="http://schemas.microsoft.com/office/powerpoint/2010/main" val="93823891"/>
       </p:ext>
     </p:extLst>
   </p:cSld>
@@ -905,13 +977,7 @@
       </p:grpSpPr>
       <p:sp>
         <p:nvSpPr>
-          <p:cNvPr id="2" name="タイトル 1">
-            <a:extLst>
-              <a:ext uri="{FF2B5EF4-FFF2-40B4-BE49-F238E27FC236}">
-                <a16:creationId xmlns:a16="http://schemas.microsoft.com/office/drawing/2014/main" id="{E0FF7497-BFBB-D041-A48C-517E4405802E}"/>
-              </a:ext>
-            </a:extLst>
-          </p:cNvPr>
+          <p:cNvPr id="2" name="Title 1"/>
           <p:cNvSpPr>
             <a:spLocks noGrp="1"/>
           </p:cNvSpPr>
@@ -925,21 +991,16 @@
           <a:lstStyle/>
           <a:p>
             <a:r>
-              <a:rPr kumimoji="1" lang="ja-JP" altLang="en-US"/>
+              <a:rPr lang="ja-JP" altLang="en-US"/>
               <a:t>マスター タイトルの書式設定</a:t>
             </a:r>
-          </a:p>
-        </p:txBody>
-      </p:sp>
-      <p:sp>
-        <p:nvSpPr>
-          <p:cNvPr id="3" name="縦書きテキスト プレースホルダー 2">
-            <a:extLst>
-              <a:ext uri="{FF2B5EF4-FFF2-40B4-BE49-F238E27FC236}">
-                <a16:creationId xmlns:a16="http://schemas.microsoft.com/office/drawing/2014/main" id="{3600223A-32B4-EF4A-BEDA-9F90E535E5F5}"/>
-              </a:ext>
-            </a:extLst>
-          </p:cNvPr>
+            <a:endParaRPr lang="en-US" dirty="0"/>
+          </a:p>
+        </p:txBody>
+      </p:sp>
+      <p:sp>
+        <p:nvSpPr>
+          <p:cNvPr id="3" name="Vertical Text Placeholder 2"/>
           <p:cNvSpPr>
             <a:spLocks noGrp="1"/>
           </p:cNvSpPr>
@@ -954,81 +1015,76 @@
           <a:p>
             <a:pPr lvl="0"/>
             <a:r>
-              <a:rPr kumimoji="1" lang="ja-JP" altLang="en-US"/>
+              <a:rPr lang="ja-JP" altLang="en-US"/>
               <a:t>マスター テキストの書式設定</a:t>
             </a:r>
           </a:p>
           <a:p>
             <a:pPr lvl="1"/>
             <a:r>
-              <a:rPr kumimoji="1" lang="ja-JP" altLang="en-US"/>
+              <a:rPr lang="ja-JP" altLang="en-US"/>
               <a:t>第 </a:t>
             </a:r>
             <a:r>
-              <a:rPr kumimoji="1" lang="en-US" altLang="ja-JP"/>
+              <a:rPr lang="en-US" altLang="ja-JP"/>
               <a:t>2 </a:t>
             </a:r>
             <a:r>
-              <a:rPr kumimoji="1" lang="ja-JP" altLang="en-US"/>
+              <a:rPr lang="ja-JP" altLang="en-US"/>
               <a:t>レベル</a:t>
             </a:r>
           </a:p>
           <a:p>
             <a:pPr lvl="2"/>
             <a:r>
-              <a:rPr kumimoji="1" lang="ja-JP" altLang="en-US"/>
+              <a:rPr lang="ja-JP" altLang="en-US"/>
               <a:t>第 </a:t>
             </a:r>
             <a:r>
-              <a:rPr kumimoji="1" lang="en-US" altLang="ja-JP"/>
+              <a:rPr lang="en-US" altLang="ja-JP"/>
               <a:t>3 </a:t>
             </a:r>
             <a:r>
-              <a:rPr kumimoji="1" lang="ja-JP" altLang="en-US"/>
+              <a:rPr lang="ja-JP" altLang="en-US"/>
               <a:t>レベル</a:t>
             </a:r>
           </a:p>
           <a:p>
             <a:pPr lvl="3"/>
             <a:r>
-              <a:rPr kumimoji="1" lang="ja-JP" altLang="en-US"/>
+              <a:rPr lang="ja-JP" altLang="en-US"/>
               <a:t>第 </a:t>
             </a:r>
             <a:r>
-              <a:rPr kumimoji="1" lang="en-US" altLang="ja-JP"/>
+              <a:rPr lang="en-US" altLang="ja-JP"/>
               <a:t>4 </a:t>
             </a:r>
             <a:r>
-              <a:rPr kumimoji="1" lang="ja-JP" altLang="en-US"/>
+              <a:rPr lang="ja-JP" altLang="en-US"/>
               <a:t>レベル</a:t>
             </a:r>
           </a:p>
           <a:p>
             <a:pPr lvl="4"/>
             <a:r>
-              <a:rPr kumimoji="1" lang="ja-JP" altLang="en-US"/>
+              <a:rPr lang="ja-JP" altLang="en-US"/>
               <a:t>第 </a:t>
             </a:r>
             <a:r>
-              <a:rPr kumimoji="1" lang="en-US" altLang="ja-JP"/>
+              <a:rPr lang="en-US" altLang="ja-JP"/>
               <a:t>5 </a:t>
             </a:r>
             <a:r>
-              <a:rPr kumimoji="1" lang="ja-JP" altLang="en-US"/>
+              <a:rPr lang="ja-JP" altLang="en-US"/>
               <a:t>レベル</a:t>
             </a:r>
-          </a:p>
-        </p:txBody>
-      </p:sp>
-      <p:sp>
-        <p:nvSpPr>
-          <p:cNvPr id="4" name="日付プレースホルダー 3">
-            <a:extLst>
-              <a:ext uri="{FF2B5EF4-FFF2-40B4-BE49-F238E27FC236}">
-                <a16:creationId xmlns:a16="http://schemas.microsoft.com/office/drawing/2014/main" id="{7FBDDBDC-A3FB-0B44-B206-ABFFD3893C6C}"/>
-              </a:ext>
-            </a:extLst>
-          </p:cNvPr>
+            <a:endParaRPr lang="en-US" dirty="0"/>
+          </a:p>
+        </p:txBody>
+      </p:sp>
+      <p:sp>
+        <p:nvSpPr>
+          <p:cNvPr id="4" name="Date Placeholder 3"/>
           <p:cNvSpPr>
             <a:spLocks noGrp="1"/>
           </p:cNvSpPr>
@@ -1043,7 +1099,7 @@
           <a:p>
             <a:fld id="{86BA6A6B-E36D-594B-B171-0F5ABB4A6F4D}" type="datetimeFigureOut">
               <a:rPr kumimoji="1" lang="ja-JP" altLang="en-US" smtClean="0"/>
-              <a:t>2021/10/5</a:t>
+              <a:t>2021/10/12</a:t>
             </a:fld>
             <a:endParaRPr kumimoji="1" lang="ja-JP" altLang="en-US"/>
           </a:p>
@@ -1051,13 +1107,7 @@
       </p:sp>
       <p:sp>
         <p:nvSpPr>
-          <p:cNvPr id="5" name="フッター プレースホルダー 4">
-            <a:extLst>
-              <a:ext uri="{FF2B5EF4-FFF2-40B4-BE49-F238E27FC236}">
-                <a16:creationId xmlns:a16="http://schemas.microsoft.com/office/drawing/2014/main" id="{95ED7EC8-E123-4948-96E1-C2D3B8983765}"/>
-              </a:ext>
-            </a:extLst>
-          </p:cNvPr>
+          <p:cNvPr id="5" name="Footer Placeholder 4"/>
           <p:cNvSpPr>
             <a:spLocks noGrp="1"/>
           </p:cNvSpPr>
@@ -1076,13 +1126,7 @@
       </p:sp>
       <p:sp>
         <p:nvSpPr>
-          <p:cNvPr id="6" name="スライド番号プレースホルダー 5">
-            <a:extLst>
-              <a:ext uri="{FF2B5EF4-FFF2-40B4-BE49-F238E27FC236}">
-                <a16:creationId xmlns:a16="http://schemas.microsoft.com/office/drawing/2014/main" id="{370B54AD-B436-9A41-BCF2-8D9394C77DFD}"/>
-              </a:ext>
-            </a:extLst>
-          </p:cNvPr>
+          <p:cNvPr id="6" name="Slide Number Placeholder 5"/>
           <p:cNvSpPr>
             <a:spLocks noGrp="1"/>
           </p:cNvSpPr>
@@ -1106,7 +1150,7 @@
     </p:spTree>
     <p:extLst>
       <p:ext uri="{BB962C8B-B14F-4D97-AF65-F5344CB8AC3E}">
-        <p14:creationId xmlns:p14="http://schemas.microsoft.com/office/powerpoint/2010/main" val="1405522639"/>
+        <p14:creationId xmlns:p14="http://schemas.microsoft.com/office/powerpoint/2010/main" val="1044465651"/>
       </p:ext>
     </p:extLst>
   </p:cSld>
@@ -1135,13 +1179,7 @@
       </p:grpSpPr>
       <p:sp>
         <p:nvSpPr>
-          <p:cNvPr id="2" name="縦書きタイトル 1">
-            <a:extLst>
-              <a:ext uri="{FF2B5EF4-FFF2-40B4-BE49-F238E27FC236}">
-                <a16:creationId xmlns:a16="http://schemas.microsoft.com/office/drawing/2014/main" id="{B428A4DC-5EA3-2443-9426-18E0230A6C5D}"/>
-              </a:ext>
-            </a:extLst>
-          </p:cNvPr>
+          <p:cNvPr id="2" name="Vertical Title 1"/>
           <p:cNvSpPr>
             <a:spLocks noGrp="1"/>
           </p:cNvSpPr>
@@ -1151,8 +1189,8 @@
         </p:nvSpPr>
         <p:spPr>
           <a:xfrm>
-            <a:off x="8724900" y="365125"/>
-            <a:ext cx="2628900" cy="5811838"/>
+            <a:off x="17003331" y="728306"/>
+            <a:ext cx="5123274" cy="11592734"/>
           </a:xfrm>
         </p:spPr>
         <p:txBody>
@@ -1160,21 +1198,16 @@
           <a:lstStyle/>
           <a:p>
             <a:r>
-              <a:rPr kumimoji="1" lang="ja-JP" altLang="en-US"/>
+              <a:rPr lang="ja-JP" altLang="en-US"/>
               <a:t>マスター タイトルの書式設定</a:t>
             </a:r>
-          </a:p>
-        </p:txBody>
-      </p:sp>
-      <p:sp>
-        <p:nvSpPr>
-          <p:cNvPr id="3" name="縦書きテキスト プレースホルダー 2">
-            <a:extLst>
-              <a:ext uri="{FF2B5EF4-FFF2-40B4-BE49-F238E27FC236}">
-                <a16:creationId xmlns:a16="http://schemas.microsoft.com/office/drawing/2014/main" id="{2F447E96-A1C6-BA4B-BF44-699FACA0FD63}"/>
-              </a:ext>
-            </a:extLst>
-          </p:cNvPr>
+            <a:endParaRPr lang="en-US" dirty="0"/>
+          </a:p>
+        </p:txBody>
+      </p:sp>
+      <p:sp>
+        <p:nvSpPr>
+          <p:cNvPr id="3" name="Vertical Text Placeholder 2"/>
           <p:cNvSpPr>
             <a:spLocks noGrp="1"/>
           </p:cNvSpPr>
@@ -1184,8 +1217,8 @@
         </p:nvSpPr>
         <p:spPr>
           <a:xfrm>
-            <a:off x="838200" y="365125"/>
-            <a:ext cx="7734300" cy="5811838"/>
+            <a:off x="1633508" y="728306"/>
+            <a:ext cx="15072822" cy="11592734"/>
           </a:xfrm>
         </p:spPr>
         <p:txBody>
@@ -1194,81 +1227,76 @@
           <a:p>
             <a:pPr lvl="0"/>
             <a:r>
-              <a:rPr kumimoji="1" lang="ja-JP" altLang="en-US"/>
+              <a:rPr lang="ja-JP" altLang="en-US"/>
               <a:t>マスター テキストの書式設定</a:t>
             </a:r>
           </a:p>
           <a:p>
             <a:pPr lvl="1"/>
             <a:r>
-              <a:rPr kumimoji="1" lang="ja-JP" altLang="en-US"/>
+              <a:rPr lang="ja-JP" altLang="en-US"/>
               <a:t>第 </a:t>
             </a:r>
             <a:r>
-              <a:rPr kumimoji="1" lang="en-US" altLang="ja-JP"/>
+              <a:rPr lang="en-US" altLang="ja-JP"/>
               <a:t>2 </a:t>
             </a:r>
             <a:r>
-              <a:rPr kumimoji="1" lang="ja-JP" altLang="en-US"/>
+              <a:rPr lang="ja-JP" altLang="en-US"/>
               <a:t>レベル</a:t>
             </a:r>
           </a:p>
           <a:p>
             <a:pPr lvl="2"/>
             <a:r>
-              <a:rPr kumimoji="1" lang="ja-JP" altLang="en-US"/>
+              <a:rPr lang="ja-JP" altLang="en-US"/>
               <a:t>第 </a:t>
             </a:r>
             <a:r>
-              <a:rPr kumimoji="1" lang="en-US" altLang="ja-JP"/>
+              <a:rPr lang="en-US" altLang="ja-JP"/>
               <a:t>3 </a:t>
             </a:r>
             <a:r>
-              <a:rPr kumimoji="1" lang="ja-JP" altLang="en-US"/>
+              <a:rPr lang="ja-JP" altLang="en-US"/>
               <a:t>レベル</a:t>
             </a:r>
           </a:p>
           <a:p>
             <a:pPr lvl="3"/>
             <a:r>
-              <a:rPr kumimoji="1" lang="ja-JP" altLang="en-US"/>
+              <a:rPr lang="ja-JP" altLang="en-US"/>
               <a:t>第 </a:t>
             </a:r>
             <a:r>
-              <a:rPr kumimoji="1" lang="en-US" altLang="ja-JP"/>
+              <a:rPr lang="en-US" altLang="ja-JP"/>
               <a:t>4 </a:t>
             </a:r>
             <a:r>
-              <a:rPr kumimoji="1" lang="ja-JP" altLang="en-US"/>
+              <a:rPr lang="ja-JP" altLang="en-US"/>
               <a:t>レベル</a:t>
             </a:r>
           </a:p>
           <a:p>
             <a:pPr lvl="4"/>
             <a:r>
-              <a:rPr kumimoji="1" lang="ja-JP" altLang="en-US"/>
+              <a:rPr lang="ja-JP" altLang="en-US"/>
               <a:t>第 </a:t>
             </a:r>
             <a:r>
-              <a:rPr kumimoji="1" lang="en-US" altLang="ja-JP"/>
+              <a:rPr lang="en-US" altLang="ja-JP"/>
               <a:t>5 </a:t>
             </a:r>
             <a:r>
-              <a:rPr kumimoji="1" lang="ja-JP" altLang="en-US"/>
+              <a:rPr lang="ja-JP" altLang="en-US"/>
               <a:t>レベル</a:t>
             </a:r>
-          </a:p>
-        </p:txBody>
-      </p:sp>
-      <p:sp>
-        <p:nvSpPr>
-          <p:cNvPr id="4" name="日付プレースホルダー 3">
-            <a:extLst>
-              <a:ext uri="{FF2B5EF4-FFF2-40B4-BE49-F238E27FC236}">
-                <a16:creationId xmlns:a16="http://schemas.microsoft.com/office/drawing/2014/main" id="{722F36ED-BD79-ED4A-A83B-277D5E94CC5A}"/>
-              </a:ext>
-            </a:extLst>
-          </p:cNvPr>
+            <a:endParaRPr lang="en-US" dirty="0"/>
+          </a:p>
+        </p:txBody>
+      </p:sp>
+      <p:sp>
+        <p:nvSpPr>
+          <p:cNvPr id="4" name="Date Placeholder 3"/>
           <p:cNvSpPr>
             <a:spLocks noGrp="1"/>
           </p:cNvSpPr>
@@ -1283,7 +1311,7 @@
           <a:p>
             <a:fld id="{86BA6A6B-E36D-594B-B171-0F5ABB4A6F4D}" type="datetimeFigureOut">
               <a:rPr kumimoji="1" lang="ja-JP" altLang="en-US" smtClean="0"/>
-              <a:t>2021/10/5</a:t>
+              <a:t>2021/10/12</a:t>
             </a:fld>
             <a:endParaRPr kumimoji="1" lang="ja-JP" altLang="en-US"/>
           </a:p>
@@ -1291,13 +1319,7 @@
       </p:sp>
       <p:sp>
         <p:nvSpPr>
-          <p:cNvPr id="5" name="フッター プレースホルダー 4">
-            <a:extLst>
-              <a:ext uri="{FF2B5EF4-FFF2-40B4-BE49-F238E27FC236}">
-                <a16:creationId xmlns:a16="http://schemas.microsoft.com/office/drawing/2014/main" id="{BB751371-D2B2-3C43-9A98-113A0CA75E1A}"/>
-              </a:ext>
-            </a:extLst>
-          </p:cNvPr>
+          <p:cNvPr id="5" name="Footer Placeholder 4"/>
           <p:cNvSpPr>
             <a:spLocks noGrp="1"/>
           </p:cNvSpPr>
@@ -1316,13 +1338,7 @@
       </p:sp>
       <p:sp>
         <p:nvSpPr>
-          <p:cNvPr id="6" name="スライド番号プレースホルダー 5">
-            <a:extLst>
-              <a:ext uri="{FF2B5EF4-FFF2-40B4-BE49-F238E27FC236}">
-                <a16:creationId xmlns:a16="http://schemas.microsoft.com/office/drawing/2014/main" id="{EBB65DA9-1343-1543-8B59-FDC2DF23BE31}"/>
-              </a:ext>
-            </a:extLst>
-          </p:cNvPr>
+          <p:cNvPr id="6" name="Slide Number Placeholder 5"/>
           <p:cNvSpPr>
             <a:spLocks noGrp="1"/>
           </p:cNvSpPr>
@@ -1346,7 +1362,7 @@
     </p:spTree>
     <p:extLst>
       <p:ext uri="{BB962C8B-B14F-4D97-AF65-F5344CB8AC3E}">
-        <p14:creationId xmlns:p14="http://schemas.microsoft.com/office/powerpoint/2010/main" val="1331158186"/>
+        <p14:creationId xmlns:p14="http://schemas.microsoft.com/office/powerpoint/2010/main" val="3808855762"/>
       </p:ext>
     </p:extLst>
   </p:cSld>
@@ -1375,13 +1391,7 @@
       </p:grpSpPr>
       <p:sp>
         <p:nvSpPr>
-          <p:cNvPr id="2" name="タイトル 1">
-            <a:extLst>
-              <a:ext uri="{FF2B5EF4-FFF2-40B4-BE49-F238E27FC236}">
-                <a16:creationId xmlns:a16="http://schemas.microsoft.com/office/drawing/2014/main" id="{8768BF3D-E2B2-0241-B48F-4ED6E6445334}"/>
-              </a:ext>
-            </a:extLst>
-          </p:cNvPr>
+          <p:cNvPr id="2" name="Title 1"/>
           <p:cNvSpPr>
             <a:spLocks noGrp="1"/>
           </p:cNvSpPr>
@@ -1395,21 +1405,16 @@
           <a:lstStyle/>
           <a:p>
             <a:r>
-              <a:rPr kumimoji="1" lang="ja-JP" altLang="en-US"/>
+              <a:rPr lang="ja-JP" altLang="en-US"/>
               <a:t>マスター タイトルの書式設定</a:t>
             </a:r>
-          </a:p>
-        </p:txBody>
-      </p:sp>
-      <p:sp>
-        <p:nvSpPr>
-          <p:cNvPr id="3" name="コンテンツ プレースホルダー 2">
-            <a:extLst>
-              <a:ext uri="{FF2B5EF4-FFF2-40B4-BE49-F238E27FC236}">
-                <a16:creationId xmlns:a16="http://schemas.microsoft.com/office/drawing/2014/main" id="{1580D923-9107-9042-B22D-E04EB0613844}"/>
-              </a:ext>
-            </a:extLst>
-          </p:cNvPr>
+            <a:endParaRPr lang="en-US" dirty="0"/>
+          </a:p>
+        </p:txBody>
+      </p:sp>
+      <p:sp>
+        <p:nvSpPr>
+          <p:cNvPr id="3" name="Content Placeholder 2"/>
           <p:cNvSpPr>
             <a:spLocks noGrp="1"/>
           </p:cNvSpPr>
@@ -1424,81 +1429,76 @@
           <a:p>
             <a:pPr lvl="0"/>
             <a:r>
-              <a:rPr kumimoji="1" lang="ja-JP" altLang="en-US"/>
+              <a:rPr lang="ja-JP" altLang="en-US"/>
               <a:t>マスター テキストの書式設定</a:t>
             </a:r>
           </a:p>
           <a:p>
             <a:pPr lvl="1"/>
             <a:r>
-              <a:rPr kumimoji="1" lang="ja-JP" altLang="en-US"/>
+              <a:rPr lang="ja-JP" altLang="en-US"/>
               <a:t>第 </a:t>
             </a:r>
             <a:r>
-              <a:rPr kumimoji="1" lang="en-US" altLang="ja-JP"/>
+              <a:rPr lang="en-US" altLang="ja-JP"/>
               <a:t>2 </a:t>
             </a:r>
             <a:r>
-              <a:rPr kumimoji="1" lang="ja-JP" altLang="en-US"/>
+              <a:rPr lang="ja-JP" altLang="en-US"/>
               <a:t>レベル</a:t>
             </a:r>
           </a:p>
           <a:p>
             <a:pPr lvl="2"/>
             <a:r>
-              <a:rPr kumimoji="1" lang="ja-JP" altLang="en-US"/>
+              <a:rPr lang="ja-JP" altLang="en-US"/>
               <a:t>第 </a:t>
             </a:r>
             <a:r>
-              <a:rPr kumimoji="1" lang="en-US" altLang="ja-JP"/>
+              <a:rPr lang="en-US" altLang="ja-JP"/>
               <a:t>3 </a:t>
             </a:r>
             <a:r>
-              <a:rPr kumimoji="1" lang="ja-JP" altLang="en-US"/>
+              <a:rPr lang="ja-JP" altLang="en-US"/>
               <a:t>レベル</a:t>
             </a:r>
           </a:p>
           <a:p>
             <a:pPr lvl="3"/>
             <a:r>
-              <a:rPr kumimoji="1" lang="ja-JP" altLang="en-US"/>
+              <a:rPr lang="ja-JP" altLang="en-US"/>
               <a:t>第 </a:t>
             </a:r>
             <a:r>
-              <a:rPr kumimoji="1" lang="en-US" altLang="ja-JP"/>
+              <a:rPr lang="en-US" altLang="ja-JP"/>
               <a:t>4 </a:t>
             </a:r>
             <a:r>
-              <a:rPr kumimoji="1" lang="ja-JP" altLang="en-US"/>
+              <a:rPr lang="ja-JP" altLang="en-US"/>
               <a:t>レベル</a:t>
             </a:r>
           </a:p>
           <a:p>
             <a:pPr lvl="4"/>
             <a:r>
-              <a:rPr kumimoji="1" lang="ja-JP" altLang="en-US"/>
+              <a:rPr lang="ja-JP" altLang="en-US"/>
               <a:t>第 </a:t>
             </a:r>
             <a:r>
-              <a:rPr kumimoji="1" lang="en-US" altLang="ja-JP"/>
+              <a:rPr lang="en-US" altLang="ja-JP"/>
               <a:t>5 </a:t>
             </a:r>
             <a:r>
-              <a:rPr kumimoji="1" lang="ja-JP" altLang="en-US"/>
+              <a:rPr lang="ja-JP" altLang="en-US"/>
               <a:t>レベル</a:t>
             </a:r>
-          </a:p>
-        </p:txBody>
-      </p:sp>
-      <p:sp>
-        <p:nvSpPr>
-          <p:cNvPr id="4" name="日付プレースホルダー 3">
-            <a:extLst>
-              <a:ext uri="{FF2B5EF4-FFF2-40B4-BE49-F238E27FC236}">
-                <a16:creationId xmlns:a16="http://schemas.microsoft.com/office/drawing/2014/main" id="{DC1BDD6A-D6D6-C74E-A32B-E7A3ADE713FC}"/>
-              </a:ext>
-            </a:extLst>
-          </p:cNvPr>
+            <a:endParaRPr lang="en-US" dirty="0"/>
+          </a:p>
+        </p:txBody>
+      </p:sp>
+      <p:sp>
+        <p:nvSpPr>
+          <p:cNvPr id="4" name="Date Placeholder 3"/>
           <p:cNvSpPr>
             <a:spLocks noGrp="1"/>
           </p:cNvSpPr>
@@ -1513,7 +1513,7 @@
           <a:p>
             <a:fld id="{86BA6A6B-E36D-594B-B171-0F5ABB4A6F4D}" type="datetimeFigureOut">
               <a:rPr kumimoji="1" lang="ja-JP" altLang="en-US" smtClean="0"/>
-              <a:t>2021/10/5</a:t>
+              <a:t>2021/10/12</a:t>
             </a:fld>
             <a:endParaRPr kumimoji="1" lang="ja-JP" altLang="en-US"/>
           </a:p>
@@ -1521,13 +1521,7 @@
       </p:sp>
       <p:sp>
         <p:nvSpPr>
-          <p:cNvPr id="5" name="フッター プレースホルダー 4">
-            <a:extLst>
-              <a:ext uri="{FF2B5EF4-FFF2-40B4-BE49-F238E27FC236}">
-                <a16:creationId xmlns:a16="http://schemas.microsoft.com/office/drawing/2014/main" id="{AA975D3B-49CC-5D45-9E22-F4FF57AED12E}"/>
-              </a:ext>
-            </a:extLst>
-          </p:cNvPr>
+          <p:cNvPr id="5" name="Footer Placeholder 4"/>
           <p:cNvSpPr>
             <a:spLocks noGrp="1"/>
           </p:cNvSpPr>
@@ -1546,13 +1540,7 @@
       </p:sp>
       <p:sp>
         <p:nvSpPr>
-          <p:cNvPr id="6" name="スライド番号プレースホルダー 5">
-            <a:extLst>
-              <a:ext uri="{FF2B5EF4-FFF2-40B4-BE49-F238E27FC236}">
-                <a16:creationId xmlns:a16="http://schemas.microsoft.com/office/drawing/2014/main" id="{EF58A522-0DD2-0141-B95B-1D0A6D649003}"/>
-              </a:ext>
-            </a:extLst>
-          </p:cNvPr>
+          <p:cNvPr id="6" name="Slide Number Placeholder 5"/>
           <p:cNvSpPr>
             <a:spLocks noGrp="1"/>
           </p:cNvSpPr>
@@ -1576,7 +1564,7 @@
     </p:spTree>
     <p:extLst>
       <p:ext uri="{BB962C8B-B14F-4D97-AF65-F5344CB8AC3E}">
-        <p14:creationId xmlns:p14="http://schemas.microsoft.com/office/powerpoint/2010/main" val="2507549286"/>
+        <p14:creationId xmlns:p14="http://schemas.microsoft.com/office/powerpoint/2010/main" val="2420575408"/>
       </p:ext>
     </p:extLst>
   </p:cSld>
@@ -1605,13 +1593,7 @@
       </p:grpSpPr>
       <p:sp>
         <p:nvSpPr>
-          <p:cNvPr id="2" name="タイトル 1">
-            <a:extLst>
-              <a:ext uri="{FF2B5EF4-FFF2-40B4-BE49-F238E27FC236}">
-                <a16:creationId xmlns:a16="http://schemas.microsoft.com/office/drawing/2014/main" id="{2C20E9F3-73A8-E642-BFC2-A43A6221C167}"/>
-              </a:ext>
-            </a:extLst>
-          </p:cNvPr>
+          <p:cNvPr id="2" name="Title 1"/>
           <p:cNvSpPr>
             <a:spLocks noGrp="1"/>
           </p:cNvSpPr>
@@ -1621,34 +1603,29 @@
         </p:nvSpPr>
         <p:spPr>
           <a:xfrm>
-            <a:off x="831850" y="1709738"/>
-            <a:ext cx="10515600" cy="2852737"/>
+            <a:off x="1621133" y="3410374"/>
+            <a:ext cx="20493097" cy="5690286"/>
           </a:xfrm>
         </p:spPr>
         <p:txBody>
           <a:bodyPr anchor="b"/>
           <a:lstStyle>
             <a:lvl1pPr>
-              <a:defRPr sz="6000"/>
+              <a:defRPr sz="11693"/>
             </a:lvl1pPr>
           </a:lstStyle>
           <a:p>
             <a:r>
-              <a:rPr kumimoji="1" lang="ja-JP" altLang="en-US"/>
+              <a:rPr lang="ja-JP" altLang="en-US"/>
               <a:t>マスター タイトルの書式設定</a:t>
             </a:r>
-          </a:p>
-        </p:txBody>
-      </p:sp>
-      <p:sp>
-        <p:nvSpPr>
-          <p:cNvPr id="3" name="テキスト プレースホルダー 2">
-            <a:extLst>
-              <a:ext uri="{FF2B5EF4-FFF2-40B4-BE49-F238E27FC236}">
-                <a16:creationId xmlns:a16="http://schemas.microsoft.com/office/drawing/2014/main" id="{8AC45CF4-B1FB-DE4A-BE5A-C110895E55EC}"/>
-              </a:ext>
-            </a:extLst>
-          </p:cNvPr>
+            <a:endParaRPr lang="en-US" dirty="0"/>
+          </a:p>
+        </p:txBody>
+      </p:sp>
+      <p:sp>
+        <p:nvSpPr>
+          <p:cNvPr id="3" name="Text Placeholder 2"/>
           <p:cNvSpPr>
             <a:spLocks noGrp="1"/>
           </p:cNvSpPr>
@@ -1658,8 +1635,8 @@
         </p:nvSpPr>
         <p:spPr>
           <a:xfrm>
-            <a:off x="831850" y="4589463"/>
-            <a:ext cx="10515600" cy="1500187"/>
+            <a:off x="1621133" y="9154493"/>
+            <a:ext cx="20493097" cy="2992387"/>
           </a:xfrm>
         </p:spPr>
         <p:txBody>
@@ -1667,7 +1644,7 @@
           <a:lstStyle>
             <a:lvl1pPr marL="0" indent="0">
               <a:buNone/>
-              <a:defRPr sz="2400">
+              <a:defRPr sz="4677">
                 <a:solidFill>
                   <a:schemeClr val="tx1">
                     <a:tint val="75000"/>
@@ -1675,9 +1652,9 @@
                 </a:solidFill>
               </a:defRPr>
             </a:lvl1pPr>
-            <a:lvl2pPr marL="457200" indent="0">
+            <a:lvl2pPr marL="890991" indent="0">
               <a:buNone/>
-              <a:defRPr sz="2000">
+              <a:defRPr sz="3898">
                 <a:solidFill>
                   <a:schemeClr val="tx1">
                     <a:tint val="75000"/>
@@ -1685,9 +1662,9 @@
                 </a:solidFill>
               </a:defRPr>
             </a:lvl2pPr>
-            <a:lvl3pPr marL="914400" indent="0">
+            <a:lvl3pPr marL="1781983" indent="0">
               <a:buNone/>
-              <a:defRPr sz="1800">
+              <a:defRPr sz="3508">
                 <a:solidFill>
                   <a:schemeClr val="tx1">
                     <a:tint val="75000"/>
@@ -1695,9 +1672,9 @@
                 </a:solidFill>
               </a:defRPr>
             </a:lvl3pPr>
-            <a:lvl4pPr marL="1371600" indent="0">
+            <a:lvl4pPr marL="2672974" indent="0">
               <a:buNone/>
-              <a:defRPr sz="1600">
+              <a:defRPr sz="3118">
                 <a:solidFill>
                   <a:schemeClr val="tx1">
                     <a:tint val="75000"/>
@@ -1705,9 +1682,9 @@
                 </a:solidFill>
               </a:defRPr>
             </a:lvl4pPr>
-            <a:lvl5pPr marL="1828800" indent="0">
+            <a:lvl5pPr marL="3563965" indent="0">
               <a:buNone/>
-              <a:defRPr sz="1600">
+              <a:defRPr sz="3118">
                 <a:solidFill>
                   <a:schemeClr val="tx1">
                     <a:tint val="75000"/>
@@ -1715,9 +1692,9 @@
                 </a:solidFill>
               </a:defRPr>
             </a:lvl5pPr>
-            <a:lvl6pPr marL="2286000" indent="0">
+            <a:lvl6pPr marL="4454957" indent="0">
               <a:buNone/>
-              <a:defRPr sz="1600">
+              <a:defRPr sz="3118">
                 <a:solidFill>
                   <a:schemeClr val="tx1">
                     <a:tint val="75000"/>
@@ -1725,9 +1702,9 @@
                 </a:solidFill>
               </a:defRPr>
             </a:lvl6pPr>
-            <a:lvl7pPr marL="2743200" indent="0">
+            <a:lvl7pPr marL="5345948" indent="0">
               <a:buNone/>
-              <a:defRPr sz="1600">
+              <a:defRPr sz="3118">
                 <a:solidFill>
                   <a:schemeClr val="tx1">
                     <a:tint val="75000"/>
@@ -1735,9 +1712,9 @@
                 </a:solidFill>
               </a:defRPr>
             </a:lvl7pPr>
-            <a:lvl8pPr marL="3200400" indent="0">
+            <a:lvl8pPr marL="6236940" indent="0">
               <a:buNone/>
-              <a:defRPr sz="1600">
+              <a:defRPr sz="3118">
                 <a:solidFill>
                   <a:schemeClr val="tx1">
                     <a:tint val="75000"/>
@@ -1745,9 +1722,9 @@
                 </a:solidFill>
               </a:defRPr>
             </a:lvl8pPr>
-            <a:lvl9pPr marL="3657600" indent="0">
+            <a:lvl9pPr marL="7127931" indent="0">
               <a:buNone/>
-              <a:defRPr sz="1600">
+              <a:defRPr sz="3118">
                 <a:solidFill>
                   <a:schemeClr val="tx1">
                     <a:tint val="75000"/>
@@ -1759,7 +1736,7 @@
           <a:p>
             <a:pPr lvl="0"/>
             <a:r>
-              <a:rPr kumimoji="1" lang="ja-JP" altLang="en-US"/>
+              <a:rPr lang="ja-JP" altLang="en-US"/>
               <a:t>マスター テキストの書式設定</a:t>
             </a:r>
           </a:p>
@@ -1767,13 +1744,7 @@
       </p:sp>
       <p:sp>
         <p:nvSpPr>
-          <p:cNvPr id="4" name="日付プレースホルダー 3">
-            <a:extLst>
-              <a:ext uri="{FF2B5EF4-FFF2-40B4-BE49-F238E27FC236}">
-                <a16:creationId xmlns:a16="http://schemas.microsoft.com/office/drawing/2014/main" id="{1464D44C-87D2-1147-A3FD-4E1737EF8B04}"/>
-              </a:ext>
-            </a:extLst>
-          </p:cNvPr>
+          <p:cNvPr id="4" name="Date Placeholder 3"/>
           <p:cNvSpPr>
             <a:spLocks noGrp="1"/>
           </p:cNvSpPr>
@@ -1788,7 +1759,7 @@
           <a:p>
             <a:fld id="{86BA6A6B-E36D-594B-B171-0F5ABB4A6F4D}" type="datetimeFigureOut">
               <a:rPr kumimoji="1" lang="ja-JP" altLang="en-US" smtClean="0"/>
-              <a:t>2021/10/5</a:t>
+              <a:t>2021/10/12</a:t>
             </a:fld>
             <a:endParaRPr kumimoji="1" lang="ja-JP" altLang="en-US"/>
           </a:p>
@@ -1796,13 +1767,7 @@
       </p:sp>
       <p:sp>
         <p:nvSpPr>
-          <p:cNvPr id="5" name="フッター プレースホルダー 4">
-            <a:extLst>
-              <a:ext uri="{FF2B5EF4-FFF2-40B4-BE49-F238E27FC236}">
-                <a16:creationId xmlns:a16="http://schemas.microsoft.com/office/drawing/2014/main" id="{73E038BD-91D3-DF45-86EC-02A4221FD122}"/>
-              </a:ext>
-            </a:extLst>
-          </p:cNvPr>
+          <p:cNvPr id="5" name="Footer Placeholder 4"/>
           <p:cNvSpPr>
             <a:spLocks noGrp="1"/>
           </p:cNvSpPr>
@@ -1821,13 +1786,7 @@
       </p:sp>
       <p:sp>
         <p:nvSpPr>
-          <p:cNvPr id="6" name="スライド番号プレースホルダー 5">
-            <a:extLst>
-              <a:ext uri="{FF2B5EF4-FFF2-40B4-BE49-F238E27FC236}">
-                <a16:creationId xmlns:a16="http://schemas.microsoft.com/office/drawing/2014/main" id="{3876F94F-8E34-8046-A92B-7B7FBD634C58}"/>
-              </a:ext>
-            </a:extLst>
-          </p:cNvPr>
+          <p:cNvPr id="6" name="Slide Number Placeholder 5"/>
           <p:cNvSpPr>
             <a:spLocks noGrp="1"/>
           </p:cNvSpPr>
@@ -1851,7 +1810,7 @@
     </p:spTree>
     <p:extLst>
       <p:ext uri="{BB962C8B-B14F-4D97-AF65-F5344CB8AC3E}">
-        <p14:creationId xmlns:p14="http://schemas.microsoft.com/office/powerpoint/2010/main" val="1271511643"/>
+        <p14:creationId xmlns:p14="http://schemas.microsoft.com/office/powerpoint/2010/main" val="1036775736"/>
       </p:ext>
     </p:extLst>
   </p:cSld>
@@ -1880,13 +1839,7 @@
       </p:grpSpPr>
       <p:sp>
         <p:nvSpPr>
-          <p:cNvPr id="2" name="タイトル 1">
-            <a:extLst>
-              <a:ext uri="{FF2B5EF4-FFF2-40B4-BE49-F238E27FC236}">
-                <a16:creationId xmlns:a16="http://schemas.microsoft.com/office/drawing/2014/main" id="{DC3E0284-18E0-0147-B03F-57DB100859C4}"/>
-              </a:ext>
-            </a:extLst>
-          </p:cNvPr>
+          <p:cNvPr id="2" name="Title 1"/>
           <p:cNvSpPr>
             <a:spLocks noGrp="1"/>
           </p:cNvSpPr>
@@ -1900,21 +1853,16 @@
           <a:lstStyle/>
           <a:p>
             <a:r>
-              <a:rPr kumimoji="1" lang="ja-JP" altLang="en-US"/>
+              <a:rPr lang="ja-JP" altLang="en-US"/>
               <a:t>マスター タイトルの書式設定</a:t>
             </a:r>
-          </a:p>
-        </p:txBody>
-      </p:sp>
-      <p:sp>
-        <p:nvSpPr>
-          <p:cNvPr id="3" name="コンテンツ プレースホルダー 2">
-            <a:extLst>
-              <a:ext uri="{FF2B5EF4-FFF2-40B4-BE49-F238E27FC236}">
-                <a16:creationId xmlns:a16="http://schemas.microsoft.com/office/drawing/2014/main" id="{FEBEBDC6-F8BD-0844-B26B-2854B43D3AF7}"/>
-              </a:ext>
-            </a:extLst>
-          </p:cNvPr>
+            <a:endParaRPr lang="en-US" dirty="0"/>
+          </a:p>
+        </p:txBody>
+      </p:sp>
+      <p:sp>
+        <p:nvSpPr>
+          <p:cNvPr id="3" name="Content Placeholder 2"/>
           <p:cNvSpPr>
             <a:spLocks noGrp="1"/>
           </p:cNvSpPr>
@@ -1924,8 +1872,8 @@
         </p:nvSpPr>
         <p:spPr>
           <a:xfrm>
-            <a:off x="838200" y="1825625"/>
-            <a:ext cx="5181600" cy="4351338"/>
+            <a:off x="1633508" y="3641531"/>
+            <a:ext cx="10098048" cy="8679509"/>
           </a:xfrm>
         </p:spPr>
         <p:txBody>
@@ -1934,81 +1882,76 @@
           <a:p>
             <a:pPr lvl="0"/>
             <a:r>
-              <a:rPr kumimoji="1" lang="ja-JP" altLang="en-US"/>
+              <a:rPr lang="ja-JP" altLang="en-US"/>
               <a:t>マスター テキストの書式設定</a:t>
             </a:r>
           </a:p>
           <a:p>
             <a:pPr lvl="1"/>
             <a:r>
-              <a:rPr kumimoji="1" lang="ja-JP" altLang="en-US"/>
+              <a:rPr lang="ja-JP" altLang="en-US"/>
               <a:t>第 </a:t>
             </a:r>
             <a:r>
-              <a:rPr kumimoji="1" lang="en-US" altLang="ja-JP"/>
+              <a:rPr lang="en-US" altLang="ja-JP"/>
               <a:t>2 </a:t>
             </a:r>
             <a:r>
-              <a:rPr kumimoji="1" lang="ja-JP" altLang="en-US"/>
+              <a:rPr lang="ja-JP" altLang="en-US"/>
               <a:t>レベル</a:t>
             </a:r>
           </a:p>
           <a:p>
             <a:pPr lvl="2"/>
             <a:r>
-              <a:rPr kumimoji="1" lang="ja-JP" altLang="en-US"/>
+              <a:rPr lang="ja-JP" altLang="en-US"/>
               <a:t>第 </a:t>
             </a:r>
             <a:r>
-              <a:rPr kumimoji="1" lang="en-US" altLang="ja-JP"/>
+              <a:rPr lang="en-US" altLang="ja-JP"/>
               <a:t>3 </a:t>
             </a:r>
             <a:r>
-              <a:rPr kumimoji="1" lang="ja-JP" altLang="en-US"/>
+              <a:rPr lang="ja-JP" altLang="en-US"/>
               <a:t>レベル</a:t>
             </a:r>
           </a:p>
           <a:p>
             <a:pPr lvl="3"/>
             <a:r>
-              <a:rPr kumimoji="1" lang="ja-JP" altLang="en-US"/>
+              <a:rPr lang="ja-JP" altLang="en-US"/>
               <a:t>第 </a:t>
             </a:r>
             <a:r>
-              <a:rPr kumimoji="1" lang="en-US" altLang="ja-JP"/>
+              <a:rPr lang="en-US" altLang="ja-JP"/>
               <a:t>4 </a:t>
             </a:r>
             <a:r>
-              <a:rPr kumimoji="1" lang="ja-JP" altLang="en-US"/>
+              <a:rPr lang="ja-JP" altLang="en-US"/>
               <a:t>レベル</a:t>
             </a:r>
           </a:p>
           <a:p>
             <a:pPr lvl="4"/>
             <a:r>
-              <a:rPr kumimoji="1" lang="ja-JP" altLang="en-US"/>
+              <a:rPr lang="ja-JP" altLang="en-US"/>
               <a:t>第 </a:t>
             </a:r>
             <a:r>
-              <a:rPr kumimoji="1" lang="en-US" altLang="ja-JP"/>
+              <a:rPr lang="en-US" altLang="ja-JP"/>
               <a:t>5 </a:t>
             </a:r>
             <a:r>
-              <a:rPr kumimoji="1" lang="ja-JP" altLang="en-US"/>
+              <a:rPr lang="ja-JP" altLang="en-US"/>
               <a:t>レベル</a:t>
             </a:r>
-          </a:p>
-        </p:txBody>
-      </p:sp>
-      <p:sp>
-        <p:nvSpPr>
-          <p:cNvPr id="4" name="コンテンツ プレースホルダー 3">
-            <a:extLst>
-              <a:ext uri="{FF2B5EF4-FFF2-40B4-BE49-F238E27FC236}">
-                <a16:creationId xmlns:a16="http://schemas.microsoft.com/office/drawing/2014/main" id="{997FF971-A2F2-8A4F-8B6E-208459B1E31C}"/>
-              </a:ext>
-            </a:extLst>
-          </p:cNvPr>
+            <a:endParaRPr lang="en-US" dirty="0"/>
+          </a:p>
+        </p:txBody>
+      </p:sp>
+      <p:sp>
+        <p:nvSpPr>
+          <p:cNvPr id="4" name="Content Placeholder 3"/>
           <p:cNvSpPr>
             <a:spLocks noGrp="1"/>
           </p:cNvSpPr>
@@ -2018,8 +1961,8 @@
         </p:nvSpPr>
         <p:spPr>
           <a:xfrm>
-            <a:off x="6172200" y="1825625"/>
-            <a:ext cx="5181600" cy="4351338"/>
+            <a:off x="12028557" y="3641531"/>
+            <a:ext cx="10098048" cy="8679509"/>
           </a:xfrm>
         </p:spPr>
         <p:txBody>
@@ -2028,81 +1971,76 @@
           <a:p>
             <a:pPr lvl="0"/>
             <a:r>
-              <a:rPr kumimoji="1" lang="ja-JP" altLang="en-US"/>
+              <a:rPr lang="ja-JP" altLang="en-US"/>
               <a:t>マスター テキストの書式設定</a:t>
             </a:r>
           </a:p>
           <a:p>
             <a:pPr lvl="1"/>
             <a:r>
-              <a:rPr kumimoji="1" lang="ja-JP" altLang="en-US"/>
+              <a:rPr lang="ja-JP" altLang="en-US"/>
               <a:t>第 </a:t>
             </a:r>
             <a:r>
-              <a:rPr kumimoji="1" lang="en-US" altLang="ja-JP"/>
+              <a:rPr lang="en-US" altLang="ja-JP"/>
               <a:t>2 </a:t>
             </a:r>
             <a:r>
-              <a:rPr kumimoji="1" lang="ja-JP" altLang="en-US"/>
+              <a:rPr lang="ja-JP" altLang="en-US"/>
               <a:t>レベル</a:t>
             </a:r>
           </a:p>
           <a:p>
             <a:pPr lvl="2"/>
             <a:r>
-              <a:rPr kumimoji="1" lang="ja-JP" altLang="en-US"/>
+              <a:rPr lang="ja-JP" altLang="en-US"/>
               <a:t>第 </a:t>
             </a:r>
             <a:r>
-              <a:rPr kumimoji="1" lang="en-US" altLang="ja-JP"/>
+              <a:rPr lang="en-US" altLang="ja-JP"/>
               <a:t>3 </a:t>
             </a:r>
             <a:r>
-              <a:rPr kumimoji="1" lang="ja-JP" altLang="en-US"/>
+              <a:rPr lang="ja-JP" altLang="en-US"/>
               <a:t>レベル</a:t>
             </a:r>
           </a:p>
           <a:p>
             <a:pPr lvl="3"/>
             <a:r>
-              <a:rPr kumimoji="1" lang="ja-JP" altLang="en-US"/>
+              <a:rPr lang="ja-JP" altLang="en-US"/>
               <a:t>第 </a:t>
             </a:r>
             <a:r>
-              <a:rPr kumimoji="1" lang="en-US" altLang="ja-JP"/>
+              <a:rPr lang="en-US" altLang="ja-JP"/>
               <a:t>4 </a:t>
             </a:r>
             <a:r>
-              <a:rPr kumimoji="1" lang="ja-JP" altLang="en-US"/>
+              <a:rPr lang="ja-JP" altLang="en-US"/>
               <a:t>レベル</a:t>
             </a:r>
           </a:p>
           <a:p>
             <a:pPr lvl="4"/>
             <a:r>
-              <a:rPr kumimoji="1" lang="ja-JP" altLang="en-US"/>
+              <a:rPr lang="ja-JP" altLang="en-US"/>
               <a:t>第 </a:t>
             </a:r>
             <a:r>
-              <a:rPr kumimoji="1" lang="en-US" altLang="ja-JP"/>
+              <a:rPr lang="en-US" altLang="ja-JP"/>
               <a:t>5 </a:t>
             </a:r>
             <a:r>
-              <a:rPr kumimoji="1" lang="ja-JP" altLang="en-US"/>
+              <a:rPr lang="ja-JP" altLang="en-US"/>
               <a:t>レベル</a:t>
             </a:r>
-          </a:p>
-        </p:txBody>
-      </p:sp>
-      <p:sp>
-        <p:nvSpPr>
-          <p:cNvPr id="5" name="日付プレースホルダー 4">
-            <a:extLst>
-              <a:ext uri="{FF2B5EF4-FFF2-40B4-BE49-F238E27FC236}">
-                <a16:creationId xmlns:a16="http://schemas.microsoft.com/office/drawing/2014/main" id="{9E8E6623-AD95-F14B-A2FE-65AACC1F783B}"/>
-              </a:ext>
-            </a:extLst>
-          </p:cNvPr>
+            <a:endParaRPr lang="en-US" dirty="0"/>
+          </a:p>
+        </p:txBody>
+      </p:sp>
+      <p:sp>
+        <p:nvSpPr>
+          <p:cNvPr id="5" name="Date Placeholder 4"/>
           <p:cNvSpPr>
             <a:spLocks noGrp="1"/>
           </p:cNvSpPr>
@@ -2117,7 +2055,7 @@
           <a:p>
             <a:fld id="{86BA6A6B-E36D-594B-B171-0F5ABB4A6F4D}" type="datetimeFigureOut">
               <a:rPr kumimoji="1" lang="ja-JP" altLang="en-US" smtClean="0"/>
-              <a:t>2021/10/5</a:t>
+              <a:t>2021/10/12</a:t>
             </a:fld>
             <a:endParaRPr kumimoji="1" lang="ja-JP" altLang="en-US"/>
           </a:p>
@@ -2125,13 +2063,7 @@
       </p:sp>
       <p:sp>
         <p:nvSpPr>
-          <p:cNvPr id="6" name="フッター プレースホルダー 5">
-            <a:extLst>
-              <a:ext uri="{FF2B5EF4-FFF2-40B4-BE49-F238E27FC236}">
-                <a16:creationId xmlns:a16="http://schemas.microsoft.com/office/drawing/2014/main" id="{71ABFFE0-54C5-6A4F-9920-FA891ADD53AC}"/>
-              </a:ext>
-            </a:extLst>
-          </p:cNvPr>
+          <p:cNvPr id="6" name="Footer Placeholder 5"/>
           <p:cNvSpPr>
             <a:spLocks noGrp="1"/>
           </p:cNvSpPr>
@@ -2150,13 +2082,7 @@
       </p:sp>
       <p:sp>
         <p:nvSpPr>
-          <p:cNvPr id="7" name="スライド番号プレースホルダー 6">
-            <a:extLst>
-              <a:ext uri="{FF2B5EF4-FFF2-40B4-BE49-F238E27FC236}">
-                <a16:creationId xmlns:a16="http://schemas.microsoft.com/office/drawing/2014/main" id="{96E144DB-B1CF-4443-9A06-072461A4A202}"/>
-              </a:ext>
-            </a:extLst>
-          </p:cNvPr>
+          <p:cNvPr id="7" name="Slide Number Placeholder 6"/>
           <p:cNvSpPr>
             <a:spLocks noGrp="1"/>
           </p:cNvSpPr>
@@ -2180,7 +2106,7 @@
     </p:spTree>
     <p:extLst>
       <p:ext uri="{BB962C8B-B14F-4D97-AF65-F5344CB8AC3E}">
-        <p14:creationId xmlns:p14="http://schemas.microsoft.com/office/powerpoint/2010/main" val="445552274"/>
+        <p14:creationId xmlns:p14="http://schemas.microsoft.com/office/powerpoint/2010/main" val="3316740177"/>
       </p:ext>
     </p:extLst>
   </p:cSld>
@@ -2209,13 +2135,7 @@
       </p:grpSpPr>
       <p:sp>
         <p:nvSpPr>
-          <p:cNvPr id="2" name="タイトル 1">
-            <a:extLst>
-              <a:ext uri="{FF2B5EF4-FFF2-40B4-BE49-F238E27FC236}">
-                <a16:creationId xmlns:a16="http://schemas.microsoft.com/office/drawing/2014/main" id="{F6525BD5-5A4E-1047-8D57-968791C40899}"/>
-              </a:ext>
-            </a:extLst>
-          </p:cNvPr>
+          <p:cNvPr id="2" name="Title 1"/>
           <p:cNvSpPr>
             <a:spLocks noGrp="1"/>
           </p:cNvSpPr>
@@ -2225,8 +2145,8 @@
         </p:nvSpPr>
         <p:spPr>
           <a:xfrm>
-            <a:off x="839788" y="365125"/>
-            <a:ext cx="10515600" cy="1325563"/>
+            <a:off x="1636603" y="728307"/>
+            <a:ext cx="20493097" cy="2644069"/>
           </a:xfrm>
         </p:spPr>
         <p:txBody>
@@ -2234,21 +2154,16 @@
           <a:lstStyle/>
           <a:p>
             <a:r>
-              <a:rPr kumimoji="1" lang="ja-JP" altLang="en-US"/>
+              <a:rPr lang="ja-JP" altLang="en-US"/>
               <a:t>マスター タイトルの書式設定</a:t>
             </a:r>
-          </a:p>
-        </p:txBody>
-      </p:sp>
-      <p:sp>
-        <p:nvSpPr>
-          <p:cNvPr id="3" name="テキスト プレースホルダー 2">
-            <a:extLst>
-              <a:ext uri="{FF2B5EF4-FFF2-40B4-BE49-F238E27FC236}">
-                <a16:creationId xmlns:a16="http://schemas.microsoft.com/office/drawing/2014/main" id="{79227C94-7F66-B248-BE46-92C50EE49F9C}"/>
-              </a:ext>
-            </a:extLst>
-          </p:cNvPr>
+            <a:endParaRPr lang="en-US" dirty="0"/>
+          </a:p>
+        </p:txBody>
+      </p:sp>
+      <p:sp>
+        <p:nvSpPr>
+          <p:cNvPr id="3" name="Text Placeholder 2"/>
           <p:cNvSpPr>
             <a:spLocks noGrp="1"/>
           </p:cNvSpPr>
@@ -2258,8 +2173,8 @@
         </p:nvSpPr>
         <p:spPr>
           <a:xfrm>
-            <a:off x="839788" y="1681163"/>
-            <a:ext cx="5157787" cy="823912"/>
+            <a:off x="1636603" y="3353376"/>
+            <a:ext cx="10051641" cy="1643437"/>
           </a:xfrm>
         </p:spPr>
         <p:txBody>
@@ -2267,45 +2182,45 @@
           <a:lstStyle>
             <a:lvl1pPr marL="0" indent="0">
               <a:buNone/>
-              <a:defRPr sz="2400" b="1"/>
+              <a:defRPr sz="4677" b="1"/>
             </a:lvl1pPr>
-            <a:lvl2pPr marL="457200" indent="0">
+            <a:lvl2pPr marL="890991" indent="0">
               <a:buNone/>
-              <a:defRPr sz="2000" b="1"/>
+              <a:defRPr sz="3898" b="1"/>
             </a:lvl2pPr>
-            <a:lvl3pPr marL="914400" indent="0">
+            <a:lvl3pPr marL="1781983" indent="0">
               <a:buNone/>
-              <a:defRPr sz="1800" b="1"/>
+              <a:defRPr sz="3508" b="1"/>
             </a:lvl3pPr>
-            <a:lvl4pPr marL="1371600" indent="0">
+            <a:lvl4pPr marL="2672974" indent="0">
               <a:buNone/>
-              <a:defRPr sz="1600" b="1"/>
+              <a:defRPr sz="3118" b="1"/>
             </a:lvl4pPr>
-            <a:lvl5pPr marL="1828800" indent="0">
+            <a:lvl5pPr marL="3563965" indent="0">
               <a:buNone/>
-              <a:defRPr sz="1600" b="1"/>
+              <a:defRPr sz="3118" b="1"/>
             </a:lvl5pPr>
-            <a:lvl6pPr marL="2286000" indent="0">
+            <a:lvl6pPr marL="4454957" indent="0">
               <a:buNone/>
-              <a:defRPr sz="1600" b="1"/>
+              <a:defRPr sz="3118" b="1"/>
             </a:lvl6pPr>
-            <a:lvl7pPr marL="2743200" indent="0">
+            <a:lvl7pPr marL="5345948" indent="0">
               <a:buNone/>
-              <a:defRPr sz="1600" b="1"/>
+              <a:defRPr sz="3118" b="1"/>
             </a:lvl7pPr>
-            <a:lvl8pPr marL="3200400" indent="0">
+            <a:lvl8pPr marL="6236940" indent="0">
               <a:buNone/>
-              <a:defRPr sz="1600" b="1"/>
+              <a:defRPr sz="3118" b="1"/>
             </a:lvl8pPr>
-            <a:lvl9pPr marL="3657600" indent="0">
+            <a:lvl9pPr marL="7127931" indent="0">
               <a:buNone/>
-              <a:defRPr sz="1600" b="1"/>
+              <a:defRPr sz="3118" b="1"/>
             </a:lvl9pPr>
           </a:lstStyle>
           <a:p>
             <a:pPr lvl="0"/>
             <a:r>
-              <a:rPr kumimoji="1" lang="ja-JP" altLang="en-US"/>
+              <a:rPr lang="ja-JP" altLang="en-US"/>
               <a:t>マスター テキストの書式設定</a:t>
             </a:r>
           </a:p>
@@ -2313,13 +2228,7 @@
       </p:sp>
       <p:sp>
         <p:nvSpPr>
-          <p:cNvPr id="4" name="コンテンツ プレースホルダー 3">
-            <a:extLst>
-              <a:ext uri="{FF2B5EF4-FFF2-40B4-BE49-F238E27FC236}">
-                <a16:creationId xmlns:a16="http://schemas.microsoft.com/office/drawing/2014/main" id="{ED27BE7D-C6BC-A441-AFE9-E34C5B127AEF}"/>
-              </a:ext>
-            </a:extLst>
-          </p:cNvPr>
+          <p:cNvPr id="4" name="Content Placeholder 3"/>
           <p:cNvSpPr>
             <a:spLocks noGrp="1"/>
           </p:cNvSpPr>
@@ -2329,8 +2238,8 @@
         </p:nvSpPr>
         <p:spPr>
           <a:xfrm>
-            <a:off x="839788" y="2505075"/>
-            <a:ext cx="5157787" cy="3684588"/>
+            <a:off x="1636603" y="4996813"/>
+            <a:ext cx="10051641" cy="7349559"/>
           </a:xfrm>
         </p:spPr>
         <p:txBody>
@@ -2339,81 +2248,76 @@
           <a:p>
             <a:pPr lvl="0"/>
             <a:r>
-              <a:rPr kumimoji="1" lang="ja-JP" altLang="en-US"/>
+              <a:rPr lang="ja-JP" altLang="en-US"/>
               <a:t>マスター テキストの書式設定</a:t>
             </a:r>
           </a:p>
           <a:p>
             <a:pPr lvl="1"/>
             <a:r>
-              <a:rPr kumimoji="1" lang="ja-JP" altLang="en-US"/>
+              <a:rPr lang="ja-JP" altLang="en-US"/>
               <a:t>第 </a:t>
             </a:r>
             <a:r>
-              <a:rPr kumimoji="1" lang="en-US" altLang="ja-JP"/>
+              <a:rPr lang="en-US" altLang="ja-JP"/>
               <a:t>2 </a:t>
             </a:r>
             <a:r>
-              <a:rPr kumimoji="1" lang="ja-JP" altLang="en-US"/>
+              <a:rPr lang="ja-JP" altLang="en-US"/>
               <a:t>レベル</a:t>
             </a:r>
           </a:p>
           <a:p>
             <a:pPr lvl="2"/>
             <a:r>
-              <a:rPr kumimoji="1" lang="ja-JP" altLang="en-US"/>
+              <a:rPr lang="ja-JP" altLang="en-US"/>
               <a:t>第 </a:t>
             </a:r>
             <a:r>
-              <a:rPr kumimoji="1" lang="en-US" altLang="ja-JP"/>
+              <a:rPr lang="en-US" altLang="ja-JP"/>
               <a:t>3 </a:t>
             </a:r>
             <a:r>
-              <a:rPr kumimoji="1" lang="ja-JP" altLang="en-US"/>
+              <a:rPr lang="ja-JP" altLang="en-US"/>
               <a:t>レベル</a:t>
             </a:r>
           </a:p>
           <a:p>
             <a:pPr lvl="3"/>
             <a:r>
-              <a:rPr kumimoji="1" lang="ja-JP" altLang="en-US"/>
+              <a:rPr lang="ja-JP" altLang="en-US"/>
               <a:t>第 </a:t>
             </a:r>
             <a:r>
-              <a:rPr kumimoji="1" lang="en-US" altLang="ja-JP"/>
+              <a:rPr lang="en-US" altLang="ja-JP"/>
               <a:t>4 </a:t>
             </a:r>
             <a:r>
-              <a:rPr kumimoji="1" lang="ja-JP" altLang="en-US"/>
+              <a:rPr lang="ja-JP" altLang="en-US"/>
               <a:t>レベル</a:t>
             </a:r>
           </a:p>
           <a:p>
             <a:pPr lvl="4"/>
             <a:r>
-              <a:rPr kumimoji="1" lang="ja-JP" altLang="en-US"/>
+              <a:rPr lang="ja-JP" altLang="en-US"/>
               <a:t>第 </a:t>
             </a:r>
             <a:r>
-              <a:rPr kumimoji="1" lang="en-US" altLang="ja-JP"/>
+              <a:rPr lang="en-US" altLang="ja-JP"/>
               <a:t>5 </a:t>
             </a:r>
             <a:r>
-              <a:rPr kumimoji="1" lang="ja-JP" altLang="en-US"/>
+              <a:rPr lang="ja-JP" altLang="en-US"/>
               <a:t>レベル</a:t>
             </a:r>
-          </a:p>
-        </p:txBody>
-      </p:sp>
-      <p:sp>
-        <p:nvSpPr>
-          <p:cNvPr id="5" name="テキスト プレースホルダー 4">
-            <a:extLst>
-              <a:ext uri="{FF2B5EF4-FFF2-40B4-BE49-F238E27FC236}">
-                <a16:creationId xmlns:a16="http://schemas.microsoft.com/office/drawing/2014/main" id="{470280C3-89AB-7444-8100-FC96265B9BED}"/>
-              </a:ext>
-            </a:extLst>
-          </p:cNvPr>
+            <a:endParaRPr lang="en-US" dirty="0"/>
+          </a:p>
+        </p:txBody>
+      </p:sp>
+      <p:sp>
+        <p:nvSpPr>
+          <p:cNvPr id="5" name="Text Placeholder 4"/>
           <p:cNvSpPr>
             <a:spLocks noGrp="1"/>
           </p:cNvSpPr>
@@ -2423,8 +2327,8 @@
         </p:nvSpPr>
         <p:spPr>
           <a:xfrm>
-            <a:off x="6172200" y="1681163"/>
-            <a:ext cx="5183188" cy="823912"/>
+            <a:off x="12028557" y="3353376"/>
+            <a:ext cx="10101143" cy="1643437"/>
           </a:xfrm>
         </p:spPr>
         <p:txBody>
@@ -2432,45 +2336,45 @@
           <a:lstStyle>
             <a:lvl1pPr marL="0" indent="0">
               <a:buNone/>
-              <a:defRPr sz="2400" b="1"/>
+              <a:defRPr sz="4677" b="1"/>
             </a:lvl1pPr>
-            <a:lvl2pPr marL="457200" indent="0">
+            <a:lvl2pPr marL="890991" indent="0">
               <a:buNone/>
-              <a:defRPr sz="2000" b="1"/>
+              <a:defRPr sz="3898" b="1"/>
             </a:lvl2pPr>
-            <a:lvl3pPr marL="914400" indent="0">
+            <a:lvl3pPr marL="1781983" indent="0">
               <a:buNone/>
-              <a:defRPr sz="1800" b="1"/>
+              <a:defRPr sz="3508" b="1"/>
             </a:lvl3pPr>
-            <a:lvl4pPr marL="1371600" indent="0">
+            <a:lvl4pPr marL="2672974" indent="0">
               <a:buNone/>
-              <a:defRPr sz="1600" b="1"/>
+              <a:defRPr sz="3118" b="1"/>
             </a:lvl4pPr>
-            <a:lvl5pPr marL="1828800" indent="0">
+            <a:lvl5pPr marL="3563965" indent="0">
               <a:buNone/>
-              <a:defRPr sz="1600" b="1"/>
+              <a:defRPr sz="3118" b="1"/>
             </a:lvl5pPr>
-            <a:lvl6pPr marL="2286000" indent="0">
+            <a:lvl6pPr marL="4454957" indent="0">
               <a:buNone/>
-              <a:defRPr sz="1600" b="1"/>
+              <a:defRPr sz="3118" b="1"/>
             </a:lvl6pPr>
-            <a:lvl7pPr marL="2743200" indent="0">
+            <a:lvl7pPr marL="5345948" indent="0">
               <a:buNone/>
-              <a:defRPr sz="1600" b="1"/>
+              <a:defRPr sz="3118" b="1"/>
             </a:lvl7pPr>
-            <a:lvl8pPr marL="3200400" indent="0">
+            <a:lvl8pPr marL="6236940" indent="0">
               <a:buNone/>
-              <a:defRPr sz="1600" b="1"/>
+              <a:defRPr sz="3118" b="1"/>
             </a:lvl8pPr>
-            <a:lvl9pPr marL="3657600" indent="0">
+            <a:lvl9pPr marL="7127931" indent="0">
               <a:buNone/>
-              <a:defRPr sz="1600" b="1"/>
+              <a:defRPr sz="3118" b="1"/>
             </a:lvl9pPr>
           </a:lstStyle>
           <a:p>
             <a:pPr lvl="0"/>
             <a:r>
-              <a:rPr kumimoji="1" lang="ja-JP" altLang="en-US"/>
+              <a:rPr lang="ja-JP" altLang="en-US"/>
               <a:t>マスター テキストの書式設定</a:t>
             </a:r>
           </a:p>
@@ -2478,13 +2382,7 @@
       </p:sp>
       <p:sp>
         <p:nvSpPr>
-          <p:cNvPr id="6" name="コンテンツ プレースホルダー 5">
-            <a:extLst>
-              <a:ext uri="{FF2B5EF4-FFF2-40B4-BE49-F238E27FC236}">
-                <a16:creationId xmlns:a16="http://schemas.microsoft.com/office/drawing/2014/main" id="{B1A523A1-B594-5D49-B53C-80365D6A4741}"/>
-              </a:ext>
-            </a:extLst>
-          </p:cNvPr>
+          <p:cNvPr id="6" name="Content Placeholder 5"/>
           <p:cNvSpPr>
             <a:spLocks noGrp="1"/>
           </p:cNvSpPr>
@@ -2494,8 +2392,8 @@
         </p:nvSpPr>
         <p:spPr>
           <a:xfrm>
-            <a:off x="6172200" y="2505075"/>
-            <a:ext cx="5183188" cy="3684588"/>
+            <a:off x="12028557" y="4996813"/>
+            <a:ext cx="10101143" cy="7349559"/>
           </a:xfrm>
         </p:spPr>
         <p:txBody>
@@ -2504,81 +2402,76 @@
           <a:p>
             <a:pPr lvl="0"/>
             <a:r>
-              <a:rPr kumimoji="1" lang="ja-JP" altLang="en-US"/>
+              <a:rPr lang="ja-JP" altLang="en-US"/>
               <a:t>マスター テキストの書式設定</a:t>
             </a:r>
           </a:p>
           <a:p>
             <a:pPr lvl="1"/>
             <a:r>
-              <a:rPr kumimoji="1" lang="ja-JP" altLang="en-US"/>
+              <a:rPr lang="ja-JP" altLang="en-US"/>
               <a:t>第 </a:t>
             </a:r>
             <a:r>
-              <a:rPr kumimoji="1" lang="en-US" altLang="ja-JP"/>
+              <a:rPr lang="en-US" altLang="ja-JP"/>
               <a:t>2 </a:t>
             </a:r>
             <a:r>
-              <a:rPr kumimoji="1" lang="ja-JP" altLang="en-US"/>
+              <a:rPr lang="ja-JP" altLang="en-US"/>
               <a:t>レベル</a:t>
             </a:r>
           </a:p>
           <a:p>
             <a:pPr lvl="2"/>
             <a:r>
-              <a:rPr kumimoji="1" lang="ja-JP" altLang="en-US"/>
+              <a:rPr lang="ja-JP" altLang="en-US"/>
               <a:t>第 </a:t>
             </a:r>
             <a:r>
-              <a:rPr kumimoji="1" lang="en-US" altLang="ja-JP"/>
+              <a:rPr lang="en-US" altLang="ja-JP"/>
               <a:t>3 </a:t>
             </a:r>
             <a:r>
-              <a:rPr kumimoji="1" lang="ja-JP" altLang="en-US"/>
+              <a:rPr lang="ja-JP" altLang="en-US"/>
               <a:t>レベル</a:t>
             </a:r>
           </a:p>
           <a:p>
             <a:pPr lvl="3"/>
             <a:r>
-              <a:rPr kumimoji="1" lang="ja-JP" altLang="en-US"/>
+              <a:rPr lang="ja-JP" altLang="en-US"/>
               <a:t>第 </a:t>
             </a:r>
             <a:r>
-              <a:rPr kumimoji="1" lang="en-US" altLang="ja-JP"/>
+              <a:rPr lang="en-US" altLang="ja-JP"/>
               <a:t>4 </a:t>
             </a:r>
             <a:r>
-              <a:rPr kumimoji="1" lang="ja-JP" altLang="en-US"/>
+              <a:rPr lang="ja-JP" altLang="en-US"/>
               <a:t>レベル</a:t>
             </a:r>
           </a:p>
           <a:p>
             <a:pPr lvl="4"/>
             <a:r>
-              <a:rPr kumimoji="1" lang="ja-JP" altLang="en-US"/>
+              <a:rPr lang="ja-JP" altLang="en-US"/>
               <a:t>第 </a:t>
             </a:r>
             <a:r>
-              <a:rPr kumimoji="1" lang="en-US" altLang="ja-JP"/>
+              <a:rPr lang="en-US" altLang="ja-JP"/>
               <a:t>5 </a:t>
             </a:r>
             <a:r>
-              <a:rPr kumimoji="1" lang="ja-JP" altLang="en-US"/>
+              <a:rPr lang="ja-JP" altLang="en-US"/>
               <a:t>レベル</a:t>
             </a:r>
-          </a:p>
-        </p:txBody>
-      </p:sp>
-      <p:sp>
-        <p:nvSpPr>
-          <p:cNvPr id="7" name="日付プレースホルダー 6">
-            <a:extLst>
-              <a:ext uri="{FF2B5EF4-FFF2-40B4-BE49-F238E27FC236}">
-                <a16:creationId xmlns:a16="http://schemas.microsoft.com/office/drawing/2014/main" id="{F4751CAD-F8C7-AA4C-BA80-602967FB06AF}"/>
-              </a:ext>
-            </a:extLst>
-          </p:cNvPr>
+            <a:endParaRPr lang="en-US" dirty="0"/>
+          </a:p>
+        </p:txBody>
+      </p:sp>
+      <p:sp>
+        <p:nvSpPr>
+          <p:cNvPr id="7" name="Date Placeholder 6"/>
           <p:cNvSpPr>
             <a:spLocks noGrp="1"/>
           </p:cNvSpPr>
@@ -2593,7 +2486,7 @@
           <a:p>
             <a:fld id="{86BA6A6B-E36D-594B-B171-0F5ABB4A6F4D}" type="datetimeFigureOut">
               <a:rPr kumimoji="1" lang="ja-JP" altLang="en-US" smtClean="0"/>
-              <a:t>2021/10/5</a:t>
+              <a:t>2021/10/12</a:t>
             </a:fld>
             <a:endParaRPr kumimoji="1" lang="ja-JP" altLang="en-US"/>
           </a:p>
@@ -2601,13 +2494,7 @@
       </p:sp>
       <p:sp>
         <p:nvSpPr>
-          <p:cNvPr id="8" name="フッター プレースホルダー 7">
-            <a:extLst>
-              <a:ext uri="{FF2B5EF4-FFF2-40B4-BE49-F238E27FC236}">
-                <a16:creationId xmlns:a16="http://schemas.microsoft.com/office/drawing/2014/main" id="{CDED73EB-25C0-8445-B252-C84F98CCD7CD}"/>
-              </a:ext>
-            </a:extLst>
-          </p:cNvPr>
+          <p:cNvPr id="8" name="Footer Placeholder 7"/>
           <p:cNvSpPr>
             <a:spLocks noGrp="1"/>
           </p:cNvSpPr>
@@ -2626,13 +2513,7 @@
       </p:sp>
       <p:sp>
         <p:nvSpPr>
-          <p:cNvPr id="9" name="スライド番号プレースホルダー 8">
-            <a:extLst>
-              <a:ext uri="{FF2B5EF4-FFF2-40B4-BE49-F238E27FC236}">
-                <a16:creationId xmlns:a16="http://schemas.microsoft.com/office/drawing/2014/main" id="{6E199FD0-0D33-F04A-9BDC-9B10DE78287E}"/>
-              </a:ext>
-            </a:extLst>
-          </p:cNvPr>
+          <p:cNvPr id="9" name="Slide Number Placeholder 8"/>
           <p:cNvSpPr>
             <a:spLocks noGrp="1"/>
           </p:cNvSpPr>
@@ -2656,7 +2537,7 @@
     </p:spTree>
     <p:extLst>
       <p:ext uri="{BB962C8B-B14F-4D97-AF65-F5344CB8AC3E}">
-        <p14:creationId xmlns:p14="http://schemas.microsoft.com/office/powerpoint/2010/main" val="141283632"/>
+        <p14:creationId xmlns:p14="http://schemas.microsoft.com/office/powerpoint/2010/main" val="2355908320"/>
       </p:ext>
     </p:extLst>
   </p:cSld>
@@ -2685,13 +2566,7 @@
       </p:grpSpPr>
       <p:sp>
         <p:nvSpPr>
-          <p:cNvPr id="2" name="タイトル 1">
-            <a:extLst>
-              <a:ext uri="{FF2B5EF4-FFF2-40B4-BE49-F238E27FC236}">
-                <a16:creationId xmlns:a16="http://schemas.microsoft.com/office/drawing/2014/main" id="{D42E1FD3-83BF-3B48-B862-2C59AA9D4C04}"/>
-              </a:ext>
-            </a:extLst>
-          </p:cNvPr>
+          <p:cNvPr id="2" name="Title 1"/>
           <p:cNvSpPr>
             <a:spLocks noGrp="1"/>
           </p:cNvSpPr>
@@ -2705,21 +2580,16 @@
           <a:lstStyle/>
           <a:p>
             <a:r>
-              <a:rPr kumimoji="1" lang="ja-JP" altLang="en-US"/>
+              <a:rPr lang="ja-JP" altLang="en-US"/>
               <a:t>マスター タイトルの書式設定</a:t>
             </a:r>
-          </a:p>
-        </p:txBody>
-      </p:sp>
-      <p:sp>
-        <p:nvSpPr>
-          <p:cNvPr id="3" name="日付プレースホルダー 2">
-            <a:extLst>
-              <a:ext uri="{FF2B5EF4-FFF2-40B4-BE49-F238E27FC236}">
-                <a16:creationId xmlns:a16="http://schemas.microsoft.com/office/drawing/2014/main" id="{DFAE8F24-CAF7-8840-9533-D8EB2E670259}"/>
-              </a:ext>
-            </a:extLst>
-          </p:cNvPr>
+            <a:endParaRPr lang="en-US" dirty="0"/>
+          </a:p>
+        </p:txBody>
+      </p:sp>
+      <p:sp>
+        <p:nvSpPr>
+          <p:cNvPr id="3" name="Date Placeholder 2"/>
           <p:cNvSpPr>
             <a:spLocks noGrp="1"/>
           </p:cNvSpPr>
@@ -2734,7 +2604,7 @@
           <a:p>
             <a:fld id="{86BA6A6B-E36D-594B-B171-0F5ABB4A6F4D}" type="datetimeFigureOut">
               <a:rPr kumimoji="1" lang="ja-JP" altLang="en-US" smtClean="0"/>
-              <a:t>2021/10/5</a:t>
+              <a:t>2021/10/12</a:t>
             </a:fld>
             <a:endParaRPr kumimoji="1" lang="ja-JP" altLang="en-US"/>
           </a:p>
@@ -2742,13 +2612,7 @@
       </p:sp>
       <p:sp>
         <p:nvSpPr>
-          <p:cNvPr id="4" name="フッター プレースホルダー 3">
-            <a:extLst>
-              <a:ext uri="{FF2B5EF4-FFF2-40B4-BE49-F238E27FC236}">
-                <a16:creationId xmlns:a16="http://schemas.microsoft.com/office/drawing/2014/main" id="{44FC5344-DAF6-6049-A164-F5E0C52CC996}"/>
-              </a:ext>
-            </a:extLst>
-          </p:cNvPr>
+          <p:cNvPr id="4" name="Footer Placeholder 3"/>
           <p:cNvSpPr>
             <a:spLocks noGrp="1"/>
           </p:cNvSpPr>
@@ -2767,13 +2631,7 @@
       </p:sp>
       <p:sp>
         <p:nvSpPr>
-          <p:cNvPr id="5" name="スライド番号プレースホルダー 4">
-            <a:extLst>
-              <a:ext uri="{FF2B5EF4-FFF2-40B4-BE49-F238E27FC236}">
-                <a16:creationId xmlns:a16="http://schemas.microsoft.com/office/drawing/2014/main" id="{AB30013D-78C7-674E-8AE9-FB9421B67D74}"/>
-              </a:ext>
-            </a:extLst>
-          </p:cNvPr>
+          <p:cNvPr id="5" name="Slide Number Placeholder 4"/>
           <p:cNvSpPr>
             <a:spLocks noGrp="1"/>
           </p:cNvSpPr>
@@ -2797,7 +2655,7 @@
     </p:spTree>
     <p:extLst>
       <p:ext uri="{BB962C8B-B14F-4D97-AF65-F5344CB8AC3E}">
-        <p14:creationId xmlns:p14="http://schemas.microsoft.com/office/powerpoint/2010/main" val="1155047052"/>
+        <p14:creationId xmlns:p14="http://schemas.microsoft.com/office/powerpoint/2010/main" val="2122315218"/>
       </p:ext>
     </p:extLst>
   </p:cSld>
@@ -2826,13 +2684,7 @@
       </p:grpSpPr>
       <p:sp>
         <p:nvSpPr>
-          <p:cNvPr id="2" name="日付プレースホルダー 1">
-            <a:extLst>
-              <a:ext uri="{FF2B5EF4-FFF2-40B4-BE49-F238E27FC236}">
-                <a16:creationId xmlns:a16="http://schemas.microsoft.com/office/drawing/2014/main" id="{91524E6E-B17D-D34C-932B-DA90C8DCC424}"/>
-              </a:ext>
-            </a:extLst>
-          </p:cNvPr>
+          <p:cNvPr id="2" name="Date Placeholder 1"/>
           <p:cNvSpPr>
             <a:spLocks noGrp="1"/>
           </p:cNvSpPr>
@@ -2847,7 +2699,7 @@
           <a:p>
             <a:fld id="{86BA6A6B-E36D-594B-B171-0F5ABB4A6F4D}" type="datetimeFigureOut">
               <a:rPr kumimoji="1" lang="ja-JP" altLang="en-US" smtClean="0"/>
-              <a:t>2021/10/5</a:t>
+              <a:t>2021/10/12</a:t>
             </a:fld>
             <a:endParaRPr kumimoji="1" lang="ja-JP" altLang="en-US"/>
           </a:p>
@@ -2855,13 +2707,7 @@
       </p:sp>
       <p:sp>
         <p:nvSpPr>
-          <p:cNvPr id="3" name="フッター プレースホルダー 2">
-            <a:extLst>
-              <a:ext uri="{FF2B5EF4-FFF2-40B4-BE49-F238E27FC236}">
-                <a16:creationId xmlns:a16="http://schemas.microsoft.com/office/drawing/2014/main" id="{3894AC55-C83B-784F-90D1-4790C2C3A06D}"/>
-              </a:ext>
-            </a:extLst>
-          </p:cNvPr>
+          <p:cNvPr id="3" name="Footer Placeholder 2"/>
           <p:cNvSpPr>
             <a:spLocks noGrp="1"/>
           </p:cNvSpPr>
@@ -2880,13 +2726,7 @@
       </p:sp>
       <p:sp>
         <p:nvSpPr>
-          <p:cNvPr id="4" name="スライド番号プレースホルダー 3">
-            <a:extLst>
-              <a:ext uri="{FF2B5EF4-FFF2-40B4-BE49-F238E27FC236}">
-                <a16:creationId xmlns:a16="http://schemas.microsoft.com/office/drawing/2014/main" id="{A122D6EA-683E-3549-B502-E743BBCA6CB6}"/>
-              </a:ext>
-            </a:extLst>
-          </p:cNvPr>
+          <p:cNvPr id="4" name="Slide Number Placeholder 3"/>
           <p:cNvSpPr>
             <a:spLocks noGrp="1"/>
           </p:cNvSpPr>
@@ -2910,7 +2750,7 @@
     </p:spTree>
     <p:extLst>
       <p:ext uri="{BB962C8B-B14F-4D97-AF65-F5344CB8AC3E}">
-        <p14:creationId xmlns:p14="http://schemas.microsoft.com/office/powerpoint/2010/main" val="2360766234"/>
+        <p14:creationId xmlns:p14="http://schemas.microsoft.com/office/powerpoint/2010/main" val="3056908717"/>
       </p:ext>
     </p:extLst>
   </p:cSld>
@@ -2939,13 +2779,7 @@
       </p:grpSpPr>
       <p:sp>
         <p:nvSpPr>
-          <p:cNvPr id="2" name="タイトル 1">
-            <a:extLst>
-              <a:ext uri="{FF2B5EF4-FFF2-40B4-BE49-F238E27FC236}">
-                <a16:creationId xmlns:a16="http://schemas.microsoft.com/office/drawing/2014/main" id="{418CAA7C-968A-4F47-B4AC-13F93DC1C20D}"/>
-              </a:ext>
-            </a:extLst>
-          </p:cNvPr>
+          <p:cNvPr id="2" name="Title 1"/>
           <p:cNvSpPr>
             <a:spLocks noGrp="1"/>
           </p:cNvSpPr>
@@ -2955,34 +2789,29 @@
         </p:nvSpPr>
         <p:spPr>
           <a:xfrm>
-            <a:off x="839788" y="457200"/>
-            <a:ext cx="3932237" cy="1600200"/>
+            <a:off x="1636604" y="911966"/>
+            <a:ext cx="7663254" cy="3191881"/>
           </a:xfrm>
         </p:spPr>
         <p:txBody>
           <a:bodyPr anchor="b"/>
           <a:lstStyle>
             <a:lvl1pPr>
-              <a:defRPr sz="3200"/>
+              <a:defRPr sz="6236"/>
             </a:lvl1pPr>
           </a:lstStyle>
           <a:p>
             <a:r>
-              <a:rPr kumimoji="1" lang="ja-JP" altLang="en-US"/>
+              <a:rPr lang="ja-JP" altLang="en-US"/>
               <a:t>マスター タイトルの書式設定</a:t>
             </a:r>
-          </a:p>
-        </p:txBody>
-      </p:sp>
-      <p:sp>
-        <p:nvSpPr>
-          <p:cNvPr id="3" name="コンテンツ プレースホルダー 2">
-            <a:extLst>
-              <a:ext uri="{FF2B5EF4-FFF2-40B4-BE49-F238E27FC236}">
-                <a16:creationId xmlns:a16="http://schemas.microsoft.com/office/drawing/2014/main" id="{407C9CF8-BB7F-FD44-9E87-8D0FD89A09AD}"/>
-              </a:ext>
-            </a:extLst>
-          </p:cNvPr>
+            <a:endParaRPr lang="en-US" dirty="0"/>
+          </a:p>
+        </p:txBody>
+      </p:sp>
+      <p:sp>
+        <p:nvSpPr>
+          <p:cNvPr id="3" name="Content Placeholder 2"/>
           <p:cNvSpPr>
             <a:spLocks noGrp="1"/>
           </p:cNvSpPr>
@@ -2992,119 +2821,114 @@
         </p:nvSpPr>
         <p:spPr>
           <a:xfrm>
-            <a:off x="5183188" y="987425"/>
-            <a:ext cx="6172200" cy="4873625"/>
+            <a:off x="10101143" y="1969594"/>
+            <a:ext cx="12028557" cy="9721303"/>
           </a:xfrm>
         </p:spPr>
         <p:txBody>
           <a:bodyPr/>
           <a:lstStyle>
             <a:lvl1pPr>
-              <a:defRPr sz="3200"/>
+              <a:defRPr sz="6236"/>
             </a:lvl1pPr>
             <a:lvl2pPr>
-              <a:defRPr sz="2800"/>
+              <a:defRPr sz="5457"/>
             </a:lvl2pPr>
             <a:lvl3pPr>
-              <a:defRPr sz="2400"/>
+              <a:defRPr sz="4677"/>
             </a:lvl3pPr>
             <a:lvl4pPr>
-              <a:defRPr sz="2000"/>
+              <a:defRPr sz="3898"/>
             </a:lvl4pPr>
             <a:lvl5pPr>
-              <a:defRPr sz="2000"/>
+              <a:defRPr sz="3898"/>
             </a:lvl5pPr>
             <a:lvl6pPr>
-              <a:defRPr sz="2000"/>
+              <a:defRPr sz="3898"/>
             </a:lvl6pPr>
             <a:lvl7pPr>
-              <a:defRPr sz="2000"/>
+              <a:defRPr sz="3898"/>
             </a:lvl7pPr>
             <a:lvl8pPr>
-              <a:defRPr sz="2000"/>
+              <a:defRPr sz="3898"/>
             </a:lvl8pPr>
             <a:lvl9pPr>
-              <a:defRPr sz="2000"/>
+              <a:defRPr sz="3898"/>
             </a:lvl9pPr>
           </a:lstStyle>
           <a:p>
             <a:pPr lvl="0"/>
             <a:r>
-              <a:rPr kumimoji="1" lang="ja-JP" altLang="en-US"/>
+              <a:rPr lang="ja-JP" altLang="en-US"/>
               <a:t>マスター テキストの書式設定</a:t>
             </a:r>
           </a:p>
           <a:p>
             <a:pPr lvl="1"/>
             <a:r>
-              <a:rPr kumimoji="1" lang="ja-JP" altLang="en-US"/>
+              <a:rPr lang="ja-JP" altLang="en-US"/>
               <a:t>第 </a:t>
             </a:r>
             <a:r>
-              <a:rPr kumimoji="1" lang="en-US" altLang="ja-JP"/>
+              <a:rPr lang="en-US" altLang="ja-JP"/>
               <a:t>2 </a:t>
             </a:r>
             <a:r>
-              <a:rPr kumimoji="1" lang="ja-JP" altLang="en-US"/>
+              <a:rPr lang="ja-JP" altLang="en-US"/>
               <a:t>レベル</a:t>
             </a:r>
           </a:p>
           <a:p>
             <a:pPr lvl="2"/>
             <a:r>
-              <a:rPr kumimoji="1" lang="ja-JP" altLang="en-US"/>
+              <a:rPr lang="ja-JP" altLang="en-US"/>
               <a:t>第 </a:t>
             </a:r>
             <a:r>
-              <a:rPr kumimoji="1" lang="en-US" altLang="ja-JP"/>
+              <a:rPr lang="en-US" altLang="ja-JP"/>
               <a:t>3 </a:t>
             </a:r>
             <a:r>
-              <a:rPr kumimoji="1" lang="ja-JP" altLang="en-US"/>
+              <a:rPr lang="ja-JP" altLang="en-US"/>
               <a:t>レベル</a:t>
             </a:r>
           </a:p>
           <a:p>
             <a:pPr lvl="3"/>
             <a:r>
-              <a:rPr kumimoji="1" lang="ja-JP" altLang="en-US"/>
+              <a:rPr lang="ja-JP" altLang="en-US"/>
               <a:t>第 </a:t>
             </a:r>
             <a:r>
-              <a:rPr kumimoji="1" lang="en-US" altLang="ja-JP"/>
+              <a:rPr lang="en-US" altLang="ja-JP"/>
               <a:t>4 </a:t>
             </a:r>
             <a:r>
-              <a:rPr kumimoji="1" lang="ja-JP" altLang="en-US"/>
+              <a:rPr lang="ja-JP" altLang="en-US"/>
               <a:t>レベル</a:t>
             </a:r>
           </a:p>
           <a:p>
             <a:pPr lvl="4"/>
             <a:r>
-              <a:rPr kumimoji="1" lang="ja-JP" altLang="en-US"/>
+              <a:rPr lang="ja-JP" altLang="en-US"/>
               <a:t>第 </a:t>
             </a:r>
             <a:r>
-              <a:rPr kumimoji="1" lang="en-US" altLang="ja-JP"/>
+              <a:rPr lang="en-US" altLang="ja-JP"/>
               <a:t>5 </a:t>
             </a:r>
             <a:r>
-              <a:rPr kumimoji="1" lang="ja-JP" altLang="en-US"/>
+              <a:rPr lang="ja-JP" altLang="en-US"/>
               <a:t>レベル</a:t>
             </a:r>
-          </a:p>
-        </p:txBody>
-      </p:sp>
-      <p:sp>
-        <p:nvSpPr>
-          <p:cNvPr id="4" name="テキスト プレースホルダー 3">
-            <a:extLst>
-              <a:ext uri="{FF2B5EF4-FFF2-40B4-BE49-F238E27FC236}">
-                <a16:creationId xmlns:a16="http://schemas.microsoft.com/office/drawing/2014/main" id="{A94955FB-EF9E-4447-A818-5BE102EF0368}"/>
-              </a:ext>
-            </a:extLst>
-          </p:cNvPr>
+            <a:endParaRPr lang="en-US" dirty="0"/>
+          </a:p>
+        </p:txBody>
+      </p:sp>
+      <p:sp>
+        <p:nvSpPr>
+          <p:cNvPr id="4" name="Text Placeholder 3"/>
           <p:cNvSpPr>
             <a:spLocks noGrp="1"/>
           </p:cNvSpPr>
@@ -3114,8 +2938,8 @@
         </p:nvSpPr>
         <p:spPr>
           <a:xfrm>
-            <a:off x="839788" y="2057400"/>
-            <a:ext cx="3932237" cy="3811588"/>
+            <a:off x="1636604" y="4103846"/>
+            <a:ext cx="7663254" cy="7602883"/>
           </a:xfrm>
         </p:spPr>
         <p:txBody>
@@ -3123,45 +2947,45 @@
           <a:lstStyle>
             <a:lvl1pPr marL="0" indent="0">
               <a:buNone/>
-              <a:defRPr sz="1600"/>
+              <a:defRPr sz="3118"/>
             </a:lvl1pPr>
-            <a:lvl2pPr marL="457200" indent="0">
+            <a:lvl2pPr marL="890991" indent="0">
               <a:buNone/>
-              <a:defRPr sz="1400"/>
+              <a:defRPr sz="2728"/>
             </a:lvl2pPr>
-            <a:lvl3pPr marL="914400" indent="0">
+            <a:lvl3pPr marL="1781983" indent="0">
               <a:buNone/>
-              <a:defRPr sz="1200"/>
+              <a:defRPr sz="2339"/>
             </a:lvl3pPr>
-            <a:lvl4pPr marL="1371600" indent="0">
+            <a:lvl4pPr marL="2672974" indent="0">
               <a:buNone/>
-              <a:defRPr sz="1000"/>
+              <a:defRPr sz="1949"/>
             </a:lvl4pPr>
-            <a:lvl5pPr marL="1828800" indent="0">
+            <a:lvl5pPr marL="3563965" indent="0">
               <a:buNone/>
-              <a:defRPr sz="1000"/>
+              <a:defRPr sz="1949"/>
             </a:lvl5pPr>
-            <a:lvl6pPr marL="2286000" indent="0">
+            <a:lvl6pPr marL="4454957" indent="0">
               <a:buNone/>
-              <a:defRPr sz="1000"/>
+              <a:defRPr sz="1949"/>
             </a:lvl6pPr>
-            <a:lvl7pPr marL="2743200" indent="0">
+            <a:lvl7pPr marL="5345948" indent="0">
               <a:buNone/>
-              <a:defRPr sz="1000"/>
+              <a:defRPr sz="1949"/>
             </a:lvl7pPr>
-            <a:lvl8pPr marL="3200400" indent="0">
+            <a:lvl8pPr marL="6236940" indent="0">
               <a:buNone/>
-              <a:defRPr sz="1000"/>
+              <a:defRPr sz="1949"/>
             </a:lvl8pPr>
-            <a:lvl9pPr marL="3657600" indent="0">
+            <a:lvl9pPr marL="7127931" indent="0">
               <a:buNone/>
-              <a:defRPr sz="1000"/>
+              <a:defRPr sz="1949"/>
             </a:lvl9pPr>
           </a:lstStyle>
           <a:p>
             <a:pPr lvl="0"/>
             <a:r>
-              <a:rPr kumimoji="1" lang="ja-JP" altLang="en-US"/>
+              <a:rPr lang="ja-JP" altLang="en-US"/>
               <a:t>マスター テキストの書式設定</a:t>
             </a:r>
           </a:p>
@@ -3169,13 +2993,7 @@
       </p:sp>
       <p:sp>
         <p:nvSpPr>
-          <p:cNvPr id="5" name="日付プレースホルダー 4">
-            <a:extLst>
-              <a:ext uri="{FF2B5EF4-FFF2-40B4-BE49-F238E27FC236}">
-                <a16:creationId xmlns:a16="http://schemas.microsoft.com/office/drawing/2014/main" id="{AD0C9EF3-81B4-524B-B4EF-27B4010229C1}"/>
-              </a:ext>
-            </a:extLst>
-          </p:cNvPr>
+          <p:cNvPr id="5" name="Date Placeholder 4"/>
           <p:cNvSpPr>
             <a:spLocks noGrp="1"/>
           </p:cNvSpPr>
@@ -3190,7 +3008,7 @@
           <a:p>
             <a:fld id="{86BA6A6B-E36D-594B-B171-0F5ABB4A6F4D}" type="datetimeFigureOut">
               <a:rPr kumimoji="1" lang="ja-JP" altLang="en-US" smtClean="0"/>
-              <a:t>2021/10/5</a:t>
+              <a:t>2021/10/12</a:t>
             </a:fld>
             <a:endParaRPr kumimoji="1" lang="ja-JP" altLang="en-US"/>
           </a:p>
@@ -3198,13 +3016,7 @@
       </p:sp>
       <p:sp>
         <p:nvSpPr>
-          <p:cNvPr id="6" name="フッター プレースホルダー 5">
-            <a:extLst>
-              <a:ext uri="{FF2B5EF4-FFF2-40B4-BE49-F238E27FC236}">
-                <a16:creationId xmlns:a16="http://schemas.microsoft.com/office/drawing/2014/main" id="{FDED5357-EE9F-AD4D-A254-E02D6B58F8BB}"/>
-              </a:ext>
-            </a:extLst>
-          </p:cNvPr>
+          <p:cNvPr id="6" name="Footer Placeholder 5"/>
           <p:cNvSpPr>
             <a:spLocks noGrp="1"/>
           </p:cNvSpPr>
@@ -3223,13 +3035,7 @@
       </p:sp>
       <p:sp>
         <p:nvSpPr>
-          <p:cNvPr id="7" name="スライド番号プレースホルダー 6">
-            <a:extLst>
-              <a:ext uri="{FF2B5EF4-FFF2-40B4-BE49-F238E27FC236}">
-                <a16:creationId xmlns:a16="http://schemas.microsoft.com/office/drawing/2014/main" id="{0C9E3AFD-8605-2143-8E2F-1E026903BD49}"/>
-              </a:ext>
-            </a:extLst>
-          </p:cNvPr>
+          <p:cNvPr id="7" name="Slide Number Placeholder 6"/>
           <p:cNvSpPr>
             <a:spLocks noGrp="1"/>
           </p:cNvSpPr>
@@ -3253,7 +3059,7 @@
     </p:spTree>
     <p:extLst>
       <p:ext uri="{BB962C8B-B14F-4D97-AF65-F5344CB8AC3E}">
-        <p14:creationId xmlns:p14="http://schemas.microsoft.com/office/powerpoint/2010/main" val="2028624575"/>
+        <p14:creationId xmlns:p14="http://schemas.microsoft.com/office/powerpoint/2010/main" val="2274259506"/>
       </p:ext>
     </p:extLst>
   </p:cSld>
@@ -3282,13 +3088,7 @@
       </p:grpSpPr>
       <p:sp>
         <p:nvSpPr>
-          <p:cNvPr id="2" name="タイトル 1">
-            <a:extLst>
-              <a:ext uri="{FF2B5EF4-FFF2-40B4-BE49-F238E27FC236}">
-                <a16:creationId xmlns:a16="http://schemas.microsoft.com/office/drawing/2014/main" id="{F2EF5A9F-918D-0A4B-B62B-3DF75B26FB10}"/>
-              </a:ext>
-            </a:extLst>
-          </p:cNvPr>
+          <p:cNvPr id="2" name="Title 1"/>
           <p:cNvSpPr>
             <a:spLocks noGrp="1"/>
           </p:cNvSpPr>
@@ -3298,36 +3098,31 @@
         </p:nvSpPr>
         <p:spPr>
           <a:xfrm>
-            <a:off x="839788" y="457200"/>
-            <a:ext cx="3932237" cy="1600200"/>
+            <a:off x="1636604" y="911966"/>
+            <a:ext cx="7663254" cy="3191881"/>
           </a:xfrm>
         </p:spPr>
         <p:txBody>
           <a:bodyPr anchor="b"/>
           <a:lstStyle>
             <a:lvl1pPr>
-              <a:defRPr sz="3200"/>
+              <a:defRPr sz="6236"/>
             </a:lvl1pPr>
           </a:lstStyle>
           <a:p>
             <a:r>
-              <a:rPr kumimoji="1" lang="ja-JP" altLang="en-US"/>
+              <a:rPr lang="ja-JP" altLang="en-US"/>
               <a:t>マスター タイトルの書式設定</a:t>
             </a:r>
-          </a:p>
-        </p:txBody>
-      </p:sp>
-      <p:sp>
-        <p:nvSpPr>
-          <p:cNvPr id="3" name="図プレースホルダー 2">
-            <a:extLst>
-              <a:ext uri="{FF2B5EF4-FFF2-40B4-BE49-F238E27FC236}">
-                <a16:creationId xmlns:a16="http://schemas.microsoft.com/office/drawing/2014/main" id="{EC4D3214-789D-4149-BC8C-731CFF94A42C}"/>
-              </a:ext>
-            </a:extLst>
-          </p:cNvPr>
+            <a:endParaRPr lang="en-US" dirty="0"/>
+          </a:p>
+        </p:txBody>
+      </p:sp>
+      <p:sp>
+        <p:nvSpPr>
+          <p:cNvPr id="3" name="Picture Placeholder 2"/>
           <p:cNvSpPr>
-            <a:spLocks noGrp="1"/>
+            <a:spLocks noGrp="1" noChangeAspect="1"/>
           </p:cNvSpPr>
           <p:nvPr>
             <p:ph type="pic" idx="1"/>
@@ -3335,64 +3130,62 @@
         </p:nvSpPr>
         <p:spPr>
           <a:xfrm>
-            <a:off x="5183188" y="987425"/>
-            <a:ext cx="6172200" cy="4873625"/>
-          </a:xfrm>
-        </p:spPr>
-        <p:txBody>
-          <a:bodyPr/>
+            <a:off x="10101143" y="1969594"/>
+            <a:ext cx="12028557" cy="9721303"/>
+          </a:xfrm>
+        </p:spPr>
+        <p:txBody>
+          <a:bodyPr anchor="t"/>
           <a:lstStyle>
             <a:lvl1pPr marL="0" indent="0">
               <a:buNone/>
-              <a:defRPr sz="3200"/>
+              <a:defRPr sz="6236"/>
             </a:lvl1pPr>
-            <a:lvl2pPr marL="457200" indent="0">
+            <a:lvl2pPr marL="890991" indent="0">
               <a:buNone/>
-              <a:defRPr sz="2800"/>
+              <a:defRPr sz="5457"/>
             </a:lvl2pPr>
-            <a:lvl3pPr marL="914400" indent="0">
+            <a:lvl3pPr marL="1781983" indent="0">
               <a:buNone/>
-              <a:defRPr sz="2400"/>
+              <a:defRPr sz="4677"/>
             </a:lvl3pPr>
-            <a:lvl4pPr marL="1371600" indent="0">
+            <a:lvl4pPr marL="2672974" indent="0">
               <a:buNone/>
-              <a:defRPr sz="2000"/>
+              <a:defRPr sz="3898"/>
             </a:lvl4pPr>
-            <a:lvl5pPr marL="1828800" indent="0">
+            <a:lvl5pPr marL="3563965" indent="0">
               <a:buNone/>
-              <a:defRPr sz="2000"/>
+              <a:defRPr sz="3898"/>
             </a:lvl5pPr>
-            <a:lvl6pPr marL="2286000" indent="0">
+            <a:lvl6pPr marL="4454957" indent="0">
               <a:buNone/>
-              <a:defRPr sz="2000"/>
+              <a:defRPr sz="3898"/>
             </a:lvl6pPr>
-            <a:lvl7pPr marL="2743200" indent="0">
+            <a:lvl7pPr marL="5345948" indent="0">
               <a:buNone/>
-              <a:defRPr sz="2000"/>
+              <a:defRPr sz="3898"/>
             </a:lvl7pPr>
-            <a:lvl8pPr marL="3200400" indent="0">
+            <a:lvl8pPr marL="6236940" indent="0">
               <a:buNone/>
-              <a:defRPr sz="2000"/>
+              <a:defRPr sz="3898"/>
             </a:lvl8pPr>
-            <a:lvl9pPr marL="3657600" indent="0">
+            <a:lvl9pPr marL="7127931" indent="0">
               <a:buNone/>
-              <a:defRPr sz="2000"/>
+              <a:defRPr sz="3898"/>
             </a:lvl9pPr>
           </a:lstStyle>
           <a:p>
-            <a:endParaRPr kumimoji="1" lang="ja-JP" altLang="en-US"/>
-          </a:p>
-        </p:txBody>
-      </p:sp>
-      <p:sp>
-        <p:nvSpPr>
-          <p:cNvPr id="4" name="テキスト プレースホルダー 3">
-            <a:extLst>
-              <a:ext uri="{FF2B5EF4-FFF2-40B4-BE49-F238E27FC236}">
-                <a16:creationId xmlns:a16="http://schemas.microsoft.com/office/drawing/2014/main" id="{CAB929B9-A322-0D4B-A738-7EE819962A5A}"/>
-              </a:ext>
-            </a:extLst>
-          </p:cNvPr>
+            <a:r>
+              <a:rPr lang="ja-JP" altLang="en-US"/>
+              <a:t>アイコンをクリックして図を追加</a:t>
+            </a:r>
+            <a:endParaRPr lang="en-US" dirty="0"/>
+          </a:p>
+        </p:txBody>
+      </p:sp>
+      <p:sp>
+        <p:nvSpPr>
+          <p:cNvPr id="4" name="Text Placeholder 3"/>
           <p:cNvSpPr>
             <a:spLocks noGrp="1"/>
           </p:cNvSpPr>
@@ -3402,8 +3195,8 @@
         </p:nvSpPr>
         <p:spPr>
           <a:xfrm>
-            <a:off x="839788" y="2057400"/>
-            <a:ext cx="3932237" cy="3811588"/>
+            <a:off x="1636604" y="4103846"/>
+            <a:ext cx="7663254" cy="7602883"/>
           </a:xfrm>
         </p:spPr>
         <p:txBody>
@@ -3411,45 +3204,45 @@
           <a:lstStyle>
             <a:lvl1pPr marL="0" indent="0">
               <a:buNone/>
-              <a:defRPr sz="1600"/>
+              <a:defRPr sz="3118"/>
             </a:lvl1pPr>
-            <a:lvl2pPr marL="457200" indent="0">
+            <a:lvl2pPr marL="890991" indent="0">
               <a:buNone/>
-              <a:defRPr sz="1400"/>
+              <a:defRPr sz="2728"/>
             </a:lvl2pPr>
-            <a:lvl3pPr marL="914400" indent="0">
+            <a:lvl3pPr marL="1781983" indent="0">
               <a:buNone/>
-              <a:defRPr sz="1200"/>
+              <a:defRPr sz="2339"/>
             </a:lvl3pPr>
-            <a:lvl4pPr marL="1371600" indent="0">
+            <a:lvl4pPr marL="2672974" indent="0">
               <a:buNone/>
-              <a:defRPr sz="1000"/>
+              <a:defRPr sz="1949"/>
             </a:lvl4pPr>
-            <a:lvl5pPr marL="1828800" indent="0">
+            <a:lvl5pPr marL="3563965" indent="0">
               <a:buNone/>
-              <a:defRPr sz="1000"/>
+              <a:defRPr sz="1949"/>
             </a:lvl5pPr>
-            <a:lvl6pPr marL="2286000" indent="0">
+            <a:lvl6pPr marL="4454957" indent="0">
               <a:buNone/>
-              <a:defRPr sz="1000"/>
+              <a:defRPr sz="1949"/>
             </a:lvl6pPr>
-            <a:lvl7pPr marL="2743200" indent="0">
+            <a:lvl7pPr marL="5345948" indent="0">
               <a:buNone/>
-              <a:defRPr sz="1000"/>
+              <a:defRPr sz="1949"/>
             </a:lvl7pPr>
-            <a:lvl8pPr marL="3200400" indent="0">
+            <a:lvl8pPr marL="6236940" indent="0">
               <a:buNone/>
-              <a:defRPr sz="1000"/>
+              <a:defRPr sz="1949"/>
             </a:lvl8pPr>
-            <a:lvl9pPr marL="3657600" indent="0">
+            <a:lvl9pPr marL="7127931" indent="0">
               <a:buNone/>
-              <a:defRPr sz="1000"/>
+              <a:defRPr sz="1949"/>
             </a:lvl9pPr>
           </a:lstStyle>
           <a:p>
             <a:pPr lvl="0"/>
             <a:r>
-              <a:rPr kumimoji="1" lang="ja-JP" altLang="en-US"/>
+              <a:rPr lang="ja-JP" altLang="en-US"/>
               <a:t>マスター テキストの書式設定</a:t>
             </a:r>
           </a:p>
@@ -3457,13 +3250,7 @@
       </p:sp>
       <p:sp>
         <p:nvSpPr>
-          <p:cNvPr id="5" name="日付プレースホルダー 4">
-            <a:extLst>
-              <a:ext uri="{FF2B5EF4-FFF2-40B4-BE49-F238E27FC236}">
-                <a16:creationId xmlns:a16="http://schemas.microsoft.com/office/drawing/2014/main" id="{E6D5CE5C-AD4C-6942-A3BF-522691F022F3}"/>
-              </a:ext>
-            </a:extLst>
-          </p:cNvPr>
+          <p:cNvPr id="5" name="Date Placeholder 4"/>
           <p:cNvSpPr>
             <a:spLocks noGrp="1"/>
           </p:cNvSpPr>
@@ -3478,7 +3265,7 @@
           <a:p>
             <a:fld id="{86BA6A6B-E36D-594B-B171-0F5ABB4A6F4D}" type="datetimeFigureOut">
               <a:rPr kumimoji="1" lang="ja-JP" altLang="en-US" smtClean="0"/>
-              <a:t>2021/10/5</a:t>
+              <a:t>2021/10/12</a:t>
             </a:fld>
             <a:endParaRPr kumimoji="1" lang="ja-JP" altLang="en-US"/>
           </a:p>
@@ -3486,13 +3273,7 @@
       </p:sp>
       <p:sp>
         <p:nvSpPr>
-          <p:cNvPr id="6" name="フッター プレースホルダー 5">
-            <a:extLst>
-              <a:ext uri="{FF2B5EF4-FFF2-40B4-BE49-F238E27FC236}">
-                <a16:creationId xmlns:a16="http://schemas.microsoft.com/office/drawing/2014/main" id="{95EF0F81-0E68-F749-9DFC-2504FB4B080B}"/>
-              </a:ext>
-            </a:extLst>
-          </p:cNvPr>
+          <p:cNvPr id="6" name="Footer Placeholder 5"/>
           <p:cNvSpPr>
             <a:spLocks noGrp="1"/>
           </p:cNvSpPr>
@@ -3511,13 +3292,7 @@
       </p:sp>
       <p:sp>
         <p:nvSpPr>
-          <p:cNvPr id="7" name="スライド番号プレースホルダー 6">
-            <a:extLst>
-              <a:ext uri="{FF2B5EF4-FFF2-40B4-BE49-F238E27FC236}">
-                <a16:creationId xmlns:a16="http://schemas.microsoft.com/office/drawing/2014/main" id="{A703D8DE-7DB5-BD4A-890B-1EC0E0AE24B2}"/>
-              </a:ext>
-            </a:extLst>
-          </p:cNvPr>
+          <p:cNvPr id="7" name="Slide Number Placeholder 6"/>
           <p:cNvSpPr>
             <a:spLocks noGrp="1"/>
           </p:cNvSpPr>
@@ -3541,7 +3316,7 @@
     </p:spTree>
     <p:extLst>
       <p:ext uri="{BB962C8B-B14F-4D97-AF65-F5344CB8AC3E}">
-        <p14:creationId xmlns:p14="http://schemas.microsoft.com/office/powerpoint/2010/main" val="1110039507"/>
+        <p14:creationId xmlns:p14="http://schemas.microsoft.com/office/powerpoint/2010/main" val="2391631744"/>
       </p:ext>
     </p:extLst>
   </p:cSld>
@@ -3575,13 +3350,7 @@
       </p:grpSpPr>
       <p:sp>
         <p:nvSpPr>
-          <p:cNvPr id="2" name="タイトル プレースホルダー 1">
-            <a:extLst>
-              <a:ext uri="{FF2B5EF4-FFF2-40B4-BE49-F238E27FC236}">
-                <a16:creationId xmlns:a16="http://schemas.microsoft.com/office/drawing/2014/main" id="{264E24F9-8FA9-2844-AB0A-9570A474B77B}"/>
-              </a:ext>
-            </a:extLst>
-          </p:cNvPr>
+          <p:cNvPr id="2" name="Title Placeholder 1"/>
           <p:cNvSpPr>
             <a:spLocks noGrp="1"/>
           </p:cNvSpPr>
@@ -3591,8 +3360,8 @@
         </p:nvSpPr>
         <p:spPr>
           <a:xfrm>
-            <a:off x="838200" y="365125"/>
-            <a:ext cx="10515600" cy="1325563"/>
+            <a:off x="1633508" y="728307"/>
+            <a:ext cx="20493097" cy="2644069"/>
           </a:xfrm>
           <a:prstGeom prst="rect">
             <a:avLst/>
@@ -3605,21 +3374,16 @@
           <a:lstStyle/>
           <a:p>
             <a:r>
-              <a:rPr kumimoji="1" lang="ja-JP" altLang="en-US"/>
+              <a:rPr lang="ja-JP" altLang="en-US"/>
               <a:t>マスター タイトルの書式設定</a:t>
             </a:r>
-          </a:p>
-        </p:txBody>
-      </p:sp>
-      <p:sp>
-        <p:nvSpPr>
-          <p:cNvPr id="3" name="テキスト プレースホルダー 2">
-            <a:extLst>
-              <a:ext uri="{FF2B5EF4-FFF2-40B4-BE49-F238E27FC236}">
-                <a16:creationId xmlns:a16="http://schemas.microsoft.com/office/drawing/2014/main" id="{4B99C478-B58D-5845-A167-F0CC93E57488}"/>
-              </a:ext>
-            </a:extLst>
-          </p:cNvPr>
+            <a:endParaRPr lang="en-US" dirty="0"/>
+          </a:p>
+        </p:txBody>
+      </p:sp>
+      <p:sp>
+        <p:nvSpPr>
+          <p:cNvPr id="3" name="Text Placeholder 2"/>
           <p:cNvSpPr>
             <a:spLocks noGrp="1"/>
           </p:cNvSpPr>
@@ -3629,8 +3393,8 @@
         </p:nvSpPr>
         <p:spPr>
           <a:xfrm>
-            <a:off x="838200" y="1825625"/>
-            <a:ext cx="10515600" cy="4351338"/>
+            <a:off x="1633508" y="3641531"/>
+            <a:ext cx="20493097" cy="8679509"/>
           </a:xfrm>
           <a:prstGeom prst="rect">
             <a:avLst/>
@@ -3644,81 +3408,76 @@
           <a:p>
             <a:pPr lvl="0"/>
             <a:r>
-              <a:rPr kumimoji="1" lang="ja-JP" altLang="en-US"/>
+              <a:rPr lang="ja-JP" altLang="en-US"/>
               <a:t>マスター テキストの書式設定</a:t>
             </a:r>
           </a:p>
           <a:p>
             <a:pPr lvl="1"/>
             <a:r>
-              <a:rPr kumimoji="1" lang="ja-JP" altLang="en-US"/>
+              <a:rPr lang="ja-JP" altLang="en-US"/>
               <a:t>第 </a:t>
             </a:r>
             <a:r>
-              <a:rPr kumimoji="1" lang="en-US" altLang="ja-JP"/>
+              <a:rPr lang="en-US" altLang="ja-JP"/>
               <a:t>2 </a:t>
             </a:r>
             <a:r>
-              <a:rPr kumimoji="1" lang="ja-JP" altLang="en-US"/>
+              <a:rPr lang="ja-JP" altLang="en-US"/>
               <a:t>レベル</a:t>
             </a:r>
           </a:p>
           <a:p>
             <a:pPr lvl="2"/>
             <a:r>
-              <a:rPr kumimoji="1" lang="ja-JP" altLang="en-US"/>
+              <a:rPr lang="ja-JP" altLang="en-US"/>
               <a:t>第 </a:t>
             </a:r>
             <a:r>
-              <a:rPr kumimoji="1" lang="en-US" altLang="ja-JP"/>
+              <a:rPr lang="en-US" altLang="ja-JP"/>
               <a:t>3 </a:t>
             </a:r>
             <a:r>
-              <a:rPr kumimoji="1" lang="ja-JP" altLang="en-US"/>
+              <a:rPr lang="ja-JP" altLang="en-US"/>
               <a:t>レベル</a:t>
             </a:r>
           </a:p>
           <a:p>
             <a:pPr lvl="3"/>
             <a:r>
-              <a:rPr kumimoji="1" lang="ja-JP" altLang="en-US"/>
+              <a:rPr lang="ja-JP" altLang="en-US"/>
               <a:t>第 </a:t>
             </a:r>
             <a:r>
-              <a:rPr kumimoji="1" lang="en-US" altLang="ja-JP"/>
+              <a:rPr lang="en-US" altLang="ja-JP"/>
               <a:t>4 </a:t>
             </a:r>
             <a:r>
-              <a:rPr kumimoji="1" lang="ja-JP" altLang="en-US"/>
+              <a:rPr lang="ja-JP" altLang="en-US"/>
               <a:t>レベル</a:t>
             </a:r>
           </a:p>
           <a:p>
             <a:pPr lvl="4"/>
             <a:r>
-              <a:rPr kumimoji="1" lang="ja-JP" altLang="en-US"/>
+              <a:rPr lang="ja-JP" altLang="en-US"/>
               <a:t>第 </a:t>
             </a:r>
             <a:r>
-              <a:rPr kumimoji="1" lang="en-US" altLang="ja-JP"/>
+              <a:rPr lang="en-US" altLang="ja-JP"/>
               <a:t>5 </a:t>
             </a:r>
             <a:r>
-              <a:rPr kumimoji="1" lang="ja-JP" altLang="en-US"/>
+              <a:rPr lang="ja-JP" altLang="en-US"/>
               <a:t>レベル</a:t>
             </a:r>
-          </a:p>
-        </p:txBody>
-      </p:sp>
-      <p:sp>
-        <p:nvSpPr>
-          <p:cNvPr id="4" name="日付プレースホルダー 3">
-            <a:extLst>
-              <a:ext uri="{FF2B5EF4-FFF2-40B4-BE49-F238E27FC236}">
-                <a16:creationId xmlns:a16="http://schemas.microsoft.com/office/drawing/2014/main" id="{509D3CE9-272A-494C-A818-08987192240D}"/>
-              </a:ext>
-            </a:extLst>
-          </p:cNvPr>
+            <a:endParaRPr lang="en-US" dirty="0"/>
+          </a:p>
+        </p:txBody>
+      </p:sp>
+      <p:sp>
+        <p:nvSpPr>
+          <p:cNvPr id="4" name="Date Placeholder 3"/>
           <p:cNvSpPr>
             <a:spLocks noGrp="1"/>
           </p:cNvSpPr>
@@ -3728,8 +3487,8 @@
         </p:nvSpPr>
         <p:spPr>
           <a:xfrm>
-            <a:off x="838200" y="6356350"/>
-            <a:ext cx="2743200" cy="365125"/>
+            <a:off x="1633508" y="12678860"/>
+            <a:ext cx="5346025" cy="728306"/>
           </a:xfrm>
           <a:prstGeom prst="rect">
             <a:avLst/>
@@ -3739,7 +3498,7 @@
           <a:bodyPr vert="horz" lIns="91440" tIns="45720" rIns="91440" bIns="45720" rtlCol="0" anchor="ctr"/>
           <a:lstStyle>
             <a:lvl1pPr algn="l">
-              <a:defRPr sz="1200">
+              <a:defRPr sz="2339">
                 <a:solidFill>
                   <a:schemeClr val="tx1">
                     <a:tint val="75000"/>
@@ -3751,7 +3510,7 @@
           <a:p>
             <a:fld id="{86BA6A6B-E36D-594B-B171-0F5ABB4A6F4D}" type="datetimeFigureOut">
               <a:rPr kumimoji="1" lang="ja-JP" altLang="en-US" smtClean="0"/>
-              <a:t>2021/10/5</a:t>
+              <a:t>2021/10/12</a:t>
             </a:fld>
             <a:endParaRPr kumimoji="1" lang="ja-JP" altLang="en-US"/>
           </a:p>
@@ -3759,13 +3518,7 @@
       </p:sp>
       <p:sp>
         <p:nvSpPr>
-          <p:cNvPr id="5" name="フッター プレースホルダー 4">
-            <a:extLst>
-              <a:ext uri="{FF2B5EF4-FFF2-40B4-BE49-F238E27FC236}">
-                <a16:creationId xmlns:a16="http://schemas.microsoft.com/office/drawing/2014/main" id="{FE5A670A-96C0-F345-BF28-956132B443EB}"/>
-              </a:ext>
-            </a:extLst>
-          </p:cNvPr>
+          <p:cNvPr id="5" name="Footer Placeholder 4"/>
           <p:cNvSpPr>
             <a:spLocks noGrp="1"/>
           </p:cNvSpPr>
@@ -3775,8 +3528,8 @@
         </p:nvSpPr>
         <p:spPr>
           <a:xfrm>
-            <a:off x="4038600" y="6356350"/>
-            <a:ext cx="4114800" cy="365125"/>
+            <a:off x="7870538" y="12678860"/>
+            <a:ext cx="8019038" cy="728306"/>
           </a:xfrm>
           <a:prstGeom prst="rect">
             <a:avLst/>
@@ -3786,7 +3539,7 @@
           <a:bodyPr vert="horz" lIns="91440" tIns="45720" rIns="91440" bIns="45720" rtlCol="0" anchor="ctr"/>
           <a:lstStyle>
             <a:lvl1pPr algn="ctr">
-              <a:defRPr sz="1200">
+              <a:defRPr sz="2339">
                 <a:solidFill>
                   <a:schemeClr val="tx1">
                     <a:tint val="75000"/>
@@ -3802,13 +3555,7 @@
       </p:sp>
       <p:sp>
         <p:nvSpPr>
-          <p:cNvPr id="6" name="スライド番号プレースホルダー 5">
-            <a:extLst>
-              <a:ext uri="{FF2B5EF4-FFF2-40B4-BE49-F238E27FC236}">
-                <a16:creationId xmlns:a16="http://schemas.microsoft.com/office/drawing/2014/main" id="{C1308D29-0DF2-2346-8B0D-1EFC5246FDA2}"/>
-              </a:ext>
-            </a:extLst>
-          </p:cNvPr>
+          <p:cNvPr id="6" name="Slide Number Placeholder 5"/>
           <p:cNvSpPr>
             <a:spLocks noGrp="1"/>
           </p:cNvSpPr>
@@ -3818,8 +3565,8 @@
         </p:nvSpPr>
         <p:spPr>
           <a:xfrm>
-            <a:off x="8610600" y="6356350"/>
-            <a:ext cx="2743200" cy="365125"/>
+            <a:off x="16780580" y="12678860"/>
+            <a:ext cx="5346025" cy="728306"/>
           </a:xfrm>
           <a:prstGeom prst="rect">
             <a:avLst/>
@@ -3829,7 +3576,7 @@
           <a:bodyPr vert="horz" lIns="91440" tIns="45720" rIns="91440" bIns="45720" rtlCol="0" anchor="ctr"/>
           <a:lstStyle>
             <a:lvl1pPr algn="r">
-              <a:defRPr sz="1200">
+              <a:defRPr sz="2339">
                 <a:solidFill>
                   <a:schemeClr val="tx1">
                     <a:tint val="75000"/>
@@ -3850,27 +3597,27 @@
     </p:spTree>
     <p:extLst>
       <p:ext uri="{BB962C8B-B14F-4D97-AF65-F5344CB8AC3E}">
-        <p14:creationId xmlns:p14="http://schemas.microsoft.com/office/powerpoint/2010/main" val="518912212"/>
+        <p14:creationId xmlns:p14="http://schemas.microsoft.com/office/powerpoint/2010/main" val="2099234784"/>
       </p:ext>
     </p:extLst>
   </p:cSld>
   <p:clrMap bg1="lt1" tx1="dk1" bg2="lt2" tx2="dk2" accent1="accent1" accent2="accent2" accent3="accent3" accent4="accent4" accent5="accent5" accent6="accent6" hlink="hlink" folHlink="folHlink"/>
   <p:sldLayoutIdLst>
-    <p:sldLayoutId id="2147483649" r:id="rId1"/>
-    <p:sldLayoutId id="2147483650" r:id="rId2"/>
-    <p:sldLayoutId id="2147483651" r:id="rId3"/>
-    <p:sldLayoutId id="2147483652" r:id="rId4"/>
-    <p:sldLayoutId id="2147483653" r:id="rId5"/>
-    <p:sldLayoutId id="2147483654" r:id="rId6"/>
-    <p:sldLayoutId id="2147483655" r:id="rId7"/>
-    <p:sldLayoutId id="2147483656" r:id="rId8"/>
-    <p:sldLayoutId id="2147483657" r:id="rId9"/>
-    <p:sldLayoutId id="2147483658" r:id="rId10"/>
-    <p:sldLayoutId id="2147483659" r:id="rId11"/>
+    <p:sldLayoutId id="2147483661" r:id="rId1"/>
+    <p:sldLayoutId id="2147483662" r:id="rId2"/>
+    <p:sldLayoutId id="2147483663" r:id="rId3"/>
+    <p:sldLayoutId id="2147483664" r:id="rId4"/>
+    <p:sldLayoutId id="2147483665" r:id="rId5"/>
+    <p:sldLayoutId id="2147483666" r:id="rId6"/>
+    <p:sldLayoutId id="2147483667" r:id="rId7"/>
+    <p:sldLayoutId id="2147483668" r:id="rId8"/>
+    <p:sldLayoutId id="2147483669" r:id="rId9"/>
+    <p:sldLayoutId id="2147483670" r:id="rId10"/>
+    <p:sldLayoutId id="2147483671" r:id="rId11"/>
   </p:sldLayoutIdLst>
   <p:txStyles>
     <p:titleStyle>
-      <a:lvl1pPr algn="l" defTabSz="914400" rtl="0" eaLnBrk="1" latinLnBrk="0" hangingPunct="1">
+      <a:lvl1pPr algn="l" defTabSz="1781983" rtl="0" eaLnBrk="1" latinLnBrk="0" hangingPunct="1">
         <a:lnSpc>
           <a:spcPct val="90000"/>
         </a:lnSpc>
@@ -3878,7 +3625,7 @@
           <a:spcPct val="0"/>
         </a:spcBef>
         <a:buNone/>
-        <a:defRPr kumimoji="1" sz="4400" kern="1200">
+        <a:defRPr kumimoji="1" sz="8575" kern="1200">
           <a:solidFill>
             <a:schemeClr val="tx1"/>
           </a:solidFill>
@@ -3889,16 +3636,16 @@
       </a:lvl1pPr>
     </p:titleStyle>
     <p:bodyStyle>
-      <a:lvl1pPr marL="228600" indent="-228600" algn="l" defTabSz="914400" rtl="0" eaLnBrk="1" latinLnBrk="0" hangingPunct="1">
+      <a:lvl1pPr marL="445496" indent="-445496" algn="l" defTabSz="1781983" rtl="0" eaLnBrk="1" latinLnBrk="0" hangingPunct="1">
         <a:lnSpc>
           <a:spcPct val="90000"/>
         </a:lnSpc>
         <a:spcBef>
-          <a:spcPts val="1000"/>
+          <a:spcPts val="1949"/>
         </a:spcBef>
         <a:buFont typeface="Arial" panose="020B0604020202020204" pitchFamily="34" charset="0"/>
         <a:buChar char="•"/>
-        <a:defRPr kumimoji="1" sz="2800" kern="1200">
+        <a:defRPr kumimoji="1" sz="5457" kern="1200">
           <a:solidFill>
             <a:schemeClr val="tx1"/>
           </a:solidFill>
@@ -3907,16 +3654,16 @@
           <a:cs typeface="+mn-cs"/>
         </a:defRPr>
       </a:lvl1pPr>
-      <a:lvl2pPr marL="685800" indent="-228600" algn="l" defTabSz="914400" rtl="0" eaLnBrk="1" latinLnBrk="0" hangingPunct="1">
+      <a:lvl2pPr marL="1336487" indent="-445496" algn="l" defTabSz="1781983" rtl="0" eaLnBrk="1" latinLnBrk="0" hangingPunct="1">
         <a:lnSpc>
           <a:spcPct val="90000"/>
         </a:lnSpc>
         <a:spcBef>
-          <a:spcPts val="500"/>
+          <a:spcPts val="974"/>
         </a:spcBef>
         <a:buFont typeface="Arial" panose="020B0604020202020204" pitchFamily="34" charset="0"/>
         <a:buChar char="•"/>
-        <a:defRPr kumimoji="1" sz="2400" kern="1200">
+        <a:defRPr kumimoji="1" sz="4677" kern="1200">
           <a:solidFill>
             <a:schemeClr val="tx1"/>
           </a:solidFill>
@@ -3925,16 +3672,16 @@
           <a:cs typeface="+mn-cs"/>
         </a:defRPr>
       </a:lvl2pPr>
-      <a:lvl3pPr marL="1143000" indent="-228600" algn="l" defTabSz="914400" rtl="0" eaLnBrk="1" latinLnBrk="0" hangingPunct="1">
+      <a:lvl3pPr marL="2227478" indent="-445496" algn="l" defTabSz="1781983" rtl="0" eaLnBrk="1" latinLnBrk="0" hangingPunct="1">
         <a:lnSpc>
           <a:spcPct val="90000"/>
         </a:lnSpc>
         <a:spcBef>
-          <a:spcPts val="500"/>
+          <a:spcPts val="974"/>
         </a:spcBef>
         <a:buFont typeface="Arial" panose="020B0604020202020204" pitchFamily="34" charset="0"/>
         <a:buChar char="•"/>
-        <a:defRPr kumimoji="1" sz="2000" kern="1200">
+        <a:defRPr kumimoji="1" sz="3898" kern="1200">
           <a:solidFill>
             <a:schemeClr val="tx1"/>
           </a:solidFill>
@@ -3943,16 +3690,16 @@
           <a:cs typeface="+mn-cs"/>
         </a:defRPr>
       </a:lvl3pPr>
-      <a:lvl4pPr marL="1600200" indent="-228600" algn="l" defTabSz="914400" rtl="0" eaLnBrk="1" latinLnBrk="0" hangingPunct="1">
+      <a:lvl4pPr marL="3118470" indent="-445496" algn="l" defTabSz="1781983" rtl="0" eaLnBrk="1" latinLnBrk="0" hangingPunct="1">
         <a:lnSpc>
           <a:spcPct val="90000"/>
         </a:lnSpc>
         <a:spcBef>
-          <a:spcPts val="500"/>
+          <a:spcPts val="974"/>
         </a:spcBef>
         <a:buFont typeface="Arial" panose="020B0604020202020204" pitchFamily="34" charset="0"/>
         <a:buChar char="•"/>
-        <a:defRPr kumimoji="1" sz="1800" kern="1200">
+        <a:defRPr kumimoji="1" sz="3508" kern="1200">
           <a:solidFill>
             <a:schemeClr val="tx1"/>
           </a:solidFill>
@@ -3961,16 +3708,16 @@
           <a:cs typeface="+mn-cs"/>
         </a:defRPr>
       </a:lvl4pPr>
-      <a:lvl5pPr marL="2057400" indent="-228600" algn="l" defTabSz="914400" rtl="0" eaLnBrk="1" latinLnBrk="0" hangingPunct="1">
+      <a:lvl5pPr marL="4009461" indent="-445496" algn="l" defTabSz="1781983" rtl="0" eaLnBrk="1" latinLnBrk="0" hangingPunct="1">
         <a:lnSpc>
           <a:spcPct val="90000"/>
         </a:lnSpc>
         <a:spcBef>
-          <a:spcPts val="500"/>
+          <a:spcPts val="974"/>
         </a:spcBef>
         <a:buFont typeface="Arial" panose="020B0604020202020204" pitchFamily="34" charset="0"/>
         <a:buChar char="•"/>
-        <a:defRPr kumimoji="1" sz="1800" kern="1200">
+        <a:defRPr kumimoji="1" sz="3508" kern="1200">
           <a:solidFill>
             <a:schemeClr val="tx1"/>
           </a:solidFill>
@@ -3979,16 +3726,16 @@
           <a:cs typeface="+mn-cs"/>
         </a:defRPr>
       </a:lvl5pPr>
-      <a:lvl6pPr marL="2514600" indent="-228600" algn="l" defTabSz="914400" rtl="0" eaLnBrk="1" latinLnBrk="0" hangingPunct="1">
+      <a:lvl6pPr marL="4900452" indent="-445496" algn="l" defTabSz="1781983" rtl="0" eaLnBrk="1" latinLnBrk="0" hangingPunct="1">
         <a:lnSpc>
           <a:spcPct val="90000"/>
         </a:lnSpc>
         <a:spcBef>
-          <a:spcPts val="500"/>
+          <a:spcPts val="974"/>
         </a:spcBef>
         <a:buFont typeface="Arial" panose="020B0604020202020204" pitchFamily="34" charset="0"/>
         <a:buChar char="•"/>
-        <a:defRPr kumimoji="1" sz="1800" kern="1200">
+        <a:defRPr kumimoji="1" sz="3508" kern="1200">
           <a:solidFill>
             <a:schemeClr val="tx1"/>
           </a:solidFill>
@@ -3997,16 +3744,16 @@
           <a:cs typeface="+mn-cs"/>
         </a:defRPr>
       </a:lvl6pPr>
-      <a:lvl7pPr marL="2971800" indent="-228600" algn="l" defTabSz="914400" rtl="0" eaLnBrk="1" latinLnBrk="0" hangingPunct="1">
+      <a:lvl7pPr marL="5791444" indent="-445496" algn="l" defTabSz="1781983" rtl="0" eaLnBrk="1" latinLnBrk="0" hangingPunct="1">
         <a:lnSpc>
           <a:spcPct val="90000"/>
         </a:lnSpc>
         <a:spcBef>
-          <a:spcPts val="500"/>
+          <a:spcPts val="974"/>
         </a:spcBef>
         <a:buFont typeface="Arial" panose="020B0604020202020204" pitchFamily="34" charset="0"/>
         <a:buChar char="•"/>
-        <a:defRPr kumimoji="1" sz="1800" kern="1200">
+        <a:defRPr kumimoji="1" sz="3508" kern="1200">
           <a:solidFill>
             <a:schemeClr val="tx1"/>
           </a:solidFill>
@@ -4015,16 +3762,16 @@
           <a:cs typeface="+mn-cs"/>
         </a:defRPr>
       </a:lvl7pPr>
-      <a:lvl8pPr marL="3429000" indent="-228600" algn="l" defTabSz="914400" rtl="0" eaLnBrk="1" latinLnBrk="0" hangingPunct="1">
+      <a:lvl8pPr marL="6682435" indent="-445496" algn="l" defTabSz="1781983" rtl="0" eaLnBrk="1" latinLnBrk="0" hangingPunct="1">
         <a:lnSpc>
           <a:spcPct val="90000"/>
         </a:lnSpc>
         <a:spcBef>
-          <a:spcPts val="500"/>
+          <a:spcPts val="974"/>
         </a:spcBef>
         <a:buFont typeface="Arial" panose="020B0604020202020204" pitchFamily="34" charset="0"/>
         <a:buChar char="•"/>
-        <a:defRPr kumimoji="1" sz="1800" kern="1200">
+        <a:defRPr kumimoji="1" sz="3508" kern="1200">
           <a:solidFill>
             <a:schemeClr val="tx1"/>
           </a:solidFill>
@@ -4033,16 +3780,16 @@
           <a:cs typeface="+mn-cs"/>
         </a:defRPr>
       </a:lvl8pPr>
-      <a:lvl9pPr marL="3886200" indent="-228600" algn="l" defTabSz="914400" rtl="0" eaLnBrk="1" latinLnBrk="0" hangingPunct="1">
+      <a:lvl9pPr marL="7573427" indent="-445496" algn="l" defTabSz="1781983" rtl="0" eaLnBrk="1" latinLnBrk="0" hangingPunct="1">
         <a:lnSpc>
           <a:spcPct val="90000"/>
         </a:lnSpc>
         <a:spcBef>
-          <a:spcPts val="500"/>
+          <a:spcPts val="974"/>
         </a:spcBef>
         <a:buFont typeface="Arial" panose="020B0604020202020204" pitchFamily="34" charset="0"/>
         <a:buChar char="•"/>
-        <a:defRPr kumimoji="1" sz="1800" kern="1200">
+        <a:defRPr kumimoji="1" sz="3508" kern="1200">
           <a:solidFill>
             <a:schemeClr val="tx1"/>
           </a:solidFill>
@@ -4054,10 +3801,10 @@
     </p:bodyStyle>
     <p:otherStyle>
       <a:defPPr>
-        <a:defRPr lang="ja-JP"/>
+        <a:defRPr lang="en-US"/>
       </a:defPPr>
-      <a:lvl1pPr marL="0" algn="l" defTabSz="914400" rtl="0" eaLnBrk="1" latinLnBrk="0" hangingPunct="1">
-        <a:defRPr kumimoji="1" sz="1800" kern="1200">
+      <a:lvl1pPr marL="0" algn="l" defTabSz="1781983" rtl="0" eaLnBrk="1" latinLnBrk="0" hangingPunct="1">
+        <a:defRPr kumimoji="1" sz="3508" kern="1200">
           <a:solidFill>
             <a:schemeClr val="tx1"/>
           </a:solidFill>
@@ -4066,8 +3813,8 @@
           <a:cs typeface="+mn-cs"/>
         </a:defRPr>
       </a:lvl1pPr>
-      <a:lvl2pPr marL="457200" algn="l" defTabSz="914400" rtl="0" eaLnBrk="1" latinLnBrk="0" hangingPunct="1">
-        <a:defRPr kumimoji="1" sz="1800" kern="1200">
+      <a:lvl2pPr marL="890991" algn="l" defTabSz="1781983" rtl="0" eaLnBrk="1" latinLnBrk="0" hangingPunct="1">
+        <a:defRPr kumimoji="1" sz="3508" kern="1200">
           <a:solidFill>
             <a:schemeClr val="tx1"/>
           </a:solidFill>
@@ -4076,8 +3823,8 @@
           <a:cs typeface="+mn-cs"/>
         </a:defRPr>
       </a:lvl2pPr>
-      <a:lvl3pPr marL="914400" algn="l" defTabSz="914400" rtl="0" eaLnBrk="1" latinLnBrk="0" hangingPunct="1">
-        <a:defRPr kumimoji="1" sz="1800" kern="1200">
+      <a:lvl3pPr marL="1781983" algn="l" defTabSz="1781983" rtl="0" eaLnBrk="1" latinLnBrk="0" hangingPunct="1">
+        <a:defRPr kumimoji="1" sz="3508" kern="1200">
           <a:solidFill>
             <a:schemeClr val="tx1"/>
           </a:solidFill>
@@ -4086,8 +3833,8 @@
           <a:cs typeface="+mn-cs"/>
         </a:defRPr>
       </a:lvl3pPr>
-      <a:lvl4pPr marL="1371600" algn="l" defTabSz="914400" rtl="0" eaLnBrk="1" latinLnBrk="0" hangingPunct="1">
-        <a:defRPr kumimoji="1" sz="1800" kern="1200">
+      <a:lvl4pPr marL="2672974" algn="l" defTabSz="1781983" rtl="0" eaLnBrk="1" latinLnBrk="0" hangingPunct="1">
+        <a:defRPr kumimoji="1" sz="3508" kern="1200">
           <a:solidFill>
             <a:schemeClr val="tx1"/>
           </a:solidFill>
@@ -4096,8 +3843,8 @@
           <a:cs typeface="+mn-cs"/>
         </a:defRPr>
       </a:lvl4pPr>
-      <a:lvl5pPr marL="1828800" algn="l" defTabSz="914400" rtl="0" eaLnBrk="1" latinLnBrk="0" hangingPunct="1">
-        <a:defRPr kumimoji="1" sz="1800" kern="1200">
+      <a:lvl5pPr marL="3563965" algn="l" defTabSz="1781983" rtl="0" eaLnBrk="1" latinLnBrk="0" hangingPunct="1">
+        <a:defRPr kumimoji="1" sz="3508" kern="1200">
           <a:solidFill>
             <a:schemeClr val="tx1"/>
           </a:solidFill>
@@ -4106,8 +3853,8 @@
           <a:cs typeface="+mn-cs"/>
         </a:defRPr>
       </a:lvl5pPr>
-      <a:lvl6pPr marL="2286000" algn="l" defTabSz="914400" rtl="0" eaLnBrk="1" latinLnBrk="0" hangingPunct="1">
-        <a:defRPr kumimoji="1" sz="1800" kern="1200">
+      <a:lvl6pPr marL="4454957" algn="l" defTabSz="1781983" rtl="0" eaLnBrk="1" latinLnBrk="0" hangingPunct="1">
+        <a:defRPr kumimoji="1" sz="3508" kern="1200">
           <a:solidFill>
             <a:schemeClr val="tx1"/>
           </a:solidFill>
@@ -4116,8 +3863,8 @@
           <a:cs typeface="+mn-cs"/>
         </a:defRPr>
       </a:lvl6pPr>
-      <a:lvl7pPr marL="2743200" algn="l" defTabSz="914400" rtl="0" eaLnBrk="1" latinLnBrk="0" hangingPunct="1">
-        <a:defRPr kumimoji="1" sz="1800" kern="1200">
+      <a:lvl7pPr marL="5345948" algn="l" defTabSz="1781983" rtl="0" eaLnBrk="1" latinLnBrk="0" hangingPunct="1">
+        <a:defRPr kumimoji="1" sz="3508" kern="1200">
           <a:solidFill>
             <a:schemeClr val="tx1"/>
           </a:solidFill>
@@ -4126,8 +3873,8 @@
           <a:cs typeface="+mn-cs"/>
         </a:defRPr>
       </a:lvl7pPr>
-      <a:lvl8pPr marL="3200400" algn="l" defTabSz="914400" rtl="0" eaLnBrk="1" latinLnBrk="0" hangingPunct="1">
-        <a:defRPr kumimoji="1" sz="1800" kern="1200">
+      <a:lvl8pPr marL="6236940" algn="l" defTabSz="1781983" rtl="0" eaLnBrk="1" latinLnBrk="0" hangingPunct="1">
+        <a:defRPr kumimoji="1" sz="3508" kern="1200">
           <a:solidFill>
             <a:schemeClr val="tx1"/>
           </a:solidFill>
@@ -4136,8 +3883,8 @@
           <a:cs typeface="+mn-cs"/>
         </a:defRPr>
       </a:lvl8pPr>
-      <a:lvl9pPr marL="3657600" algn="l" defTabSz="914400" rtl="0" eaLnBrk="1" latinLnBrk="0" hangingPunct="1">
-        <a:defRPr kumimoji="1" sz="1800" kern="1200">
+      <a:lvl9pPr marL="7127931" algn="l" defTabSz="1781983" rtl="0" eaLnBrk="1" latinLnBrk="0" hangingPunct="1">
+        <a:defRPr kumimoji="1" sz="3508" kern="1200">
           <a:solidFill>
             <a:schemeClr val="tx1"/>
           </a:solidFill>
@@ -4182,7 +3929,7 @@
         </p:nvSpPr>
         <p:spPr>
           <a:xfrm>
-            <a:off x="10339855" y="2859739"/>
+            <a:off x="16123911" y="6270483"/>
             <a:ext cx="869258" cy="884420"/>
           </a:xfrm>
           <a:prstGeom prst="ellipse">
@@ -4213,7 +3960,7 @@
           <a:lstStyle/>
           <a:p>
             <a:pPr algn="ctr"/>
-            <a:endParaRPr kumimoji="1" lang="ja-JP" altLang="en-US"/>
+            <a:endParaRPr lang="ja-JP" altLang="en-US"/>
           </a:p>
         </p:txBody>
       </p:sp>
@@ -4231,7 +3978,7 @@
         </p:nvSpPr>
         <p:spPr>
           <a:xfrm>
-            <a:off x="3478924" y="3343841"/>
+            <a:off x="9262981" y="6754586"/>
             <a:ext cx="630621" cy="3090041"/>
           </a:xfrm>
           <a:prstGeom prst="rect">
@@ -4259,7 +4006,7 @@
           <a:lstStyle/>
           <a:p>
             <a:pPr algn="ctr"/>
-            <a:endParaRPr kumimoji="1" lang="ja-JP" altLang="en-US"/>
+            <a:endParaRPr lang="ja-JP" altLang="en-US"/>
           </a:p>
         </p:txBody>
       </p:sp>
@@ -4277,7 +4024,7 @@
         </p:nvSpPr>
         <p:spPr>
           <a:xfrm>
-            <a:off x="4109543" y="3974461"/>
+            <a:off x="9893600" y="7385206"/>
             <a:ext cx="630621" cy="2459421"/>
           </a:xfrm>
           <a:prstGeom prst="rect">
@@ -4305,7 +4052,7 @@
           <a:lstStyle/>
           <a:p>
             <a:pPr algn="ctr"/>
-            <a:endParaRPr kumimoji="1" lang="ja-JP" altLang="en-US"/>
+            <a:endParaRPr lang="ja-JP" altLang="en-US"/>
           </a:p>
         </p:txBody>
       </p:sp>
@@ -4323,7 +4070,7 @@
         </p:nvSpPr>
         <p:spPr>
           <a:xfrm>
-            <a:off x="4740166" y="4636613"/>
+            <a:off x="10524223" y="8047358"/>
             <a:ext cx="630621" cy="1797269"/>
           </a:xfrm>
           <a:prstGeom prst="rect">
@@ -4351,7 +4098,7 @@
           <a:lstStyle/>
           <a:p>
             <a:pPr algn="ctr"/>
-            <a:endParaRPr kumimoji="1" lang="ja-JP" altLang="en-US"/>
+            <a:endParaRPr lang="ja-JP" altLang="en-US"/>
           </a:p>
         </p:txBody>
       </p:sp>
@@ -4369,7 +4116,7 @@
         </p:nvSpPr>
         <p:spPr>
           <a:xfrm>
-            <a:off x="5370787" y="3974461"/>
+            <a:off x="11154844" y="7385206"/>
             <a:ext cx="630621" cy="2459421"/>
           </a:xfrm>
           <a:prstGeom prst="rect">
@@ -4397,7 +4144,7 @@
           <a:lstStyle/>
           <a:p>
             <a:pPr algn="ctr"/>
-            <a:endParaRPr kumimoji="1" lang="ja-JP" altLang="en-US"/>
+            <a:endParaRPr lang="ja-JP" altLang="en-US"/>
           </a:p>
         </p:txBody>
       </p:sp>
@@ -4415,7 +4162,7 @@
         </p:nvSpPr>
         <p:spPr>
           <a:xfrm>
-            <a:off x="6001408" y="3343841"/>
+            <a:off x="11785465" y="6754586"/>
             <a:ext cx="630621" cy="3090041"/>
           </a:xfrm>
           <a:prstGeom prst="rect">
@@ -4443,7 +4190,7 @@
           <a:lstStyle/>
           <a:p>
             <a:pPr algn="ctr"/>
-            <a:endParaRPr kumimoji="1" lang="ja-JP" altLang="en-US"/>
+            <a:endParaRPr lang="ja-JP" altLang="en-US"/>
           </a:p>
         </p:txBody>
       </p:sp>
@@ -4461,7 +4208,7 @@
         </p:nvSpPr>
         <p:spPr>
           <a:xfrm>
-            <a:off x="6632028" y="2698230"/>
+            <a:off x="12416085" y="6108974"/>
             <a:ext cx="630621" cy="3735652"/>
           </a:xfrm>
           <a:prstGeom prst="rect">
@@ -4489,7 +4236,7 @@
           <a:lstStyle/>
           <a:p>
             <a:pPr algn="ctr"/>
-            <a:endParaRPr kumimoji="1" lang="ja-JP" altLang="en-US"/>
+            <a:endParaRPr lang="ja-JP" altLang="en-US"/>
           </a:p>
         </p:txBody>
       </p:sp>
@@ -4507,7 +4254,7 @@
         </p:nvSpPr>
         <p:spPr>
           <a:xfrm>
-            <a:off x="4740166" y="4636613"/>
+            <a:off x="10524223" y="8047358"/>
             <a:ext cx="630621" cy="1797269"/>
           </a:xfrm>
           <a:prstGeom prst="rect">
@@ -4535,7 +4282,7 @@
           <a:lstStyle/>
           <a:p>
             <a:pPr algn="ctr"/>
-            <a:endParaRPr kumimoji="1" lang="ja-JP" altLang="en-US"/>
+            <a:endParaRPr lang="ja-JP" altLang="en-US"/>
           </a:p>
         </p:txBody>
       </p:sp>
@@ -4553,7 +4300,7 @@
         </p:nvSpPr>
         <p:spPr>
           <a:xfrm>
-            <a:off x="7262650" y="3343841"/>
+            <a:off x="13046707" y="6754586"/>
             <a:ext cx="630621" cy="3090041"/>
           </a:xfrm>
           <a:prstGeom prst="rect">
@@ -4581,7 +4328,7 @@
           <a:lstStyle/>
           <a:p>
             <a:pPr algn="ctr"/>
-            <a:endParaRPr kumimoji="1" lang="ja-JP" altLang="en-US"/>
+            <a:endParaRPr lang="ja-JP" altLang="en-US"/>
           </a:p>
         </p:txBody>
       </p:sp>
@@ -4599,7 +4346,7 @@
         </p:nvSpPr>
         <p:spPr>
           <a:xfrm>
-            <a:off x="7893271" y="3974461"/>
+            <a:off x="13677328" y="7385206"/>
             <a:ext cx="630621" cy="2459421"/>
           </a:xfrm>
           <a:prstGeom prst="rect">
@@ -4627,7 +4374,7 @@
           <a:lstStyle/>
           <a:p>
             <a:pPr algn="ctr"/>
-            <a:endParaRPr kumimoji="1" lang="ja-JP" altLang="en-US"/>
+            <a:endParaRPr lang="ja-JP" altLang="en-US"/>
           </a:p>
         </p:txBody>
       </p:sp>
@@ -4645,7 +4392,7 @@
         </p:nvSpPr>
         <p:spPr>
           <a:xfrm>
-            <a:off x="10459174" y="3420859"/>
+            <a:off x="16243231" y="6831604"/>
             <a:ext cx="630621" cy="3090041"/>
           </a:xfrm>
           <a:prstGeom prst="rect">
@@ -4673,7 +4420,7 @@
           <a:lstStyle/>
           <a:p>
             <a:pPr algn="ctr"/>
-            <a:endParaRPr kumimoji="1" lang="ja-JP" altLang="en-US"/>
+            <a:endParaRPr lang="ja-JP" altLang="en-US"/>
           </a:p>
         </p:txBody>
       </p:sp>
@@ -4691,7 +4438,7 @@
         </p:nvSpPr>
         <p:spPr>
           <a:xfrm>
-            <a:off x="8523892" y="1999119"/>
+            <a:off x="14307948" y="5409863"/>
             <a:ext cx="869258" cy="884420"/>
           </a:xfrm>
           <a:prstGeom prst="ellipse">
@@ -4722,7 +4469,7 @@
           <a:lstStyle/>
           <a:p>
             <a:pPr algn="ctr"/>
-            <a:endParaRPr kumimoji="1" lang="ja-JP" altLang="en-US"/>
+            <a:endParaRPr lang="ja-JP" altLang="en-US"/>
           </a:p>
         </p:txBody>
       </p:sp>
@@ -4740,7 +4487,7 @@
         </p:nvSpPr>
         <p:spPr>
           <a:xfrm>
-            <a:off x="293685" y="-1911455"/>
+            <a:off x="6077742" y="1499290"/>
             <a:ext cx="5590989" cy="2246769"/>
           </a:xfrm>
           <a:prstGeom prst="rect">
@@ -4770,7 +4517,7 @@
             </a:r>
           </a:p>
           <a:p>
-            <a:endParaRPr kumimoji="1" lang="en-US" altLang="ja-JP" sz="2800" dirty="0"/>
+            <a:endParaRPr lang="en-US" altLang="ja-JP" sz="2800" dirty="0"/>
           </a:p>
           <a:p>
             <a:r>
@@ -4830,7 +4577,7 @@
         </p:nvSpPr>
         <p:spPr>
           <a:xfrm>
-            <a:off x="2207941" y="2486722"/>
+            <a:off x="7991998" y="5897466"/>
             <a:ext cx="591015" cy="2720898"/>
           </a:xfrm>
           <a:prstGeom prst="rect">
@@ -4866,7 +4613,7 @@
           <a:lstStyle/>
           <a:p>
             <a:pPr algn="ctr"/>
-            <a:endParaRPr kumimoji="1" lang="ja-JP" altLang="en-US"/>
+            <a:endParaRPr lang="ja-JP" altLang="en-US"/>
           </a:p>
         </p:txBody>
       </p:sp>
@@ -4884,7 +4631,7 @@
         </p:nvSpPr>
         <p:spPr>
           <a:xfrm>
-            <a:off x="2776654" y="2999678"/>
+            <a:off x="8560711" y="6410422"/>
             <a:ext cx="591015" cy="2207942"/>
           </a:xfrm>
           <a:prstGeom prst="rect">
@@ -4920,7 +4667,7 @@
           <a:lstStyle/>
           <a:p>
             <a:pPr algn="ctr"/>
-            <a:endParaRPr kumimoji="1" lang="ja-JP" altLang="en-US"/>
+            <a:endParaRPr lang="ja-JP" altLang="en-US"/>
           </a:p>
         </p:txBody>
       </p:sp>
@@ -4938,7 +4685,7 @@
         </p:nvSpPr>
         <p:spPr>
           <a:xfrm>
-            <a:off x="3367669" y="3429000"/>
+            <a:off x="9151726" y="6839744"/>
             <a:ext cx="591015" cy="1778620"/>
           </a:xfrm>
           <a:prstGeom prst="rect">
@@ -4974,7 +4721,7 @@
           <a:lstStyle/>
           <a:p>
             <a:pPr algn="ctr"/>
-            <a:endParaRPr kumimoji="1" lang="ja-JP" altLang="en-US"/>
+            <a:endParaRPr lang="ja-JP" altLang="en-US"/>
           </a:p>
         </p:txBody>
       </p:sp>
@@ -4992,7 +4739,7 @@
         </p:nvSpPr>
         <p:spPr>
           <a:xfrm>
-            <a:off x="4516247" y="2999678"/>
+            <a:off x="10300304" y="6410422"/>
             <a:ext cx="591015" cy="2207942"/>
           </a:xfrm>
           <a:prstGeom prst="rect">
@@ -5028,7 +4775,7 @@
           <a:lstStyle/>
           <a:p>
             <a:pPr algn="ctr"/>
-            <a:endParaRPr kumimoji="1" lang="ja-JP" altLang="en-US"/>
+            <a:endParaRPr lang="ja-JP" altLang="en-US"/>
           </a:p>
         </p:txBody>
       </p:sp>
@@ -5046,7 +4793,7 @@
         </p:nvSpPr>
         <p:spPr>
           <a:xfrm>
-            <a:off x="5084959" y="2486722"/>
+            <a:off x="10869016" y="5897466"/>
             <a:ext cx="591015" cy="2720898"/>
           </a:xfrm>
           <a:prstGeom prst="rect">
@@ -5082,7 +4829,7 @@
           <a:lstStyle/>
           <a:p>
             <a:pPr algn="ctr"/>
-            <a:endParaRPr kumimoji="1" lang="ja-JP" altLang="en-US"/>
+            <a:endParaRPr lang="ja-JP" altLang="en-US"/>
           </a:p>
         </p:txBody>
       </p:sp>
@@ -5100,7 +4847,7 @@
         </p:nvSpPr>
         <p:spPr>
           <a:xfrm>
-            <a:off x="5664825" y="2486722"/>
+            <a:off x="11448882" y="5897466"/>
             <a:ext cx="591015" cy="2720898"/>
           </a:xfrm>
           <a:prstGeom prst="rect">
@@ -5136,7 +4883,7 @@
           <a:lstStyle/>
           <a:p>
             <a:pPr algn="ctr"/>
-            <a:endParaRPr kumimoji="1" lang="ja-JP" altLang="en-US"/>
+            <a:endParaRPr lang="ja-JP" altLang="en-US"/>
           </a:p>
         </p:txBody>
       </p:sp>
@@ -5154,7 +4901,7 @@
         </p:nvSpPr>
         <p:spPr>
           <a:xfrm>
-            <a:off x="7385830" y="2939565"/>
+            <a:off x="13195904" y="5858044"/>
             <a:ext cx="591015" cy="2720898"/>
           </a:xfrm>
           <a:prstGeom prst="rect">
@@ -5190,7 +4937,7 @@
           <a:lstStyle/>
           <a:p>
             <a:pPr algn="ctr"/>
-            <a:endParaRPr kumimoji="1" lang="ja-JP" altLang="en-US"/>
+            <a:endParaRPr lang="ja-JP" altLang="en-US"/>
           </a:p>
         </p:txBody>
       </p:sp>
@@ -5208,7 +4955,7 @@
         </p:nvSpPr>
         <p:spPr>
           <a:xfrm>
-            <a:off x="2798956" y="1650380"/>
+            <a:off x="15616010" y="7107023"/>
             <a:ext cx="713684" cy="713678"/>
           </a:xfrm>
           <a:prstGeom prst="ellipse">
@@ -5236,7 +4983,7 @@
           <a:lstStyle/>
           <a:p>
             <a:pPr algn="ctr"/>
-            <a:endParaRPr kumimoji="1" lang="ja-JP" altLang="en-US"/>
+            <a:endParaRPr lang="ja-JP" altLang="en-US"/>
           </a:p>
         </p:txBody>
       </p:sp>
@@ -5254,7 +5001,7 @@
         </p:nvSpPr>
         <p:spPr>
           <a:xfrm>
-            <a:off x="181531" y="5226784"/>
+            <a:off x="5965588" y="8637528"/>
             <a:ext cx="7189431" cy="1631216"/>
           </a:xfrm>
           <a:prstGeom prst="rect">
@@ -5300,7 +5047,7 @@
             </a:r>
           </a:p>
           <a:p>
-            <a:endParaRPr kumimoji="1" lang="en-US" altLang="ja-JP" sz="2000" dirty="0"/>
+            <a:endParaRPr lang="en-US" altLang="ja-JP" sz="2000" dirty="0"/>
           </a:p>
           <a:p>
             <a:r>
@@ -5330,7 +5077,7 @@
         </p:nvSpPr>
         <p:spPr>
           <a:xfrm>
-            <a:off x="7370962" y="3433357"/>
+            <a:off x="13775770" y="6350309"/>
             <a:ext cx="591015" cy="2227106"/>
           </a:xfrm>
           <a:prstGeom prst="rect">
@@ -5366,7 +5113,7 @@
           <a:lstStyle/>
           <a:p>
             <a:pPr algn="ctr"/>
-            <a:endParaRPr kumimoji="1" lang="ja-JP" altLang="en-US"/>
+            <a:endParaRPr lang="ja-JP" altLang="en-US"/>
           </a:p>
         </p:txBody>
       </p:sp>
@@ -5414,7 +5161,7 @@
         </p:nvSpPr>
         <p:spPr>
           <a:xfrm>
-            <a:off x="2207941" y="3429000"/>
+            <a:off x="7991998" y="6839744"/>
             <a:ext cx="591015" cy="1778620"/>
           </a:xfrm>
           <a:prstGeom prst="rect">
@@ -5450,7 +5197,7 @@
           <a:lstStyle/>
           <a:p>
             <a:pPr algn="ctr"/>
-            <a:endParaRPr kumimoji="1" lang="ja-JP" altLang="en-US"/>
+            <a:endParaRPr lang="ja-JP" altLang="en-US"/>
           </a:p>
         </p:txBody>
       </p:sp>
@@ -5468,7 +5215,7 @@
         </p:nvSpPr>
         <p:spPr>
           <a:xfrm>
-            <a:off x="2776654" y="3764312"/>
+            <a:off x="8560711" y="7175057"/>
             <a:ext cx="591015" cy="1443307"/>
           </a:xfrm>
           <a:prstGeom prst="rect">
@@ -5504,7 +5251,7 @@
           <a:lstStyle/>
           <a:p>
             <a:pPr algn="ctr"/>
-            <a:endParaRPr kumimoji="1" lang="ja-JP" altLang="en-US"/>
+            <a:endParaRPr lang="ja-JP" altLang="en-US"/>
           </a:p>
         </p:txBody>
       </p:sp>
@@ -5522,7 +5269,7 @@
         </p:nvSpPr>
         <p:spPr>
           <a:xfrm>
-            <a:off x="3367669" y="4044956"/>
+            <a:off x="9151726" y="7455700"/>
             <a:ext cx="591015" cy="1162664"/>
           </a:xfrm>
           <a:prstGeom prst="rect">
@@ -5558,7 +5305,7 @@
           <a:lstStyle/>
           <a:p>
             <a:pPr algn="ctr"/>
-            <a:endParaRPr kumimoji="1" lang="ja-JP" altLang="en-US"/>
+            <a:endParaRPr lang="ja-JP" altLang="en-US"/>
           </a:p>
         </p:txBody>
       </p:sp>
@@ -5576,7 +5323,7 @@
         </p:nvSpPr>
         <p:spPr>
           <a:xfrm>
-            <a:off x="4516247" y="3764312"/>
+            <a:off x="10300304" y="7175057"/>
             <a:ext cx="591015" cy="1443307"/>
           </a:xfrm>
           <a:prstGeom prst="rect">
@@ -5612,7 +5359,7 @@
           <a:lstStyle/>
           <a:p>
             <a:pPr algn="ctr"/>
-            <a:endParaRPr kumimoji="1" lang="ja-JP" altLang="en-US"/>
+            <a:endParaRPr lang="ja-JP" altLang="en-US"/>
           </a:p>
         </p:txBody>
       </p:sp>
@@ -5630,7 +5377,7 @@
         </p:nvSpPr>
         <p:spPr>
           <a:xfrm>
-            <a:off x="5084959" y="3429000"/>
+            <a:off x="10869016" y="6839744"/>
             <a:ext cx="591015" cy="1778620"/>
           </a:xfrm>
           <a:prstGeom prst="rect">
@@ -5666,7 +5413,7 @@
           <a:lstStyle/>
           <a:p>
             <a:pPr algn="ctr"/>
-            <a:endParaRPr kumimoji="1" lang="ja-JP" altLang="en-US"/>
+            <a:endParaRPr lang="ja-JP" altLang="en-US"/>
           </a:p>
         </p:txBody>
       </p:sp>
@@ -5684,7 +5431,7 @@
         </p:nvSpPr>
         <p:spPr>
           <a:xfrm>
-            <a:off x="5664825" y="3429000"/>
+            <a:off x="11448882" y="6839744"/>
             <a:ext cx="591015" cy="1778620"/>
           </a:xfrm>
           <a:prstGeom prst="rect">
@@ -5720,7 +5467,7 @@
           <a:lstStyle/>
           <a:p>
             <a:pPr algn="ctr"/>
-            <a:endParaRPr kumimoji="1" lang="ja-JP" altLang="en-US"/>
+            <a:endParaRPr lang="ja-JP" altLang="en-US"/>
           </a:p>
         </p:txBody>
       </p:sp>
@@ -5738,7 +5485,7 @@
         </p:nvSpPr>
         <p:spPr>
           <a:xfrm>
-            <a:off x="7271480" y="3764312"/>
+            <a:off x="13055537" y="7175057"/>
             <a:ext cx="591015" cy="1443307"/>
           </a:xfrm>
           <a:prstGeom prst="rect">
@@ -5774,7 +5521,7 @@
           <a:lstStyle/>
           <a:p>
             <a:pPr algn="ctr"/>
-            <a:endParaRPr kumimoji="1" lang="ja-JP" altLang="en-US"/>
+            <a:endParaRPr lang="ja-JP" altLang="en-US"/>
           </a:p>
         </p:txBody>
       </p:sp>
@@ -5792,7 +5539,7 @@
         </p:nvSpPr>
         <p:spPr>
           <a:xfrm>
-            <a:off x="2146606" y="2715322"/>
+            <a:off x="7930662" y="6126066"/>
             <a:ext cx="713684" cy="713678"/>
           </a:xfrm>
           <a:prstGeom prst="ellipse">
@@ -5820,7 +5567,7 @@
           <a:lstStyle/>
           <a:p>
             <a:pPr algn="ctr"/>
-            <a:endParaRPr kumimoji="1" lang="ja-JP" altLang="en-US"/>
+            <a:endParaRPr lang="ja-JP" altLang="en-US"/>
           </a:p>
         </p:txBody>
       </p:sp>
@@ -5838,7 +5585,7 @@
         </p:nvSpPr>
         <p:spPr>
           <a:xfrm>
-            <a:off x="110227" y="2180071"/>
+            <a:off x="5894284" y="5590815"/>
             <a:ext cx="2231701" cy="523220"/>
           </a:xfrm>
           <a:prstGeom prst="rect">
@@ -5853,11 +5600,11 @@
           <a:lstStyle/>
           <a:p>
             <a:r>
-              <a:rPr kumimoji="1" lang="en-US" altLang="ja-JP" sz="1400" dirty="0" err="1"/>
+              <a:rPr lang="en-US" altLang="ja-JP" sz="1400" dirty="0" err="1"/>
               <a:t>jumpCount</a:t>
             </a:r>
             <a:r>
-              <a:rPr kumimoji="1" lang="en-US" altLang="ja-JP" sz="1400" dirty="0"/>
+              <a:rPr lang="en-US" altLang="ja-JP" sz="1400" dirty="0"/>
               <a:t> = 0</a:t>
             </a:r>
           </a:p>
@@ -5887,7 +5634,7 @@
         </p:nvSpPr>
         <p:spPr>
           <a:xfrm>
-            <a:off x="608442" y="1215554"/>
+            <a:off x="6392499" y="4626298"/>
             <a:ext cx="2212465" cy="523220"/>
           </a:xfrm>
           <a:prstGeom prst="rect">
@@ -5902,11 +5649,11 @@
           <a:lstStyle/>
           <a:p>
             <a:r>
-              <a:rPr kumimoji="1" lang="en-US" altLang="ja-JP" sz="1400" dirty="0" err="1"/>
+              <a:rPr lang="en-US" altLang="ja-JP" sz="1400" dirty="0" err="1"/>
               <a:t>jumpCount</a:t>
             </a:r>
             <a:r>
-              <a:rPr kumimoji="1" lang="en-US" altLang="ja-JP" sz="1400" dirty="0"/>
+              <a:rPr lang="en-US" altLang="ja-JP" sz="1400" dirty="0"/>
               <a:t> =1</a:t>
             </a:r>
           </a:p>
@@ -5936,7 +5683,7 @@
         </p:nvSpPr>
         <p:spPr>
           <a:xfrm>
-            <a:off x="2783345" y="1513370"/>
+            <a:off x="8567401" y="4924114"/>
             <a:ext cx="713684" cy="713678"/>
           </a:xfrm>
           <a:prstGeom prst="ellipse">
@@ -5964,7 +5711,7 @@
           <a:lstStyle/>
           <a:p>
             <a:pPr algn="ctr"/>
-            <a:endParaRPr kumimoji="1" lang="ja-JP" altLang="en-US"/>
+            <a:endParaRPr lang="ja-JP" altLang="en-US"/>
           </a:p>
         </p:txBody>
       </p:sp>
@@ -5982,7 +5729,7 @@
         </p:nvSpPr>
         <p:spPr>
           <a:xfrm>
-            <a:off x="4828486" y="1172304"/>
+            <a:off x="10612542" y="4583048"/>
             <a:ext cx="2278188" cy="523220"/>
           </a:xfrm>
           <a:prstGeom prst="rect">
@@ -5997,11 +5744,11 @@
           <a:lstStyle/>
           <a:p>
             <a:r>
-              <a:rPr kumimoji="1" lang="en-US" altLang="ja-JP" sz="1400" dirty="0" err="1"/>
+              <a:rPr lang="en-US" altLang="ja-JP" sz="1400" dirty="0" err="1"/>
               <a:t>jumpCount</a:t>
             </a:r>
             <a:r>
-              <a:rPr kumimoji="1" lang="en-US" altLang="ja-JP" sz="1400" dirty="0"/>
+              <a:rPr lang="en-US" altLang="ja-JP" sz="1400" dirty="0"/>
               <a:t> =1</a:t>
             </a:r>
           </a:p>
@@ -6031,7 +5778,7 @@
         </p:nvSpPr>
         <p:spPr>
           <a:xfrm>
-            <a:off x="3958684" y="1030530"/>
+            <a:off x="9742740" y="4441274"/>
             <a:ext cx="713684" cy="713678"/>
           </a:xfrm>
           <a:prstGeom prst="ellipse">
@@ -6059,7 +5806,7 @@
           <a:lstStyle/>
           <a:p>
             <a:pPr algn="ctr"/>
-            <a:endParaRPr kumimoji="1" lang="ja-JP" altLang="en-US"/>
+            <a:endParaRPr lang="ja-JP" altLang="en-US"/>
           </a:p>
         </p:txBody>
       </p:sp>
@@ -6077,7 +5824,7 @@
         </p:nvSpPr>
         <p:spPr>
           <a:xfrm>
-            <a:off x="4775366" y="-126904"/>
+            <a:off x="10559422" y="3283840"/>
             <a:ext cx="713684" cy="713678"/>
           </a:xfrm>
           <a:prstGeom prst="ellipse">
@@ -6105,7 +5852,7 @@
           <a:lstStyle/>
           <a:p>
             <a:pPr algn="ctr"/>
-            <a:endParaRPr kumimoji="1" lang="ja-JP" altLang="en-US"/>
+            <a:endParaRPr lang="ja-JP" altLang="en-US"/>
           </a:p>
         </p:txBody>
       </p:sp>
@@ -6123,7 +5870,7 @@
         </p:nvSpPr>
         <p:spPr>
           <a:xfrm>
-            <a:off x="6165247" y="45532"/>
+            <a:off x="11949304" y="3456276"/>
             <a:ext cx="2212465" cy="523220"/>
           </a:xfrm>
           <a:prstGeom prst="rect">
@@ -6138,11 +5885,11 @@
           <a:lstStyle/>
           <a:p>
             <a:r>
-              <a:rPr kumimoji="1" lang="en-US" altLang="ja-JP" sz="1400" dirty="0" err="1"/>
+              <a:rPr lang="en-US" altLang="ja-JP" sz="1400" dirty="0" err="1"/>
               <a:t>jumpCount</a:t>
             </a:r>
             <a:r>
-              <a:rPr kumimoji="1" lang="en-US" altLang="ja-JP" sz="1400" dirty="0"/>
+              <a:rPr lang="en-US" altLang="ja-JP" sz="1400" dirty="0"/>
               <a:t> =2</a:t>
             </a:r>
           </a:p>
@@ -6172,7 +5919,7 @@
         </p:nvSpPr>
         <p:spPr>
           <a:xfrm>
-            <a:off x="2514600" y="1300084"/>
+            <a:off x="8298657" y="4710829"/>
             <a:ext cx="1732547" cy="2104853"/>
           </a:xfrm>
           <a:custGeom>
@@ -6244,7 +5991,7 @@
           <a:lstStyle/>
           <a:p>
             <a:pPr algn="ctr"/>
-            <a:endParaRPr kumimoji="1" lang="ja-JP" altLang="en-US"/>
+            <a:endParaRPr lang="ja-JP" altLang="en-US"/>
           </a:p>
         </p:txBody>
       </p:sp>
@@ -6262,7 +6009,7 @@
         </p:nvSpPr>
         <p:spPr>
           <a:xfrm>
-            <a:off x="4319641" y="-360645"/>
+            <a:off x="10103698" y="3050100"/>
             <a:ext cx="1732547" cy="2104853"/>
           </a:xfrm>
           <a:custGeom>
@@ -6334,7 +6081,7 @@
           <a:lstStyle/>
           <a:p>
             <a:pPr algn="ctr"/>
-            <a:endParaRPr kumimoji="1" lang="ja-JP" altLang="en-US"/>
+            <a:endParaRPr lang="ja-JP" altLang="en-US"/>
           </a:p>
         </p:txBody>
       </p:sp>
@@ -6352,7 +6099,7 @@
         </p:nvSpPr>
         <p:spPr>
           <a:xfrm>
-            <a:off x="181531" y="5226784"/>
+            <a:off x="5965588" y="8637528"/>
             <a:ext cx="7189431" cy="1631216"/>
           </a:xfrm>
           <a:prstGeom prst="rect">
@@ -6398,7 +6145,7 @@
             </a:r>
           </a:p>
           <a:p>
-            <a:endParaRPr kumimoji="1" lang="en-US" altLang="ja-JP" sz="2000" dirty="0"/>
+            <a:endParaRPr lang="en-US" altLang="ja-JP" sz="2000" dirty="0"/>
           </a:p>
           <a:p>
             <a:r>
@@ -6427,10 +6174,4126 @@
 </p:sld>
 </file>
 
+<file path=ppt/slides/slide4.xml><?xml version="1.0" encoding="utf-8"?>
+<p:sld xmlns:a="http://schemas.openxmlformats.org/drawingml/2006/main" xmlns:r="http://schemas.openxmlformats.org/officeDocument/2006/relationships" xmlns:p="http://schemas.openxmlformats.org/presentationml/2006/main">
+  <p:cSld>
+    <p:spTree>
+      <p:nvGrpSpPr>
+        <p:cNvPr id="1" name=""/>
+        <p:cNvGrpSpPr/>
+        <p:nvPr/>
+      </p:nvGrpSpPr>
+      <p:grpSpPr>
+        <a:xfrm>
+          <a:off x="0" y="0"/>
+          <a:ext cx="0" cy="0"/>
+          <a:chOff x="0" y="0"/>
+          <a:chExt cx="0" cy="0"/>
+        </a:xfrm>
+      </p:grpSpPr>
+      <p:sp>
+        <p:nvSpPr>
+          <p:cNvPr id="79" name="円/楕円 78">
+            <a:extLst>
+              <a:ext uri="{FF2B5EF4-FFF2-40B4-BE49-F238E27FC236}">
+                <a16:creationId xmlns:a16="http://schemas.microsoft.com/office/drawing/2014/main" id="{BDC48410-698B-664C-B40E-0D60BCFB2A84}"/>
+              </a:ext>
+            </a:extLst>
+          </p:cNvPr>
+          <p:cNvSpPr/>
+          <p:nvPr/>
+        </p:nvSpPr>
+        <p:spPr>
+          <a:xfrm>
+            <a:off x="6822976" y="7950125"/>
+            <a:ext cx="713684" cy="713678"/>
+          </a:xfrm>
+          <a:prstGeom prst="ellipse">
+            <a:avLst/>
+          </a:prstGeom>
+          <a:solidFill>
+            <a:schemeClr val="accent1">
+              <a:alpha val="51000"/>
+            </a:schemeClr>
+          </a:solidFill>
+        </p:spPr>
+        <p:style>
+          <a:lnRef idx="2">
+            <a:schemeClr val="accent1">
+              <a:shade val="50000"/>
+            </a:schemeClr>
+          </a:lnRef>
+          <a:fillRef idx="1">
+            <a:schemeClr val="accent1"/>
+          </a:fillRef>
+          <a:effectRef idx="0">
+            <a:schemeClr val="accent1"/>
+          </a:effectRef>
+          <a:fontRef idx="minor">
+            <a:schemeClr val="lt1"/>
+          </a:fontRef>
+        </p:style>
+        <p:txBody>
+          <a:bodyPr rtlCol="0" anchor="ctr"/>
+          <a:lstStyle/>
+          <a:p>
+            <a:pPr algn="ctr"/>
+            <a:endParaRPr lang="ja-JP" altLang="en-US">
+              <a:latin typeface="+mj-lt"/>
+              <a:ea typeface="FOT-Cezanne Pro M" panose="02020600000000000000" pitchFamily="18" charset="-128"/>
+              <a:cs typeface="Arial" panose="020B0604020202020204" pitchFamily="34" charset="0"/>
+            </a:endParaRPr>
+          </a:p>
+        </p:txBody>
+      </p:sp>
+      <p:sp>
+        <p:nvSpPr>
+          <p:cNvPr id="80" name="円/楕円 79">
+            <a:extLst>
+              <a:ext uri="{FF2B5EF4-FFF2-40B4-BE49-F238E27FC236}">
+                <a16:creationId xmlns:a16="http://schemas.microsoft.com/office/drawing/2014/main" id="{9F8A7A75-A91C-AB4A-8A8F-813A0258598F}"/>
+              </a:ext>
+            </a:extLst>
+          </p:cNvPr>
+          <p:cNvSpPr/>
+          <p:nvPr/>
+        </p:nvSpPr>
+        <p:spPr>
+          <a:xfrm>
+            <a:off x="10349818" y="4162490"/>
+            <a:ext cx="713684" cy="713678"/>
+          </a:xfrm>
+          <a:prstGeom prst="ellipse">
+            <a:avLst/>
+          </a:prstGeom>
+          <a:solidFill>
+            <a:schemeClr val="accent1">
+              <a:alpha val="51000"/>
+            </a:schemeClr>
+          </a:solidFill>
+        </p:spPr>
+        <p:style>
+          <a:lnRef idx="2">
+            <a:schemeClr val="accent1">
+              <a:shade val="50000"/>
+            </a:schemeClr>
+          </a:lnRef>
+          <a:fillRef idx="1">
+            <a:schemeClr val="accent1"/>
+          </a:fillRef>
+          <a:effectRef idx="0">
+            <a:schemeClr val="accent1"/>
+          </a:effectRef>
+          <a:fontRef idx="minor">
+            <a:schemeClr val="lt1"/>
+          </a:fontRef>
+        </p:style>
+        <p:txBody>
+          <a:bodyPr rtlCol="0" anchor="ctr"/>
+          <a:lstStyle/>
+          <a:p>
+            <a:pPr algn="ctr"/>
+            <a:endParaRPr lang="ja-JP" altLang="en-US">
+              <a:latin typeface="+mj-lt"/>
+              <a:ea typeface="FOT-Cezanne Pro M" panose="02020600000000000000" pitchFamily="18" charset="-128"/>
+              <a:cs typeface="Arial" panose="020B0604020202020204" pitchFamily="34" charset="0"/>
+            </a:endParaRPr>
+          </a:p>
+        </p:txBody>
+      </p:sp>
+      <p:sp>
+        <p:nvSpPr>
+          <p:cNvPr id="82" name="円/楕円 81">
+            <a:extLst>
+              <a:ext uri="{FF2B5EF4-FFF2-40B4-BE49-F238E27FC236}">
+                <a16:creationId xmlns:a16="http://schemas.microsoft.com/office/drawing/2014/main" id="{B05ACBD9-8258-5647-AC2E-446122234B74}"/>
+              </a:ext>
+            </a:extLst>
+          </p:cNvPr>
+          <p:cNvSpPr/>
+          <p:nvPr/>
+        </p:nvSpPr>
+        <p:spPr>
+          <a:xfrm>
+            <a:off x="14951767" y="4551889"/>
+            <a:ext cx="713684" cy="713678"/>
+          </a:xfrm>
+          <a:prstGeom prst="ellipse">
+            <a:avLst/>
+          </a:prstGeom>
+          <a:solidFill>
+            <a:schemeClr val="accent1">
+              <a:alpha val="51000"/>
+            </a:schemeClr>
+          </a:solidFill>
+        </p:spPr>
+        <p:style>
+          <a:lnRef idx="2">
+            <a:schemeClr val="accent1">
+              <a:shade val="50000"/>
+            </a:schemeClr>
+          </a:lnRef>
+          <a:fillRef idx="1">
+            <a:schemeClr val="accent1"/>
+          </a:fillRef>
+          <a:effectRef idx="0">
+            <a:schemeClr val="accent1"/>
+          </a:effectRef>
+          <a:fontRef idx="minor">
+            <a:schemeClr val="lt1"/>
+          </a:fontRef>
+        </p:style>
+        <p:txBody>
+          <a:bodyPr rtlCol="0" anchor="ctr"/>
+          <a:lstStyle/>
+          <a:p>
+            <a:pPr algn="ctr"/>
+            <a:endParaRPr lang="ja-JP" altLang="en-US">
+              <a:latin typeface="+mj-lt"/>
+              <a:ea typeface="FOT-Cezanne Pro M" panose="02020600000000000000" pitchFamily="18" charset="-128"/>
+              <a:cs typeface="Arial" panose="020B0604020202020204" pitchFamily="34" charset="0"/>
+            </a:endParaRPr>
+          </a:p>
+        </p:txBody>
+      </p:sp>
+      <p:sp>
+        <p:nvSpPr>
+          <p:cNvPr id="21" name="円/楕円 20">
+            <a:extLst>
+              <a:ext uri="{FF2B5EF4-FFF2-40B4-BE49-F238E27FC236}">
+                <a16:creationId xmlns:a16="http://schemas.microsoft.com/office/drawing/2014/main" id="{B27E537B-A86A-6F44-A4F7-665C8CAF1CB4}"/>
+              </a:ext>
+            </a:extLst>
+          </p:cNvPr>
+          <p:cNvSpPr/>
+          <p:nvPr/>
+        </p:nvSpPr>
+        <p:spPr>
+          <a:xfrm>
+            <a:off x="8562386" y="4672610"/>
+            <a:ext cx="713684" cy="713678"/>
+          </a:xfrm>
+          <a:prstGeom prst="ellipse">
+            <a:avLst/>
+          </a:prstGeom>
+          <a:solidFill>
+            <a:schemeClr val="accent2"/>
+          </a:solidFill>
+        </p:spPr>
+        <p:style>
+          <a:lnRef idx="2">
+            <a:schemeClr val="accent1">
+              <a:shade val="50000"/>
+            </a:schemeClr>
+          </a:lnRef>
+          <a:fillRef idx="1">
+            <a:schemeClr val="accent1"/>
+          </a:fillRef>
+          <a:effectRef idx="0">
+            <a:schemeClr val="accent1"/>
+          </a:effectRef>
+          <a:fontRef idx="minor">
+            <a:schemeClr val="lt1"/>
+          </a:fontRef>
+        </p:style>
+        <p:txBody>
+          <a:bodyPr rtlCol="0" anchor="ctr"/>
+          <a:lstStyle/>
+          <a:p>
+            <a:pPr algn="ctr"/>
+            <a:endParaRPr lang="ja-JP" altLang="en-US">
+              <a:latin typeface="+mj-lt"/>
+              <a:ea typeface="FOT-Cezanne Pro M" panose="02020600000000000000" pitchFamily="18" charset="-128"/>
+              <a:cs typeface="Arial" panose="020B0604020202020204" pitchFamily="34" charset="0"/>
+            </a:endParaRPr>
+          </a:p>
+        </p:txBody>
+      </p:sp>
+      <p:sp>
+        <p:nvSpPr>
+          <p:cNvPr id="67" name="円/楕円 66">
+            <a:extLst>
+              <a:ext uri="{FF2B5EF4-FFF2-40B4-BE49-F238E27FC236}">
+                <a16:creationId xmlns:a16="http://schemas.microsoft.com/office/drawing/2014/main" id="{CF708D91-0CA8-0748-BD95-F268EA37AFEF}"/>
+              </a:ext>
+            </a:extLst>
+          </p:cNvPr>
+          <p:cNvSpPr/>
+          <p:nvPr/>
+        </p:nvSpPr>
+        <p:spPr>
+          <a:xfrm>
+            <a:off x="9182908" y="4400185"/>
+            <a:ext cx="713684" cy="713678"/>
+          </a:xfrm>
+          <a:prstGeom prst="ellipse">
+            <a:avLst/>
+          </a:prstGeom>
+          <a:solidFill>
+            <a:schemeClr val="accent2"/>
+          </a:solidFill>
+        </p:spPr>
+        <p:style>
+          <a:lnRef idx="2">
+            <a:schemeClr val="accent1">
+              <a:shade val="50000"/>
+            </a:schemeClr>
+          </a:lnRef>
+          <a:fillRef idx="1">
+            <a:schemeClr val="accent1"/>
+          </a:fillRef>
+          <a:effectRef idx="0">
+            <a:schemeClr val="accent1"/>
+          </a:effectRef>
+          <a:fontRef idx="minor">
+            <a:schemeClr val="lt1"/>
+          </a:fontRef>
+        </p:style>
+        <p:txBody>
+          <a:bodyPr rtlCol="0" anchor="ctr"/>
+          <a:lstStyle/>
+          <a:p>
+            <a:pPr algn="ctr"/>
+            <a:endParaRPr lang="ja-JP" altLang="en-US">
+              <a:latin typeface="+mj-lt"/>
+              <a:ea typeface="FOT-Cezanne Pro M" panose="02020600000000000000" pitchFamily="18" charset="-128"/>
+              <a:cs typeface="Arial" panose="020B0604020202020204" pitchFamily="34" charset="0"/>
+            </a:endParaRPr>
+          </a:p>
+        </p:txBody>
+      </p:sp>
+      <p:sp>
+        <p:nvSpPr>
+          <p:cNvPr id="68" name="円/楕円 67">
+            <a:extLst>
+              <a:ext uri="{FF2B5EF4-FFF2-40B4-BE49-F238E27FC236}">
+                <a16:creationId xmlns:a16="http://schemas.microsoft.com/office/drawing/2014/main" id="{20AA7A25-863D-024E-8B8C-EB53CBAF90EE}"/>
+              </a:ext>
+            </a:extLst>
+          </p:cNvPr>
+          <p:cNvSpPr/>
+          <p:nvPr/>
+        </p:nvSpPr>
+        <p:spPr>
+          <a:xfrm>
+            <a:off x="9760775" y="4190512"/>
+            <a:ext cx="713684" cy="713678"/>
+          </a:xfrm>
+          <a:prstGeom prst="ellipse">
+            <a:avLst/>
+          </a:prstGeom>
+        </p:spPr>
+        <p:style>
+          <a:lnRef idx="2">
+            <a:schemeClr val="accent1">
+              <a:shade val="50000"/>
+            </a:schemeClr>
+          </a:lnRef>
+          <a:fillRef idx="1">
+            <a:schemeClr val="accent1"/>
+          </a:fillRef>
+          <a:effectRef idx="0">
+            <a:schemeClr val="accent1"/>
+          </a:effectRef>
+          <a:fontRef idx="minor">
+            <a:schemeClr val="lt1"/>
+          </a:fontRef>
+        </p:style>
+        <p:txBody>
+          <a:bodyPr rtlCol="0" anchor="ctr"/>
+          <a:lstStyle/>
+          <a:p>
+            <a:pPr algn="ctr"/>
+            <a:endParaRPr lang="ja-JP" altLang="en-US">
+              <a:latin typeface="+mj-lt"/>
+              <a:ea typeface="FOT-Cezanne Pro M" panose="02020600000000000000" pitchFamily="18" charset="-128"/>
+              <a:cs typeface="Arial" panose="020B0604020202020204" pitchFamily="34" charset="0"/>
+            </a:endParaRPr>
+          </a:p>
+        </p:txBody>
+      </p:sp>
+      <p:sp>
+        <p:nvSpPr>
+          <p:cNvPr id="66" name="円/楕円 65">
+            <a:extLst>
+              <a:ext uri="{FF2B5EF4-FFF2-40B4-BE49-F238E27FC236}">
+                <a16:creationId xmlns:a16="http://schemas.microsoft.com/office/drawing/2014/main" id="{23C35000-FF0A-E247-8AE8-C9B7D3D4DBDA}"/>
+              </a:ext>
+            </a:extLst>
+          </p:cNvPr>
+          <p:cNvSpPr/>
+          <p:nvPr/>
+        </p:nvSpPr>
+        <p:spPr>
+          <a:xfrm>
+            <a:off x="14400325" y="4547351"/>
+            <a:ext cx="713684" cy="713678"/>
+          </a:xfrm>
+          <a:prstGeom prst="ellipse">
+            <a:avLst/>
+          </a:prstGeom>
+        </p:spPr>
+        <p:style>
+          <a:lnRef idx="2">
+            <a:schemeClr val="accent1">
+              <a:shade val="50000"/>
+            </a:schemeClr>
+          </a:lnRef>
+          <a:fillRef idx="1">
+            <a:schemeClr val="accent1"/>
+          </a:fillRef>
+          <a:effectRef idx="0">
+            <a:schemeClr val="accent1"/>
+          </a:effectRef>
+          <a:fontRef idx="minor">
+            <a:schemeClr val="lt1"/>
+          </a:fontRef>
+        </p:style>
+        <p:txBody>
+          <a:bodyPr rtlCol="0" anchor="ctr"/>
+          <a:lstStyle/>
+          <a:p>
+            <a:pPr algn="ctr"/>
+            <a:endParaRPr lang="ja-JP" altLang="en-US">
+              <a:latin typeface="+mj-lt"/>
+              <a:ea typeface="FOT-Cezanne Pro M" panose="02020600000000000000" pitchFamily="18" charset="-128"/>
+              <a:cs typeface="Arial" panose="020B0604020202020204" pitchFamily="34" charset="0"/>
+            </a:endParaRPr>
+          </a:p>
+        </p:txBody>
+      </p:sp>
+      <p:sp>
+        <p:nvSpPr>
+          <p:cNvPr id="29" name="円/楕円 28">
+            <a:extLst>
+              <a:ext uri="{FF2B5EF4-FFF2-40B4-BE49-F238E27FC236}">
+                <a16:creationId xmlns:a16="http://schemas.microsoft.com/office/drawing/2014/main" id="{D3C54E7E-E16E-8D44-B1F2-7BD6E124B81F}"/>
+              </a:ext>
+            </a:extLst>
+          </p:cNvPr>
+          <p:cNvSpPr/>
+          <p:nvPr/>
+        </p:nvSpPr>
+        <p:spPr>
+          <a:xfrm>
+            <a:off x="7924288" y="5082971"/>
+            <a:ext cx="713684" cy="713678"/>
+          </a:xfrm>
+          <a:prstGeom prst="ellipse">
+            <a:avLst/>
+          </a:prstGeom>
+          <a:solidFill>
+            <a:schemeClr val="accent2"/>
+          </a:solidFill>
+        </p:spPr>
+        <p:style>
+          <a:lnRef idx="2">
+            <a:schemeClr val="accent1">
+              <a:shade val="50000"/>
+            </a:schemeClr>
+          </a:lnRef>
+          <a:fillRef idx="1">
+            <a:schemeClr val="accent1"/>
+          </a:fillRef>
+          <a:effectRef idx="0">
+            <a:schemeClr val="accent1"/>
+          </a:effectRef>
+          <a:fontRef idx="minor">
+            <a:schemeClr val="lt1"/>
+          </a:fontRef>
+        </p:style>
+        <p:txBody>
+          <a:bodyPr rtlCol="0" anchor="ctr"/>
+          <a:lstStyle/>
+          <a:p>
+            <a:pPr algn="ctr"/>
+            <a:endParaRPr lang="ja-JP" altLang="en-US">
+              <a:latin typeface="+mj-lt"/>
+              <a:ea typeface="FOT-Cezanne Pro M" panose="02020600000000000000" pitchFamily="18" charset="-128"/>
+              <a:cs typeface="Arial" panose="020B0604020202020204" pitchFamily="34" charset="0"/>
+            </a:endParaRPr>
+          </a:p>
+        </p:txBody>
+      </p:sp>
+      <p:sp>
+        <p:nvSpPr>
+          <p:cNvPr id="4" name="正方形/長方形 3">
+            <a:extLst>
+              <a:ext uri="{FF2B5EF4-FFF2-40B4-BE49-F238E27FC236}">
+                <a16:creationId xmlns:a16="http://schemas.microsoft.com/office/drawing/2014/main" id="{826CA0EE-A04B-F04A-9B41-259BC36C02D5}"/>
+              </a:ext>
+            </a:extLst>
+          </p:cNvPr>
+          <p:cNvSpPr/>
+          <p:nvPr/>
+        </p:nvSpPr>
+        <p:spPr>
+          <a:xfrm>
+            <a:off x="6315598" y="8312944"/>
+            <a:ext cx="591015" cy="1778620"/>
+          </a:xfrm>
+          <a:prstGeom prst="rect">
+            <a:avLst/>
+          </a:prstGeom>
+          <a:solidFill>
+            <a:srgbClr val="00B0F0"/>
+          </a:solidFill>
+          <a:ln>
+            <a:solidFill>
+              <a:schemeClr val="tx1"/>
+            </a:solidFill>
+          </a:ln>
+        </p:spPr>
+        <p:style>
+          <a:lnRef idx="2">
+            <a:schemeClr val="accent1">
+              <a:shade val="50000"/>
+            </a:schemeClr>
+          </a:lnRef>
+          <a:fillRef idx="1">
+            <a:schemeClr val="accent1"/>
+          </a:fillRef>
+          <a:effectRef idx="0">
+            <a:schemeClr val="accent1"/>
+          </a:effectRef>
+          <a:fontRef idx="minor">
+            <a:schemeClr val="lt1"/>
+          </a:fontRef>
+        </p:style>
+        <p:txBody>
+          <a:bodyPr rtlCol="0" anchor="ctr"/>
+          <a:lstStyle/>
+          <a:p>
+            <a:pPr algn="ctr"/>
+            <a:endParaRPr lang="ja-JP" altLang="en-US">
+              <a:latin typeface="+mj-lt"/>
+              <a:ea typeface="FOT-Cezanne Pro M" panose="02020600000000000000" pitchFamily="18" charset="-128"/>
+              <a:cs typeface="Arial" panose="020B0604020202020204" pitchFamily="34" charset="0"/>
+            </a:endParaRPr>
+          </a:p>
+        </p:txBody>
+      </p:sp>
+      <p:sp>
+        <p:nvSpPr>
+          <p:cNvPr id="5" name="正方形/長方形 4">
+            <a:extLst>
+              <a:ext uri="{FF2B5EF4-FFF2-40B4-BE49-F238E27FC236}">
+                <a16:creationId xmlns:a16="http://schemas.microsoft.com/office/drawing/2014/main" id="{C3D4D315-1A21-7041-891E-333FCE131B0B}"/>
+              </a:ext>
+            </a:extLst>
+          </p:cNvPr>
+          <p:cNvSpPr/>
+          <p:nvPr/>
+        </p:nvSpPr>
+        <p:spPr>
+          <a:xfrm>
+            <a:off x="6884311" y="8648257"/>
+            <a:ext cx="591015" cy="1443307"/>
+          </a:xfrm>
+          <a:prstGeom prst="rect">
+            <a:avLst/>
+          </a:prstGeom>
+          <a:solidFill>
+            <a:srgbClr val="00B0F0"/>
+          </a:solidFill>
+          <a:ln>
+            <a:solidFill>
+              <a:schemeClr val="tx1"/>
+            </a:solidFill>
+          </a:ln>
+        </p:spPr>
+        <p:style>
+          <a:lnRef idx="2">
+            <a:schemeClr val="accent1">
+              <a:shade val="50000"/>
+            </a:schemeClr>
+          </a:lnRef>
+          <a:fillRef idx="1">
+            <a:schemeClr val="accent1"/>
+          </a:fillRef>
+          <a:effectRef idx="0">
+            <a:schemeClr val="accent1"/>
+          </a:effectRef>
+          <a:fontRef idx="minor">
+            <a:schemeClr val="lt1"/>
+          </a:fontRef>
+        </p:style>
+        <p:txBody>
+          <a:bodyPr rtlCol="0" anchor="ctr"/>
+          <a:lstStyle/>
+          <a:p>
+            <a:pPr algn="ctr"/>
+            <a:endParaRPr lang="ja-JP" altLang="en-US">
+              <a:latin typeface="+mj-lt"/>
+              <a:ea typeface="FOT-Cezanne Pro M" panose="02020600000000000000" pitchFamily="18" charset="-128"/>
+              <a:cs typeface="Arial" panose="020B0604020202020204" pitchFamily="34" charset="0"/>
+            </a:endParaRPr>
+          </a:p>
+        </p:txBody>
+      </p:sp>
+      <p:sp>
+        <p:nvSpPr>
+          <p:cNvPr id="6" name="正方形/長方形 5">
+            <a:extLst>
+              <a:ext uri="{FF2B5EF4-FFF2-40B4-BE49-F238E27FC236}">
+                <a16:creationId xmlns:a16="http://schemas.microsoft.com/office/drawing/2014/main" id="{6550771D-4FC5-6143-8048-DD7730A87C1E}"/>
+              </a:ext>
+            </a:extLst>
+          </p:cNvPr>
+          <p:cNvSpPr/>
+          <p:nvPr/>
+        </p:nvSpPr>
+        <p:spPr>
+          <a:xfrm>
+            <a:off x="7475326" y="8928900"/>
+            <a:ext cx="591015" cy="1162664"/>
+          </a:xfrm>
+          <a:prstGeom prst="rect">
+            <a:avLst/>
+          </a:prstGeom>
+          <a:solidFill>
+            <a:srgbClr val="00B0F0"/>
+          </a:solidFill>
+          <a:ln>
+            <a:solidFill>
+              <a:schemeClr val="tx1"/>
+            </a:solidFill>
+          </a:ln>
+        </p:spPr>
+        <p:style>
+          <a:lnRef idx="2">
+            <a:schemeClr val="accent1">
+              <a:shade val="50000"/>
+            </a:schemeClr>
+          </a:lnRef>
+          <a:fillRef idx="1">
+            <a:schemeClr val="accent1"/>
+          </a:fillRef>
+          <a:effectRef idx="0">
+            <a:schemeClr val="accent1"/>
+          </a:effectRef>
+          <a:fontRef idx="minor">
+            <a:schemeClr val="lt1"/>
+          </a:fontRef>
+        </p:style>
+        <p:txBody>
+          <a:bodyPr rtlCol="0" anchor="ctr"/>
+          <a:lstStyle/>
+          <a:p>
+            <a:pPr algn="ctr"/>
+            <a:endParaRPr lang="ja-JP" altLang="en-US">
+              <a:latin typeface="+mj-lt"/>
+              <a:ea typeface="FOT-Cezanne Pro M" panose="02020600000000000000" pitchFamily="18" charset="-128"/>
+              <a:cs typeface="Arial" panose="020B0604020202020204" pitchFamily="34" charset="0"/>
+            </a:endParaRPr>
+          </a:p>
+        </p:txBody>
+      </p:sp>
+      <p:sp>
+        <p:nvSpPr>
+          <p:cNvPr id="7" name="正方形/長方形 6">
+            <a:extLst>
+              <a:ext uri="{FF2B5EF4-FFF2-40B4-BE49-F238E27FC236}">
+                <a16:creationId xmlns:a16="http://schemas.microsoft.com/office/drawing/2014/main" id="{3B53C5C4-AC57-494D-BB2C-7857B7256250}"/>
+              </a:ext>
+            </a:extLst>
+          </p:cNvPr>
+          <p:cNvSpPr/>
+          <p:nvPr/>
+        </p:nvSpPr>
+        <p:spPr>
+          <a:xfrm>
+            <a:off x="8623904" y="8648257"/>
+            <a:ext cx="591015" cy="1443307"/>
+          </a:xfrm>
+          <a:prstGeom prst="rect">
+            <a:avLst/>
+          </a:prstGeom>
+          <a:solidFill>
+            <a:srgbClr val="00B0F0"/>
+          </a:solidFill>
+          <a:ln>
+            <a:solidFill>
+              <a:schemeClr val="tx1"/>
+            </a:solidFill>
+          </a:ln>
+        </p:spPr>
+        <p:style>
+          <a:lnRef idx="2">
+            <a:schemeClr val="accent1">
+              <a:shade val="50000"/>
+            </a:schemeClr>
+          </a:lnRef>
+          <a:fillRef idx="1">
+            <a:schemeClr val="accent1"/>
+          </a:fillRef>
+          <a:effectRef idx="0">
+            <a:schemeClr val="accent1"/>
+          </a:effectRef>
+          <a:fontRef idx="minor">
+            <a:schemeClr val="lt1"/>
+          </a:fontRef>
+        </p:style>
+        <p:txBody>
+          <a:bodyPr rtlCol="0" anchor="ctr"/>
+          <a:lstStyle/>
+          <a:p>
+            <a:pPr algn="ctr"/>
+            <a:endParaRPr lang="ja-JP" altLang="en-US">
+              <a:latin typeface="+mj-lt"/>
+              <a:ea typeface="FOT-Cezanne Pro M" panose="02020600000000000000" pitchFamily="18" charset="-128"/>
+              <a:cs typeface="Arial" panose="020B0604020202020204" pitchFamily="34" charset="0"/>
+            </a:endParaRPr>
+          </a:p>
+        </p:txBody>
+      </p:sp>
+      <p:sp>
+        <p:nvSpPr>
+          <p:cNvPr id="8" name="正方形/長方形 7">
+            <a:extLst>
+              <a:ext uri="{FF2B5EF4-FFF2-40B4-BE49-F238E27FC236}">
+                <a16:creationId xmlns:a16="http://schemas.microsoft.com/office/drawing/2014/main" id="{3E718293-DB53-3B45-B3D6-548EDF6D0B04}"/>
+              </a:ext>
+            </a:extLst>
+          </p:cNvPr>
+          <p:cNvSpPr/>
+          <p:nvPr/>
+        </p:nvSpPr>
+        <p:spPr>
+          <a:xfrm>
+            <a:off x="9192616" y="8312944"/>
+            <a:ext cx="591015" cy="1778620"/>
+          </a:xfrm>
+          <a:prstGeom prst="rect">
+            <a:avLst/>
+          </a:prstGeom>
+          <a:solidFill>
+            <a:srgbClr val="00B0F0"/>
+          </a:solidFill>
+          <a:ln>
+            <a:solidFill>
+              <a:schemeClr val="tx1"/>
+            </a:solidFill>
+          </a:ln>
+        </p:spPr>
+        <p:style>
+          <a:lnRef idx="2">
+            <a:schemeClr val="accent1">
+              <a:shade val="50000"/>
+            </a:schemeClr>
+          </a:lnRef>
+          <a:fillRef idx="1">
+            <a:schemeClr val="accent1"/>
+          </a:fillRef>
+          <a:effectRef idx="0">
+            <a:schemeClr val="accent1"/>
+          </a:effectRef>
+          <a:fontRef idx="minor">
+            <a:schemeClr val="lt1"/>
+          </a:fontRef>
+        </p:style>
+        <p:txBody>
+          <a:bodyPr rtlCol="0" anchor="ctr"/>
+          <a:lstStyle/>
+          <a:p>
+            <a:pPr algn="ctr"/>
+            <a:endParaRPr lang="ja-JP" altLang="en-US">
+              <a:latin typeface="+mj-lt"/>
+              <a:ea typeface="FOT-Cezanne Pro M" panose="02020600000000000000" pitchFamily="18" charset="-128"/>
+              <a:cs typeface="Arial" panose="020B0604020202020204" pitchFamily="34" charset="0"/>
+            </a:endParaRPr>
+          </a:p>
+        </p:txBody>
+      </p:sp>
+      <p:sp>
+        <p:nvSpPr>
+          <p:cNvPr id="9" name="正方形/長方形 8">
+            <a:extLst>
+              <a:ext uri="{FF2B5EF4-FFF2-40B4-BE49-F238E27FC236}">
+                <a16:creationId xmlns:a16="http://schemas.microsoft.com/office/drawing/2014/main" id="{EEC7814D-D65A-EC4E-8053-781168500733}"/>
+              </a:ext>
+            </a:extLst>
+          </p:cNvPr>
+          <p:cNvSpPr/>
+          <p:nvPr/>
+        </p:nvSpPr>
+        <p:spPr>
+          <a:xfrm>
+            <a:off x="9772482" y="8312944"/>
+            <a:ext cx="591015" cy="1778620"/>
+          </a:xfrm>
+          <a:prstGeom prst="rect">
+            <a:avLst/>
+          </a:prstGeom>
+          <a:solidFill>
+            <a:srgbClr val="00B0F0"/>
+          </a:solidFill>
+          <a:ln>
+            <a:solidFill>
+              <a:schemeClr val="tx1"/>
+            </a:solidFill>
+          </a:ln>
+        </p:spPr>
+        <p:style>
+          <a:lnRef idx="2">
+            <a:schemeClr val="accent1">
+              <a:shade val="50000"/>
+            </a:schemeClr>
+          </a:lnRef>
+          <a:fillRef idx="1">
+            <a:schemeClr val="accent1"/>
+          </a:fillRef>
+          <a:effectRef idx="0">
+            <a:schemeClr val="accent1"/>
+          </a:effectRef>
+          <a:fontRef idx="minor">
+            <a:schemeClr val="lt1"/>
+          </a:fontRef>
+        </p:style>
+        <p:txBody>
+          <a:bodyPr rtlCol="0" anchor="ctr"/>
+          <a:lstStyle/>
+          <a:p>
+            <a:pPr algn="ctr"/>
+            <a:endParaRPr lang="ja-JP" altLang="en-US">
+              <a:latin typeface="+mj-lt"/>
+              <a:ea typeface="FOT-Cezanne Pro M" panose="02020600000000000000" pitchFamily="18" charset="-128"/>
+              <a:cs typeface="Arial" panose="020B0604020202020204" pitchFamily="34" charset="0"/>
+            </a:endParaRPr>
+          </a:p>
+        </p:txBody>
+      </p:sp>
+      <p:sp>
+        <p:nvSpPr>
+          <p:cNvPr id="10" name="正方形/長方形 9">
+            <a:extLst>
+              <a:ext uri="{FF2B5EF4-FFF2-40B4-BE49-F238E27FC236}">
+                <a16:creationId xmlns:a16="http://schemas.microsoft.com/office/drawing/2014/main" id="{2E20736C-1CB7-0E4B-9E6B-09BF4BDBB230}"/>
+              </a:ext>
+            </a:extLst>
+          </p:cNvPr>
+          <p:cNvSpPr/>
+          <p:nvPr/>
+        </p:nvSpPr>
+        <p:spPr>
+          <a:xfrm>
+            <a:off x="11022295" y="8648257"/>
+            <a:ext cx="591015" cy="1443307"/>
+          </a:xfrm>
+          <a:prstGeom prst="rect">
+            <a:avLst/>
+          </a:prstGeom>
+          <a:solidFill>
+            <a:srgbClr val="00B0F0"/>
+          </a:solidFill>
+          <a:ln>
+            <a:solidFill>
+              <a:schemeClr val="tx1"/>
+            </a:solidFill>
+          </a:ln>
+        </p:spPr>
+        <p:style>
+          <a:lnRef idx="2">
+            <a:schemeClr val="accent1">
+              <a:shade val="50000"/>
+            </a:schemeClr>
+          </a:lnRef>
+          <a:fillRef idx="1">
+            <a:schemeClr val="accent1"/>
+          </a:fillRef>
+          <a:effectRef idx="0">
+            <a:schemeClr val="accent1"/>
+          </a:effectRef>
+          <a:fontRef idx="minor">
+            <a:schemeClr val="lt1"/>
+          </a:fontRef>
+        </p:style>
+        <p:txBody>
+          <a:bodyPr rtlCol="0" anchor="ctr"/>
+          <a:lstStyle/>
+          <a:p>
+            <a:pPr algn="ctr"/>
+            <a:endParaRPr lang="ja-JP" altLang="en-US">
+              <a:latin typeface="+mj-lt"/>
+              <a:ea typeface="FOT-Cezanne Pro M" panose="02020600000000000000" pitchFamily="18" charset="-128"/>
+              <a:cs typeface="Arial" panose="020B0604020202020204" pitchFamily="34" charset="0"/>
+            </a:endParaRPr>
+          </a:p>
+        </p:txBody>
+      </p:sp>
+      <p:sp>
+        <p:nvSpPr>
+          <p:cNvPr id="11" name="円/楕円 10">
+            <a:extLst>
+              <a:ext uri="{FF2B5EF4-FFF2-40B4-BE49-F238E27FC236}">
+                <a16:creationId xmlns:a16="http://schemas.microsoft.com/office/drawing/2014/main" id="{BAC070CB-9730-7B4F-818F-C0E337B4D0CC}"/>
+              </a:ext>
+            </a:extLst>
+          </p:cNvPr>
+          <p:cNvSpPr/>
+          <p:nvPr/>
+        </p:nvSpPr>
+        <p:spPr>
+          <a:xfrm>
+            <a:off x="6221102" y="7585950"/>
+            <a:ext cx="713684" cy="713678"/>
+          </a:xfrm>
+          <a:prstGeom prst="ellipse">
+            <a:avLst/>
+          </a:prstGeom>
+        </p:spPr>
+        <p:style>
+          <a:lnRef idx="2">
+            <a:schemeClr val="accent1">
+              <a:shade val="50000"/>
+            </a:schemeClr>
+          </a:lnRef>
+          <a:fillRef idx="1">
+            <a:schemeClr val="accent1"/>
+          </a:fillRef>
+          <a:effectRef idx="0">
+            <a:schemeClr val="accent1"/>
+          </a:effectRef>
+          <a:fontRef idx="minor">
+            <a:schemeClr val="lt1"/>
+          </a:fontRef>
+        </p:style>
+        <p:txBody>
+          <a:bodyPr rtlCol="0" anchor="ctr"/>
+          <a:lstStyle/>
+          <a:p>
+            <a:pPr algn="ctr"/>
+            <a:endParaRPr lang="ja-JP" altLang="en-US">
+              <a:latin typeface="+mj-lt"/>
+              <a:ea typeface="FOT-Cezanne Pro M" panose="02020600000000000000" pitchFamily="18" charset="-128"/>
+              <a:cs typeface="Arial" panose="020B0604020202020204" pitchFamily="34" charset="0"/>
+            </a:endParaRPr>
+          </a:p>
+        </p:txBody>
+      </p:sp>
+      <p:sp>
+        <p:nvSpPr>
+          <p:cNvPr id="2" name="テキスト ボックス 1">
+            <a:extLst>
+              <a:ext uri="{FF2B5EF4-FFF2-40B4-BE49-F238E27FC236}">
+                <a16:creationId xmlns:a16="http://schemas.microsoft.com/office/drawing/2014/main" id="{AC17C2DA-4EE5-9C44-A3D0-CF621EFB6543}"/>
+              </a:ext>
+            </a:extLst>
+          </p:cNvPr>
+          <p:cNvSpPr txBox="1"/>
+          <p:nvPr/>
+        </p:nvSpPr>
+        <p:spPr>
+          <a:xfrm>
+            <a:off x="2293362" y="7367648"/>
+            <a:ext cx="3604058" cy="830997"/>
+          </a:xfrm>
+          <a:prstGeom prst="rect">
+            <a:avLst/>
+          </a:prstGeom>
+          <a:solidFill>
+            <a:schemeClr val="accent5">
+              <a:lumMod val="20000"/>
+              <a:lumOff val="80000"/>
+            </a:schemeClr>
+          </a:solidFill>
+        </p:spPr>
+        <p:txBody>
+          <a:bodyPr wrap="square" rtlCol="0">
+            <a:spAutoFit/>
+          </a:bodyPr>
+          <a:lstStyle/>
+          <a:p>
+            <a:r>
+              <a:rPr lang="en-US" altLang="ja-JP" sz="2400" dirty="0" err="1">
+                <a:latin typeface="+mj-lt"/>
+                <a:ea typeface="FOT-Cezanne Pro M" panose="02020600000000000000" pitchFamily="18" charset="-128"/>
+                <a:cs typeface="Arial" panose="020B0604020202020204" pitchFamily="34" charset="0"/>
+              </a:rPr>
+              <a:t>jumpCount</a:t>
+            </a:r>
+            <a:r>
+              <a:rPr lang="en-US" altLang="ja-JP" sz="2400" dirty="0">
+                <a:latin typeface="+mj-lt"/>
+                <a:ea typeface="FOT-Cezanne Pro M" panose="02020600000000000000" pitchFamily="18" charset="-128"/>
+                <a:cs typeface="Arial" panose="020B0604020202020204" pitchFamily="34" charset="0"/>
+              </a:rPr>
+              <a:t> = 0</a:t>
+            </a:r>
+          </a:p>
+          <a:p>
+            <a:r>
+              <a:rPr lang="en-US" altLang="ja-JP" sz="2400" dirty="0" err="1">
+                <a:latin typeface="+mj-lt"/>
+                <a:ea typeface="FOT-Cezanne Pro M" panose="02020600000000000000" pitchFamily="18" charset="-128"/>
+                <a:cs typeface="Arial" panose="020B0604020202020204" pitchFamily="34" charset="0"/>
+              </a:rPr>
+              <a:t>isRightAfterJump</a:t>
+            </a:r>
+            <a:r>
+              <a:rPr lang="en-US" altLang="ja-JP" sz="2400" dirty="0">
+                <a:latin typeface="+mj-lt"/>
+                <a:ea typeface="FOT-Cezanne Pro M" panose="02020600000000000000" pitchFamily="18" charset="-128"/>
+                <a:cs typeface="Arial" panose="020B0604020202020204" pitchFamily="34" charset="0"/>
+              </a:rPr>
+              <a:t> = False</a:t>
+            </a:r>
+          </a:p>
+        </p:txBody>
+      </p:sp>
+      <p:sp>
+        <p:nvSpPr>
+          <p:cNvPr id="12" name="テキスト ボックス 11">
+            <a:extLst>
+              <a:ext uri="{FF2B5EF4-FFF2-40B4-BE49-F238E27FC236}">
+                <a16:creationId xmlns:a16="http://schemas.microsoft.com/office/drawing/2014/main" id="{A10034DD-DD9B-4A4D-9E7D-DA083992ADBB}"/>
+              </a:ext>
+            </a:extLst>
+          </p:cNvPr>
+          <p:cNvSpPr txBox="1"/>
+          <p:nvPr/>
+        </p:nvSpPr>
+        <p:spPr>
+          <a:xfrm>
+            <a:off x="3351007" y="5473405"/>
+            <a:ext cx="3572993" cy="830997"/>
+          </a:xfrm>
+          <a:prstGeom prst="rect">
+            <a:avLst/>
+          </a:prstGeom>
+          <a:solidFill>
+            <a:schemeClr val="accent2">
+              <a:lumMod val="20000"/>
+              <a:lumOff val="80000"/>
+            </a:schemeClr>
+          </a:solidFill>
+        </p:spPr>
+        <p:txBody>
+          <a:bodyPr wrap="square" rtlCol="0">
+            <a:spAutoFit/>
+          </a:bodyPr>
+          <a:lstStyle/>
+          <a:p>
+            <a:r>
+              <a:rPr lang="en-US" altLang="ja-JP" sz="2400" dirty="0" err="1">
+                <a:latin typeface="+mj-lt"/>
+                <a:ea typeface="FOT-Cezanne Pro M" panose="02020600000000000000" pitchFamily="18" charset="-128"/>
+                <a:cs typeface="Arial" panose="020B0604020202020204" pitchFamily="34" charset="0"/>
+              </a:rPr>
+              <a:t>jumpCount</a:t>
+            </a:r>
+            <a:r>
+              <a:rPr lang="en-US" altLang="ja-JP" sz="2400" dirty="0">
+                <a:latin typeface="+mj-lt"/>
+                <a:ea typeface="FOT-Cezanne Pro M" panose="02020600000000000000" pitchFamily="18" charset="-128"/>
+                <a:cs typeface="Arial" panose="020B0604020202020204" pitchFamily="34" charset="0"/>
+              </a:rPr>
+              <a:t> = 1</a:t>
+            </a:r>
+          </a:p>
+          <a:p>
+            <a:r>
+              <a:rPr lang="en-US" altLang="ja-JP" sz="2400" dirty="0" err="1">
+                <a:latin typeface="+mj-lt"/>
+                <a:ea typeface="FOT-Cezanne Pro M" panose="02020600000000000000" pitchFamily="18" charset="-128"/>
+                <a:cs typeface="Arial" panose="020B0604020202020204" pitchFamily="34" charset="0"/>
+              </a:rPr>
+              <a:t>isRightAfterJump</a:t>
+            </a:r>
+            <a:r>
+              <a:rPr lang="en-US" altLang="ja-JP" sz="2400" dirty="0">
+                <a:latin typeface="+mj-lt"/>
+                <a:ea typeface="FOT-Cezanne Pro M" panose="02020600000000000000" pitchFamily="18" charset="-128"/>
+                <a:cs typeface="Arial" panose="020B0604020202020204" pitchFamily="34" charset="0"/>
+              </a:rPr>
+              <a:t> = True</a:t>
+            </a:r>
+          </a:p>
+        </p:txBody>
+      </p:sp>
+      <p:sp>
+        <p:nvSpPr>
+          <p:cNvPr id="14" name="円/楕円 13">
+            <a:extLst>
+              <a:ext uri="{FF2B5EF4-FFF2-40B4-BE49-F238E27FC236}">
+                <a16:creationId xmlns:a16="http://schemas.microsoft.com/office/drawing/2014/main" id="{50B6D5AB-2F6E-5D4E-A7FF-BC3632B30BB6}"/>
+              </a:ext>
+            </a:extLst>
+          </p:cNvPr>
+          <p:cNvSpPr/>
+          <p:nvPr/>
+        </p:nvSpPr>
+        <p:spPr>
+          <a:xfrm>
+            <a:off x="6822976" y="6469720"/>
+            <a:ext cx="713684" cy="713678"/>
+          </a:xfrm>
+          <a:prstGeom prst="ellipse">
+            <a:avLst/>
+          </a:prstGeom>
+          <a:solidFill>
+            <a:schemeClr val="accent2"/>
+          </a:solidFill>
+        </p:spPr>
+        <p:style>
+          <a:lnRef idx="2">
+            <a:schemeClr val="accent1">
+              <a:shade val="50000"/>
+            </a:schemeClr>
+          </a:lnRef>
+          <a:fillRef idx="1">
+            <a:schemeClr val="accent1"/>
+          </a:fillRef>
+          <a:effectRef idx="0">
+            <a:schemeClr val="accent1"/>
+          </a:effectRef>
+          <a:fontRef idx="minor">
+            <a:schemeClr val="lt1"/>
+          </a:fontRef>
+        </p:style>
+        <p:txBody>
+          <a:bodyPr rtlCol="0" anchor="ctr"/>
+          <a:lstStyle/>
+          <a:p>
+            <a:pPr algn="ctr"/>
+            <a:endParaRPr lang="ja-JP" altLang="en-US">
+              <a:latin typeface="+mj-lt"/>
+              <a:ea typeface="FOT-Cezanne Pro M" panose="02020600000000000000" pitchFamily="18" charset="-128"/>
+              <a:cs typeface="Arial" panose="020B0604020202020204" pitchFamily="34" charset="0"/>
+            </a:endParaRPr>
+          </a:p>
+        </p:txBody>
+      </p:sp>
+      <p:sp>
+        <p:nvSpPr>
+          <p:cNvPr id="16" name="円/楕円 15">
+            <a:extLst>
+              <a:ext uri="{FF2B5EF4-FFF2-40B4-BE49-F238E27FC236}">
+                <a16:creationId xmlns:a16="http://schemas.microsoft.com/office/drawing/2014/main" id="{E78E8F1A-79BF-E546-BFAA-C3D4CD5426BB}"/>
+              </a:ext>
+            </a:extLst>
+          </p:cNvPr>
+          <p:cNvSpPr/>
+          <p:nvPr/>
+        </p:nvSpPr>
+        <p:spPr>
+          <a:xfrm>
+            <a:off x="11496318" y="4046866"/>
+            <a:ext cx="713684" cy="713678"/>
+          </a:xfrm>
+          <a:prstGeom prst="ellipse">
+            <a:avLst/>
+          </a:prstGeom>
+        </p:spPr>
+        <p:style>
+          <a:lnRef idx="2">
+            <a:schemeClr val="accent1">
+              <a:shade val="50000"/>
+            </a:schemeClr>
+          </a:lnRef>
+          <a:fillRef idx="1">
+            <a:schemeClr val="accent1"/>
+          </a:fillRef>
+          <a:effectRef idx="0">
+            <a:schemeClr val="accent1"/>
+          </a:effectRef>
+          <a:fontRef idx="minor">
+            <a:schemeClr val="lt1"/>
+          </a:fontRef>
+        </p:style>
+        <p:txBody>
+          <a:bodyPr rtlCol="0" anchor="ctr"/>
+          <a:lstStyle/>
+          <a:p>
+            <a:pPr algn="ctr"/>
+            <a:endParaRPr lang="ja-JP" altLang="en-US">
+              <a:latin typeface="+mj-lt"/>
+              <a:ea typeface="FOT-Cezanne Pro M" panose="02020600000000000000" pitchFamily="18" charset="-128"/>
+              <a:cs typeface="Arial" panose="020B0604020202020204" pitchFamily="34" charset="0"/>
+            </a:endParaRPr>
+          </a:p>
+        </p:txBody>
+      </p:sp>
+      <p:sp>
+        <p:nvSpPr>
+          <p:cNvPr id="17" name="円/楕円 16">
+            <a:extLst>
+              <a:ext uri="{FF2B5EF4-FFF2-40B4-BE49-F238E27FC236}">
+                <a16:creationId xmlns:a16="http://schemas.microsoft.com/office/drawing/2014/main" id="{0108D93D-0B54-AA4C-80AF-BA96DA4558A2}"/>
+              </a:ext>
+            </a:extLst>
+          </p:cNvPr>
+          <p:cNvSpPr/>
+          <p:nvPr/>
+        </p:nvSpPr>
+        <p:spPr>
+          <a:xfrm>
+            <a:off x="7413991" y="5606819"/>
+            <a:ext cx="713684" cy="713678"/>
+          </a:xfrm>
+          <a:prstGeom prst="ellipse">
+            <a:avLst/>
+          </a:prstGeom>
+          <a:solidFill>
+            <a:schemeClr val="accent2"/>
+          </a:solidFill>
+        </p:spPr>
+        <p:style>
+          <a:lnRef idx="2">
+            <a:schemeClr val="accent1">
+              <a:shade val="50000"/>
+            </a:schemeClr>
+          </a:lnRef>
+          <a:fillRef idx="1">
+            <a:schemeClr val="accent1"/>
+          </a:fillRef>
+          <a:effectRef idx="0">
+            <a:schemeClr val="accent1"/>
+          </a:effectRef>
+          <a:fontRef idx="minor">
+            <a:schemeClr val="lt1"/>
+          </a:fontRef>
+        </p:style>
+        <p:txBody>
+          <a:bodyPr rtlCol="0" anchor="ctr"/>
+          <a:lstStyle/>
+          <a:p>
+            <a:pPr algn="ctr"/>
+            <a:endParaRPr lang="ja-JP" altLang="en-US">
+              <a:latin typeface="+mj-lt"/>
+              <a:ea typeface="FOT-Cezanne Pro M" panose="02020600000000000000" pitchFamily="18" charset="-128"/>
+              <a:cs typeface="Arial" panose="020B0604020202020204" pitchFamily="34" charset="0"/>
+            </a:endParaRPr>
+          </a:p>
+        </p:txBody>
+      </p:sp>
+      <p:sp>
+        <p:nvSpPr>
+          <p:cNvPr id="27" name="テキスト ボックス 26">
+            <a:extLst>
+              <a:ext uri="{FF2B5EF4-FFF2-40B4-BE49-F238E27FC236}">
+                <a16:creationId xmlns:a16="http://schemas.microsoft.com/office/drawing/2014/main" id="{8187E3F5-2E8A-954F-8FE7-19F6FBFFE5AB}"/>
+              </a:ext>
+            </a:extLst>
+          </p:cNvPr>
+          <p:cNvSpPr txBox="1"/>
+          <p:nvPr/>
+        </p:nvSpPr>
+        <p:spPr>
+          <a:xfrm>
+            <a:off x="13201478" y="10962086"/>
+            <a:ext cx="7576577" cy="2246769"/>
+          </a:xfrm>
+          <a:prstGeom prst="rect">
+            <a:avLst/>
+          </a:prstGeom>
+          <a:solidFill>
+            <a:schemeClr val="accent3">
+              <a:lumMod val="20000"/>
+              <a:lumOff val="80000"/>
+            </a:schemeClr>
+          </a:solidFill>
+        </p:spPr>
+        <p:txBody>
+          <a:bodyPr wrap="square" rtlCol="0">
+            <a:spAutoFit/>
+          </a:bodyPr>
+          <a:lstStyle/>
+          <a:p>
+            <a:r>
+              <a:rPr lang="en-US" altLang="ja-JP" sz="2800" dirty="0" err="1">
+                <a:latin typeface="+mj-lt"/>
+                <a:ea typeface="FOT-Cezanne Pro M" panose="02020600000000000000" pitchFamily="18" charset="-128"/>
+                <a:cs typeface="Arial" panose="020B0604020202020204" pitchFamily="34" charset="0"/>
+              </a:rPr>
+              <a:t>dy</a:t>
+            </a:r>
+            <a:r>
+              <a:rPr lang="en-US" altLang="ja-JP" sz="2800" dirty="0">
+                <a:latin typeface="+mj-lt"/>
+                <a:ea typeface="FOT-Cezanne Pro M" panose="02020600000000000000" pitchFamily="18" charset="-128"/>
+                <a:cs typeface="Arial" panose="020B0604020202020204" pitchFamily="34" charset="0"/>
+              </a:rPr>
+              <a:t>(</a:t>
+            </a:r>
+            <a:r>
+              <a:rPr lang="en-US" altLang="ja-JP" sz="2800" dirty="0" err="1">
+                <a:latin typeface="+mj-lt"/>
+                <a:ea typeface="FOT-Cezanne Pro M" panose="02020600000000000000" pitchFamily="18" charset="-128"/>
+                <a:cs typeface="Arial" panose="020B0604020202020204" pitchFamily="34" charset="0"/>
+              </a:rPr>
+              <a:t>timeAfterJump</a:t>
+            </a:r>
+            <a:r>
+              <a:rPr lang="en-US" altLang="ja-JP" sz="2800" dirty="0">
+                <a:latin typeface="+mj-lt"/>
+                <a:ea typeface="FOT-Cezanne Pro M" panose="02020600000000000000" pitchFamily="18" charset="-128"/>
+                <a:cs typeface="Arial" panose="020B0604020202020204" pitchFamily="34" charset="0"/>
+              </a:rPr>
+              <a:t>) = v0 - g * </a:t>
+            </a:r>
+            <a:r>
+              <a:rPr lang="en-US" altLang="ja-JP" sz="2800" dirty="0" err="1">
+                <a:latin typeface="+mj-lt"/>
+                <a:ea typeface="FOT-Cezanne Pro M" panose="02020600000000000000" pitchFamily="18" charset="-128"/>
+                <a:cs typeface="Arial" panose="020B0604020202020204" pitchFamily="34" charset="0"/>
+              </a:rPr>
+              <a:t>timeAfterJump</a:t>
+            </a:r>
+            <a:r>
+              <a:rPr lang="en-US" altLang="ja-JP" sz="2800" dirty="0">
+                <a:latin typeface="+mj-lt"/>
+                <a:ea typeface="FOT-Cezanne Pro M" panose="02020600000000000000" pitchFamily="18" charset="-128"/>
+                <a:cs typeface="Arial" panose="020B0604020202020204" pitchFamily="34" charset="0"/>
+              </a:rPr>
+              <a:t>( = 10)</a:t>
+            </a:r>
+          </a:p>
+          <a:p>
+            <a:r>
+              <a:rPr lang="en-US" altLang="ja-JP" sz="2800" dirty="0">
+                <a:latin typeface="+mj-lt"/>
+                <a:ea typeface="FOT-Cezanne Pro M" panose="02020600000000000000" pitchFamily="18" charset="-128"/>
+                <a:cs typeface="Arial" panose="020B0604020202020204" pitchFamily="34" charset="0"/>
+              </a:rPr>
+              <a:t>v = - g * time( = 0)</a:t>
+            </a:r>
+          </a:p>
+          <a:p>
+            <a:endParaRPr lang="en-US" altLang="ja-JP" sz="2800" dirty="0">
+              <a:latin typeface="+mj-lt"/>
+              <a:ea typeface="FOT-Cezanne Pro M" panose="02020600000000000000" pitchFamily="18" charset="-128"/>
+              <a:cs typeface="Arial" panose="020B0604020202020204" pitchFamily="34" charset="0"/>
+            </a:endParaRPr>
+          </a:p>
+          <a:p>
+            <a:r>
+              <a:rPr lang="en-US" altLang="ja-JP" sz="2800" dirty="0">
+                <a:latin typeface="+mj-lt"/>
+                <a:ea typeface="FOT-Cezanne Pro M" panose="02020600000000000000" pitchFamily="18" charset="-128"/>
+                <a:cs typeface="Arial" panose="020B0604020202020204" pitchFamily="34" charset="0"/>
+              </a:rPr>
+              <a:t>const v0 = 30;</a:t>
+            </a:r>
+          </a:p>
+          <a:p>
+            <a:r>
+              <a:rPr lang="en-US" altLang="ja-JP" sz="2800" dirty="0">
+                <a:latin typeface="+mj-lt"/>
+                <a:ea typeface="FOT-Cezanne Pro M" panose="02020600000000000000" pitchFamily="18" charset="-128"/>
+                <a:cs typeface="Arial" panose="020B0604020202020204" pitchFamily="34" charset="0"/>
+              </a:rPr>
+              <a:t>const g = 3;</a:t>
+            </a:r>
+          </a:p>
+        </p:txBody>
+      </p:sp>
+      <p:sp>
+        <p:nvSpPr>
+          <p:cNvPr id="3" name="テキスト ボックス 2">
+            <a:extLst>
+              <a:ext uri="{FF2B5EF4-FFF2-40B4-BE49-F238E27FC236}">
+                <a16:creationId xmlns:a16="http://schemas.microsoft.com/office/drawing/2014/main" id="{A2C123D0-D3F3-0149-BD21-A56D4836DC04}"/>
+              </a:ext>
+            </a:extLst>
+          </p:cNvPr>
+          <p:cNvSpPr txBox="1"/>
+          <p:nvPr/>
+        </p:nvSpPr>
+        <p:spPr>
+          <a:xfrm>
+            <a:off x="7019311" y="10201207"/>
+            <a:ext cx="14074781" cy="369332"/>
+          </a:xfrm>
+          <a:prstGeom prst="rect">
+            <a:avLst/>
+          </a:prstGeom>
+          <a:noFill/>
+        </p:spPr>
+        <p:txBody>
+          <a:bodyPr wrap="square" rtlCol="0">
+            <a:spAutoFit/>
+          </a:bodyPr>
+          <a:lstStyle/>
+          <a:p>
+            <a:r>
+              <a:rPr lang="en-US" altLang="ja-JP" dirty="0">
+                <a:latin typeface="+mj-lt"/>
+                <a:ea typeface="FOT-Cezanne Pro M" panose="02020600000000000000" pitchFamily="18" charset="-128"/>
+                <a:cs typeface="Arial" panose="020B0604020202020204" pitchFamily="34" charset="0"/>
+              </a:rPr>
+              <a:t>1</a:t>
+            </a:r>
+            <a:r>
+              <a:rPr lang="ja-JP" altLang="en-US">
+                <a:latin typeface="+mj-lt"/>
+                <a:ea typeface="FOT-Cezanne Pro M" panose="02020600000000000000" pitchFamily="18" charset="-128"/>
+                <a:cs typeface="Arial" panose="020B0604020202020204" pitchFamily="34" charset="0"/>
+              </a:rPr>
+              <a:t>　　</a:t>
+            </a:r>
+            <a:r>
+              <a:rPr lang="en-US" altLang="ja-JP" dirty="0">
+                <a:latin typeface="+mj-lt"/>
+                <a:ea typeface="FOT-Cezanne Pro M" panose="02020600000000000000" pitchFamily="18" charset="-128"/>
+                <a:cs typeface="Arial" panose="020B0604020202020204" pitchFamily="34" charset="0"/>
+              </a:rPr>
+              <a:t>2</a:t>
+            </a:r>
+            <a:r>
+              <a:rPr lang="ja-JP" altLang="en-US">
+                <a:latin typeface="+mj-lt"/>
+                <a:ea typeface="FOT-Cezanne Pro M" panose="02020600000000000000" pitchFamily="18" charset="-128"/>
+                <a:cs typeface="Arial" panose="020B0604020202020204" pitchFamily="34" charset="0"/>
+              </a:rPr>
+              <a:t>　　</a:t>
+            </a:r>
+            <a:r>
+              <a:rPr lang="en-US" altLang="ja-JP" dirty="0">
+                <a:latin typeface="+mj-lt"/>
+                <a:ea typeface="FOT-Cezanne Pro M" panose="02020600000000000000" pitchFamily="18" charset="-128"/>
+                <a:cs typeface="Arial" panose="020B0604020202020204" pitchFamily="34" charset="0"/>
+              </a:rPr>
+              <a:t>3</a:t>
+            </a:r>
+            <a:r>
+              <a:rPr lang="ja-JP" altLang="en-US">
+                <a:latin typeface="+mj-lt"/>
+                <a:ea typeface="FOT-Cezanne Pro M" panose="02020600000000000000" pitchFamily="18" charset="-128"/>
+                <a:cs typeface="Arial" panose="020B0604020202020204" pitchFamily="34" charset="0"/>
+              </a:rPr>
+              <a:t>　　</a:t>
+            </a:r>
+            <a:r>
+              <a:rPr lang="en-US" altLang="ja-JP" dirty="0">
+                <a:latin typeface="+mj-lt"/>
+                <a:ea typeface="FOT-Cezanne Pro M" panose="02020600000000000000" pitchFamily="18" charset="-128"/>
+                <a:cs typeface="Arial" panose="020B0604020202020204" pitchFamily="34" charset="0"/>
+              </a:rPr>
+              <a:t>4</a:t>
+            </a:r>
+            <a:r>
+              <a:rPr lang="ja-JP" altLang="en-US">
+                <a:latin typeface="+mj-lt"/>
+                <a:ea typeface="FOT-Cezanne Pro M" panose="02020600000000000000" pitchFamily="18" charset="-128"/>
+                <a:cs typeface="Arial" panose="020B0604020202020204" pitchFamily="34" charset="0"/>
+              </a:rPr>
+              <a:t>　　</a:t>
+            </a:r>
+            <a:r>
+              <a:rPr lang="en-US" altLang="ja-JP" dirty="0">
+                <a:latin typeface="+mj-lt"/>
+                <a:ea typeface="FOT-Cezanne Pro M" panose="02020600000000000000" pitchFamily="18" charset="-128"/>
+                <a:cs typeface="Arial" panose="020B0604020202020204" pitchFamily="34" charset="0"/>
+              </a:rPr>
+              <a:t>5</a:t>
+            </a:r>
+            <a:r>
+              <a:rPr lang="ja-JP" altLang="en-US">
+                <a:latin typeface="+mj-lt"/>
+                <a:ea typeface="FOT-Cezanne Pro M" panose="02020600000000000000" pitchFamily="18" charset="-128"/>
+                <a:cs typeface="Arial" panose="020B0604020202020204" pitchFamily="34" charset="0"/>
+              </a:rPr>
+              <a:t>　　</a:t>
+            </a:r>
+            <a:r>
+              <a:rPr lang="en-US" altLang="ja-JP" dirty="0">
+                <a:latin typeface="+mj-lt"/>
+                <a:ea typeface="FOT-Cezanne Pro M" panose="02020600000000000000" pitchFamily="18" charset="-128"/>
+                <a:cs typeface="Arial" panose="020B0604020202020204" pitchFamily="34" charset="0"/>
+              </a:rPr>
+              <a:t> 6</a:t>
+            </a:r>
+            <a:r>
+              <a:rPr lang="ja-JP" altLang="en-US">
+                <a:latin typeface="+mj-lt"/>
+                <a:ea typeface="FOT-Cezanne Pro M" panose="02020600000000000000" pitchFamily="18" charset="-128"/>
+                <a:cs typeface="Arial" panose="020B0604020202020204" pitchFamily="34" charset="0"/>
+              </a:rPr>
+              <a:t>　　</a:t>
+            </a:r>
+            <a:r>
+              <a:rPr lang="en-US" altLang="ja-JP" dirty="0">
+                <a:latin typeface="+mj-lt"/>
+                <a:ea typeface="FOT-Cezanne Pro M" panose="02020600000000000000" pitchFamily="18" charset="-128"/>
+                <a:cs typeface="Arial" panose="020B0604020202020204" pitchFamily="34" charset="0"/>
+              </a:rPr>
+              <a:t> 7</a:t>
+            </a:r>
+            <a:r>
+              <a:rPr lang="ja-JP" altLang="en-US">
+                <a:latin typeface="+mj-lt"/>
+                <a:ea typeface="FOT-Cezanne Pro M" panose="02020600000000000000" pitchFamily="18" charset="-128"/>
+                <a:cs typeface="Arial" panose="020B0604020202020204" pitchFamily="34" charset="0"/>
+              </a:rPr>
+              <a:t>　　</a:t>
+            </a:r>
+            <a:r>
+              <a:rPr lang="en-US" altLang="ja-JP" dirty="0">
+                <a:latin typeface="+mj-lt"/>
+                <a:ea typeface="FOT-Cezanne Pro M" panose="02020600000000000000" pitchFamily="18" charset="-128"/>
+                <a:cs typeface="Arial" panose="020B0604020202020204" pitchFamily="34" charset="0"/>
+              </a:rPr>
+              <a:t>8</a:t>
+            </a:r>
+            <a:r>
+              <a:rPr lang="ja-JP" altLang="en-US">
+                <a:latin typeface="+mj-lt"/>
+                <a:ea typeface="FOT-Cezanne Pro M" panose="02020600000000000000" pitchFamily="18" charset="-128"/>
+                <a:cs typeface="Arial" panose="020B0604020202020204" pitchFamily="34" charset="0"/>
+              </a:rPr>
+              <a:t>　　</a:t>
+            </a:r>
+            <a:r>
+              <a:rPr lang="en-US" altLang="ja-JP" dirty="0">
+                <a:latin typeface="+mj-lt"/>
+                <a:ea typeface="FOT-Cezanne Pro M" panose="02020600000000000000" pitchFamily="18" charset="-128"/>
+                <a:cs typeface="Arial" panose="020B0604020202020204" pitchFamily="34" charset="0"/>
+              </a:rPr>
+              <a:t> 9</a:t>
+            </a:r>
+            <a:r>
+              <a:rPr lang="ja-JP" altLang="en-US">
+                <a:latin typeface="+mj-lt"/>
+                <a:ea typeface="FOT-Cezanne Pro M" panose="02020600000000000000" pitchFamily="18" charset="-128"/>
+                <a:cs typeface="Arial" panose="020B0604020202020204" pitchFamily="34" charset="0"/>
+              </a:rPr>
+              <a:t>　</a:t>
+            </a:r>
+            <a:r>
+              <a:rPr lang="en-US" altLang="ja-JP" dirty="0">
+                <a:latin typeface="+mj-lt"/>
+                <a:ea typeface="FOT-Cezanne Pro M" panose="02020600000000000000" pitchFamily="18" charset="-128"/>
+                <a:cs typeface="Arial" panose="020B0604020202020204" pitchFamily="34" charset="0"/>
+              </a:rPr>
+              <a:t>  10</a:t>
+            </a:r>
+            <a:r>
+              <a:rPr lang="ja-JP" altLang="en-US">
+                <a:latin typeface="+mj-lt"/>
+                <a:ea typeface="FOT-Cezanne Pro M" panose="02020600000000000000" pitchFamily="18" charset="-128"/>
+                <a:cs typeface="Arial" panose="020B0604020202020204" pitchFamily="34" charset="0"/>
+              </a:rPr>
+              <a:t>　</a:t>
+            </a:r>
+            <a:r>
+              <a:rPr lang="en-US" altLang="ja-JP" dirty="0">
+                <a:latin typeface="+mj-lt"/>
+                <a:ea typeface="FOT-Cezanne Pro M" panose="02020600000000000000" pitchFamily="18" charset="-128"/>
+                <a:cs typeface="Arial" panose="020B0604020202020204" pitchFamily="34" charset="0"/>
+              </a:rPr>
+              <a:t>  11</a:t>
+            </a:r>
+            <a:r>
+              <a:rPr lang="ja-JP" altLang="en-US">
+                <a:latin typeface="+mj-lt"/>
+                <a:ea typeface="FOT-Cezanne Pro M" panose="02020600000000000000" pitchFamily="18" charset="-128"/>
+                <a:cs typeface="Arial" panose="020B0604020202020204" pitchFamily="34" charset="0"/>
+              </a:rPr>
+              <a:t>　</a:t>
+            </a:r>
+            <a:r>
+              <a:rPr lang="en-US" altLang="ja-JP" dirty="0">
+                <a:latin typeface="+mj-lt"/>
+                <a:ea typeface="FOT-Cezanne Pro M" panose="02020600000000000000" pitchFamily="18" charset="-128"/>
+                <a:cs typeface="Arial" panose="020B0604020202020204" pitchFamily="34" charset="0"/>
+              </a:rPr>
+              <a:t>    12</a:t>
+            </a:r>
+            <a:r>
+              <a:rPr lang="ja-JP" altLang="en-US">
+                <a:latin typeface="+mj-lt"/>
+                <a:ea typeface="FOT-Cezanne Pro M" panose="02020600000000000000" pitchFamily="18" charset="-128"/>
+                <a:cs typeface="Arial" panose="020B0604020202020204" pitchFamily="34" charset="0"/>
+              </a:rPr>
+              <a:t>　</a:t>
+            </a:r>
+            <a:r>
+              <a:rPr lang="en-US" altLang="ja-JP" dirty="0">
+                <a:latin typeface="+mj-lt"/>
+                <a:ea typeface="FOT-Cezanne Pro M" panose="02020600000000000000" pitchFamily="18" charset="-128"/>
+                <a:cs typeface="Arial" panose="020B0604020202020204" pitchFamily="34" charset="0"/>
+              </a:rPr>
+              <a:t>  13</a:t>
+            </a:r>
+            <a:r>
+              <a:rPr lang="ja-JP" altLang="en-US">
+                <a:latin typeface="+mj-lt"/>
+                <a:ea typeface="FOT-Cezanne Pro M" panose="02020600000000000000" pitchFamily="18" charset="-128"/>
+                <a:cs typeface="Arial" panose="020B0604020202020204" pitchFamily="34" charset="0"/>
+              </a:rPr>
+              <a:t>　</a:t>
+            </a:r>
+            <a:r>
+              <a:rPr lang="en-US" altLang="ja-JP" dirty="0">
+                <a:latin typeface="+mj-lt"/>
+                <a:ea typeface="FOT-Cezanne Pro M" panose="02020600000000000000" pitchFamily="18" charset="-128"/>
+                <a:cs typeface="Arial" panose="020B0604020202020204" pitchFamily="34" charset="0"/>
+              </a:rPr>
+              <a:t>  14</a:t>
+            </a:r>
+            <a:r>
+              <a:rPr lang="ja-JP" altLang="en-US">
+                <a:latin typeface="+mj-lt"/>
+                <a:ea typeface="FOT-Cezanne Pro M" panose="02020600000000000000" pitchFamily="18" charset="-128"/>
+                <a:cs typeface="Arial" panose="020B0604020202020204" pitchFamily="34" charset="0"/>
+              </a:rPr>
+              <a:t>　</a:t>
+            </a:r>
+            <a:r>
+              <a:rPr lang="en-US" altLang="ja-JP" dirty="0">
+                <a:latin typeface="+mj-lt"/>
+                <a:ea typeface="FOT-Cezanne Pro M" panose="02020600000000000000" pitchFamily="18" charset="-128"/>
+                <a:cs typeface="Arial" panose="020B0604020202020204" pitchFamily="34" charset="0"/>
+              </a:rPr>
+              <a:t>  15</a:t>
+            </a:r>
+            <a:r>
+              <a:rPr lang="ja-JP" altLang="en-US">
+                <a:latin typeface="+mj-lt"/>
+                <a:ea typeface="FOT-Cezanne Pro M" panose="02020600000000000000" pitchFamily="18" charset="-128"/>
+                <a:cs typeface="Arial" panose="020B0604020202020204" pitchFamily="34" charset="0"/>
+              </a:rPr>
+              <a:t>　　</a:t>
+            </a:r>
+          </a:p>
+        </p:txBody>
+      </p:sp>
+      <p:sp>
+        <p:nvSpPr>
+          <p:cNvPr id="13" name="フリーフォーム 12">
+            <a:extLst>
+              <a:ext uri="{FF2B5EF4-FFF2-40B4-BE49-F238E27FC236}">
+                <a16:creationId xmlns:a16="http://schemas.microsoft.com/office/drawing/2014/main" id="{545BB0A6-01DF-1E4D-A500-A64AF06AE106}"/>
+              </a:ext>
+            </a:extLst>
+          </p:cNvPr>
+          <p:cNvSpPr/>
+          <p:nvPr/>
+        </p:nvSpPr>
+        <p:spPr>
+          <a:xfrm>
+            <a:off x="6593678" y="4403706"/>
+            <a:ext cx="5259482" cy="3794939"/>
+          </a:xfrm>
+          <a:custGeom>
+            <a:avLst/>
+            <a:gdLst>
+              <a:gd name="connsiteX0" fmla="*/ 0 w 9272588"/>
+              <a:gd name="connsiteY0" fmla="*/ 3708189 h 3708189"/>
+              <a:gd name="connsiteX1" fmla="*/ 5129213 w 9272588"/>
+              <a:gd name="connsiteY1" fmla="*/ 122026 h 3708189"/>
+              <a:gd name="connsiteX2" fmla="*/ 9272588 w 9272588"/>
+              <a:gd name="connsiteY2" fmla="*/ 893552 h 3708189"/>
+              <a:gd name="connsiteX0" fmla="*/ 0 w 9272588"/>
+              <a:gd name="connsiteY0" fmla="*/ 3786755 h 3786755"/>
+              <a:gd name="connsiteX1" fmla="*/ 5129213 w 9272588"/>
+              <a:gd name="connsiteY1" fmla="*/ 114867 h 3786755"/>
+              <a:gd name="connsiteX2" fmla="*/ 9272588 w 9272588"/>
+              <a:gd name="connsiteY2" fmla="*/ 972118 h 3786755"/>
+              <a:gd name="connsiteX0" fmla="*/ 0 w 9272588"/>
+              <a:gd name="connsiteY0" fmla="*/ 3671888 h 3671888"/>
+              <a:gd name="connsiteX1" fmla="*/ 5129213 w 9272588"/>
+              <a:gd name="connsiteY1" fmla="*/ 0 h 3671888"/>
+              <a:gd name="connsiteX2" fmla="*/ 9272588 w 9272588"/>
+              <a:gd name="connsiteY2" fmla="*/ 857251 h 3671888"/>
+              <a:gd name="connsiteX0" fmla="*/ 0 w 9272588"/>
+              <a:gd name="connsiteY0" fmla="*/ 3671888 h 3671888"/>
+              <a:gd name="connsiteX1" fmla="*/ 5129213 w 9272588"/>
+              <a:gd name="connsiteY1" fmla="*/ 0 h 3671888"/>
+              <a:gd name="connsiteX2" fmla="*/ 9272588 w 9272588"/>
+              <a:gd name="connsiteY2" fmla="*/ 857251 h 3671888"/>
+              <a:gd name="connsiteX0" fmla="*/ 0 w 9272588"/>
+              <a:gd name="connsiteY0" fmla="*/ 3671888 h 3671888"/>
+              <a:gd name="connsiteX1" fmla="*/ 5129213 w 9272588"/>
+              <a:gd name="connsiteY1" fmla="*/ 0 h 3671888"/>
+              <a:gd name="connsiteX2" fmla="*/ 9272588 w 9272588"/>
+              <a:gd name="connsiteY2" fmla="*/ 857251 h 3671888"/>
+              <a:gd name="connsiteX0" fmla="*/ 0 w 9272588"/>
+              <a:gd name="connsiteY0" fmla="*/ 3671888 h 3671888"/>
+              <a:gd name="connsiteX1" fmla="*/ 5129213 w 9272588"/>
+              <a:gd name="connsiteY1" fmla="*/ 0 h 3671888"/>
+              <a:gd name="connsiteX2" fmla="*/ 9272588 w 9272588"/>
+              <a:gd name="connsiteY2" fmla="*/ 857251 h 3671888"/>
+              <a:gd name="connsiteX0" fmla="*/ 0 w 9272588"/>
+              <a:gd name="connsiteY0" fmla="*/ 3671888 h 3671888"/>
+              <a:gd name="connsiteX1" fmla="*/ 5129213 w 9272588"/>
+              <a:gd name="connsiteY1" fmla="*/ 0 h 3671888"/>
+              <a:gd name="connsiteX2" fmla="*/ 9272588 w 9272588"/>
+              <a:gd name="connsiteY2" fmla="*/ 857251 h 3671888"/>
+              <a:gd name="connsiteX0" fmla="*/ 0 w 9272588"/>
+              <a:gd name="connsiteY0" fmla="*/ 3673912 h 3673912"/>
+              <a:gd name="connsiteX1" fmla="*/ 5129213 w 9272588"/>
+              <a:gd name="connsiteY1" fmla="*/ 2024 h 3673912"/>
+              <a:gd name="connsiteX2" fmla="*/ 9272588 w 9272588"/>
+              <a:gd name="connsiteY2" fmla="*/ 859275 h 3673912"/>
+              <a:gd name="connsiteX0" fmla="*/ 0 w 9272588"/>
+              <a:gd name="connsiteY0" fmla="*/ 3671888 h 3671888"/>
+              <a:gd name="connsiteX1" fmla="*/ 5129213 w 9272588"/>
+              <a:gd name="connsiteY1" fmla="*/ 0 h 3671888"/>
+              <a:gd name="connsiteX2" fmla="*/ 9272588 w 9272588"/>
+              <a:gd name="connsiteY2" fmla="*/ 857251 h 3671888"/>
+              <a:gd name="connsiteX0" fmla="*/ 0 w 10172700"/>
+              <a:gd name="connsiteY0" fmla="*/ 3671888 h 3671888"/>
+              <a:gd name="connsiteX1" fmla="*/ 5129213 w 10172700"/>
+              <a:gd name="connsiteY1" fmla="*/ 0 h 3671888"/>
+              <a:gd name="connsiteX2" fmla="*/ 10172700 w 10172700"/>
+              <a:gd name="connsiteY2" fmla="*/ 3386139 h 3671888"/>
+              <a:gd name="connsiteX0" fmla="*/ 0 w 10172700"/>
+              <a:gd name="connsiteY0" fmla="*/ 3671888 h 3671888"/>
+              <a:gd name="connsiteX1" fmla="*/ 5129213 w 10172700"/>
+              <a:gd name="connsiteY1" fmla="*/ 0 h 3671888"/>
+              <a:gd name="connsiteX2" fmla="*/ 10172700 w 10172700"/>
+              <a:gd name="connsiteY2" fmla="*/ 3386139 h 3671888"/>
+              <a:gd name="connsiteX0" fmla="*/ 0 w 10172700"/>
+              <a:gd name="connsiteY0" fmla="*/ 3671888 h 3671888"/>
+              <a:gd name="connsiteX1" fmla="*/ 5129213 w 10172700"/>
+              <a:gd name="connsiteY1" fmla="*/ 0 h 3671888"/>
+              <a:gd name="connsiteX2" fmla="*/ 10172700 w 10172700"/>
+              <a:gd name="connsiteY2" fmla="*/ 3386139 h 3671888"/>
+              <a:gd name="connsiteX0" fmla="*/ 0 w 5800725"/>
+              <a:gd name="connsiteY0" fmla="*/ 3671888 h 3671888"/>
+              <a:gd name="connsiteX1" fmla="*/ 5129213 w 5800725"/>
+              <a:gd name="connsiteY1" fmla="*/ 0 h 3671888"/>
+              <a:gd name="connsiteX2" fmla="*/ 5800725 w 5800725"/>
+              <a:gd name="connsiteY2" fmla="*/ 1257301 h 3671888"/>
+              <a:gd name="connsiteX0" fmla="*/ 0 w 5878445"/>
+              <a:gd name="connsiteY0" fmla="*/ 3671888 h 3671888"/>
+              <a:gd name="connsiteX1" fmla="*/ 5129213 w 5878445"/>
+              <a:gd name="connsiteY1" fmla="*/ 0 h 3671888"/>
+              <a:gd name="connsiteX2" fmla="*/ 5800725 w 5878445"/>
+              <a:gd name="connsiteY2" fmla="*/ 1257301 h 3671888"/>
+              <a:gd name="connsiteX0" fmla="*/ 0 w 5276861"/>
+              <a:gd name="connsiteY0" fmla="*/ 3671888 h 3671888"/>
+              <a:gd name="connsiteX1" fmla="*/ 5129213 w 5276861"/>
+              <a:gd name="connsiteY1" fmla="*/ 0 h 3671888"/>
+              <a:gd name="connsiteX2" fmla="*/ 5114925 w 5276861"/>
+              <a:gd name="connsiteY2" fmla="*/ 28576 h 3671888"/>
+              <a:gd name="connsiteX0" fmla="*/ 0 w 5175280"/>
+              <a:gd name="connsiteY0" fmla="*/ 3671888 h 3671888"/>
+              <a:gd name="connsiteX1" fmla="*/ 5129213 w 5175280"/>
+              <a:gd name="connsiteY1" fmla="*/ 0 h 3671888"/>
+              <a:gd name="connsiteX2" fmla="*/ 5114925 w 5175280"/>
+              <a:gd name="connsiteY2" fmla="*/ 28576 h 3671888"/>
+              <a:gd name="connsiteX0" fmla="*/ 0 w 5209124"/>
+              <a:gd name="connsiteY0" fmla="*/ 3672799 h 3672799"/>
+              <a:gd name="connsiteX1" fmla="*/ 5129213 w 5209124"/>
+              <a:gd name="connsiteY1" fmla="*/ 911 h 3672799"/>
+              <a:gd name="connsiteX2" fmla="*/ 5157787 w 5209124"/>
+              <a:gd name="connsiteY2" fmla="*/ 912 h 3672799"/>
+              <a:gd name="connsiteX0" fmla="*/ 0 w 5157787"/>
+              <a:gd name="connsiteY0" fmla="*/ 3671888 h 3671888"/>
+              <a:gd name="connsiteX1" fmla="*/ 5129213 w 5157787"/>
+              <a:gd name="connsiteY1" fmla="*/ 0 h 3671888"/>
+              <a:gd name="connsiteX2" fmla="*/ 5157787 w 5157787"/>
+              <a:gd name="connsiteY2" fmla="*/ 1 h 3671888"/>
+            </a:gdLst>
+            <a:ahLst/>
+            <a:cxnLst>
+              <a:cxn ang="0">
+                <a:pos x="connsiteX0" y="connsiteY0"/>
+              </a:cxn>
+              <a:cxn ang="0">
+                <a:pos x="connsiteX1" y="connsiteY1"/>
+              </a:cxn>
+              <a:cxn ang="0">
+                <a:pos x="connsiteX2" y="connsiteY2"/>
+              </a:cxn>
+            </a:cxnLst>
+            <a:rect l="l" t="t" r="r" b="b"/>
+            <a:pathLst>
+              <a:path w="5157787" h="3671888">
+                <a:moveTo>
+                  <a:pt x="0" y="3671888"/>
+                </a:moveTo>
+                <a:cubicBezTo>
+                  <a:pt x="906066" y="1141809"/>
+                  <a:pt x="2269332" y="54768"/>
+                  <a:pt x="5129213" y="0"/>
+                </a:cubicBezTo>
+                <a:cubicBezTo>
+                  <a:pt x="5103019" y="30956"/>
+                  <a:pt x="5155405" y="7145"/>
+                  <a:pt x="5157787" y="1"/>
+                </a:cubicBezTo>
+              </a:path>
+            </a:pathLst>
+          </a:custGeom>
+          <a:noFill/>
+        </p:spPr>
+        <p:style>
+          <a:lnRef idx="2">
+            <a:schemeClr val="accent1">
+              <a:shade val="50000"/>
+            </a:schemeClr>
+          </a:lnRef>
+          <a:fillRef idx="1">
+            <a:schemeClr val="accent1"/>
+          </a:fillRef>
+          <a:effectRef idx="0">
+            <a:schemeClr val="accent1"/>
+          </a:effectRef>
+          <a:fontRef idx="minor">
+            <a:schemeClr val="lt1"/>
+          </a:fontRef>
+        </p:style>
+        <p:txBody>
+          <a:bodyPr rtlCol="0" anchor="ctr"/>
+          <a:lstStyle/>
+          <a:p>
+            <a:pPr algn="ctr"/>
+            <a:endParaRPr lang="ja-JP" altLang="en-US">
+              <a:latin typeface="+mj-lt"/>
+              <a:ea typeface="FOT-Cezanne Pro M" panose="02020600000000000000" pitchFamily="18" charset="-128"/>
+              <a:cs typeface="Arial" panose="020B0604020202020204" pitchFamily="34" charset="0"/>
+            </a:endParaRPr>
+          </a:p>
+        </p:txBody>
+      </p:sp>
+      <p:sp>
+        <p:nvSpPr>
+          <p:cNvPr id="25" name="フリーフォーム 24">
+            <a:extLst>
+              <a:ext uri="{FF2B5EF4-FFF2-40B4-BE49-F238E27FC236}">
+                <a16:creationId xmlns:a16="http://schemas.microsoft.com/office/drawing/2014/main" id="{E2B17F75-6FC2-7A47-A94F-9E1D6D5FBA12}"/>
+              </a:ext>
+            </a:extLst>
+          </p:cNvPr>
+          <p:cNvSpPr/>
+          <p:nvPr/>
+        </p:nvSpPr>
+        <p:spPr>
+          <a:xfrm flipH="1">
+            <a:off x="11859556" y="4403282"/>
+            <a:ext cx="3122145" cy="874362"/>
+          </a:xfrm>
+          <a:custGeom>
+            <a:avLst/>
+            <a:gdLst>
+              <a:gd name="connsiteX0" fmla="*/ 0 w 9272588"/>
+              <a:gd name="connsiteY0" fmla="*/ 3708189 h 3708189"/>
+              <a:gd name="connsiteX1" fmla="*/ 5129213 w 9272588"/>
+              <a:gd name="connsiteY1" fmla="*/ 122026 h 3708189"/>
+              <a:gd name="connsiteX2" fmla="*/ 9272588 w 9272588"/>
+              <a:gd name="connsiteY2" fmla="*/ 893552 h 3708189"/>
+              <a:gd name="connsiteX0" fmla="*/ 0 w 9272588"/>
+              <a:gd name="connsiteY0" fmla="*/ 3786755 h 3786755"/>
+              <a:gd name="connsiteX1" fmla="*/ 5129213 w 9272588"/>
+              <a:gd name="connsiteY1" fmla="*/ 114867 h 3786755"/>
+              <a:gd name="connsiteX2" fmla="*/ 9272588 w 9272588"/>
+              <a:gd name="connsiteY2" fmla="*/ 972118 h 3786755"/>
+              <a:gd name="connsiteX0" fmla="*/ 0 w 9272588"/>
+              <a:gd name="connsiteY0" fmla="*/ 3671888 h 3671888"/>
+              <a:gd name="connsiteX1" fmla="*/ 5129213 w 9272588"/>
+              <a:gd name="connsiteY1" fmla="*/ 0 h 3671888"/>
+              <a:gd name="connsiteX2" fmla="*/ 9272588 w 9272588"/>
+              <a:gd name="connsiteY2" fmla="*/ 857251 h 3671888"/>
+              <a:gd name="connsiteX0" fmla="*/ 0 w 9272588"/>
+              <a:gd name="connsiteY0" fmla="*/ 3671888 h 3671888"/>
+              <a:gd name="connsiteX1" fmla="*/ 5129213 w 9272588"/>
+              <a:gd name="connsiteY1" fmla="*/ 0 h 3671888"/>
+              <a:gd name="connsiteX2" fmla="*/ 9272588 w 9272588"/>
+              <a:gd name="connsiteY2" fmla="*/ 857251 h 3671888"/>
+              <a:gd name="connsiteX0" fmla="*/ 0 w 9272588"/>
+              <a:gd name="connsiteY0" fmla="*/ 3671888 h 3671888"/>
+              <a:gd name="connsiteX1" fmla="*/ 5129213 w 9272588"/>
+              <a:gd name="connsiteY1" fmla="*/ 0 h 3671888"/>
+              <a:gd name="connsiteX2" fmla="*/ 9272588 w 9272588"/>
+              <a:gd name="connsiteY2" fmla="*/ 857251 h 3671888"/>
+              <a:gd name="connsiteX0" fmla="*/ 0 w 9272588"/>
+              <a:gd name="connsiteY0" fmla="*/ 3671888 h 3671888"/>
+              <a:gd name="connsiteX1" fmla="*/ 5129213 w 9272588"/>
+              <a:gd name="connsiteY1" fmla="*/ 0 h 3671888"/>
+              <a:gd name="connsiteX2" fmla="*/ 9272588 w 9272588"/>
+              <a:gd name="connsiteY2" fmla="*/ 857251 h 3671888"/>
+              <a:gd name="connsiteX0" fmla="*/ 0 w 9272588"/>
+              <a:gd name="connsiteY0" fmla="*/ 3671888 h 3671888"/>
+              <a:gd name="connsiteX1" fmla="*/ 5129213 w 9272588"/>
+              <a:gd name="connsiteY1" fmla="*/ 0 h 3671888"/>
+              <a:gd name="connsiteX2" fmla="*/ 9272588 w 9272588"/>
+              <a:gd name="connsiteY2" fmla="*/ 857251 h 3671888"/>
+              <a:gd name="connsiteX0" fmla="*/ 0 w 9272588"/>
+              <a:gd name="connsiteY0" fmla="*/ 3673912 h 3673912"/>
+              <a:gd name="connsiteX1" fmla="*/ 5129213 w 9272588"/>
+              <a:gd name="connsiteY1" fmla="*/ 2024 h 3673912"/>
+              <a:gd name="connsiteX2" fmla="*/ 9272588 w 9272588"/>
+              <a:gd name="connsiteY2" fmla="*/ 859275 h 3673912"/>
+              <a:gd name="connsiteX0" fmla="*/ 0 w 9272588"/>
+              <a:gd name="connsiteY0" fmla="*/ 3671888 h 3671888"/>
+              <a:gd name="connsiteX1" fmla="*/ 5129213 w 9272588"/>
+              <a:gd name="connsiteY1" fmla="*/ 0 h 3671888"/>
+              <a:gd name="connsiteX2" fmla="*/ 9272588 w 9272588"/>
+              <a:gd name="connsiteY2" fmla="*/ 857251 h 3671888"/>
+              <a:gd name="connsiteX0" fmla="*/ 0 w 10172700"/>
+              <a:gd name="connsiteY0" fmla="*/ 3671888 h 3671888"/>
+              <a:gd name="connsiteX1" fmla="*/ 5129213 w 10172700"/>
+              <a:gd name="connsiteY1" fmla="*/ 0 h 3671888"/>
+              <a:gd name="connsiteX2" fmla="*/ 10172700 w 10172700"/>
+              <a:gd name="connsiteY2" fmla="*/ 3386139 h 3671888"/>
+              <a:gd name="connsiteX0" fmla="*/ 0 w 10172700"/>
+              <a:gd name="connsiteY0" fmla="*/ 3671888 h 3671888"/>
+              <a:gd name="connsiteX1" fmla="*/ 5129213 w 10172700"/>
+              <a:gd name="connsiteY1" fmla="*/ 0 h 3671888"/>
+              <a:gd name="connsiteX2" fmla="*/ 10172700 w 10172700"/>
+              <a:gd name="connsiteY2" fmla="*/ 3386139 h 3671888"/>
+              <a:gd name="connsiteX0" fmla="*/ 0 w 10172700"/>
+              <a:gd name="connsiteY0" fmla="*/ 3671888 h 3671888"/>
+              <a:gd name="connsiteX1" fmla="*/ 5129213 w 10172700"/>
+              <a:gd name="connsiteY1" fmla="*/ 0 h 3671888"/>
+              <a:gd name="connsiteX2" fmla="*/ 10172700 w 10172700"/>
+              <a:gd name="connsiteY2" fmla="*/ 3386139 h 3671888"/>
+              <a:gd name="connsiteX0" fmla="*/ 0 w 5800725"/>
+              <a:gd name="connsiteY0" fmla="*/ 3671888 h 3671888"/>
+              <a:gd name="connsiteX1" fmla="*/ 5129213 w 5800725"/>
+              <a:gd name="connsiteY1" fmla="*/ 0 h 3671888"/>
+              <a:gd name="connsiteX2" fmla="*/ 5800725 w 5800725"/>
+              <a:gd name="connsiteY2" fmla="*/ 1257301 h 3671888"/>
+              <a:gd name="connsiteX0" fmla="*/ 0 w 5878445"/>
+              <a:gd name="connsiteY0" fmla="*/ 3671888 h 3671888"/>
+              <a:gd name="connsiteX1" fmla="*/ 5129213 w 5878445"/>
+              <a:gd name="connsiteY1" fmla="*/ 0 h 3671888"/>
+              <a:gd name="connsiteX2" fmla="*/ 5800725 w 5878445"/>
+              <a:gd name="connsiteY2" fmla="*/ 1257301 h 3671888"/>
+              <a:gd name="connsiteX0" fmla="*/ 0 w 5276861"/>
+              <a:gd name="connsiteY0" fmla="*/ 3671888 h 3671888"/>
+              <a:gd name="connsiteX1" fmla="*/ 5129213 w 5276861"/>
+              <a:gd name="connsiteY1" fmla="*/ 0 h 3671888"/>
+              <a:gd name="connsiteX2" fmla="*/ 5114925 w 5276861"/>
+              <a:gd name="connsiteY2" fmla="*/ 28576 h 3671888"/>
+              <a:gd name="connsiteX0" fmla="*/ 0 w 5175280"/>
+              <a:gd name="connsiteY0" fmla="*/ 3671888 h 3671888"/>
+              <a:gd name="connsiteX1" fmla="*/ 5129213 w 5175280"/>
+              <a:gd name="connsiteY1" fmla="*/ 0 h 3671888"/>
+              <a:gd name="connsiteX2" fmla="*/ 5114925 w 5175280"/>
+              <a:gd name="connsiteY2" fmla="*/ 28576 h 3671888"/>
+              <a:gd name="connsiteX0" fmla="*/ 0 w 5209124"/>
+              <a:gd name="connsiteY0" fmla="*/ 3672799 h 3672799"/>
+              <a:gd name="connsiteX1" fmla="*/ 5129213 w 5209124"/>
+              <a:gd name="connsiteY1" fmla="*/ 911 h 3672799"/>
+              <a:gd name="connsiteX2" fmla="*/ 5157787 w 5209124"/>
+              <a:gd name="connsiteY2" fmla="*/ 912 h 3672799"/>
+              <a:gd name="connsiteX0" fmla="*/ 0 w 5157787"/>
+              <a:gd name="connsiteY0" fmla="*/ 3671888 h 3671888"/>
+              <a:gd name="connsiteX1" fmla="*/ 5129213 w 5157787"/>
+              <a:gd name="connsiteY1" fmla="*/ 0 h 3671888"/>
+              <a:gd name="connsiteX2" fmla="*/ 5157787 w 5157787"/>
+              <a:gd name="connsiteY2" fmla="*/ 1 h 3671888"/>
+              <a:gd name="connsiteX0" fmla="*/ 0 w 5132878"/>
+              <a:gd name="connsiteY0" fmla="*/ 3671888 h 3671888"/>
+              <a:gd name="connsiteX1" fmla="*/ 5129213 w 5132878"/>
+              <a:gd name="connsiteY1" fmla="*/ 0 h 3671888"/>
+              <a:gd name="connsiteX2" fmla="*/ 5132878 w 5132878"/>
+              <a:gd name="connsiteY2" fmla="*/ 638987 h 3671888"/>
+              <a:gd name="connsiteX0" fmla="*/ 0 w 5129213"/>
+              <a:gd name="connsiteY0" fmla="*/ 3671888 h 3671888"/>
+              <a:gd name="connsiteX1" fmla="*/ 5129213 w 5129213"/>
+              <a:gd name="connsiteY1" fmla="*/ 0 h 3671888"/>
+              <a:gd name="connsiteX0" fmla="*/ 0 w 5129213"/>
+              <a:gd name="connsiteY0" fmla="*/ 3671888 h 3671888"/>
+              <a:gd name="connsiteX1" fmla="*/ 5129213 w 5129213"/>
+              <a:gd name="connsiteY1" fmla="*/ 0 h 3671888"/>
+              <a:gd name="connsiteX0" fmla="*/ 0 w 3061776"/>
+              <a:gd name="connsiteY0" fmla="*/ 1385531 h 1385532"/>
+              <a:gd name="connsiteX1" fmla="*/ 3061776 w 3061776"/>
+              <a:gd name="connsiteY1" fmla="*/ 539929 h 1385532"/>
+              <a:gd name="connsiteX0" fmla="*/ 0 w 3061776"/>
+              <a:gd name="connsiteY0" fmla="*/ 845602 h 845602"/>
+              <a:gd name="connsiteX1" fmla="*/ 3061776 w 3061776"/>
+              <a:gd name="connsiteY1" fmla="*/ 0 h 845602"/>
+              <a:gd name="connsiteX0" fmla="*/ 0 w 3061776"/>
+              <a:gd name="connsiteY0" fmla="*/ 846011 h 846011"/>
+              <a:gd name="connsiteX1" fmla="*/ 3061776 w 3061776"/>
+              <a:gd name="connsiteY1" fmla="*/ 409 h 846011"/>
+            </a:gdLst>
+            <a:ahLst/>
+            <a:cxnLst>
+              <a:cxn ang="0">
+                <a:pos x="connsiteX0" y="connsiteY0"/>
+              </a:cxn>
+              <a:cxn ang="0">
+                <a:pos x="connsiteX1" y="connsiteY1"/>
+              </a:cxn>
+            </a:cxnLst>
+            <a:rect l="l" t="t" r="r" b="b"/>
+            <a:pathLst>
+              <a:path w="3061776" h="846011">
+                <a:moveTo>
+                  <a:pt x="0" y="846011"/>
+                </a:moveTo>
+                <a:cubicBezTo>
+                  <a:pt x="208618" y="626115"/>
+                  <a:pt x="1173341" y="-18553"/>
+                  <a:pt x="3061776" y="409"/>
+                </a:cubicBezTo>
+              </a:path>
+            </a:pathLst>
+          </a:custGeom>
+          <a:noFill/>
+        </p:spPr>
+        <p:style>
+          <a:lnRef idx="2">
+            <a:schemeClr val="accent1">
+              <a:shade val="50000"/>
+            </a:schemeClr>
+          </a:lnRef>
+          <a:fillRef idx="1">
+            <a:schemeClr val="accent1"/>
+          </a:fillRef>
+          <a:effectRef idx="0">
+            <a:schemeClr val="accent1"/>
+          </a:effectRef>
+          <a:fontRef idx="minor">
+            <a:schemeClr val="lt1"/>
+          </a:fontRef>
+        </p:style>
+        <p:txBody>
+          <a:bodyPr rtlCol="0" anchor="ctr"/>
+          <a:lstStyle/>
+          <a:p>
+            <a:pPr algn="ctr"/>
+            <a:endParaRPr lang="ja-JP" altLang="en-US">
+              <a:latin typeface="+mj-lt"/>
+              <a:ea typeface="FOT-Cezanne Pro M" panose="02020600000000000000" pitchFamily="18" charset="-128"/>
+              <a:cs typeface="Arial" panose="020B0604020202020204" pitchFamily="34" charset="0"/>
+            </a:endParaRPr>
+          </a:p>
+        </p:txBody>
+      </p:sp>
+      <p:sp>
+        <p:nvSpPr>
+          <p:cNvPr id="26" name="正方形/長方形 25">
+            <a:extLst>
+              <a:ext uri="{FF2B5EF4-FFF2-40B4-BE49-F238E27FC236}">
+                <a16:creationId xmlns:a16="http://schemas.microsoft.com/office/drawing/2014/main" id="{FEE1EAD3-72B0-2D4A-99CC-D9CABA164E75}"/>
+              </a:ext>
+            </a:extLst>
+          </p:cNvPr>
+          <p:cNvSpPr/>
+          <p:nvPr/>
+        </p:nvSpPr>
+        <p:spPr>
+          <a:xfrm>
+            <a:off x="11584486" y="8312945"/>
+            <a:ext cx="591015" cy="1778620"/>
+          </a:xfrm>
+          <a:prstGeom prst="rect">
+            <a:avLst/>
+          </a:prstGeom>
+          <a:solidFill>
+            <a:srgbClr val="00B0F0"/>
+          </a:solidFill>
+          <a:ln>
+            <a:solidFill>
+              <a:schemeClr val="tx1"/>
+            </a:solidFill>
+          </a:ln>
+        </p:spPr>
+        <p:style>
+          <a:lnRef idx="2">
+            <a:schemeClr val="accent1">
+              <a:shade val="50000"/>
+            </a:schemeClr>
+          </a:lnRef>
+          <a:fillRef idx="1">
+            <a:schemeClr val="accent1"/>
+          </a:fillRef>
+          <a:effectRef idx="0">
+            <a:schemeClr val="accent1"/>
+          </a:effectRef>
+          <a:fontRef idx="minor">
+            <a:schemeClr val="lt1"/>
+          </a:fontRef>
+        </p:style>
+        <p:txBody>
+          <a:bodyPr rtlCol="0" anchor="ctr"/>
+          <a:lstStyle/>
+          <a:p>
+            <a:pPr algn="ctr"/>
+            <a:endParaRPr lang="ja-JP" altLang="en-US">
+              <a:latin typeface="+mj-lt"/>
+              <a:ea typeface="FOT-Cezanne Pro M" panose="02020600000000000000" pitchFamily="18" charset="-128"/>
+              <a:cs typeface="Arial" panose="020B0604020202020204" pitchFamily="34" charset="0"/>
+            </a:endParaRPr>
+          </a:p>
+        </p:txBody>
+      </p:sp>
+      <p:sp>
+        <p:nvSpPr>
+          <p:cNvPr id="28" name="テキスト ボックス 27">
+            <a:extLst>
+              <a:ext uri="{FF2B5EF4-FFF2-40B4-BE49-F238E27FC236}">
+                <a16:creationId xmlns:a16="http://schemas.microsoft.com/office/drawing/2014/main" id="{4F9D37E6-7AE0-4240-B313-17A0498C250F}"/>
+              </a:ext>
+            </a:extLst>
+          </p:cNvPr>
+          <p:cNvSpPr txBox="1"/>
+          <p:nvPr/>
+        </p:nvSpPr>
+        <p:spPr>
+          <a:xfrm>
+            <a:off x="10548817" y="5294718"/>
+            <a:ext cx="3847422" cy="830997"/>
+          </a:xfrm>
+          <a:prstGeom prst="rect">
+            <a:avLst/>
+          </a:prstGeom>
+          <a:solidFill>
+            <a:schemeClr val="accent5">
+              <a:lumMod val="20000"/>
+              <a:lumOff val="80000"/>
+            </a:schemeClr>
+          </a:solidFill>
+        </p:spPr>
+        <p:txBody>
+          <a:bodyPr wrap="square" rtlCol="0">
+            <a:spAutoFit/>
+          </a:bodyPr>
+          <a:lstStyle/>
+          <a:p>
+            <a:r>
+              <a:rPr lang="en-US" altLang="ja-JP" sz="2400" dirty="0" err="1">
+                <a:latin typeface="+mj-lt"/>
+                <a:ea typeface="FOT-Cezanne Pro M" panose="02020600000000000000" pitchFamily="18" charset="-128"/>
+                <a:cs typeface="Arial" panose="020B0604020202020204" pitchFamily="34" charset="0"/>
+              </a:rPr>
+              <a:t>jumpCount</a:t>
+            </a:r>
+            <a:r>
+              <a:rPr lang="en-US" altLang="ja-JP" sz="2400" dirty="0">
+                <a:latin typeface="+mj-lt"/>
+                <a:ea typeface="FOT-Cezanne Pro M" panose="02020600000000000000" pitchFamily="18" charset="-128"/>
+                <a:cs typeface="Arial" panose="020B0604020202020204" pitchFamily="34" charset="0"/>
+              </a:rPr>
+              <a:t> = 1</a:t>
+            </a:r>
+          </a:p>
+          <a:p>
+            <a:r>
+              <a:rPr lang="en-US" altLang="ja-JP" sz="2400" dirty="0" err="1">
+                <a:latin typeface="+mj-lt"/>
+                <a:ea typeface="FOT-Cezanne Pro M" panose="02020600000000000000" pitchFamily="18" charset="-128"/>
+                <a:cs typeface="Arial" panose="020B0604020202020204" pitchFamily="34" charset="0"/>
+              </a:rPr>
+              <a:t>isRightAfterJump</a:t>
+            </a:r>
+            <a:r>
+              <a:rPr lang="en-US" altLang="ja-JP" sz="2400" dirty="0">
+                <a:latin typeface="+mj-lt"/>
+                <a:ea typeface="FOT-Cezanne Pro M" panose="02020600000000000000" pitchFamily="18" charset="-128"/>
+                <a:cs typeface="Arial" panose="020B0604020202020204" pitchFamily="34" charset="0"/>
+              </a:rPr>
+              <a:t> = False</a:t>
+            </a:r>
+          </a:p>
+        </p:txBody>
+      </p:sp>
+      <p:sp>
+        <p:nvSpPr>
+          <p:cNvPr id="41" name="円/楕円 40">
+            <a:extLst>
+              <a:ext uri="{FF2B5EF4-FFF2-40B4-BE49-F238E27FC236}">
+                <a16:creationId xmlns:a16="http://schemas.microsoft.com/office/drawing/2014/main" id="{3DCF3D5F-87AD-9148-9487-6A13BDCFF36D}"/>
+              </a:ext>
+            </a:extLst>
+          </p:cNvPr>
+          <p:cNvSpPr/>
+          <p:nvPr/>
+        </p:nvSpPr>
+        <p:spPr>
+          <a:xfrm>
+            <a:off x="16041198" y="2220584"/>
+            <a:ext cx="713684" cy="713678"/>
+          </a:xfrm>
+          <a:prstGeom prst="ellipse">
+            <a:avLst/>
+          </a:prstGeom>
+          <a:solidFill>
+            <a:schemeClr val="accent2"/>
+          </a:solidFill>
+        </p:spPr>
+        <p:style>
+          <a:lnRef idx="2">
+            <a:schemeClr val="accent1">
+              <a:shade val="50000"/>
+            </a:schemeClr>
+          </a:lnRef>
+          <a:fillRef idx="1">
+            <a:schemeClr val="accent1"/>
+          </a:fillRef>
+          <a:effectRef idx="0">
+            <a:schemeClr val="accent1"/>
+          </a:effectRef>
+          <a:fontRef idx="minor">
+            <a:schemeClr val="lt1"/>
+          </a:fontRef>
+        </p:style>
+        <p:txBody>
+          <a:bodyPr rtlCol="0" anchor="ctr"/>
+          <a:lstStyle/>
+          <a:p>
+            <a:pPr algn="ctr"/>
+            <a:endParaRPr lang="ja-JP" altLang="en-US">
+              <a:latin typeface="+mj-lt"/>
+              <a:ea typeface="FOT-Cezanne Pro M" panose="02020600000000000000" pitchFamily="18" charset="-128"/>
+              <a:cs typeface="Arial" panose="020B0604020202020204" pitchFamily="34" charset="0"/>
+            </a:endParaRPr>
+          </a:p>
+        </p:txBody>
+      </p:sp>
+      <p:sp>
+        <p:nvSpPr>
+          <p:cNvPr id="42" name="円/楕円 41">
+            <a:extLst>
+              <a:ext uri="{FF2B5EF4-FFF2-40B4-BE49-F238E27FC236}">
+                <a16:creationId xmlns:a16="http://schemas.microsoft.com/office/drawing/2014/main" id="{27D2994F-F595-8B4D-BF48-0055ED1F23EB}"/>
+              </a:ext>
+            </a:extLst>
+          </p:cNvPr>
+          <p:cNvSpPr/>
+          <p:nvPr/>
+        </p:nvSpPr>
+        <p:spPr>
+          <a:xfrm>
+            <a:off x="14925905" y="3650634"/>
+            <a:ext cx="713684" cy="713678"/>
+          </a:xfrm>
+          <a:prstGeom prst="ellipse">
+            <a:avLst/>
+          </a:prstGeom>
+          <a:solidFill>
+            <a:schemeClr val="accent2"/>
+          </a:solidFill>
+        </p:spPr>
+        <p:style>
+          <a:lnRef idx="2">
+            <a:schemeClr val="accent1">
+              <a:shade val="50000"/>
+            </a:schemeClr>
+          </a:lnRef>
+          <a:fillRef idx="1">
+            <a:schemeClr val="accent1"/>
+          </a:fillRef>
+          <a:effectRef idx="0">
+            <a:schemeClr val="accent1"/>
+          </a:effectRef>
+          <a:fontRef idx="minor">
+            <a:schemeClr val="lt1"/>
+          </a:fontRef>
+        </p:style>
+        <p:txBody>
+          <a:bodyPr rtlCol="0" anchor="ctr"/>
+          <a:lstStyle/>
+          <a:p>
+            <a:pPr algn="ctr"/>
+            <a:endParaRPr lang="ja-JP" altLang="en-US">
+              <a:latin typeface="+mj-lt"/>
+              <a:ea typeface="FOT-Cezanne Pro M" panose="02020600000000000000" pitchFamily="18" charset="-128"/>
+              <a:cs typeface="Arial" panose="020B0604020202020204" pitchFamily="34" charset="0"/>
+            </a:endParaRPr>
+          </a:p>
+        </p:txBody>
+      </p:sp>
+      <p:sp>
+        <p:nvSpPr>
+          <p:cNvPr id="43" name="円/楕円 42">
+            <a:extLst>
+              <a:ext uri="{FF2B5EF4-FFF2-40B4-BE49-F238E27FC236}">
+                <a16:creationId xmlns:a16="http://schemas.microsoft.com/office/drawing/2014/main" id="{5E9C5586-AA4D-3E45-B8E7-26673C1F669B}"/>
+              </a:ext>
+            </a:extLst>
+          </p:cNvPr>
+          <p:cNvSpPr/>
+          <p:nvPr/>
+        </p:nvSpPr>
+        <p:spPr>
+          <a:xfrm>
+            <a:off x="15504515" y="2748290"/>
+            <a:ext cx="713684" cy="713678"/>
+          </a:xfrm>
+          <a:prstGeom prst="ellipse">
+            <a:avLst/>
+          </a:prstGeom>
+          <a:solidFill>
+            <a:schemeClr val="accent2"/>
+          </a:solidFill>
+        </p:spPr>
+        <p:style>
+          <a:lnRef idx="2">
+            <a:schemeClr val="accent1">
+              <a:shade val="50000"/>
+            </a:schemeClr>
+          </a:lnRef>
+          <a:fillRef idx="1">
+            <a:schemeClr val="accent1"/>
+          </a:fillRef>
+          <a:effectRef idx="0">
+            <a:schemeClr val="accent1"/>
+          </a:effectRef>
+          <a:fontRef idx="minor">
+            <a:schemeClr val="lt1"/>
+          </a:fontRef>
+        </p:style>
+        <p:txBody>
+          <a:bodyPr rtlCol="0" anchor="ctr"/>
+          <a:lstStyle/>
+          <a:p>
+            <a:pPr algn="ctr"/>
+            <a:endParaRPr lang="ja-JP" altLang="en-US">
+              <a:latin typeface="+mj-lt"/>
+              <a:ea typeface="FOT-Cezanne Pro M" panose="02020600000000000000" pitchFamily="18" charset="-128"/>
+              <a:cs typeface="Arial" panose="020B0604020202020204" pitchFamily="34" charset="0"/>
+            </a:endParaRPr>
+          </a:p>
+        </p:txBody>
+      </p:sp>
+      <p:sp>
+        <p:nvSpPr>
+          <p:cNvPr id="44" name="円/楕円 43">
+            <a:extLst>
+              <a:ext uri="{FF2B5EF4-FFF2-40B4-BE49-F238E27FC236}">
+                <a16:creationId xmlns:a16="http://schemas.microsoft.com/office/drawing/2014/main" id="{47DB60DD-D27F-7B48-984C-C6E7D4D7E5EF}"/>
+              </a:ext>
+            </a:extLst>
+          </p:cNvPr>
+          <p:cNvSpPr/>
+          <p:nvPr/>
+        </p:nvSpPr>
+        <p:spPr>
+          <a:xfrm>
+            <a:off x="16636784" y="1783078"/>
+            <a:ext cx="713684" cy="713678"/>
+          </a:xfrm>
+          <a:prstGeom prst="ellipse">
+            <a:avLst/>
+          </a:prstGeom>
+          <a:solidFill>
+            <a:schemeClr val="accent2"/>
+          </a:solidFill>
+        </p:spPr>
+        <p:style>
+          <a:lnRef idx="2">
+            <a:schemeClr val="accent1">
+              <a:shade val="50000"/>
+            </a:schemeClr>
+          </a:lnRef>
+          <a:fillRef idx="1">
+            <a:schemeClr val="accent1"/>
+          </a:fillRef>
+          <a:effectRef idx="0">
+            <a:schemeClr val="accent1"/>
+          </a:effectRef>
+          <a:fontRef idx="minor">
+            <a:schemeClr val="lt1"/>
+          </a:fontRef>
+        </p:style>
+        <p:txBody>
+          <a:bodyPr rtlCol="0" anchor="ctr"/>
+          <a:lstStyle/>
+          <a:p>
+            <a:pPr algn="ctr"/>
+            <a:endParaRPr lang="ja-JP" altLang="en-US">
+              <a:latin typeface="+mj-lt"/>
+              <a:ea typeface="FOT-Cezanne Pro M" panose="02020600000000000000" pitchFamily="18" charset="-128"/>
+              <a:cs typeface="Arial" panose="020B0604020202020204" pitchFamily="34" charset="0"/>
+            </a:endParaRPr>
+          </a:p>
+        </p:txBody>
+      </p:sp>
+      <p:sp>
+        <p:nvSpPr>
+          <p:cNvPr id="46" name="フリーフォーム 45">
+            <a:extLst>
+              <a:ext uri="{FF2B5EF4-FFF2-40B4-BE49-F238E27FC236}">
+                <a16:creationId xmlns:a16="http://schemas.microsoft.com/office/drawing/2014/main" id="{BF86F6C3-EECE-9748-BC9B-77E48D6AF175}"/>
+              </a:ext>
+            </a:extLst>
+          </p:cNvPr>
+          <p:cNvSpPr/>
+          <p:nvPr/>
+        </p:nvSpPr>
+        <p:spPr>
+          <a:xfrm>
+            <a:off x="14717594" y="1469009"/>
+            <a:ext cx="5259482" cy="3794939"/>
+          </a:xfrm>
+          <a:custGeom>
+            <a:avLst/>
+            <a:gdLst>
+              <a:gd name="connsiteX0" fmla="*/ 0 w 9272588"/>
+              <a:gd name="connsiteY0" fmla="*/ 3708189 h 3708189"/>
+              <a:gd name="connsiteX1" fmla="*/ 5129213 w 9272588"/>
+              <a:gd name="connsiteY1" fmla="*/ 122026 h 3708189"/>
+              <a:gd name="connsiteX2" fmla="*/ 9272588 w 9272588"/>
+              <a:gd name="connsiteY2" fmla="*/ 893552 h 3708189"/>
+              <a:gd name="connsiteX0" fmla="*/ 0 w 9272588"/>
+              <a:gd name="connsiteY0" fmla="*/ 3786755 h 3786755"/>
+              <a:gd name="connsiteX1" fmla="*/ 5129213 w 9272588"/>
+              <a:gd name="connsiteY1" fmla="*/ 114867 h 3786755"/>
+              <a:gd name="connsiteX2" fmla="*/ 9272588 w 9272588"/>
+              <a:gd name="connsiteY2" fmla="*/ 972118 h 3786755"/>
+              <a:gd name="connsiteX0" fmla="*/ 0 w 9272588"/>
+              <a:gd name="connsiteY0" fmla="*/ 3671888 h 3671888"/>
+              <a:gd name="connsiteX1" fmla="*/ 5129213 w 9272588"/>
+              <a:gd name="connsiteY1" fmla="*/ 0 h 3671888"/>
+              <a:gd name="connsiteX2" fmla="*/ 9272588 w 9272588"/>
+              <a:gd name="connsiteY2" fmla="*/ 857251 h 3671888"/>
+              <a:gd name="connsiteX0" fmla="*/ 0 w 9272588"/>
+              <a:gd name="connsiteY0" fmla="*/ 3671888 h 3671888"/>
+              <a:gd name="connsiteX1" fmla="*/ 5129213 w 9272588"/>
+              <a:gd name="connsiteY1" fmla="*/ 0 h 3671888"/>
+              <a:gd name="connsiteX2" fmla="*/ 9272588 w 9272588"/>
+              <a:gd name="connsiteY2" fmla="*/ 857251 h 3671888"/>
+              <a:gd name="connsiteX0" fmla="*/ 0 w 9272588"/>
+              <a:gd name="connsiteY0" fmla="*/ 3671888 h 3671888"/>
+              <a:gd name="connsiteX1" fmla="*/ 5129213 w 9272588"/>
+              <a:gd name="connsiteY1" fmla="*/ 0 h 3671888"/>
+              <a:gd name="connsiteX2" fmla="*/ 9272588 w 9272588"/>
+              <a:gd name="connsiteY2" fmla="*/ 857251 h 3671888"/>
+              <a:gd name="connsiteX0" fmla="*/ 0 w 9272588"/>
+              <a:gd name="connsiteY0" fmla="*/ 3671888 h 3671888"/>
+              <a:gd name="connsiteX1" fmla="*/ 5129213 w 9272588"/>
+              <a:gd name="connsiteY1" fmla="*/ 0 h 3671888"/>
+              <a:gd name="connsiteX2" fmla="*/ 9272588 w 9272588"/>
+              <a:gd name="connsiteY2" fmla="*/ 857251 h 3671888"/>
+              <a:gd name="connsiteX0" fmla="*/ 0 w 9272588"/>
+              <a:gd name="connsiteY0" fmla="*/ 3671888 h 3671888"/>
+              <a:gd name="connsiteX1" fmla="*/ 5129213 w 9272588"/>
+              <a:gd name="connsiteY1" fmla="*/ 0 h 3671888"/>
+              <a:gd name="connsiteX2" fmla="*/ 9272588 w 9272588"/>
+              <a:gd name="connsiteY2" fmla="*/ 857251 h 3671888"/>
+              <a:gd name="connsiteX0" fmla="*/ 0 w 9272588"/>
+              <a:gd name="connsiteY0" fmla="*/ 3673912 h 3673912"/>
+              <a:gd name="connsiteX1" fmla="*/ 5129213 w 9272588"/>
+              <a:gd name="connsiteY1" fmla="*/ 2024 h 3673912"/>
+              <a:gd name="connsiteX2" fmla="*/ 9272588 w 9272588"/>
+              <a:gd name="connsiteY2" fmla="*/ 859275 h 3673912"/>
+              <a:gd name="connsiteX0" fmla="*/ 0 w 9272588"/>
+              <a:gd name="connsiteY0" fmla="*/ 3671888 h 3671888"/>
+              <a:gd name="connsiteX1" fmla="*/ 5129213 w 9272588"/>
+              <a:gd name="connsiteY1" fmla="*/ 0 h 3671888"/>
+              <a:gd name="connsiteX2" fmla="*/ 9272588 w 9272588"/>
+              <a:gd name="connsiteY2" fmla="*/ 857251 h 3671888"/>
+              <a:gd name="connsiteX0" fmla="*/ 0 w 10172700"/>
+              <a:gd name="connsiteY0" fmla="*/ 3671888 h 3671888"/>
+              <a:gd name="connsiteX1" fmla="*/ 5129213 w 10172700"/>
+              <a:gd name="connsiteY1" fmla="*/ 0 h 3671888"/>
+              <a:gd name="connsiteX2" fmla="*/ 10172700 w 10172700"/>
+              <a:gd name="connsiteY2" fmla="*/ 3386139 h 3671888"/>
+              <a:gd name="connsiteX0" fmla="*/ 0 w 10172700"/>
+              <a:gd name="connsiteY0" fmla="*/ 3671888 h 3671888"/>
+              <a:gd name="connsiteX1" fmla="*/ 5129213 w 10172700"/>
+              <a:gd name="connsiteY1" fmla="*/ 0 h 3671888"/>
+              <a:gd name="connsiteX2" fmla="*/ 10172700 w 10172700"/>
+              <a:gd name="connsiteY2" fmla="*/ 3386139 h 3671888"/>
+              <a:gd name="connsiteX0" fmla="*/ 0 w 10172700"/>
+              <a:gd name="connsiteY0" fmla="*/ 3671888 h 3671888"/>
+              <a:gd name="connsiteX1" fmla="*/ 5129213 w 10172700"/>
+              <a:gd name="connsiteY1" fmla="*/ 0 h 3671888"/>
+              <a:gd name="connsiteX2" fmla="*/ 10172700 w 10172700"/>
+              <a:gd name="connsiteY2" fmla="*/ 3386139 h 3671888"/>
+              <a:gd name="connsiteX0" fmla="*/ 0 w 5800725"/>
+              <a:gd name="connsiteY0" fmla="*/ 3671888 h 3671888"/>
+              <a:gd name="connsiteX1" fmla="*/ 5129213 w 5800725"/>
+              <a:gd name="connsiteY1" fmla="*/ 0 h 3671888"/>
+              <a:gd name="connsiteX2" fmla="*/ 5800725 w 5800725"/>
+              <a:gd name="connsiteY2" fmla="*/ 1257301 h 3671888"/>
+              <a:gd name="connsiteX0" fmla="*/ 0 w 5878445"/>
+              <a:gd name="connsiteY0" fmla="*/ 3671888 h 3671888"/>
+              <a:gd name="connsiteX1" fmla="*/ 5129213 w 5878445"/>
+              <a:gd name="connsiteY1" fmla="*/ 0 h 3671888"/>
+              <a:gd name="connsiteX2" fmla="*/ 5800725 w 5878445"/>
+              <a:gd name="connsiteY2" fmla="*/ 1257301 h 3671888"/>
+              <a:gd name="connsiteX0" fmla="*/ 0 w 5276861"/>
+              <a:gd name="connsiteY0" fmla="*/ 3671888 h 3671888"/>
+              <a:gd name="connsiteX1" fmla="*/ 5129213 w 5276861"/>
+              <a:gd name="connsiteY1" fmla="*/ 0 h 3671888"/>
+              <a:gd name="connsiteX2" fmla="*/ 5114925 w 5276861"/>
+              <a:gd name="connsiteY2" fmla="*/ 28576 h 3671888"/>
+              <a:gd name="connsiteX0" fmla="*/ 0 w 5175280"/>
+              <a:gd name="connsiteY0" fmla="*/ 3671888 h 3671888"/>
+              <a:gd name="connsiteX1" fmla="*/ 5129213 w 5175280"/>
+              <a:gd name="connsiteY1" fmla="*/ 0 h 3671888"/>
+              <a:gd name="connsiteX2" fmla="*/ 5114925 w 5175280"/>
+              <a:gd name="connsiteY2" fmla="*/ 28576 h 3671888"/>
+              <a:gd name="connsiteX0" fmla="*/ 0 w 5209124"/>
+              <a:gd name="connsiteY0" fmla="*/ 3672799 h 3672799"/>
+              <a:gd name="connsiteX1" fmla="*/ 5129213 w 5209124"/>
+              <a:gd name="connsiteY1" fmla="*/ 911 h 3672799"/>
+              <a:gd name="connsiteX2" fmla="*/ 5157787 w 5209124"/>
+              <a:gd name="connsiteY2" fmla="*/ 912 h 3672799"/>
+              <a:gd name="connsiteX0" fmla="*/ 0 w 5157787"/>
+              <a:gd name="connsiteY0" fmla="*/ 3671888 h 3671888"/>
+              <a:gd name="connsiteX1" fmla="*/ 5129213 w 5157787"/>
+              <a:gd name="connsiteY1" fmla="*/ 0 h 3671888"/>
+              <a:gd name="connsiteX2" fmla="*/ 5157787 w 5157787"/>
+              <a:gd name="connsiteY2" fmla="*/ 1 h 3671888"/>
+            </a:gdLst>
+            <a:ahLst/>
+            <a:cxnLst>
+              <a:cxn ang="0">
+                <a:pos x="connsiteX0" y="connsiteY0"/>
+              </a:cxn>
+              <a:cxn ang="0">
+                <a:pos x="connsiteX1" y="connsiteY1"/>
+              </a:cxn>
+              <a:cxn ang="0">
+                <a:pos x="connsiteX2" y="connsiteY2"/>
+              </a:cxn>
+            </a:cxnLst>
+            <a:rect l="l" t="t" r="r" b="b"/>
+            <a:pathLst>
+              <a:path w="5157787" h="3671888">
+                <a:moveTo>
+                  <a:pt x="0" y="3671888"/>
+                </a:moveTo>
+                <a:cubicBezTo>
+                  <a:pt x="906066" y="1141809"/>
+                  <a:pt x="2269332" y="54768"/>
+                  <a:pt x="5129213" y="0"/>
+                </a:cubicBezTo>
+                <a:cubicBezTo>
+                  <a:pt x="5103019" y="30956"/>
+                  <a:pt x="5155405" y="7145"/>
+                  <a:pt x="5157787" y="1"/>
+                </a:cubicBezTo>
+              </a:path>
+            </a:pathLst>
+          </a:custGeom>
+          <a:noFill/>
+        </p:spPr>
+        <p:style>
+          <a:lnRef idx="2">
+            <a:schemeClr val="accent1">
+              <a:shade val="50000"/>
+            </a:schemeClr>
+          </a:lnRef>
+          <a:fillRef idx="1">
+            <a:schemeClr val="accent1"/>
+          </a:fillRef>
+          <a:effectRef idx="0">
+            <a:schemeClr val="accent1"/>
+          </a:effectRef>
+          <a:fontRef idx="minor">
+            <a:schemeClr val="lt1"/>
+          </a:fontRef>
+        </p:style>
+        <p:txBody>
+          <a:bodyPr rtlCol="0" anchor="ctr"/>
+          <a:lstStyle/>
+          <a:p>
+            <a:pPr algn="ctr"/>
+            <a:endParaRPr lang="ja-JP" altLang="en-US">
+              <a:latin typeface="+mj-lt"/>
+              <a:ea typeface="FOT-Cezanne Pro M" panose="02020600000000000000" pitchFamily="18" charset="-128"/>
+              <a:cs typeface="Arial" panose="020B0604020202020204" pitchFamily="34" charset="0"/>
+            </a:endParaRPr>
+          </a:p>
+        </p:txBody>
+      </p:sp>
+      <p:sp>
+        <p:nvSpPr>
+          <p:cNvPr id="48" name="テキスト ボックス 47">
+            <a:extLst>
+              <a:ext uri="{FF2B5EF4-FFF2-40B4-BE49-F238E27FC236}">
+                <a16:creationId xmlns:a16="http://schemas.microsoft.com/office/drawing/2014/main" id="{6B8ACBF2-4AC5-F746-95EE-A8E6252B6C54}"/>
+              </a:ext>
+            </a:extLst>
+          </p:cNvPr>
+          <p:cNvSpPr txBox="1"/>
+          <p:nvPr/>
+        </p:nvSpPr>
+        <p:spPr>
+          <a:xfrm>
+            <a:off x="12075350" y="2403156"/>
+            <a:ext cx="3233259" cy="830997"/>
+          </a:xfrm>
+          <a:prstGeom prst="rect">
+            <a:avLst/>
+          </a:prstGeom>
+          <a:solidFill>
+            <a:schemeClr val="accent2">
+              <a:lumMod val="20000"/>
+              <a:lumOff val="80000"/>
+            </a:schemeClr>
+          </a:solidFill>
+        </p:spPr>
+        <p:txBody>
+          <a:bodyPr wrap="square" rtlCol="0">
+            <a:spAutoFit/>
+          </a:bodyPr>
+          <a:lstStyle/>
+          <a:p>
+            <a:r>
+              <a:rPr lang="en-US" altLang="ja-JP" sz="2400" dirty="0" err="1">
+                <a:latin typeface="+mj-lt"/>
+                <a:ea typeface="FOT-Cezanne Pro M" panose="02020600000000000000" pitchFamily="18" charset="-128"/>
+                <a:cs typeface="Arial" panose="020B0604020202020204" pitchFamily="34" charset="0"/>
+              </a:rPr>
+              <a:t>jumpCount</a:t>
+            </a:r>
+            <a:r>
+              <a:rPr lang="en-US" altLang="ja-JP" sz="2400" dirty="0">
+                <a:latin typeface="+mj-lt"/>
+                <a:ea typeface="FOT-Cezanne Pro M" panose="02020600000000000000" pitchFamily="18" charset="-128"/>
+                <a:cs typeface="Arial" panose="020B0604020202020204" pitchFamily="34" charset="0"/>
+              </a:rPr>
+              <a:t> = </a:t>
+            </a:r>
+            <a:r>
+              <a:rPr lang="en-US" altLang="ja-JP" sz="2400" dirty="0">
+                <a:solidFill>
+                  <a:srgbClr val="FF0000"/>
+                </a:solidFill>
+                <a:latin typeface="+mj-lt"/>
+                <a:ea typeface="FOT-Cezanne Pro M" panose="02020600000000000000" pitchFamily="18" charset="-128"/>
+                <a:cs typeface="Arial" panose="020B0604020202020204" pitchFamily="34" charset="0"/>
+              </a:rPr>
+              <a:t>2</a:t>
+            </a:r>
+          </a:p>
+          <a:p>
+            <a:r>
+              <a:rPr lang="en-US" altLang="ja-JP" sz="2400" dirty="0" err="1">
+                <a:latin typeface="+mj-lt"/>
+                <a:ea typeface="FOT-Cezanne Pro M" panose="02020600000000000000" pitchFamily="18" charset="-128"/>
+                <a:cs typeface="Arial" panose="020B0604020202020204" pitchFamily="34" charset="0"/>
+              </a:rPr>
+              <a:t>isRightAfterJump</a:t>
+            </a:r>
+            <a:r>
+              <a:rPr lang="en-US" altLang="ja-JP" sz="2400" dirty="0">
+                <a:latin typeface="+mj-lt"/>
+                <a:ea typeface="FOT-Cezanne Pro M" panose="02020600000000000000" pitchFamily="18" charset="-128"/>
+                <a:cs typeface="Arial" panose="020B0604020202020204" pitchFamily="34" charset="0"/>
+              </a:rPr>
+              <a:t> = True</a:t>
+            </a:r>
+          </a:p>
+        </p:txBody>
+      </p:sp>
+      <p:sp>
+        <p:nvSpPr>
+          <p:cNvPr id="58" name="正方形/長方形 57">
+            <a:extLst>
+              <a:ext uri="{FF2B5EF4-FFF2-40B4-BE49-F238E27FC236}">
+                <a16:creationId xmlns:a16="http://schemas.microsoft.com/office/drawing/2014/main" id="{2CE32B78-0CAC-9A41-AFBC-F4D473D5286D}"/>
+              </a:ext>
+            </a:extLst>
+          </p:cNvPr>
+          <p:cNvSpPr/>
+          <p:nvPr/>
+        </p:nvSpPr>
+        <p:spPr>
+          <a:xfrm>
+            <a:off x="12152058" y="8312943"/>
+            <a:ext cx="591015" cy="1778620"/>
+          </a:xfrm>
+          <a:prstGeom prst="rect">
+            <a:avLst/>
+          </a:prstGeom>
+          <a:solidFill>
+            <a:srgbClr val="00B0F0"/>
+          </a:solidFill>
+          <a:ln>
+            <a:solidFill>
+              <a:schemeClr val="tx1"/>
+            </a:solidFill>
+          </a:ln>
+        </p:spPr>
+        <p:style>
+          <a:lnRef idx="2">
+            <a:schemeClr val="accent1">
+              <a:shade val="50000"/>
+            </a:schemeClr>
+          </a:lnRef>
+          <a:fillRef idx="1">
+            <a:schemeClr val="accent1"/>
+          </a:fillRef>
+          <a:effectRef idx="0">
+            <a:schemeClr val="accent1"/>
+          </a:effectRef>
+          <a:fontRef idx="minor">
+            <a:schemeClr val="lt1"/>
+          </a:fontRef>
+        </p:style>
+        <p:txBody>
+          <a:bodyPr rtlCol="0" anchor="ctr"/>
+          <a:lstStyle/>
+          <a:p>
+            <a:pPr algn="ctr"/>
+            <a:endParaRPr lang="ja-JP" altLang="en-US">
+              <a:latin typeface="+mj-lt"/>
+              <a:ea typeface="FOT-Cezanne Pro M" panose="02020600000000000000" pitchFamily="18" charset="-128"/>
+              <a:cs typeface="Arial" panose="020B0604020202020204" pitchFamily="34" charset="0"/>
+            </a:endParaRPr>
+          </a:p>
+        </p:txBody>
+      </p:sp>
+      <p:sp>
+        <p:nvSpPr>
+          <p:cNvPr id="59" name="正方形/長方形 58">
+            <a:extLst>
+              <a:ext uri="{FF2B5EF4-FFF2-40B4-BE49-F238E27FC236}">
+                <a16:creationId xmlns:a16="http://schemas.microsoft.com/office/drawing/2014/main" id="{B53CBC82-F299-2548-BFAE-A8C59BE9D2AC}"/>
+              </a:ext>
+            </a:extLst>
+          </p:cNvPr>
+          <p:cNvSpPr/>
+          <p:nvPr/>
+        </p:nvSpPr>
+        <p:spPr>
+          <a:xfrm>
+            <a:off x="12733814" y="8028722"/>
+            <a:ext cx="591015" cy="2062841"/>
+          </a:xfrm>
+          <a:prstGeom prst="rect">
+            <a:avLst/>
+          </a:prstGeom>
+          <a:solidFill>
+            <a:srgbClr val="00B0F0"/>
+          </a:solidFill>
+          <a:ln>
+            <a:solidFill>
+              <a:schemeClr val="tx1"/>
+            </a:solidFill>
+          </a:ln>
+        </p:spPr>
+        <p:style>
+          <a:lnRef idx="2">
+            <a:schemeClr val="accent1">
+              <a:shade val="50000"/>
+            </a:schemeClr>
+          </a:lnRef>
+          <a:fillRef idx="1">
+            <a:schemeClr val="accent1"/>
+          </a:fillRef>
+          <a:effectRef idx="0">
+            <a:schemeClr val="accent1"/>
+          </a:effectRef>
+          <a:fontRef idx="minor">
+            <a:schemeClr val="lt1"/>
+          </a:fontRef>
+        </p:style>
+        <p:txBody>
+          <a:bodyPr rtlCol="0" anchor="ctr"/>
+          <a:lstStyle/>
+          <a:p>
+            <a:pPr algn="ctr"/>
+            <a:endParaRPr lang="ja-JP" altLang="en-US">
+              <a:latin typeface="+mj-lt"/>
+              <a:ea typeface="FOT-Cezanne Pro M" panose="02020600000000000000" pitchFamily="18" charset="-128"/>
+              <a:cs typeface="Arial" panose="020B0604020202020204" pitchFamily="34" charset="0"/>
+            </a:endParaRPr>
+          </a:p>
+        </p:txBody>
+      </p:sp>
+      <p:sp>
+        <p:nvSpPr>
+          <p:cNvPr id="60" name="正方形/長方形 59">
+            <a:extLst>
+              <a:ext uri="{FF2B5EF4-FFF2-40B4-BE49-F238E27FC236}">
+                <a16:creationId xmlns:a16="http://schemas.microsoft.com/office/drawing/2014/main" id="{7C477EB3-45D6-BA49-BC88-37D4A86FAE79}"/>
+              </a:ext>
+            </a:extLst>
+          </p:cNvPr>
+          <p:cNvSpPr/>
+          <p:nvPr/>
+        </p:nvSpPr>
+        <p:spPr>
+          <a:xfrm>
+            <a:off x="13324829" y="7784757"/>
+            <a:ext cx="591015" cy="2306806"/>
+          </a:xfrm>
+          <a:prstGeom prst="rect">
+            <a:avLst/>
+          </a:prstGeom>
+          <a:solidFill>
+            <a:srgbClr val="00B0F0"/>
+          </a:solidFill>
+          <a:ln>
+            <a:solidFill>
+              <a:schemeClr val="tx1"/>
+            </a:solidFill>
+          </a:ln>
+        </p:spPr>
+        <p:style>
+          <a:lnRef idx="2">
+            <a:schemeClr val="accent1">
+              <a:shade val="50000"/>
+            </a:schemeClr>
+          </a:lnRef>
+          <a:fillRef idx="1">
+            <a:schemeClr val="accent1"/>
+          </a:fillRef>
+          <a:effectRef idx="0">
+            <a:schemeClr val="accent1"/>
+          </a:effectRef>
+          <a:fontRef idx="minor">
+            <a:schemeClr val="lt1"/>
+          </a:fontRef>
+        </p:style>
+        <p:txBody>
+          <a:bodyPr rtlCol="0" anchor="ctr"/>
+          <a:lstStyle/>
+          <a:p>
+            <a:pPr algn="ctr"/>
+            <a:endParaRPr lang="ja-JP" altLang="en-US">
+              <a:latin typeface="+mj-lt"/>
+              <a:ea typeface="FOT-Cezanne Pro M" panose="02020600000000000000" pitchFamily="18" charset="-128"/>
+              <a:cs typeface="Arial" panose="020B0604020202020204" pitchFamily="34" charset="0"/>
+            </a:endParaRPr>
+          </a:p>
+        </p:txBody>
+      </p:sp>
+      <p:sp>
+        <p:nvSpPr>
+          <p:cNvPr id="62" name="正方形/長方形 61">
+            <a:extLst>
+              <a:ext uri="{FF2B5EF4-FFF2-40B4-BE49-F238E27FC236}">
+                <a16:creationId xmlns:a16="http://schemas.microsoft.com/office/drawing/2014/main" id="{F6861BB8-E469-BC4F-AF40-84A882458D48}"/>
+              </a:ext>
+            </a:extLst>
+          </p:cNvPr>
+          <p:cNvSpPr/>
+          <p:nvPr/>
+        </p:nvSpPr>
+        <p:spPr>
+          <a:xfrm>
+            <a:off x="15079876" y="8312943"/>
+            <a:ext cx="591015" cy="1778620"/>
+          </a:xfrm>
+          <a:prstGeom prst="rect">
+            <a:avLst/>
+          </a:prstGeom>
+          <a:solidFill>
+            <a:srgbClr val="00B0F0"/>
+          </a:solidFill>
+          <a:ln>
+            <a:solidFill>
+              <a:schemeClr val="tx1"/>
+            </a:solidFill>
+          </a:ln>
+        </p:spPr>
+        <p:style>
+          <a:lnRef idx="2">
+            <a:schemeClr val="accent1">
+              <a:shade val="50000"/>
+            </a:schemeClr>
+          </a:lnRef>
+          <a:fillRef idx="1">
+            <a:schemeClr val="accent1"/>
+          </a:fillRef>
+          <a:effectRef idx="0">
+            <a:schemeClr val="accent1"/>
+          </a:effectRef>
+          <a:fontRef idx="minor">
+            <a:schemeClr val="lt1"/>
+          </a:fontRef>
+        </p:style>
+        <p:txBody>
+          <a:bodyPr rtlCol="0" anchor="ctr"/>
+          <a:lstStyle/>
+          <a:p>
+            <a:pPr algn="ctr"/>
+            <a:endParaRPr lang="ja-JP" altLang="en-US">
+              <a:latin typeface="+mj-lt"/>
+              <a:ea typeface="FOT-Cezanne Pro M" panose="02020600000000000000" pitchFamily="18" charset="-128"/>
+              <a:cs typeface="Arial" panose="020B0604020202020204" pitchFamily="34" charset="0"/>
+            </a:endParaRPr>
+          </a:p>
+        </p:txBody>
+      </p:sp>
+      <p:sp>
+        <p:nvSpPr>
+          <p:cNvPr id="63" name="正方形/長方形 62">
+            <a:extLst>
+              <a:ext uri="{FF2B5EF4-FFF2-40B4-BE49-F238E27FC236}">
+                <a16:creationId xmlns:a16="http://schemas.microsoft.com/office/drawing/2014/main" id="{1B322FEE-5B0B-2C47-89E7-CC4152CFB8FB}"/>
+              </a:ext>
+            </a:extLst>
+          </p:cNvPr>
+          <p:cNvSpPr/>
+          <p:nvPr/>
+        </p:nvSpPr>
+        <p:spPr>
+          <a:xfrm>
+            <a:off x="15659742" y="8648255"/>
+            <a:ext cx="591015" cy="1443308"/>
+          </a:xfrm>
+          <a:prstGeom prst="rect">
+            <a:avLst/>
+          </a:prstGeom>
+          <a:solidFill>
+            <a:srgbClr val="00B0F0"/>
+          </a:solidFill>
+          <a:ln>
+            <a:solidFill>
+              <a:schemeClr val="tx1"/>
+            </a:solidFill>
+          </a:ln>
+        </p:spPr>
+        <p:style>
+          <a:lnRef idx="2">
+            <a:schemeClr val="accent1">
+              <a:shade val="50000"/>
+            </a:schemeClr>
+          </a:lnRef>
+          <a:fillRef idx="1">
+            <a:schemeClr val="accent1"/>
+          </a:fillRef>
+          <a:effectRef idx="0">
+            <a:schemeClr val="accent1"/>
+          </a:effectRef>
+          <a:fontRef idx="minor">
+            <a:schemeClr val="lt1"/>
+          </a:fontRef>
+        </p:style>
+        <p:txBody>
+          <a:bodyPr rtlCol="0" anchor="ctr"/>
+          <a:lstStyle/>
+          <a:p>
+            <a:pPr algn="ctr"/>
+            <a:endParaRPr lang="ja-JP" altLang="en-US">
+              <a:latin typeface="+mj-lt"/>
+              <a:ea typeface="FOT-Cezanne Pro M" panose="02020600000000000000" pitchFamily="18" charset="-128"/>
+              <a:cs typeface="Arial" panose="020B0604020202020204" pitchFamily="34" charset="0"/>
+            </a:endParaRPr>
+          </a:p>
+        </p:txBody>
+      </p:sp>
+      <p:sp>
+        <p:nvSpPr>
+          <p:cNvPr id="64" name="正方形/長方形 63">
+            <a:extLst>
+              <a:ext uri="{FF2B5EF4-FFF2-40B4-BE49-F238E27FC236}">
+                <a16:creationId xmlns:a16="http://schemas.microsoft.com/office/drawing/2014/main" id="{3925E9B5-A58C-EF44-AF44-A28CB7290475}"/>
+              </a:ext>
+            </a:extLst>
+          </p:cNvPr>
+          <p:cNvSpPr/>
+          <p:nvPr/>
+        </p:nvSpPr>
+        <p:spPr>
+          <a:xfrm>
+            <a:off x="16909555" y="8648256"/>
+            <a:ext cx="591015" cy="1443307"/>
+          </a:xfrm>
+          <a:prstGeom prst="rect">
+            <a:avLst/>
+          </a:prstGeom>
+          <a:solidFill>
+            <a:srgbClr val="00B0F0"/>
+          </a:solidFill>
+          <a:ln>
+            <a:solidFill>
+              <a:schemeClr val="tx1"/>
+            </a:solidFill>
+          </a:ln>
+        </p:spPr>
+        <p:style>
+          <a:lnRef idx="2">
+            <a:schemeClr val="accent1">
+              <a:shade val="50000"/>
+            </a:schemeClr>
+          </a:lnRef>
+          <a:fillRef idx="1">
+            <a:schemeClr val="accent1"/>
+          </a:fillRef>
+          <a:effectRef idx="0">
+            <a:schemeClr val="accent1"/>
+          </a:effectRef>
+          <a:fontRef idx="minor">
+            <a:schemeClr val="lt1"/>
+          </a:fontRef>
+        </p:style>
+        <p:txBody>
+          <a:bodyPr rtlCol="0" anchor="ctr"/>
+          <a:lstStyle/>
+          <a:p>
+            <a:pPr algn="ctr"/>
+            <a:endParaRPr lang="ja-JP" altLang="en-US">
+              <a:latin typeface="+mj-lt"/>
+              <a:ea typeface="FOT-Cezanne Pro M" panose="02020600000000000000" pitchFamily="18" charset="-128"/>
+              <a:cs typeface="Arial" panose="020B0604020202020204" pitchFamily="34" charset="0"/>
+            </a:endParaRPr>
+          </a:p>
+        </p:txBody>
+      </p:sp>
+      <p:sp>
+        <p:nvSpPr>
+          <p:cNvPr id="65" name="正方形/長方形 64">
+            <a:extLst>
+              <a:ext uri="{FF2B5EF4-FFF2-40B4-BE49-F238E27FC236}">
+                <a16:creationId xmlns:a16="http://schemas.microsoft.com/office/drawing/2014/main" id="{4787303D-8C58-8B44-A611-8EFC8AA333BF}"/>
+              </a:ext>
+            </a:extLst>
+          </p:cNvPr>
+          <p:cNvSpPr/>
+          <p:nvPr/>
+        </p:nvSpPr>
+        <p:spPr>
+          <a:xfrm>
+            <a:off x="17471746" y="8312944"/>
+            <a:ext cx="591015" cy="1778620"/>
+          </a:xfrm>
+          <a:prstGeom prst="rect">
+            <a:avLst/>
+          </a:prstGeom>
+          <a:solidFill>
+            <a:srgbClr val="00B0F0"/>
+          </a:solidFill>
+          <a:ln>
+            <a:solidFill>
+              <a:schemeClr val="tx1"/>
+            </a:solidFill>
+          </a:ln>
+        </p:spPr>
+        <p:style>
+          <a:lnRef idx="2">
+            <a:schemeClr val="accent1">
+              <a:shade val="50000"/>
+            </a:schemeClr>
+          </a:lnRef>
+          <a:fillRef idx="1">
+            <a:schemeClr val="accent1"/>
+          </a:fillRef>
+          <a:effectRef idx="0">
+            <a:schemeClr val="accent1"/>
+          </a:effectRef>
+          <a:fontRef idx="minor">
+            <a:schemeClr val="lt1"/>
+          </a:fontRef>
+        </p:style>
+        <p:txBody>
+          <a:bodyPr rtlCol="0" anchor="ctr"/>
+          <a:lstStyle/>
+          <a:p>
+            <a:pPr algn="ctr"/>
+            <a:endParaRPr lang="ja-JP" altLang="en-US">
+              <a:latin typeface="+mj-lt"/>
+              <a:ea typeface="FOT-Cezanne Pro M" panose="02020600000000000000" pitchFamily="18" charset="-128"/>
+              <a:cs typeface="Arial" panose="020B0604020202020204" pitchFamily="34" charset="0"/>
+            </a:endParaRPr>
+          </a:p>
+        </p:txBody>
+      </p:sp>
+      <p:sp>
+        <p:nvSpPr>
+          <p:cNvPr id="22" name="テキスト ボックス 21">
+            <a:extLst>
+              <a:ext uri="{FF2B5EF4-FFF2-40B4-BE49-F238E27FC236}">
+                <a16:creationId xmlns:a16="http://schemas.microsoft.com/office/drawing/2014/main" id="{B70E3A88-8581-CA4D-A9D8-BA4AAE186801}"/>
+              </a:ext>
+            </a:extLst>
+          </p:cNvPr>
+          <p:cNvSpPr txBox="1"/>
+          <p:nvPr/>
+        </p:nvSpPr>
+        <p:spPr>
+          <a:xfrm>
+            <a:off x="5385171" y="602657"/>
+            <a:ext cx="4587929" cy="3108543"/>
+          </a:xfrm>
+          <a:prstGeom prst="rect">
+            <a:avLst/>
+          </a:prstGeom>
+          <a:noFill/>
+        </p:spPr>
+        <p:txBody>
+          <a:bodyPr wrap="square" rtlCol="0">
+            <a:spAutoFit/>
+          </a:bodyPr>
+          <a:lstStyle/>
+          <a:p>
+            <a:r>
+              <a:rPr lang="ja-JP" altLang="en-US" sz="2800" b="1">
+                <a:latin typeface="+mj-ea"/>
+                <a:ea typeface="+mj-ea"/>
+                <a:cs typeface="Arial" panose="020B0604020202020204" pitchFamily="34" charset="0"/>
+              </a:rPr>
+              <a:t>ジャンプのチャージ時間</a:t>
+            </a:r>
+            <a:endParaRPr lang="en-US" altLang="ja-JP" sz="2800" b="1" dirty="0">
+              <a:latin typeface="+mj-ea"/>
+              <a:ea typeface="+mj-ea"/>
+              <a:cs typeface="Arial" panose="020B0604020202020204" pitchFamily="34" charset="0"/>
+            </a:endParaRPr>
+          </a:p>
+          <a:p>
+            <a:r>
+              <a:rPr lang="en-US" altLang="ja-JP" sz="2800" dirty="0">
+                <a:latin typeface="+mj-lt"/>
+                <a:ea typeface="FOT-Cezanne Pro M" panose="02020600000000000000" pitchFamily="18" charset="-128"/>
+                <a:cs typeface="Arial" panose="020B0604020202020204" pitchFamily="34" charset="0"/>
+              </a:rPr>
+              <a:t>const </a:t>
+            </a:r>
+            <a:r>
+              <a:rPr lang="en-US" altLang="ja-JP" sz="2800" dirty="0" err="1">
+                <a:latin typeface="+mj-lt"/>
+                <a:ea typeface="FOT-Cezanne Pro M" panose="02020600000000000000" pitchFamily="18" charset="-128"/>
+                <a:cs typeface="Arial" panose="020B0604020202020204" pitchFamily="34" charset="0"/>
+              </a:rPr>
+              <a:t>idleTimeToJump</a:t>
+            </a:r>
+            <a:r>
+              <a:rPr lang="en-US" altLang="ja-JP" sz="2800" dirty="0">
+                <a:latin typeface="+mj-lt"/>
+                <a:ea typeface="FOT-Cezanne Pro M" panose="02020600000000000000" pitchFamily="18" charset="-128"/>
+                <a:cs typeface="Arial" panose="020B0604020202020204" pitchFamily="34" charset="0"/>
+              </a:rPr>
+              <a:t> = 5 * dt</a:t>
+            </a:r>
+          </a:p>
+          <a:p>
+            <a:endParaRPr lang="en-US" altLang="ja-JP" sz="2800" dirty="0">
+              <a:latin typeface="+mj-lt"/>
+              <a:ea typeface="FOT-Cezanne Pro M" panose="02020600000000000000" pitchFamily="18" charset="-128"/>
+              <a:cs typeface="Arial" panose="020B0604020202020204" pitchFamily="34" charset="0"/>
+            </a:endParaRPr>
+          </a:p>
+          <a:p>
+            <a:r>
+              <a:rPr lang="en-US" altLang="ja-JP" sz="2800" dirty="0" err="1">
+                <a:latin typeface="+mj-lt"/>
+                <a:ea typeface="FOT-Cezanne Pro M" panose="02020600000000000000" pitchFamily="18" charset="-128"/>
+                <a:cs typeface="Arial" panose="020B0604020202020204" pitchFamily="34" charset="0"/>
+              </a:rPr>
+              <a:t>setTimeout</a:t>
+            </a:r>
+            <a:r>
+              <a:rPr lang="en-US" altLang="ja-JP" sz="2800" dirty="0">
+                <a:latin typeface="+mj-lt"/>
+                <a:ea typeface="FOT-Cezanne Pro M" panose="02020600000000000000" pitchFamily="18" charset="-128"/>
+                <a:cs typeface="Arial" panose="020B0604020202020204" pitchFamily="34" charset="0"/>
+              </a:rPr>
+              <a:t>(function () {</a:t>
+            </a:r>
+          </a:p>
+          <a:p>
+            <a:r>
+              <a:rPr lang="en-US" altLang="ja-JP" sz="2800" dirty="0">
+                <a:latin typeface="+mj-lt"/>
+                <a:ea typeface="FOT-Cezanne Pro M" panose="02020600000000000000" pitchFamily="18" charset="-128"/>
+                <a:cs typeface="Arial" panose="020B0604020202020204" pitchFamily="34" charset="0"/>
+              </a:rPr>
+              <a:t>	</a:t>
+            </a:r>
+            <a:r>
+              <a:rPr lang="en-US" altLang="ja-JP" sz="2800" dirty="0" err="1">
+                <a:latin typeface="+mj-lt"/>
+                <a:ea typeface="FOT-Cezanne Pro M" panose="02020600000000000000" pitchFamily="18" charset="-128"/>
+                <a:cs typeface="Arial" panose="020B0604020202020204" pitchFamily="34" charset="0"/>
+              </a:rPr>
+              <a:t>isRightAfterJump</a:t>
+            </a:r>
+            <a:r>
+              <a:rPr lang="en-US" altLang="ja-JP" sz="2800" dirty="0">
+                <a:latin typeface="+mj-lt"/>
+                <a:ea typeface="FOT-Cezanne Pro M" panose="02020600000000000000" pitchFamily="18" charset="-128"/>
+                <a:cs typeface="Arial" panose="020B0604020202020204" pitchFamily="34" charset="0"/>
+              </a:rPr>
+              <a:t> = false;</a:t>
+            </a:r>
+          </a:p>
+          <a:p>
+            <a:r>
+              <a:rPr lang="en-US" altLang="ja-JP" sz="2800" dirty="0">
+                <a:latin typeface="+mj-lt"/>
+                <a:ea typeface="FOT-Cezanne Pro M" panose="02020600000000000000" pitchFamily="18" charset="-128"/>
+                <a:cs typeface="Arial" panose="020B0604020202020204" pitchFamily="34" charset="0"/>
+              </a:rPr>
+              <a:t>}, </a:t>
+            </a:r>
+            <a:r>
+              <a:rPr lang="en-US" altLang="ja-JP" sz="2800" dirty="0" err="1">
+                <a:latin typeface="+mj-lt"/>
+                <a:ea typeface="FOT-Cezanne Pro M" panose="02020600000000000000" pitchFamily="18" charset="-128"/>
+                <a:cs typeface="Arial" panose="020B0604020202020204" pitchFamily="34" charset="0"/>
+              </a:rPr>
+              <a:t>idleTimeToJump</a:t>
+            </a:r>
+            <a:r>
+              <a:rPr lang="en-US" altLang="ja-JP" sz="2800" dirty="0">
+                <a:latin typeface="+mj-lt"/>
+                <a:ea typeface="FOT-Cezanne Pro M" panose="02020600000000000000" pitchFamily="18" charset="-128"/>
+                <a:cs typeface="Arial" panose="020B0604020202020204" pitchFamily="34" charset="0"/>
+              </a:rPr>
+              <a:t>);</a:t>
+            </a:r>
+          </a:p>
+          <a:p>
+            <a:endParaRPr lang="en-US" altLang="ja-JP" sz="2800" dirty="0">
+              <a:latin typeface="+mj-lt"/>
+              <a:ea typeface="FOT-Cezanne Pro M" panose="02020600000000000000" pitchFamily="18" charset="-128"/>
+              <a:cs typeface="Arial" panose="020B0604020202020204" pitchFamily="34" charset="0"/>
+            </a:endParaRPr>
+          </a:p>
+        </p:txBody>
+      </p:sp>
+      <p:sp>
+        <p:nvSpPr>
+          <p:cNvPr id="69" name="円/楕円 68">
+            <a:extLst>
+              <a:ext uri="{FF2B5EF4-FFF2-40B4-BE49-F238E27FC236}">
+                <a16:creationId xmlns:a16="http://schemas.microsoft.com/office/drawing/2014/main" id="{30570338-CF22-5240-AE42-349787D4733A}"/>
+              </a:ext>
+            </a:extLst>
+          </p:cNvPr>
+          <p:cNvSpPr/>
+          <p:nvPr/>
+        </p:nvSpPr>
+        <p:spPr>
+          <a:xfrm>
+            <a:off x="12089228" y="1233181"/>
+            <a:ext cx="713684" cy="713678"/>
+          </a:xfrm>
+          <a:prstGeom prst="ellipse">
+            <a:avLst/>
+          </a:prstGeom>
+          <a:solidFill>
+            <a:schemeClr val="accent2"/>
+          </a:solidFill>
+        </p:spPr>
+        <p:style>
+          <a:lnRef idx="2">
+            <a:schemeClr val="accent1">
+              <a:shade val="50000"/>
+            </a:schemeClr>
+          </a:lnRef>
+          <a:fillRef idx="1">
+            <a:schemeClr val="accent1"/>
+          </a:fillRef>
+          <a:effectRef idx="0">
+            <a:schemeClr val="accent1"/>
+          </a:effectRef>
+          <a:fontRef idx="minor">
+            <a:schemeClr val="lt1"/>
+          </a:fontRef>
+        </p:style>
+        <p:txBody>
+          <a:bodyPr rtlCol="0" anchor="ctr"/>
+          <a:lstStyle/>
+          <a:p>
+            <a:pPr algn="ctr"/>
+            <a:endParaRPr lang="ja-JP" altLang="en-US">
+              <a:latin typeface="+mj-lt"/>
+              <a:ea typeface="FOT-Cezanne Pro M" panose="02020600000000000000" pitchFamily="18" charset="-128"/>
+              <a:cs typeface="Arial" panose="020B0604020202020204" pitchFamily="34" charset="0"/>
+            </a:endParaRPr>
+          </a:p>
+        </p:txBody>
+      </p:sp>
+      <p:sp>
+        <p:nvSpPr>
+          <p:cNvPr id="70" name="円/楕円 69">
+            <a:extLst>
+              <a:ext uri="{FF2B5EF4-FFF2-40B4-BE49-F238E27FC236}">
+                <a16:creationId xmlns:a16="http://schemas.microsoft.com/office/drawing/2014/main" id="{96AD6FC3-F718-FE42-AB80-2B8C2E319791}"/>
+              </a:ext>
+            </a:extLst>
+          </p:cNvPr>
+          <p:cNvSpPr/>
+          <p:nvPr/>
+        </p:nvSpPr>
+        <p:spPr>
+          <a:xfrm>
+            <a:off x="12709750" y="960756"/>
+            <a:ext cx="713684" cy="713678"/>
+          </a:xfrm>
+          <a:prstGeom prst="ellipse">
+            <a:avLst/>
+          </a:prstGeom>
+          <a:solidFill>
+            <a:schemeClr val="accent2"/>
+          </a:solidFill>
+        </p:spPr>
+        <p:style>
+          <a:lnRef idx="2">
+            <a:schemeClr val="accent1">
+              <a:shade val="50000"/>
+            </a:schemeClr>
+          </a:lnRef>
+          <a:fillRef idx="1">
+            <a:schemeClr val="accent1"/>
+          </a:fillRef>
+          <a:effectRef idx="0">
+            <a:schemeClr val="accent1"/>
+          </a:effectRef>
+          <a:fontRef idx="minor">
+            <a:schemeClr val="lt1"/>
+          </a:fontRef>
+        </p:style>
+        <p:txBody>
+          <a:bodyPr rtlCol="0" anchor="ctr"/>
+          <a:lstStyle/>
+          <a:p>
+            <a:pPr algn="ctr"/>
+            <a:endParaRPr lang="ja-JP" altLang="en-US">
+              <a:latin typeface="+mj-lt"/>
+              <a:ea typeface="FOT-Cezanne Pro M" panose="02020600000000000000" pitchFamily="18" charset="-128"/>
+              <a:cs typeface="Arial" panose="020B0604020202020204" pitchFamily="34" charset="0"/>
+            </a:endParaRPr>
+          </a:p>
+        </p:txBody>
+      </p:sp>
+      <p:sp>
+        <p:nvSpPr>
+          <p:cNvPr id="71" name="円/楕円 70">
+            <a:extLst>
+              <a:ext uri="{FF2B5EF4-FFF2-40B4-BE49-F238E27FC236}">
+                <a16:creationId xmlns:a16="http://schemas.microsoft.com/office/drawing/2014/main" id="{AD4A399D-F524-4E4C-88DC-13BE0F50BF6F}"/>
+              </a:ext>
+            </a:extLst>
+          </p:cNvPr>
+          <p:cNvSpPr/>
+          <p:nvPr/>
+        </p:nvSpPr>
+        <p:spPr>
+          <a:xfrm>
+            <a:off x="13287617" y="751083"/>
+            <a:ext cx="713684" cy="713678"/>
+          </a:xfrm>
+          <a:prstGeom prst="ellipse">
+            <a:avLst/>
+          </a:prstGeom>
+        </p:spPr>
+        <p:style>
+          <a:lnRef idx="2">
+            <a:schemeClr val="accent1">
+              <a:shade val="50000"/>
+            </a:schemeClr>
+          </a:lnRef>
+          <a:fillRef idx="1">
+            <a:schemeClr val="accent1"/>
+          </a:fillRef>
+          <a:effectRef idx="0">
+            <a:schemeClr val="accent1"/>
+          </a:effectRef>
+          <a:fontRef idx="minor">
+            <a:schemeClr val="lt1"/>
+          </a:fontRef>
+        </p:style>
+        <p:txBody>
+          <a:bodyPr rtlCol="0" anchor="ctr"/>
+          <a:lstStyle/>
+          <a:p>
+            <a:pPr algn="ctr"/>
+            <a:endParaRPr lang="ja-JP" altLang="en-US">
+              <a:latin typeface="+mj-lt"/>
+              <a:ea typeface="FOT-Cezanne Pro M" panose="02020600000000000000" pitchFamily="18" charset="-128"/>
+              <a:cs typeface="Arial" panose="020B0604020202020204" pitchFamily="34" charset="0"/>
+            </a:endParaRPr>
+          </a:p>
+        </p:txBody>
+      </p:sp>
+      <p:sp>
+        <p:nvSpPr>
+          <p:cNvPr id="72" name="円/楕円 71">
+            <a:extLst>
+              <a:ext uri="{FF2B5EF4-FFF2-40B4-BE49-F238E27FC236}">
+                <a16:creationId xmlns:a16="http://schemas.microsoft.com/office/drawing/2014/main" id="{919EBE3A-1784-F84E-A7E2-AA33E31B177C}"/>
+              </a:ext>
+            </a:extLst>
+          </p:cNvPr>
+          <p:cNvSpPr/>
+          <p:nvPr/>
+        </p:nvSpPr>
+        <p:spPr>
+          <a:xfrm>
+            <a:off x="11451130" y="1643542"/>
+            <a:ext cx="713684" cy="713678"/>
+          </a:xfrm>
+          <a:prstGeom prst="ellipse">
+            <a:avLst/>
+          </a:prstGeom>
+          <a:solidFill>
+            <a:schemeClr val="accent2"/>
+          </a:solidFill>
+        </p:spPr>
+        <p:style>
+          <a:lnRef idx="2">
+            <a:schemeClr val="accent1">
+              <a:shade val="50000"/>
+            </a:schemeClr>
+          </a:lnRef>
+          <a:fillRef idx="1">
+            <a:schemeClr val="accent1"/>
+          </a:fillRef>
+          <a:effectRef idx="0">
+            <a:schemeClr val="accent1"/>
+          </a:effectRef>
+          <a:fontRef idx="minor">
+            <a:schemeClr val="lt1"/>
+          </a:fontRef>
+        </p:style>
+        <p:txBody>
+          <a:bodyPr rtlCol="0" anchor="ctr"/>
+          <a:lstStyle/>
+          <a:p>
+            <a:pPr algn="ctr"/>
+            <a:endParaRPr lang="ja-JP" altLang="en-US">
+              <a:latin typeface="+mj-lt"/>
+              <a:ea typeface="FOT-Cezanne Pro M" panose="02020600000000000000" pitchFamily="18" charset="-128"/>
+              <a:cs typeface="Arial" panose="020B0604020202020204" pitchFamily="34" charset="0"/>
+            </a:endParaRPr>
+          </a:p>
+        </p:txBody>
+      </p:sp>
+      <p:sp>
+        <p:nvSpPr>
+          <p:cNvPr id="73" name="円/楕円 72">
+            <a:extLst>
+              <a:ext uri="{FF2B5EF4-FFF2-40B4-BE49-F238E27FC236}">
+                <a16:creationId xmlns:a16="http://schemas.microsoft.com/office/drawing/2014/main" id="{E25D1DAA-54AB-5248-A542-BD6DDCF997F1}"/>
+              </a:ext>
+            </a:extLst>
+          </p:cNvPr>
+          <p:cNvSpPr/>
+          <p:nvPr/>
+        </p:nvSpPr>
+        <p:spPr>
+          <a:xfrm>
+            <a:off x="10349818" y="3030291"/>
+            <a:ext cx="713684" cy="713678"/>
+          </a:xfrm>
+          <a:prstGeom prst="ellipse">
+            <a:avLst/>
+          </a:prstGeom>
+          <a:solidFill>
+            <a:schemeClr val="accent2"/>
+          </a:solidFill>
+        </p:spPr>
+        <p:style>
+          <a:lnRef idx="2">
+            <a:schemeClr val="accent1">
+              <a:shade val="50000"/>
+            </a:schemeClr>
+          </a:lnRef>
+          <a:fillRef idx="1">
+            <a:schemeClr val="accent1"/>
+          </a:fillRef>
+          <a:effectRef idx="0">
+            <a:schemeClr val="accent1"/>
+          </a:effectRef>
+          <a:fontRef idx="minor">
+            <a:schemeClr val="lt1"/>
+          </a:fontRef>
+        </p:style>
+        <p:txBody>
+          <a:bodyPr rtlCol="0" anchor="ctr"/>
+          <a:lstStyle/>
+          <a:p>
+            <a:pPr algn="ctr"/>
+            <a:endParaRPr lang="ja-JP" altLang="en-US">
+              <a:latin typeface="+mj-lt"/>
+              <a:ea typeface="FOT-Cezanne Pro M" panose="02020600000000000000" pitchFamily="18" charset="-128"/>
+              <a:cs typeface="Arial" panose="020B0604020202020204" pitchFamily="34" charset="0"/>
+            </a:endParaRPr>
+          </a:p>
+        </p:txBody>
+      </p:sp>
+      <p:sp>
+        <p:nvSpPr>
+          <p:cNvPr id="74" name="円/楕円 73">
+            <a:extLst>
+              <a:ext uri="{FF2B5EF4-FFF2-40B4-BE49-F238E27FC236}">
+                <a16:creationId xmlns:a16="http://schemas.microsoft.com/office/drawing/2014/main" id="{C3CB5DE1-D7C1-8642-8CF7-C683DD51B0CE}"/>
+              </a:ext>
+            </a:extLst>
+          </p:cNvPr>
+          <p:cNvSpPr/>
+          <p:nvPr/>
+        </p:nvSpPr>
+        <p:spPr>
+          <a:xfrm>
+            <a:off x="10940833" y="2167390"/>
+            <a:ext cx="713684" cy="713678"/>
+          </a:xfrm>
+          <a:prstGeom prst="ellipse">
+            <a:avLst/>
+          </a:prstGeom>
+          <a:solidFill>
+            <a:schemeClr val="accent2"/>
+          </a:solidFill>
+        </p:spPr>
+        <p:style>
+          <a:lnRef idx="2">
+            <a:schemeClr val="accent1">
+              <a:shade val="50000"/>
+            </a:schemeClr>
+          </a:lnRef>
+          <a:fillRef idx="1">
+            <a:schemeClr val="accent1"/>
+          </a:fillRef>
+          <a:effectRef idx="0">
+            <a:schemeClr val="accent1"/>
+          </a:effectRef>
+          <a:fontRef idx="minor">
+            <a:schemeClr val="lt1"/>
+          </a:fontRef>
+        </p:style>
+        <p:txBody>
+          <a:bodyPr rtlCol="0" anchor="ctr"/>
+          <a:lstStyle/>
+          <a:p>
+            <a:pPr algn="ctr"/>
+            <a:endParaRPr lang="ja-JP" altLang="en-US">
+              <a:latin typeface="+mj-lt"/>
+              <a:ea typeface="FOT-Cezanne Pro M" panose="02020600000000000000" pitchFamily="18" charset="-128"/>
+              <a:cs typeface="Arial" panose="020B0604020202020204" pitchFamily="34" charset="0"/>
+            </a:endParaRPr>
+          </a:p>
+        </p:txBody>
+      </p:sp>
+      <p:sp>
+        <p:nvSpPr>
+          <p:cNvPr id="75" name="フリーフォーム 74">
+            <a:extLst>
+              <a:ext uri="{FF2B5EF4-FFF2-40B4-BE49-F238E27FC236}">
+                <a16:creationId xmlns:a16="http://schemas.microsoft.com/office/drawing/2014/main" id="{85935718-1A13-5640-B7C1-5C4C72DA11B9}"/>
+              </a:ext>
+            </a:extLst>
+          </p:cNvPr>
+          <p:cNvSpPr/>
+          <p:nvPr/>
+        </p:nvSpPr>
+        <p:spPr>
+          <a:xfrm>
+            <a:off x="10120520" y="964277"/>
+            <a:ext cx="5259482" cy="3794939"/>
+          </a:xfrm>
+          <a:custGeom>
+            <a:avLst/>
+            <a:gdLst>
+              <a:gd name="connsiteX0" fmla="*/ 0 w 9272588"/>
+              <a:gd name="connsiteY0" fmla="*/ 3708189 h 3708189"/>
+              <a:gd name="connsiteX1" fmla="*/ 5129213 w 9272588"/>
+              <a:gd name="connsiteY1" fmla="*/ 122026 h 3708189"/>
+              <a:gd name="connsiteX2" fmla="*/ 9272588 w 9272588"/>
+              <a:gd name="connsiteY2" fmla="*/ 893552 h 3708189"/>
+              <a:gd name="connsiteX0" fmla="*/ 0 w 9272588"/>
+              <a:gd name="connsiteY0" fmla="*/ 3786755 h 3786755"/>
+              <a:gd name="connsiteX1" fmla="*/ 5129213 w 9272588"/>
+              <a:gd name="connsiteY1" fmla="*/ 114867 h 3786755"/>
+              <a:gd name="connsiteX2" fmla="*/ 9272588 w 9272588"/>
+              <a:gd name="connsiteY2" fmla="*/ 972118 h 3786755"/>
+              <a:gd name="connsiteX0" fmla="*/ 0 w 9272588"/>
+              <a:gd name="connsiteY0" fmla="*/ 3671888 h 3671888"/>
+              <a:gd name="connsiteX1" fmla="*/ 5129213 w 9272588"/>
+              <a:gd name="connsiteY1" fmla="*/ 0 h 3671888"/>
+              <a:gd name="connsiteX2" fmla="*/ 9272588 w 9272588"/>
+              <a:gd name="connsiteY2" fmla="*/ 857251 h 3671888"/>
+              <a:gd name="connsiteX0" fmla="*/ 0 w 9272588"/>
+              <a:gd name="connsiteY0" fmla="*/ 3671888 h 3671888"/>
+              <a:gd name="connsiteX1" fmla="*/ 5129213 w 9272588"/>
+              <a:gd name="connsiteY1" fmla="*/ 0 h 3671888"/>
+              <a:gd name="connsiteX2" fmla="*/ 9272588 w 9272588"/>
+              <a:gd name="connsiteY2" fmla="*/ 857251 h 3671888"/>
+              <a:gd name="connsiteX0" fmla="*/ 0 w 9272588"/>
+              <a:gd name="connsiteY0" fmla="*/ 3671888 h 3671888"/>
+              <a:gd name="connsiteX1" fmla="*/ 5129213 w 9272588"/>
+              <a:gd name="connsiteY1" fmla="*/ 0 h 3671888"/>
+              <a:gd name="connsiteX2" fmla="*/ 9272588 w 9272588"/>
+              <a:gd name="connsiteY2" fmla="*/ 857251 h 3671888"/>
+              <a:gd name="connsiteX0" fmla="*/ 0 w 9272588"/>
+              <a:gd name="connsiteY0" fmla="*/ 3671888 h 3671888"/>
+              <a:gd name="connsiteX1" fmla="*/ 5129213 w 9272588"/>
+              <a:gd name="connsiteY1" fmla="*/ 0 h 3671888"/>
+              <a:gd name="connsiteX2" fmla="*/ 9272588 w 9272588"/>
+              <a:gd name="connsiteY2" fmla="*/ 857251 h 3671888"/>
+              <a:gd name="connsiteX0" fmla="*/ 0 w 9272588"/>
+              <a:gd name="connsiteY0" fmla="*/ 3671888 h 3671888"/>
+              <a:gd name="connsiteX1" fmla="*/ 5129213 w 9272588"/>
+              <a:gd name="connsiteY1" fmla="*/ 0 h 3671888"/>
+              <a:gd name="connsiteX2" fmla="*/ 9272588 w 9272588"/>
+              <a:gd name="connsiteY2" fmla="*/ 857251 h 3671888"/>
+              <a:gd name="connsiteX0" fmla="*/ 0 w 9272588"/>
+              <a:gd name="connsiteY0" fmla="*/ 3673912 h 3673912"/>
+              <a:gd name="connsiteX1" fmla="*/ 5129213 w 9272588"/>
+              <a:gd name="connsiteY1" fmla="*/ 2024 h 3673912"/>
+              <a:gd name="connsiteX2" fmla="*/ 9272588 w 9272588"/>
+              <a:gd name="connsiteY2" fmla="*/ 859275 h 3673912"/>
+              <a:gd name="connsiteX0" fmla="*/ 0 w 9272588"/>
+              <a:gd name="connsiteY0" fmla="*/ 3671888 h 3671888"/>
+              <a:gd name="connsiteX1" fmla="*/ 5129213 w 9272588"/>
+              <a:gd name="connsiteY1" fmla="*/ 0 h 3671888"/>
+              <a:gd name="connsiteX2" fmla="*/ 9272588 w 9272588"/>
+              <a:gd name="connsiteY2" fmla="*/ 857251 h 3671888"/>
+              <a:gd name="connsiteX0" fmla="*/ 0 w 10172700"/>
+              <a:gd name="connsiteY0" fmla="*/ 3671888 h 3671888"/>
+              <a:gd name="connsiteX1" fmla="*/ 5129213 w 10172700"/>
+              <a:gd name="connsiteY1" fmla="*/ 0 h 3671888"/>
+              <a:gd name="connsiteX2" fmla="*/ 10172700 w 10172700"/>
+              <a:gd name="connsiteY2" fmla="*/ 3386139 h 3671888"/>
+              <a:gd name="connsiteX0" fmla="*/ 0 w 10172700"/>
+              <a:gd name="connsiteY0" fmla="*/ 3671888 h 3671888"/>
+              <a:gd name="connsiteX1" fmla="*/ 5129213 w 10172700"/>
+              <a:gd name="connsiteY1" fmla="*/ 0 h 3671888"/>
+              <a:gd name="connsiteX2" fmla="*/ 10172700 w 10172700"/>
+              <a:gd name="connsiteY2" fmla="*/ 3386139 h 3671888"/>
+              <a:gd name="connsiteX0" fmla="*/ 0 w 10172700"/>
+              <a:gd name="connsiteY0" fmla="*/ 3671888 h 3671888"/>
+              <a:gd name="connsiteX1" fmla="*/ 5129213 w 10172700"/>
+              <a:gd name="connsiteY1" fmla="*/ 0 h 3671888"/>
+              <a:gd name="connsiteX2" fmla="*/ 10172700 w 10172700"/>
+              <a:gd name="connsiteY2" fmla="*/ 3386139 h 3671888"/>
+              <a:gd name="connsiteX0" fmla="*/ 0 w 5800725"/>
+              <a:gd name="connsiteY0" fmla="*/ 3671888 h 3671888"/>
+              <a:gd name="connsiteX1" fmla="*/ 5129213 w 5800725"/>
+              <a:gd name="connsiteY1" fmla="*/ 0 h 3671888"/>
+              <a:gd name="connsiteX2" fmla="*/ 5800725 w 5800725"/>
+              <a:gd name="connsiteY2" fmla="*/ 1257301 h 3671888"/>
+              <a:gd name="connsiteX0" fmla="*/ 0 w 5878445"/>
+              <a:gd name="connsiteY0" fmla="*/ 3671888 h 3671888"/>
+              <a:gd name="connsiteX1" fmla="*/ 5129213 w 5878445"/>
+              <a:gd name="connsiteY1" fmla="*/ 0 h 3671888"/>
+              <a:gd name="connsiteX2" fmla="*/ 5800725 w 5878445"/>
+              <a:gd name="connsiteY2" fmla="*/ 1257301 h 3671888"/>
+              <a:gd name="connsiteX0" fmla="*/ 0 w 5276861"/>
+              <a:gd name="connsiteY0" fmla="*/ 3671888 h 3671888"/>
+              <a:gd name="connsiteX1" fmla="*/ 5129213 w 5276861"/>
+              <a:gd name="connsiteY1" fmla="*/ 0 h 3671888"/>
+              <a:gd name="connsiteX2" fmla="*/ 5114925 w 5276861"/>
+              <a:gd name="connsiteY2" fmla="*/ 28576 h 3671888"/>
+              <a:gd name="connsiteX0" fmla="*/ 0 w 5175280"/>
+              <a:gd name="connsiteY0" fmla="*/ 3671888 h 3671888"/>
+              <a:gd name="connsiteX1" fmla="*/ 5129213 w 5175280"/>
+              <a:gd name="connsiteY1" fmla="*/ 0 h 3671888"/>
+              <a:gd name="connsiteX2" fmla="*/ 5114925 w 5175280"/>
+              <a:gd name="connsiteY2" fmla="*/ 28576 h 3671888"/>
+              <a:gd name="connsiteX0" fmla="*/ 0 w 5209124"/>
+              <a:gd name="connsiteY0" fmla="*/ 3672799 h 3672799"/>
+              <a:gd name="connsiteX1" fmla="*/ 5129213 w 5209124"/>
+              <a:gd name="connsiteY1" fmla="*/ 911 h 3672799"/>
+              <a:gd name="connsiteX2" fmla="*/ 5157787 w 5209124"/>
+              <a:gd name="connsiteY2" fmla="*/ 912 h 3672799"/>
+              <a:gd name="connsiteX0" fmla="*/ 0 w 5157787"/>
+              <a:gd name="connsiteY0" fmla="*/ 3671888 h 3671888"/>
+              <a:gd name="connsiteX1" fmla="*/ 5129213 w 5157787"/>
+              <a:gd name="connsiteY1" fmla="*/ 0 h 3671888"/>
+              <a:gd name="connsiteX2" fmla="*/ 5157787 w 5157787"/>
+              <a:gd name="connsiteY2" fmla="*/ 1 h 3671888"/>
+            </a:gdLst>
+            <a:ahLst/>
+            <a:cxnLst>
+              <a:cxn ang="0">
+                <a:pos x="connsiteX0" y="connsiteY0"/>
+              </a:cxn>
+              <a:cxn ang="0">
+                <a:pos x="connsiteX1" y="connsiteY1"/>
+              </a:cxn>
+              <a:cxn ang="0">
+                <a:pos x="connsiteX2" y="connsiteY2"/>
+              </a:cxn>
+            </a:cxnLst>
+            <a:rect l="l" t="t" r="r" b="b"/>
+            <a:pathLst>
+              <a:path w="5157787" h="3671888">
+                <a:moveTo>
+                  <a:pt x="0" y="3671888"/>
+                </a:moveTo>
+                <a:cubicBezTo>
+                  <a:pt x="906066" y="1141809"/>
+                  <a:pt x="2269332" y="54768"/>
+                  <a:pt x="5129213" y="0"/>
+                </a:cubicBezTo>
+                <a:cubicBezTo>
+                  <a:pt x="5103019" y="30956"/>
+                  <a:pt x="5155405" y="7145"/>
+                  <a:pt x="5157787" y="1"/>
+                </a:cubicBezTo>
+              </a:path>
+            </a:pathLst>
+          </a:custGeom>
+          <a:noFill/>
+        </p:spPr>
+        <p:style>
+          <a:lnRef idx="2">
+            <a:schemeClr val="accent1">
+              <a:shade val="50000"/>
+            </a:schemeClr>
+          </a:lnRef>
+          <a:fillRef idx="1">
+            <a:schemeClr val="accent1"/>
+          </a:fillRef>
+          <a:effectRef idx="0">
+            <a:schemeClr val="accent1"/>
+          </a:effectRef>
+          <a:fontRef idx="minor">
+            <a:schemeClr val="lt1"/>
+          </a:fontRef>
+        </p:style>
+        <p:txBody>
+          <a:bodyPr rtlCol="0" anchor="ctr"/>
+          <a:lstStyle/>
+          <a:p>
+            <a:pPr algn="ctr"/>
+            <a:endParaRPr lang="ja-JP" altLang="en-US">
+              <a:latin typeface="+mj-lt"/>
+              <a:ea typeface="FOT-Cezanne Pro M" panose="02020600000000000000" pitchFamily="18" charset="-128"/>
+              <a:cs typeface="Arial" panose="020B0604020202020204" pitchFamily="34" charset="0"/>
+            </a:endParaRPr>
+          </a:p>
+        </p:txBody>
+      </p:sp>
+      <p:sp>
+        <p:nvSpPr>
+          <p:cNvPr id="76" name="テキスト ボックス 75">
+            <a:extLst>
+              <a:ext uri="{FF2B5EF4-FFF2-40B4-BE49-F238E27FC236}">
+                <a16:creationId xmlns:a16="http://schemas.microsoft.com/office/drawing/2014/main" id="{A6B75C58-28C1-DB4D-BE6C-2C4C2B70C2EE}"/>
+              </a:ext>
+            </a:extLst>
+          </p:cNvPr>
+          <p:cNvSpPr txBox="1"/>
+          <p:nvPr/>
+        </p:nvSpPr>
+        <p:spPr>
+          <a:xfrm>
+            <a:off x="1136285" y="608031"/>
+            <a:ext cx="3969356" cy="2677656"/>
+          </a:xfrm>
+          <a:prstGeom prst="rect">
+            <a:avLst/>
+          </a:prstGeom>
+          <a:noFill/>
+        </p:spPr>
+        <p:txBody>
+          <a:bodyPr wrap="none" rtlCol="0">
+            <a:spAutoFit/>
+          </a:bodyPr>
+          <a:lstStyle/>
+          <a:p>
+            <a:r>
+              <a:rPr lang="ja-JP" altLang="en-US" sz="2800" b="1">
+                <a:latin typeface="+mj-ea"/>
+                <a:ea typeface="+mj-ea"/>
+                <a:cs typeface="Arial" panose="020B0604020202020204" pitchFamily="34" charset="0"/>
+              </a:rPr>
+              <a:t>空中ジャンプ条件</a:t>
+            </a:r>
+            <a:endParaRPr lang="en-US" altLang="ja-JP" sz="2800" b="1" dirty="0">
+              <a:latin typeface="+mj-ea"/>
+              <a:ea typeface="+mj-ea"/>
+              <a:cs typeface="Arial" panose="020B0604020202020204" pitchFamily="34" charset="0"/>
+            </a:endParaRPr>
+          </a:p>
+          <a:p>
+            <a:r>
+              <a:rPr lang="en-US" altLang="ja-JP" sz="2800" dirty="0">
+                <a:latin typeface="+mj-lt"/>
+                <a:ea typeface="FOT-Cezanne Pro M" panose="02020600000000000000" pitchFamily="18" charset="-128"/>
+                <a:cs typeface="Arial" panose="020B0604020202020204" pitchFamily="34" charset="0"/>
+              </a:rPr>
+              <a:t>if (</a:t>
+            </a:r>
+          </a:p>
+          <a:p>
+            <a:r>
+              <a:rPr lang="en-US" altLang="ja-JP" sz="2800" dirty="0">
+                <a:latin typeface="+mj-lt"/>
+                <a:ea typeface="FOT-Cezanne Pro M" panose="02020600000000000000" pitchFamily="18" charset="-128"/>
+                <a:cs typeface="Arial" panose="020B0604020202020204" pitchFamily="34" charset="0"/>
+              </a:rPr>
+              <a:t>	</a:t>
+            </a:r>
+            <a:r>
+              <a:rPr lang="en-US" altLang="ja-JP" sz="2800" dirty="0" err="1">
+                <a:latin typeface="+mj-lt"/>
+                <a:ea typeface="FOT-Cezanne Pro M" panose="02020600000000000000" pitchFamily="18" charset="-128"/>
+                <a:cs typeface="Arial" panose="020B0604020202020204" pitchFamily="34" charset="0"/>
+              </a:rPr>
+              <a:t>upPressed</a:t>
+            </a:r>
+            <a:r>
+              <a:rPr lang="en-US" altLang="ja-JP" sz="2800" dirty="0">
+                <a:latin typeface="+mj-lt"/>
+                <a:ea typeface="FOT-Cezanne Pro M" panose="02020600000000000000" pitchFamily="18" charset="-128"/>
+                <a:cs typeface="Arial" panose="020B0604020202020204" pitchFamily="34" charset="0"/>
+              </a:rPr>
+              <a:t> &amp;&amp; </a:t>
+            </a:r>
+          </a:p>
+          <a:p>
+            <a:r>
+              <a:rPr lang="en-US" altLang="ja-JP" sz="2800" dirty="0">
+                <a:latin typeface="+mj-lt"/>
+                <a:ea typeface="FOT-Cezanne Pro M" panose="02020600000000000000" pitchFamily="18" charset="-128"/>
+                <a:cs typeface="Arial" panose="020B0604020202020204" pitchFamily="34" charset="0"/>
+              </a:rPr>
+              <a:t>	!</a:t>
+            </a:r>
+            <a:r>
+              <a:rPr lang="en-US" altLang="ja-JP" sz="2800" dirty="0" err="1">
+                <a:latin typeface="+mj-lt"/>
+                <a:ea typeface="FOT-Cezanne Pro M" panose="02020600000000000000" pitchFamily="18" charset="-128"/>
+                <a:cs typeface="Arial" panose="020B0604020202020204" pitchFamily="34" charset="0"/>
+              </a:rPr>
+              <a:t>isRightAfterJump</a:t>
+            </a:r>
+            <a:r>
+              <a:rPr lang="en-US" altLang="ja-JP" sz="2800" dirty="0">
+                <a:latin typeface="+mj-lt"/>
+                <a:ea typeface="FOT-Cezanne Pro M" panose="02020600000000000000" pitchFamily="18" charset="-128"/>
+                <a:cs typeface="Arial" panose="020B0604020202020204" pitchFamily="34" charset="0"/>
+              </a:rPr>
+              <a:t> &amp;&amp; </a:t>
+            </a:r>
+          </a:p>
+          <a:p>
+            <a:r>
+              <a:rPr lang="en-US" altLang="ja-JP" sz="2800" dirty="0">
+                <a:latin typeface="+mj-lt"/>
+                <a:ea typeface="FOT-Cezanne Pro M" panose="02020600000000000000" pitchFamily="18" charset="-128"/>
+                <a:cs typeface="Arial" panose="020B0604020202020204" pitchFamily="34" charset="0"/>
+              </a:rPr>
+              <a:t>	</a:t>
+            </a:r>
+            <a:r>
+              <a:rPr lang="en-US" altLang="ja-JP" sz="2800" dirty="0" err="1">
+                <a:latin typeface="+mj-lt"/>
+                <a:ea typeface="FOT-Cezanne Pro M" panose="02020600000000000000" pitchFamily="18" charset="-128"/>
+                <a:cs typeface="Arial" panose="020B0604020202020204" pitchFamily="34" charset="0"/>
+              </a:rPr>
+              <a:t>jumpCount</a:t>
+            </a:r>
+            <a:r>
+              <a:rPr lang="en-US" altLang="ja-JP" sz="2800" dirty="0">
+                <a:latin typeface="+mj-lt"/>
+                <a:ea typeface="FOT-Cezanne Pro M" panose="02020600000000000000" pitchFamily="18" charset="-128"/>
+                <a:cs typeface="Arial" panose="020B0604020202020204" pitchFamily="34" charset="0"/>
+              </a:rPr>
+              <a:t> &lt; 2</a:t>
+            </a:r>
+          </a:p>
+          <a:p>
+            <a:r>
+              <a:rPr lang="en-US" altLang="ja-JP" sz="2800" dirty="0">
+                <a:latin typeface="+mj-lt"/>
+                <a:ea typeface="FOT-Cezanne Pro M" panose="02020600000000000000" pitchFamily="18" charset="-128"/>
+                <a:cs typeface="Arial" panose="020B0604020202020204" pitchFamily="34" charset="0"/>
+              </a:rPr>
+              <a:t>)</a:t>
+            </a:r>
+          </a:p>
+        </p:txBody>
+      </p:sp>
+      <p:sp>
+        <p:nvSpPr>
+          <p:cNvPr id="38" name="テキスト ボックス 37">
+            <a:extLst>
+              <a:ext uri="{FF2B5EF4-FFF2-40B4-BE49-F238E27FC236}">
+                <a16:creationId xmlns:a16="http://schemas.microsoft.com/office/drawing/2014/main" id="{9F35EC61-2D87-6D48-94DB-F083B70A0C07}"/>
+              </a:ext>
+            </a:extLst>
+          </p:cNvPr>
+          <p:cNvSpPr txBox="1"/>
+          <p:nvPr/>
+        </p:nvSpPr>
+        <p:spPr>
+          <a:xfrm>
+            <a:off x="14803523" y="419259"/>
+            <a:ext cx="3666522" cy="830997"/>
+          </a:xfrm>
+          <a:prstGeom prst="rect">
+            <a:avLst/>
+          </a:prstGeom>
+          <a:solidFill>
+            <a:schemeClr val="accent5">
+              <a:lumMod val="20000"/>
+              <a:lumOff val="80000"/>
+            </a:schemeClr>
+          </a:solidFill>
+        </p:spPr>
+        <p:txBody>
+          <a:bodyPr wrap="square" rtlCol="0">
+            <a:spAutoFit/>
+          </a:bodyPr>
+          <a:lstStyle/>
+          <a:p>
+            <a:r>
+              <a:rPr lang="en-US" altLang="ja-JP" sz="2400" dirty="0" err="1">
+                <a:latin typeface="+mj-lt"/>
+                <a:ea typeface="FOT-Cezanne Pro M" panose="02020600000000000000" pitchFamily="18" charset="-128"/>
+                <a:cs typeface="Arial" panose="020B0604020202020204" pitchFamily="34" charset="0"/>
+              </a:rPr>
+              <a:t>jumpCount</a:t>
+            </a:r>
+            <a:r>
+              <a:rPr lang="en-US" altLang="ja-JP" sz="2400" dirty="0">
+                <a:latin typeface="+mj-lt"/>
+                <a:ea typeface="FOT-Cezanne Pro M" panose="02020600000000000000" pitchFamily="18" charset="-128"/>
+                <a:cs typeface="Arial" panose="020B0604020202020204" pitchFamily="34" charset="0"/>
+              </a:rPr>
+              <a:t> = </a:t>
+            </a:r>
+            <a:r>
+              <a:rPr lang="en-US" altLang="ja-JP" sz="2400" dirty="0">
+                <a:solidFill>
+                  <a:srgbClr val="FF0000"/>
+                </a:solidFill>
+                <a:latin typeface="+mj-lt"/>
+                <a:ea typeface="FOT-Cezanne Pro M" panose="02020600000000000000" pitchFamily="18" charset="-128"/>
+                <a:cs typeface="Arial" panose="020B0604020202020204" pitchFamily="34" charset="0"/>
+              </a:rPr>
+              <a:t>2</a:t>
+            </a:r>
+          </a:p>
+          <a:p>
+            <a:r>
+              <a:rPr lang="en-US" altLang="ja-JP" sz="2400" dirty="0" err="1">
+                <a:latin typeface="+mj-lt"/>
+                <a:ea typeface="FOT-Cezanne Pro M" panose="02020600000000000000" pitchFamily="18" charset="-128"/>
+                <a:cs typeface="Arial" panose="020B0604020202020204" pitchFamily="34" charset="0"/>
+              </a:rPr>
+              <a:t>isRightAfterJump</a:t>
+            </a:r>
+            <a:r>
+              <a:rPr lang="en-US" altLang="ja-JP" sz="2400" dirty="0">
+                <a:latin typeface="+mj-lt"/>
+                <a:ea typeface="FOT-Cezanne Pro M" panose="02020600000000000000" pitchFamily="18" charset="-128"/>
+                <a:cs typeface="Arial" panose="020B0604020202020204" pitchFamily="34" charset="0"/>
+              </a:rPr>
+              <a:t> = False</a:t>
+            </a:r>
+          </a:p>
+        </p:txBody>
+      </p:sp>
+      <p:sp>
+        <p:nvSpPr>
+          <p:cNvPr id="78" name="上矢印 77">
+            <a:extLst>
+              <a:ext uri="{FF2B5EF4-FFF2-40B4-BE49-F238E27FC236}">
+                <a16:creationId xmlns:a16="http://schemas.microsoft.com/office/drawing/2014/main" id="{C7092BB1-949C-EF41-A261-5725F8047D39}"/>
+              </a:ext>
+            </a:extLst>
+          </p:cNvPr>
+          <p:cNvSpPr/>
+          <p:nvPr/>
+        </p:nvSpPr>
+        <p:spPr>
+          <a:xfrm>
+            <a:off x="7036984" y="7263334"/>
+            <a:ext cx="321013" cy="443266"/>
+          </a:xfrm>
+          <a:prstGeom prst="upArrow">
+            <a:avLst/>
+          </a:prstGeom>
+          <a:solidFill>
+            <a:srgbClr val="FF0000"/>
+          </a:solidFill>
+          <a:ln>
+            <a:solidFill>
+              <a:schemeClr val="bg1"/>
+            </a:solidFill>
+          </a:ln>
+        </p:spPr>
+        <p:style>
+          <a:lnRef idx="2">
+            <a:schemeClr val="accent1">
+              <a:shade val="50000"/>
+            </a:schemeClr>
+          </a:lnRef>
+          <a:fillRef idx="1">
+            <a:schemeClr val="accent1"/>
+          </a:fillRef>
+          <a:effectRef idx="0">
+            <a:schemeClr val="accent1"/>
+          </a:effectRef>
+          <a:fontRef idx="minor">
+            <a:schemeClr val="lt1"/>
+          </a:fontRef>
+        </p:style>
+        <p:txBody>
+          <a:bodyPr rtlCol="0" anchor="ctr"/>
+          <a:lstStyle/>
+          <a:p>
+            <a:pPr algn="ctr"/>
+            <a:endParaRPr kumimoji="1" lang="ja-JP" altLang="en-US"/>
+          </a:p>
+        </p:txBody>
+      </p:sp>
+      <p:sp>
+        <p:nvSpPr>
+          <p:cNvPr id="81" name="上矢印 80">
+            <a:extLst>
+              <a:ext uri="{FF2B5EF4-FFF2-40B4-BE49-F238E27FC236}">
+                <a16:creationId xmlns:a16="http://schemas.microsoft.com/office/drawing/2014/main" id="{CE509D49-A85B-2041-BA96-91058E1751C2}"/>
+              </a:ext>
+            </a:extLst>
+          </p:cNvPr>
+          <p:cNvSpPr/>
+          <p:nvPr/>
+        </p:nvSpPr>
+        <p:spPr>
+          <a:xfrm>
+            <a:off x="10557012" y="3701234"/>
+            <a:ext cx="321013" cy="443266"/>
+          </a:xfrm>
+          <a:prstGeom prst="upArrow">
+            <a:avLst/>
+          </a:prstGeom>
+          <a:solidFill>
+            <a:srgbClr val="FF0000"/>
+          </a:solidFill>
+          <a:ln>
+            <a:solidFill>
+              <a:schemeClr val="bg1"/>
+            </a:solidFill>
+          </a:ln>
+        </p:spPr>
+        <p:style>
+          <a:lnRef idx="2">
+            <a:schemeClr val="accent1">
+              <a:shade val="50000"/>
+            </a:schemeClr>
+          </a:lnRef>
+          <a:fillRef idx="1">
+            <a:schemeClr val="accent1"/>
+          </a:fillRef>
+          <a:effectRef idx="0">
+            <a:schemeClr val="accent1"/>
+          </a:effectRef>
+          <a:fontRef idx="minor">
+            <a:schemeClr val="lt1"/>
+          </a:fontRef>
+        </p:style>
+        <p:txBody>
+          <a:bodyPr rtlCol="0" anchor="ctr"/>
+          <a:lstStyle/>
+          <a:p>
+            <a:pPr algn="ctr"/>
+            <a:endParaRPr kumimoji="1" lang="ja-JP" altLang="en-US"/>
+          </a:p>
+        </p:txBody>
+      </p:sp>
+      <p:sp>
+        <p:nvSpPr>
+          <p:cNvPr id="83" name="上矢印 82">
+            <a:extLst>
+              <a:ext uri="{FF2B5EF4-FFF2-40B4-BE49-F238E27FC236}">
+                <a16:creationId xmlns:a16="http://schemas.microsoft.com/office/drawing/2014/main" id="{F72F4E08-D0DA-6A4E-BB05-29DBE36CD19E}"/>
+              </a:ext>
+            </a:extLst>
+          </p:cNvPr>
+          <p:cNvSpPr/>
+          <p:nvPr/>
+        </p:nvSpPr>
+        <p:spPr>
+          <a:xfrm>
+            <a:off x="15158961" y="4090633"/>
+            <a:ext cx="321013" cy="443266"/>
+          </a:xfrm>
+          <a:prstGeom prst="upArrow">
+            <a:avLst/>
+          </a:prstGeom>
+          <a:solidFill>
+            <a:srgbClr val="FF0000"/>
+          </a:solidFill>
+          <a:ln>
+            <a:solidFill>
+              <a:schemeClr val="bg1"/>
+            </a:solidFill>
+          </a:ln>
+        </p:spPr>
+        <p:style>
+          <a:lnRef idx="2">
+            <a:schemeClr val="accent1">
+              <a:shade val="50000"/>
+            </a:schemeClr>
+          </a:lnRef>
+          <a:fillRef idx="1">
+            <a:schemeClr val="accent1"/>
+          </a:fillRef>
+          <a:effectRef idx="0">
+            <a:schemeClr val="accent1"/>
+          </a:effectRef>
+          <a:fontRef idx="minor">
+            <a:schemeClr val="lt1"/>
+          </a:fontRef>
+        </p:style>
+        <p:txBody>
+          <a:bodyPr rtlCol="0" anchor="ctr"/>
+          <a:lstStyle/>
+          <a:p>
+            <a:pPr algn="ctr"/>
+            <a:endParaRPr kumimoji="1" lang="ja-JP" altLang="en-US"/>
+          </a:p>
+        </p:txBody>
+      </p:sp>
+      <p:sp>
+        <p:nvSpPr>
+          <p:cNvPr id="84" name="円/楕円 83">
+            <a:extLst>
+              <a:ext uri="{FF2B5EF4-FFF2-40B4-BE49-F238E27FC236}">
+                <a16:creationId xmlns:a16="http://schemas.microsoft.com/office/drawing/2014/main" id="{4215F29B-1F64-C541-9051-B8C8DEBC571D}"/>
+              </a:ext>
+            </a:extLst>
+          </p:cNvPr>
+          <p:cNvSpPr/>
+          <p:nvPr/>
+        </p:nvSpPr>
+        <p:spPr>
+          <a:xfrm>
+            <a:off x="13559002" y="6821489"/>
+            <a:ext cx="713684" cy="713678"/>
+          </a:xfrm>
+          <a:prstGeom prst="ellipse">
+            <a:avLst/>
+          </a:prstGeom>
+          <a:solidFill>
+            <a:schemeClr val="accent1">
+              <a:alpha val="51000"/>
+            </a:schemeClr>
+          </a:solidFill>
+        </p:spPr>
+        <p:style>
+          <a:lnRef idx="2">
+            <a:schemeClr val="accent1">
+              <a:shade val="50000"/>
+            </a:schemeClr>
+          </a:lnRef>
+          <a:fillRef idx="1">
+            <a:schemeClr val="accent1"/>
+          </a:fillRef>
+          <a:effectRef idx="0">
+            <a:schemeClr val="accent1"/>
+          </a:effectRef>
+          <a:fontRef idx="minor">
+            <a:schemeClr val="lt1"/>
+          </a:fontRef>
+        </p:style>
+        <p:txBody>
+          <a:bodyPr rtlCol="0" anchor="ctr"/>
+          <a:lstStyle/>
+          <a:p>
+            <a:pPr algn="ctr"/>
+            <a:endParaRPr lang="ja-JP" altLang="en-US">
+              <a:latin typeface="+mj-lt"/>
+              <a:ea typeface="FOT-Cezanne Pro M" panose="02020600000000000000" pitchFamily="18" charset="-128"/>
+              <a:cs typeface="Arial" panose="020B0604020202020204" pitchFamily="34" charset="0"/>
+            </a:endParaRPr>
+          </a:p>
+        </p:txBody>
+      </p:sp>
+    </p:spTree>
+    <p:extLst>
+      <p:ext uri="{BB962C8B-B14F-4D97-AF65-F5344CB8AC3E}">
+        <p14:creationId xmlns:p14="http://schemas.microsoft.com/office/powerpoint/2010/main" val="2801380506"/>
+      </p:ext>
+    </p:extLst>
+  </p:cSld>
+  <p:clrMapOvr>
+    <a:masterClrMapping/>
+  </p:clrMapOvr>
+</p:sld>
+</file>
+
 <file path=ppt/theme/theme1.xml><?xml version="1.0" encoding="utf-8"?>
 <a:theme xmlns:a="http://schemas.openxmlformats.org/drawingml/2006/main" name="Office テーマ">
   <a:themeElements>
-    <a:clrScheme name="Office">
+    <a:clrScheme name="Office テーマ">
       <a:dk1>
         <a:sysClr val="windowText" lastClr="000000"/>
       </a:dk1>
@@ -6468,9 +10331,9 @@
         <a:srgbClr val="954F72"/>
       </a:folHlink>
     </a:clrScheme>
-    <a:fontScheme name="Office">
+    <a:fontScheme name="Office テーマ">
       <a:majorFont>
-        <a:latin typeface="游ゴシック Light" panose="020F0302020204030204"/>
+        <a:latin typeface="Calibri Light" panose="020F0302020204030204"/>
         <a:ea typeface=""/>
         <a:cs typeface=""/>
         <a:font script="Jpan" typeface="游ゴシック Light"/>
@@ -6503,26 +10366,9 @@
         <a:font script="Viet" typeface="Times New Roman"/>
         <a:font script="Uigh" typeface="Microsoft Uighur"/>
         <a:font script="Geor" typeface="Sylfaen"/>
-        <a:font script="Armn" typeface="Arial"/>
-        <a:font script="Bugi" typeface="Leelawadee UI"/>
-        <a:font script="Bopo" typeface="Microsoft JhengHei"/>
-        <a:font script="Java" typeface="Javanese Text"/>
-        <a:font script="Lisu" typeface="Segoe UI"/>
-        <a:font script="Mymr" typeface="Myanmar Text"/>
-        <a:font script="Nkoo" typeface="Ebrima"/>
-        <a:font script="Olck" typeface="Nirmala UI"/>
-        <a:font script="Osma" typeface="Ebrima"/>
-        <a:font script="Phag" typeface="Phagspa"/>
-        <a:font script="Syrn" typeface="Estrangelo Edessa"/>
-        <a:font script="Syrj" typeface="Estrangelo Edessa"/>
-        <a:font script="Syre" typeface="Estrangelo Edessa"/>
-        <a:font script="Sora" typeface="Nirmala UI"/>
-        <a:font script="Tale" typeface="Microsoft Tai Le"/>
-        <a:font script="Talu" typeface="Microsoft New Tai Lue"/>
-        <a:font script="Tfng" typeface="Ebrima"/>
       </a:majorFont>
       <a:minorFont>
-        <a:latin typeface="游ゴシック" panose="020F0502020204030204"/>
+        <a:latin typeface="Calibri" panose="020F0502020204030204"/>
         <a:ea typeface=""/>
         <a:cs typeface=""/>
         <a:font script="Jpan" typeface="游ゴシック"/>
@@ -6555,26 +10401,9 @@
         <a:font script="Viet" typeface="Arial"/>
         <a:font script="Uigh" typeface="Microsoft Uighur"/>
         <a:font script="Geor" typeface="Sylfaen"/>
-        <a:font script="Armn" typeface="Arial"/>
-        <a:font script="Bugi" typeface="Leelawadee UI"/>
-        <a:font script="Bopo" typeface="Microsoft JhengHei"/>
-        <a:font script="Java" typeface="Javanese Text"/>
-        <a:font script="Lisu" typeface="Segoe UI"/>
-        <a:font script="Mymr" typeface="Myanmar Text"/>
-        <a:font script="Nkoo" typeface="Ebrima"/>
-        <a:font script="Olck" typeface="Nirmala UI"/>
-        <a:font script="Osma" typeface="Ebrima"/>
-        <a:font script="Phag" typeface="Phagspa"/>
-        <a:font script="Syrn" typeface="Estrangelo Edessa"/>
-        <a:font script="Syrj" typeface="Estrangelo Edessa"/>
-        <a:font script="Syre" typeface="Estrangelo Edessa"/>
-        <a:font script="Sora" typeface="Nirmala UI"/>
-        <a:font script="Tale" typeface="Microsoft Tai Le"/>
-        <a:font script="Talu" typeface="Microsoft New Tai Lue"/>
-        <a:font script="Tfng" typeface="Ebrima"/>
       </a:minorFont>
     </a:fontScheme>
-    <a:fmtScheme name="Office">
+    <a:fmtScheme name="Office テーマ">
       <a:fillStyleLst>
         <a:solidFill>
           <a:schemeClr val="phClr"/>

--- a/プレゼンテーション1.pptx
+++ b/プレゼンテーション1.pptx
@@ -10,8 +10,8 @@
   <p:sldIdLst>
     <p:sldId id="265" r:id="rId2"/>
     <p:sldId id="264" r:id="rId3"/>
-    <p:sldId id="261" r:id="rId4"/>
-    <p:sldId id="260" r:id="rId5"/>
+    <p:sldId id="260" r:id="rId4"/>
+    <p:sldId id="261" r:id="rId5"/>
   </p:sldIdLst>
   <p:sldSz cx="23760113" cy="13679488"/>
   <p:notesSz cx="6858000" cy="9144000"/>
@@ -880,7 +880,7 @@
     </p:spTree>
     <p:extLst>
       <p:ext uri="{BB962C8B-B14F-4D97-AF65-F5344CB8AC3E}">
-        <p14:creationId xmlns:p14="http://schemas.microsoft.com/office/powerpoint/2010/main" val="3762645354"/>
+        <p14:creationId xmlns:p14="http://schemas.microsoft.com/office/powerpoint/2010/main" val="1873365027"/>
       </p:ext>
     </p:extLst>
   </p:cSld>
@@ -969,7 +969,7 @@
     </p:spTree>
     <p:extLst>
       <p:ext uri="{BB962C8B-B14F-4D97-AF65-F5344CB8AC3E}">
-        <p14:creationId xmlns:p14="http://schemas.microsoft.com/office/powerpoint/2010/main" val="1873365027"/>
+        <p14:creationId xmlns:p14="http://schemas.microsoft.com/office/powerpoint/2010/main" val="3762645354"/>
       </p:ext>
     </p:extLst>
   </p:cSld>
@@ -9466,3680 +9466,6 @@
           <p:cNvPr id="85" name="正方形/長方形 84">
             <a:extLst>
               <a:ext uri="{FF2B5EF4-FFF2-40B4-BE49-F238E27FC236}">
-                <a16:creationId xmlns:a16="http://schemas.microsoft.com/office/drawing/2014/main" id="{2567A795-03D9-1F47-B9D9-D176AD43DADA}"/>
-              </a:ext>
-            </a:extLst>
-          </p:cNvPr>
-          <p:cNvSpPr/>
-          <p:nvPr/>
-        </p:nvSpPr>
-        <p:spPr>
-          <a:xfrm>
-            <a:off x="2183386" y="6438499"/>
-            <a:ext cx="591015" cy="1443307"/>
-          </a:xfrm>
-          <a:prstGeom prst="rect">
-            <a:avLst/>
-          </a:prstGeom>
-          <a:solidFill>
-            <a:srgbClr val="00B0F0"/>
-          </a:solidFill>
-          <a:ln>
-            <a:solidFill>
-              <a:schemeClr val="tx1"/>
-            </a:solidFill>
-          </a:ln>
-        </p:spPr>
-        <p:style>
-          <a:lnRef idx="2">
-            <a:schemeClr val="accent1">
-              <a:shade val="50000"/>
-            </a:schemeClr>
-          </a:lnRef>
-          <a:fillRef idx="1">
-            <a:schemeClr val="accent1"/>
-          </a:fillRef>
-          <a:effectRef idx="0">
-            <a:schemeClr val="accent1"/>
-          </a:effectRef>
-          <a:fontRef idx="minor">
-            <a:schemeClr val="lt1"/>
-          </a:fontRef>
-        </p:style>
-        <p:txBody>
-          <a:bodyPr rtlCol="0" anchor="ctr"/>
-          <a:lstStyle/>
-          <a:p>
-            <a:pPr algn="ctr"/>
-            <a:endParaRPr lang="ja-JP" altLang="en-US">
-              <a:latin typeface="Calibri" panose="020F0502020204030204" pitchFamily="34" charset="0"/>
-              <a:ea typeface="FOT-Cezanne Pro M" panose="02020600000000000000" pitchFamily="18" charset="-128"/>
-              <a:cs typeface="Calibri" panose="020F0502020204030204" pitchFamily="34" charset="0"/>
-            </a:endParaRPr>
-          </a:p>
-        </p:txBody>
-      </p:sp>
-      <p:sp>
-        <p:nvSpPr>
-          <p:cNvPr id="86" name="正方形/長方形 85">
-            <a:extLst>
-              <a:ext uri="{FF2B5EF4-FFF2-40B4-BE49-F238E27FC236}">
-                <a16:creationId xmlns:a16="http://schemas.microsoft.com/office/drawing/2014/main" id="{01BDC1E1-3A1F-404D-AA3B-CC6C2EE2C924}"/>
-              </a:ext>
-            </a:extLst>
-          </p:cNvPr>
-          <p:cNvSpPr/>
-          <p:nvPr/>
-        </p:nvSpPr>
-        <p:spPr>
-          <a:xfrm>
-            <a:off x="2752098" y="6103186"/>
-            <a:ext cx="591015" cy="1778620"/>
-          </a:xfrm>
-          <a:prstGeom prst="rect">
-            <a:avLst/>
-          </a:prstGeom>
-          <a:solidFill>
-            <a:srgbClr val="00B0F0"/>
-          </a:solidFill>
-          <a:ln>
-            <a:solidFill>
-              <a:schemeClr val="tx1"/>
-            </a:solidFill>
-          </a:ln>
-        </p:spPr>
-        <p:style>
-          <a:lnRef idx="2">
-            <a:schemeClr val="accent1">
-              <a:shade val="50000"/>
-            </a:schemeClr>
-          </a:lnRef>
-          <a:fillRef idx="1">
-            <a:schemeClr val="accent1"/>
-          </a:fillRef>
-          <a:effectRef idx="0">
-            <a:schemeClr val="accent1"/>
-          </a:effectRef>
-          <a:fontRef idx="minor">
-            <a:schemeClr val="lt1"/>
-          </a:fontRef>
-        </p:style>
-        <p:txBody>
-          <a:bodyPr rtlCol="0" anchor="ctr"/>
-          <a:lstStyle/>
-          <a:p>
-            <a:pPr algn="ctr"/>
-            <a:endParaRPr lang="ja-JP" altLang="en-US">
-              <a:latin typeface="Calibri" panose="020F0502020204030204" pitchFamily="34" charset="0"/>
-              <a:ea typeface="FOT-Cezanne Pro M" panose="02020600000000000000" pitchFamily="18" charset="-128"/>
-              <a:cs typeface="Calibri" panose="020F0502020204030204" pitchFamily="34" charset="0"/>
-            </a:endParaRPr>
-          </a:p>
-        </p:txBody>
-      </p:sp>
-      <p:sp>
-        <p:nvSpPr>
-          <p:cNvPr id="88" name="正方形/長方形 87">
-            <a:extLst>
-              <a:ext uri="{FF2B5EF4-FFF2-40B4-BE49-F238E27FC236}">
-                <a16:creationId xmlns:a16="http://schemas.microsoft.com/office/drawing/2014/main" id="{0D113FC2-E455-9F46-B7D7-2B3D77463866}"/>
-              </a:ext>
-            </a:extLst>
-          </p:cNvPr>
-          <p:cNvSpPr/>
-          <p:nvPr/>
-        </p:nvSpPr>
-        <p:spPr>
-          <a:xfrm>
-            <a:off x="4581777" y="6438499"/>
-            <a:ext cx="591015" cy="1443307"/>
-          </a:xfrm>
-          <a:prstGeom prst="rect">
-            <a:avLst/>
-          </a:prstGeom>
-          <a:solidFill>
-            <a:srgbClr val="00B0F0"/>
-          </a:solidFill>
-          <a:ln>
-            <a:solidFill>
-              <a:schemeClr val="tx1"/>
-            </a:solidFill>
-          </a:ln>
-        </p:spPr>
-        <p:style>
-          <a:lnRef idx="2">
-            <a:schemeClr val="accent1">
-              <a:shade val="50000"/>
-            </a:schemeClr>
-          </a:lnRef>
-          <a:fillRef idx="1">
-            <a:schemeClr val="accent1"/>
-          </a:fillRef>
-          <a:effectRef idx="0">
-            <a:schemeClr val="accent1"/>
-          </a:effectRef>
-          <a:fontRef idx="minor">
-            <a:schemeClr val="lt1"/>
-          </a:fontRef>
-        </p:style>
-        <p:txBody>
-          <a:bodyPr rtlCol="0" anchor="ctr"/>
-          <a:lstStyle/>
-          <a:p>
-            <a:pPr algn="ctr"/>
-            <a:endParaRPr lang="ja-JP" altLang="en-US">
-              <a:latin typeface="Calibri" panose="020F0502020204030204" pitchFamily="34" charset="0"/>
-              <a:ea typeface="FOT-Cezanne Pro M" panose="02020600000000000000" pitchFamily="18" charset="-128"/>
-              <a:cs typeface="Calibri" panose="020F0502020204030204" pitchFamily="34" charset="0"/>
-            </a:endParaRPr>
-          </a:p>
-        </p:txBody>
-      </p:sp>
-      <p:sp>
-        <p:nvSpPr>
-          <p:cNvPr id="90" name="正方形/長方形 89">
-            <a:extLst>
-              <a:ext uri="{FF2B5EF4-FFF2-40B4-BE49-F238E27FC236}">
-                <a16:creationId xmlns:a16="http://schemas.microsoft.com/office/drawing/2014/main" id="{EEA83026-9459-3A41-91B5-649A7F84EECD}"/>
-              </a:ext>
-            </a:extLst>
-          </p:cNvPr>
-          <p:cNvSpPr/>
-          <p:nvPr/>
-        </p:nvSpPr>
-        <p:spPr>
-          <a:xfrm>
-            <a:off x="5143968" y="6103187"/>
-            <a:ext cx="591015" cy="1778620"/>
-          </a:xfrm>
-          <a:prstGeom prst="rect">
-            <a:avLst/>
-          </a:prstGeom>
-          <a:solidFill>
-            <a:srgbClr val="00B0F0"/>
-          </a:solidFill>
-          <a:ln>
-            <a:solidFill>
-              <a:schemeClr val="tx1"/>
-            </a:solidFill>
-          </a:ln>
-        </p:spPr>
-        <p:style>
-          <a:lnRef idx="2">
-            <a:schemeClr val="accent1">
-              <a:shade val="50000"/>
-            </a:schemeClr>
-          </a:lnRef>
-          <a:fillRef idx="1">
-            <a:schemeClr val="accent1"/>
-          </a:fillRef>
-          <a:effectRef idx="0">
-            <a:schemeClr val="accent1"/>
-          </a:effectRef>
-          <a:fontRef idx="minor">
-            <a:schemeClr val="lt1"/>
-          </a:fontRef>
-        </p:style>
-        <p:txBody>
-          <a:bodyPr rtlCol="0" anchor="ctr"/>
-          <a:lstStyle/>
-          <a:p>
-            <a:pPr algn="ctr"/>
-            <a:endParaRPr lang="ja-JP" altLang="en-US">
-              <a:latin typeface="Calibri" panose="020F0502020204030204" pitchFamily="34" charset="0"/>
-              <a:ea typeface="FOT-Cezanne Pro M" panose="02020600000000000000" pitchFamily="18" charset="-128"/>
-              <a:cs typeface="Calibri" panose="020F0502020204030204" pitchFamily="34" charset="0"/>
-            </a:endParaRPr>
-          </a:p>
-        </p:txBody>
-      </p:sp>
-      <p:sp>
-        <p:nvSpPr>
-          <p:cNvPr id="91" name="正方形/長方形 90">
-            <a:extLst>
-              <a:ext uri="{FF2B5EF4-FFF2-40B4-BE49-F238E27FC236}">
-                <a16:creationId xmlns:a16="http://schemas.microsoft.com/office/drawing/2014/main" id="{0A56BF40-D361-B04E-BDF2-30EF37F5105B}"/>
-              </a:ext>
-            </a:extLst>
-          </p:cNvPr>
-          <p:cNvSpPr/>
-          <p:nvPr/>
-        </p:nvSpPr>
-        <p:spPr>
-          <a:xfrm>
-            <a:off x="5711540" y="6103185"/>
-            <a:ext cx="591015" cy="1778620"/>
-          </a:xfrm>
-          <a:prstGeom prst="rect">
-            <a:avLst/>
-          </a:prstGeom>
-          <a:solidFill>
-            <a:srgbClr val="00B0F0"/>
-          </a:solidFill>
-          <a:ln>
-            <a:solidFill>
-              <a:schemeClr val="tx1"/>
-            </a:solidFill>
-          </a:ln>
-        </p:spPr>
-        <p:style>
-          <a:lnRef idx="2">
-            <a:schemeClr val="accent1">
-              <a:shade val="50000"/>
-            </a:schemeClr>
-          </a:lnRef>
-          <a:fillRef idx="1">
-            <a:schemeClr val="accent1"/>
-          </a:fillRef>
-          <a:effectRef idx="0">
-            <a:schemeClr val="accent1"/>
-          </a:effectRef>
-          <a:fontRef idx="minor">
-            <a:schemeClr val="lt1"/>
-          </a:fontRef>
-        </p:style>
-        <p:txBody>
-          <a:bodyPr rtlCol="0" anchor="ctr"/>
-          <a:lstStyle/>
-          <a:p>
-            <a:pPr algn="ctr"/>
-            <a:endParaRPr lang="ja-JP" altLang="en-US">
-              <a:latin typeface="Calibri" panose="020F0502020204030204" pitchFamily="34" charset="0"/>
-              <a:ea typeface="FOT-Cezanne Pro M" panose="02020600000000000000" pitchFamily="18" charset="-128"/>
-              <a:cs typeface="Calibri" panose="020F0502020204030204" pitchFamily="34" charset="0"/>
-            </a:endParaRPr>
-          </a:p>
-        </p:txBody>
-      </p:sp>
-      <p:sp>
-        <p:nvSpPr>
-          <p:cNvPr id="94" name="正方形/長方形 93">
-            <a:extLst>
-              <a:ext uri="{FF2B5EF4-FFF2-40B4-BE49-F238E27FC236}">
-                <a16:creationId xmlns:a16="http://schemas.microsoft.com/office/drawing/2014/main" id="{C30A48DF-A0F9-734A-8DBD-4FD938E5382A}"/>
-              </a:ext>
-            </a:extLst>
-          </p:cNvPr>
-          <p:cNvSpPr/>
-          <p:nvPr/>
-        </p:nvSpPr>
-        <p:spPr>
-          <a:xfrm>
-            <a:off x="7476609" y="6103185"/>
-            <a:ext cx="591015" cy="1778620"/>
-          </a:xfrm>
-          <a:prstGeom prst="rect">
-            <a:avLst/>
-          </a:prstGeom>
-          <a:solidFill>
-            <a:srgbClr val="00B0F0"/>
-          </a:solidFill>
-          <a:ln>
-            <a:solidFill>
-              <a:schemeClr val="tx1"/>
-            </a:solidFill>
-          </a:ln>
-        </p:spPr>
-        <p:style>
-          <a:lnRef idx="2">
-            <a:schemeClr val="accent1">
-              <a:shade val="50000"/>
-            </a:schemeClr>
-          </a:lnRef>
-          <a:fillRef idx="1">
-            <a:schemeClr val="accent1"/>
-          </a:fillRef>
-          <a:effectRef idx="0">
-            <a:schemeClr val="accent1"/>
-          </a:effectRef>
-          <a:fontRef idx="minor">
-            <a:schemeClr val="lt1"/>
-          </a:fontRef>
-        </p:style>
-        <p:txBody>
-          <a:bodyPr rtlCol="0" anchor="ctr"/>
-          <a:lstStyle/>
-          <a:p>
-            <a:pPr algn="ctr"/>
-            <a:endParaRPr lang="ja-JP" altLang="en-US">
-              <a:latin typeface="Calibri" panose="020F0502020204030204" pitchFamily="34" charset="0"/>
-              <a:ea typeface="FOT-Cezanne Pro M" panose="02020600000000000000" pitchFamily="18" charset="-128"/>
-              <a:cs typeface="Calibri" panose="020F0502020204030204" pitchFamily="34" charset="0"/>
-            </a:endParaRPr>
-          </a:p>
-        </p:txBody>
-      </p:sp>
-      <p:sp>
-        <p:nvSpPr>
-          <p:cNvPr id="95" name="正方形/長方形 94">
-            <a:extLst>
-              <a:ext uri="{FF2B5EF4-FFF2-40B4-BE49-F238E27FC236}">
-                <a16:creationId xmlns:a16="http://schemas.microsoft.com/office/drawing/2014/main" id="{1DE07591-8230-8147-8265-D3879D10385F}"/>
-              </a:ext>
-            </a:extLst>
-          </p:cNvPr>
-          <p:cNvSpPr/>
-          <p:nvPr/>
-        </p:nvSpPr>
-        <p:spPr>
-          <a:xfrm>
-            <a:off x="8082601" y="6438497"/>
-            <a:ext cx="591015" cy="1443308"/>
-          </a:xfrm>
-          <a:prstGeom prst="rect">
-            <a:avLst/>
-          </a:prstGeom>
-          <a:solidFill>
-            <a:srgbClr val="00B0F0"/>
-          </a:solidFill>
-          <a:ln>
-            <a:solidFill>
-              <a:schemeClr val="tx1"/>
-            </a:solidFill>
-          </a:ln>
-        </p:spPr>
-        <p:style>
-          <a:lnRef idx="2">
-            <a:schemeClr val="accent1">
-              <a:shade val="50000"/>
-            </a:schemeClr>
-          </a:lnRef>
-          <a:fillRef idx="1">
-            <a:schemeClr val="accent1"/>
-          </a:fillRef>
-          <a:effectRef idx="0">
-            <a:schemeClr val="accent1"/>
-          </a:effectRef>
-          <a:fontRef idx="minor">
-            <a:schemeClr val="lt1"/>
-          </a:fontRef>
-        </p:style>
-        <p:txBody>
-          <a:bodyPr rtlCol="0" anchor="ctr"/>
-          <a:lstStyle/>
-          <a:p>
-            <a:pPr algn="ctr"/>
-            <a:endParaRPr lang="ja-JP" altLang="en-US">
-              <a:latin typeface="Calibri" panose="020F0502020204030204" pitchFamily="34" charset="0"/>
-              <a:ea typeface="FOT-Cezanne Pro M" panose="02020600000000000000" pitchFamily="18" charset="-128"/>
-              <a:cs typeface="Calibri" panose="020F0502020204030204" pitchFamily="34" charset="0"/>
-            </a:endParaRPr>
-          </a:p>
-        </p:txBody>
-      </p:sp>
-      <p:sp>
-        <p:nvSpPr>
-          <p:cNvPr id="98" name="円/楕円 97">
-            <a:extLst>
-              <a:ext uri="{FF2B5EF4-FFF2-40B4-BE49-F238E27FC236}">
-                <a16:creationId xmlns:a16="http://schemas.microsoft.com/office/drawing/2014/main" id="{BA22225A-2312-F84B-BCC1-2D2021B7D613}"/>
-              </a:ext>
-            </a:extLst>
-          </p:cNvPr>
-          <p:cNvSpPr/>
-          <p:nvPr/>
-        </p:nvSpPr>
-        <p:spPr>
-          <a:xfrm>
-            <a:off x="6841303" y="5105286"/>
-            <a:ext cx="713684" cy="713678"/>
-          </a:xfrm>
-          <a:prstGeom prst="ellipse">
-            <a:avLst/>
-          </a:prstGeom>
-        </p:spPr>
-        <p:style>
-          <a:lnRef idx="2">
-            <a:schemeClr val="accent1">
-              <a:shade val="50000"/>
-            </a:schemeClr>
-          </a:lnRef>
-          <a:fillRef idx="1">
-            <a:schemeClr val="accent1"/>
-          </a:fillRef>
-          <a:effectRef idx="0">
-            <a:schemeClr val="accent1"/>
-          </a:effectRef>
-          <a:fontRef idx="minor">
-            <a:schemeClr val="lt1"/>
-          </a:fontRef>
-        </p:style>
-        <p:txBody>
-          <a:bodyPr rtlCol="0" anchor="ctr"/>
-          <a:lstStyle/>
-          <a:p>
-            <a:pPr algn="ctr"/>
-            <a:endParaRPr lang="ja-JP" altLang="en-US">
-              <a:latin typeface="Calibri" panose="020F0502020204030204" pitchFamily="34" charset="0"/>
-              <a:ea typeface="FOT-Cezanne Pro M" panose="02020600000000000000" pitchFamily="18" charset="-128"/>
-              <a:cs typeface="Calibri" panose="020F0502020204030204" pitchFamily="34" charset="0"/>
-            </a:endParaRPr>
-          </a:p>
-        </p:txBody>
-      </p:sp>
-      <p:sp>
-        <p:nvSpPr>
-          <p:cNvPr id="99" name="円/楕円 98">
-            <a:extLst>
-              <a:ext uri="{FF2B5EF4-FFF2-40B4-BE49-F238E27FC236}">
-                <a16:creationId xmlns:a16="http://schemas.microsoft.com/office/drawing/2014/main" id="{AFB11B41-3A54-DA4B-8643-FE71F18870A0}"/>
-              </a:ext>
-            </a:extLst>
-          </p:cNvPr>
-          <p:cNvSpPr/>
-          <p:nvPr/>
-        </p:nvSpPr>
-        <p:spPr>
-          <a:xfrm>
-            <a:off x="7423508" y="5704969"/>
-            <a:ext cx="713684" cy="713678"/>
-          </a:xfrm>
-          <a:prstGeom prst="ellipse">
-            <a:avLst/>
-          </a:prstGeom>
-          <a:solidFill>
-            <a:schemeClr val="accent1">
-              <a:alpha val="51000"/>
-            </a:schemeClr>
-          </a:solidFill>
-        </p:spPr>
-        <p:style>
-          <a:lnRef idx="2">
-            <a:schemeClr val="accent1">
-              <a:shade val="50000"/>
-            </a:schemeClr>
-          </a:lnRef>
-          <a:fillRef idx="1">
-            <a:schemeClr val="accent1"/>
-          </a:fillRef>
-          <a:effectRef idx="0">
-            <a:schemeClr val="accent1"/>
-          </a:effectRef>
-          <a:fontRef idx="minor">
-            <a:schemeClr val="lt1"/>
-          </a:fontRef>
-        </p:style>
-        <p:txBody>
-          <a:bodyPr rtlCol="0" anchor="ctr"/>
-          <a:lstStyle/>
-          <a:p>
-            <a:pPr algn="ctr"/>
-            <a:endParaRPr lang="ja-JP" altLang="en-US">
-              <a:latin typeface="Calibri" panose="020F0502020204030204" pitchFamily="34" charset="0"/>
-              <a:ea typeface="FOT-Cezanne Pro M" panose="02020600000000000000" pitchFamily="18" charset="-128"/>
-              <a:cs typeface="Calibri" panose="020F0502020204030204" pitchFamily="34" charset="0"/>
-            </a:endParaRPr>
-          </a:p>
-        </p:txBody>
-      </p:sp>
-      <p:sp>
-        <p:nvSpPr>
-          <p:cNvPr id="100" name="円/楕円 99">
-            <a:extLst>
-              <a:ext uri="{FF2B5EF4-FFF2-40B4-BE49-F238E27FC236}">
-                <a16:creationId xmlns:a16="http://schemas.microsoft.com/office/drawing/2014/main" id="{04D0AFAF-CBAA-A441-91B6-ACD9E69FA700}"/>
-              </a:ext>
-            </a:extLst>
-          </p:cNvPr>
-          <p:cNvSpPr/>
-          <p:nvPr/>
-        </p:nvSpPr>
-        <p:spPr>
-          <a:xfrm>
-            <a:off x="3948455" y="6383469"/>
-            <a:ext cx="713684" cy="713678"/>
-          </a:xfrm>
-          <a:prstGeom prst="ellipse">
-            <a:avLst/>
-          </a:prstGeom>
-        </p:spPr>
-        <p:style>
-          <a:lnRef idx="2">
-            <a:schemeClr val="accent1">
-              <a:shade val="50000"/>
-            </a:schemeClr>
-          </a:lnRef>
-          <a:fillRef idx="1">
-            <a:schemeClr val="accent1"/>
-          </a:fillRef>
-          <a:effectRef idx="0">
-            <a:schemeClr val="accent1"/>
-          </a:effectRef>
-          <a:fontRef idx="minor">
-            <a:schemeClr val="lt1"/>
-          </a:fontRef>
-        </p:style>
-        <p:txBody>
-          <a:bodyPr rtlCol="0" anchor="ctr"/>
-          <a:lstStyle/>
-          <a:p>
-            <a:pPr algn="ctr"/>
-            <a:endParaRPr lang="ja-JP" altLang="en-US">
-              <a:latin typeface="Calibri" panose="020F0502020204030204" pitchFamily="34" charset="0"/>
-              <a:ea typeface="FOT-Cezanne Pro M" panose="02020600000000000000" pitchFamily="18" charset="-128"/>
-              <a:cs typeface="Calibri" panose="020F0502020204030204" pitchFamily="34" charset="0"/>
-            </a:endParaRPr>
-          </a:p>
-        </p:txBody>
-      </p:sp>
-      <p:sp>
-        <p:nvSpPr>
-          <p:cNvPr id="101" name="円/楕円 100">
-            <a:extLst>
-              <a:ext uri="{FF2B5EF4-FFF2-40B4-BE49-F238E27FC236}">
-                <a16:creationId xmlns:a16="http://schemas.microsoft.com/office/drawing/2014/main" id="{8BA72080-7C8A-914C-80F1-0D37F7BAC7B7}"/>
-              </a:ext>
-            </a:extLst>
-          </p:cNvPr>
-          <p:cNvSpPr/>
-          <p:nvPr/>
-        </p:nvSpPr>
-        <p:spPr>
-          <a:xfrm>
-            <a:off x="4506768" y="6983833"/>
-            <a:ext cx="713684" cy="713678"/>
-          </a:xfrm>
-          <a:prstGeom prst="ellipse">
-            <a:avLst/>
-          </a:prstGeom>
-          <a:solidFill>
-            <a:schemeClr val="accent1">
-              <a:alpha val="51000"/>
-            </a:schemeClr>
-          </a:solidFill>
-        </p:spPr>
-        <p:style>
-          <a:lnRef idx="2">
-            <a:schemeClr val="accent1">
-              <a:shade val="50000"/>
-            </a:schemeClr>
-          </a:lnRef>
-          <a:fillRef idx="1">
-            <a:schemeClr val="accent1"/>
-          </a:fillRef>
-          <a:effectRef idx="0">
-            <a:schemeClr val="accent1"/>
-          </a:effectRef>
-          <a:fontRef idx="minor">
-            <a:schemeClr val="lt1"/>
-          </a:fontRef>
-        </p:style>
-        <p:txBody>
-          <a:bodyPr rtlCol="0" anchor="ctr"/>
-          <a:lstStyle/>
-          <a:p>
-            <a:pPr algn="ctr"/>
-            <a:endParaRPr lang="ja-JP" altLang="en-US">
-              <a:latin typeface="Calibri" panose="020F0502020204030204" pitchFamily="34" charset="0"/>
-              <a:ea typeface="FOT-Cezanne Pro M" panose="02020600000000000000" pitchFamily="18" charset="-128"/>
-              <a:cs typeface="Calibri" panose="020F0502020204030204" pitchFamily="34" charset="0"/>
-            </a:endParaRPr>
-          </a:p>
-        </p:txBody>
-      </p:sp>
-      <p:sp>
-        <p:nvSpPr>
-          <p:cNvPr id="102" name="テキスト ボックス 101">
-            <a:extLst>
-              <a:ext uri="{FF2B5EF4-FFF2-40B4-BE49-F238E27FC236}">
-                <a16:creationId xmlns:a16="http://schemas.microsoft.com/office/drawing/2014/main" id="{1032C44C-8303-3744-906D-ED5BCE5E4A37}"/>
-              </a:ext>
-            </a:extLst>
-          </p:cNvPr>
-          <p:cNvSpPr txBox="1"/>
-          <p:nvPr/>
-        </p:nvSpPr>
-        <p:spPr>
-          <a:xfrm>
-            <a:off x="1136285" y="608031"/>
-            <a:ext cx="9533636" cy="5047536"/>
-          </a:xfrm>
-          <a:prstGeom prst="rect">
-            <a:avLst/>
-          </a:prstGeom>
-          <a:noFill/>
-        </p:spPr>
-        <p:txBody>
-          <a:bodyPr wrap="none" rtlCol="0">
-            <a:spAutoFit/>
-          </a:bodyPr>
-          <a:lstStyle/>
-          <a:p>
-            <a:r>
-              <a:rPr lang="ja-JP" altLang="en-US" sz="5400">
-                <a:latin typeface="Calibri" panose="020F0502020204030204" pitchFamily="34" charset="0"/>
-                <a:cs typeface="Calibri" panose="020F0502020204030204" pitchFamily="34" charset="0"/>
-              </a:rPr>
-              <a:t>着地条件</a:t>
-            </a:r>
-            <a:endParaRPr lang="en-US" altLang="ja-JP" sz="5400" dirty="0">
-              <a:latin typeface="Calibri" panose="020F0502020204030204" pitchFamily="34" charset="0"/>
-              <a:cs typeface="Calibri" panose="020F0502020204030204" pitchFamily="34" charset="0"/>
-            </a:endParaRPr>
-          </a:p>
-          <a:p>
-            <a:r>
-              <a:rPr lang="en-US" altLang="ja-JP" sz="4000" dirty="0">
-                <a:latin typeface="Calibri" panose="020F0502020204030204" pitchFamily="34" charset="0"/>
-                <a:cs typeface="Calibri" panose="020F0502020204030204" pitchFamily="34" charset="0"/>
-              </a:rPr>
-              <a:t>[</a:t>
-            </a:r>
-            <a:r>
-              <a:rPr lang="ja-JP" altLang="en-US" sz="4000">
-                <a:latin typeface="Calibri" panose="020F0502020204030204" pitchFamily="34" charset="0"/>
-                <a:cs typeface="Calibri" panose="020F0502020204030204" pitchFamily="34" charset="0"/>
-              </a:rPr>
-              <a:t>着地</a:t>
-            </a:r>
-            <a:r>
-              <a:rPr lang="en-US" altLang="ja-JP" sz="4000" dirty="0">
-                <a:latin typeface="Calibri" panose="020F0502020204030204" pitchFamily="34" charset="0"/>
-                <a:cs typeface="Calibri" panose="020F0502020204030204" pitchFamily="34" charset="0"/>
-              </a:rPr>
-              <a:t>] </a:t>
-            </a:r>
-            <a:r>
-              <a:rPr lang="en-US" altLang="ja-JP" sz="4000" dirty="0" err="1">
-                <a:latin typeface="Calibri" panose="020F0502020204030204" pitchFamily="34" charset="0"/>
-                <a:cs typeface="Calibri" panose="020F0502020204030204" pitchFamily="34" charset="0"/>
-              </a:rPr>
-              <a:t>nextPY</a:t>
-            </a:r>
-            <a:r>
-              <a:rPr lang="en-US" altLang="ja-JP" sz="4000" dirty="0">
-                <a:latin typeface="Calibri" panose="020F0502020204030204" pitchFamily="34" charset="0"/>
-                <a:cs typeface="Calibri" panose="020F0502020204030204" pitchFamily="34" charset="0"/>
-              </a:rPr>
-              <a:t> = </a:t>
-            </a:r>
-            <a:r>
-              <a:rPr lang="en-US" altLang="ja-JP" sz="4000" dirty="0" err="1">
-                <a:latin typeface="Calibri" panose="020F0502020204030204" pitchFamily="34" charset="0"/>
-                <a:cs typeface="Calibri" panose="020F0502020204030204" pitchFamily="34" charset="0"/>
-              </a:rPr>
-              <a:t>nextCH</a:t>
-            </a:r>
-            <a:r>
-              <a:rPr lang="en-US" altLang="ja-JP" sz="4000" dirty="0">
-                <a:latin typeface="Calibri" panose="020F0502020204030204" pitchFamily="34" charset="0"/>
-                <a:cs typeface="Calibri" panose="020F0502020204030204" pitchFamily="34" charset="0"/>
-              </a:rPr>
-              <a:t> </a:t>
-            </a:r>
-          </a:p>
-          <a:p>
-            <a:r>
-              <a:rPr lang="en-US" altLang="ja-JP" sz="4000" dirty="0">
-                <a:latin typeface="Calibri" panose="020F0502020204030204" pitchFamily="34" charset="0"/>
-                <a:cs typeface="Calibri" panose="020F0502020204030204" pitchFamily="34" charset="0"/>
-              </a:rPr>
-              <a:t>[</a:t>
-            </a:r>
-            <a:r>
-              <a:rPr lang="ja-JP" altLang="en-US" sz="4000">
-                <a:latin typeface="Calibri" panose="020F0502020204030204" pitchFamily="34" charset="0"/>
-                <a:cs typeface="Calibri" panose="020F0502020204030204" pitchFamily="34" charset="0"/>
-              </a:rPr>
-              <a:t>前提</a:t>
-            </a:r>
-            <a:r>
-              <a:rPr lang="en-US" altLang="ja-JP" sz="4000" dirty="0">
-                <a:latin typeface="Calibri" panose="020F0502020204030204" pitchFamily="34" charset="0"/>
-                <a:cs typeface="Calibri" panose="020F0502020204030204" pitchFamily="34" charset="0"/>
-              </a:rPr>
-              <a:t>] </a:t>
-            </a:r>
-            <a:r>
-              <a:rPr lang="en-US" altLang="ja-JP" sz="4000" dirty="0" err="1">
-                <a:latin typeface="Calibri" panose="020F0502020204030204" pitchFamily="34" charset="0"/>
-                <a:cs typeface="Calibri" panose="020F0502020204030204" pitchFamily="34" charset="0"/>
-              </a:rPr>
-              <a:t>prevPY</a:t>
-            </a:r>
-            <a:r>
-              <a:rPr lang="en-US" altLang="ja-JP" sz="4000" dirty="0">
-                <a:latin typeface="Calibri" panose="020F0502020204030204" pitchFamily="34" charset="0"/>
-                <a:cs typeface="Calibri" panose="020F0502020204030204" pitchFamily="34" charset="0"/>
-              </a:rPr>
-              <a:t> &gt; </a:t>
-            </a:r>
-            <a:r>
-              <a:rPr lang="en-US" altLang="ja-JP" sz="4000" dirty="0" err="1">
-                <a:latin typeface="Calibri" panose="020F0502020204030204" pitchFamily="34" charset="0"/>
-                <a:cs typeface="Calibri" panose="020F0502020204030204" pitchFamily="34" charset="0"/>
-              </a:rPr>
-              <a:t>prevCH</a:t>
-            </a:r>
-            <a:r>
-              <a:rPr lang="en-US" altLang="ja-JP" sz="4000" dirty="0">
-                <a:latin typeface="Calibri" panose="020F0502020204030204" pitchFamily="34" charset="0"/>
-                <a:cs typeface="Calibri" panose="020F0502020204030204" pitchFamily="34" charset="0"/>
-              </a:rPr>
-              <a:t> &amp;&amp;</a:t>
-            </a:r>
-          </a:p>
-          <a:p>
-            <a:r>
-              <a:rPr lang="en-US" altLang="ja-JP" sz="4000" dirty="0">
-                <a:latin typeface="Calibri" panose="020F0502020204030204" pitchFamily="34" charset="0"/>
-                <a:cs typeface="Calibri" panose="020F0502020204030204" pitchFamily="34" charset="0"/>
-              </a:rPr>
-              <a:t>			</a:t>
-            </a:r>
-            <a:r>
-              <a:rPr lang="en-US" altLang="ja-JP" sz="4000" dirty="0" err="1">
-                <a:latin typeface="Calibri" panose="020F0502020204030204" pitchFamily="34" charset="0"/>
-                <a:cs typeface="Calibri" panose="020F0502020204030204" pitchFamily="34" charset="0"/>
-              </a:rPr>
-              <a:t>prevPY</a:t>
-            </a:r>
-            <a:r>
-              <a:rPr lang="en-US" altLang="ja-JP" sz="4000" dirty="0">
-                <a:latin typeface="Calibri" panose="020F0502020204030204" pitchFamily="34" charset="0"/>
-                <a:cs typeface="Calibri" panose="020F0502020204030204" pitchFamily="34" charset="0"/>
-              </a:rPr>
-              <a:t> + </a:t>
-            </a:r>
-            <a:r>
-              <a:rPr lang="en-US" altLang="ja-JP" sz="4000" dirty="0" err="1">
-                <a:latin typeface="Calibri" panose="020F0502020204030204" pitchFamily="34" charset="0"/>
-                <a:cs typeface="Calibri" panose="020F0502020204030204" pitchFamily="34" charset="0"/>
-              </a:rPr>
-              <a:t>dy</a:t>
-            </a:r>
-            <a:r>
-              <a:rPr lang="en-US" altLang="ja-JP" sz="4000" dirty="0">
-                <a:latin typeface="Calibri" panose="020F0502020204030204" pitchFamily="34" charset="0"/>
-                <a:cs typeface="Calibri" panose="020F0502020204030204" pitchFamily="34" charset="0"/>
-              </a:rPr>
-              <a:t>(</a:t>
-            </a:r>
-            <a:r>
-              <a:rPr lang="en-US" altLang="ja-JP" sz="4000" dirty="0" err="1">
-                <a:latin typeface="Calibri" panose="020F0502020204030204" pitchFamily="34" charset="0"/>
-                <a:cs typeface="Calibri" panose="020F0502020204030204" pitchFamily="34" charset="0"/>
-              </a:rPr>
-              <a:t>timeAfterJump</a:t>
-            </a:r>
-            <a:r>
-              <a:rPr lang="en-US" altLang="ja-JP" sz="4000" dirty="0">
-                <a:latin typeface="Calibri" panose="020F0502020204030204" pitchFamily="34" charset="0"/>
-                <a:cs typeface="Calibri" panose="020F0502020204030204" pitchFamily="34" charset="0"/>
-              </a:rPr>
-              <a:t>) &lt; </a:t>
-            </a:r>
-            <a:r>
-              <a:rPr lang="en-US" altLang="ja-JP" sz="4000" dirty="0" err="1">
-                <a:latin typeface="Calibri" panose="020F0502020204030204" pitchFamily="34" charset="0"/>
-                <a:cs typeface="Calibri" panose="020F0502020204030204" pitchFamily="34" charset="0"/>
-              </a:rPr>
-              <a:t>nextCH</a:t>
-            </a:r>
-            <a:r>
-              <a:rPr lang="en-US" altLang="ja-JP" sz="4000" dirty="0">
-                <a:latin typeface="Calibri" panose="020F0502020204030204" pitchFamily="34" charset="0"/>
-                <a:cs typeface="Calibri" panose="020F0502020204030204" pitchFamily="34" charset="0"/>
-              </a:rPr>
-              <a:t> </a:t>
-            </a:r>
-          </a:p>
-          <a:p>
-            <a:endParaRPr lang="en-US" altLang="ja-JP" sz="4000" dirty="0">
-              <a:latin typeface="Calibri" panose="020F0502020204030204" pitchFamily="34" charset="0"/>
-              <a:cs typeface="Calibri" panose="020F0502020204030204" pitchFamily="34" charset="0"/>
-            </a:endParaRPr>
-          </a:p>
-          <a:p>
-            <a:r>
-              <a:rPr lang="en-US" altLang="ja-JP" sz="4000" dirty="0">
-                <a:latin typeface="Calibri" panose="020F0502020204030204" pitchFamily="34" charset="0"/>
-                <a:cs typeface="Calibri" panose="020F0502020204030204" pitchFamily="34" charset="0"/>
-              </a:rPr>
-              <a:t>1. </a:t>
-            </a:r>
-            <a:r>
-              <a:rPr lang="en-US" altLang="ja-JP" sz="4000" dirty="0" err="1">
-                <a:latin typeface="Calibri" panose="020F0502020204030204" pitchFamily="34" charset="0"/>
-                <a:cs typeface="Calibri" panose="020F0502020204030204" pitchFamily="34" charset="0"/>
-              </a:rPr>
-              <a:t>prevCH</a:t>
-            </a:r>
-            <a:r>
-              <a:rPr lang="en-US" altLang="ja-JP" sz="4000" dirty="0">
-                <a:latin typeface="Calibri" panose="020F0502020204030204" pitchFamily="34" charset="0"/>
-                <a:cs typeface="Calibri" panose="020F0502020204030204" pitchFamily="34" charset="0"/>
-              </a:rPr>
-              <a:t> === 0 </a:t>
-            </a:r>
-            <a:r>
-              <a:rPr lang="ja-JP" altLang="en-US" sz="4000">
-                <a:latin typeface="Calibri" panose="020F0502020204030204" pitchFamily="34" charset="0"/>
-                <a:cs typeface="Calibri" panose="020F0502020204030204" pitchFamily="34" charset="0"/>
-              </a:rPr>
-              <a:t>ならば </a:t>
-            </a:r>
-            <a:r>
-              <a:rPr lang="en-US" altLang="ja-JP" sz="4000" dirty="0">
-                <a:latin typeface="Calibri" panose="020F0502020204030204" pitchFamily="34" charset="0"/>
-                <a:cs typeface="Calibri" panose="020F0502020204030204" pitchFamily="34" charset="0"/>
-              </a:rPr>
-              <a:t>:</a:t>
-            </a:r>
-          </a:p>
-          <a:p>
-            <a:r>
-              <a:rPr lang="en-US" altLang="ja-JP" sz="4000" dirty="0">
-                <a:latin typeface="Calibri" panose="020F0502020204030204" pitchFamily="34" charset="0"/>
-                <a:cs typeface="Calibri" panose="020F0502020204030204" pitchFamily="34" charset="0"/>
-              </a:rPr>
-              <a:t>		 </a:t>
-            </a:r>
-            <a:r>
-              <a:rPr lang="en-US" altLang="ja-JP" sz="4000" dirty="0" err="1">
-                <a:latin typeface="Calibri" panose="020F0502020204030204" pitchFamily="34" charset="0"/>
-                <a:cs typeface="Calibri" panose="020F0502020204030204" pitchFamily="34" charset="0"/>
-              </a:rPr>
-              <a:t>prevPY</a:t>
-            </a:r>
-            <a:r>
-              <a:rPr lang="en-US" altLang="ja-JP" sz="4000" dirty="0">
-                <a:latin typeface="Calibri" panose="020F0502020204030204" pitchFamily="34" charset="0"/>
-                <a:cs typeface="Calibri" panose="020F0502020204030204" pitchFamily="34" charset="0"/>
-              </a:rPr>
-              <a:t> &gt; </a:t>
-            </a:r>
-            <a:r>
-              <a:rPr lang="en-US" altLang="ja-JP" sz="4000" dirty="0" err="1">
-                <a:latin typeface="Calibri" panose="020F0502020204030204" pitchFamily="34" charset="0"/>
-                <a:cs typeface="Calibri" panose="020F0502020204030204" pitchFamily="34" charset="0"/>
-              </a:rPr>
-              <a:t>nextCH</a:t>
-            </a:r>
-            <a:r>
-              <a:rPr lang="en-US" altLang="ja-JP" sz="4000" dirty="0">
-                <a:latin typeface="Calibri" panose="020F0502020204030204" pitchFamily="34" charset="0"/>
-                <a:cs typeface="Calibri" panose="020F0502020204030204" pitchFamily="34" charset="0"/>
-              </a:rPr>
-              <a:t> </a:t>
-            </a:r>
-            <a:r>
-              <a:rPr lang="ja-JP" altLang="en-US" sz="4000">
-                <a:latin typeface="Calibri" panose="020F0502020204030204" pitchFamily="34" charset="0"/>
-                <a:cs typeface="Calibri" panose="020F0502020204030204" pitchFamily="34" charset="0"/>
-              </a:rPr>
-              <a:t>ならば着地</a:t>
-            </a:r>
-            <a:r>
-              <a:rPr lang="en-US" altLang="ja-JP" sz="4000" dirty="0">
-                <a:latin typeface="Calibri" panose="020F0502020204030204" pitchFamily="34" charset="0"/>
-                <a:cs typeface="Calibri" panose="020F0502020204030204" pitchFamily="34" charset="0"/>
-              </a:rPr>
-              <a:t>.</a:t>
-            </a:r>
-            <a:endParaRPr lang="ja-JP" altLang="en-US" sz="4000">
-              <a:latin typeface="Calibri" panose="020F0502020204030204" pitchFamily="34" charset="0"/>
-              <a:cs typeface="Calibri" panose="020F0502020204030204" pitchFamily="34" charset="0"/>
-            </a:endParaRPr>
-          </a:p>
-          <a:p>
-            <a:endParaRPr lang="en-US" altLang="ja-JP" sz="2800" dirty="0">
-              <a:latin typeface="Calibri" panose="020F0502020204030204" pitchFamily="34" charset="0"/>
-              <a:cs typeface="Calibri" panose="020F0502020204030204" pitchFamily="34" charset="0"/>
-            </a:endParaRPr>
-          </a:p>
-        </p:txBody>
-      </p:sp>
-      <p:sp>
-        <p:nvSpPr>
-          <p:cNvPr id="15" name="テキスト ボックス 14">
-            <a:extLst>
-              <a:ext uri="{FF2B5EF4-FFF2-40B4-BE49-F238E27FC236}">
-                <a16:creationId xmlns:a16="http://schemas.microsoft.com/office/drawing/2014/main" id="{FD6800E4-459F-B449-BF54-448EE8E3C0F3}"/>
-              </a:ext>
-            </a:extLst>
-          </p:cNvPr>
-          <p:cNvSpPr txBox="1"/>
-          <p:nvPr/>
-        </p:nvSpPr>
-        <p:spPr>
-          <a:xfrm>
-            <a:off x="1136285" y="8375329"/>
-            <a:ext cx="7396577" cy="2554545"/>
-          </a:xfrm>
-          <a:prstGeom prst="rect">
-            <a:avLst/>
-          </a:prstGeom>
-          <a:noFill/>
-        </p:spPr>
-        <p:txBody>
-          <a:bodyPr wrap="none" rtlCol="0">
-            <a:spAutoFit/>
-          </a:bodyPr>
-          <a:lstStyle/>
-          <a:p>
-            <a:r>
-              <a:rPr lang="en-US" altLang="ja-JP" sz="4000" dirty="0">
-                <a:latin typeface="Calibri" panose="020F0502020204030204" pitchFamily="34" charset="0"/>
-                <a:cs typeface="Calibri" panose="020F0502020204030204" pitchFamily="34" charset="0"/>
-              </a:rPr>
-              <a:t>2. </a:t>
-            </a:r>
-            <a:r>
-              <a:rPr lang="en-US" altLang="ja-JP" sz="4000" dirty="0" err="1">
-                <a:latin typeface="Calibri" panose="020F0502020204030204" pitchFamily="34" charset="0"/>
-                <a:cs typeface="Calibri" panose="020F0502020204030204" pitchFamily="34" charset="0"/>
-              </a:rPr>
-              <a:t>nextCH</a:t>
-            </a:r>
-            <a:r>
-              <a:rPr lang="en-US" altLang="ja-JP" sz="4000" dirty="0">
-                <a:latin typeface="Calibri" panose="020F0502020204030204" pitchFamily="34" charset="0"/>
-                <a:cs typeface="Calibri" panose="020F0502020204030204" pitchFamily="34" charset="0"/>
-              </a:rPr>
-              <a:t> === 0 </a:t>
-            </a:r>
-            <a:r>
-              <a:rPr lang="ja-JP" altLang="en-US" sz="4000">
-                <a:latin typeface="Calibri" panose="020F0502020204030204" pitchFamily="34" charset="0"/>
-                <a:cs typeface="Calibri" panose="020F0502020204030204" pitchFamily="34" charset="0"/>
-              </a:rPr>
-              <a:t>ならば </a:t>
-            </a:r>
-            <a:r>
-              <a:rPr lang="en-US" altLang="ja-JP" sz="4000" dirty="0">
-                <a:latin typeface="Calibri" panose="020F0502020204030204" pitchFamily="34" charset="0"/>
-                <a:cs typeface="Calibri" panose="020F0502020204030204" pitchFamily="34" charset="0"/>
-              </a:rPr>
-              <a:t>: </a:t>
-            </a:r>
-          </a:p>
-          <a:p>
-            <a:r>
-              <a:rPr lang="en-US" altLang="ja-JP" sz="4000" dirty="0">
-                <a:latin typeface="Calibri" panose="020F0502020204030204" pitchFamily="34" charset="0"/>
-                <a:cs typeface="Calibri" panose="020F0502020204030204" pitchFamily="34" charset="0"/>
-              </a:rPr>
-              <a:t>		</a:t>
-            </a:r>
-            <a:r>
-              <a:rPr lang="ja-JP" altLang="en-US" sz="4000">
-                <a:latin typeface="Calibri" panose="020F0502020204030204" pitchFamily="34" charset="0"/>
-                <a:cs typeface="Calibri" panose="020F0502020204030204" pitchFamily="34" charset="0"/>
-              </a:rPr>
-              <a:t>常に着地</a:t>
-            </a:r>
-            <a:r>
-              <a:rPr lang="en-US" altLang="ja-JP" sz="4000" dirty="0">
-                <a:latin typeface="Calibri" panose="020F0502020204030204" pitchFamily="34" charset="0"/>
-                <a:cs typeface="Calibri" panose="020F0502020204030204" pitchFamily="34" charset="0"/>
-              </a:rPr>
-              <a:t>.</a:t>
-            </a:r>
-          </a:p>
-          <a:p>
-            <a:r>
-              <a:rPr lang="en-US" altLang="ja-JP" sz="4000" dirty="0">
-                <a:latin typeface="Calibri" panose="020F0502020204030204" pitchFamily="34" charset="0"/>
-                <a:cs typeface="Calibri" panose="020F0502020204030204" pitchFamily="34" charset="0"/>
-              </a:rPr>
-              <a:t>		</a:t>
-            </a:r>
-            <a:r>
-              <a:rPr lang="ja-JP" altLang="en-US" sz="4000">
-                <a:latin typeface="Calibri" panose="020F0502020204030204" pitchFamily="34" charset="0"/>
-                <a:cs typeface="Calibri" panose="020F0502020204030204" pitchFamily="34" charset="0"/>
-              </a:rPr>
-              <a:t>次のフレームにて着地失敗</a:t>
-            </a:r>
-            <a:r>
-              <a:rPr lang="en-US" altLang="ja-JP" sz="4000" dirty="0">
-                <a:latin typeface="Calibri" panose="020F0502020204030204" pitchFamily="34" charset="0"/>
-                <a:cs typeface="Calibri" panose="020F0502020204030204" pitchFamily="34" charset="0"/>
-              </a:rPr>
-              <a:t>.</a:t>
-            </a:r>
-            <a:endParaRPr lang="ja-JP" altLang="en-US" sz="4000">
-              <a:latin typeface="Calibri" panose="020F0502020204030204" pitchFamily="34" charset="0"/>
-              <a:cs typeface="Calibri" panose="020F0502020204030204" pitchFamily="34" charset="0"/>
-            </a:endParaRPr>
-          </a:p>
-          <a:p>
-            <a:endParaRPr kumimoji="1" lang="ja-JP" altLang="en-US" sz="4000">
-              <a:latin typeface="Calibri" panose="020F0502020204030204" pitchFamily="34" charset="0"/>
-              <a:cs typeface="Calibri" panose="020F0502020204030204" pitchFamily="34" charset="0"/>
-            </a:endParaRPr>
-          </a:p>
-        </p:txBody>
-      </p:sp>
-      <p:sp>
-        <p:nvSpPr>
-          <p:cNvPr id="103" name="正方形/長方形 102">
-            <a:extLst>
-              <a:ext uri="{FF2B5EF4-FFF2-40B4-BE49-F238E27FC236}">
-                <a16:creationId xmlns:a16="http://schemas.microsoft.com/office/drawing/2014/main" id="{9C98C348-68DE-274C-951A-1C813FFDE6CF}"/>
-              </a:ext>
-            </a:extLst>
-          </p:cNvPr>
-          <p:cNvSpPr/>
-          <p:nvPr/>
-        </p:nvSpPr>
-        <p:spPr>
-          <a:xfrm>
-            <a:off x="4507550" y="11317005"/>
-            <a:ext cx="591015" cy="1443307"/>
-          </a:xfrm>
-          <a:prstGeom prst="rect">
-            <a:avLst/>
-          </a:prstGeom>
-          <a:solidFill>
-            <a:srgbClr val="00B0F0"/>
-          </a:solidFill>
-          <a:ln>
-            <a:solidFill>
-              <a:schemeClr val="tx1"/>
-            </a:solidFill>
-          </a:ln>
-        </p:spPr>
-        <p:style>
-          <a:lnRef idx="2">
-            <a:schemeClr val="accent1">
-              <a:shade val="50000"/>
-            </a:schemeClr>
-          </a:lnRef>
-          <a:fillRef idx="1">
-            <a:schemeClr val="accent1"/>
-          </a:fillRef>
-          <a:effectRef idx="0">
-            <a:schemeClr val="accent1"/>
-          </a:effectRef>
-          <a:fontRef idx="minor">
-            <a:schemeClr val="lt1"/>
-          </a:fontRef>
-        </p:style>
-        <p:txBody>
-          <a:bodyPr rtlCol="0" anchor="ctr"/>
-          <a:lstStyle/>
-          <a:p>
-            <a:pPr algn="ctr"/>
-            <a:endParaRPr lang="ja-JP" altLang="en-US">
-              <a:latin typeface="Calibri" panose="020F0502020204030204" pitchFamily="34" charset="0"/>
-              <a:ea typeface="FOT-Cezanne Pro M" panose="02020600000000000000" pitchFamily="18" charset="-128"/>
-              <a:cs typeface="Calibri" panose="020F0502020204030204" pitchFamily="34" charset="0"/>
-            </a:endParaRPr>
-          </a:p>
-        </p:txBody>
-      </p:sp>
-      <p:sp>
-        <p:nvSpPr>
-          <p:cNvPr id="104" name="正方形/長方形 103">
-            <a:extLst>
-              <a:ext uri="{FF2B5EF4-FFF2-40B4-BE49-F238E27FC236}">
-                <a16:creationId xmlns:a16="http://schemas.microsoft.com/office/drawing/2014/main" id="{6F386AFD-CAD4-074C-B29F-587D529B9B81}"/>
-              </a:ext>
-            </a:extLst>
-          </p:cNvPr>
-          <p:cNvSpPr/>
-          <p:nvPr/>
-        </p:nvSpPr>
-        <p:spPr>
-          <a:xfrm>
-            <a:off x="5098565" y="11597648"/>
-            <a:ext cx="591015" cy="1162664"/>
-          </a:xfrm>
-          <a:prstGeom prst="rect">
-            <a:avLst/>
-          </a:prstGeom>
-          <a:solidFill>
-            <a:srgbClr val="00B0F0"/>
-          </a:solidFill>
-          <a:ln>
-            <a:solidFill>
-              <a:schemeClr val="tx1"/>
-            </a:solidFill>
-          </a:ln>
-        </p:spPr>
-        <p:style>
-          <a:lnRef idx="2">
-            <a:schemeClr val="accent1">
-              <a:shade val="50000"/>
-            </a:schemeClr>
-          </a:lnRef>
-          <a:fillRef idx="1">
-            <a:schemeClr val="accent1"/>
-          </a:fillRef>
-          <a:effectRef idx="0">
-            <a:schemeClr val="accent1"/>
-          </a:effectRef>
-          <a:fontRef idx="minor">
-            <a:schemeClr val="lt1"/>
-          </a:fontRef>
-        </p:style>
-        <p:txBody>
-          <a:bodyPr rtlCol="0" anchor="ctr"/>
-          <a:lstStyle/>
-          <a:p>
-            <a:pPr algn="ctr"/>
-            <a:endParaRPr lang="ja-JP" altLang="en-US">
-              <a:latin typeface="Calibri" panose="020F0502020204030204" pitchFamily="34" charset="0"/>
-              <a:ea typeface="FOT-Cezanne Pro M" panose="02020600000000000000" pitchFamily="18" charset="-128"/>
-              <a:cs typeface="Calibri" panose="020F0502020204030204" pitchFamily="34" charset="0"/>
-            </a:endParaRPr>
-          </a:p>
-        </p:txBody>
-      </p:sp>
-      <p:sp>
-        <p:nvSpPr>
-          <p:cNvPr id="105" name="正方形/長方形 104">
-            <a:extLst>
-              <a:ext uri="{FF2B5EF4-FFF2-40B4-BE49-F238E27FC236}">
-                <a16:creationId xmlns:a16="http://schemas.microsoft.com/office/drawing/2014/main" id="{0A2ABCCE-A090-994E-8956-EC8431EFD29A}"/>
-              </a:ext>
-            </a:extLst>
-          </p:cNvPr>
-          <p:cNvSpPr/>
-          <p:nvPr/>
-        </p:nvSpPr>
-        <p:spPr>
-          <a:xfrm>
-            <a:off x="6907897" y="11317005"/>
-            <a:ext cx="591015" cy="1443307"/>
-          </a:xfrm>
-          <a:prstGeom prst="rect">
-            <a:avLst/>
-          </a:prstGeom>
-          <a:solidFill>
-            <a:srgbClr val="00B0F0"/>
-          </a:solidFill>
-          <a:ln>
-            <a:solidFill>
-              <a:schemeClr val="tx1"/>
-            </a:solidFill>
-          </a:ln>
-        </p:spPr>
-        <p:style>
-          <a:lnRef idx="2">
-            <a:schemeClr val="accent1">
-              <a:shade val="50000"/>
-            </a:schemeClr>
-          </a:lnRef>
-          <a:fillRef idx="1">
-            <a:schemeClr val="accent1"/>
-          </a:fillRef>
-          <a:effectRef idx="0">
-            <a:schemeClr val="accent1"/>
-          </a:effectRef>
-          <a:fontRef idx="minor">
-            <a:schemeClr val="lt1"/>
-          </a:fontRef>
-        </p:style>
-        <p:txBody>
-          <a:bodyPr rtlCol="0" anchor="ctr"/>
-          <a:lstStyle/>
-          <a:p>
-            <a:pPr algn="ctr"/>
-            <a:endParaRPr lang="ja-JP" altLang="en-US">
-              <a:latin typeface="Calibri" panose="020F0502020204030204" pitchFamily="34" charset="0"/>
-              <a:ea typeface="FOT-Cezanne Pro M" panose="02020600000000000000" pitchFamily="18" charset="-128"/>
-              <a:cs typeface="Calibri" panose="020F0502020204030204" pitchFamily="34" charset="0"/>
-            </a:endParaRPr>
-          </a:p>
-        </p:txBody>
-      </p:sp>
-      <p:sp>
-        <p:nvSpPr>
-          <p:cNvPr id="106" name="正方形/長方形 105">
-            <a:extLst>
-              <a:ext uri="{FF2B5EF4-FFF2-40B4-BE49-F238E27FC236}">
-                <a16:creationId xmlns:a16="http://schemas.microsoft.com/office/drawing/2014/main" id="{4E6849FA-6864-C849-8B22-D17A0230E31F}"/>
-              </a:ext>
-            </a:extLst>
-          </p:cNvPr>
-          <p:cNvSpPr/>
-          <p:nvPr/>
-        </p:nvSpPr>
-        <p:spPr>
-          <a:xfrm>
-            <a:off x="7476609" y="10981692"/>
-            <a:ext cx="591015" cy="1778620"/>
-          </a:xfrm>
-          <a:prstGeom prst="rect">
-            <a:avLst/>
-          </a:prstGeom>
-          <a:solidFill>
-            <a:srgbClr val="00B0F0"/>
-          </a:solidFill>
-          <a:ln>
-            <a:solidFill>
-              <a:schemeClr val="tx1"/>
-            </a:solidFill>
-          </a:ln>
-        </p:spPr>
-        <p:style>
-          <a:lnRef idx="2">
-            <a:schemeClr val="accent1">
-              <a:shade val="50000"/>
-            </a:schemeClr>
-          </a:lnRef>
-          <a:fillRef idx="1">
-            <a:schemeClr val="accent1"/>
-          </a:fillRef>
-          <a:effectRef idx="0">
-            <a:schemeClr val="accent1"/>
-          </a:effectRef>
-          <a:fontRef idx="minor">
-            <a:schemeClr val="lt1"/>
-          </a:fontRef>
-        </p:style>
-        <p:txBody>
-          <a:bodyPr rtlCol="0" anchor="ctr"/>
-          <a:lstStyle/>
-          <a:p>
-            <a:pPr algn="ctr"/>
-            <a:endParaRPr lang="ja-JP" altLang="en-US">
-              <a:latin typeface="Calibri" panose="020F0502020204030204" pitchFamily="34" charset="0"/>
-              <a:ea typeface="FOT-Cezanne Pro M" panose="02020600000000000000" pitchFamily="18" charset="-128"/>
-              <a:cs typeface="Calibri" panose="020F0502020204030204" pitchFamily="34" charset="0"/>
-            </a:endParaRPr>
-          </a:p>
-        </p:txBody>
-      </p:sp>
-      <p:sp>
-        <p:nvSpPr>
-          <p:cNvPr id="107" name="円/楕円 106">
-            <a:extLst>
-              <a:ext uri="{FF2B5EF4-FFF2-40B4-BE49-F238E27FC236}">
-                <a16:creationId xmlns:a16="http://schemas.microsoft.com/office/drawing/2014/main" id="{4A08D1E1-8C1F-6C4C-A536-7261F9C99044}"/>
-              </a:ext>
-            </a:extLst>
-          </p:cNvPr>
-          <p:cNvSpPr/>
-          <p:nvPr/>
-        </p:nvSpPr>
-        <p:spPr>
-          <a:xfrm>
-            <a:off x="5032201" y="10340014"/>
-            <a:ext cx="713684" cy="713678"/>
-          </a:xfrm>
-          <a:prstGeom prst="ellipse">
-            <a:avLst/>
-          </a:prstGeom>
-        </p:spPr>
-        <p:style>
-          <a:lnRef idx="2">
-            <a:schemeClr val="accent1">
-              <a:shade val="50000"/>
-            </a:schemeClr>
-          </a:lnRef>
-          <a:fillRef idx="1">
-            <a:schemeClr val="accent1"/>
-          </a:fillRef>
-          <a:effectRef idx="0">
-            <a:schemeClr val="accent1"/>
-          </a:effectRef>
-          <a:fontRef idx="minor">
-            <a:schemeClr val="lt1"/>
-          </a:fontRef>
-        </p:style>
-        <p:txBody>
-          <a:bodyPr rtlCol="0" anchor="ctr"/>
-          <a:lstStyle/>
-          <a:p>
-            <a:pPr algn="ctr"/>
-            <a:endParaRPr lang="ja-JP" altLang="en-US">
-              <a:latin typeface="Calibri" panose="020F0502020204030204" pitchFamily="34" charset="0"/>
-              <a:ea typeface="FOT-Cezanne Pro M" panose="02020600000000000000" pitchFamily="18" charset="-128"/>
-              <a:cs typeface="Calibri" panose="020F0502020204030204" pitchFamily="34" charset="0"/>
-            </a:endParaRPr>
-          </a:p>
-        </p:txBody>
-      </p:sp>
-      <p:sp>
-        <p:nvSpPr>
-          <p:cNvPr id="108" name="円/楕円 107">
-            <a:extLst>
-              <a:ext uri="{FF2B5EF4-FFF2-40B4-BE49-F238E27FC236}">
-                <a16:creationId xmlns:a16="http://schemas.microsoft.com/office/drawing/2014/main" id="{E763162F-9A65-9948-AA28-0F84A12BF5C2}"/>
-              </a:ext>
-            </a:extLst>
-          </p:cNvPr>
-          <p:cNvSpPr/>
-          <p:nvPr/>
-        </p:nvSpPr>
-        <p:spPr>
-          <a:xfrm>
-            <a:off x="5670941" y="12340943"/>
-            <a:ext cx="713684" cy="713678"/>
-          </a:xfrm>
-          <a:prstGeom prst="ellipse">
-            <a:avLst/>
-          </a:prstGeom>
-          <a:solidFill>
-            <a:schemeClr val="accent1">
-              <a:alpha val="51000"/>
-            </a:schemeClr>
-          </a:solidFill>
-        </p:spPr>
-        <p:style>
-          <a:lnRef idx="2">
-            <a:schemeClr val="accent1">
-              <a:shade val="50000"/>
-            </a:schemeClr>
-          </a:lnRef>
-          <a:fillRef idx="1">
-            <a:schemeClr val="accent1"/>
-          </a:fillRef>
-          <a:effectRef idx="0">
-            <a:schemeClr val="accent1"/>
-          </a:effectRef>
-          <a:fontRef idx="minor">
-            <a:schemeClr val="lt1"/>
-          </a:fontRef>
-        </p:style>
-        <p:txBody>
-          <a:bodyPr rtlCol="0" anchor="ctr"/>
-          <a:lstStyle/>
-          <a:p>
-            <a:pPr algn="ctr"/>
-            <a:endParaRPr lang="ja-JP" altLang="en-US">
-              <a:latin typeface="Calibri" panose="020F0502020204030204" pitchFamily="34" charset="0"/>
-              <a:ea typeface="FOT-Cezanne Pro M" panose="02020600000000000000" pitchFamily="18" charset="-128"/>
-              <a:cs typeface="Calibri" panose="020F0502020204030204" pitchFamily="34" charset="0"/>
-            </a:endParaRPr>
-          </a:p>
-        </p:txBody>
-      </p:sp>
-      <p:sp>
-        <p:nvSpPr>
-          <p:cNvPr id="109" name="テキスト ボックス 108">
-            <a:extLst>
-              <a:ext uri="{FF2B5EF4-FFF2-40B4-BE49-F238E27FC236}">
-                <a16:creationId xmlns:a16="http://schemas.microsoft.com/office/drawing/2014/main" id="{7817C18D-0CC6-664C-9DA8-4002A539BF0B}"/>
-              </a:ext>
-            </a:extLst>
-          </p:cNvPr>
-          <p:cNvSpPr txBox="1"/>
-          <p:nvPr/>
-        </p:nvSpPr>
-        <p:spPr>
-          <a:xfrm>
-            <a:off x="13722531" y="2555893"/>
-            <a:ext cx="9189720" cy="1323439"/>
-          </a:xfrm>
-          <a:prstGeom prst="rect">
-            <a:avLst/>
-          </a:prstGeom>
-          <a:noFill/>
-        </p:spPr>
-        <p:txBody>
-          <a:bodyPr wrap="square">
-            <a:spAutoFit/>
-          </a:bodyPr>
-          <a:lstStyle/>
-          <a:p>
-            <a:r>
-              <a:rPr lang="en-US" altLang="ja-JP" sz="4000" dirty="0">
-                <a:latin typeface="Calibri" panose="020F0502020204030204" pitchFamily="34" charset="0"/>
-                <a:cs typeface="Calibri" panose="020F0502020204030204" pitchFamily="34" charset="0"/>
-              </a:rPr>
-              <a:t>3. </a:t>
-            </a:r>
-            <a:r>
-              <a:rPr lang="en-US" altLang="ja-JP" sz="4000" dirty="0" err="1">
-                <a:latin typeface="Calibri" panose="020F0502020204030204" pitchFamily="34" charset="0"/>
-                <a:cs typeface="Calibri" panose="020F0502020204030204" pitchFamily="34" charset="0"/>
-              </a:rPr>
-              <a:t>nextCH</a:t>
-            </a:r>
-            <a:r>
-              <a:rPr lang="en-US" altLang="ja-JP" sz="4000" dirty="0">
-                <a:latin typeface="Calibri" panose="020F0502020204030204" pitchFamily="34" charset="0"/>
-                <a:cs typeface="Calibri" panose="020F0502020204030204" pitchFamily="34" charset="0"/>
-              </a:rPr>
-              <a:t> &gt; </a:t>
-            </a:r>
-            <a:r>
-              <a:rPr lang="en-US" altLang="ja-JP" sz="4000" dirty="0" err="1">
-                <a:latin typeface="Calibri" panose="020F0502020204030204" pitchFamily="34" charset="0"/>
-                <a:cs typeface="Calibri" panose="020F0502020204030204" pitchFamily="34" charset="0"/>
-              </a:rPr>
-              <a:t>prevCH</a:t>
-            </a:r>
-            <a:r>
-              <a:rPr lang="en-US" altLang="ja-JP" sz="4000" dirty="0">
-                <a:latin typeface="Calibri" panose="020F0502020204030204" pitchFamily="34" charset="0"/>
-                <a:cs typeface="Calibri" panose="020F0502020204030204" pitchFamily="34" charset="0"/>
-              </a:rPr>
-              <a:t> &gt; 0 </a:t>
-            </a:r>
-            <a:r>
-              <a:rPr lang="ja-JP" altLang="en-US" sz="4000">
-                <a:latin typeface="Calibri" panose="020F0502020204030204" pitchFamily="34" charset="0"/>
-                <a:cs typeface="Calibri" panose="020F0502020204030204" pitchFamily="34" charset="0"/>
-              </a:rPr>
-              <a:t>ならば </a:t>
-            </a:r>
-            <a:r>
-              <a:rPr lang="en-US" altLang="ja-JP" sz="4000" dirty="0">
-                <a:latin typeface="Calibri" panose="020F0502020204030204" pitchFamily="34" charset="0"/>
-                <a:cs typeface="Calibri" panose="020F0502020204030204" pitchFamily="34" charset="0"/>
-              </a:rPr>
-              <a:t>: </a:t>
-            </a:r>
-          </a:p>
-          <a:p>
-            <a:r>
-              <a:rPr lang="en-US" altLang="ja-JP" sz="4000" dirty="0">
-                <a:latin typeface="Calibri" panose="020F0502020204030204" pitchFamily="34" charset="0"/>
-                <a:cs typeface="Calibri" panose="020F0502020204030204" pitchFamily="34" charset="0"/>
-              </a:rPr>
-              <a:t>		</a:t>
-            </a:r>
-            <a:r>
-              <a:rPr lang="ja-JP" altLang="en-US" sz="4000">
-                <a:latin typeface="Calibri" panose="020F0502020204030204" pitchFamily="34" charset="0"/>
-                <a:cs typeface="Calibri" panose="020F0502020204030204" pitchFamily="34" charset="0"/>
-              </a:rPr>
-              <a:t>常に着地</a:t>
-            </a:r>
-            <a:r>
-              <a:rPr lang="en-US" altLang="ja-JP" sz="4000" dirty="0">
-                <a:latin typeface="Calibri" panose="020F0502020204030204" pitchFamily="34" charset="0"/>
-                <a:cs typeface="Calibri" panose="020F0502020204030204" pitchFamily="34" charset="0"/>
-              </a:rPr>
-              <a:t>. </a:t>
-            </a:r>
-          </a:p>
-        </p:txBody>
-      </p:sp>
-      <p:sp>
-        <p:nvSpPr>
-          <p:cNvPr id="110" name="正方形/長方形 109">
-            <a:extLst>
-              <a:ext uri="{FF2B5EF4-FFF2-40B4-BE49-F238E27FC236}">
-                <a16:creationId xmlns:a16="http://schemas.microsoft.com/office/drawing/2014/main" id="{92FB0F2E-602F-824D-BA90-BFD2FA0B7261}"/>
-              </a:ext>
-            </a:extLst>
-          </p:cNvPr>
-          <p:cNvSpPr/>
-          <p:nvPr/>
-        </p:nvSpPr>
-        <p:spPr>
-          <a:xfrm>
-            <a:off x="16919867" y="6086611"/>
-            <a:ext cx="591015" cy="1443307"/>
-          </a:xfrm>
-          <a:prstGeom prst="rect">
-            <a:avLst/>
-          </a:prstGeom>
-          <a:solidFill>
-            <a:srgbClr val="00B0F0"/>
-          </a:solidFill>
-          <a:ln>
-            <a:solidFill>
-              <a:schemeClr val="tx1"/>
-            </a:solidFill>
-          </a:ln>
-        </p:spPr>
-        <p:style>
-          <a:lnRef idx="2">
-            <a:schemeClr val="accent1">
-              <a:shade val="50000"/>
-            </a:schemeClr>
-          </a:lnRef>
-          <a:fillRef idx="1">
-            <a:schemeClr val="accent1"/>
-          </a:fillRef>
-          <a:effectRef idx="0">
-            <a:schemeClr val="accent1"/>
-          </a:effectRef>
-          <a:fontRef idx="minor">
-            <a:schemeClr val="lt1"/>
-          </a:fontRef>
-        </p:style>
-        <p:txBody>
-          <a:bodyPr rtlCol="0" anchor="ctr"/>
-          <a:lstStyle/>
-          <a:p>
-            <a:pPr algn="ctr"/>
-            <a:endParaRPr lang="ja-JP" altLang="en-US">
-              <a:latin typeface="Calibri" panose="020F0502020204030204" pitchFamily="34" charset="0"/>
-              <a:ea typeface="FOT-Cezanne Pro M" panose="02020600000000000000" pitchFamily="18" charset="-128"/>
-              <a:cs typeface="Calibri" panose="020F0502020204030204" pitchFamily="34" charset="0"/>
-            </a:endParaRPr>
-          </a:p>
-        </p:txBody>
-      </p:sp>
-      <p:sp>
-        <p:nvSpPr>
-          <p:cNvPr id="111" name="正方形/長方形 110">
-            <a:extLst>
-              <a:ext uri="{FF2B5EF4-FFF2-40B4-BE49-F238E27FC236}">
-                <a16:creationId xmlns:a16="http://schemas.microsoft.com/office/drawing/2014/main" id="{92A0D7AA-F807-A14A-A998-B6FCA228C4FD}"/>
-              </a:ext>
-            </a:extLst>
-          </p:cNvPr>
-          <p:cNvSpPr/>
-          <p:nvPr/>
-        </p:nvSpPr>
-        <p:spPr>
-          <a:xfrm>
-            <a:off x="17488579" y="5751298"/>
-            <a:ext cx="591015" cy="1778620"/>
-          </a:xfrm>
-          <a:prstGeom prst="rect">
-            <a:avLst/>
-          </a:prstGeom>
-          <a:solidFill>
-            <a:srgbClr val="00B0F0"/>
-          </a:solidFill>
-          <a:ln>
-            <a:solidFill>
-              <a:schemeClr val="tx1"/>
-            </a:solidFill>
-          </a:ln>
-        </p:spPr>
-        <p:style>
-          <a:lnRef idx="2">
-            <a:schemeClr val="accent1">
-              <a:shade val="50000"/>
-            </a:schemeClr>
-          </a:lnRef>
-          <a:fillRef idx="1">
-            <a:schemeClr val="accent1"/>
-          </a:fillRef>
-          <a:effectRef idx="0">
-            <a:schemeClr val="accent1"/>
-          </a:effectRef>
-          <a:fontRef idx="minor">
-            <a:schemeClr val="lt1"/>
-          </a:fontRef>
-        </p:style>
-        <p:txBody>
-          <a:bodyPr rtlCol="0" anchor="ctr"/>
-          <a:lstStyle/>
-          <a:p>
-            <a:pPr algn="ctr"/>
-            <a:endParaRPr lang="ja-JP" altLang="en-US">
-              <a:latin typeface="Calibri" panose="020F0502020204030204" pitchFamily="34" charset="0"/>
-              <a:ea typeface="FOT-Cezanne Pro M" panose="02020600000000000000" pitchFamily="18" charset="-128"/>
-              <a:cs typeface="Calibri" panose="020F0502020204030204" pitchFamily="34" charset="0"/>
-            </a:endParaRPr>
-          </a:p>
-        </p:txBody>
-      </p:sp>
-      <p:sp>
-        <p:nvSpPr>
-          <p:cNvPr id="112" name="正方形/長方形 111">
-            <a:extLst>
-              <a:ext uri="{FF2B5EF4-FFF2-40B4-BE49-F238E27FC236}">
-                <a16:creationId xmlns:a16="http://schemas.microsoft.com/office/drawing/2014/main" id="{BE8337BF-E957-9648-A929-9DA251A72C9B}"/>
-              </a:ext>
-            </a:extLst>
-          </p:cNvPr>
-          <p:cNvSpPr/>
-          <p:nvPr/>
-        </p:nvSpPr>
-        <p:spPr>
-          <a:xfrm>
-            <a:off x="19318258" y="6086611"/>
-            <a:ext cx="591015" cy="1443307"/>
-          </a:xfrm>
-          <a:prstGeom prst="rect">
-            <a:avLst/>
-          </a:prstGeom>
-          <a:solidFill>
-            <a:srgbClr val="00B0F0"/>
-          </a:solidFill>
-          <a:ln>
-            <a:solidFill>
-              <a:schemeClr val="tx1"/>
-            </a:solidFill>
-          </a:ln>
-        </p:spPr>
-        <p:style>
-          <a:lnRef idx="2">
-            <a:schemeClr val="accent1">
-              <a:shade val="50000"/>
-            </a:schemeClr>
-          </a:lnRef>
-          <a:fillRef idx="1">
-            <a:schemeClr val="accent1"/>
-          </a:fillRef>
-          <a:effectRef idx="0">
-            <a:schemeClr val="accent1"/>
-          </a:effectRef>
-          <a:fontRef idx="minor">
-            <a:schemeClr val="lt1"/>
-          </a:fontRef>
-        </p:style>
-        <p:txBody>
-          <a:bodyPr rtlCol="0" anchor="ctr"/>
-          <a:lstStyle/>
-          <a:p>
-            <a:pPr algn="ctr"/>
-            <a:endParaRPr lang="ja-JP" altLang="en-US">
-              <a:latin typeface="Calibri" panose="020F0502020204030204" pitchFamily="34" charset="0"/>
-              <a:ea typeface="FOT-Cezanne Pro M" panose="02020600000000000000" pitchFamily="18" charset="-128"/>
-              <a:cs typeface="Calibri" panose="020F0502020204030204" pitchFamily="34" charset="0"/>
-            </a:endParaRPr>
-          </a:p>
-        </p:txBody>
-      </p:sp>
-      <p:sp>
-        <p:nvSpPr>
-          <p:cNvPr id="113" name="正方形/長方形 112">
-            <a:extLst>
-              <a:ext uri="{FF2B5EF4-FFF2-40B4-BE49-F238E27FC236}">
-                <a16:creationId xmlns:a16="http://schemas.microsoft.com/office/drawing/2014/main" id="{00DDE605-9663-574A-B448-37A236A428D2}"/>
-              </a:ext>
-            </a:extLst>
-          </p:cNvPr>
-          <p:cNvSpPr/>
-          <p:nvPr/>
-        </p:nvSpPr>
-        <p:spPr>
-          <a:xfrm>
-            <a:off x="19880449" y="5751299"/>
-            <a:ext cx="591015" cy="1778620"/>
-          </a:xfrm>
-          <a:prstGeom prst="rect">
-            <a:avLst/>
-          </a:prstGeom>
-          <a:solidFill>
-            <a:srgbClr val="00B0F0"/>
-          </a:solidFill>
-          <a:ln>
-            <a:solidFill>
-              <a:schemeClr val="tx1"/>
-            </a:solidFill>
-          </a:ln>
-        </p:spPr>
-        <p:style>
-          <a:lnRef idx="2">
-            <a:schemeClr val="accent1">
-              <a:shade val="50000"/>
-            </a:schemeClr>
-          </a:lnRef>
-          <a:fillRef idx="1">
-            <a:schemeClr val="accent1"/>
-          </a:fillRef>
-          <a:effectRef idx="0">
-            <a:schemeClr val="accent1"/>
-          </a:effectRef>
-          <a:fontRef idx="minor">
-            <a:schemeClr val="lt1"/>
-          </a:fontRef>
-        </p:style>
-        <p:txBody>
-          <a:bodyPr rtlCol="0" anchor="ctr"/>
-          <a:lstStyle/>
-          <a:p>
-            <a:pPr algn="ctr"/>
-            <a:endParaRPr lang="ja-JP" altLang="en-US">
-              <a:latin typeface="Calibri" panose="020F0502020204030204" pitchFamily="34" charset="0"/>
-              <a:ea typeface="FOT-Cezanne Pro M" panose="02020600000000000000" pitchFamily="18" charset="-128"/>
-              <a:cs typeface="Calibri" panose="020F0502020204030204" pitchFamily="34" charset="0"/>
-            </a:endParaRPr>
-          </a:p>
-        </p:txBody>
-      </p:sp>
-      <p:sp>
-        <p:nvSpPr>
-          <p:cNvPr id="114" name="正方形/長方形 113">
-            <a:extLst>
-              <a:ext uri="{FF2B5EF4-FFF2-40B4-BE49-F238E27FC236}">
-                <a16:creationId xmlns:a16="http://schemas.microsoft.com/office/drawing/2014/main" id="{BF11EDCC-68C3-244F-AA83-08FA2222C1F9}"/>
-              </a:ext>
-            </a:extLst>
-          </p:cNvPr>
-          <p:cNvSpPr/>
-          <p:nvPr/>
-        </p:nvSpPr>
-        <p:spPr>
-          <a:xfrm>
-            <a:off x="20448021" y="5751297"/>
-            <a:ext cx="591015" cy="1778620"/>
-          </a:xfrm>
-          <a:prstGeom prst="rect">
-            <a:avLst/>
-          </a:prstGeom>
-          <a:solidFill>
-            <a:srgbClr val="00B0F0"/>
-          </a:solidFill>
-          <a:ln>
-            <a:solidFill>
-              <a:schemeClr val="tx1"/>
-            </a:solidFill>
-          </a:ln>
-        </p:spPr>
-        <p:style>
-          <a:lnRef idx="2">
-            <a:schemeClr val="accent1">
-              <a:shade val="50000"/>
-            </a:schemeClr>
-          </a:lnRef>
-          <a:fillRef idx="1">
-            <a:schemeClr val="accent1"/>
-          </a:fillRef>
-          <a:effectRef idx="0">
-            <a:schemeClr val="accent1"/>
-          </a:effectRef>
-          <a:fontRef idx="minor">
-            <a:schemeClr val="lt1"/>
-          </a:fontRef>
-        </p:style>
-        <p:txBody>
-          <a:bodyPr rtlCol="0" anchor="ctr"/>
-          <a:lstStyle/>
-          <a:p>
-            <a:pPr algn="ctr"/>
-            <a:endParaRPr lang="ja-JP" altLang="en-US">
-              <a:latin typeface="Calibri" panose="020F0502020204030204" pitchFamily="34" charset="0"/>
-              <a:ea typeface="FOT-Cezanne Pro M" panose="02020600000000000000" pitchFamily="18" charset="-128"/>
-              <a:cs typeface="Calibri" panose="020F0502020204030204" pitchFamily="34" charset="0"/>
-            </a:endParaRPr>
-          </a:p>
-        </p:txBody>
-      </p:sp>
-      <p:sp>
-        <p:nvSpPr>
-          <p:cNvPr id="115" name="正方形/長方形 114">
-            <a:extLst>
-              <a:ext uri="{FF2B5EF4-FFF2-40B4-BE49-F238E27FC236}">
-                <a16:creationId xmlns:a16="http://schemas.microsoft.com/office/drawing/2014/main" id="{E1E1F010-8F3E-1944-B19E-F7D8CD803FB3}"/>
-              </a:ext>
-            </a:extLst>
-          </p:cNvPr>
-          <p:cNvSpPr/>
-          <p:nvPr/>
-        </p:nvSpPr>
-        <p:spPr>
-          <a:xfrm>
-            <a:off x="21029777" y="5467076"/>
-            <a:ext cx="591015" cy="2062841"/>
-          </a:xfrm>
-          <a:prstGeom prst="rect">
-            <a:avLst/>
-          </a:prstGeom>
-          <a:solidFill>
-            <a:srgbClr val="00B0F0"/>
-          </a:solidFill>
-          <a:ln>
-            <a:solidFill>
-              <a:schemeClr val="tx1"/>
-            </a:solidFill>
-          </a:ln>
-        </p:spPr>
-        <p:style>
-          <a:lnRef idx="2">
-            <a:schemeClr val="accent1">
-              <a:shade val="50000"/>
-            </a:schemeClr>
-          </a:lnRef>
-          <a:fillRef idx="1">
-            <a:schemeClr val="accent1"/>
-          </a:fillRef>
-          <a:effectRef idx="0">
-            <a:schemeClr val="accent1"/>
-          </a:effectRef>
-          <a:fontRef idx="minor">
-            <a:schemeClr val="lt1"/>
-          </a:fontRef>
-        </p:style>
-        <p:txBody>
-          <a:bodyPr rtlCol="0" anchor="ctr"/>
-          <a:lstStyle/>
-          <a:p>
-            <a:pPr algn="ctr"/>
-            <a:endParaRPr lang="ja-JP" altLang="en-US">
-              <a:latin typeface="Calibri" panose="020F0502020204030204" pitchFamily="34" charset="0"/>
-              <a:ea typeface="FOT-Cezanne Pro M" panose="02020600000000000000" pitchFamily="18" charset="-128"/>
-              <a:cs typeface="Calibri" panose="020F0502020204030204" pitchFamily="34" charset="0"/>
-            </a:endParaRPr>
-          </a:p>
-        </p:txBody>
-      </p:sp>
-      <p:sp>
-        <p:nvSpPr>
-          <p:cNvPr id="116" name="正方形/長方形 115">
-            <a:extLst>
-              <a:ext uri="{FF2B5EF4-FFF2-40B4-BE49-F238E27FC236}">
-                <a16:creationId xmlns:a16="http://schemas.microsoft.com/office/drawing/2014/main" id="{866EBABA-74BC-814E-8A35-82911A940F73}"/>
-              </a:ext>
-            </a:extLst>
-          </p:cNvPr>
-          <p:cNvSpPr/>
-          <p:nvPr/>
-        </p:nvSpPr>
-        <p:spPr>
-          <a:xfrm>
-            <a:off x="21620792" y="5223111"/>
-            <a:ext cx="591015" cy="2306806"/>
-          </a:xfrm>
-          <a:prstGeom prst="rect">
-            <a:avLst/>
-          </a:prstGeom>
-          <a:solidFill>
-            <a:srgbClr val="00B0F0"/>
-          </a:solidFill>
-          <a:ln>
-            <a:solidFill>
-              <a:schemeClr val="tx1"/>
-            </a:solidFill>
-          </a:ln>
-        </p:spPr>
-        <p:style>
-          <a:lnRef idx="2">
-            <a:schemeClr val="accent1">
-              <a:shade val="50000"/>
-            </a:schemeClr>
-          </a:lnRef>
-          <a:fillRef idx="1">
-            <a:schemeClr val="accent1"/>
-          </a:fillRef>
-          <a:effectRef idx="0">
-            <a:schemeClr val="accent1"/>
-          </a:effectRef>
-          <a:fontRef idx="minor">
-            <a:schemeClr val="lt1"/>
-          </a:fontRef>
-        </p:style>
-        <p:txBody>
-          <a:bodyPr rtlCol="0" anchor="ctr"/>
-          <a:lstStyle/>
-          <a:p>
-            <a:pPr algn="ctr"/>
-            <a:endParaRPr lang="ja-JP" altLang="en-US">
-              <a:latin typeface="Calibri" panose="020F0502020204030204" pitchFamily="34" charset="0"/>
-              <a:ea typeface="FOT-Cezanne Pro M" panose="02020600000000000000" pitchFamily="18" charset="-128"/>
-              <a:cs typeface="Calibri" panose="020F0502020204030204" pitchFamily="34" charset="0"/>
-            </a:endParaRPr>
-          </a:p>
-        </p:txBody>
-      </p:sp>
-      <p:sp>
-        <p:nvSpPr>
-          <p:cNvPr id="117" name="円/楕円 116">
-            <a:extLst>
-              <a:ext uri="{FF2B5EF4-FFF2-40B4-BE49-F238E27FC236}">
-                <a16:creationId xmlns:a16="http://schemas.microsoft.com/office/drawing/2014/main" id="{8291BE56-2F61-A64B-9291-B8C8159130AD}"/>
-              </a:ext>
-            </a:extLst>
-          </p:cNvPr>
-          <p:cNvSpPr/>
-          <p:nvPr/>
-        </p:nvSpPr>
-        <p:spPr>
-          <a:xfrm>
-            <a:off x="20360560" y="4895509"/>
-            <a:ext cx="713684" cy="713678"/>
-          </a:xfrm>
-          <a:prstGeom prst="ellipse">
-            <a:avLst/>
-          </a:prstGeom>
-        </p:spPr>
-        <p:style>
-          <a:lnRef idx="2">
-            <a:schemeClr val="accent1">
-              <a:shade val="50000"/>
-            </a:schemeClr>
-          </a:lnRef>
-          <a:fillRef idx="1">
-            <a:schemeClr val="accent1"/>
-          </a:fillRef>
-          <a:effectRef idx="0">
-            <a:schemeClr val="accent1"/>
-          </a:effectRef>
-          <a:fontRef idx="minor">
-            <a:schemeClr val="lt1"/>
-          </a:fontRef>
-        </p:style>
-        <p:txBody>
-          <a:bodyPr rtlCol="0" anchor="ctr"/>
-          <a:lstStyle/>
-          <a:p>
-            <a:pPr algn="ctr"/>
-            <a:endParaRPr lang="ja-JP" altLang="en-US">
-              <a:latin typeface="Calibri" panose="020F0502020204030204" pitchFamily="34" charset="0"/>
-              <a:ea typeface="FOT-Cezanne Pro M" panose="02020600000000000000" pitchFamily="18" charset="-128"/>
-              <a:cs typeface="Calibri" panose="020F0502020204030204" pitchFamily="34" charset="0"/>
-            </a:endParaRPr>
-          </a:p>
-        </p:txBody>
-      </p:sp>
-      <p:sp>
-        <p:nvSpPr>
-          <p:cNvPr id="118" name="円/楕円 117">
-            <a:extLst>
-              <a:ext uri="{FF2B5EF4-FFF2-40B4-BE49-F238E27FC236}">
-                <a16:creationId xmlns:a16="http://schemas.microsoft.com/office/drawing/2014/main" id="{7C30AA6D-7218-6A48-B90A-79B1E7C613A9}"/>
-              </a:ext>
-            </a:extLst>
-          </p:cNvPr>
-          <p:cNvSpPr/>
-          <p:nvPr/>
-        </p:nvSpPr>
-        <p:spPr>
-          <a:xfrm>
-            <a:off x="20968284" y="5507332"/>
-            <a:ext cx="713684" cy="713678"/>
-          </a:xfrm>
-          <a:prstGeom prst="ellipse">
-            <a:avLst/>
-          </a:prstGeom>
-          <a:solidFill>
-            <a:schemeClr val="accent1">
-              <a:alpha val="51000"/>
-            </a:schemeClr>
-          </a:solidFill>
-        </p:spPr>
-        <p:style>
-          <a:lnRef idx="2">
-            <a:schemeClr val="accent1">
-              <a:shade val="50000"/>
-            </a:schemeClr>
-          </a:lnRef>
-          <a:fillRef idx="1">
-            <a:schemeClr val="accent1"/>
-          </a:fillRef>
-          <a:effectRef idx="0">
-            <a:schemeClr val="accent1"/>
-          </a:effectRef>
-          <a:fontRef idx="minor">
-            <a:schemeClr val="lt1"/>
-          </a:fontRef>
-        </p:style>
-        <p:txBody>
-          <a:bodyPr rtlCol="0" anchor="ctr"/>
-          <a:lstStyle/>
-          <a:p>
-            <a:pPr algn="ctr"/>
-            <a:endParaRPr lang="ja-JP" altLang="en-US">
-              <a:latin typeface="Calibri" panose="020F0502020204030204" pitchFamily="34" charset="0"/>
-              <a:ea typeface="FOT-Cezanne Pro M" panose="02020600000000000000" pitchFamily="18" charset="-128"/>
-              <a:cs typeface="Calibri" panose="020F0502020204030204" pitchFamily="34" charset="0"/>
-            </a:endParaRPr>
-          </a:p>
-        </p:txBody>
-      </p:sp>
-      <p:sp>
-        <p:nvSpPr>
-          <p:cNvPr id="119" name="円/楕円 118">
-            <a:extLst>
-              <a:ext uri="{FF2B5EF4-FFF2-40B4-BE49-F238E27FC236}">
-                <a16:creationId xmlns:a16="http://schemas.microsoft.com/office/drawing/2014/main" id="{B4B593A6-B3B9-1646-BAC2-B983FD74BF00}"/>
-              </a:ext>
-            </a:extLst>
-          </p:cNvPr>
-          <p:cNvSpPr/>
-          <p:nvPr/>
-        </p:nvSpPr>
-        <p:spPr>
-          <a:xfrm>
-            <a:off x="16824774" y="4655361"/>
-            <a:ext cx="713684" cy="713678"/>
-          </a:xfrm>
-          <a:prstGeom prst="ellipse">
-            <a:avLst/>
-          </a:prstGeom>
-        </p:spPr>
-        <p:style>
-          <a:lnRef idx="2">
-            <a:schemeClr val="accent1">
-              <a:shade val="50000"/>
-            </a:schemeClr>
-          </a:lnRef>
-          <a:fillRef idx="1">
-            <a:schemeClr val="accent1"/>
-          </a:fillRef>
-          <a:effectRef idx="0">
-            <a:schemeClr val="accent1"/>
-          </a:effectRef>
-          <a:fontRef idx="minor">
-            <a:schemeClr val="lt1"/>
-          </a:fontRef>
-        </p:style>
-        <p:txBody>
-          <a:bodyPr rtlCol="0" anchor="ctr"/>
-          <a:lstStyle/>
-          <a:p>
-            <a:pPr algn="ctr"/>
-            <a:endParaRPr lang="ja-JP" altLang="en-US">
-              <a:latin typeface="Calibri" panose="020F0502020204030204" pitchFamily="34" charset="0"/>
-              <a:ea typeface="FOT-Cezanne Pro M" panose="02020600000000000000" pitchFamily="18" charset="-128"/>
-              <a:cs typeface="Calibri" panose="020F0502020204030204" pitchFamily="34" charset="0"/>
-            </a:endParaRPr>
-          </a:p>
-        </p:txBody>
-      </p:sp>
-      <p:sp>
-        <p:nvSpPr>
-          <p:cNvPr id="120" name="円/楕円 119">
-            <a:extLst>
-              <a:ext uri="{FF2B5EF4-FFF2-40B4-BE49-F238E27FC236}">
-                <a16:creationId xmlns:a16="http://schemas.microsoft.com/office/drawing/2014/main" id="{975944A6-DDA9-E147-BD6A-8BB36A3CAC8C}"/>
-              </a:ext>
-            </a:extLst>
-          </p:cNvPr>
-          <p:cNvSpPr/>
-          <p:nvPr/>
-        </p:nvSpPr>
-        <p:spPr>
-          <a:xfrm>
-            <a:off x="17413111" y="5427778"/>
-            <a:ext cx="713684" cy="713678"/>
-          </a:xfrm>
-          <a:prstGeom prst="ellipse">
-            <a:avLst/>
-          </a:prstGeom>
-          <a:solidFill>
-            <a:schemeClr val="accent1">
-              <a:alpha val="51000"/>
-            </a:schemeClr>
-          </a:solidFill>
-        </p:spPr>
-        <p:style>
-          <a:lnRef idx="2">
-            <a:schemeClr val="accent1">
-              <a:shade val="50000"/>
-            </a:schemeClr>
-          </a:lnRef>
-          <a:fillRef idx="1">
-            <a:schemeClr val="accent1"/>
-          </a:fillRef>
-          <a:effectRef idx="0">
-            <a:schemeClr val="accent1"/>
-          </a:effectRef>
-          <a:fontRef idx="minor">
-            <a:schemeClr val="lt1"/>
-          </a:fontRef>
-        </p:style>
-        <p:txBody>
-          <a:bodyPr rtlCol="0" anchor="ctr"/>
-          <a:lstStyle/>
-          <a:p>
-            <a:pPr algn="ctr"/>
-            <a:endParaRPr lang="ja-JP" altLang="en-US">
-              <a:latin typeface="Calibri" panose="020F0502020204030204" pitchFamily="34" charset="0"/>
-              <a:ea typeface="FOT-Cezanne Pro M" panose="02020600000000000000" pitchFamily="18" charset="-128"/>
-              <a:cs typeface="Calibri" panose="020F0502020204030204" pitchFamily="34" charset="0"/>
-            </a:endParaRPr>
-          </a:p>
-        </p:txBody>
-      </p:sp>
-      <p:sp>
-        <p:nvSpPr>
-          <p:cNvPr id="121" name="テキスト ボックス 120">
-            <a:extLst>
-              <a:ext uri="{FF2B5EF4-FFF2-40B4-BE49-F238E27FC236}">
-                <a16:creationId xmlns:a16="http://schemas.microsoft.com/office/drawing/2014/main" id="{D6845196-D40B-3B4C-BF74-26571FAFB780}"/>
-              </a:ext>
-            </a:extLst>
-          </p:cNvPr>
-          <p:cNvSpPr txBox="1"/>
-          <p:nvPr/>
-        </p:nvSpPr>
-        <p:spPr>
-          <a:xfrm>
-            <a:off x="13722531" y="8375329"/>
-            <a:ext cx="9189720" cy="1323439"/>
-          </a:xfrm>
-          <a:prstGeom prst="rect">
-            <a:avLst/>
-          </a:prstGeom>
-          <a:noFill/>
-        </p:spPr>
-        <p:txBody>
-          <a:bodyPr wrap="square">
-            <a:spAutoFit/>
-          </a:bodyPr>
-          <a:lstStyle/>
-          <a:p>
-            <a:r>
-              <a:rPr lang="en-US" altLang="ja-JP" sz="4000" dirty="0">
-                <a:latin typeface="Calibri" panose="020F0502020204030204" pitchFamily="34" charset="0"/>
-                <a:cs typeface="Calibri" panose="020F0502020204030204" pitchFamily="34" charset="0"/>
-              </a:rPr>
-              <a:t>4. </a:t>
-            </a:r>
-            <a:r>
-              <a:rPr lang="en-US" altLang="ja-JP" sz="4000" dirty="0" err="1">
-                <a:latin typeface="Calibri" panose="020F0502020204030204" pitchFamily="34" charset="0"/>
-                <a:cs typeface="Calibri" panose="020F0502020204030204" pitchFamily="34" charset="0"/>
-              </a:rPr>
-              <a:t>prevCH</a:t>
-            </a:r>
-            <a:r>
-              <a:rPr lang="en-US" altLang="ja-JP" sz="4000" dirty="0">
-                <a:latin typeface="Calibri" panose="020F0502020204030204" pitchFamily="34" charset="0"/>
-                <a:cs typeface="Calibri" panose="020F0502020204030204" pitchFamily="34" charset="0"/>
-              </a:rPr>
-              <a:t> &gt;= </a:t>
-            </a:r>
-            <a:r>
-              <a:rPr lang="en-US" altLang="ja-JP" sz="4000" dirty="0" err="1">
-                <a:latin typeface="Calibri" panose="020F0502020204030204" pitchFamily="34" charset="0"/>
-                <a:cs typeface="Calibri" panose="020F0502020204030204" pitchFamily="34" charset="0"/>
-              </a:rPr>
-              <a:t>nextCH</a:t>
-            </a:r>
-            <a:r>
-              <a:rPr lang="en-US" altLang="ja-JP" sz="4000" dirty="0">
-                <a:latin typeface="Calibri" panose="020F0502020204030204" pitchFamily="34" charset="0"/>
-                <a:cs typeface="Calibri" panose="020F0502020204030204" pitchFamily="34" charset="0"/>
-              </a:rPr>
-              <a:t> &gt; 0 </a:t>
-            </a:r>
-            <a:r>
-              <a:rPr lang="ja-JP" altLang="en-US" sz="4000">
-                <a:latin typeface="Calibri" panose="020F0502020204030204" pitchFamily="34" charset="0"/>
-                <a:cs typeface="Calibri" panose="020F0502020204030204" pitchFamily="34" charset="0"/>
-              </a:rPr>
-              <a:t>ならば </a:t>
-            </a:r>
-            <a:r>
-              <a:rPr lang="en-US" altLang="ja-JP" sz="4000" dirty="0">
-                <a:latin typeface="Calibri" panose="020F0502020204030204" pitchFamily="34" charset="0"/>
-                <a:cs typeface="Calibri" panose="020F0502020204030204" pitchFamily="34" charset="0"/>
-              </a:rPr>
-              <a:t>: </a:t>
-            </a:r>
-          </a:p>
-          <a:p>
-            <a:r>
-              <a:rPr lang="en-US" altLang="ja-JP" sz="4000" dirty="0">
-                <a:latin typeface="Calibri" panose="020F0502020204030204" pitchFamily="34" charset="0"/>
-                <a:cs typeface="Calibri" panose="020F0502020204030204" pitchFamily="34" charset="0"/>
-              </a:rPr>
-              <a:t>		</a:t>
-            </a:r>
-            <a:r>
-              <a:rPr lang="ja-JP" altLang="en-US" sz="4000">
-                <a:latin typeface="Calibri" panose="020F0502020204030204" pitchFamily="34" charset="0"/>
-                <a:cs typeface="Calibri" panose="020F0502020204030204" pitchFamily="34" charset="0"/>
-              </a:rPr>
-              <a:t>常に着地</a:t>
-            </a:r>
-            <a:r>
-              <a:rPr lang="en-US" altLang="ja-JP" sz="4000" dirty="0">
-                <a:latin typeface="Calibri" panose="020F0502020204030204" pitchFamily="34" charset="0"/>
-                <a:cs typeface="Calibri" panose="020F0502020204030204" pitchFamily="34" charset="0"/>
-              </a:rPr>
-              <a:t>.</a:t>
-            </a:r>
-          </a:p>
-        </p:txBody>
-      </p:sp>
-      <p:sp>
-        <p:nvSpPr>
-          <p:cNvPr id="122" name="正方形/長方形 121">
-            <a:extLst>
-              <a:ext uri="{FF2B5EF4-FFF2-40B4-BE49-F238E27FC236}">
-                <a16:creationId xmlns:a16="http://schemas.microsoft.com/office/drawing/2014/main" id="{CAC1808B-0471-B44C-B297-4BE9F9056ECC}"/>
-              </a:ext>
-            </a:extLst>
-          </p:cNvPr>
-          <p:cNvSpPr/>
-          <p:nvPr/>
-        </p:nvSpPr>
-        <p:spPr>
-          <a:xfrm>
-            <a:off x="16886109" y="11010351"/>
-            <a:ext cx="591015" cy="1778620"/>
-          </a:xfrm>
-          <a:prstGeom prst="rect">
-            <a:avLst/>
-          </a:prstGeom>
-          <a:solidFill>
-            <a:srgbClr val="00B0F0"/>
-          </a:solidFill>
-          <a:ln>
-            <a:solidFill>
-              <a:schemeClr val="tx1"/>
-            </a:solidFill>
-          </a:ln>
-        </p:spPr>
-        <p:style>
-          <a:lnRef idx="2">
-            <a:schemeClr val="accent1">
-              <a:shade val="50000"/>
-            </a:schemeClr>
-          </a:lnRef>
-          <a:fillRef idx="1">
-            <a:schemeClr val="accent1"/>
-          </a:fillRef>
-          <a:effectRef idx="0">
-            <a:schemeClr val="accent1"/>
-          </a:effectRef>
-          <a:fontRef idx="minor">
-            <a:schemeClr val="lt1"/>
-          </a:fontRef>
-        </p:style>
-        <p:txBody>
-          <a:bodyPr rtlCol="0" anchor="ctr"/>
-          <a:lstStyle/>
-          <a:p>
-            <a:pPr algn="ctr"/>
-            <a:endParaRPr lang="ja-JP" altLang="en-US">
-              <a:latin typeface="+mj-lt"/>
-              <a:ea typeface="FOT-Cezanne Pro M" panose="02020600000000000000" pitchFamily="18" charset="-128"/>
-              <a:cs typeface="Arial" panose="020B0604020202020204" pitchFamily="34" charset="0"/>
-            </a:endParaRPr>
-          </a:p>
-        </p:txBody>
-      </p:sp>
-      <p:sp>
-        <p:nvSpPr>
-          <p:cNvPr id="123" name="正方形/長方形 122">
-            <a:extLst>
-              <a:ext uri="{FF2B5EF4-FFF2-40B4-BE49-F238E27FC236}">
-                <a16:creationId xmlns:a16="http://schemas.microsoft.com/office/drawing/2014/main" id="{2B18D304-607A-6B4F-9327-72A4A01A7E83}"/>
-              </a:ext>
-            </a:extLst>
-          </p:cNvPr>
-          <p:cNvSpPr/>
-          <p:nvPr/>
-        </p:nvSpPr>
-        <p:spPr>
-          <a:xfrm>
-            <a:off x="17454822" y="11345664"/>
-            <a:ext cx="591015" cy="1443307"/>
-          </a:xfrm>
-          <a:prstGeom prst="rect">
-            <a:avLst/>
-          </a:prstGeom>
-          <a:solidFill>
-            <a:srgbClr val="00B0F0"/>
-          </a:solidFill>
-          <a:ln>
-            <a:solidFill>
-              <a:schemeClr val="tx1"/>
-            </a:solidFill>
-          </a:ln>
-        </p:spPr>
-        <p:style>
-          <a:lnRef idx="2">
-            <a:schemeClr val="accent1">
-              <a:shade val="50000"/>
-            </a:schemeClr>
-          </a:lnRef>
-          <a:fillRef idx="1">
-            <a:schemeClr val="accent1"/>
-          </a:fillRef>
-          <a:effectRef idx="0">
-            <a:schemeClr val="accent1"/>
-          </a:effectRef>
-          <a:fontRef idx="minor">
-            <a:schemeClr val="lt1"/>
-          </a:fontRef>
-        </p:style>
-        <p:txBody>
-          <a:bodyPr rtlCol="0" anchor="ctr"/>
-          <a:lstStyle/>
-          <a:p>
-            <a:pPr algn="ctr"/>
-            <a:endParaRPr lang="ja-JP" altLang="en-US">
-              <a:latin typeface="+mj-lt"/>
-              <a:ea typeface="FOT-Cezanne Pro M" panose="02020600000000000000" pitchFamily="18" charset="-128"/>
-              <a:cs typeface="Arial" panose="020B0604020202020204" pitchFamily="34" charset="0"/>
-            </a:endParaRPr>
-          </a:p>
-        </p:txBody>
-      </p:sp>
-      <p:sp>
-        <p:nvSpPr>
-          <p:cNvPr id="124" name="正方形/長方形 123">
-            <a:extLst>
-              <a:ext uri="{FF2B5EF4-FFF2-40B4-BE49-F238E27FC236}">
-                <a16:creationId xmlns:a16="http://schemas.microsoft.com/office/drawing/2014/main" id="{0988F680-80F2-0042-8D52-F194444E11A6}"/>
-              </a:ext>
-            </a:extLst>
-          </p:cNvPr>
-          <p:cNvSpPr/>
-          <p:nvPr/>
-        </p:nvSpPr>
-        <p:spPr>
-          <a:xfrm>
-            <a:off x="18045837" y="11626307"/>
-            <a:ext cx="591015" cy="1162664"/>
-          </a:xfrm>
-          <a:prstGeom prst="rect">
-            <a:avLst/>
-          </a:prstGeom>
-          <a:solidFill>
-            <a:srgbClr val="00B0F0"/>
-          </a:solidFill>
-          <a:ln>
-            <a:solidFill>
-              <a:schemeClr val="tx1"/>
-            </a:solidFill>
-          </a:ln>
-        </p:spPr>
-        <p:style>
-          <a:lnRef idx="2">
-            <a:schemeClr val="accent1">
-              <a:shade val="50000"/>
-            </a:schemeClr>
-          </a:lnRef>
-          <a:fillRef idx="1">
-            <a:schemeClr val="accent1"/>
-          </a:fillRef>
-          <a:effectRef idx="0">
-            <a:schemeClr val="accent1"/>
-          </a:effectRef>
-          <a:fontRef idx="minor">
-            <a:schemeClr val="lt1"/>
-          </a:fontRef>
-        </p:style>
-        <p:txBody>
-          <a:bodyPr rtlCol="0" anchor="ctr"/>
-          <a:lstStyle/>
-          <a:p>
-            <a:pPr algn="ctr"/>
-            <a:endParaRPr lang="ja-JP" altLang="en-US">
-              <a:latin typeface="+mj-lt"/>
-              <a:ea typeface="FOT-Cezanne Pro M" panose="02020600000000000000" pitchFamily="18" charset="-128"/>
-              <a:cs typeface="Arial" panose="020B0604020202020204" pitchFamily="34" charset="0"/>
-            </a:endParaRPr>
-          </a:p>
-        </p:txBody>
-      </p:sp>
-      <p:sp>
-        <p:nvSpPr>
-          <p:cNvPr id="127" name="正方形/長方形 126">
-            <a:extLst>
-              <a:ext uri="{FF2B5EF4-FFF2-40B4-BE49-F238E27FC236}">
-                <a16:creationId xmlns:a16="http://schemas.microsoft.com/office/drawing/2014/main" id="{8656AD7C-5E2D-1B42-B27F-7FE6CFF75664}"/>
-              </a:ext>
-            </a:extLst>
-          </p:cNvPr>
-          <p:cNvSpPr/>
-          <p:nvPr/>
-        </p:nvSpPr>
-        <p:spPr>
-          <a:xfrm>
-            <a:off x="19961604" y="10726130"/>
-            <a:ext cx="613380" cy="2062841"/>
-          </a:xfrm>
-          <a:prstGeom prst="rect">
-            <a:avLst/>
-          </a:prstGeom>
-          <a:solidFill>
-            <a:srgbClr val="00B0F0"/>
-          </a:solidFill>
-          <a:ln>
-            <a:solidFill>
-              <a:schemeClr val="tx1"/>
-            </a:solidFill>
-          </a:ln>
-        </p:spPr>
-        <p:style>
-          <a:lnRef idx="2">
-            <a:schemeClr val="accent1">
-              <a:shade val="50000"/>
-            </a:schemeClr>
-          </a:lnRef>
-          <a:fillRef idx="1">
-            <a:schemeClr val="accent1"/>
-          </a:fillRef>
-          <a:effectRef idx="0">
-            <a:schemeClr val="accent1"/>
-          </a:effectRef>
-          <a:fontRef idx="minor">
-            <a:schemeClr val="lt1"/>
-          </a:fontRef>
-        </p:style>
-        <p:txBody>
-          <a:bodyPr rtlCol="0" anchor="ctr"/>
-          <a:lstStyle/>
-          <a:p>
-            <a:pPr algn="ctr"/>
-            <a:endParaRPr lang="ja-JP" altLang="en-US">
-              <a:latin typeface="+mj-lt"/>
-              <a:ea typeface="FOT-Cezanne Pro M" panose="02020600000000000000" pitchFamily="18" charset="-128"/>
-              <a:cs typeface="Arial" panose="020B0604020202020204" pitchFamily="34" charset="0"/>
-            </a:endParaRPr>
-          </a:p>
-        </p:txBody>
-      </p:sp>
-      <p:sp>
-        <p:nvSpPr>
-          <p:cNvPr id="128" name="正方形/長方形 127">
-            <a:extLst>
-              <a:ext uri="{FF2B5EF4-FFF2-40B4-BE49-F238E27FC236}">
-                <a16:creationId xmlns:a16="http://schemas.microsoft.com/office/drawing/2014/main" id="{520A6833-3E19-5C4C-8DC1-4AB6C8AD383B}"/>
-              </a:ext>
-            </a:extLst>
-          </p:cNvPr>
-          <p:cNvSpPr/>
-          <p:nvPr/>
-        </p:nvSpPr>
-        <p:spPr>
-          <a:xfrm>
-            <a:off x="20598426" y="11010353"/>
-            <a:ext cx="591015" cy="1778620"/>
-          </a:xfrm>
-          <a:prstGeom prst="rect">
-            <a:avLst/>
-          </a:prstGeom>
-          <a:solidFill>
-            <a:srgbClr val="00B0F0"/>
-          </a:solidFill>
-          <a:ln>
-            <a:solidFill>
-              <a:schemeClr val="tx1"/>
-            </a:solidFill>
-          </a:ln>
-        </p:spPr>
-        <p:style>
-          <a:lnRef idx="2">
-            <a:schemeClr val="accent1">
-              <a:shade val="50000"/>
-            </a:schemeClr>
-          </a:lnRef>
-          <a:fillRef idx="1">
-            <a:schemeClr val="accent1"/>
-          </a:fillRef>
-          <a:effectRef idx="0">
-            <a:schemeClr val="accent1"/>
-          </a:effectRef>
-          <a:fontRef idx="minor">
-            <a:schemeClr val="lt1"/>
-          </a:fontRef>
-        </p:style>
-        <p:txBody>
-          <a:bodyPr rtlCol="0" anchor="ctr"/>
-          <a:lstStyle/>
-          <a:p>
-            <a:pPr algn="ctr"/>
-            <a:endParaRPr lang="ja-JP" altLang="en-US">
-              <a:latin typeface="+mj-lt"/>
-              <a:ea typeface="FOT-Cezanne Pro M" panose="02020600000000000000" pitchFamily="18" charset="-128"/>
-              <a:cs typeface="Arial" panose="020B0604020202020204" pitchFamily="34" charset="0"/>
-            </a:endParaRPr>
-          </a:p>
-        </p:txBody>
-      </p:sp>
-      <p:sp>
-        <p:nvSpPr>
-          <p:cNvPr id="129" name="正方形/長方形 128">
-            <a:extLst>
-              <a:ext uri="{FF2B5EF4-FFF2-40B4-BE49-F238E27FC236}">
-                <a16:creationId xmlns:a16="http://schemas.microsoft.com/office/drawing/2014/main" id="{AF5205BB-7E2D-7040-9F3B-D1089BCFEE7D}"/>
-              </a:ext>
-            </a:extLst>
-          </p:cNvPr>
-          <p:cNvSpPr/>
-          <p:nvPr/>
-        </p:nvSpPr>
-        <p:spPr>
-          <a:xfrm>
-            <a:off x="21165998" y="11010351"/>
-            <a:ext cx="591015" cy="1778620"/>
-          </a:xfrm>
-          <a:prstGeom prst="rect">
-            <a:avLst/>
-          </a:prstGeom>
-          <a:solidFill>
-            <a:srgbClr val="00B0F0"/>
-          </a:solidFill>
-          <a:ln>
-            <a:solidFill>
-              <a:schemeClr val="tx1"/>
-            </a:solidFill>
-          </a:ln>
-        </p:spPr>
-        <p:style>
-          <a:lnRef idx="2">
-            <a:schemeClr val="accent1">
-              <a:shade val="50000"/>
-            </a:schemeClr>
-          </a:lnRef>
-          <a:fillRef idx="1">
-            <a:schemeClr val="accent1"/>
-          </a:fillRef>
-          <a:effectRef idx="0">
-            <a:schemeClr val="accent1"/>
-          </a:effectRef>
-          <a:fontRef idx="minor">
-            <a:schemeClr val="lt1"/>
-          </a:fontRef>
-        </p:style>
-        <p:txBody>
-          <a:bodyPr rtlCol="0" anchor="ctr"/>
-          <a:lstStyle/>
-          <a:p>
-            <a:pPr algn="ctr"/>
-            <a:endParaRPr lang="ja-JP" altLang="en-US">
-              <a:latin typeface="+mj-lt"/>
-              <a:ea typeface="FOT-Cezanne Pro M" panose="02020600000000000000" pitchFamily="18" charset="-128"/>
-              <a:cs typeface="Arial" panose="020B0604020202020204" pitchFamily="34" charset="0"/>
-            </a:endParaRPr>
-          </a:p>
-        </p:txBody>
-      </p:sp>
-      <p:sp>
-        <p:nvSpPr>
-          <p:cNvPr id="130" name="正方形/長方形 129">
-            <a:extLst>
-              <a:ext uri="{FF2B5EF4-FFF2-40B4-BE49-F238E27FC236}">
-                <a16:creationId xmlns:a16="http://schemas.microsoft.com/office/drawing/2014/main" id="{C8F63EE0-748C-2744-AF0A-F1D184C2E9BE}"/>
-              </a:ext>
-            </a:extLst>
-          </p:cNvPr>
-          <p:cNvSpPr/>
-          <p:nvPr/>
-        </p:nvSpPr>
-        <p:spPr>
-          <a:xfrm>
-            <a:off x="21747754" y="10726130"/>
-            <a:ext cx="591015" cy="2062841"/>
-          </a:xfrm>
-          <a:prstGeom prst="rect">
-            <a:avLst/>
-          </a:prstGeom>
-          <a:solidFill>
-            <a:srgbClr val="00B0F0"/>
-          </a:solidFill>
-          <a:ln>
-            <a:solidFill>
-              <a:schemeClr val="tx1"/>
-            </a:solidFill>
-          </a:ln>
-        </p:spPr>
-        <p:style>
-          <a:lnRef idx="2">
-            <a:schemeClr val="accent1">
-              <a:shade val="50000"/>
-            </a:schemeClr>
-          </a:lnRef>
-          <a:fillRef idx="1">
-            <a:schemeClr val="accent1"/>
-          </a:fillRef>
-          <a:effectRef idx="0">
-            <a:schemeClr val="accent1"/>
-          </a:effectRef>
-          <a:fontRef idx="minor">
-            <a:schemeClr val="lt1"/>
-          </a:fontRef>
-        </p:style>
-        <p:txBody>
-          <a:bodyPr rtlCol="0" anchor="ctr"/>
-          <a:lstStyle/>
-          <a:p>
-            <a:pPr algn="ctr"/>
-            <a:endParaRPr lang="ja-JP" altLang="en-US">
-              <a:latin typeface="+mj-lt"/>
-              <a:ea typeface="FOT-Cezanne Pro M" panose="02020600000000000000" pitchFamily="18" charset="-128"/>
-              <a:cs typeface="Arial" panose="020B0604020202020204" pitchFamily="34" charset="0"/>
-            </a:endParaRPr>
-          </a:p>
-        </p:txBody>
-      </p:sp>
-      <p:sp>
-        <p:nvSpPr>
-          <p:cNvPr id="131" name="円/楕円 130">
-            <a:extLst>
-              <a:ext uri="{FF2B5EF4-FFF2-40B4-BE49-F238E27FC236}">
-                <a16:creationId xmlns:a16="http://schemas.microsoft.com/office/drawing/2014/main" id="{FC4B79E2-F1CC-E843-B9F2-325683B4EF05}"/>
-              </a:ext>
-            </a:extLst>
-          </p:cNvPr>
-          <p:cNvSpPr/>
-          <p:nvPr/>
-        </p:nvSpPr>
-        <p:spPr>
-          <a:xfrm>
-            <a:off x="20410129" y="9811826"/>
-            <a:ext cx="713684" cy="713678"/>
-          </a:xfrm>
-          <a:prstGeom prst="ellipse">
-            <a:avLst/>
-          </a:prstGeom>
-        </p:spPr>
-        <p:style>
-          <a:lnRef idx="2">
-            <a:schemeClr val="accent1">
-              <a:shade val="50000"/>
-            </a:schemeClr>
-          </a:lnRef>
-          <a:fillRef idx="1">
-            <a:schemeClr val="accent1"/>
-          </a:fillRef>
-          <a:effectRef idx="0">
-            <a:schemeClr val="accent1"/>
-          </a:effectRef>
-          <a:fontRef idx="minor">
-            <a:schemeClr val="lt1"/>
-          </a:fontRef>
-        </p:style>
-        <p:txBody>
-          <a:bodyPr rtlCol="0" anchor="ctr"/>
-          <a:lstStyle/>
-          <a:p>
-            <a:pPr algn="ctr"/>
-            <a:endParaRPr lang="ja-JP" altLang="en-US">
-              <a:latin typeface="+mj-lt"/>
-              <a:ea typeface="FOT-Cezanne Pro M" panose="02020600000000000000" pitchFamily="18" charset="-128"/>
-              <a:cs typeface="Arial" panose="020B0604020202020204" pitchFamily="34" charset="0"/>
-            </a:endParaRPr>
-          </a:p>
-        </p:txBody>
-      </p:sp>
-      <p:sp>
-        <p:nvSpPr>
-          <p:cNvPr id="132" name="円/楕円 131">
-            <a:extLst>
-              <a:ext uri="{FF2B5EF4-FFF2-40B4-BE49-F238E27FC236}">
-                <a16:creationId xmlns:a16="http://schemas.microsoft.com/office/drawing/2014/main" id="{92434421-B147-E246-9BA2-DF52C145EBD1}"/>
-              </a:ext>
-            </a:extLst>
-          </p:cNvPr>
-          <p:cNvSpPr/>
-          <p:nvPr/>
-        </p:nvSpPr>
-        <p:spPr>
-          <a:xfrm>
-            <a:off x="21128322" y="10839188"/>
-            <a:ext cx="713684" cy="713678"/>
-          </a:xfrm>
-          <a:prstGeom prst="ellipse">
-            <a:avLst/>
-          </a:prstGeom>
-          <a:solidFill>
-            <a:schemeClr val="accent1">
-              <a:alpha val="51000"/>
-            </a:schemeClr>
-          </a:solidFill>
-        </p:spPr>
-        <p:style>
-          <a:lnRef idx="2">
-            <a:schemeClr val="accent1">
-              <a:shade val="50000"/>
-            </a:schemeClr>
-          </a:lnRef>
-          <a:fillRef idx="1">
-            <a:schemeClr val="accent1"/>
-          </a:fillRef>
-          <a:effectRef idx="0">
-            <a:schemeClr val="accent1"/>
-          </a:effectRef>
-          <a:fontRef idx="minor">
-            <a:schemeClr val="lt1"/>
-          </a:fontRef>
-        </p:style>
-        <p:txBody>
-          <a:bodyPr rtlCol="0" anchor="ctr"/>
-          <a:lstStyle/>
-          <a:p>
-            <a:pPr algn="ctr"/>
-            <a:endParaRPr lang="ja-JP" altLang="en-US">
-              <a:latin typeface="+mj-lt"/>
-              <a:ea typeface="FOT-Cezanne Pro M" panose="02020600000000000000" pitchFamily="18" charset="-128"/>
-              <a:cs typeface="Arial" panose="020B0604020202020204" pitchFamily="34" charset="0"/>
-            </a:endParaRPr>
-          </a:p>
-        </p:txBody>
-      </p:sp>
-      <p:sp>
-        <p:nvSpPr>
-          <p:cNvPr id="133" name="円/楕円 132">
-            <a:extLst>
-              <a:ext uri="{FF2B5EF4-FFF2-40B4-BE49-F238E27FC236}">
-                <a16:creationId xmlns:a16="http://schemas.microsoft.com/office/drawing/2014/main" id="{EB177473-3429-A746-9BDB-2384A08BA161}"/>
-              </a:ext>
-            </a:extLst>
-          </p:cNvPr>
-          <p:cNvSpPr/>
-          <p:nvPr/>
-        </p:nvSpPr>
-        <p:spPr>
-          <a:xfrm>
-            <a:off x="16824774" y="9875394"/>
-            <a:ext cx="713684" cy="713678"/>
-          </a:xfrm>
-          <a:prstGeom prst="ellipse">
-            <a:avLst/>
-          </a:prstGeom>
-        </p:spPr>
-        <p:style>
-          <a:lnRef idx="2">
-            <a:schemeClr val="accent1">
-              <a:shade val="50000"/>
-            </a:schemeClr>
-          </a:lnRef>
-          <a:fillRef idx="1">
-            <a:schemeClr val="accent1"/>
-          </a:fillRef>
-          <a:effectRef idx="0">
-            <a:schemeClr val="accent1"/>
-          </a:effectRef>
-          <a:fontRef idx="minor">
-            <a:schemeClr val="lt1"/>
-          </a:fontRef>
-        </p:style>
-        <p:txBody>
-          <a:bodyPr rtlCol="0" anchor="ctr"/>
-          <a:lstStyle/>
-          <a:p>
-            <a:pPr algn="ctr"/>
-            <a:endParaRPr lang="ja-JP" altLang="en-US">
-              <a:latin typeface="+mj-lt"/>
-              <a:ea typeface="FOT-Cezanne Pro M" panose="02020600000000000000" pitchFamily="18" charset="-128"/>
-              <a:cs typeface="Arial" panose="020B0604020202020204" pitchFamily="34" charset="0"/>
-            </a:endParaRPr>
-          </a:p>
-        </p:txBody>
-      </p:sp>
-      <p:sp>
-        <p:nvSpPr>
-          <p:cNvPr id="134" name="円/楕円 133">
-            <a:extLst>
-              <a:ext uri="{FF2B5EF4-FFF2-40B4-BE49-F238E27FC236}">
-                <a16:creationId xmlns:a16="http://schemas.microsoft.com/office/drawing/2014/main" id="{1233F5F2-1490-234C-AF0D-16130BD61C40}"/>
-              </a:ext>
-            </a:extLst>
-          </p:cNvPr>
-          <p:cNvSpPr/>
-          <p:nvPr/>
-        </p:nvSpPr>
-        <p:spPr>
-          <a:xfrm>
-            <a:off x="17380344" y="10966419"/>
-            <a:ext cx="713684" cy="713678"/>
-          </a:xfrm>
-          <a:prstGeom prst="ellipse">
-            <a:avLst/>
-          </a:prstGeom>
-          <a:solidFill>
-            <a:schemeClr val="accent1">
-              <a:alpha val="51000"/>
-            </a:schemeClr>
-          </a:solidFill>
-        </p:spPr>
-        <p:style>
-          <a:lnRef idx="2">
-            <a:schemeClr val="accent1">
-              <a:shade val="50000"/>
-            </a:schemeClr>
-          </a:lnRef>
-          <a:fillRef idx="1">
-            <a:schemeClr val="accent1"/>
-          </a:fillRef>
-          <a:effectRef idx="0">
-            <a:schemeClr val="accent1"/>
-          </a:effectRef>
-          <a:fontRef idx="minor">
-            <a:schemeClr val="lt1"/>
-          </a:fontRef>
-        </p:style>
-        <p:txBody>
-          <a:bodyPr rtlCol="0" anchor="ctr"/>
-          <a:lstStyle/>
-          <a:p>
-            <a:pPr algn="ctr"/>
-            <a:endParaRPr lang="ja-JP" altLang="en-US">
-              <a:latin typeface="+mj-lt"/>
-              <a:ea typeface="FOT-Cezanne Pro M" panose="02020600000000000000" pitchFamily="18" charset="-128"/>
-              <a:cs typeface="Arial" panose="020B0604020202020204" pitchFamily="34" charset="0"/>
-            </a:endParaRPr>
-          </a:p>
-        </p:txBody>
-      </p:sp>
-      <p:sp>
-        <p:nvSpPr>
-          <p:cNvPr id="135" name="円/楕円 134">
-            <a:extLst>
-              <a:ext uri="{FF2B5EF4-FFF2-40B4-BE49-F238E27FC236}">
-                <a16:creationId xmlns:a16="http://schemas.microsoft.com/office/drawing/2014/main" id="{3185294E-9943-AC43-AB69-AE325F82A5E6}"/>
-              </a:ext>
-            </a:extLst>
-          </p:cNvPr>
-          <p:cNvSpPr/>
-          <p:nvPr/>
-        </p:nvSpPr>
-        <p:spPr>
-          <a:xfrm>
-            <a:off x="7423508" y="5388767"/>
-            <a:ext cx="713684" cy="713678"/>
-          </a:xfrm>
-          <a:prstGeom prst="ellipse">
-            <a:avLst/>
-          </a:prstGeom>
-          <a:solidFill>
-            <a:srgbClr val="FF0000">
-              <a:alpha val="51000"/>
-            </a:srgbClr>
-          </a:solidFill>
-          <a:ln>
-            <a:solidFill>
-              <a:srgbClr val="FF0000"/>
-            </a:solidFill>
-          </a:ln>
-        </p:spPr>
-        <p:style>
-          <a:lnRef idx="2">
-            <a:schemeClr val="accent1">
-              <a:shade val="50000"/>
-            </a:schemeClr>
-          </a:lnRef>
-          <a:fillRef idx="1">
-            <a:schemeClr val="accent1"/>
-          </a:fillRef>
-          <a:effectRef idx="0">
-            <a:schemeClr val="accent1"/>
-          </a:effectRef>
-          <a:fontRef idx="minor">
-            <a:schemeClr val="lt1"/>
-          </a:fontRef>
-        </p:style>
-        <p:txBody>
-          <a:bodyPr rtlCol="0" anchor="ctr"/>
-          <a:lstStyle/>
-          <a:p>
-            <a:pPr algn="ctr"/>
-            <a:endParaRPr lang="ja-JP" altLang="en-US">
-              <a:latin typeface="Calibri" panose="020F0502020204030204" pitchFamily="34" charset="0"/>
-              <a:ea typeface="FOT-Cezanne Pro M" panose="02020600000000000000" pitchFamily="18" charset="-128"/>
-              <a:cs typeface="Calibri" panose="020F0502020204030204" pitchFamily="34" charset="0"/>
-            </a:endParaRPr>
-          </a:p>
-        </p:txBody>
-      </p:sp>
-      <p:sp>
-        <p:nvSpPr>
-          <p:cNvPr id="136" name="円/楕円 135">
-            <a:extLst>
-              <a:ext uri="{FF2B5EF4-FFF2-40B4-BE49-F238E27FC236}">
-                <a16:creationId xmlns:a16="http://schemas.microsoft.com/office/drawing/2014/main" id="{EF3AF029-9749-B645-AFAA-86F5F7AF537B}"/>
-              </a:ext>
-            </a:extLst>
-          </p:cNvPr>
-          <p:cNvSpPr/>
-          <p:nvPr/>
-        </p:nvSpPr>
-        <p:spPr>
-          <a:xfrm>
-            <a:off x="5665468" y="12065689"/>
-            <a:ext cx="713684" cy="713678"/>
-          </a:xfrm>
-          <a:prstGeom prst="ellipse">
-            <a:avLst/>
-          </a:prstGeom>
-          <a:solidFill>
-            <a:srgbClr val="FF0000">
-              <a:alpha val="51000"/>
-            </a:srgbClr>
-          </a:solidFill>
-          <a:ln>
-            <a:solidFill>
-              <a:srgbClr val="FF0000"/>
-            </a:solidFill>
-          </a:ln>
-        </p:spPr>
-        <p:style>
-          <a:lnRef idx="2">
-            <a:schemeClr val="accent1">
-              <a:shade val="50000"/>
-            </a:schemeClr>
-          </a:lnRef>
-          <a:fillRef idx="1">
-            <a:schemeClr val="accent1"/>
-          </a:fillRef>
-          <a:effectRef idx="0">
-            <a:schemeClr val="accent1"/>
-          </a:effectRef>
-          <a:fontRef idx="minor">
-            <a:schemeClr val="lt1"/>
-          </a:fontRef>
-        </p:style>
-        <p:txBody>
-          <a:bodyPr rtlCol="0" anchor="ctr"/>
-          <a:lstStyle/>
-          <a:p>
-            <a:pPr algn="ctr"/>
-            <a:endParaRPr lang="ja-JP" altLang="en-US">
-              <a:latin typeface="Calibri" panose="020F0502020204030204" pitchFamily="34" charset="0"/>
-              <a:ea typeface="FOT-Cezanne Pro M" panose="02020600000000000000" pitchFamily="18" charset="-128"/>
-              <a:cs typeface="Calibri" panose="020F0502020204030204" pitchFamily="34" charset="0"/>
-            </a:endParaRPr>
-          </a:p>
-        </p:txBody>
-      </p:sp>
-      <p:sp>
-        <p:nvSpPr>
-          <p:cNvPr id="137" name="円/楕円 136">
-            <a:extLst>
-              <a:ext uri="{FF2B5EF4-FFF2-40B4-BE49-F238E27FC236}">
-                <a16:creationId xmlns:a16="http://schemas.microsoft.com/office/drawing/2014/main" id="{502036B8-6B9A-3B4C-AA9B-7743DDDB79B0}"/>
-              </a:ext>
-            </a:extLst>
-          </p:cNvPr>
-          <p:cNvSpPr/>
-          <p:nvPr/>
-        </p:nvSpPr>
-        <p:spPr>
-          <a:xfrm>
-            <a:off x="17380344" y="10633552"/>
-            <a:ext cx="713684" cy="713678"/>
-          </a:xfrm>
-          <a:prstGeom prst="ellipse">
-            <a:avLst/>
-          </a:prstGeom>
-          <a:solidFill>
-            <a:srgbClr val="FF0000">
-              <a:alpha val="51000"/>
-            </a:srgbClr>
-          </a:solidFill>
-          <a:ln>
-            <a:solidFill>
-              <a:srgbClr val="FF0000"/>
-            </a:solidFill>
-          </a:ln>
-        </p:spPr>
-        <p:style>
-          <a:lnRef idx="2">
-            <a:schemeClr val="accent1">
-              <a:shade val="50000"/>
-            </a:schemeClr>
-          </a:lnRef>
-          <a:fillRef idx="1">
-            <a:schemeClr val="accent1"/>
-          </a:fillRef>
-          <a:effectRef idx="0">
-            <a:schemeClr val="accent1"/>
-          </a:effectRef>
-          <a:fontRef idx="minor">
-            <a:schemeClr val="lt1"/>
-          </a:fontRef>
-        </p:style>
-        <p:txBody>
-          <a:bodyPr rtlCol="0" anchor="ctr"/>
-          <a:lstStyle/>
-          <a:p>
-            <a:pPr algn="ctr"/>
-            <a:endParaRPr lang="ja-JP" altLang="en-US">
-              <a:latin typeface="Calibri" panose="020F0502020204030204" pitchFamily="34" charset="0"/>
-              <a:ea typeface="FOT-Cezanne Pro M" panose="02020600000000000000" pitchFamily="18" charset="-128"/>
-              <a:cs typeface="Calibri" panose="020F0502020204030204" pitchFamily="34" charset="0"/>
-            </a:endParaRPr>
-          </a:p>
-        </p:txBody>
-      </p:sp>
-      <p:sp>
-        <p:nvSpPr>
-          <p:cNvPr id="138" name="円/楕円 137">
-            <a:extLst>
-              <a:ext uri="{FF2B5EF4-FFF2-40B4-BE49-F238E27FC236}">
-                <a16:creationId xmlns:a16="http://schemas.microsoft.com/office/drawing/2014/main" id="{E2B71D8A-01AC-8D43-BBC6-C0012BDEEF7B}"/>
-              </a:ext>
-            </a:extLst>
-          </p:cNvPr>
-          <p:cNvSpPr/>
-          <p:nvPr/>
-        </p:nvSpPr>
-        <p:spPr>
-          <a:xfrm>
-            <a:off x="21128322" y="10284914"/>
-            <a:ext cx="713684" cy="713678"/>
-          </a:xfrm>
-          <a:prstGeom prst="ellipse">
-            <a:avLst/>
-          </a:prstGeom>
-          <a:solidFill>
-            <a:srgbClr val="FF0000">
-              <a:alpha val="51000"/>
-            </a:srgbClr>
-          </a:solidFill>
-          <a:ln>
-            <a:solidFill>
-              <a:srgbClr val="FF0000"/>
-            </a:solidFill>
-          </a:ln>
-        </p:spPr>
-        <p:style>
-          <a:lnRef idx="2">
-            <a:schemeClr val="accent1">
-              <a:shade val="50000"/>
-            </a:schemeClr>
-          </a:lnRef>
-          <a:fillRef idx="1">
-            <a:schemeClr val="accent1"/>
-          </a:fillRef>
-          <a:effectRef idx="0">
-            <a:schemeClr val="accent1"/>
-          </a:effectRef>
-          <a:fontRef idx="minor">
-            <a:schemeClr val="lt1"/>
-          </a:fontRef>
-        </p:style>
-        <p:txBody>
-          <a:bodyPr rtlCol="0" anchor="ctr"/>
-          <a:lstStyle/>
-          <a:p>
-            <a:pPr algn="ctr"/>
-            <a:endParaRPr lang="ja-JP" altLang="en-US">
-              <a:latin typeface="Calibri" panose="020F0502020204030204" pitchFamily="34" charset="0"/>
-              <a:ea typeface="FOT-Cezanne Pro M" panose="02020600000000000000" pitchFamily="18" charset="-128"/>
-              <a:cs typeface="Calibri" panose="020F0502020204030204" pitchFamily="34" charset="0"/>
-            </a:endParaRPr>
-          </a:p>
-        </p:txBody>
-      </p:sp>
-      <p:sp>
-        <p:nvSpPr>
-          <p:cNvPr id="139" name="円/楕円 138">
-            <a:extLst>
-              <a:ext uri="{FF2B5EF4-FFF2-40B4-BE49-F238E27FC236}">
-                <a16:creationId xmlns:a16="http://schemas.microsoft.com/office/drawing/2014/main" id="{D888573E-F943-5643-9B69-C9CC92FB4B76}"/>
-              </a:ext>
-            </a:extLst>
-          </p:cNvPr>
-          <p:cNvSpPr/>
-          <p:nvPr/>
-        </p:nvSpPr>
-        <p:spPr>
-          <a:xfrm>
-            <a:off x="17413111" y="5031928"/>
-            <a:ext cx="713684" cy="713678"/>
-          </a:xfrm>
-          <a:prstGeom prst="ellipse">
-            <a:avLst/>
-          </a:prstGeom>
-          <a:solidFill>
-            <a:srgbClr val="FF0000">
-              <a:alpha val="51000"/>
-            </a:srgbClr>
-          </a:solidFill>
-          <a:ln>
-            <a:solidFill>
-              <a:srgbClr val="FF0000"/>
-            </a:solidFill>
-          </a:ln>
-        </p:spPr>
-        <p:style>
-          <a:lnRef idx="2">
-            <a:schemeClr val="accent1">
-              <a:shade val="50000"/>
-            </a:schemeClr>
-          </a:lnRef>
-          <a:fillRef idx="1">
-            <a:schemeClr val="accent1"/>
-          </a:fillRef>
-          <a:effectRef idx="0">
-            <a:schemeClr val="accent1"/>
-          </a:effectRef>
-          <a:fontRef idx="minor">
-            <a:schemeClr val="lt1"/>
-          </a:fontRef>
-        </p:style>
-        <p:txBody>
-          <a:bodyPr rtlCol="0" anchor="ctr"/>
-          <a:lstStyle/>
-          <a:p>
-            <a:pPr algn="ctr"/>
-            <a:endParaRPr lang="ja-JP" altLang="en-US">
-              <a:latin typeface="Calibri" panose="020F0502020204030204" pitchFamily="34" charset="0"/>
-              <a:ea typeface="FOT-Cezanne Pro M" panose="02020600000000000000" pitchFamily="18" charset="-128"/>
-              <a:cs typeface="Calibri" panose="020F0502020204030204" pitchFamily="34" charset="0"/>
-            </a:endParaRPr>
-          </a:p>
-        </p:txBody>
-      </p:sp>
-      <p:sp>
-        <p:nvSpPr>
-          <p:cNvPr id="140" name="円/楕円 139">
-            <a:extLst>
-              <a:ext uri="{FF2B5EF4-FFF2-40B4-BE49-F238E27FC236}">
-                <a16:creationId xmlns:a16="http://schemas.microsoft.com/office/drawing/2014/main" id="{9052861E-F0C5-0348-AEBB-50FE8027A110}"/>
-              </a:ext>
-            </a:extLst>
-          </p:cNvPr>
-          <p:cNvSpPr/>
-          <p:nvPr/>
-        </p:nvSpPr>
-        <p:spPr>
-          <a:xfrm>
-            <a:off x="20968284" y="4716452"/>
-            <a:ext cx="713684" cy="713678"/>
-          </a:xfrm>
-          <a:prstGeom prst="ellipse">
-            <a:avLst/>
-          </a:prstGeom>
-          <a:solidFill>
-            <a:srgbClr val="FF0000">
-              <a:alpha val="51000"/>
-            </a:srgbClr>
-          </a:solidFill>
-          <a:ln>
-            <a:solidFill>
-              <a:srgbClr val="FF0000"/>
-            </a:solidFill>
-          </a:ln>
-        </p:spPr>
-        <p:style>
-          <a:lnRef idx="2">
-            <a:schemeClr val="accent1">
-              <a:shade val="50000"/>
-            </a:schemeClr>
-          </a:lnRef>
-          <a:fillRef idx="1">
-            <a:schemeClr val="accent1"/>
-          </a:fillRef>
-          <a:effectRef idx="0">
-            <a:schemeClr val="accent1"/>
-          </a:effectRef>
-          <a:fontRef idx="minor">
-            <a:schemeClr val="lt1"/>
-          </a:fontRef>
-        </p:style>
-        <p:txBody>
-          <a:bodyPr rtlCol="0" anchor="ctr"/>
-          <a:lstStyle/>
-          <a:p>
-            <a:pPr algn="ctr"/>
-            <a:endParaRPr lang="ja-JP" altLang="en-US">
-              <a:latin typeface="Calibri" panose="020F0502020204030204" pitchFamily="34" charset="0"/>
-              <a:ea typeface="FOT-Cezanne Pro M" panose="02020600000000000000" pitchFamily="18" charset="-128"/>
-              <a:cs typeface="Calibri" panose="020F0502020204030204" pitchFamily="34" charset="0"/>
-            </a:endParaRPr>
-          </a:p>
-        </p:txBody>
-      </p:sp>
-      <p:sp>
-        <p:nvSpPr>
-          <p:cNvPr id="141" name="円/楕円 140">
-            <a:extLst>
-              <a:ext uri="{FF2B5EF4-FFF2-40B4-BE49-F238E27FC236}">
-                <a16:creationId xmlns:a16="http://schemas.microsoft.com/office/drawing/2014/main" id="{01EB4036-8FC8-6B40-824C-62B441064E05}"/>
-              </a:ext>
-            </a:extLst>
-          </p:cNvPr>
-          <p:cNvSpPr/>
-          <p:nvPr/>
-        </p:nvSpPr>
-        <p:spPr>
-          <a:xfrm>
-            <a:off x="9939555" y="603494"/>
-            <a:ext cx="713684" cy="713678"/>
-          </a:xfrm>
-          <a:prstGeom prst="ellipse">
-            <a:avLst/>
-          </a:prstGeom>
-        </p:spPr>
-        <p:style>
-          <a:lnRef idx="2">
-            <a:schemeClr val="accent1">
-              <a:shade val="50000"/>
-            </a:schemeClr>
-          </a:lnRef>
-          <a:fillRef idx="1">
-            <a:schemeClr val="accent1"/>
-          </a:fillRef>
-          <a:effectRef idx="0">
-            <a:schemeClr val="accent1"/>
-          </a:effectRef>
-          <a:fontRef idx="minor">
-            <a:schemeClr val="lt1"/>
-          </a:fontRef>
-        </p:style>
-        <p:txBody>
-          <a:bodyPr rtlCol="0" anchor="ctr"/>
-          <a:lstStyle/>
-          <a:p>
-            <a:pPr algn="ctr"/>
-            <a:endParaRPr lang="ja-JP" altLang="en-US">
-              <a:latin typeface="Calibri" panose="020F0502020204030204" pitchFamily="34" charset="0"/>
-              <a:ea typeface="FOT-Cezanne Pro M" panose="02020600000000000000" pitchFamily="18" charset="-128"/>
-              <a:cs typeface="Calibri" panose="020F0502020204030204" pitchFamily="34" charset="0"/>
-            </a:endParaRPr>
-          </a:p>
-        </p:txBody>
-      </p:sp>
-      <p:sp>
-        <p:nvSpPr>
-          <p:cNvPr id="142" name="円/楕円 141">
-            <a:extLst>
-              <a:ext uri="{FF2B5EF4-FFF2-40B4-BE49-F238E27FC236}">
-                <a16:creationId xmlns:a16="http://schemas.microsoft.com/office/drawing/2014/main" id="{44E2B1BA-810D-4A4F-941C-1F4574BD55EC}"/>
-              </a:ext>
-            </a:extLst>
-          </p:cNvPr>
-          <p:cNvSpPr/>
-          <p:nvPr/>
-        </p:nvSpPr>
-        <p:spPr>
-          <a:xfrm>
-            <a:off x="17946112" y="603494"/>
-            <a:ext cx="713684" cy="713678"/>
-          </a:xfrm>
-          <a:prstGeom prst="ellipse">
-            <a:avLst/>
-          </a:prstGeom>
-          <a:solidFill>
-            <a:schemeClr val="accent1">
-              <a:alpha val="51000"/>
-            </a:schemeClr>
-          </a:solidFill>
-        </p:spPr>
-        <p:style>
-          <a:lnRef idx="2">
-            <a:schemeClr val="accent1">
-              <a:shade val="50000"/>
-            </a:schemeClr>
-          </a:lnRef>
-          <a:fillRef idx="1">
-            <a:schemeClr val="accent1"/>
-          </a:fillRef>
-          <a:effectRef idx="0">
-            <a:schemeClr val="accent1"/>
-          </a:effectRef>
-          <a:fontRef idx="minor">
-            <a:schemeClr val="lt1"/>
-          </a:fontRef>
-        </p:style>
-        <p:txBody>
-          <a:bodyPr rtlCol="0" anchor="ctr"/>
-          <a:lstStyle/>
-          <a:p>
-            <a:pPr algn="ctr"/>
-            <a:endParaRPr lang="ja-JP" altLang="en-US">
-              <a:latin typeface="Calibri" panose="020F0502020204030204" pitchFamily="34" charset="0"/>
-              <a:ea typeface="FOT-Cezanne Pro M" panose="02020600000000000000" pitchFamily="18" charset="-128"/>
-              <a:cs typeface="Calibri" panose="020F0502020204030204" pitchFamily="34" charset="0"/>
-            </a:endParaRPr>
-          </a:p>
-        </p:txBody>
-      </p:sp>
-      <p:sp>
-        <p:nvSpPr>
-          <p:cNvPr id="143" name="円/楕円 142">
-            <a:extLst>
-              <a:ext uri="{FF2B5EF4-FFF2-40B4-BE49-F238E27FC236}">
-                <a16:creationId xmlns:a16="http://schemas.microsoft.com/office/drawing/2014/main" id="{C5552DA3-16C5-FA42-B7FC-6796D6630C5F}"/>
-              </a:ext>
-            </a:extLst>
-          </p:cNvPr>
-          <p:cNvSpPr/>
-          <p:nvPr/>
-        </p:nvSpPr>
-        <p:spPr>
-          <a:xfrm>
-            <a:off x="13942833" y="603494"/>
-            <a:ext cx="713684" cy="713678"/>
-          </a:xfrm>
-          <a:prstGeom prst="ellipse">
-            <a:avLst/>
-          </a:prstGeom>
-          <a:solidFill>
-            <a:srgbClr val="FF0000">
-              <a:alpha val="51000"/>
-            </a:srgbClr>
-          </a:solidFill>
-          <a:ln>
-            <a:solidFill>
-              <a:srgbClr val="FF0000"/>
-            </a:solidFill>
-          </a:ln>
-        </p:spPr>
-        <p:style>
-          <a:lnRef idx="2">
-            <a:schemeClr val="accent1">
-              <a:shade val="50000"/>
-            </a:schemeClr>
-          </a:lnRef>
-          <a:fillRef idx="1">
-            <a:schemeClr val="accent1"/>
-          </a:fillRef>
-          <a:effectRef idx="0">
-            <a:schemeClr val="accent1"/>
-          </a:effectRef>
-          <a:fontRef idx="minor">
-            <a:schemeClr val="lt1"/>
-          </a:fontRef>
-        </p:style>
-        <p:txBody>
-          <a:bodyPr rtlCol="0" anchor="ctr"/>
-          <a:lstStyle/>
-          <a:p>
-            <a:pPr algn="ctr"/>
-            <a:endParaRPr lang="ja-JP" altLang="en-US">
-              <a:latin typeface="Calibri" panose="020F0502020204030204" pitchFamily="34" charset="0"/>
-              <a:ea typeface="FOT-Cezanne Pro M" panose="02020600000000000000" pitchFamily="18" charset="-128"/>
-              <a:cs typeface="Calibri" panose="020F0502020204030204" pitchFamily="34" charset="0"/>
-            </a:endParaRPr>
-          </a:p>
-        </p:txBody>
-      </p:sp>
-      <p:sp>
-        <p:nvSpPr>
-          <p:cNvPr id="144" name="テキスト ボックス 143">
-            <a:extLst>
-              <a:ext uri="{FF2B5EF4-FFF2-40B4-BE49-F238E27FC236}">
-                <a16:creationId xmlns:a16="http://schemas.microsoft.com/office/drawing/2014/main" id="{37BF8C18-95A8-A643-8797-5D6F989E5112}"/>
-              </a:ext>
-            </a:extLst>
-          </p:cNvPr>
-          <p:cNvSpPr txBox="1"/>
-          <p:nvPr/>
-        </p:nvSpPr>
-        <p:spPr>
-          <a:xfrm>
-            <a:off x="10770046" y="711986"/>
-            <a:ext cx="3002978" cy="707886"/>
-          </a:xfrm>
-          <a:prstGeom prst="rect">
-            <a:avLst/>
-          </a:prstGeom>
-          <a:noFill/>
-        </p:spPr>
-        <p:txBody>
-          <a:bodyPr wrap="square">
-            <a:spAutoFit/>
-          </a:bodyPr>
-          <a:lstStyle/>
-          <a:p>
-            <a:r>
-              <a:rPr lang="en-US" altLang="ja-JP" sz="4000" dirty="0" err="1">
-                <a:latin typeface="Calibri" panose="020F0502020204030204" pitchFamily="34" charset="0"/>
-                <a:cs typeface="Calibri" panose="020F0502020204030204" pitchFamily="34" charset="0"/>
-              </a:rPr>
-              <a:t>prevPlayer</a:t>
-            </a:r>
-            <a:endParaRPr lang="en-US" altLang="ja-JP" sz="4000" dirty="0">
-              <a:latin typeface="Calibri" panose="020F0502020204030204" pitchFamily="34" charset="0"/>
-              <a:cs typeface="Calibri" panose="020F0502020204030204" pitchFamily="34" charset="0"/>
-            </a:endParaRPr>
-          </a:p>
-        </p:txBody>
-      </p:sp>
-      <p:sp>
-        <p:nvSpPr>
-          <p:cNvPr id="145" name="テキスト ボックス 144">
-            <a:extLst>
-              <a:ext uri="{FF2B5EF4-FFF2-40B4-BE49-F238E27FC236}">
-                <a16:creationId xmlns:a16="http://schemas.microsoft.com/office/drawing/2014/main" id="{9BE04656-475F-4543-BCE0-DC1A98EF3A17}"/>
-              </a:ext>
-            </a:extLst>
-          </p:cNvPr>
-          <p:cNvSpPr txBox="1"/>
-          <p:nvPr/>
-        </p:nvSpPr>
-        <p:spPr>
-          <a:xfrm>
-            <a:off x="18778080" y="711986"/>
-            <a:ext cx="4465564" cy="707886"/>
-          </a:xfrm>
-          <a:prstGeom prst="rect">
-            <a:avLst/>
-          </a:prstGeom>
-          <a:noFill/>
-        </p:spPr>
-        <p:txBody>
-          <a:bodyPr wrap="square">
-            <a:spAutoFit/>
-          </a:bodyPr>
-          <a:lstStyle/>
-          <a:p>
-            <a:r>
-              <a:rPr lang="en-US" altLang="ja-JP" sz="4000" dirty="0" err="1">
-                <a:latin typeface="Calibri" panose="020F0502020204030204" pitchFamily="34" charset="0"/>
-                <a:cs typeface="Calibri" panose="020F0502020204030204" pitchFamily="34" charset="0"/>
-              </a:rPr>
-              <a:t>prevPlayer</a:t>
-            </a:r>
-            <a:r>
-              <a:rPr lang="en-US" altLang="ja-JP" sz="4000" dirty="0">
-                <a:latin typeface="Calibri" panose="020F0502020204030204" pitchFamily="34" charset="0"/>
-                <a:cs typeface="Calibri" panose="020F0502020204030204" pitchFamily="34" charset="0"/>
-              </a:rPr>
-              <a:t> + dt</a:t>
-            </a:r>
-          </a:p>
-        </p:txBody>
-      </p:sp>
-      <p:sp>
-        <p:nvSpPr>
-          <p:cNvPr id="146" name="テキスト ボックス 145">
-            <a:extLst>
-              <a:ext uri="{FF2B5EF4-FFF2-40B4-BE49-F238E27FC236}">
-                <a16:creationId xmlns:a16="http://schemas.microsoft.com/office/drawing/2014/main" id="{A427E970-7557-CD4D-8F54-13DB5F346A88}"/>
-              </a:ext>
-            </a:extLst>
-          </p:cNvPr>
-          <p:cNvSpPr txBox="1"/>
-          <p:nvPr/>
-        </p:nvSpPr>
-        <p:spPr>
-          <a:xfrm>
-            <a:off x="14749793" y="711986"/>
-            <a:ext cx="2806045" cy="707886"/>
-          </a:xfrm>
-          <a:prstGeom prst="rect">
-            <a:avLst/>
-          </a:prstGeom>
-          <a:noFill/>
-        </p:spPr>
-        <p:txBody>
-          <a:bodyPr wrap="square">
-            <a:spAutoFit/>
-          </a:bodyPr>
-          <a:lstStyle/>
-          <a:p>
-            <a:r>
-              <a:rPr lang="en-US" altLang="ja-JP" sz="4000" dirty="0" err="1">
-                <a:latin typeface="Calibri" panose="020F0502020204030204" pitchFamily="34" charset="0"/>
-                <a:cs typeface="Calibri" panose="020F0502020204030204" pitchFamily="34" charset="0"/>
-              </a:rPr>
-              <a:t>nextPlayer</a:t>
-            </a:r>
-            <a:endParaRPr lang="en-US" altLang="ja-JP" sz="4000" dirty="0">
-              <a:latin typeface="Calibri" panose="020F0502020204030204" pitchFamily="34" charset="0"/>
-              <a:cs typeface="Calibri" panose="020F0502020204030204" pitchFamily="34" charset="0"/>
-            </a:endParaRPr>
-          </a:p>
-        </p:txBody>
-      </p:sp>
-      <p:sp>
-        <p:nvSpPr>
-          <p:cNvPr id="148" name="テキスト ボックス 147">
-            <a:extLst>
-              <a:ext uri="{FF2B5EF4-FFF2-40B4-BE49-F238E27FC236}">
-                <a16:creationId xmlns:a16="http://schemas.microsoft.com/office/drawing/2014/main" id="{8879E717-69AF-E745-B507-208BCE681F08}"/>
-              </a:ext>
-            </a:extLst>
-          </p:cNvPr>
-          <p:cNvSpPr txBox="1"/>
-          <p:nvPr/>
-        </p:nvSpPr>
-        <p:spPr>
-          <a:xfrm>
-            <a:off x="14375074" y="6950685"/>
-            <a:ext cx="1875490" cy="707886"/>
-          </a:xfrm>
-          <a:prstGeom prst="rect">
-            <a:avLst/>
-          </a:prstGeom>
-          <a:noFill/>
-        </p:spPr>
-        <p:txBody>
-          <a:bodyPr wrap="square">
-            <a:spAutoFit/>
-          </a:bodyPr>
-          <a:lstStyle/>
-          <a:p>
-            <a:r>
-              <a:rPr lang="ja-JP" altLang="en-US" sz="4000">
-                <a:latin typeface="Calibri" panose="020F0502020204030204" pitchFamily="34" charset="0"/>
-                <a:cs typeface="Calibri" panose="020F0502020204030204" pitchFamily="34" charset="0"/>
-              </a:rPr>
-              <a:t>上り坂</a:t>
-            </a:r>
-            <a:endParaRPr lang="en-US" altLang="ja-JP" sz="4000" dirty="0">
-              <a:latin typeface="Calibri" panose="020F0502020204030204" pitchFamily="34" charset="0"/>
-              <a:cs typeface="Calibri" panose="020F0502020204030204" pitchFamily="34" charset="0"/>
-            </a:endParaRPr>
-          </a:p>
-        </p:txBody>
-      </p:sp>
-      <p:sp>
-        <p:nvSpPr>
-          <p:cNvPr id="149" name="テキスト ボックス 148">
-            <a:extLst>
-              <a:ext uri="{FF2B5EF4-FFF2-40B4-BE49-F238E27FC236}">
-                <a16:creationId xmlns:a16="http://schemas.microsoft.com/office/drawing/2014/main" id="{195156D3-CCA5-914E-B7B7-A1CEE42239CA}"/>
-              </a:ext>
-            </a:extLst>
-          </p:cNvPr>
-          <p:cNvSpPr txBox="1"/>
-          <p:nvPr/>
-        </p:nvSpPr>
-        <p:spPr>
-          <a:xfrm>
-            <a:off x="12913896" y="12259616"/>
-            <a:ext cx="3480176" cy="707886"/>
-          </a:xfrm>
-          <a:prstGeom prst="rect">
-            <a:avLst/>
-          </a:prstGeom>
-          <a:noFill/>
-        </p:spPr>
-        <p:txBody>
-          <a:bodyPr wrap="square">
-            <a:spAutoFit/>
-          </a:bodyPr>
-          <a:lstStyle/>
-          <a:p>
-            <a:r>
-              <a:rPr lang="ja-JP" altLang="en-US" sz="4000">
-                <a:latin typeface="Calibri" panose="020F0502020204030204" pitchFamily="34" charset="0"/>
-                <a:cs typeface="Calibri" panose="020F0502020204030204" pitchFamily="34" charset="0"/>
-              </a:rPr>
-              <a:t>下り坂・平坦</a:t>
-            </a:r>
-            <a:endParaRPr lang="en-US" altLang="ja-JP" sz="4000" dirty="0">
-              <a:latin typeface="Calibri" panose="020F0502020204030204" pitchFamily="34" charset="0"/>
-              <a:cs typeface="Calibri" panose="020F0502020204030204" pitchFamily="34" charset="0"/>
-            </a:endParaRPr>
-          </a:p>
-        </p:txBody>
-      </p:sp>
-      <p:sp>
-        <p:nvSpPr>
-          <p:cNvPr id="150" name="テキスト ボックス 149">
-            <a:extLst>
-              <a:ext uri="{FF2B5EF4-FFF2-40B4-BE49-F238E27FC236}">
-                <a16:creationId xmlns:a16="http://schemas.microsoft.com/office/drawing/2014/main" id="{5C6DA7BF-7371-7046-88F8-417683BF3B75}"/>
-              </a:ext>
-            </a:extLst>
-          </p:cNvPr>
-          <p:cNvSpPr txBox="1"/>
-          <p:nvPr/>
-        </p:nvSpPr>
-        <p:spPr>
-          <a:xfrm>
-            <a:off x="8871172" y="5061130"/>
-            <a:ext cx="6220713" cy="707886"/>
-          </a:xfrm>
-          <a:prstGeom prst="rect">
-            <a:avLst/>
-          </a:prstGeom>
-          <a:solidFill>
-            <a:srgbClr val="FFFFFF">
-              <a:alpha val="68627"/>
-            </a:srgbClr>
-          </a:solidFill>
-        </p:spPr>
-        <p:txBody>
-          <a:bodyPr wrap="square">
-            <a:spAutoFit/>
-          </a:bodyPr>
-          <a:lstStyle/>
-          <a:p>
-            <a:r>
-              <a:rPr lang="en-US" altLang="ja-JP" sz="4000" i="1" dirty="0" err="1">
-                <a:solidFill>
-                  <a:srgbClr val="FF0000"/>
-                </a:solidFill>
-              </a:rPr>
-              <a:t>prevPY</a:t>
-            </a:r>
-            <a:r>
-              <a:rPr lang="en-US" altLang="ja-JP" sz="4000" i="1" dirty="0">
-                <a:solidFill>
-                  <a:srgbClr val="FF0000"/>
-                </a:solidFill>
-              </a:rPr>
-              <a:t> &gt; </a:t>
-            </a:r>
-            <a:r>
-              <a:rPr lang="en-US" altLang="ja-JP" sz="4000" i="1" dirty="0" err="1">
-                <a:solidFill>
-                  <a:srgbClr val="FF0000"/>
-                </a:solidFill>
-              </a:rPr>
-              <a:t>nextCH</a:t>
-            </a:r>
-            <a:r>
-              <a:rPr lang="en-US" altLang="ja-JP" sz="4000" i="1" dirty="0">
-                <a:solidFill>
-                  <a:srgbClr val="FF0000"/>
-                </a:solidFill>
-              </a:rPr>
-              <a:t> - </a:t>
-            </a:r>
-            <a:r>
-              <a:rPr lang="en-US" altLang="ja-JP" sz="4000" i="1" dirty="0" err="1">
-                <a:solidFill>
-                  <a:srgbClr val="FF0000"/>
-                </a:solidFill>
-              </a:rPr>
-              <a:t>diffHeight</a:t>
-            </a:r>
-            <a:endParaRPr lang="en-US" altLang="ja-JP" sz="4000" i="1" dirty="0">
-              <a:solidFill>
-                <a:srgbClr val="FF0000"/>
-              </a:solidFill>
-            </a:endParaRPr>
-          </a:p>
-        </p:txBody>
-      </p:sp>
-    </p:spTree>
-    <p:extLst>
-      <p:ext uri="{BB962C8B-B14F-4D97-AF65-F5344CB8AC3E}">
-        <p14:creationId xmlns:p14="http://schemas.microsoft.com/office/powerpoint/2010/main" val="1226069732"/>
-      </p:ext>
-    </p:extLst>
-  </p:cSld>
-  <p:clrMapOvr>
-    <a:masterClrMapping/>
-  </p:clrMapOvr>
-</p:sld>
-</file>
-
-<file path=ppt/slides/slide4.xml><?xml version="1.0" encoding="utf-8"?>
-<p:sld xmlns:a="http://schemas.openxmlformats.org/drawingml/2006/main" xmlns:r="http://schemas.openxmlformats.org/officeDocument/2006/relationships" xmlns:p="http://schemas.openxmlformats.org/presentationml/2006/main">
-  <p:cSld>
-    <p:spTree>
-      <p:nvGrpSpPr>
-        <p:cNvPr id="1" name=""/>
-        <p:cNvGrpSpPr/>
-        <p:nvPr/>
-      </p:nvGrpSpPr>
-      <p:grpSpPr>
-        <a:xfrm>
-          <a:off x="0" y="0"/>
-          <a:ext cx="0" cy="0"/>
-          <a:chOff x="0" y="0"/>
-          <a:chExt cx="0" cy="0"/>
-        </a:xfrm>
-      </p:grpSpPr>
-      <p:sp>
-        <p:nvSpPr>
-          <p:cNvPr id="85" name="正方形/長方形 84">
-            <a:extLst>
-              <a:ext uri="{FF2B5EF4-FFF2-40B4-BE49-F238E27FC236}">
                 <a16:creationId xmlns:a16="http://schemas.microsoft.com/office/drawing/2014/main" id="{A315786D-18AE-534D-9631-95020F038971}"/>
               </a:ext>
             </a:extLst>
@@ -17674,6 +14000,3680 @@
     <p:extLst>
       <p:ext uri="{BB962C8B-B14F-4D97-AF65-F5344CB8AC3E}">
         <p14:creationId xmlns:p14="http://schemas.microsoft.com/office/powerpoint/2010/main" val="2801380506"/>
+      </p:ext>
+    </p:extLst>
+  </p:cSld>
+  <p:clrMapOvr>
+    <a:masterClrMapping/>
+  </p:clrMapOvr>
+</p:sld>
+</file>
+
+<file path=ppt/slides/slide4.xml><?xml version="1.0" encoding="utf-8"?>
+<p:sld xmlns:a="http://schemas.openxmlformats.org/drawingml/2006/main" xmlns:r="http://schemas.openxmlformats.org/officeDocument/2006/relationships" xmlns:p="http://schemas.openxmlformats.org/presentationml/2006/main" show="0">
+  <p:cSld>
+    <p:spTree>
+      <p:nvGrpSpPr>
+        <p:cNvPr id="1" name=""/>
+        <p:cNvGrpSpPr/>
+        <p:nvPr/>
+      </p:nvGrpSpPr>
+      <p:grpSpPr>
+        <a:xfrm>
+          <a:off x="0" y="0"/>
+          <a:ext cx="0" cy="0"/>
+          <a:chOff x="0" y="0"/>
+          <a:chExt cx="0" cy="0"/>
+        </a:xfrm>
+      </p:grpSpPr>
+      <p:sp>
+        <p:nvSpPr>
+          <p:cNvPr id="85" name="正方形/長方形 84">
+            <a:extLst>
+              <a:ext uri="{FF2B5EF4-FFF2-40B4-BE49-F238E27FC236}">
+                <a16:creationId xmlns:a16="http://schemas.microsoft.com/office/drawing/2014/main" id="{2567A795-03D9-1F47-B9D9-D176AD43DADA}"/>
+              </a:ext>
+            </a:extLst>
+          </p:cNvPr>
+          <p:cNvSpPr/>
+          <p:nvPr/>
+        </p:nvSpPr>
+        <p:spPr>
+          <a:xfrm>
+            <a:off x="2183386" y="6438499"/>
+            <a:ext cx="591015" cy="1443307"/>
+          </a:xfrm>
+          <a:prstGeom prst="rect">
+            <a:avLst/>
+          </a:prstGeom>
+          <a:solidFill>
+            <a:srgbClr val="00B0F0"/>
+          </a:solidFill>
+          <a:ln>
+            <a:solidFill>
+              <a:schemeClr val="tx1"/>
+            </a:solidFill>
+          </a:ln>
+        </p:spPr>
+        <p:style>
+          <a:lnRef idx="2">
+            <a:schemeClr val="accent1">
+              <a:shade val="50000"/>
+            </a:schemeClr>
+          </a:lnRef>
+          <a:fillRef idx="1">
+            <a:schemeClr val="accent1"/>
+          </a:fillRef>
+          <a:effectRef idx="0">
+            <a:schemeClr val="accent1"/>
+          </a:effectRef>
+          <a:fontRef idx="minor">
+            <a:schemeClr val="lt1"/>
+          </a:fontRef>
+        </p:style>
+        <p:txBody>
+          <a:bodyPr rtlCol="0" anchor="ctr"/>
+          <a:lstStyle/>
+          <a:p>
+            <a:pPr algn="ctr"/>
+            <a:endParaRPr lang="ja-JP" altLang="en-US">
+              <a:latin typeface="Calibri" panose="020F0502020204030204" pitchFamily="34" charset="0"/>
+              <a:ea typeface="FOT-Cezanne Pro M" panose="02020600000000000000" pitchFamily="18" charset="-128"/>
+              <a:cs typeface="Calibri" panose="020F0502020204030204" pitchFamily="34" charset="0"/>
+            </a:endParaRPr>
+          </a:p>
+        </p:txBody>
+      </p:sp>
+      <p:sp>
+        <p:nvSpPr>
+          <p:cNvPr id="86" name="正方形/長方形 85">
+            <a:extLst>
+              <a:ext uri="{FF2B5EF4-FFF2-40B4-BE49-F238E27FC236}">
+                <a16:creationId xmlns:a16="http://schemas.microsoft.com/office/drawing/2014/main" id="{01BDC1E1-3A1F-404D-AA3B-CC6C2EE2C924}"/>
+              </a:ext>
+            </a:extLst>
+          </p:cNvPr>
+          <p:cNvSpPr/>
+          <p:nvPr/>
+        </p:nvSpPr>
+        <p:spPr>
+          <a:xfrm>
+            <a:off x="2752098" y="6103186"/>
+            <a:ext cx="591015" cy="1778620"/>
+          </a:xfrm>
+          <a:prstGeom prst="rect">
+            <a:avLst/>
+          </a:prstGeom>
+          <a:solidFill>
+            <a:srgbClr val="00B0F0"/>
+          </a:solidFill>
+          <a:ln>
+            <a:solidFill>
+              <a:schemeClr val="tx1"/>
+            </a:solidFill>
+          </a:ln>
+        </p:spPr>
+        <p:style>
+          <a:lnRef idx="2">
+            <a:schemeClr val="accent1">
+              <a:shade val="50000"/>
+            </a:schemeClr>
+          </a:lnRef>
+          <a:fillRef idx="1">
+            <a:schemeClr val="accent1"/>
+          </a:fillRef>
+          <a:effectRef idx="0">
+            <a:schemeClr val="accent1"/>
+          </a:effectRef>
+          <a:fontRef idx="minor">
+            <a:schemeClr val="lt1"/>
+          </a:fontRef>
+        </p:style>
+        <p:txBody>
+          <a:bodyPr rtlCol="0" anchor="ctr"/>
+          <a:lstStyle/>
+          <a:p>
+            <a:pPr algn="ctr"/>
+            <a:endParaRPr lang="ja-JP" altLang="en-US">
+              <a:latin typeface="Calibri" panose="020F0502020204030204" pitchFamily="34" charset="0"/>
+              <a:ea typeface="FOT-Cezanne Pro M" panose="02020600000000000000" pitchFamily="18" charset="-128"/>
+              <a:cs typeface="Calibri" panose="020F0502020204030204" pitchFamily="34" charset="0"/>
+            </a:endParaRPr>
+          </a:p>
+        </p:txBody>
+      </p:sp>
+      <p:sp>
+        <p:nvSpPr>
+          <p:cNvPr id="88" name="正方形/長方形 87">
+            <a:extLst>
+              <a:ext uri="{FF2B5EF4-FFF2-40B4-BE49-F238E27FC236}">
+                <a16:creationId xmlns:a16="http://schemas.microsoft.com/office/drawing/2014/main" id="{0D113FC2-E455-9F46-B7D7-2B3D77463866}"/>
+              </a:ext>
+            </a:extLst>
+          </p:cNvPr>
+          <p:cNvSpPr/>
+          <p:nvPr/>
+        </p:nvSpPr>
+        <p:spPr>
+          <a:xfrm>
+            <a:off x="4581777" y="6438499"/>
+            <a:ext cx="591015" cy="1443307"/>
+          </a:xfrm>
+          <a:prstGeom prst="rect">
+            <a:avLst/>
+          </a:prstGeom>
+          <a:solidFill>
+            <a:srgbClr val="00B0F0"/>
+          </a:solidFill>
+          <a:ln>
+            <a:solidFill>
+              <a:schemeClr val="tx1"/>
+            </a:solidFill>
+          </a:ln>
+        </p:spPr>
+        <p:style>
+          <a:lnRef idx="2">
+            <a:schemeClr val="accent1">
+              <a:shade val="50000"/>
+            </a:schemeClr>
+          </a:lnRef>
+          <a:fillRef idx="1">
+            <a:schemeClr val="accent1"/>
+          </a:fillRef>
+          <a:effectRef idx="0">
+            <a:schemeClr val="accent1"/>
+          </a:effectRef>
+          <a:fontRef idx="minor">
+            <a:schemeClr val="lt1"/>
+          </a:fontRef>
+        </p:style>
+        <p:txBody>
+          <a:bodyPr rtlCol="0" anchor="ctr"/>
+          <a:lstStyle/>
+          <a:p>
+            <a:pPr algn="ctr"/>
+            <a:endParaRPr lang="ja-JP" altLang="en-US">
+              <a:latin typeface="Calibri" panose="020F0502020204030204" pitchFamily="34" charset="0"/>
+              <a:ea typeface="FOT-Cezanne Pro M" panose="02020600000000000000" pitchFamily="18" charset="-128"/>
+              <a:cs typeface="Calibri" panose="020F0502020204030204" pitchFamily="34" charset="0"/>
+            </a:endParaRPr>
+          </a:p>
+        </p:txBody>
+      </p:sp>
+      <p:sp>
+        <p:nvSpPr>
+          <p:cNvPr id="90" name="正方形/長方形 89">
+            <a:extLst>
+              <a:ext uri="{FF2B5EF4-FFF2-40B4-BE49-F238E27FC236}">
+                <a16:creationId xmlns:a16="http://schemas.microsoft.com/office/drawing/2014/main" id="{EEA83026-9459-3A41-91B5-649A7F84EECD}"/>
+              </a:ext>
+            </a:extLst>
+          </p:cNvPr>
+          <p:cNvSpPr/>
+          <p:nvPr/>
+        </p:nvSpPr>
+        <p:spPr>
+          <a:xfrm>
+            <a:off x="5143968" y="6103187"/>
+            <a:ext cx="591015" cy="1778620"/>
+          </a:xfrm>
+          <a:prstGeom prst="rect">
+            <a:avLst/>
+          </a:prstGeom>
+          <a:solidFill>
+            <a:srgbClr val="00B0F0"/>
+          </a:solidFill>
+          <a:ln>
+            <a:solidFill>
+              <a:schemeClr val="tx1"/>
+            </a:solidFill>
+          </a:ln>
+        </p:spPr>
+        <p:style>
+          <a:lnRef idx="2">
+            <a:schemeClr val="accent1">
+              <a:shade val="50000"/>
+            </a:schemeClr>
+          </a:lnRef>
+          <a:fillRef idx="1">
+            <a:schemeClr val="accent1"/>
+          </a:fillRef>
+          <a:effectRef idx="0">
+            <a:schemeClr val="accent1"/>
+          </a:effectRef>
+          <a:fontRef idx="minor">
+            <a:schemeClr val="lt1"/>
+          </a:fontRef>
+        </p:style>
+        <p:txBody>
+          <a:bodyPr rtlCol="0" anchor="ctr"/>
+          <a:lstStyle/>
+          <a:p>
+            <a:pPr algn="ctr"/>
+            <a:endParaRPr lang="ja-JP" altLang="en-US">
+              <a:latin typeface="Calibri" panose="020F0502020204030204" pitchFamily="34" charset="0"/>
+              <a:ea typeface="FOT-Cezanne Pro M" panose="02020600000000000000" pitchFamily="18" charset="-128"/>
+              <a:cs typeface="Calibri" panose="020F0502020204030204" pitchFamily="34" charset="0"/>
+            </a:endParaRPr>
+          </a:p>
+        </p:txBody>
+      </p:sp>
+      <p:sp>
+        <p:nvSpPr>
+          <p:cNvPr id="91" name="正方形/長方形 90">
+            <a:extLst>
+              <a:ext uri="{FF2B5EF4-FFF2-40B4-BE49-F238E27FC236}">
+                <a16:creationId xmlns:a16="http://schemas.microsoft.com/office/drawing/2014/main" id="{0A56BF40-D361-B04E-BDF2-30EF37F5105B}"/>
+              </a:ext>
+            </a:extLst>
+          </p:cNvPr>
+          <p:cNvSpPr/>
+          <p:nvPr/>
+        </p:nvSpPr>
+        <p:spPr>
+          <a:xfrm>
+            <a:off x="5711540" y="6103185"/>
+            <a:ext cx="591015" cy="1778620"/>
+          </a:xfrm>
+          <a:prstGeom prst="rect">
+            <a:avLst/>
+          </a:prstGeom>
+          <a:solidFill>
+            <a:srgbClr val="00B0F0"/>
+          </a:solidFill>
+          <a:ln>
+            <a:solidFill>
+              <a:schemeClr val="tx1"/>
+            </a:solidFill>
+          </a:ln>
+        </p:spPr>
+        <p:style>
+          <a:lnRef idx="2">
+            <a:schemeClr val="accent1">
+              <a:shade val="50000"/>
+            </a:schemeClr>
+          </a:lnRef>
+          <a:fillRef idx="1">
+            <a:schemeClr val="accent1"/>
+          </a:fillRef>
+          <a:effectRef idx="0">
+            <a:schemeClr val="accent1"/>
+          </a:effectRef>
+          <a:fontRef idx="minor">
+            <a:schemeClr val="lt1"/>
+          </a:fontRef>
+        </p:style>
+        <p:txBody>
+          <a:bodyPr rtlCol="0" anchor="ctr"/>
+          <a:lstStyle/>
+          <a:p>
+            <a:pPr algn="ctr"/>
+            <a:endParaRPr lang="ja-JP" altLang="en-US">
+              <a:latin typeface="Calibri" panose="020F0502020204030204" pitchFamily="34" charset="0"/>
+              <a:ea typeface="FOT-Cezanne Pro M" panose="02020600000000000000" pitchFamily="18" charset="-128"/>
+              <a:cs typeface="Calibri" panose="020F0502020204030204" pitchFamily="34" charset="0"/>
+            </a:endParaRPr>
+          </a:p>
+        </p:txBody>
+      </p:sp>
+      <p:sp>
+        <p:nvSpPr>
+          <p:cNvPr id="94" name="正方形/長方形 93">
+            <a:extLst>
+              <a:ext uri="{FF2B5EF4-FFF2-40B4-BE49-F238E27FC236}">
+                <a16:creationId xmlns:a16="http://schemas.microsoft.com/office/drawing/2014/main" id="{C30A48DF-A0F9-734A-8DBD-4FD938E5382A}"/>
+              </a:ext>
+            </a:extLst>
+          </p:cNvPr>
+          <p:cNvSpPr/>
+          <p:nvPr/>
+        </p:nvSpPr>
+        <p:spPr>
+          <a:xfrm>
+            <a:off x="7476609" y="6103185"/>
+            <a:ext cx="591015" cy="1778620"/>
+          </a:xfrm>
+          <a:prstGeom prst="rect">
+            <a:avLst/>
+          </a:prstGeom>
+          <a:solidFill>
+            <a:srgbClr val="00B0F0"/>
+          </a:solidFill>
+          <a:ln>
+            <a:solidFill>
+              <a:schemeClr val="tx1"/>
+            </a:solidFill>
+          </a:ln>
+        </p:spPr>
+        <p:style>
+          <a:lnRef idx="2">
+            <a:schemeClr val="accent1">
+              <a:shade val="50000"/>
+            </a:schemeClr>
+          </a:lnRef>
+          <a:fillRef idx="1">
+            <a:schemeClr val="accent1"/>
+          </a:fillRef>
+          <a:effectRef idx="0">
+            <a:schemeClr val="accent1"/>
+          </a:effectRef>
+          <a:fontRef idx="minor">
+            <a:schemeClr val="lt1"/>
+          </a:fontRef>
+        </p:style>
+        <p:txBody>
+          <a:bodyPr rtlCol="0" anchor="ctr"/>
+          <a:lstStyle/>
+          <a:p>
+            <a:pPr algn="ctr"/>
+            <a:endParaRPr lang="ja-JP" altLang="en-US">
+              <a:latin typeface="Calibri" panose="020F0502020204030204" pitchFamily="34" charset="0"/>
+              <a:ea typeface="FOT-Cezanne Pro M" panose="02020600000000000000" pitchFamily="18" charset="-128"/>
+              <a:cs typeface="Calibri" panose="020F0502020204030204" pitchFamily="34" charset="0"/>
+            </a:endParaRPr>
+          </a:p>
+        </p:txBody>
+      </p:sp>
+      <p:sp>
+        <p:nvSpPr>
+          <p:cNvPr id="95" name="正方形/長方形 94">
+            <a:extLst>
+              <a:ext uri="{FF2B5EF4-FFF2-40B4-BE49-F238E27FC236}">
+                <a16:creationId xmlns:a16="http://schemas.microsoft.com/office/drawing/2014/main" id="{1DE07591-8230-8147-8265-D3879D10385F}"/>
+              </a:ext>
+            </a:extLst>
+          </p:cNvPr>
+          <p:cNvSpPr/>
+          <p:nvPr/>
+        </p:nvSpPr>
+        <p:spPr>
+          <a:xfrm>
+            <a:off x="8082601" y="6438497"/>
+            <a:ext cx="591015" cy="1443308"/>
+          </a:xfrm>
+          <a:prstGeom prst="rect">
+            <a:avLst/>
+          </a:prstGeom>
+          <a:solidFill>
+            <a:srgbClr val="00B0F0"/>
+          </a:solidFill>
+          <a:ln>
+            <a:solidFill>
+              <a:schemeClr val="tx1"/>
+            </a:solidFill>
+          </a:ln>
+        </p:spPr>
+        <p:style>
+          <a:lnRef idx="2">
+            <a:schemeClr val="accent1">
+              <a:shade val="50000"/>
+            </a:schemeClr>
+          </a:lnRef>
+          <a:fillRef idx="1">
+            <a:schemeClr val="accent1"/>
+          </a:fillRef>
+          <a:effectRef idx="0">
+            <a:schemeClr val="accent1"/>
+          </a:effectRef>
+          <a:fontRef idx="minor">
+            <a:schemeClr val="lt1"/>
+          </a:fontRef>
+        </p:style>
+        <p:txBody>
+          <a:bodyPr rtlCol="0" anchor="ctr"/>
+          <a:lstStyle/>
+          <a:p>
+            <a:pPr algn="ctr"/>
+            <a:endParaRPr lang="ja-JP" altLang="en-US">
+              <a:latin typeface="Calibri" panose="020F0502020204030204" pitchFamily="34" charset="0"/>
+              <a:ea typeface="FOT-Cezanne Pro M" panose="02020600000000000000" pitchFamily="18" charset="-128"/>
+              <a:cs typeface="Calibri" panose="020F0502020204030204" pitchFamily="34" charset="0"/>
+            </a:endParaRPr>
+          </a:p>
+        </p:txBody>
+      </p:sp>
+      <p:sp>
+        <p:nvSpPr>
+          <p:cNvPr id="98" name="円/楕円 97">
+            <a:extLst>
+              <a:ext uri="{FF2B5EF4-FFF2-40B4-BE49-F238E27FC236}">
+                <a16:creationId xmlns:a16="http://schemas.microsoft.com/office/drawing/2014/main" id="{BA22225A-2312-F84B-BCC1-2D2021B7D613}"/>
+              </a:ext>
+            </a:extLst>
+          </p:cNvPr>
+          <p:cNvSpPr/>
+          <p:nvPr/>
+        </p:nvSpPr>
+        <p:spPr>
+          <a:xfrm>
+            <a:off x="6841303" y="5105286"/>
+            <a:ext cx="713684" cy="713678"/>
+          </a:xfrm>
+          <a:prstGeom prst="ellipse">
+            <a:avLst/>
+          </a:prstGeom>
+        </p:spPr>
+        <p:style>
+          <a:lnRef idx="2">
+            <a:schemeClr val="accent1">
+              <a:shade val="50000"/>
+            </a:schemeClr>
+          </a:lnRef>
+          <a:fillRef idx="1">
+            <a:schemeClr val="accent1"/>
+          </a:fillRef>
+          <a:effectRef idx="0">
+            <a:schemeClr val="accent1"/>
+          </a:effectRef>
+          <a:fontRef idx="minor">
+            <a:schemeClr val="lt1"/>
+          </a:fontRef>
+        </p:style>
+        <p:txBody>
+          <a:bodyPr rtlCol="0" anchor="ctr"/>
+          <a:lstStyle/>
+          <a:p>
+            <a:pPr algn="ctr"/>
+            <a:endParaRPr lang="ja-JP" altLang="en-US">
+              <a:latin typeface="Calibri" panose="020F0502020204030204" pitchFamily="34" charset="0"/>
+              <a:ea typeface="FOT-Cezanne Pro M" panose="02020600000000000000" pitchFamily="18" charset="-128"/>
+              <a:cs typeface="Calibri" panose="020F0502020204030204" pitchFamily="34" charset="0"/>
+            </a:endParaRPr>
+          </a:p>
+        </p:txBody>
+      </p:sp>
+      <p:sp>
+        <p:nvSpPr>
+          <p:cNvPr id="99" name="円/楕円 98">
+            <a:extLst>
+              <a:ext uri="{FF2B5EF4-FFF2-40B4-BE49-F238E27FC236}">
+                <a16:creationId xmlns:a16="http://schemas.microsoft.com/office/drawing/2014/main" id="{AFB11B41-3A54-DA4B-8643-FE71F18870A0}"/>
+              </a:ext>
+            </a:extLst>
+          </p:cNvPr>
+          <p:cNvSpPr/>
+          <p:nvPr/>
+        </p:nvSpPr>
+        <p:spPr>
+          <a:xfrm>
+            <a:off x="7423508" y="5704969"/>
+            <a:ext cx="713684" cy="713678"/>
+          </a:xfrm>
+          <a:prstGeom prst="ellipse">
+            <a:avLst/>
+          </a:prstGeom>
+          <a:solidFill>
+            <a:schemeClr val="accent1">
+              <a:alpha val="51000"/>
+            </a:schemeClr>
+          </a:solidFill>
+        </p:spPr>
+        <p:style>
+          <a:lnRef idx="2">
+            <a:schemeClr val="accent1">
+              <a:shade val="50000"/>
+            </a:schemeClr>
+          </a:lnRef>
+          <a:fillRef idx="1">
+            <a:schemeClr val="accent1"/>
+          </a:fillRef>
+          <a:effectRef idx="0">
+            <a:schemeClr val="accent1"/>
+          </a:effectRef>
+          <a:fontRef idx="minor">
+            <a:schemeClr val="lt1"/>
+          </a:fontRef>
+        </p:style>
+        <p:txBody>
+          <a:bodyPr rtlCol="0" anchor="ctr"/>
+          <a:lstStyle/>
+          <a:p>
+            <a:pPr algn="ctr"/>
+            <a:endParaRPr lang="ja-JP" altLang="en-US">
+              <a:latin typeface="Calibri" panose="020F0502020204030204" pitchFamily="34" charset="0"/>
+              <a:ea typeface="FOT-Cezanne Pro M" panose="02020600000000000000" pitchFamily="18" charset="-128"/>
+              <a:cs typeface="Calibri" panose="020F0502020204030204" pitchFamily="34" charset="0"/>
+            </a:endParaRPr>
+          </a:p>
+        </p:txBody>
+      </p:sp>
+      <p:sp>
+        <p:nvSpPr>
+          <p:cNvPr id="100" name="円/楕円 99">
+            <a:extLst>
+              <a:ext uri="{FF2B5EF4-FFF2-40B4-BE49-F238E27FC236}">
+                <a16:creationId xmlns:a16="http://schemas.microsoft.com/office/drawing/2014/main" id="{04D0AFAF-CBAA-A441-91B6-ACD9E69FA700}"/>
+              </a:ext>
+            </a:extLst>
+          </p:cNvPr>
+          <p:cNvSpPr/>
+          <p:nvPr/>
+        </p:nvSpPr>
+        <p:spPr>
+          <a:xfrm>
+            <a:off x="3948455" y="6383469"/>
+            <a:ext cx="713684" cy="713678"/>
+          </a:xfrm>
+          <a:prstGeom prst="ellipse">
+            <a:avLst/>
+          </a:prstGeom>
+        </p:spPr>
+        <p:style>
+          <a:lnRef idx="2">
+            <a:schemeClr val="accent1">
+              <a:shade val="50000"/>
+            </a:schemeClr>
+          </a:lnRef>
+          <a:fillRef idx="1">
+            <a:schemeClr val="accent1"/>
+          </a:fillRef>
+          <a:effectRef idx="0">
+            <a:schemeClr val="accent1"/>
+          </a:effectRef>
+          <a:fontRef idx="minor">
+            <a:schemeClr val="lt1"/>
+          </a:fontRef>
+        </p:style>
+        <p:txBody>
+          <a:bodyPr rtlCol="0" anchor="ctr"/>
+          <a:lstStyle/>
+          <a:p>
+            <a:pPr algn="ctr"/>
+            <a:endParaRPr lang="ja-JP" altLang="en-US">
+              <a:latin typeface="Calibri" panose="020F0502020204030204" pitchFamily="34" charset="0"/>
+              <a:ea typeface="FOT-Cezanne Pro M" panose="02020600000000000000" pitchFamily="18" charset="-128"/>
+              <a:cs typeface="Calibri" panose="020F0502020204030204" pitchFamily="34" charset="0"/>
+            </a:endParaRPr>
+          </a:p>
+        </p:txBody>
+      </p:sp>
+      <p:sp>
+        <p:nvSpPr>
+          <p:cNvPr id="101" name="円/楕円 100">
+            <a:extLst>
+              <a:ext uri="{FF2B5EF4-FFF2-40B4-BE49-F238E27FC236}">
+                <a16:creationId xmlns:a16="http://schemas.microsoft.com/office/drawing/2014/main" id="{8BA72080-7C8A-914C-80F1-0D37F7BAC7B7}"/>
+              </a:ext>
+            </a:extLst>
+          </p:cNvPr>
+          <p:cNvSpPr/>
+          <p:nvPr/>
+        </p:nvSpPr>
+        <p:spPr>
+          <a:xfrm>
+            <a:off x="4506768" y="6983833"/>
+            <a:ext cx="713684" cy="713678"/>
+          </a:xfrm>
+          <a:prstGeom prst="ellipse">
+            <a:avLst/>
+          </a:prstGeom>
+          <a:solidFill>
+            <a:schemeClr val="accent1">
+              <a:alpha val="51000"/>
+            </a:schemeClr>
+          </a:solidFill>
+        </p:spPr>
+        <p:style>
+          <a:lnRef idx="2">
+            <a:schemeClr val="accent1">
+              <a:shade val="50000"/>
+            </a:schemeClr>
+          </a:lnRef>
+          <a:fillRef idx="1">
+            <a:schemeClr val="accent1"/>
+          </a:fillRef>
+          <a:effectRef idx="0">
+            <a:schemeClr val="accent1"/>
+          </a:effectRef>
+          <a:fontRef idx="minor">
+            <a:schemeClr val="lt1"/>
+          </a:fontRef>
+        </p:style>
+        <p:txBody>
+          <a:bodyPr rtlCol="0" anchor="ctr"/>
+          <a:lstStyle/>
+          <a:p>
+            <a:pPr algn="ctr"/>
+            <a:endParaRPr lang="ja-JP" altLang="en-US">
+              <a:latin typeface="Calibri" panose="020F0502020204030204" pitchFamily="34" charset="0"/>
+              <a:ea typeface="FOT-Cezanne Pro M" panose="02020600000000000000" pitchFamily="18" charset="-128"/>
+              <a:cs typeface="Calibri" panose="020F0502020204030204" pitchFamily="34" charset="0"/>
+            </a:endParaRPr>
+          </a:p>
+        </p:txBody>
+      </p:sp>
+      <p:sp>
+        <p:nvSpPr>
+          <p:cNvPr id="102" name="テキスト ボックス 101">
+            <a:extLst>
+              <a:ext uri="{FF2B5EF4-FFF2-40B4-BE49-F238E27FC236}">
+                <a16:creationId xmlns:a16="http://schemas.microsoft.com/office/drawing/2014/main" id="{1032C44C-8303-3744-906D-ED5BCE5E4A37}"/>
+              </a:ext>
+            </a:extLst>
+          </p:cNvPr>
+          <p:cNvSpPr txBox="1"/>
+          <p:nvPr/>
+        </p:nvSpPr>
+        <p:spPr>
+          <a:xfrm>
+            <a:off x="1136285" y="608031"/>
+            <a:ext cx="9533636" cy="5047536"/>
+          </a:xfrm>
+          <a:prstGeom prst="rect">
+            <a:avLst/>
+          </a:prstGeom>
+          <a:noFill/>
+        </p:spPr>
+        <p:txBody>
+          <a:bodyPr wrap="none" rtlCol="0">
+            <a:spAutoFit/>
+          </a:bodyPr>
+          <a:lstStyle/>
+          <a:p>
+            <a:r>
+              <a:rPr lang="ja-JP" altLang="en-US" sz="5400">
+                <a:latin typeface="Calibri" panose="020F0502020204030204" pitchFamily="34" charset="0"/>
+                <a:cs typeface="Calibri" panose="020F0502020204030204" pitchFamily="34" charset="0"/>
+              </a:rPr>
+              <a:t>着地条件</a:t>
+            </a:r>
+            <a:endParaRPr lang="en-US" altLang="ja-JP" sz="5400" dirty="0">
+              <a:latin typeface="Calibri" panose="020F0502020204030204" pitchFamily="34" charset="0"/>
+              <a:cs typeface="Calibri" panose="020F0502020204030204" pitchFamily="34" charset="0"/>
+            </a:endParaRPr>
+          </a:p>
+          <a:p>
+            <a:r>
+              <a:rPr lang="en-US" altLang="ja-JP" sz="4000" dirty="0">
+                <a:latin typeface="Calibri" panose="020F0502020204030204" pitchFamily="34" charset="0"/>
+                <a:cs typeface="Calibri" panose="020F0502020204030204" pitchFamily="34" charset="0"/>
+              </a:rPr>
+              <a:t>[</a:t>
+            </a:r>
+            <a:r>
+              <a:rPr lang="ja-JP" altLang="en-US" sz="4000">
+                <a:latin typeface="Calibri" panose="020F0502020204030204" pitchFamily="34" charset="0"/>
+                <a:cs typeface="Calibri" panose="020F0502020204030204" pitchFamily="34" charset="0"/>
+              </a:rPr>
+              <a:t>着地</a:t>
+            </a:r>
+            <a:r>
+              <a:rPr lang="en-US" altLang="ja-JP" sz="4000" dirty="0">
+                <a:latin typeface="Calibri" panose="020F0502020204030204" pitchFamily="34" charset="0"/>
+                <a:cs typeface="Calibri" panose="020F0502020204030204" pitchFamily="34" charset="0"/>
+              </a:rPr>
+              <a:t>] </a:t>
+            </a:r>
+            <a:r>
+              <a:rPr lang="en-US" altLang="ja-JP" sz="4000" dirty="0" err="1">
+                <a:latin typeface="Calibri" panose="020F0502020204030204" pitchFamily="34" charset="0"/>
+                <a:cs typeface="Calibri" panose="020F0502020204030204" pitchFamily="34" charset="0"/>
+              </a:rPr>
+              <a:t>nextPY</a:t>
+            </a:r>
+            <a:r>
+              <a:rPr lang="en-US" altLang="ja-JP" sz="4000" dirty="0">
+                <a:latin typeface="Calibri" panose="020F0502020204030204" pitchFamily="34" charset="0"/>
+                <a:cs typeface="Calibri" panose="020F0502020204030204" pitchFamily="34" charset="0"/>
+              </a:rPr>
+              <a:t> = </a:t>
+            </a:r>
+            <a:r>
+              <a:rPr lang="en-US" altLang="ja-JP" sz="4000" dirty="0" err="1">
+                <a:latin typeface="Calibri" panose="020F0502020204030204" pitchFamily="34" charset="0"/>
+                <a:cs typeface="Calibri" panose="020F0502020204030204" pitchFamily="34" charset="0"/>
+              </a:rPr>
+              <a:t>nextCH</a:t>
+            </a:r>
+            <a:r>
+              <a:rPr lang="en-US" altLang="ja-JP" sz="4000" dirty="0">
+                <a:latin typeface="Calibri" panose="020F0502020204030204" pitchFamily="34" charset="0"/>
+                <a:cs typeface="Calibri" panose="020F0502020204030204" pitchFamily="34" charset="0"/>
+              </a:rPr>
+              <a:t> </a:t>
+            </a:r>
+          </a:p>
+          <a:p>
+            <a:r>
+              <a:rPr lang="en-US" altLang="ja-JP" sz="4000" dirty="0">
+                <a:latin typeface="Calibri" panose="020F0502020204030204" pitchFamily="34" charset="0"/>
+                <a:cs typeface="Calibri" panose="020F0502020204030204" pitchFamily="34" charset="0"/>
+              </a:rPr>
+              <a:t>[</a:t>
+            </a:r>
+            <a:r>
+              <a:rPr lang="ja-JP" altLang="en-US" sz="4000">
+                <a:latin typeface="Calibri" panose="020F0502020204030204" pitchFamily="34" charset="0"/>
+                <a:cs typeface="Calibri" panose="020F0502020204030204" pitchFamily="34" charset="0"/>
+              </a:rPr>
+              <a:t>前提</a:t>
+            </a:r>
+            <a:r>
+              <a:rPr lang="en-US" altLang="ja-JP" sz="4000" dirty="0">
+                <a:latin typeface="Calibri" panose="020F0502020204030204" pitchFamily="34" charset="0"/>
+                <a:cs typeface="Calibri" panose="020F0502020204030204" pitchFamily="34" charset="0"/>
+              </a:rPr>
+              <a:t>] </a:t>
+            </a:r>
+            <a:r>
+              <a:rPr lang="en-US" altLang="ja-JP" sz="4000" dirty="0" err="1">
+                <a:latin typeface="Calibri" panose="020F0502020204030204" pitchFamily="34" charset="0"/>
+                <a:cs typeface="Calibri" panose="020F0502020204030204" pitchFamily="34" charset="0"/>
+              </a:rPr>
+              <a:t>prevPY</a:t>
+            </a:r>
+            <a:r>
+              <a:rPr lang="en-US" altLang="ja-JP" sz="4000" dirty="0">
+                <a:latin typeface="Calibri" panose="020F0502020204030204" pitchFamily="34" charset="0"/>
+                <a:cs typeface="Calibri" panose="020F0502020204030204" pitchFamily="34" charset="0"/>
+              </a:rPr>
+              <a:t> &gt; </a:t>
+            </a:r>
+            <a:r>
+              <a:rPr lang="en-US" altLang="ja-JP" sz="4000" dirty="0" err="1">
+                <a:latin typeface="Calibri" panose="020F0502020204030204" pitchFamily="34" charset="0"/>
+                <a:cs typeface="Calibri" panose="020F0502020204030204" pitchFamily="34" charset="0"/>
+              </a:rPr>
+              <a:t>prevCH</a:t>
+            </a:r>
+            <a:r>
+              <a:rPr lang="en-US" altLang="ja-JP" sz="4000" dirty="0">
+                <a:latin typeface="Calibri" panose="020F0502020204030204" pitchFamily="34" charset="0"/>
+                <a:cs typeface="Calibri" panose="020F0502020204030204" pitchFamily="34" charset="0"/>
+              </a:rPr>
+              <a:t> &amp;&amp;</a:t>
+            </a:r>
+          </a:p>
+          <a:p>
+            <a:r>
+              <a:rPr lang="en-US" altLang="ja-JP" sz="4000" dirty="0">
+                <a:latin typeface="Calibri" panose="020F0502020204030204" pitchFamily="34" charset="0"/>
+                <a:cs typeface="Calibri" panose="020F0502020204030204" pitchFamily="34" charset="0"/>
+              </a:rPr>
+              <a:t>			</a:t>
+            </a:r>
+            <a:r>
+              <a:rPr lang="en-US" altLang="ja-JP" sz="4000" dirty="0" err="1">
+                <a:latin typeface="Calibri" panose="020F0502020204030204" pitchFamily="34" charset="0"/>
+                <a:cs typeface="Calibri" panose="020F0502020204030204" pitchFamily="34" charset="0"/>
+              </a:rPr>
+              <a:t>prevPY</a:t>
+            </a:r>
+            <a:r>
+              <a:rPr lang="en-US" altLang="ja-JP" sz="4000" dirty="0">
+                <a:latin typeface="Calibri" panose="020F0502020204030204" pitchFamily="34" charset="0"/>
+                <a:cs typeface="Calibri" panose="020F0502020204030204" pitchFamily="34" charset="0"/>
+              </a:rPr>
+              <a:t> + </a:t>
+            </a:r>
+            <a:r>
+              <a:rPr lang="en-US" altLang="ja-JP" sz="4000" dirty="0" err="1">
+                <a:latin typeface="Calibri" panose="020F0502020204030204" pitchFamily="34" charset="0"/>
+                <a:cs typeface="Calibri" panose="020F0502020204030204" pitchFamily="34" charset="0"/>
+              </a:rPr>
+              <a:t>dy</a:t>
+            </a:r>
+            <a:r>
+              <a:rPr lang="en-US" altLang="ja-JP" sz="4000" dirty="0">
+                <a:latin typeface="Calibri" panose="020F0502020204030204" pitchFamily="34" charset="0"/>
+                <a:cs typeface="Calibri" panose="020F0502020204030204" pitchFamily="34" charset="0"/>
+              </a:rPr>
+              <a:t>(</a:t>
+            </a:r>
+            <a:r>
+              <a:rPr lang="en-US" altLang="ja-JP" sz="4000" dirty="0" err="1">
+                <a:latin typeface="Calibri" panose="020F0502020204030204" pitchFamily="34" charset="0"/>
+                <a:cs typeface="Calibri" panose="020F0502020204030204" pitchFamily="34" charset="0"/>
+              </a:rPr>
+              <a:t>timeAfterJump</a:t>
+            </a:r>
+            <a:r>
+              <a:rPr lang="en-US" altLang="ja-JP" sz="4000" dirty="0">
+                <a:latin typeface="Calibri" panose="020F0502020204030204" pitchFamily="34" charset="0"/>
+                <a:cs typeface="Calibri" panose="020F0502020204030204" pitchFamily="34" charset="0"/>
+              </a:rPr>
+              <a:t>) &lt; </a:t>
+            </a:r>
+            <a:r>
+              <a:rPr lang="en-US" altLang="ja-JP" sz="4000" dirty="0" err="1">
+                <a:latin typeface="Calibri" panose="020F0502020204030204" pitchFamily="34" charset="0"/>
+                <a:cs typeface="Calibri" panose="020F0502020204030204" pitchFamily="34" charset="0"/>
+              </a:rPr>
+              <a:t>nextCH</a:t>
+            </a:r>
+            <a:r>
+              <a:rPr lang="en-US" altLang="ja-JP" sz="4000" dirty="0">
+                <a:latin typeface="Calibri" panose="020F0502020204030204" pitchFamily="34" charset="0"/>
+                <a:cs typeface="Calibri" panose="020F0502020204030204" pitchFamily="34" charset="0"/>
+              </a:rPr>
+              <a:t> </a:t>
+            </a:r>
+          </a:p>
+          <a:p>
+            <a:endParaRPr lang="en-US" altLang="ja-JP" sz="4000" dirty="0">
+              <a:latin typeface="Calibri" panose="020F0502020204030204" pitchFamily="34" charset="0"/>
+              <a:cs typeface="Calibri" panose="020F0502020204030204" pitchFamily="34" charset="0"/>
+            </a:endParaRPr>
+          </a:p>
+          <a:p>
+            <a:r>
+              <a:rPr lang="en-US" altLang="ja-JP" sz="4000" dirty="0">
+                <a:latin typeface="Calibri" panose="020F0502020204030204" pitchFamily="34" charset="0"/>
+                <a:cs typeface="Calibri" panose="020F0502020204030204" pitchFamily="34" charset="0"/>
+              </a:rPr>
+              <a:t>1. </a:t>
+            </a:r>
+            <a:r>
+              <a:rPr lang="en-US" altLang="ja-JP" sz="4000" dirty="0" err="1">
+                <a:latin typeface="Calibri" panose="020F0502020204030204" pitchFamily="34" charset="0"/>
+                <a:cs typeface="Calibri" panose="020F0502020204030204" pitchFamily="34" charset="0"/>
+              </a:rPr>
+              <a:t>prevCH</a:t>
+            </a:r>
+            <a:r>
+              <a:rPr lang="en-US" altLang="ja-JP" sz="4000" dirty="0">
+                <a:latin typeface="Calibri" panose="020F0502020204030204" pitchFamily="34" charset="0"/>
+                <a:cs typeface="Calibri" panose="020F0502020204030204" pitchFamily="34" charset="0"/>
+              </a:rPr>
+              <a:t> === 0 </a:t>
+            </a:r>
+            <a:r>
+              <a:rPr lang="ja-JP" altLang="en-US" sz="4000">
+                <a:latin typeface="Calibri" panose="020F0502020204030204" pitchFamily="34" charset="0"/>
+                <a:cs typeface="Calibri" panose="020F0502020204030204" pitchFamily="34" charset="0"/>
+              </a:rPr>
+              <a:t>ならば </a:t>
+            </a:r>
+            <a:r>
+              <a:rPr lang="en-US" altLang="ja-JP" sz="4000" dirty="0">
+                <a:latin typeface="Calibri" panose="020F0502020204030204" pitchFamily="34" charset="0"/>
+                <a:cs typeface="Calibri" panose="020F0502020204030204" pitchFamily="34" charset="0"/>
+              </a:rPr>
+              <a:t>:</a:t>
+            </a:r>
+          </a:p>
+          <a:p>
+            <a:r>
+              <a:rPr lang="en-US" altLang="ja-JP" sz="4000" dirty="0">
+                <a:latin typeface="Calibri" panose="020F0502020204030204" pitchFamily="34" charset="0"/>
+                <a:cs typeface="Calibri" panose="020F0502020204030204" pitchFamily="34" charset="0"/>
+              </a:rPr>
+              <a:t>		 </a:t>
+            </a:r>
+            <a:r>
+              <a:rPr lang="en-US" altLang="ja-JP" sz="4000" dirty="0" err="1">
+                <a:latin typeface="Calibri" panose="020F0502020204030204" pitchFamily="34" charset="0"/>
+                <a:cs typeface="Calibri" panose="020F0502020204030204" pitchFamily="34" charset="0"/>
+              </a:rPr>
+              <a:t>prevPY</a:t>
+            </a:r>
+            <a:r>
+              <a:rPr lang="en-US" altLang="ja-JP" sz="4000" dirty="0">
+                <a:latin typeface="Calibri" panose="020F0502020204030204" pitchFamily="34" charset="0"/>
+                <a:cs typeface="Calibri" panose="020F0502020204030204" pitchFamily="34" charset="0"/>
+              </a:rPr>
+              <a:t> &gt; </a:t>
+            </a:r>
+            <a:r>
+              <a:rPr lang="en-US" altLang="ja-JP" sz="4000" dirty="0" err="1">
+                <a:latin typeface="Calibri" panose="020F0502020204030204" pitchFamily="34" charset="0"/>
+                <a:cs typeface="Calibri" panose="020F0502020204030204" pitchFamily="34" charset="0"/>
+              </a:rPr>
+              <a:t>nextCH</a:t>
+            </a:r>
+            <a:r>
+              <a:rPr lang="en-US" altLang="ja-JP" sz="4000" dirty="0">
+                <a:latin typeface="Calibri" panose="020F0502020204030204" pitchFamily="34" charset="0"/>
+                <a:cs typeface="Calibri" panose="020F0502020204030204" pitchFamily="34" charset="0"/>
+              </a:rPr>
+              <a:t> </a:t>
+            </a:r>
+            <a:r>
+              <a:rPr lang="ja-JP" altLang="en-US" sz="4000">
+                <a:latin typeface="Calibri" panose="020F0502020204030204" pitchFamily="34" charset="0"/>
+                <a:cs typeface="Calibri" panose="020F0502020204030204" pitchFamily="34" charset="0"/>
+              </a:rPr>
+              <a:t>ならば着地</a:t>
+            </a:r>
+            <a:r>
+              <a:rPr lang="en-US" altLang="ja-JP" sz="4000" dirty="0">
+                <a:latin typeface="Calibri" panose="020F0502020204030204" pitchFamily="34" charset="0"/>
+                <a:cs typeface="Calibri" panose="020F0502020204030204" pitchFamily="34" charset="0"/>
+              </a:rPr>
+              <a:t>.</a:t>
+            </a:r>
+            <a:endParaRPr lang="ja-JP" altLang="en-US" sz="4000">
+              <a:latin typeface="Calibri" panose="020F0502020204030204" pitchFamily="34" charset="0"/>
+              <a:cs typeface="Calibri" panose="020F0502020204030204" pitchFamily="34" charset="0"/>
+            </a:endParaRPr>
+          </a:p>
+          <a:p>
+            <a:endParaRPr lang="en-US" altLang="ja-JP" sz="2800" dirty="0">
+              <a:latin typeface="Calibri" panose="020F0502020204030204" pitchFamily="34" charset="0"/>
+              <a:cs typeface="Calibri" panose="020F0502020204030204" pitchFamily="34" charset="0"/>
+            </a:endParaRPr>
+          </a:p>
+        </p:txBody>
+      </p:sp>
+      <p:sp>
+        <p:nvSpPr>
+          <p:cNvPr id="15" name="テキスト ボックス 14">
+            <a:extLst>
+              <a:ext uri="{FF2B5EF4-FFF2-40B4-BE49-F238E27FC236}">
+                <a16:creationId xmlns:a16="http://schemas.microsoft.com/office/drawing/2014/main" id="{FD6800E4-459F-B449-BF54-448EE8E3C0F3}"/>
+              </a:ext>
+            </a:extLst>
+          </p:cNvPr>
+          <p:cNvSpPr txBox="1"/>
+          <p:nvPr/>
+        </p:nvSpPr>
+        <p:spPr>
+          <a:xfrm>
+            <a:off x="1136285" y="8375329"/>
+            <a:ext cx="7396577" cy="2554545"/>
+          </a:xfrm>
+          <a:prstGeom prst="rect">
+            <a:avLst/>
+          </a:prstGeom>
+          <a:noFill/>
+        </p:spPr>
+        <p:txBody>
+          <a:bodyPr wrap="none" rtlCol="0">
+            <a:spAutoFit/>
+          </a:bodyPr>
+          <a:lstStyle/>
+          <a:p>
+            <a:r>
+              <a:rPr lang="en-US" altLang="ja-JP" sz="4000" dirty="0">
+                <a:latin typeface="Calibri" panose="020F0502020204030204" pitchFamily="34" charset="0"/>
+                <a:cs typeface="Calibri" panose="020F0502020204030204" pitchFamily="34" charset="0"/>
+              </a:rPr>
+              <a:t>2. </a:t>
+            </a:r>
+            <a:r>
+              <a:rPr lang="en-US" altLang="ja-JP" sz="4000" dirty="0" err="1">
+                <a:latin typeface="Calibri" panose="020F0502020204030204" pitchFamily="34" charset="0"/>
+                <a:cs typeface="Calibri" panose="020F0502020204030204" pitchFamily="34" charset="0"/>
+              </a:rPr>
+              <a:t>nextCH</a:t>
+            </a:r>
+            <a:r>
+              <a:rPr lang="en-US" altLang="ja-JP" sz="4000" dirty="0">
+                <a:latin typeface="Calibri" panose="020F0502020204030204" pitchFamily="34" charset="0"/>
+                <a:cs typeface="Calibri" panose="020F0502020204030204" pitchFamily="34" charset="0"/>
+              </a:rPr>
+              <a:t> === 0 </a:t>
+            </a:r>
+            <a:r>
+              <a:rPr lang="ja-JP" altLang="en-US" sz="4000">
+                <a:latin typeface="Calibri" panose="020F0502020204030204" pitchFamily="34" charset="0"/>
+                <a:cs typeface="Calibri" panose="020F0502020204030204" pitchFamily="34" charset="0"/>
+              </a:rPr>
+              <a:t>ならば </a:t>
+            </a:r>
+            <a:r>
+              <a:rPr lang="en-US" altLang="ja-JP" sz="4000" dirty="0">
+                <a:latin typeface="Calibri" panose="020F0502020204030204" pitchFamily="34" charset="0"/>
+                <a:cs typeface="Calibri" panose="020F0502020204030204" pitchFamily="34" charset="0"/>
+              </a:rPr>
+              <a:t>: </a:t>
+            </a:r>
+          </a:p>
+          <a:p>
+            <a:r>
+              <a:rPr lang="en-US" altLang="ja-JP" sz="4000" dirty="0">
+                <a:latin typeface="Calibri" panose="020F0502020204030204" pitchFamily="34" charset="0"/>
+                <a:cs typeface="Calibri" panose="020F0502020204030204" pitchFamily="34" charset="0"/>
+              </a:rPr>
+              <a:t>		</a:t>
+            </a:r>
+            <a:r>
+              <a:rPr lang="ja-JP" altLang="en-US" sz="4000">
+                <a:latin typeface="Calibri" panose="020F0502020204030204" pitchFamily="34" charset="0"/>
+                <a:cs typeface="Calibri" panose="020F0502020204030204" pitchFamily="34" charset="0"/>
+              </a:rPr>
+              <a:t>常に着地</a:t>
+            </a:r>
+            <a:r>
+              <a:rPr lang="en-US" altLang="ja-JP" sz="4000" dirty="0">
+                <a:latin typeface="Calibri" panose="020F0502020204030204" pitchFamily="34" charset="0"/>
+                <a:cs typeface="Calibri" panose="020F0502020204030204" pitchFamily="34" charset="0"/>
+              </a:rPr>
+              <a:t>.</a:t>
+            </a:r>
+          </a:p>
+          <a:p>
+            <a:r>
+              <a:rPr lang="en-US" altLang="ja-JP" sz="4000" dirty="0">
+                <a:latin typeface="Calibri" panose="020F0502020204030204" pitchFamily="34" charset="0"/>
+                <a:cs typeface="Calibri" panose="020F0502020204030204" pitchFamily="34" charset="0"/>
+              </a:rPr>
+              <a:t>		</a:t>
+            </a:r>
+            <a:r>
+              <a:rPr lang="ja-JP" altLang="en-US" sz="4000">
+                <a:latin typeface="Calibri" panose="020F0502020204030204" pitchFamily="34" charset="0"/>
+                <a:cs typeface="Calibri" panose="020F0502020204030204" pitchFamily="34" charset="0"/>
+              </a:rPr>
+              <a:t>次のフレームにて着地失敗</a:t>
+            </a:r>
+            <a:r>
+              <a:rPr lang="en-US" altLang="ja-JP" sz="4000" dirty="0">
+                <a:latin typeface="Calibri" panose="020F0502020204030204" pitchFamily="34" charset="0"/>
+                <a:cs typeface="Calibri" panose="020F0502020204030204" pitchFamily="34" charset="0"/>
+              </a:rPr>
+              <a:t>.</a:t>
+            </a:r>
+            <a:endParaRPr lang="ja-JP" altLang="en-US" sz="4000">
+              <a:latin typeface="Calibri" panose="020F0502020204030204" pitchFamily="34" charset="0"/>
+              <a:cs typeface="Calibri" panose="020F0502020204030204" pitchFamily="34" charset="0"/>
+            </a:endParaRPr>
+          </a:p>
+          <a:p>
+            <a:endParaRPr kumimoji="1" lang="ja-JP" altLang="en-US" sz="4000">
+              <a:latin typeface="Calibri" panose="020F0502020204030204" pitchFamily="34" charset="0"/>
+              <a:cs typeface="Calibri" panose="020F0502020204030204" pitchFamily="34" charset="0"/>
+            </a:endParaRPr>
+          </a:p>
+        </p:txBody>
+      </p:sp>
+      <p:sp>
+        <p:nvSpPr>
+          <p:cNvPr id="103" name="正方形/長方形 102">
+            <a:extLst>
+              <a:ext uri="{FF2B5EF4-FFF2-40B4-BE49-F238E27FC236}">
+                <a16:creationId xmlns:a16="http://schemas.microsoft.com/office/drawing/2014/main" id="{9C98C348-68DE-274C-951A-1C813FFDE6CF}"/>
+              </a:ext>
+            </a:extLst>
+          </p:cNvPr>
+          <p:cNvSpPr/>
+          <p:nvPr/>
+        </p:nvSpPr>
+        <p:spPr>
+          <a:xfrm>
+            <a:off x="4507550" y="11317005"/>
+            <a:ext cx="591015" cy="1443307"/>
+          </a:xfrm>
+          <a:prstGeom prst="rect">
+            <a:avLst/>
+          </a:prstGeom>
+          <a:solidFill>
+            <a:srgbClr val="00B0F0"/>
+          </a:solidFill>
+          <a:ln>
+            <a:solidFill>
+              <a:schemeClr val="tx1"/>
+            </a:solidFill>
+          </a:ln>
+        </p:spPr>
+        <p:style>
+          <a:lnRef idx="2">
+            <a:schemeClr val="accent1">
+              <a:shade val="50000"/>
+            </a:schemeClr>
+          </a:lnRef>
+          <a:fillRef idx="1">
+            <a:schemeClr val="accent1"/>
+          </a:fillRef>
+          <a:effectRef idx="0">
+            <a:schemeClr val="accent1"/>
+          </a:effectRef>
+          <a:fontRef idx="minor">
+            <a:schemeClr val="lt1"/>
+          </a:fontRef>
+        </p:style>
+        <p:txBody>
+          <a:bodyPr rtlCol="0" anchor="ctr"/>
+          <a:lstStyle/>
+          <a:p>
+            <a:pPr algn="ctr"/>
+            <a:endParaRPr lang="ja-JP" altLang="en-US">
+              <a:latin typeface="Calibri" panose="020F0502020204030204" pitchFamily="34" charset="0"/>
+              <a:ea typeface="FOT-Cezanne Pro M" panose="02020600000000000000" pitchFamily="18" charset="-128"/>
+              <a:cs typeface="Calibri" panose="020F0502020204030204" pitchFamily="34" charset="0"/>
+            </a:endParaRPr>
+          </a:p>
+        </p:txBody>
+      </p:sp>
+      <p:sp>
+        <p:nvSpPr>
+          <p:cNvPr id="104" name="正方形/長方形 103">
+            <a:extLst>
+              <a:ext uri="{FF2B5EF4-FFF2-40B4-BE49-F238E27FC236}">
+                <a16:creationId xmlns:a16="http://schemas.microsoft.com/office/drawing/2014/main" id="{6F386AFD-CAD4-074C-B29F-587D529B9B81}"/>
+              </a:ext>
+            </a:extLst>
+          </p:cNvPr>
+          <p:cNvSpPr/>
+          <p:nvPr/>
+        </p:nvSpPr>
+        <p:spPr>
+          <a:xfrm>
+            <a:off x="5098565" y="11597648"/>
+            <a:ext cx="591015" cy="1162664"/>
+          </a:xfrm>
+          <a:prstGeom prst="rect">
+            <a:avLst/>
+          </a:prstGeom>
+          <a:solidFill>
+            <a:srgbClr val="00B0F0"/>
+          </a:solidFill>
+          <a:ln>
+            <a:solidFill>
+              <a:schemeClr val="tx1"/>
+            </a:solidFill>
+          </a:ln>
+        </p:spPr>
+        <p:style>
+          <a:lnRef idx="2">
+            <a:schemeClr val="accent1">
+              <a:shade val="50000"/>
+            </a:schemeClr>
+          </a:lnRef>
+          <a:fillRef idx="1">
+            <a:schemeClr val="accent1"/>
+          </a:fillRef>
+          <a:effectRef idx="0">
+            <a:schemeClr val="accent1"/>
+          </a:effectRef>
+          <a:fontRef idx="minor">
+            <a:schemeClr val="lt1"/>
+          </a:fontRef>
+        </p:style>
+        <p:txBody>
+          <a:bodyPr rtlCol="0" anchor="ctr"/>
+          <a:lstStyle/>
+          <a:p>
+            <a:pPr algn="ctr"/>
+            <a:endParaRPr lang="ja-JP" altLang="en-US">
+              <a:latin typeface="Calibri" panose="020F0502020204030204" pitchFamily="34" charset="0"/>
+              <a:ea typeface="FOT-Cezanne Pro M" panose="02020600000000000000" pitchFamily="18" charset="-128"/>
+              <a:cs typeface="Calibri" panose="020F0502020204030204" pitchFamily="34" charset="0"/>
+            </a:endParaRPr>
+          </a:p>
+        </p:txBody>
+      </p:sp>
+      <p:sp>
+        <p:nvSpPr>
+          <p:cNvPr id="105" name="正方形/長方形 104">
+            <a:extLst>
+              <a:ext uri="{FF2B5EF4-FFF2-40B4-BE49-F238E27FC236}">
+                <a16:creationId xmlns:a16="http://schemas.microsoft.com/office/drawing/2014/main" id="{0A2ABCCE-A090-994E-8956-EC8431EFD29A}"/>
+              </a:ext>
+            </a:extLst>
+          </p:cNvPr>
+          <p:cNvSpPr/>
+          <p:nvPr/>
+        </p:nvSpPr>
+        <p:spPr>
+          <a:xfrm>
+            <a:off x="6907897" y="11317005"/>
+            <a:ext cx="591015" cy="1443307"/>
+          </a:xfrm>
+          <a:prstGeom prst="rect">
+            <a:avLst/>
+          </a:prstGeom>
+          <a:solidFill>
+            <a:srgbClr val="00B0F0"/>
+          </a:solidFill>
+          <a:ln>
+            <a:solidFill>
+              <a:schemeClr val="tx1"/>
+            </a:solidFill>
+          </a:ln>
+        </p:spPr>
+        <p:style>
+          <a:lnRef idx="2">
+            <a:schemeClr val="accent1">
+              <a:shade val="50000"/>
+            </a:schemeClr>
+          </a:lnRef>
+          <a:fillRef idx="1">
+            <a:schemeClr val="accent1"/>
+          </a:fillRef>
+          <a:effectRef idx="0">
+            <a:schemeClr val="accent1"/>
+          </a:effectRef>
+          <a:fontRef idx="minor">
+            <a:schemeClr val="lt1"/>
+          </a:fontRef>
+        </p:style>
+        <p:txBody>
+          <a:bodyPr rtlCol="0" anchor="ctr"/>
+          <a:lstStyle/>
+          <a:p>
+            <a:pPr algn="ctr"/>
+            <a:endParaRPr lang="ja-JP" altLang="en-US">
+              <a:latin typeface="Calibri" panose="020F0502020204030204" pitchFamily="34" charset="0"/>
+              <a:ea typeface="FOT-Cezanne Pro M" panose="02020600000000000000" pitchFamily="18" charset="-128"/>
+              <a:cs typeface="Calibri" panose="020F0502020204030204" pitchFamily="34" charset="0"/>
+            </a:endParaRPr>
+          </a:p>
+        </p:txBody>
+      </p:sp>
+      <p:sp>
+        <p:nvSpPr>
+          <p:cNvPr id="106" name="正方形/長方形 105">
+            <a:extLst>
+              <a:ext uri="{FF2B5EF4-FFF2-40B4-BE49-F238E27FC236}">
+                <a16:creationId xmlns:a16="http://schemas.microsoft.com/office/drawing/2014/main" id="{4E6849FA-6864-C849-8B22-D17A0230E31F}"/>
+              </a:ext>
+            </a:extLst>
+          </p:cNvPr>
+          <p:cNvSpPr/>
+          <p:nvPr/>
+        </p:nvSpPr>
+        <p:spPr>
+          <a:xfrm>
+            <a:off x="7476609" y="10981692"/>
+            <a:ext cx="591015" cy="1778620"/>
+          </a:xfrm>
+          <a:prstGeom prst="rect">
+            <a:avLst/>
+          </a:prstGeom>
+          <a:solidFill>
+            <a:srgbClr val="00B0F0"/>
+          </a:solidFill>
+          <a:ln>
+            <a:solidFill>
+              <a:schemeClr val="tx1"/>
+            </a:solidFill>
+          </a:ln>
+        </p:spPr>
+        <p:style>
+          <a:lnRef idx="2">
+            <a:schemeClr val="accent1">
+              <a:shade val="50000"/>
+            </a:schemeClr>
+          </a:lnRef>
+          <a:fillRef idx="1">
+            <a:schemeClr val="accent1"/>
+          </a:fillRef>
+          <a:effectRef idx="0">
+            <a:schemeClr val="accent1"/>
+          </a:effectRef>
+          <a:fontRef idx="minor">
+            <a:schemeClr val="lt1"/>
+          </a:fontRef>
+        </p:style>
+        <p:txBody>
+          <a:bodyPr rtlCol="0" anchor="ctr"/>
+          <a:lstStyle/>
+          <a:p>
+            <a:pPr algn="ctr"/>
+            <a:endParaRPr lang="ja-JP" altLang="en-US">
+              <a:latin typeface="Calibri" panose="020F0502020204030204" pitchFamily="34" charset="0"/>
+              <a:ea typeface="FOT-Cezanne Pro M" panose="02020600000000000000" pitchFamily="18" charset="-128"/>
+              <a:cs typeface="Calibri" panose="020F0502020204030204" pitchFamily="34" charset="0"/>
+            </a:endParaRPr>
+          </a:p>
+        </p:txBody>
+      </p:sp>
+      <p:sp>
+        <p:nvSpPr>
+          <p:cNvPr id="107" name="円/楕円 106">
+            <a:extLst>
+              <a:ext uri="{FF2B5EF4-FFF2-40B4-BE49-F238E27FC236}">
+                <a16:creationId xmlns:a16="http://schemas.microsoft.com/office/drawing/2014/main" id="{4A08D1E1-8C1F-6C4C-A536-7261F9C99044}"/>
+              </a:ext>
+            </a:extLst>
+          </p:cNvPr>
+          <p:cNvSpPr/>
+          <p:nvPr/>
+        </p:nvSpPr>
+        <p:spPr>
+          <a:xfrm>
+            <a:off x="5032201" y="10340014"/>
+            <a:ext cx="713684" cy="713678"/>
+          </a:xfrm>
+          <a:prstGeom prst="ellipse">
+            <a:avLst/>
+          </a:prstGeom>
+        </p:spPr>
+        <p:style>
+          <a:lnRef idx="2">
+            <a:schemeClr val="accent1">
+              <a:shade val="50000"/>
+            </a:schemeClr>
+          </a:lnRef>
+          <a:fillRef idx="1">
+            <a:schemeClr val="accent1"/>
+          </a:fillRef>
+          <a:effectRef idx="0">
+            <a:schemeClr val="accent1"/>
+          </a:effectRef>
+          <a:fontRef idx="minor">
+            <a:schemeClr val="lt1"/>
+          </a:fontRef>
+        </p:style>
+        <p:txBody>
+          <a:bodyPr rtlCol="0" anchor="ctr"/>
+          <a:lstStyle/>
+          <a:p>
+            <a:pPr algn="ctr"/>
+            <a:endParaRPr lang="ja-JP" altLang="en-US">
+              <a:latin typeface="Calibri" panose="020F0502020204030204" pitchFamily="34" charset="0"/>
+              <a:ea typeface="FOT-Cezanne Pro M" panose="02020600000000000000" pitchFamily="18" charset="-128"/>
+              <a:cs typeface="Calibri" panose="020F0502020204030204" pitchFamily="34" charset="0"/>
+            </a:endParaRPr>
+          </a:p>
+        </p:txBody>
+      </p:sp>
+      <p:sp>
+        <p:nvSpPr>
+          <p:cNvPr id="108" name="円/楕円 107">
+            <a:extLst>
+              <a:ext uri="{FF2B5EF4-FFF2-40B4-BE49-F238E27FC236}">
+                <a16:creationId xmlns:a16="http://schemas.microsoft.com/office/drawing/2014/main" id="{E763162F-9A65-9948-AA28-0F84A12BF5C2}"/>
+              </a:ext>
+            </a:extLst>
+          </p:cNvPr>
+          <p:cNvSpPr/>
+          <p:nvPr/>
+        </p:nvSpPr>
+        <p:spPr>
+          <a:xfrm>
+            <a:off x="5670941" y="12340943"/>
+            <a:ext cx="713684" cy="713678"/>
+          </a:xfrm>
+          <a:prstGeom prst="ellipse">
+            <a:avLst/>
+          </a:prstGeom>
+          <a:solidFill>
+            <a:schemeClr val="accent1">
+              <a:alpha val="51000"/>
+            </a:schemeClr>
+          </a:solidFill>
+        </p:spPr>
+        <p:style>
+          <a:lnRef idx="2">
+            <a:schemeClr val="accent1">
+              <a:shade val="50000"/>
+            </a:schemeClr>
+          </a:lnRef>
+          <a:fillRef idx="1">
+            <a:schemeClr val="accent1"/>
+          </a:fillRef>
+          <a:effectRef idx="0">
+            <a:schemeClr val="accent1"/>
+          </a:effectRef>
+          <a:fontRef idx="minor">
+            <a:schemeClr val="lt1"/>
+          </a:fontRef>
+        </p:style>
+        <p:txBody>
+          <a:bodyPr rtlCol="0" anchor="ctr"/>
+          <a:lstStyle/>
+          <a:p>
+            <a:pPr algn="ctr"/>
+            <a:endParaRPr lang="ja-JP" altLang="en-US">
+              <a:latin typeface="Calibri" panose="020F0502020204030204" pitchFamily="34" charset="0"/>
+              <a:ea typeface="FOT-Cezanne Pro M" panose="02020600000000000000" pitchFamily="18" charset="-128"/>
+              <a:cs typeface="Calibri" panose="020F0502020204030204" pitchFamily="34" charset="0"/>
+            </a:endParaRPr>
+          </a:p>
+        </p:txBody>
+      </p:sp>
+      <p:sp>
+        <p:nvSpPr>
+          <p:cNvPr id="109" name="テキスト ボックス 108">
+            <a:extLst>
+              <a:ext uri="{FF2B5EF4-FFF2-40B4-BE49-F238E27FC236}">
+                <a16:creationId xmlns:a16="http://schemas.microsoft.com/office/drawing/2014/main" id="{7817C18D-0CC6-664C-9DA8-4002A539BF0B}"/>
+              </a:ext>
+            </a:extLst>
+          </p:cNvPr>
+          <p:cNvSpPr txBox="1"/>
+          <p:nvPr/>
+        </p:nvSpPr>
+        <p:spPr>
+          <a:xfrm>
+            <a:off x="13722531" y="2555893"/>
+            <a:ext cx="9189720" cy="1323439"/>
+          </a:xfrm>
+          <a:prstGeom prst="rect">
+            <a:avLst/>
+          </a:prstGeom>
+          <a:noFill/>
+        </p:spPr>
+        <p:txBody>
+          <a:bodyPr wrap="square">
+            <a:spAutoFit/>
+          </a:bodyPr>
+          <a:lstStyle/>
+          <a:p>
+            <a:r>
+              <a:rPr lang="en-US" altLang="ja-JP" sz="4000" dirty="0">
+                <a:latin typeface="Calibri" panose="020F0502020204030204" pitchFamily="34" charset="0"/>
+                <a:cs typeface="Calibri" panose="020F0502020204030204" pitchFamily="34" charset="0"/>
+              </a:rPr>
+              <a:t>3. </a:t>
+            </a:r>
+            <a:r>
+              <a:rPr lang="en-US" altLang="ja-JP" sz="4000" dirty="0" err="1">
+                <a:latin typeface="Calibri" panose="020F0502020204030204" pitchFamily="34" charset="0"/>
+                <a:cs typeface="Calibri" panose="020F0502020204030204" pitchFamily="34" charset="0"/>
+              </a:rPr>
+              <a:t>nextCH</a:t>
+            </a:r>
+            <a:r>
+              <a:rPr lang="en-US" altLang="ja-JP" sz="4000" dirty="0">
+                <a:latin typeface="Calibri" panose="020F0502020204030204" pitchFamily="34" charset="0"/>
+                <a:cs typeface="Calibri" panose="020F0502020204030204" pitchFamily="34" charset="0"/>
+              </a:rPr>
+              <a:t> &gt; </a:t>
+            </a:r>
+            <a:r>
+              <a:rPr lang="en-US" altLang="ja-JP" sz="4000" dirty="0" err="1">
+                <a:latin typeface="Calibri" panose="020F0502020204030204" pitchFamily="34" charset="0"/>
+                <a:cs typeface="Calibri" panose="020F0502020204030204" pitchFamily="34" charset="0"/>
+              </a:rPr>
+              <a:t>prevCH</a:t>
+            </a:r>
+            <a:r>
+              <a:rPr lang="en-US" altLang="ja-JP" sz="4000" dirty="0">
+                <a:latin typeface="Calibri" panose="020F0502020204030204" pitchFamily="34" charset="0"/>
+                <a:cs typeface="Calibri" panose="020F0502020204030204" pitchFamily="34" charset="0"/>
+              </a:rPr>
+              <a:t> &gt; 0 </a:t>
+            </a:r>
+            <a:r>
+              <a:rPr lang="ja-JP" altLang="en-US" sz="4000">
+                <a:latin typeface="Calibri" panose="020F0502020204030204" pitchFamily="34" charset="0"/>
+                <a:cs typeface="Calibri" panose="020F0502020204030204" pitchFamily="34" charset="0"/>
+              </a:rPr>
+              <a:t>ならば </a:t>
+            </a:r>
+            <a:r>
+              <a:rPr lang="en-US" altLang="ja-JP" sz="4000" dirty="0">
+                <a:latin typeface="Calibri" panose="020F0502020204030204" pitchFamily="34" charset="0"/>
+                <a:cs typeface="Calibri" panose="020F0502020204030204" pitchFamily="34" charset="0"/>
+              </a:rPr>
+              <a:t>: </a:t>
+            </a:r>
+          </a:p>
+          <a:p>
+            <a:r>
+              <a:rPr lang="en-US" altLang="ja-JP" sz="4000" dirty="0">
+                <a:latin typeface="Calibri" panose="020F0502020204030204" pitchFamily="34" charset="0"/>
+                <a:cs typeface="Calibri" panose="020F0502020204030204" pitchFamily="34" charset="0"/>
+              </a:rPr>
+              <a:t>		</a:t>
+            </a:r>
+            <a:r>
+              <a:rPr lang="ja-JP" altLang="en-US" sz="4000">
+                <a:latin typeface="Calibri" panose="020F0502020204030204" pitchFamily="34" charset="0"/>
+                <a:cs typeface="Calibri" panose="020F0502020204030204" pitchFamily="34" charset="0"/>
+              </a:rPr>
+              <a:t>常に着地</a:t>
+            </a:r>
+            <a:r>
+              <a:rPr lang="en-US" altLang="ja-JP" sz="4000" dirty="0">
+                <a:latin typeface="Calibri" panose="020F0502020204030204" pitchFamily="34" charset="0"/>
+                <a:cs typeface="Calibri" panose="020F0502020204030204" pitchFamily="34" charset="0"/>
+              </a:rPr>
+              <a:t>. </a:t>
+            </a:r>
+          </a:p>
+        </p:txBody>
+      </p:sp>
+      <p:sp>
+        <p:nvSpPr>
+          <p:cNvPr id="110" name="正方形/長方形 109">
+            <a:extLst>
+              <a:ext uri="{FF2B5EF4-FFF2-40B4-BE49-F238E27FC236}">
+                <a16:creationId xmlns:a16="http://schemas.microsoft.com/office/drawing/2014/main" id="{92FB0F2E-602F-824D-BA90-BFD2FA0B7261}"/>
+              </a:ext>
+            </a:extLst>
+          </p:cNvPr>
+          <p:cNvSpPr/>
+          <p:nvPr/>
+        </p:nvSpPr>
+        <p:spPr>
+          <a:xfrm>
+            <a:off x="16919867" y="6086611"/>
+            <a:ext cx="591015" cy="1443307"/>
+          </a:xfrm>
+          <a:prstGeom prst="rect">
+            <a:avLst/>
+          </a:prstGeom>
+          <a:solidFill>
+            <a:srgbClr val="00B0F0"/>
+          </a:solidFill>
+          <a:ln>
+            <a:solidFill>
+              <a:schemeClr val="tx1"/>
+            </a:solidFill>
+          </a:ln>
+        </p:spPr>
+        <p:style>
+          <a:lnRef idx="2">
+            <a:schemeClr val="accent1">
+              <a:shade val="50000"/>
+            </a:schemeClr>
+          </a:lnRef>
+          <a:fillRef idx="1">
+            <a:schemeClr val="accent1"/>
+          </a:fillRef>
+          <a:effectRef idx="0">
+            <a:schemeClr val="accent1"/>
+          </a:effectRef>
+          <a:fontRef idx="minor">
+            <a:schemeClr val="lt1"/>
+          </a:fontRef>
+        </p:style>
+        <p:txBody>
+          <a:bodyPr rtlCol="0" anchor="ctr"/>
+          <a:lstStyle/>
+          <a:p>
+            <a:pPr algn="ctr"/>
+            <a:endParaRPr lang="ja-JP" altLang="en-US">
+              <a:latin typeface="Calibri" panose="020F0502020204030204" pitchFamily="34" charset="0"/>
+              <a:ea typeface="FOT-Cezanne Pro M" panose="02020600000000000000" pitchFamily="18" charset="-128"/>
+              <a:cs typeface="Calibri" panose="020F0502020204030204" pitchFamily="34" charset="0"/>
+            </a:endParaRPr>
+          </a:p>
+        </p:txBody>
+      </p:sp>
+      <p:sp>
+        <p:nvSpPr>
+          <p:cNvPr id="111" name="正方形/長方形 110">
+            <a:extLst>
+              <a:ext uri="{FF2B5EF4-FFF2-40B4-BE49-F238E27FC236}">
+                <a16:creationId xmlns:a16="http://schemas.microsoft.com/office/drawing/2014/main" id="{92A0D7AA-F807-A14A-A998-B6FCA228C4FD}"/>
+              </a:ext>
+            </a:extLst>
+          </p:cNvPr>
+          <p:cNvSpPr/>
+          <p:nvPr/>
+        </p:nvSpPr>
+        <p:spPr>
+          <a:xfrm>
+            <a:off x="17488579" y="5751298"/>
+            <a:ext cx="591015" cy="1778620"/>
+          </a:xfrm>
+          <a:prstGeom prst="rect">
+            <a:avLst/>
+          </a:prstGeom>
+          <a:solidFill>
+            <a:srgbClr val="00B0F0"/>
+          </a:solidFill>
+          <a:ln>
+            <a:solidFill>
+              <a:schemeClr val="tx1"/>
+            </a:solidFill>
+          </a:ln>
+        </p:spPr>
+        <p:style>
+          <a:lnRef idx="2">
+            <a:schemeClr val="accent1">
+              <a:shade val="50000"/>
+            </a:schemeClr>
+          </a:lnRef>
+          <a:fillRef idx="1">
+            <a:schemeClr val="accent1"/>
+          </a:fillRef>
+          <a:effectRef idx="0">
+            <a:schemeClr val="accent1"/>
+          </a:effectRef>
+          <a:fontRef idx="minor">
+            <a:schemeClr val="lt1"/>
+          </a:fontRef>
+        </p:style>
+        <p:txBody>
+          <a:bodyPr rtlCol="0" anchor="ctr"/>
+          <a:lstStyle/>
+          <a:p>
+            <a:pPr algn="ctr"/>
+            <a:endParaRPr lang="ja-JP" altLang="en-US">
+              <a:latin typeface="Calibri" panose="020F0502020204030204" pitchFamily="34" charset="0"/>
+              <a:ea typeface="FOT-Cezanne Pro M" panose="02020600000000000000" pitchFamily="18" charset="-128"/>
+              <a:cs typeface="Calibri" panose="020F0502020204030204" pitchFamily="34" charset="0"/>
+            </a:endParaRPr>
+          </a:p>
+        </p:txBody>
+      </p:sp>
+      <p:sp>
+        <p:nvSpPr>
+          <p:cNvPr id="112" name="正方形/長方形 111">
+            <a:extLst>
+              <a:ext uri="{FF2B5EF4-FFF2-40B4-BE49-F238E27FC236}">
+                <a16:creationId xmlns:a16="http://schemas.microsoft.com/office/drawing/2014/main" id="{BE8337BF-E957-9648-A929-9DA251A72C9B}"/>
+              </a:ext>
+            </a:extLst>
+          </p:cNvPr>
+          <p:cNvSpPr/>
+          <p:nvPr/>
+        </p:nvSpPr>
+        <p:spPr>
+          <a:xfrm>
+            <a:off x="19318258" y="6086611"/>
+            <a:ext cx="591015" cy="1443307"/>
+          </a:xfrm>
+          <a:prstGeom prst="rect">
+            <a:avLst/>
+          </a:prstGeom>
+          <a:solidFill>
+            <a:srgbClr val="00B0F0"/>
+          </a:solidFill>
+          <a:ln>
+            <a:solidFill>
+              <a:schemeClr val="tx1"/>
+            </a:solidFill>
+          </a:ln>
+        </p:spPr>
+        <p:style>
+          <a:lnRef idx="2">
+            <a:schemeClr val="accent1">
+              <a:shade val="50000"/>
+            </a:schemeClr>
+          </a:lnRef>
+          <a:fillRef idx="1">
+            <a:schemeClr val="accent1"/>
+          </a:fillRef>
+          <a:effectRef idx="0">
+            <a:schemeClr val="accent1"/>
+          </a:effectRef>
+          <a:fontRef idx="minor">
+            <a:schemeClr val="lt1"/>
+          </a:fontRef>
+        </p:style>
+        <p:txBody>
+          <a:bodyPr rtlCol="0" anchor="ctr"/>
+          <a:lstStyle/>
+          <a:p>
+            <a:pPr algn="ctr"/>
+            <a:endParaRPr lang="ja-JP" altLang="en-US">
+              <a:latin typeface="Calibri" panose="020F0502020204030204" pitchFamily="34" charset="0"/>
+              <a:ea typeface="FOT-Cezanne Pro M" panose="02020600000000000000" pitchFamily="18" charset="-128"/>
+              <a:cs typeface="Calibri" panose="020F0502020204030204" pitchFamily="34" charset="0"/>
+            </a:endParaRPr>
+          </a:p>
+        </p:txBody>
+      </p:sp>
+      <p:sp>
+        <p:nvSpPr>
+          <p:cNvPr id="113" name="正方形/長方形 112">
+            <a:extLst>
+              <a:ext uri="{FF2B5EF4-FFF2-40B4-BE49-F238E27FC236}">
+                <a16:creationId xmlns:a16="http://schemas.microsoft.com/office/drawing/2014/main" id="{00DDE605-9663-574A-B448-37A236A428D2}"/>
+              </a:ext>
+            </a:extLst>
+          </p:cNvPr>
+          <p:cNvSpPr/>
+          <p:nvPr/>
+        </p:nvSpPr>
+        <p:spPr>
+          <a:xfrm>
+            <a:off x="19880449" y="5751299"/>
+            <a:ext cx="591015" cy="1778620"/>
+          </a:xfrm>
+          <a:prstGeom prst="rect">
+            <a:avLst/>
+          </a:prstGeom>
+          <a:solidFill>
+            <a:srgbClr val="00B0F0"/>
+          </a:solidFill>
+          <a:ln>
+            <a:solidFill>
+              <a:schemeClr val="tx1"/>
+            </a:solidFill>
+          </a:ln>
+        </p:spPr>
+        <p:style>
+          <a:lnRef idx="2">
+            <a:schemeClr val="accent1">
+              <a:shade val="50000"/>
+            </a:schemeClr>
+          </a:lnRef>
+          <a:fillRef idx="1">
+            <a:schemeClr val="accent1"/>
+          </a:fillRef>
+          <a:effectRef idx="0">
+            <a:schemeClr val="accent1"/>
+          </a:effectRef>
+          <a:fontRef idx="minor">
+            <a:schemeClr val="lt1"/>
+          </a:fontRef>
+        </p:style>
+        <p:txBody>
+          <a:bodyPr rtlCol="0" anchor="ctr"/>
+          <a:lstStyle/>
+          <a:p>
+            <a:pPr algn="ctr"/>
+            <a:endParaRPr lang="ja-JP" altLang="en-US">
+              <a:latin typeface="Calibri" panose="020F0502020204030204" pitchFamily="34" charset="0"/>
+              <a:ea typeface="FOT-Cezanne Pro M" panose="02020600000000000000" pitchFamily="18" charset="-128"/>
+              <a:cs typeface="Calibri" panose="020F0502020204030204" pitchFamily="34" charset="0"/>
+            </a:endParaRPr>
+          </a:p>
+        </p:txBody>
+      </p:sp>
+      <p:sp>
+        <p:nvSpPr>
+          <p:cNvPr id="114" name="正方形/長方形 113">
+            <a:extLst>
+              <a:ext uri="{FF2B5EF4-FFF2-40B4-BE49-F238E27FC236}">
+                <a16:creationId xmlns:a16="http://schemas.microsoft.com/office/drawing/2014/main" id="{BF11EDCC-68C3-244F-AA83-08FA2222C1F9}"/>
+              </a:ext>
+            </a:extLst>
+          </p:cNvPr>
+          <p:cNvSpPr/>
+          <p:nvPr/>
+        </p:nvSpPr>
+        <p:spPr>
+          <a:xfrm>
+            <a:off x="20448021" y="5751297"/>
+            <a:ext cx="591015" cy="1778620"/>
+          </a:xfrm>
+          <a:prstGeom prst="rect">
+            <a:avLst/>
+          </a:prstGeom>
+          <a:solidFill>
+            <a:srgbClr val="00B0F0"/>
+          </a:solidFill>
+          <a:ln>
+            <a:solidFill>
+              <a:schemeClr val="tx1"/>
+            </a:solidFill>
+          </a:ln>
+        </p:spPr>
+        <p:style>
+          <a:lnRef idx="2">
+            <a:schemeClr val="accent1">
+              <a:shade val="50000"/>
+            </a:schemeClr>
+          </a:lnRef>
+          <a:fillRef idx="1">
+            <a:schemeClr val="accent1"/>
+          </a:fillRef>
+          <a:effectRef idx="0">
+            <a:schemeClr val="accent1"/>
+          </a:effectRef>
+          <a:fontRef idx="minor">
+            <a:schemeClr val="lt1"/>
+          </a:fontRef>
+        </p:style>
+        <p:txBody>
+          <a:bodyPr rtlCol="0" anchor="ctr"/>
+          <a:lstStyle/>
+          <a:p>
+            <a:pPr algn="ctr"/>
+            <a:endParaRPr lang="ja-JP" altLang="en-US">
+              <a:latin typeface="Calibri" panose="020F0502020204030204" pitchFamily="34" charset="0"/>
+              <a:ea typeface="FOT-Cezanne Pro M" panose="02020600000000000000" pitchFamily="18" charset="-128"/>
+              <a:cs typeface="Calibri" panose="020F0502020204030204" pitchFamily="34" charset="0"/>
+            </a:endParaRPr>
+          </a:p>
+        </p:txBody>
+      </p:sp>
+      <p:sp>
+        <p:nvSpPr>
+          <p:cNvPr id="115" name="正方形/長方形 114">
+            <a:extLst>
+              <a:ext uri="{FF2B5EF4-FFF2-40B4-BE49-F238E27FC236}">
+                <a16:creationId xmlns:a16="http://schemas.microsoft.com/office/drawing/2014/main" id="{E1E1F010-8F3E-1944-B19E-F7D8CD803FB3}"/>
+              </a:ext>
+            </a:extLst>
+          </p:cNvPr>
+          <p:cNvSpPr/>
+          <p:nvPr/>
+        </p:nvSpPr>
+        <p:spPr>
+          <a:xfrm>
+            <a:off x="21029777" y="5467076"/>
+            <a:ext cx="591015" cy="2062841"/>
+          </a:xfrm>
+          <a:prstGeom prst="rect">
+            <a:avLst/>
+          </a:prstGeom>
+          <a:solidFill>
+            <a:srgbClr val="00B0F0"/>
+          </a:solidFill>
+          <a:ln>
+            <a:solidFill>
+              <a:schemeClr val="tx1"/>
+            </a:solidFill>
+          </a:ln>
+        </p:spPr>
+        <p:style>
+          <a:lnRef idx="2">
+            <a:schemeClr val="accent1">
+              <a:shade val="50000"/>
+            </a:schemeClr>
+          </a:lnRef>
+          <a:fillRef idx="1">
+            <a:schemeClr val="accent1"/>
+          </a:fillRef>
+          <a:effectRef idx="0">
+            <a:schemeClr val="accent1"/>
+          </a:effectRef>
+          <a:fontRef idx="minor">
+            <a:schemeClr val="lt1"/>
+          </a:fontRef>
+        </p:style>
+        <p:txBody>
+          <a:bodyPr rtlCol="0" anchor="ctr"/>
+          <a:lstStyle/>
+          <a:p>
+            <a:pPr algn="ctr"/>
+            <a:endParaRPr lang="ja-JP" altLang="en-US">
+              <a:latin typeface="Calibri" panose="020F0502020204030204" pitchFamily="34" charset="0"/>
+              <a:ea typeface="FOT-Cezanne Pro M" panose="02020600000000000000" pitchFamily="18" charset="-128"/>
+              <a:cs typeface="Calibri" panose="020F0502020204030204" pitchFamily="34" charset="0"/>
+            </a:endParaRPr>
+          </a:p>
+        </p:txBody>
+      </p:sp>
+      <p:sp>
+        <p:nvSpPr>
+          <p:cNvPr id="116" name="正方形/長方形 115">
+            <a:extLst>
+              <a:ext uri="{FF2B5EF4-FFF2-40B4-BE49-F238E27FC236}">
+                <a16:creationId xmlns:a16="http://schemas.microsoft.com/office/drawing/2014/main" id="{866EBABA-74BC-814E-8A35-82911A940F73}"/>
+              </a:ext>
+            </a:extLst>
+          </p:cNvPr>
+          <p:cNvSpPr/>
+          <p:nvPr/>
+        </p:nvSpPr>
+        <p:spPr>
+          <a:xfrm>
+            <a:off x="21620792" y="5223111"/>
+            <a:ext cx="591015" cy="2306806"/>
+          </a:xfrm>
+          <a:prstGeom prst="rect">
+            <a:avLst/>
+          </a:prstGeom>
+          <a:solidFill>
+            <a:srgbClr val="00B0F0"/>
+          </a:solidFill>
+          <a:ln>
+            <a:solidFill>
+              <a:schemeClr val="tx1"/>
+            </a:solidFill>
+          </a:ln>
+        </p:spPr>
+        <p:style>
+          <a:lnRef idx="2">
+            <a:schemeClr val="accent1">
+              <a:shade val="50000"/>
+            </a:schemeClr>
+          </a:lnRef>
+          <a:fillRef idx="1">
+            <a:schemeClr val="accent1"/>
+          </a:fillRef>
+          <a:effectRef idx="0">
+            <a:schemeClr val="accent1"/>
+          </a:effectRef>
+          <a:fontRef idx="minor">
+            <a:schemeClr val="lt1"/>
+          </a:fontRef>
+        </p:style>
+        <p:txBody>
+          <a:bodyPr rtlCol="0" anchor="ctr"/>
+          <a:lstStyle/>
+          <a:p>
+            <a:pPr algn="ctr"/>
+            <a:endParaRPr lang="ja-JP" altLang="en-US">
+              <a:latin typeface="Calibri" panose="020F0502020204030204" pitchFamily="34" charset="0"/>
+              <a:ea typeface="FOT-Cezanne Pro M" panose="02020600000000000000" pitchFamily="18" charset="-128"/>
+              <a:cs typeface="Calibri" panose="020F0502020204030204" pitchFamily="34" charset="0"/>
+            </a:endParaRPr>
+          </a:p>
+        </p:txBody>
+      </p:sp>
+      <p:sp>
+        <p:nvSpPr>
+          <p:cNvPr id="117" name="円/楕円 116">
+            <a:extLst>
+              <a:ext uri="{FF2B5EF4-FFF2-40B4-BE49-F238E27FC236}">
+                <a16:creationId xmlns:a16="http://schemas.microsoft.com/office/drawing/2014/main" id="{8291BE56-2F61-A64B-9291-B8C8159130AD}"/>
+              </a:ext>
+            </a:extLst>
+          </p:cNvPr>
+          <p:cNvSpPr/>
+          <p:nvPr/>
+        </p:nvSpPr>
+        <p:spPr>
+          <a:xfrm>
+            <a:off x="20360560" y="4895509"/>
+            <a:ext cx="713684" cy="713678"/>
+          </a:xfrm>
+          <a:prstGeom prst="ellipse">
+            <a:avLst/>
+          </a:prstGeom>
+        </p:spPr>
+        <p:style>
+          <a:lnRef idx="2">
+            <a:schemeClr val="accent1">
+              <a:shade val="50000"/>
+            </a:schemeClr>
+          </a:lnRef>
+          <a:fillRef idx="1">
+            <a:schemeClr val="accent1"/>
+          </a:fillRef>
+          <a:effectRef idx="0">
+            <a:schemeClr val="accent1"/>
+          </a:effectRef>
+          <a:fontRef idx="minor">
+            <a:schemeClr val="lt1"/>
+          </a:fontRef>
+        </p:style>
+        <p:txBody>
+          <a:bodyPr rtlCol="0" anchor="ctr"/>
+          <a:lstStyle/>
+          <a:p>
+            <a:pPr algn="ctr"/>
+            <a:endParaRPr lang="ja-JP" altLang="en-US">
+              <a:latin typeface="Calibri" panose="020F0502020204030204" pitchFamily="34" charset="0"/>
+              <a:ea typeface="FOT-Cezanne Pro M" panose="02020600000000000000" pitchFamily="18" charset="-128"/>
+              <a:cs typeface="Calibri" panose="020F0502020204030204" pitchFamily="34" charset="0"/>
+            </a:endParaRPr>
+          </a:p>
+        </p:txBody>
+      </p:sp>
+      <p:sp>
+        <p:nvSpPr>
+          <p:cNvPr id="118" name="円/楕円 117">
+            <a:extLst>
+              <a:ext uri="{FF2B5EF4-FFF2-40B4-BE49-F238E27FC236}">
+                <a16:creationId xmlns:a16="http://schemas.microsoft.com/office/drawing/2014/main" id="{7C30AA6D-7218-6A48-B90A-79B1E7C613A9}"/>
+              </a:ext>
+            </a:extLst>
+          </p:cNvPr>
+          <p:cNvSpPr/>
+          <p:nvPr/>
+        </p:nvSpPr>
+        <p:spPr>
+          <a:xfrm>
+            <a:off x="20968284" y="5507332"/>
+            <a:ext cx="713684" cy="713678"/>
+          </a:xfrm>
+          <a:prstGeom prst="ellipse">
+            <a:avLst/>
+          </a:prstGeom>
+          <a:solidFill>
+            <a:schemeClr val="accent1">
+              <a:alpha val="51000"/>
+            </a:schemeClr>
+          </a:solidFill>
+        </p:spPr>
+        <p:style>
+          <a:lnRef idx="2">
+            <a:schemeClr val="accent1">
+              <a:shade val="50000"/>
+            </a:schemeClr>
+          </a:lnRef>
+          <a:fillRef idx="1">
+            <a:schemeClr val="accent1"/>
+          </a:fillRef>
+          <a:effectRef idx="0">
+            <a:schemeClr val="accent1"/>
+          </a:effectRef>
+          <a:fontRef idx="minor">
+            <a:schemeClr val="lt1"/>
+          </a:fontRef>
+        </p:style>
+        <p:txBody>
+          <a:bodyPr rtlCol="0" anchor="ctr"/>
+          <a:lstStyle/>
+          <a:p>
+            <a:pPr algn="ctr"/>
+            <a:endParaRPr lang="ja-JP" altLang="en-US">
+              <a:latin typeface="Calibri" panose="020F0502020204030204" pitchFamily="34" charset="0"/>
+              <a:ea typeface="FOT-Cezanne Pro M" panose="02020600000000000000" pitchFamily="18" charset="-128"/>
+              <a:cs typeface="Calibri" panose="020F0502020204030204" pitchFamily="34" charset="0"/>
+            </a:endParaRPr>
+          </a:p>
+        </p:txBody>
+      </p:sp>
+      <p:sp>
+        <p:nvSpPr>
+          <p:cNvPr id="119" name="円/楕円 118">
+            <a:extLst>
+              <a:ext uri="{FF2B5EF4-FFF2-40B4-BE49-F238E27FC236}">
+                <a16:creationId xmlns:a16="http://schemas.microsoft.com/office/drawing/2014/main" id="{B4B593A6-B3B9-1646-BAC2-B983FD74BF00}"/>
+              </a:ext>
+            </a:extLst>
+          </p:cNvPr>
+          <p:cNvSpPr/>
+          <p:nvPr/>
+        </p:nvSpPr>
+        <p:spPr>
+          <a:xfrm>
+            <a:off x="16824774" y="4655361"/>
+            <a:ext cx="713684" cy="713678"/>
+          </a:xfrm>
+          <a:prstGeom prst="ellipse">
+            <a:avLst/>
+          </a:prstGeom>
+        </p:spPr>
+        <p:style>
+          <a:lnRef idx="2">
+            <a:schemeClr val="accent1">
+              <a:shade val="50000"/>
+            </a:schemeClr>
+          </a:lnRef>
+          <a:fillRef idx="1">
+            <a:schemeClr val="accent1"/>
+          </a:fillRef>
+          <a:effectRef idx="0">
+            <a:schemeClr val="accent1"/>
+          </a:effectRef>
+          <a:fontRef idx="minor">
+            <a:schemeClr val="lt1"/>
+          </a:fontRef>
+        </p:style>
+        <p:txBody>
+          <a:bodyPr rtlCol="0" anchor="ctr"/>
+          <a:lstStyle/>
+          <a:p>
+            <a:pPr algn="ctr"/>
+            <a:endParaRPr lang="ja-JP" altLang="en-US">
+              <a:latin typeface="Calibri" panose="020F0502020204030204" pitchFamily="34" charset="0"/>
+              <a:ea typeface="FOT-Cezanne Pro M" panose="02020600000000000000" pitchFamily="18" charset="-128"/>
+              <a:cs typeface="Calibri" panose="020F0502020204030204" pitchFamily="34" charset="0"/>
+            </a:endParaRPr>
+          </a:p>
+        </p:txBody>
+      </p:sp>
+      <p:sp>
+        <p:nvSpPr>
+          <p:cNvPr id="120" name="円/楕円 119">
+            <a:extLst>
+              <a:ext uri="{FF2B5EF4-FFF2-40B4-BE49-F238E27FC236}">
+                <a16:creationId xmlns:a16="http://schemas.microsoft.com/office/drawing/2014/main" id="{975944A6-DDA9-E147-BD6A-8BB36A3CAC8C}"/>
+              </a:ext>
+            </a:extLst>
+          </p:cNvPr>
+          <p:cNvSpPr/>
+          <p:nvPr/>
+        </p:nvSpPr>
+        <p:spPr>
+          <a:xfrm>
+            <a:off x="17413111" y="5427778"/>
+            <a:ext cx="713684" cy="713678"/>
+          </a:xfrm>
+          <a:prstGeom prst="ellipse">
+            <a:avLst/>
+          </a:prstGeom>
+          <a:solidFill>
+            <a:schemeClr val="accent1">
+              <a:alpha val="51000"/>
+            </a:schemeClr>
+          </a:solidFill>
+        </p:spPr>
+        <p:style>
+          <a:lnRef idx="2">
+            <a:schemeClr val="accent1">
+              <a:shade val="50000"/>
+            </a:schemeClr>
+          </a:lnRef>
+          <a:fillRef idx="1">
+            <a:schemeClr val="accent1"/>
+          </a:fillRef>
+          <a:effectRef idx="0">
+            <a:schemeClr val="accent1"/>
+          </a:effectRef>
+          <a:fontRef idx="minor">
+            <a:schemeClr val="lt1"/>
+          </a:fontRef>
+        </p:style>
+        <p:txBody>
+          <a:bodyPr rtlCol="0" anchor="ctr"/>
+          <a:lstStyle/>
+          <a:p>
+            <a:pPr algn="ctr"/>
+            <a:endParaRPr lang="ja-JP" altLang="en-US">
+              <a:latin typeface="Calibri" panose="020F0502020204030204" pitchFamily="34" charset="0"/>
+              <a:ea typeface="FOT-Cezanne Pro M" panose="02020600000000000000" pitchFamily="18" charset="-128"/>
+              <a:cs typeface="Calibri" panose="020F0502020204030204" pitchFamily="34" charset="0"/>
+            </a:endParaRPr>
+          </a:p>
+        </p:txBody>
+      </p:sp>
+      <p:sp>
+        <p:nvSpPr>
+          <p:cNvPr id="121" name="テキスト ボックス 120">
+            <a:extLst>
+              <a:ext uri="{FF2B5EF4-FFF2-40B4-BE49-F238E27FC236}">
+                <a16:creationId xmlns:a16="http://schemas.microsoft.com/office/drawing/2014/main" id="{D6845196-D40B-3B4C-BF74-26571FAFB780}"/>
+              </a:ext>
+            </a:extLst>
+          </p:cNvPr>
+          <p:cNvSpPr txBox="1"/>
+          <p:nvPr/>
+        </p:nvSpPr>
+        <p:spPr>
+          <a:xfrm>
+            <a:off x="13722531" y="8375329"/>
+            <a:ext cx="9189720" cy="1323439"/>
+          </a:xfrm>
+          <a:prstGeom prst="rect">
+            <a:avLst/>
+          </a:prstGeom>
+          <a:noFill/>
+        </p:spPr>
+        <p:txBody>
+          <a:bodyPr wrap="square">
+            <a:spAutoFit/>
+          </a:bodyPr>
+          <a:lstStyle/>
+          <a:p>
+            <a:r>
+              <a:rPr lang="en-US" altLang="ja-JP" sz="4000" dirty="0">
+                <a:latin typeface="Calibri" panose="020F0502020204030204" pitchFamily="34" charset="0"/>
+                <a:cs typeface="Calibri" panose="020F0502020204030204" pitchFamily="34" charset="0"/>
+              </a:rPr>
+              <a:t>4. </a:t>
+            </a:r>
+            <a:r>
+              <a:rPr lang="en-US" altLang="ja-JP" sz="4000" dirty="0" err="1">
+                <a:latin typeface="Calibri" panose="020F0502020204030204" pitchFamily="34" charset="0"/>
+                <a:cs typeface="Calibri" panose="020F0502020204030204" pitchFamily="34" charset="0"/>
+              </a:rPr>
+              <a:t>prevCH</a:t>
+            </a:r>
+            <a:r>
+              <a:rPr lang="en-US" altLang="ja-JP" sz="4000" dirty="0">
+                <a:latin typeface="Calibri" panose="020F0502020204030204" pitchFamily="34" charset="0"/>
+                <a:cs typeface="Calibri" panose="020F0502020204030204" pitchFamily="34" charset="0"/>
+              </a:rPr>
+              <a:t> &gt;= </a:t>
+            </a:r>
+            <a:r>
+              <a:rPr lang="en-US" altLang="ja-JP" sz="4000" dirty="0" err="1">
+                <a:latin typeface="Calibri" panose="020F0502020204030204" pitchFamily="34" charset="0"/>
+                <a:cs typeface="Calibri" panose="020F0502020204030204" pitchFamily="34" charset="0"/>
+              </a:rPr>
+              <a:t>nextCH</a:t>
+            </a:r>
+            <a:r>
+              <a:rPr lang="en-US" altLang="ja-JP" sz="4000" dirty="0">
+                <a:latin typeface="Calibri" panose="020F0502020204030204" pitchFamily="34" charset="0"/>
+                <a:cs typeface="Calibri" panose="020F0502020204030204" pitchFamily="34" charset="0"/>
+              </a:rPr>
+              <a:t> &gt; 0 </a:t>
+            </a:r>
+            <a:r>
+              <a:rPr lang="ja-JP" altLang="en-US" sz="4000">
+                <a:latin typeface="Calibri" panose="020F0502020204030204" pitchFamily="34" charset="0"/>
+                <a:cs typeface="Calibri" panose="020F0502020204030204" pitchFamily="34" charset="0"/>
+              </a:rPr>
+              <a:t>ならば </a:t>
+            </a:r>
+            <a:r>
+              <a:rPr lang="en-US" altLang="ja-JP" sz="4000" dirty="0">
+                <a:latin typeface="Calibri" panose="020F0502020204030204" pitchFamily="34" charset="0"/>
+                <a:cs typeface="Calibri" panose="020F0502020204030204" pitchFamily="34" charset="0"/>
+              </a:rPr>
+              <a:t>: </a:t>
+            </a:r>
+          </a:p>
+          <a:p>
+            <a:r>
+              <a:rPr lang="en-US" altLang="ja-JP" sz="4000" dirty="0">
+                <a:latin typeface="Calibri" panose="020F0502020204030204" pitchFamily="34" charset="0"/>
+                <a:cs typeface="Calibri" panose="020F0502020204030204" pitchFamily="34" charset="0"/>
+              </a:rPr>
+              <a:t>		</a:t>
+            </a:r>
+            <a:r>
+              <a:rPr lang="ja-JP" altLang="en-US" sz="4000">
+                <a:latin typeface="Calibri" panose="020F0502020204030204" pitchFamily="34" charset="0"/>
+                <a:cs typeface="Calibri" panose="020F0502020204030204" pitchFamily="34" charset="0"/>
+              </a:rPr>
+              <a:t>常に着地</a:t>
+            </a:r>
+            <a:r>
+              <a:rPr lang="en-US" altLang="ja-JP" sz="4000" dirty="0">
+                <a:latin typeface="Calibri" panose="020F0502020204030204" pitchFamily="34" charset="0"/>
+                <a:cs typeface="Calibri" panose="020F0502020204030204" pitchFamily="34" charset="0"/>
+              </a:rPr>
+              <a:t>.</a:t>
+            </a:r>
+          </a:p>
+        </p:txBody>
+      </p:sp>
+      <p:sp>
+        <p:nvSpPr>
+          <p:cNvPr id="122" name="正方形/長方形 121">
+            <a:extLst>
+              <a:ext uri="{FF2B5EF4-FFF2-40B4-BE49-F238E27FC236}">
+                <a16:creationId xmlns:a16="http://schemas.microsoft.com/office/drawing/2014/main" id="{CAC1808B-0471-B44C-B297-4BE9F9056ECC}"/>
+              </a:ext>
+            </a:extLst>
+          </p:cNvPr>
+          <p:cNvSpPr/>
+          <p:nvPr/>
+        </p:nvSpPr>
+        <p:spPr>
+          <a:xfrm>
+            <a:off x="16886109" y="11010351"/>
+            <a:ext cx="591015" cy="1778620"/>
+          </a:xfrm>
+          <a:prstGeom prst="rect">
+            <a:avLst/>
+          </a:prstGeom>
+          <a:solidFill>
+            <a:srgbClr val="00B0F0"/>
+          </a:solidFill>
+          <a:ln>
+            <a:solidFill>
+              <a:schemeClr val="tx1"/>
+            </a:solidFill>
+          </a:ln>
+        </p:spPr>
+        <p:style>
+          <a:lnRef idx="2">
+            <a:schemeClr val="accent1">
+              <a:shade val="50000"/>
+            </a:schemeClr>
+          </a:lnRef>
+          <a:fillRef idx="1">
+            <a:schemeClr val="accent1"/>
+          </a:fillRef>
+          <a:effectRef idx="0">
+            <a:schemeClr val="accent1"/>
+          </a:effectRef>
+          <a:fontRef idx="minor">
+            <a:schemeClr val="lt1"/>
+          </a:fontRef>
+        </p:style>
+        <p:txBody>
+          <a:bodyPr rtlCol="0" anchor="ctr"/>
+          <a:lstStyle/>
+          <a:p>
+            <a:pPr algn="ctr"/>
+            <a:endParaRPr lang="ja-JP" altLang="en-US">
+              <a:latin typeface="+mj-lt"/>
+              <a:ea typeface="FOT-Cezanne Pro M" panose="02020600000000000000" pitchFamily="18" charset="-128"/>
+              <a:cs typeface="Arial" panose="020B0604020202020204" pitchFamily="34" charset="0"/>
+            </a:endParaRPr>
+          </a:p>
+        </p:txBody>
+      </p:sp>
+      <p:sp>
+        <p:nvSpPr>
+          <p:cNvPr id="123" name="正方形/長方形 122">
+            <a:extLst>
+              <a:ext uri="{FF2B5EF4-FFF2-40B4-BE49-F238E27FC236}">
+                <a16:creationId xmlns:a16="http://schemas.microsoft.com/office/drawing/2014/main" id="{2B18D304-607A-6B4F-9327-72A4A01A7E83}"/>
+              </a:ext>
+            </a:extLst>
+          </p:cNvPr>
+          <p:cNvSpPr/>
+          <p:nvPr/>
+        </p:nvSpPr>
+        <p:spPr>
+          <a:xfrm>
+            <a:off x="17454822" y="11345664"/>
+            <a:ext cx="591015" cy="1443307"/>
+          </a:xfrm>
+          <a:prstGeom prst="rect">
+            <a:avLst/>
+          </a:prstGeom>
+          <a:solidFill>
+            <a:srgbClr val="00B0F0"/>
+          </a:solidFill>
+          <a:ln>
+            <a:solidFill>
+              <a:schemeClr val="tx1"/>
+            </a:solidFill>
+          </a:ln>
+        </p:spPr>
+        <p:style>
+          <a:lnRef idx="2">
+            <a:schemeClr val="accent1">
+              <a:shade val="50000"/>
+            </a:schemeClr>
+          </a:lnRef>
+          <a:fillRef idx="1">
+            <a:schemeClr val="accent1"/>
+          </a:fillRef>
+          <a:effectRef idx="0">
+            <a:schemeClr val="accent1"/>
+          </a:effectRef>
+          <a:fontRef idx="minor">
+            <a:schemeClr val="lt1"/>
+          </a:fontRef>
+        </p:style>
+        <p:txBody>
+          <a:bodyPr rtlCol="0" anchor="ctr"/>
+          <a:lstStyle/>
+          <a:p>
+            <a:pPr algn="ctr"/>
+            <a:endParaRPr lang="ja-JP" altLang="en-US">
+              <a:latin typeface="+mj-lt"/>
+              <a:ea typeface="FOT-Cezanne Pro M" panose="02020600000000000000" pitchFamily="18" charset="-128"/>
+              <a:cs typeface="Arial" panose="020B0604020202020204" pitchFamily="34" charset="0"/>
+            </a:endParaRPr>
+          </a:p>
+        </p:txBody>
+      </p:sp>
+      <p:sp>
+        <p:nvSpPr>
+          <p:cNvPr id="124" name="正方形/長方形 123">
+            <a:extLst>
+              <a:ext uri="{FF2B5EF4-FFF2-40B4-BE49-F238E27FC236}">
+                <a16:creationId xmlns:a16="http://schemas.microsoft.com/office/drawing/2014/main" id="{0988F680-80F2-0042-8D52-F194444E11A6}"/>
+              </a:ext>
+            </a:extLst>
+          </p:cNvPr>
+          <p:cNvSpPr/>
+          <p:nvPr/>
+        </p:nvSpPr>
+        <p:spPr>
+          <a:xfrm>
+            <a:off x="18045837" y="11626307"/>
+            <a:ext cx="591015" cy="1162664"/>
+          </a:xfrm>
+          <a:prstGeom prst="rect">
+            <a:avLst/>
+          </a:prstGeom>
+          <a:solidFill>
+            <a:srgbClr val="00B0F0"/>
+          </a:solidFill>
+          <a:ln>
+            <a:solidFill>
+              <a:schemeClr val="tx1"/>
+            </a:solidFill>
+          </a:ln>
+        </p:spPr>
+        <p:style>
+          <a:lnRef idx="2">
+            <a:schemeClr val="accent1">
+              <a:shade val="50000"/>
+            </a:schemeClr>
+          </a:lnRef>
+          <a:fillRef idx="1">
+            <a:schemeClr val="accent1"/>
+          </a:fillRef>
+          <a:effectRef idx="0">
+            <a:schemeClr val="accent1"/>
+          </a:effectRef>
+          <a:fontRef idx="minor">
+            <a:schemeClr val="lt1"/>
+          </a:fontRef>
+        </p:style>
+        <p:txBody>
+          <a:bodyPr rtlCol="0" anchor="ctr"/>
+          <a:lstStyle/>
+          <a:p>
+            <a:pPr algn="ctr"/>
+            <a:endParaRPr lang="ja-JP" altLang="en-US">
+              <a:latin typeface="+mj-lt"/>
+              <a:ea typeface="FOT-Cezanne Pro M" panose="02020600000000000000" pitchFamily="18" charset="-128"/>
+              <a:cs typeface="Arial" panose="020B0604020202020204" pitchFamily="34" charset="0"/>
+            </a:endParaRPr>
+          </a:p>
+        </p:txBody>
+      </p:sp>
+      <p:sp>
+        <p:nvSpPr>
+          <p:cNvPr id="127" name="正方形/長方形 126">
+            <a:extLst>
+              <a:ext uri="{FF2B5EF4-FFF2-40B4-BE49-F238E27FC236}">
+                <a16:creationId xmlns:a16="http://schemas.microsoft.com/office/drawing/2014/main" id="{8656AD7C-5E2D-1B42-B27F-7FE6CFF75664}"/>
+              </a:ext>
+            </a:extLst>
+          </p:cNvPr>
+          <p:cNvSpPr/>
+          <p:nvPr/>
+        </p:nvSpPr>
+        <p:spPr>
+          <a:xfrm>
+            <a:off x="19961604" y="10726130"/>
+            <a:ext cx="613380" cy="2062841"/>
+          </a:xfrm>
+          <a:prstGeom prst="rect">
+            <a:avLst/>
+          </a:prstGeom>
+          <a:solidFill>
+            <a:srgbClr val="00B0F0"/>
+          </a:solidFill>
+          <a:ln>
+            <a:solidFill>
+              <a:schemeClr val="tx1"/>
+            </a:solidFill>
+          </a:ln>
+        </p:spPr>
+        <p:style>
+          <a:lnRef idx="2">
+            <a:schemeClr val="accent1">
+              <a:shade val="50000"/>
+            </a:schemeClr>
+          </a:lnRef>
+          <a:fillRef idx="1">
+            <a:schemeClr val="accent1"/>
+          </a:fillRef>
+          <a:effectRef idx="0">
+            <a:schemeClr val="accent1"/>
+          </a:effectRef>
+          <a:fontRef idx="minor">
+            <a:schemeClr val="lt1"/>
+          </a:fontRef>
+        </p:style>
+        <p:txBody>
+          <a:bodyPr rtlCol="0" anchor="ctr"/>
+          <a:lstStyle/>
+          <a:p>
+            <a:pPr algn="ctr"/>
+            <a:endParaRPr lang="ja-JP" altLang="en-US">
+              <a:latin typeface="+mj-lt"/>
+              <a:ea typeface="FOT-Cezanne Pro M" panose="02020600000000000000" pitchFamily="18" charset="-128"/>
+              <a:cs typeface="Arial" panose="020B0604020202020204" pitchFamily="34" charset="0"/>
+            </a:endParaRPr>
+          </a:p>
+        </p:txBody>
+      </p:sp>
+      <p:sp>
+        <p:nvSpPr>
+          <p:cNvPr id="128" name="正方形/長方形 127">
+            <a:extLst>
+              <a:ext uri="{FF2B5EF4-FFF2-40B4-BE49-F238E27FC236}">
+                <a16:creationId xmlns:a16="http://schemas.microsoft.com/office/drawing/2014/main" id="{520A6833-3E19-5C4C-8DC1-4AB6C8AD383B}"/>
+              </a:ext>
+            </a:extLst>
+          </p:cNvPr>
+          <p:cNvSpPr/>
+          <p:nvPr/>
+        </p:nvSpPr>
+        <p:spPr>
+          <a:xfrm>
+            <a:off x="20598426" y="11010353"/>
+            <a:ext cx="591015" cy="1778620"/>
+          </a:xfrm>
+          <a:prstGeom prst="rect">
+            <a:avLst/>
+          </a:prstGeom>
+          <a:solidFill>
+            <a:srgbClr val="00B0F0"/>
+          </a:solidFill>
+          <a:ln>
+            <a:solidFill>
+              <a:schemeClr val="tx1"/>
+            </a:solidFill>
+          </a:ln>
+        </p:spPr>
+        <p:style>
+          <a:lnRef idx="2">
+            <a:schemeClr val="accent1">
+              <a:shade val="50000"/>
+            </a:schemeClr>
+          </a:lnRef>
+          <a:fillRef idx="1">
+            <a:schemeClr val="accent1"/>
+          </a:fillRef>
+          <a:effectRef idx="0">
+            <a:schemeClr val="accent1"/>
+          </a:effectRef>
+          <a:fontRef idx="minor">
+            <a:schemeClr val="lt1"/>
+          </a:fontRef>
+        </p:style>
+        <p:txBody>
+          <a:bodyPr rtlCol="0" anchor="ctr"/>
+          <a:lstStyle/>
+          <a:p>
+            <a:pPr algn="ctr"/>
+            <a:endParaRPr lang="ja-JP" altLang="en-US">
+              <a:latin typeface="+mj-lt"/>
+              <a:ea typeface="FOT-Cezanne Pro M" panose="02020600000000000000" pitchFamily="18" charset="-128"/>
+              <a:cs typeface="Arial" panose="020B0604020202020204" pitchFamily="34" charset="0"/>
+            </a:endParaRPr>
+          </a:p>
+        </p:txBody>
+      </p:sp>
+      <p:sp>
+        <p:nvSpPr>
+          <p:cNvPr id="129" name="正方形/長方形 128">
+            <a:extLst>
+              <a:ext uri="{FF2B5EF4-FFF2-40B4-BE49-F238E27FC236}">
+                <a16:creationId xmlns:a16="http://schemas.microsoft.com/office/drawing/2014/main" id="{AF5205BB-7E2D-7040-9F3B-D1089BCFEE7D}"/>
+              </a:ext>
+            </a:extLst>
+          </p:cNvPr>
+          <p:cNvSpPr/>
+          <p:nvPr/>
+        </p:nvSpPr>
+        <p:spPr>
+          <a:xfrm>
+            <a:off x="21165998" y="11010351"/>
+            <a:ext cx="591015" cy="1778620"/>
+          </a:xfrm>
+          <a:prstGeom prst="rect">
+            <a:avLst/>
+          </a:prstGeom>
+          <a:solidFill>
+            <a:srgbClr val="00B0F0"/>
+          </a:solidFill>
+          <a:ln>
+            <a:solidFill>
+              <a:schemeClr val="tx1"/>
+            </a:solidFill>
+          </a:ln>
+        </p:spPr>
+        <p:style>
+          <a:lnRef idx="2">
+            <a:schemeClr val="accent1">
+              <a:shade val="50000"/>
+            </a:schemeClr>
+          </a:lnRef>
+          <a:fillRef idx="1">
+            <a:schemeClr val="accent1"/>
+          </a:fillRef>
+          <a:effectRef idx="0">
+            <a:schemeClr val="accent1"/>
+          </a:effectRef>
+          <a:fontRef idx="minor">
+            <a:schemeClr val="lt1"/>
+          </a:fontRef>
+        </p:style>
+        <p:txBody>
+          <a:bodyPr rtlCol="0" anchor="ctr"/>
+          <a:lstStyle/>
+          <a:p>
+            <a:pPr algn="ctr"/>
+            <a:endParaRPr lang="ja-JP" altLang="en-US">
+              <a:latin typeface="+mj-lt"/>
+              <a:ea typeface="FOT-Cezanne Pro M" panose="02020600000000000000" pitchFamily="18" charset="-128"/>
+              <a:cs typeface="Arial" panose="020B0604020202020204" pitchFamily="34" charset="0"/>
+            </a:endParaRPr>
+          </a:p>
+        </p:txBody>
+      </p:sp>
+      <p:sp>
+        <p:nvSpPr>
+          <p:cNvPr id="130" name="正方形/長方形 129">
+            <a:extLst>
+              <a:ext uri="{FF2B5EF4-FFF2-40B4-BE49-F238E27FC236}">
+                <a16:creationId xmlns:a16="http://schemas.microsoft.com/office/drawing/2014/main" id="{C8F63EE0-748C-2744-AF0A-F1D184C2E9BE}"/>
+              </a:ext>
+            </a:extLst>
+          </p:cNvPr>
+          <p:cNvSpPr/>
+          <p:nvPr/>
+        </p:nvSpPr>
+        <p:spPr>
+          <a:xfrm>
+            <a:off x="21747754" y="10726130"/>
+            <a:ext cx="591015" cy="2062841"/>
+          </a:xfrm>
+          <a:prstGeom prst="rect">
+            <a:avLst/>
+          </a:prstGeom>
+          <a:solidFill>
+            <a:srgbClr val="00B0F0"/>
+          </a:solidFill>
+          <a:ln>
+            <a:solidFill>
+              <a:schemeClr val="tx1"/>
+            </a:solidFill>
+          </a:ln>
+        </p:spPr>
+        <p:style>
+          <a:lnRef idx="2">
+            <a:schemeClr val="accent1">
+              <a:shade val="50000"/>
+            </a:schemeClr>
+          </a:lnRef>
+          <a:fillRef idx="1">
+            <a:schemeClr val="accent1"/>
+          </a:fillRef>
+          <a:effectRef idx="0">
+            <a:schemeClr val="accent1"/>
+          </a:effectRef>
+          <a:fontRef idx="minor">
+            <a:schemeClr val="lt1"/>
+          </a:fontRef>
+        </p:style>
+        <p:txBody>
+          <a:bodyPr rtlCol="0" anchor="ctr"/>
+          <a:lstStyle/>
+          <a:p>
+            <a:pPr algn="ctr"/>
+            <a:endParaRPr lang="ja-JP" altLang="en-US">
+              <a:latin typeface="+mj-lt"/>
+              <a:ea typeface="FOT-Cezanne Pro M" panose="02020600000000000000" pitchFamily="18" charset="-128"/>
+              <a:cs typeface="Arial" panose="020B0604020202020204" pitchFamily="34" charset="0"/>
+            </a:endParaRPr>
+          </a:p>
+        </p:txBody>
+      </p:sp>
+      <p:sp>
+        <p:nvSpPr>
+          <p:cNvPr id="131" name="円/楕円 130">
+            <a:extLst>
+              <a:ext uri="{FF2B5EF4-FFF2-40B4-BE49-F238E27FC236}">
+                <a16:creationId xmlns:a16="http://schemas.microsoft.com/office/drawing/2014/main" id="{FC4B79E2-F1CC-E843-B9F2-325683B4EF05}"/>
+              </a:ext>
+            </a:extLst>
+          </p:cNvPr>
+          <p:cNvSpPr/>
+          <p:nvPr/>
+        </p:nvSpPr>
+        <p:spPr>
+          <a:xfrm>
+            <a:off x="20410129" y="9811826"/>
+            <a:ext cx="713684" cy="713678"/>
+          </a:xfrm>
+          <a:prstGeom prst="ellipse">
+            <a:avLst/>
+          </a:prstGeom>
+        </p:spPr>
+        <p:style>
+          <a:lnRef idx="2">
+            <a:schemeClr val="accent1">
+              <a:shade val="50000"/>
+            </a:schemeClr>
+          </a:lnRef>
+          <a:fillRef idx="1">
+            <a:schemeClr val="accent1"/>
+          </a:fillRef>
+          <a:effectRef idx="0">
+            <a:schemeClr val="accent1"/>
+          </a:effectRef>
+          <a:fontRef idx="minor">
+            <a:schemeClr val="lt1"/>
+          </a:fontRef>
+        </p:style>
+        <p:txBody>
+          <a:bodyPr rtlCol="0" anchor="ctr"/>
+          <a:lstStyle/>
+          <a:p>
+            <a:pPr algn="ctr"/>
+            <a:endParaRPr lang="ja-JP" altLang="en-US">
+              <a:latin typeface="+mj-lt"/>
+              <a:ea typeface="FOT-Cezanne Pro M" panose="02020600000000000000" pitchFamily="18" charset="-128"/>
+              <a:cs typeface="Arial" panose="020B0604020202020204" pitchFamily="34" charset="0"/>
+            </a:endParaRPr>
+          </a:p>
+        </p:txBody>
+      </p:sp>
+      <p:sp>
+        <p:nvSpPr>
+          <p:cNvPr id="132" name="円/楕円 131">
+            <a:extLst>
+              <a:ext uri="{FF2B5EF4-FFF2-40B4-BE49-F238E27FC236}">
+                <a16:creationId xmlns:a16="http://schemas.microsoft.com/office/drawing/2014/main" id="{92434421-B147-E246-9BA2-DF52C145EBD1}"/>
+              </a:ext>
+            </a:extLst>
+          </p:cNvPr>
+          <p:cNvSpPr/>
+          <p:nvPr/>
+        </p:nvSpPr>
+        <p:spPr>
+          <a:xfrm>
+            <a:off x="21128322" y="10839188"/>
+            <a:ext cx="713684" cy="713678"/>
+          </a:xfrm>
+          <a:prstGeom prst="ellipse">
+            <a:avLst/>
+          </a:prstGeom>
+          <a:solidFill>
+            <a:schemeClr val="accent1">
+              <a:alpha val="51000"/>
+            </a:schemeClr>
+          </a:solidFill>
+        </p:spPr>
+        <p:style>
+          <a:lnRef idx="2">
+            <a:schemeClr val="accent1">
+              <a:shade val="50000"/>
+            </a:schemeClr>
+          </a:lnRef>
+          <a:fillRef idx="1">
+            <a:schemeClr val="accent1"/>
+          </a:fillRef>
+          <a:effectRef idx="0">
+            <a:schemeClr val="accent1"/>
+          </a:effectRef>
+          <a:fontRef idx="minor">
+            <a:schemeClr val="lt1"/>
+          </a:fontRef>
+        </p:style>
+        <p:txBody>
+          <a:bodyPr rtlCol="0" anchor="ctr"/>
+          <a:lstStyle/>
+          <a:p>
+            <a:pPr algn="ctr"/>
+            <a:endParaRPr lang="ja-JP" altLang="en-US">
+              <a:latin typeface="+mj-lt"/>
+              <a:ea typeface="FOT-Cezanne Pro M" panose="02020600000000000000" pitchFamily="18" charset="-128"/>
+              <a:cs typeface="Arial" panose="020B0604020202020204" pitchFamily="34" charset="0"/>
+            </a:endParaRPr>
+          </a:p>
+        </p:txBody>
+      </p:sp>
+      <p:sp>
+        <p:nvSpPr>
+          <p:cNvPr id="133" name="円/楕円 132">
+            <a:extLst>
+              <a:ext uri="{FF2B5EF4-FFF2-40B4-BE49-F238E27FC236}">
+                <a16:creationId xmlns:a16="http://schemas.microsoft.com/office/drawing/2014/main" id="{EB177473-3429-A746-9BDB-2384A08BA161}"/>
+              </a:ext>
+            </a:extLst>
+          </p:cNvPr>
+          <p:cNvSpPr/>
+          <p:nvPr/>
+        </p:nvSpPr>
+        <p:spPr>
+          <a:xfrm>
+            <a:off x="16824774" y="9875394"/>
+            <a:ext cx="713684" cy="713678"/>
+          </a:xfrm>
+          <a:prstGeom prst="ellipse">
+            <a:avLst/>
+          </a:prstGeom>
+        </p:spPr>
+        <p:style>
+          <a:lnRef idx="2">
+            <a:schemeClr val="accent1">
+              <a:shade val="50000"/>
+            </a:schemeClr>
+          </a:lnRef>
+          <a:fillRef idx="1">
+            <a:schemeClr val="accent1"/>
+          </a:fillRef>
+          <a:effectRef idx="0">
+            <a:schemeClr val="accent1"/>
+          </a:effectRef>
+          <a:fontRef idx="minor">
+            <a:schemeClr val="lt1"/>
+          </a:fontRef>
+        </p:style>
+        <p:txBody>
+          <a:bodyPr rtlCol="0" anchor="ctr"/>
+          <a:lstStyle/>
+          <a:p>
+            <a:pPr algn="ctr"/>
+            <a:endParaRPr lang="ja-JP" altLang="en-US">
+              <a:latin typeface="+mj-lt"/>
+              <a:ea typeface="FOT-Cezanne Pro M" panose="02020600000000000000" pitchFamily="18" charset="-128"/>
+              <a:cs typeface="Arial" panose="020B0604020202020204" pitchFamily="34" charset="0"/>
+            </a:endParaRPr>
+          </a:p>
+        </p:txBody>
+      </p:sp>
+      <p:sp>
+        <p:nvSpPr>
+          <p:cNvPr id="134" name="円/楕円 133">
+            <a:extLst>
+              <a:ext uri="{FF2B5EF4-FFF2-40B4-BE49-F238E27FC236}">
+                <a16:creationId xmlns:a16="http://schemas.microsoft.com/office/drawing/2014/main" id="{1233F5F2-1490-234C-AF0D-16130BD61C40}"/>
+              </a:ext>
+            </a:extLst>
+          </p:cNvPr>
+          <p:cNvSpPr/>
+          <p:nvPr/>
+        </p:nvSpPr>
+        <p:spPr>
+          <a:xfrm>
+            <a:off x="17380344" y="10966419"/>
+            <a:ext cx="713684" cy="713678"/>
+          </a:xfrm>
+          <a:prstGeom prst="ellipse">
+            <a:avLst/>
+          </a:prstGeom>
+          <a:solidFill>
+            <a:schemeClr val="accent1">
+              <a:alpha val="51000"/>
+            </a:schemeClr>
+          </a:solidFill>
+        </p:spPr>
+        <p:style>
+          <a:lnRef idx="2">
+            <a:schemeClr val="accent1">
+              <a:shade val="50000"/>
+            </a:schemeClr>
+          </a:lnRef>
+          <a:fillRef idx="1">
+            <a:schemeClr val="accent1"/>
+          </a:fillRef>
+          <a:effectRef idx="0">
+            <a:schemeClr val="accent1"/>
+          </a:effectRef>
+          <a:fontRef idx="minor">
+            <a:schemeClr val="lt1"/>
+          </a:fontRef>
+        </p:style>
+        <p:txBody>
+          <a:bodyPr rtlCol="0" anchor="ctr"/>
+          <a:lstStyle/>
+          <a:p>
+            <a:pPr algn="ctr"/>
+            <a:endParaRPr lang="ja-JP" altLang="en-US">
+              <a:latin typeface="+mj-lt"/>
+              <a:ea typeface="FOT-Cezanne Pro M" panose="02020600000000000000" pitchFamily="18" charset="-128"/>
+              <a:cs typeface="Arial" panose="020B0604020202020204" pitchFamily="34" charset="0"/>
+            </a:endParaRPr>
+          </a:p>
+        </p:txBody>
+      </p:sp>
+      <p:sp>
+        <p:nvSpPr>
+          <p:cNvPr id="135" name="円/楕円 134">
+            <a:extLst>
+              <a:ext uri="{FF2B5EF4-FFF2-40B4-BE49-F238E27FC236}">
+                <a16:creationId xmlns:a16="http://schemas.microsoft.com/office/drawing/2014/main" id="{3185294E-9943-AC43-AB69-AE325F82A5E6}"/>
+              </a:ext>
+            </a:extLst>
+          </p:cNvPr>
+          <p:cNvSpPr/>
+          <p:nvPr/>
+        </p:nvSpPr>
+        <p:spPr>
+          <a:xfrm>
+            <a:off x="7423508" y="5388767"/>
+            <a:ext cx="713684" cy="713678"/>
+          </a:xfrm>
+          <a:prstGeom prst="ellipse">
+            <a:avLst/>
+          </a:prstGeom>
+          <a:solidFill>
+            <a:srgbClr val="FF0000">
+              <a:alpha val="51000"/>
+            </a:srgbClr>
+          </a:solidFill>
+          <a:ln>
+            <a:solidFill>
+              <a:srgbClr val="FF0000"/>
+            </a:solidFill>
+          </a:ln>
+        </p:spPr>
+        <p:style>
+          <a:lnRef idx="2">
+            <a:schemeClr val="accent1">
+              <a:shade val="50000"/>
+            </a:schemeClr>
+          </a:lnRef>
+          <a:fillRef idx="1">
+            <a:schemeClr val="accent1"/>
+          </a:fillRef>
+          <a:effectRef idx="0">
+            <a:schemeClr val="accent1"/>
+          </a:effectRef>
+          <a:fontRef idx="minor">
+            <a:schemeClr val="lt1"/>
+          </a:fontRef>
+        </p:style>
+        <p:txBody>
+          <a:bodyPr rtlCol="0" anchor="ctr"/>
+          <a:lstStyle/>
+          <a:p>
+            <a:pPr algn="ctr"/>
+            <a:endParaRPr lang="ja-JP" altLang="en-US">
+              <a:latin typeface="Calibri" panose="020F0502020204030204" pitchFamily="34" charset="0"/>
+              <a:ea typeface="FOT-Cezanne Pro M" panose="02020600000000000000" pitchFamily="18" charset="-128"/>
+              <a:cs typeface="Calibri" panose="020F0502020204030204" pitchFamily="34" charset="0"/>
+            </a:endParaRPr>
+          </a:p>
+        </p:txBody>
+      </p:sp>
+      <p:sp>
+        <p:nvSpPr>
+          <p:cNvPr id="136" name="円/楕円 135">
+            <a:extLst>
+              <a:ext uri="{FF2B5EF4-FFF2-40B4-BE49-F238E27FC236}">
+                <a16:creationId xmlns:a16="http://schemas.microsoft.com/office/drawing/2014/main" id="{EF3AF029-9749-B645-AFAA-86F5F7AF537B}"/>
+              </a:ext>
+            </a:extLst>
+          </p:cNvPr>
+          <p:cNvSpPr/>
+          <p:nvPr/>
+        </p:nvSpPr>
+        <p:spPr>
+          <a:xfrm>
+            <a:off x="5665468" y="12065689"/>
+            <a:ext cx="713684" cy="713678"/>
+          </a:xfrm>
+          <a:prstGeom prst="ellipse">
+            <a:avLst/>
+          </a:prstGeom>
+          <a:solidFill>
+            <a:srgbClr val="FF0000">
+              <a:alpha val="51000"/>
+            </a:srgbClr>
+          </a:solidFill>
+          <a:ln>
+            <a:solidFill>
+              <a:srgbClr val="FF0000"/>
+            </a:solidFill>
+          </a:ln>
+        </p:spPr>
+        <p:style>
+          <a:lnRef idx="2">
+            <a:schemeClr val="accent1">
+              <a:shade val="50000"/>
+            </a:schemeClr>
+          </a:lnRef>
+          <a:fillRef idx="1">
+            <a:schemeClr val="accent1"/>
+          </a:fillRef>
+          <a:effectRef idx="0">
+            <a:schemeClr val="accent1"/>
+          </a:effectRef>
+          <a:fontRef idx="minor">
+            <a:schemeClr val="lt1"/>
+          </a:fontRef>
+        </p:style>
+        <p:txBody>
+          <a:bodyPr rtlCol="0" anchor="ctr"/>
+          <a:lstStyle/>
+          <a:p>
+            <a:pPr algn="ctr"/>
+            <a:endParaRPr lang="ja-JP" altLang="en-US">
+              <a:latin typeface="Calibri" panose="020F0502020204030204" pitchFamily="34" charset="0"/>
+              <a:ea typeface="FOT-Cezanne Pro M" panose="02020600000000000000" pitchFamily="18" charset="-128"/>
+              <a:cs typeface="Calibri" panose="020F0502020204030204" pitchFamily="34" charset="0"/>
+            </a:endParaRPr>
+          </a:p>
+        </p:txBody>
+      </p:sp>
+      <p:sp>
+        <p:nvSpPr>
+          <p:cNvPr id="137" name="円/楕円 136">
+            <a:extLst>
+              <a:ext uri="{FF2B5EF4-FFF2-40B4-BE49-F238E27FC236}">
+                <a16:creationId xmlns:a16="http://schemas.microsoft.com/office/drawing/2014/main" id="{502036B8-6B9A-3B4C-AA9B-7743DDDB79B0}"/>
+              </a:ext>
+            </a:extLst>
+          </p:cNvPr>
+          <p:cNvSpPr/>
+          <p:nvPr/>
+        </p:nvSpPr>
+        <p:spPr>
+          <a:xfrm>
+            <a:off x="17380344" y="10633552"/>
+            <a:ext cx="713684" cy="713678"/>
+          </a:xfrm>
+          <a:prstGeom prst="ellipse">
+            <a:avLst/>
+          </a:prstGeom>
+          <a:solidFill>
+            <a:srgbClr val="FF0000">
+              <a:alpha val="51000"/>
+            </a:srgbClr>
+          </a:solidFill>
+          <a:ln>
+            <a:solidFill>
+              <a:srgbClr val="FF0000"/>
+            </a:solidFill>
+          </a:ln>
+        </p:spPr>
+        <p:style>
+          <a:lnRef idx="2">
+            <a:schemeClr val="accent1">
+              <a:shade val="50000"/>
+            </a:schemeClr>
+          </a:lnRef>
+          <a:fillRef idx="1">
+            <a:schemeClr val="accent1"/>
+          </a:fillRef>
+          <a:effectRef idx="0">
+            <a:schemeClr val="accent1"/>
+          </a:effectRef>
+          <a:fontRef idx="minor">
+            <a:schemeClr val="lt1"/>
+          </a:fontRef>
+        </p:style>
+        <p:txBody>
+          <a:bodyPr rtlCol="0" anchor="ctr"/>
+          <a:lstStyle/>
+          <a:p>
+            <a:pPr algn="ctr"/>
+            <a:endParaRPr lang="ja-JP" altLang="en-US">
+              <a:latin typeface="Calibri" panose="020F0502020204030204" pitchFamily="34" charset="0"/>
+              <a:ea typeface="FOT-Cezanne Pro M" panose="02020600000000000000" pitchFamily="18" charset="-128"/>
+              <a:cs typeface="Calibri" panose="020F0502020204030204" pitchFamily="34" charset="0"/>
+            </a:endParaRPr>
+          </a:p>
+        </p:txBody>
+      </p:sp>
+      <p:sp>
+        <p:nvSpPr>
+          <p:cNvPr id="138" name="円/楕円 137">
+            <a:extLst>
+              <a:ext uri="{FF2B5EF4-FFF2-40B4-BE49-F238E27FC236}">
+                <a16:creationId xmlns:a16="http://schemas.microsoft.com/office/drawing/2014/main" id="{E2B71D8A-01AC-8D43-BBC6-C0012BDEEF7B}"/>
+              </a:ext>
+            </a:extLst>
+          </p:cNvPr>
+          <p:cNvSpPr/>
+          <p:nvPr/>
+        </p:nvSpPr>
+        <p:spPr>
+          <a:xfrm>
+            <a:off x="21128322" y="10284914"/>
+            <a:ext cx="713684" cy="713678"/>
+          </a:xfrm>
+          <a:prstGeom prst="ellipse">
+            <a:avLst/>
+          </a:prstGeom>
+          <a:solidFill>
+            <a:srgbClr val="FF0000">
+              <a:alpha val="51000"/>
+            </a:srgbClr>
+          </a:solidFill>
+          <a:ln>
+            <a:solidFill>
+              <a:srgbClr val="FF0000"/>
+            </a:solidFill>
+          </a:ln>
+        </p:spPr>
+        <p:style>
+          <a:lnRef idx="2">
+            <a:schemeClr val="accent1">
+              <a:shade val="50000"/>
+            </a:schemeClr>
+          </a:lnRef>
+          <a:fillRef idx="1">
+            <a:schemeClr val="accent1"/>
+          </a:fillRef>
+          <a:effectRef idx="0">
+            <a:schemeClr val="accent1"/>
+          </a:effectRef>
+          <a:fontRef idx="minor">
+            <a:schemeClr val="lt1"/>
+          </a:fontRef>
+        </p:style>
+        <p:txBody>
+          <a:bodyPr rtlCol="0" anchor="ctr"/>
+          <a:lstStyle/>
+          <a:p>
+            <a:pPr algn="ctr"/>
+            <a:endParaRPr lang="ja-JP" altLang="en-US">
+              <a:latin typeface="Calibri" panose="020F0502020204030204" pitchFamily="34" charset="0"/>
+              <a:ea typeface="FOT-Cezanne Pro M" panose="02020600000000000000" pitchFamily="18" charset="-128"/>
+              <a:cs typeface="Calibri" panose="020F0502020204030204" pitchFamily="34" charset="0"/>
+            </a:endParaRPr>
+          </a:p>
+        </p:txBody>
+      </p:sp>
+      <p:sp>
+        <p:nvSpPr>
+          <p:cNvPr id="139" name="円/楕円 138">
+            <a:extLst>
+              <a:ext uri="{FF2B5EF4-FFF2-40B4-BE49-F238E27FC236}">
+                <a16:creationId xmlns:a16="http://schemas.microsoft.com/office/drawing/2014/main" id="{D888573E-F943-5643-9B69-C9CC92FB4B76}"/>
+              </a:ext>
+            </a:extLst>
+          </p:cNvPr>
+          <p:cNvSpPr/>
+          <p:nvPr/>
+        </p:nvSpPr>
+        <p:spPr>
+          <a:xfrm>
+            <a:off x="17413111" y="5031928"/>
+            <a:ext cx="713684" cy="713678"/>
+          </a:xfrm>
+          <a:prstGeom prst="ellipse">
+            <a:avLst/>
+          </a:prstGeom>
+          <a:solidFill>
+            <a:srgbClr val="FF0000">
+              <a:alpha val="51000"/>
+            </a:srgbClr>
+          </a:solidFill>
+          <a:ln>
+            <a:solidFill>
+              <a:srgbClr val="FF0000"/>
+            </a:solidFill>
+          </a:ln>
+        </p:spPr>
+        <p:style>
+          <a:lnRef idx="2">
+            <a:schemeClr val="accent1">
+              <a:shade val="50000"/>
+            </a:schemeClr>
+          </a:lnRef>
+          <a:fillRef idx="1">
+            <a:schemeClr val="accent1"/>
+          </a:fillRef>
+          <a:effectRef idx="0">
+            <a:schemeClr val="accent1"/>
+          </a:effectRef>
+          <a:fontRef idx="minor">
+            <a:schemeClr val="lt1"/>
+          </a:fontRef>
+        </p:style>
+        <p:txBody>
+          <a:bodyPr rtlCol="0" anchor="ctr"/>
+          <a:lstStyle/>
+          <a:p>
+            <a:pPr algn="ctr"/>
+            <a:endParaRPr lang="ja-JP" altLang="en-US">
+              <a:latin typeface="Calibri" panose="020F0502020204030204" pitchFamily="34" charset="0"/>
+              <a:ea typeface="FOT-Cezanne Pro M" panose="02020600000000000000" pitchFamily="18" charset="-128"/>
+              <a:cs typeface="Calibri" panose="020F0502020204030204" pitchFamily="34" charset="0"/>
+            </a:endParaRPr>
+          </a:p>
+        </p:txBody>
+      </p:sp>
+      <p:sp>
+        <p:nvSpPr>
+          <p:cNvPr id="140" name="円/楕円 139">
+            <a:extLst>
+              <a:ext uri="{FF2B5EF4-FFF2-40B4-BE49-F238E27FC236}">
+                <a16:creationId xmlns:a16="http://schemas.microsoft.com/office/drawing/2014/main" id="{9052861E-F0C5-0348-AEBB-50FE8027A110}"/>
+              </a:ext>
+            </a:extLst>
+          </p:cNvPr>
+          <p:cNvSpPr/>
+          <p:nvPr/>
+        </p:nvSpPr>
+        <p:spPr>
+          <a:xfrm>
+            <a:off x="20968284" y="4716452"/>
+            <a:ext cx="713684" cy="713678"/>
+          </a:xfrm>
+          <a:prstGeom prst="ellipse">
+            <a:avLst/>
+          </a:prstGeom>
+          <a:solidFill>
+            <a:srgbClr val="FF0000">
+              <a:alpha val="51000"/>
+            </a:srgbClr>
+          </a:solidFill>
+          <a:ln>
+            <a:solidFill>
+              <a:srgbClr val="FF0000"/>
+            </a:solidFill>
+          </a:ln>
+        </p:spPr>
+        <p:style>
+          <a:lnRef idx="2">
+            <a:schemeClr val="accent1">
+              <a:shade val="50000"/>
+            </a:schemeClr>
+          </a:lnRef>
+          <a:fillRef idx="1">
+            <a:schemeClr val="accent1"/>
+          </a:fillRef>
+          <a:effectRef idx="0">
+            <a:schemeClr val="accent1"/>
+          </a:effectRef>
+          <a:fontRef idx="minor">
+            <a:schemeClr val="lt1"/>
+          </a:fontRef>
+        </p:style>
+        <p:txBody>
+          <a:bodyPr rtlCol="0" anchor="ctr"/>
+          <a:lstStyle/>
+          <a:p>
+            <a:pPr algn="ctr"/>
+            <a:endParaRPr lang="ja-JP" altLang="en-US">
+              <a:latin typeface="Calibri" panose="020F0502020204030204" pitchFamily="34" charset="0"/>
+              <a:ea typeface="FOT-Cezanne Pro M" panose="02020600000000000000" pitchFamily="18" charset="-128"/>
+              <a:cs typeface="Calibri" panose="020F0502020204030204" pitchFamily="34" charset="0"/>
+            </a:endParaRPr>
+          </a:p>
+        </p:txBody>
+      </p:sp>
+      <p:sp>
+        <p:nvSpPr>
+          <p:cNvPr id="141" name="円/楕円 140">
+            <a:extLst>
+              <a:ext uri="{FF2B5EF4-FFF2-40B4-BE49-F238E27FC236}">
+                <a16:creationId xmlns:a16="http://schemas.microsoft.com/office/drawing/2014/main" id="{01EB4036-8FC8-6B40-824C-62B441064E05}"/>
+              </a:ext>
+            </a:extLst>
+          </p:cNvPr>
+          <p:cNvSpPr/>
+          <p:nvPr/>
+        </p:nvSpPr>
+        <p:spPr>
+          <a:xfrm>
+            <a:off x="9939555" y="603494"/>
+            <a:ext cx="713684" cy="713678"/>
+          </a:xfrm>
+          <a:prstGeom prst="ellipse">
+            <a:avLst/>
+          </a:prstGeom>
+        </p:spPr>
+        <p:style>
+          <a:lnRef idx="2">
+            <a:schemeClr val="accent1">
+              <a:shade val="50000"/>
+            </a:schemeClr>
+          </a:lnRef>
+          <a:fillRef idx="1">
+            <a:schemeClr val="accent1"/>
+          </a:fillRef>
+          <a:effectRef idx="0">
+            <a:schemeClr val="accent1"/>
+          </a:effectRef>
+          <a:fontRef idx="minor">
+            <a:schemeClr val="lt1"/>
+          </a:fontRef>
+        </p:style>
+        <p:txBody>
+          <a:bodyPr rtlCol="0" anchor="ctr"/>
+          <a:lstStyle/>
+          <a:p>
+            <a:pPr algn="ctr"/>
+            <a:endParaRPr lang="ja-JP" altLang="en-US">
+              <a:latin typeface="Calibri" panose="020F0502020204030204" pitchFamily="34" charset="0"/>
+              <a:ea typeface="FOT-Cezanne Pro M" panose="02020600000000000000" pitchFamily="18" charset="-128"/>
+              <a:cs typeface="Calibri" panose="020F0502020204030204" pitchFamily="34" charset="0"/>
+            </a:endParaRPr>
+          </a:p>
+        </p:txBody>
+      </p:sp>
+      <p:sp>
+        <p:nvSpPr>
+          <p:cNvPr id="142" name="円/楕円 141">
+            <a:extLst>
+              <a:ext uri="{FF2B5EF4-FFF2-40B4-BE49-F238E27FC236}">
+                <a16:creationId xmlns:a16="http://schemas.microsoft.com/office/drawing/2014/main" id="{44E2B1BA-810D-4A4F-941C-1F4574BD55EC}"/>
+              </a:ext>
+            </a:extLst>
+          </p:cNvPr>
+          <p:cNvSpPr/>
+          <p:nvPr/>
+        </p:nvSpPr>
+        <p:spPr>
+          <a:xfrm>
+            <a:off x="17946112" y="603494"/>
+            <a:ext cx="713684" cy="713678"/>
+          </a:xfrm>
+          <a:prstGeom prst="ellipse">
+            <a:avLst/>
+          </a:prstGeom>
+          <a:solidFill>
+            <a:schemeClr val="accent1">
+              <a:alpha val="51000"/>
+            </a:schemeClr>
+          </a:solidFill>
+        </p:spPr>
+        <p:style>
+          <a:lnRef idx="2">
+            <a:schemeClr val="accent1">
+              <a:shade val="50000"/>
+            </a:schemeClr>
+          </a:lnRef>
+          <a:fillRef idx="1">
+            <a:schemeClr val="accent1"/>
+          </a:fillRef>
+          <a:effectRef idx="0">
+            <a:schemeClr val="accent1"/>
+          </a:effectRef>
+          <a:fontRef idx="minor">
+            <a:schemeClr val="lt1"/>
+          </a:fontRef>
+        </p:style>
+        <p:txBody>
+          <a:bodyPr rtlCol="0" anchor="ctr"/>
+          <a:lstStyle/>
+          <a:p>
+            <a:pPr algn="ctr"/>
+            <a:endParaRPr lang="ja-JP" altLang="en-US">
+              <a:latin typeface="Calibri" panose="020F0502020204030204" pitchFamily="34" charset="0"/>
+              <a:ea typeface="FOT-Cezanne Pro M" panose="02020600000000000000" pitchFamily="18" charset="-128"/>
+              <a:cs typeface="Calibri" panose="020F0502020204030204" pitchFamily="34" charset="0"/>
+            </a:endParaRPr>
+          </a:p>
+        </p:txBody>
+      </p:sp>
+      <p:sp>
+        <p:nvSpPr>
+          <p:cNvPr id="143" name="円/楕円 142">
+            <a:extLst>
+              <a:ext uri="{FF2B5EF4-FFF2-40B4-BE49-F238E27FC236}">
+                <a16:creationId xmlns:a16="http://schemas.microsoft.com/office/drawing/2014/main" id="{C5552DA3-16C5-FA42-B7FC-6796D6630C5F}"/>
+              </a:ext>
+            </a:extLst>
+          </p:cNvPr>
+          <p:cNvSpPr/>
+          <p:nvPr/>
+        </p:nvSpPr>
+        <p:spPr>
+          <a:xfrm>
+            <a:off x="13942833" y="603494"/>
+            <a:ext cx="713684" cy="713678"/>
+          </a:xfrm>
+          <a:prstGeom prst="ellipse">
+            <a:avLst/>
+          </a:prstGeom>
+          <a:solidFill>
+            <a:srgbClr val="FF0000">
+              <a:alpha val="51000"/>
+            </a:srgbClr>
+          </a:solidFill>
+          <a:ln>
+            <a:solidFill>
+              <a:srgbClr val="FF0000"/>
+            </a:solidFill>
+          </a:ln>
+        </p:spPr>
+        <p:style>
+          <a:lnRef idx="2">
+            <a:schemeClr val="accent1">
+              <a:shade val="50000"/>
+            </a:schemeClr>
+          </a:lnRef>
+          <a:fillRef idx="1">
+            <a:schemeClr val="accent1"/>
+          </a:fillRef>
+          <a:effectRef idx="0">
+            <a:schemeClr val="accent1"/>
+          </a:effectRef>
+          <a:fontRef idx="minor">
+            <a:schemeClr val="lt1"/>
+          </a:fontRef>
+        </p:style>
+        <p:txBody>
+          <a:bodyPr rtlCol="0" anchor="ctr"/>
+          <a:lstStyle/>
+          <a:p>
+            <a:pPr algn="ctr"/>
+            <a:endParaRPr lang="ja-JP" altLang="en-US">
+              <a:latin typeface="Calibri" panose="020F0502020204030204" pitchFamily="34" charset="0"/>
+              <a:ea typeface="FOT-Cezanne Pro M" panose="02020600000000000000" pitchFamily="18" charset="-128"/>
+              <a:cs typeface="Calibri" panose="020F0502020204030204" pitchFamily="34" charset="0"/>
+            </a:endParaRPr>
+          </a:p>
+        </p:txBody>
+      </p:sp>
+      <p:sp>
+        <p:nvSpPr>
+          <p:cNvPr id="144" name="テキスト ボックス 143">
+            <a:extLst>
+              <a:ext uri="{FF2B5EF4-FFF2-40B4-BE49-F238E27FC236}">
+                <a16:creationId xmlns:a16="http://schemas.microsoft.com/office/drawing/2014/main" id="{37BF8C18-95A8-A643-8797-5D6F989E5112}"/>
+              </a:ext>
+            </a:extLst>
+          </p:cNvPr>
+          <p:cNvSpPr txBox="1"/>
+          <p:nvPr/>
+        </p:nvSpPr>
+        <p:spPr>
+          <a:xfrm>
+            <a:off x="10770046" y="711986"/>
+            <a:ext cx="3002978" cy="707886"/>
+          </a:xfrm>
+          <a:prstGeom prst="rect">
+            <a:avLst/>
+          </a:prstGeom>
+          <a:noFill/>
+        </p:spPr>
+        <p:txBody>
+          <a:bodyPr wrap="square">
+            <a:spAutoFit/>
+          </a:bodyPr>
+          <a:lstStyle/>
+          <a:p>
+            <a:r>
+              <a:rPr lang="en-US" altLang="ja-JP" sz="4000" dirty="0" err="1">
+                <a:latin typeface="Calibri" panose="020F0502020204030204" pitchFamily="34" charset="0"/>
+                <a:cs typeface="Calibri" panose="020F0502020204030204" pitchFamily="34" charset="0"/>
+              </a:rPr>
+              <a:t>prevPlayer</a:t>
+            </a:r>
+            <a:endParaRPr lang="en-US" altLang="ja-JP" sz="4000" dirty="0">
+              <a:latin typeface="Calibri" panose="020F0502020204030204" pitchFamily="34" charset="0"/>
+              <a:cs typeface="Calibri" panose="020F0502020204030204" pitchFamily="34" charset="0"/>
+            </a:endParaRPr>
+          </a:p>
+        </p:txBody>
+      </p:sp>
+      <p:sp>
+        <p:nvSpPr>
+          <p:cNvPr id="145" name="テキスト ボックス 144">
+            <a:extLst>
+              <a:ext uri="{FF2B5EF4-FFF2-40B4-BE49-F238E27FC236}">
+                <a16:creationId xmlns:a16="http://schemas.microsoft.com/office/drawing/2014/main" id="{9BE04656-475F-4543-BCE0-DC1A98EF3A17}"/>
+              </a:ext>
+            </a:extLst>
+          </p:cNvPr>
+          <p:cNvSpPr txBox="1"/>
+          <p:nvPr/>
+        </p:nvSpPr>
+        <p:spPr>
+          <a:xfrm>
+            <a:off x="18778080" y="711986"/>
+            <a:ext cx="4465564" cy="707886"/>
+          </a:xfrm>
+          <a:prstGeom prst="rect">
+            <a:avLst/>
+          </a:prstGeom>
+          <a:noFill/>
+        </p:spPr>
+        <p:txBody>
+          <a:bodyPr wrap="square">
+            <a:spAutoFit/>
+          </a:bodyPr>
+          <a:lstStyle/>
+          <a:p>
+            <a:r>
+              <a:rPr lang="en-US" altLang="ja-JP" sz="4000" dirty="0" err="1">
+                <a:latin typeface="Calibri" panose="020F0502020204030204" pitchFamily="34" charset="0"/>
+                <a:cs typeface="Calibri" panose="020F0502020204030204" pitchFamily="34" charset="0"/>
+              </a:rPr>
+              <a:t>prevPlayer</a:t>
+            </a:r>
+            <a:r>
+              <a:rPr lang="en-US" altLang="ja-JP" sz="4000" dirty="0">
+                <a:latin typeface="Calibri" panose="020F0502020204030204" pitchFamily="34" charset="0"/>
+                <a:cs typeface="Calibri" panose="020F0502020204030204" pitchFamily="34" charset="0"/>
+              </a:rPr>
+              <a:t> + dt</a:t>
+            </a:r>
+          </a:p>
+        </p:txBody>
+      </p:sp>
+      <p:sp>
+        <p:nvSpPr>
+          <p:cNvPr id="146" name="テキスト ボックス 145">
+            <a:extLst>
+              <a:ext uri="{FF2B5EF4-FFF2-40B4-BE49-F238E27FC236}">
+                <a16:creationId xmlns:a16="http://schemas.microsoft.com/office/drawing/2014/main" id="{A427E970-7557-CD4D-8F54-13DB5F346A88}"/>
+              </a:ext>
+            </a:extLst>
+          </p:cNvPr>
+          <p:cNvSpPr txBox="1"/>
+          <p:nvPr/>
+        </p:nvSpPr>
+        <p:spPr>
+          <a:xfrm>
+            <a:off x="14749793" y="711986"/>
+            <a:ext cx="2806045" cy="707886"/>
+          </a:xfrm>
+          <a:prstGeom prst="rect">
+            <a:avLst/>
+          </a:prstGeom>
+          <a:noFill/>
+        </p:spPr>
+        <p:txBody>
+          <a:bodyPr wrap="square">
+            <a:spAutoFit/>
+          </a:bodyPr>
+          <a:lstStyle/>
+          <a:p>
+            <a:r>
+              <a:rPr lang="en-US" altLang="ja-JP" sz="4000" dirty="0" err="1">
+                <a:latin typeface="Calibri" panose="020F0502020204030204" pitchFamily="34" charset="0"/>
+                <a:cs typeface="Calibri" panose="020F0502020204030204" pitchFamily="34" charset="0"/>
+              </a:rPr>
+              <a:t>nextPlayer</a:t>
+            </a:r>
+            <a:endParaRPr lang="en-US" altLang="ja-JP" sz="4000" dirty="0">
+              <a:latin typeface="Calibri" panose="020F0502020204030204" pitchFamily="34" charset="0"/>
+              <a:cs typeface="Calibri" panose="020F0502020204030204" pitchFamily="34" charset="0"/>
+            </a:endParaRPr>
+          </a:p>
+        </p:txBody>
+      </p:sp>
+      <p:sp>
+        <p:nvSpPr>
+          <p:cNvPr id="148" name="テキスト ボックス 147">
+            <a:extLst>
+              <a:ext uri="{FF2B5EF4-FFF2-40B4-BE49-F238E27FC236}">
+                <a16:creationId xmlns:a16="http://schemas.microsoft.com/office/drawing/2014/main" id="{8879E717-69AF-E745-B507-208BCE681F08}"/>
+              </a:ext>
+            </a:extLst>
+          </p:cNvPr>
+          <p:cNvSpPr txBox="1"/>
+          <p:nvPr/>
+        </p:nvSpPr>
+        <p:spPr>
+          <a:xfrm>
+            <a:off x="14375074" y="6950685"/>
+            <a:ext cx="1875490" cy="707886"/>
+          </a:xfrm>
+          <a:prstGeom prst="rect">
+            <a:avLst/>
+          </a:prstGeom>
+          <a:noFill/>
+        </p:spPr>
+        <p:txBody>
+          <a:bodyPr wrap="square">
+            <a:spAutoFit/>
+          </a:bodyPr>
+          <a:lstStyle/>
+          <a:p>
+            <a:r>
+              <a:rPr lang="ja-JP" altLang="en-US" sz="4000">
+                <a:latin typeface="Calibri" panose="020F0502020204030204" pitchFamily="34" charset="0"/>
+                <a:cs typeface="Calibri" panose="020F0502020204030204" pitchFamily="34" charset="0"/>
+              </a:rPr>
+              <a:t>上り坂</a:t>
+            </a:r>
+            <a:endParaRPr lang="en-US" altLang="ja-JP" sz="4000" dirty="0">
+              <a:latin typeface="Calibri" panose="020F0502020204030204" pitchFamily="34" charset="0"/>
+              <a:cs typeface="Calibri" panose="020F0502020204030204" pitchFamily="34" charset="0"/>
+            </a:endParaRPr>
+          </a:p>
+        </p:txBody>
+      </p:sp>
+      <p:sp>
+        <p:nvSpPr>
+          <p:cNvPr id="149" name="テキスト ボックス 148">
+            <a:extLst>
+              <a:ext uri="{FF2B5EF4-FFF2-40B4-BE49-F238E27FC236}">
+                <a16:creationId xmlns:a16="http://schemas.microsoft.com/office/drawing/2014/main" id="{195156D3-CCA5-914E-B7B7-A1CEE42239CA}"/>
+              </a:ext>
+            </a:extLst>
+          </p:cNvPr>
+          <p:cNvSpPr txBox="1"/>
+          <p:nvPr/>
+        </p:nvSpPr>
+        <p:spPr>
+          <a:xfrm>
+            <a:off x="12913896" y="12259616"/>
+            <a:ext cx="3480176" cy="707886"/>
+          </a:xfrm>
+          <a:prstGeom prst="rect">
+            <a:avLst/>
+          </a:prstGeom>
+          <a:noFill/>
+        </p:spPr>
+        <p:txBody>
+          <a:bodyPr wrap="square">
+            <a:spAutoFit/>
+          </a:bodyPr>
+          <a:lstStyle/>
+          <a:p>
+            <a:r>
+              <a:rPr lang="ja-JP" altLang="en-US" sz="4000">
+                <a:latin typeface="Calibri" panose="020F0502020204030204" pitchFamily="34" charset="0"/>
+                <a:cs typeface="Calibri" panose="020F0502020204030204" pitchFamily="34" charset="0"/>
+              </a:rPr>
+              <a:t>下り坂・平坦</a:t>
+            </a:r>
+            <a:endParaRPr lang="en-US" altLang="ja-JP" sz="4000" dirty="0">
+              <a:latin typeface="Calibri" panose="020F0502020204030204" pitchFamily="34" charset="0"/>
+              <a:cs typeface="Calibri" panose="020F0502020204030204" pitchFamily="34" charset="0"/>
+            </a:endParaRPr>
+          </a:p>
+        </p:txBody>
+      </p:sp>
+      <p:sp>
+        <p:nvSpPr>
+          <p:cNvPr id="150" name="テキスト ボックス 149">
+            <a:extLst>
+              <a:ext uri="{FF2B5EF4-FFF2-40B4-BE49-F238E27FC236}">
+                <a16:creationId xmlns:a16="http://schemas.microsoft.com/office/drawing/2014/main" id="{5C6DA7BF-7371-7046-88F8-417683BF3B75}"/>
+              </a:ext>
+            </a:extLst>
+          </p:cNvPr>
+          <p:cNvSpPr txBox="1"/>
+          <p:nvPr/>
+        </p:nvSpPr>
+        <p:spPr>
+          <a:xfrm>
+            <a:off x="8871172" y="5061130"/>
+            <a:ext cx="6220713" cy="707886"/>
+          </a:xfrm>
+          <a:prstGeom prst="rect">
+            <a:avLst/>
+          </a:prstGeom>
+          <a:solidFill>
+            <a:srgbClr val="FFFFFF">
+              <a:alpha val="68627"/>
+            </a:srgbClr>
+          </a:solidFill>
+        </p:spPr>
+        <p:txBody>
+          <a:bodyPr wrap="square">
+            <a:spAutoFit/>
+          </a:bodyPr>
+          <a:lstStyle/>
+          <a:p>
+            <a:r>
+              <a:rPr lang="en-US" altLang="ja-JP" sz="4000" i="1" dirty="0" err="1">
+                <a:solidFill>
+                  <a:srgbClr val="FF0000"/>
+                </a:solidFill>
+              </a:rPr>
+              <a:t>prevPY</a:t>
+            </a:r>
+            <a:r>
+              <a:rPr lang="en-US" altLang="ja-JP" sz="4000" i="1" dirty="0">
+                <a:solidFill>
+                  <a:srgbClr val="FF0000"/>
+                </a:solidFill>
+              </a:rPr>
+              <a:t> &gt; </a:t>
+            </a:r>
+            <a:r>
+              <a:rPr lang="en-US" altLang="ja-JP" sz="4000" i="1" dirty="0" err="1">
+                <a:solidFill>
+                  <a:srgbClr val="FF0000"/>
+                </a:solidFill>
+              </a:rPr>
+              <a:t>nextCH</a:t>
+            </a:r>
+            <a:r>
+              <a:rPr lang="en-US" altLang="ja-JP" sz="4000" i="1" dirty="0">
+                <a:solidFill>
+                  <a:srgbClr val="FF0000"/>
+                </a:solidFill>
+              </a:rPr>
+              <a:t> - </a:t>
+            </a:r>
+            <a:r>
+              <a:rPr lang="en-US" altLang="ja-JP" sz="4000" i="1" dirty="0" err="1">
+                <a:solidFill>
+                  <a:srgbClr val="FF0000"/>
+                </a:solidFill>
+              </a:rPr>
+              <a:t>diffHeight</a:t>
+            </a:r>
+            <a:endParaRPr lang="en-US" altLang="ja-JP" sz="4000" i="1" dirty="0">
+              <a:solidFill>
+                <a:srgbClr val="FF0000"/>
+              </a:solidFill>
+            </a:endParaRPr>
+          </a:p>
+        </p:txBody>
+      </p:sp>
+    </p:spTree>
+    <p:extLst>
+      <p:ext uri="{BB962C8B-B14F-4D97-AF65-F5344CB8AC3E}">
+        <p14:creationId xmlns:p14="http://schemas.microsoft.com/office/powerpoint/2010/main" val="1226069732"/>
       </p:ext>
     </p:extLst>
   </p:cSld>

--- a/プレゼンテーション1.pptx
+++ b/プレゼンテーション1.pptx
@@ -761,7 +761,10 @@
           <a:bodyPr/>
           <a:lstStyle/>
           <a:p>
-            <a:endParaRPr kumimoji="1" lang="ja-JP" altLang="en-US"/>
+            <a:r>
+              <a:rPr kumimoji="1" lang="ja-JP" altLang="en-US"/>
+              <a:t>日本語化</a:t>
+            </a:r>
           </a:p>
         </p:txBody>
       </p:sp>

--- a/プレゼンテーション1.pptx
+++ b/プレゼンテーション1.pptx
@@ -200,7 +200,7 @@
           <a:p>
             <a:fld id="{2BA49272-FCAE-D145-A31C-B19C91E4E1B5}" type="datetimeFigureOut">
               <a:rPr kumimoji="1" lang="ja-JP" altLang="en-US" smtClean="0"/>
-              <a:t>2021/11/2</a:t>
+              <a:t>2021/11/11</a:t>
             </a:fld>
             <a:endParaRPr kumimoji="1" lang="ja-JP" altLang="en-US"/>
           </a:p>
@@ -1113,7 +1113,7 @@
           <a:p>
             <a:fld id="{86BA6A6B-E36D-594B-B171-0F5ABB4A6F4D}" type="datetimeFigureOut">
               <a:rPr kumimoji="1" lang="ja-JP" altLang="en-US" smtClean="0"/>
-              <a:t>2021/11/2</a:t>
+              <a:t>2021/11/11</a:t>
             </a:fld>
             <a:endParaRPr kumimoji="1" lang="ja-JP" altLang="en-US"/>
           </a:p>
@@ -1315,7 +1315,7 @@
           <a:p>
             <a:fld id="{86BA6A6B-E36D-594B-B171-0F5ABB4A6F4D}" type="datetimeFigureOut">
               <a:rPr kumimoji="1" lang="ja-JP" altLang="en-US" smtClean="0"/>
-              <a:t>2021/11/2</a:t>
+              <a:t>2021/11/11</a:t>
             </a:fld>
             <a:endParaRPr kumimoji="1" lang="ja-JP" altLang="en-US"/>
           </a:p>
@@ -1527,7 +1527,7 @@
           <a:p>
             <a:fld id="{86BA6A6B-E36D-594B-B171-0F5ABB4A6F4D}" type="datetimeFigureOut">
               <a:rPr kumimoji="1" lang="ja-JP" altLang="en-US" smtClean="0"/>
-              <a:t>2021/11/2</a:t>
+              <a:t>2021/11/11</a:t>
             </a:fld>
             <a:endParaRPr kumimoji="1" lang="ja-JP" altLang="en-US"/>
           </a:p>
@@ -1729,7 +1729,7 @@
           <a:p>
             <a:fld id="{86BA6A6B-E36D-594B-B171-0F5ABB4A6F4D}" type="datetimeFigureOut">
               <a:rPr kumimoji="1" lang="ja-JP" altLang="en-US" smtClean="0"/>
-              <a:t>2021/11/2</a:t>
+              <a:t>2021/11/11</a:t>
             </a:fld>
             <a:endParaRPr kumimoji="1" lang="ja-JP" altLang="en-US"/>
           </a:p>
@@ -1975,7 +1975,7 @@
           <a:p>
             <a:fld id="{86BA6A6B-E36D-594B-B171-0F5ABB4A6F4D}" type="datetimeFigureOut">
               <a:rPr kumimoji="1" lang="ja-JP" altLang="en-US" smtClean="0"/>
-              <a:t>2021/11/2</a:t>
+              <a:t>2021/11/11</a:t>
             </a:fld>
             <a:endParaRPr kumimoji="1" lang="ja-JP" altLang="en-US"/>
           </a:p>
@@ -2271,7 +2271,7 @@
           <a:p>
             <a:fld id="{86BA6A6B-E36D-594B-B171-0F5ABB4A6F4D}" type="datetimeFigureOut">
               <a:rPr kumimoji="1" lang="ja-JP" altLang="en-US" smtClean="0"/>
-              <a:t>2021/11/2</a:t>
+              <a:t>2021/11/11</a:t>
             </a:fld>
             <a:endParaRPr kumimoji="1" lang="ja-JP" altLang="en-US"/>
           </a:p>
@@ -2702,7 +2702,7 @@
           <a:p>
             <a:fld id="{86BA6A6B-E36D-594B-B171-0F5ABB4A6F4D}" type="datetimeFigureOut">
               <a:rPr kumimoji="1" lang="ja-JP" altLang="en-US" smtClean="0"/>
-              <a:t>2021/11/2</a:t>
+              <a:t>2021/11/11</a:t>
             </a:fld>
             <a:endParaRPr kumimoji="1" lang="ja-JP" altLang="en-US"/>
           </a:p>
@@ -2820,7 +2820,7 @@
           <a:p>
             <a:fld id="{86BA6A6B-E36D-594B-B171-0F5ABB4A6F4D}" type="datetimeFigureOut">
               <a:rPr kumimoji="1" lang="ja-JP" altLang="en-US" smtClean="0"/>
-              <a:t>2021/11/2</a:t>
+              <a:t>2021/11/11</a:t>
             </a:fld>
             <a:endParaRPr kumimoji="1" lang="ja-JP" altLang="en-US"/>
           </a:p>
@@ -2915,7 +2915,7 @@
           <a:p>
             <a:fld id="{86BA6A6B-E36D-594B-B171-0F5ABB4A6F4D}" type="datetimeFigureOut">
               <a:rPr kumimoji="1" lang="ja-JP" altLang="en-US" smtClean="0"/>
-              <a:t>2021/11/2</a:t>
+              <a:t>2021/11/11</a:t>
             </a:fld>
             <a:endParaRPr kumimoji="1" lang="ja-JP" altLang="en-US"/>
           </a:p>
@@ -3224,7 +3224,7 @@
           <a:p>
             <a:fld id="{86BA6A6B-E36D-594B-B171-0F5ABB4A6F4D}" type="datetimeFigureOut">
               <a:rPr kumimoji="1" lang="ja-JP" altLang="en-US" smtClean="0"/>
-              <a:t>2021/11/2</a:t>
+              <a:t>2021/11/11</a:t>
             </a:fld>
             <a:endParaRPr kumimoji="1" lang="ja-JP" altLang="en-US"/>
           </a:p>
@@ -3481,7 +3481,7 @@
           <a:p>
             <a:fld id="{86BA6A6B-E36D-594B-B171-0F5ABB4A6F4D}" type="datetimeFigureOut">
               <a:rPr kumimoji="1" lang="ja-JP" altLang="en-US" smtClean="0"/>
-              <a:t>2021/11/2</a:t>
+              <a:t>2021/11/11</a:t>
             </a:fld>
             <a:endParaRPr kumimoji="1" lang="ja-JP" altLang="en-US"/>
           </a:p>
@@ -3726,7 +3726,7 @@
           <a:p>
             <a:fld id="{86BA6A6B-E36D-594B-B171-0F5ABB4A6F4D}" type="datetimeFigureOut">
               <a:rPr kumimoji="1" lang="ja-JP" altLang="en-US" smtClean="0"/>
-              <a:t>2021/11/2</a:t>
+              <a:t>2021/11/11</a:t>
             </a:fld>
             <a:endParaRPr kumimoji="1" lang="ja-JP" altLang="en-US"/>
           </a:p>
@@ -4348,7 +4348,7 @@
         <p:spPr>
           <a:xfrm>
             <a:off x="9678142" y="11825452"/>
-            <a:ext cx="8235781" cy="584775"/>
+            <a:ext cx="8019375" cy="1077218"/>
           </a:xfrm>
           <a:prstGeom prst="rect">
             <a:avLst/>
@@ -4381,6 +4381,14 @@
               <a:rPr kumimoji="1" lang="ja-JP" altLang="en-US" sz="3200"/>
               <a:t>本</a:t>
             </a:r>
+            <a:endParaRPr kumimoji="1" lang="en-US" altLang="ja-JP" sz="3200" dirty="0"/>
+          </a:p>
+          <a:p>
+            <a:r>
+              <a:rPr kumimoji="1" lang="en-US" altLang="ja-JP" sz="3200" dirty="0"/>
+              <a:t>= 1 lap</a:t>
+            </a:r>
+            <a:endParaRPr kumimoji="1" lang="ja-JP" altLang="en-US" sz="3200"/>
           </a:p>
         </p:txBody>
       </p:sp>
@@ -4690,6 +4698,60 @@
       </p:grpSpPr>
       <p:sp>
         <p:nvSpPr>
+          <p:cNvPr id="2" name="正方形/長方形 1">
+            <a:extLst>
+              <a:ext uri="{FF2B5EF4-FFF2-40B4-BE49-F238E27FC236}">
+                <a16:creationId xmlns:a16="http://schemas.microsoft.com/office/drawing/2014/main" id="{7FB2526C-8C75-8945-A925-D461636312A9}"/>
+              </a:ext>
+            </a:extLst>
+          </p:cNvPr>
+          <p:cNvSpPr/>
+          <p:nvPr/>
+        </p:nvSpPr>
+        <p:spPr>
+          <a:xfrm>
+            <a:off x="10653239" y="365238"/>
+            <a:ext cx="12885080" cy="2503534"/>
+          </a:xfrm>
+          <a:prstGeom prst="rect">
+            <a:avLst/>
+          </a:prstGeom>
+          <a:solidFill>
+            <a:schemeClr val="bg1">
+              <a:lumMod val="95000"/>
+            </a:schemeClr>
+          </a:solidFill>
+          <a:ln>
+            <a:noFill/>
+          </a:ln>
+        </p:spPr>
+        <p:style>
+          <a:lnRef idx="2">
+            <a:schemeClr val="accent1">
+              <a:shade val="50000"/>
+            </a:schemeClr>
+          </a:lnRef>
+          <a:fillRef idx="1">
+            <a:schemeClr val="accent1"/>
+          </a:fillRef>
+          <a:effectRef idx="0">
+            <a:schemeClr val="accent1"/>
+          </a:effectRef>
+          <a:fontRef idx="minor">
+            <a:schemeClr val="lt1"/>
+          </a:fontRef>
+        </p:style>
+        <p:txBody>
+          <a:bodyPr rtlCol="0" anchor="ctr"/>
+          <a:lstStyle/>
+          <a:p>
+            <a:pPr algn="ctr"/>
+            <a:endParaRPr kumimoji="1" lang="ja-JP" altLang="en-US"/>
+          </a:p>
+        </p:txBody>
+      </p:sp>
+      <p:sp>
+        <p:nvSpPr>
           <p:cNvPr id="81" name="正方形/長方形 80">
             <a:extLst>
               <a:ext uri="{FF2B5EF4-FFF2-40B4-BE49-F238E27FC236}">
@@ -4763,7 +4825,7 @@
         </p:nvSpPr>
         <p:spPr>
           <a:xfrm>
-            <a:off x="2105164" y="6895705"/>
+            <a:off x="2105164" y="7177057"/>
             <a:ext cx="591015" cy="1443307"/>
           </a:xfrm>
           <a:prstGeom prst="rect">
@@ -4823,7 +4885,7 @@
         </p:nvSpPr>
         <p:spPr>
           <a:xfrm>
-            <a:off x="2673876" y="6560392"/>
+            <a:off x="2673876" y="6841744"/>
             <a:ext cx="591015" cy="1778620"/>
           </a:xfrm>
           <a:prstGeom prst="rect">
@@ -4884,7 +4946,7 @@
         </p:nvSpPr>
         <p:spPr>
           <a:xfrm>
-            <a:off x="4503555" y="6895705"/>
+            <a:off x="4503555" y="7177057"/>
             <a:ext cx="591015" cy="1443307"/>
           </a:xfrm>
           <a:prstGeom prst="rect">
@@ -4944,7 +5006,7 @@
         </p:nvSpPr>
         <p:spPr>
           <a:xfrm>
-            <a:off x="5065746" y="6560393"/>
+            <a:off x="5065746" y="6841745"/>
             <a:ext cx="591015" cy="1778620"/>
           </a:xfrm>
           <a:prstGeom prst="rect">
@@ -5005,7 +5067,7 @@
         </p:nvSpPr>
         <p:spPr>
           <a:xfrm>
-            <a:off x="5633318" y="6560391"/>
+            <a:off x="5633318" y="6841743"/>
             <a:ext cx="591015" cy="1778620"/>
           </a:xfrm>
           <a:prstGeom prst="rect">
@@ -5066,7 +5128,7 @@
         </p:nvSpPr>
         <p:spPr>
           <a:xfrm>
-            <a:off x="7398387" y="6560391"/>
+            <a:off x="7398387" y="6841743"/>
             <a:ext cx="591015" cy="1778620"/>
           </a:xfrm>
           <a:prstGeom prst="rect">
@@ -5126,7 +5188,7 @@
         </p:nvSpPr>
         <p:spPr>
           <a:xfrm>
-            <a:off x="8004379" y="6895703"/>
+            <a:off x="8004379" y="7177055"/>
             <a:ext cx="591015" cy="1443308"/>
           </a:xfrm>
           <a:prstGeom prst="rect">
@@ -5187,7 +5249,7 @@
         </p:nvSpPr>
         <p:spPr>
           <a:xfrm>
-            <a:off x="6763081" y="5562492"/>
+            <a:off x="6763081" y="5843844"/>
             <a:ext cx="713684" cy="713678"/>
           </a:xfrm>
           <a:prstGeom prst="ellipse">
@@ -5238,7 +5300,7 @@
         <p:spPr>
           <a:xfrm>
             <a:off x="1136285" y="608031"/>
-            <a:ext cx="9418219" cy="4616648"/>
+            <a:ext cx="9418219" cy="5847755"/>
           </a:xfrm>
           <a:prstGeom prst="rect">
             <a:avLst/>
@@ -5265,53 +5327,96 @@
           </a:p>
           <a:p>
             <a:r>
+              <a:rPr lang="ja-JP" altLang="en-US" sz="4000">
+                <a:latin typeface="Calibri" panose="020F0502020204030204" pitchFamily="34" charset="0"/>
+                <a:cs typeface="Calibri" panose="020F0502020204030204" pitchFamily="34" charset="0"/>
+              </a:rPr>
+              <a:t>着地したら</a:t>
+            </a:r>
+            <a:r>
               <a:rPr lang="en-US" altLang="ja-JP" sz="4000" dirty="0">
                 <a:latin typeface="Calibri" panose="020F0502020204030204" pitchFamily="34" charset="0"/>
                 <a:cs typeface="Calibri" panose="020F0502020204030204" pitchFamily="34" charset="0"/>
               </a:rPr>
-              <a:t>[</a:t>
-            </a:r>
+              <a:t>… </a:t>
+            </a:r>
+            <a:r>
+              <a:rPr lang="en-US" altLang="ja-JP" sz="4000" dirty="0" err="1">
+                <a:latin typeface="Calibri" panose="020F0502020204030204" pitchFamily="34" charset="0"/>
+                <a:cs typeface="Calibri" panose="020F0502020204030204" pitchFamily="34" charset="0"/>
+              </a:rPr>
+              <a:t>nextPY</a:t>
+            </a:r>
+            <a:r>
+              <a:rPr lang="en-US" altLang="ja-JP" sz="4000" dirty="0">
+                <a:latin typeface="Calibri" panose="020F0502020204030204" pitchFamily="34" charset="0"/>
+                <a:cs typeface="Calibri" panose="020F0502020204030204" pitchFamily="34" charset="0"/>
+              </a:rPr>
+              <a:t> = </a:t>
+            </a:r>
+            <a:r>
+              <a:rPr lang="en-US" altLang="ja-JP" sz="4000" dirty="0" err="1">
+                <a:latin typeface="Calibri" panose="020F0502020204030204" pitchFamily="34" charset="0"/>
+                <a:cs typeface="Calibri" panose="020F0502020204030204" pitchFamily="34" charset="0"/>
+              </a:rPr>
+              <a:t>nextCH</a:t>
+            </a:r>
+            <a:r>
+              <a:rPr lang="en-US" altLang="ja-JP" sz="4000" dirty="0">
+                <a:latin typeface="Calibri" panose="020F0502020204030204" pitchFamily="34" charset="0"/>
+                <a:cs typeface="Calibri" panose="020F0502020204030204" pitchFamily="34" charset="0"/>
+              </a:rPr>
+              <a:t> </a:t>
+            </a:r>
+          </a:p>
+          <a:p>
             <a:r>
               <a:rPr lang="ja-JP" altLang="en-US" sz="4000">
                 <a:latin typeface="Calibri" panose="020F0502020204030204" pitchFamily="34" charset="0"/>
                 <a:cs typeface="Calibri" panose="020F0502020204030204" pitchFamily="34" charset="0"/>
               </a:rPr>
-              <a:t>着地</a:t>
-            </a:r>
+              <a:t>着地について考慮すべき場合の前提</a:t>
+            </a:r>
+            <a:endParaRPr lang="en-US" altLang="ja-JP" sz="4000" dirty="0">
+              <a:latin typeface="Calibri" panose="020F0502020204030204" pitchFamily="34" charset="0"/>
+              <a:cs typeface="Calibri" panose="020F0502020204030204" pitchFamily="34" charset="0"/>
+            </a:endParaRPr>
+          </a:p>
+          <a:p>
             <a:r>
               <a:rPr lang="en-US" altLang="ja-JP" sz="4000" dirty="0">
                 <a:latin typeface="Calibri" panose="020F0502020204030204" pitchFamily="34" charset="0"/>
                 <a:cs typeface="Calibri" panose="020F0502020204030204" pitchFamily="34" charset="0"/>
               </a:rPr>
-              <a:t>] </a:t>
+              <a:t>			</a:t>
             </a:r>
             <a:r>
               <a:rPr lang="en-US" altLang="ja-JP" sz="4000" dirty="0" err="1">
                 <a:latin typeface="Calibri" panose="020F0502020204030204" pitchFamily="34" charset="0"/>
                 <a:cs typeface="Calibri" panose="020F0502020204030204" pitchFamily="34" charset="0"/>
               </a:rPr>
-              <a:t>nextPY</a:t>
+              <a:t>prevPY</a:t>
             </a:r>
             <a:r>
               <a:rPr lang="en-US" altLang="ja-JP" sz="4000" dirty="0">
                 <a:latin typeface="Calibri" panose="020F0502020204030204" pitchFamily="34" charset="0"/>
                 <a:cs typeface="Calibri" panose="020F0502020204030204" pitchFamily="34" charset="0"/>
               </a:rPr>
-              <a:t> = </a:t>
+              <a:t> &gt; </a:t>
             </a:r>
             <a:r>
               <a:rPr lang="en-US" altLang="ja-JP" sz="4000" dirty="0" err="1">
                 <a:latin typeface="Calibri" panose="020F0502020204030204" pitchFamily="34" charset="0"/>
                 <a:cs typeface="Calibri" panose="020F0502020204030204" pitchFamily="34" charset="0"/>
               </a:rPr>
-              <a:t>nextCH</a:t>
+              <a:t>prevCH</a:t>
             </a:r>
             <a:r>
               <a:rPr lang="en-US" altLang="ja-JP" sz="4000" dirty="0">
                 <a:latin typeface="Calibri" panose="020F0502020204030204" pitchFamily="34" charset="0"/>
                 <a:cs typeface="Calibri" panose="020F0502020204030204" pitchFamily="34" charset="0"/>
               </a:rPr>
-              <a:t> </a:t>
+              <a:t> &amp;&amp;</a:t>
             </a:r>
           </a:p>
           <a:p>
@@ -5320,21 +5425,109 @@
                 <a:latin typeface="Calibri" panose="020F0502020204030204" pitchFamily="34" charset="0"/>
                 <a:cs typeface="Calibri" panose="020F0502020204030204" pitchFamily="34" charset="0"/>
               </a:rPr>
-              <a:t>[</a:t>
+              <a:t>			</a:t>
+            </a:r>
+            <a:r>
+              <a:rPr lang="en-US" altLang="ja-JP" sz="4000" dirty="0" err="1">
+                <a:latin typeface="Calibri" panose="020F0502020204030204" pitchFamily="34" charset="0"/>
+                <a:cs typeface="Calibri" panose="020F0502020204030204" pitchFamily="34" charset="0"/>
+              </a:rPr>
+              <a:t>prevPY</a:t>
+            </a:r>
+            <a:r>
+              <a:rPr lang="en-US" altLang="ja-JP" sz="4000" dirty="0">
+                <a:latin typeface="Calibri" panose="020F0502020204030204" pitchFamily="34" charset="0"/>
+                <a:cs typeface="Calibri" panose="020F0502020204030204" pitchFamily="34" charset="0"/>
+              </a:rPr>
+              <a:t> + </a:t>
+            </a:r>
+            <a:r>
+              <a:rPr lang="en-US" altLang="ja-JP" sz="4000" dirty="0" err="1">
+                <a:latin typeface="Calibri" panose="020F0502020204030204" pitchFamily="34" charset="0"/>
+                <a:cs typeface="Calibri" panose="020F0502020204030204" pitchFamily="34" charset="0"/>
+              </a:rPr>
+              <a:t>dy</a:t>
+            </a:r>
+            <a:r>
+              <a:rPr lang="en-US" altLang="ja-JP" sz="4000" dirty="0">
+                <a:latin typeface="Calibri" panose="020F0502020204030204" pitchFamily="34" charset="0"/>
+                <a:cs typeface="Calibri" panose="020F0502020204030204" pitchFamily="34" charset="0"/>
+              </a:rPr>
+              <a:t>(</a:t>
+            </a:r>
+            <a:r>
+              <a:rPr lang="en-US" altLang="ja-JP" sz="4000" dirty="0" err="1">
+                <a:latin typeface="Calibri" panose="020F0502020204030204" pitchFamily="34" charset="0"/>
+                <a:cs typeface="Calibri" panose="020F0502020204030204" pitchFamily="34" charset="0"/>
+              </a:rPr>
+              <a:t>timeAfterJump</a:t>
+            </a:r>
+            <a:r>
+              <a:rPr lang="en-US" altLang="ja-JP" sz="4000" dirty="0">
+                <a:latin typeface="Calibri" panose="020F0502020204030204" pitchFamily="34" charset="0"/>
+                <a:cs typeface="Calibri" panose="020F0502020204030204" pitchFamily="34" charset="0"/>
+              </a:rPr>
+              <a:t>) &lt; </a:t>
+            </a:r>
+            <a:r>
+              <a:rPr lang="en-US" altLang="ja-JP" sz="4000" dirty="0" err="1">
+                <a:latin typeface="Calibri" panose="020F0502020204030204" pitchFamily="34" charset="0"/>
+                <a:cs typeface="Calibri" panose="020F0502020204030204" pitchFamily="34" charset="0"/>
+              </a:rPr>
+              <a:t>nextCH</a:t>
+            </a:r>
+            <a:endParaRPr lang="en-US" altLang="ja-JP" sz="4000" dirty="0">
+              <a:latin typeface="Calibri" panose="020F0502020204030204" pitchFamily="34" charset="0"/>
+              <a:cs typeface="Calibri" panose="020F0502020204030204" pitchFamily="34" charset="0"/>
+            </a:endParaRPr>
+          </a:p>
+          <a:p>
+            <a:endParaRPr lang="en-US" altLang="ja-JP" sz="4000" dirty="0">
+              <a:latin typeface="Calibri" panose="020F0502020204030204" pitchFamily="34" charset="0"/>
+              <a:cs typeface="Calibri" panose="020F0502020204030204" pitchFamily="34" charset="0"/>
+            </a:endParaRPr>
+          </a:p>
+          <a:p>
+            <a:r>
+              <a:rPr lang="en-US" altLang="ja-JP" sz="4000" dirty="0">
+                <a:latin typeface="Calibri" panose="020F0502020204030204" pitchFamily="34" charset="0"/>
+                <a:cs typeface="Calibri" panose="020F0502020204030204" pitchFamily="34" charset="0"/>
+              </a:rPr>
+              <a:t>1. </a:t>
+            </a:r>
+            <a:r>
+              <a:rPr lang="en-US" altLang="ja-JP" sz="4000" dirty="0" err="1">
+                <a:latin typeface="Calibri" panose="020F0502020204030204" pitchFamily="34" charset="0"/>
+                <a:cs typeface="Calibri" panose="020F0502020204030204" pitchFamily="34" charset="0"/>
+              </a:rPr>
+              <a:t>prevCH</a:t>
+            </a:r>
+            <a:r>
+              <a:rPr lang="en-US" altLang="ja-JP" sz="4000" dirty="0">
+                <a:latin typeface="Calibri" panose="020F0502020204030204" pitchFamily="34" charset="0"/>
+                <a:cs typeface="Calibri" panose="020F0502020204030204" pitchFamily="34" charset="0"/>
+              </a:rPr>
+              <a:t> === 0 </a:t>
             </a:r>
             <a:r>
               <a:rPr lang="ja-JP" altLang="en-US" sz="4000">
                 <a:latin typeface="Calibri" panose="020F0502020204030204" pitchFamily="34" charset="0"/>
                 <a:cs typeface="Calibri" panose="020F0502020204030204" pitchFamily="34" charset="0"/>
               </a:rPr>
-              <a:t>前提</a:t>
-            </a:r>
+              <a:t>の場合</a:t>
+            </a:r>
+            <a:endParaRPr lang="en-US" altLang="ja-JP" sz="4000" dirty="0">
+              <a:latin typeface="Calibri" panose="020F0502020204030204" pitchFamily="34" charset="0"/>
+              <a:cs typeface="Calibri" panose="020F0502020204030204" pitchFamily="34" charset="0"/>
+            </a:endParaRPr>
+          </a:p>
+          <a:p>
             <a:r>
               <a:rPr lang="en-US" altLang="ja-JP" sz="4000" dirty="0">
                 <a:latin typeface="Calibri" panose="020F0502020204030204" pitchFamily="34" charset="0"/>
                 <a:cs typeface="Calibri" panose="020F0502020204030204" pitchFamily="34" charset="0"/>
               </a:rPr>
-              <a:t>] </a:t>
+              <a:t>	</a:t>
             </a:r>
             <a:r>
               <a:rPr lang="en-US" altLang="ja-JP" sz="4000" dirty="0" err="1">
@@ -5355,168 +5548,150 @@
                 <a:latin typeface="Calibri" panose="020F0502020204030204" pitchFamily="34" charset="0"/>
                 <a:cs typeface="Calibri" panose="020F0502020204030204" pitchFamily="34" charset="0"/>
               </a:rPr>
-              <a:t>prevCH</a:t>
+              <a:t>nextCH</a:t>
             </a:r>
             <a:r>
               <a:rPr lang="en-US" altLang="ja-JP" sz="4000" dirty="0">
                 <a:latin typeface="Calibri" panose="020F0502020204030204" pitchFamily="34" charset="0"/>
                 <a:cs typeface="Calibri" panose="020F0502020204030204" pitchFamily="34" charset="0"/>
               </a:rPr>
-              <a:t> &amp;&amp;</a:t>
-            </a:r>
-          </a:p>
-          <a:p>
+              <a:t> </a:t>
+            </a:r>
+            <a:r>
+              <a:rPr lang="ja-JP" altLang="en-US" sz="4000">
+                <a:latin typeface="Calibri" panose="020F0502020204030204" pitchFamily="34" charset="0"/>
+                <a:cs typeface="Calibri" panose="020F0502020204030204" pitchFamily="34" charset="0"/>
+              </a:rPr>
+              <a:t>ならば着地</a:t>
+            </a:r>
             <a:r>
               <a:rPr lang="en-US" altLang="ja-JP" sz="4000" dirty="0">
                 <a:latin typeface="Calibri" panose="020F0502020204030204" pitchFamily="34" charset="0"/>
                 <a:cs typeface="Calibri" panose="020F0502020204030204" pitchFamily="34" charset="0"/>
               </a:rPr>
-              <a:t>			</a:t>
+              <a:t>.</a:t>
+            </a:r>
+            <a:endParaRPr lang="ja-JP" altLang="en-US" sz="4000">
+              <a:latin typeface="Calibri" panose="020F0502020204030204" pitchFamily="34" charset="0"/>
+              <a:cs typeface="Calibri" panose="020F0502020204030204" pitchFamily="34" charset="0"/>
+            </a:endParaRPr>
+          </a:p>
+          <a:p>
+            <a:endParaRPr lang="en-US" altLang="ja-JP" sz="4000" dirty="0">
+              <a:latin typeface="Calibri" panose="020F0502020204030204" pitchFamily="34" charset="0"/>
+              <a:cs typeface="Calibri" panose="020F0502020204030204" pitchFamily="34" charset="0"/>
+            </a:endParaRPr>
+          </a:p>
+        </p:txBody>
+      </p:sp>
+      <p:sp>
+        <p:nvSpPr>
+          <p:cNvPr id="15" name="テキスト ボックス 14">
+            <a:extLst>
+              <a:ext uri="{FF2B5EF4-FFF2-40B4-BE49-F238E27FC236}">
+                <a16:creationId xmlns:a16="http://schemas.microsoft.com/office/drawing/2014/main" id="{FD6800E4-459F-B449-BF54-448EE8E3C0F3}"/>
+              </a:ext>
+            </a:extLst>
+          </p:cNvPr>
+          <p:cNvSpPr txBox="1"/>
+          <p:nvPr/>
+        </p:nvSpPr>
+        <p:spPr>
+          <a:xfrm>
+            <a:off x="1136285" y="8837741"/>
+            <a:ext cx="9228808" cy="1938992"/>
+          </a:xfrm>
+          <a:prstGeom prst="rect">
+            <a:avLst/>
+          </a:prstGeom>
+          <a:noFill/>
+        </p:spPr>
+        <p:txBody>
+          <a:bodyPr wrap="none" rtlCol="0">
+            <a:spAutoFit/>
+          </a:bodyPr>
+          <a:lstStyle/>
+          <a:p>
+            <a:r>
+              <a:rPr lang="en-US" altLang="ja-JP" sz="4000" dirty="0">
+                <a:latin typeface="Calibri" panose="020F0502020204030204" pitchFamily="34" charset="0"/>
+                <a:cs typeface="Calibri" panose="020F0502020204030204" pitchFamily="34" charset="0"/>
+              </a:rPr>
+              <a:t>2. </a:t>
             </a:r>
             <a:r>
               <a:rPr lang="en-US" altLang="ja-JP" sz="4000" dirty="0" err="1">
                 <a:latin typeface="Calibri" panose="020F0502020204030204" pitchFamily="34" charset="0"/>
                 <a:cs typeface="Calibri" panose="020F0502020204030204" pitchFamily="34" charset="0"/>
               </a:rPr>
-              <a:t>prevPY</a:t>
+              <a:t>nextCH</a:t>
             </a:r>
             <a:r>
               <a:rPr lang="en-US" altLang="ja-JP" sz="4000" dirty="0">
                 <a:latin typeface="Calibri" panose="020F0502020204030204" pitchFamily="34" charset="0"/>
                 <a:cs typeface="Calibri" panose="020F0502020204030204" pitchFamily="34" charset="0"/>
               </a:rPr>
-              <a:t> + </a:t>
-            </a:r>
-            <a:r>
-              <a:rPr lang="en-US" altLang="ja-JP" sz="4000" dirty="0" err="1">
+              <a:t> === 0 </a:t>
+            </a:r>
+            <a:r>
+              <a:rPr lang="ja-JP" altLang="en-US" sz="4000">
                 <a:latin typeface="Calibri" panose="020F0502020204030204" pitchFamily="34" charset="0"/>
                 <a:cs typeface="Calibri" panose="020F0502020204030204" pitchFamily="34" charset="0"/>
               </a:rPr>
-              <a:t>dy</a:t>
-            </a:r>
+              <a:t>の場合</a:t>
+            </a:r>
+            <a:endParaRPr lang="en-US" altLang="ja-JP" sz="4000" dirty="0">
+              <a:latin typeface="Calibri" panose="020F0502020204030204" pitchFamily="34" charset="0"/>
+              <a:cs typeface="Calibri" panose="020F0502020204030204" pitchFamily="34" charset="0"/>
+            </a:endParaRPr>
+          </a:p>
+          <a:p>
             <a:r>
               <a:rPr lang="en-US" altLang="ja-JP" sz="4000" dirty="0">
                 <a:latin typeface="Calibri" panose="020F0502020204030204" pitchFamily="34" charset="0"/>
                 <a:cs typeface="Calibri" panose="020F0502020204030204" pitchFamily="34" charset="0"/>
               </a:rPr>
-              <a:t>(</a:t>
-            </a:r>
-            <a:r>
-              <a:rPr lang="en-US" altLang="ja-JP" sz="4000" dirty="0" err="1">
+              <a:t>	</a:t>
+            </a:r>
+            <a:r>
+              <a:rPr lang="ja-JP" altLang="en-US" sz="4000">
                 <a:latin typeface="Calibri" panose="020F0502020204030204" pitchFamily="34" charset="0"/>
                 <a:cs typeface="Calibri" panose="020F0502020204030204" pitchFamily="34" charset="0"/>
               </a:rPr>
-              <a:t>timeAfterJump</a:t>
+              <a:t>常に着地</a:t>
             </a:r>
             <a:r>
               <a:rPr lang="en-US" altLang="ja-JP" sz="4000" dirty="0">
                 <a:latin typeface="Calibri" panose="020F0502020204030204" pitchFamily="34" charset="0"/>
                 <a:cs typeface="Calibri" panose="020F0502020204030204" pitchFamily="34" charset="0"/>
               </a:rPr>
-              <a:t>) &lt; </a:t>
-            </a:r>
-            <a:r>
-              <a:rPr lang="en-US" altLang="ja-JP" sz="4000" dirty="0" err="1">
+              <a:t>. </a:t>
+            </a:r>
+            <a:r>
+              <a:rPr lang="ja-JP" altLang="en-US" sz="4000">
                 <a:latin typeface="Calibri" panose="020F0502020204030204" pitchFamily="34" charset="0"/>
                 <a:cs typeface="Calibri" panose="020F0502020204030204" pitchFamily="34" charset="0"/>
               </a:rPr>
-              <a:t>nextCH</a:t>
-            </a:r>
+              <a:t>次のフレームにて着地失敗</a:t>
+            </a:r>
+            <a:r>
+              <a:rPr lang="en-US" altLang="ja-JP" sz="4000" dirty="0">
+                <a:latin typeface="Calibri" panose="020F0502020204030204" pitchFamily="34" charset="0"/>
+                <a:cs typeface="Calibri" panose="020F0502020204030204" pitchFamily="34" charset="0"/>
+              </a:rPr>
+              <a:t>.</a:t>
+            </a:r>
+            <a:endParaRPr lang="ja-JP" altLang="en-US" sz="4000">
+              <a:latin typeface="Calibri" panose="020F0502020204030204" pitchFamily="34" charset="0"/>
+              <a:cs typeface="Calibri" panose="020F0502020204030204" pitchFamily="34" charset="0"/>
+            </a:endParaRPr>
+          </a:p>
+          <a:p>
             <a:endParaRPr lang="en-US" altLang="ja-JP" sz="4000" dirty="0">
               <a:latin typeface="Calibri" panose="020F0502020204030204" pitchFamily="34" charset="0"/>
               <a:cs typeface="Calibri" panose="020F0502020204030204" pitchFamily="34" charset="0"/>
             </a:endParaRPr>
           </a:p>
-          <a:p>
-            <a:r>
-              <a:rPr lang="en-US" altLang="ja-JP" sz="4000" dirty="0">
-                <a:latin typeface="Calibri" panose="020F0502020204030204" pitchFamily="34" charset="0"/>
-                <a:cs typeface="Calibri" panose="020F0502020204030204" pitchFamily="34" charset="0"/>
-              </a:rPr>
-              <a:t> </a:t>
-            </a:r>
-          </a:p>
-          <a:p>
-            <a:endParaRPr lang="en-US" altLang="ja-JP" sz="4000" dirty="0">
-              <a:latin typeface="Calibri" panose="020F0502020204030204" pitchFamily="34" charset="0"/>
-              <a:cs typeface="Calibri" panose="020F0502020204030204" pitchFamily="34" charset="0"/>
-            </a:endParaRPr>
-          </a:p>
-          <a:p>
-            <a:r>
-              <a:rPr lang="en-US" altLang="ja-JP" sz="4000" dirty="0">
-                <a:latin typeface="Calibri" panose="020F0502020204030204" pitchFamily="34" charset="0"/>
-                <a:cs typeface="Calibri" panose="020F0502020204030204" pitchFamily="34" charset="0"/>
-              </a:rPr>
-              <a:t>1. </a:t>
-            </a:r>
-            <a:r>
-              <a:rPr lang="en-US" altLang="ja-JP" sz="4000" dirty="0" err="1">
-                <a:latin typeface="Calibri" panose="020F0502020204030204" pitchFamily="34" charset="0"/>
-                <a:cs typeface="Calibri" panose="020F0502020204030204" pitchFamily="34" charset="0"/>
-              </a:rPr>
-              <a:t>prevCH</a:t>
-            </a:r>
-            <a:r>
-              <a:rPr lang="en-US" altLang="ja-JP" sz="4000" dirty="0">
-                <a:latin typeface="Calibri" panose="020F0502020204030204" pitchFamily="34" charset="0"/>
-                <a:cs typeface="Calibri" panose="020F0502020204030204" pitchFamily="34" charset="0"/>
-              </a:rPr>
-              <a:t> === 0</a:t>
-            </a:r>
-          </a:p>
-        </p:txBody>
-      </p:sp>
-      <p:sp>
-        <p:nvSpPr>
-          <p:cNvPr id="15" name="テキスト ボックス 14">
-            <a:extLst>
-              <a:ext uri="{FF2B5EF4-FFF2-40B4-BE49-F238E27FC236}">
-                <a16:creationId xmlns:a16="http://schemas.microsoft.com/office/drawing/2014/main" id="{FD6800E4-459F-B449-BF54-448EE8E3C0F3}"/>
-              </a:ext>
-            </a:extLst>
-          </p:cNvPr>
-          <p:cNvSpPr txBox="1"/>
-          <p:nvPr/>
-        </p:nvSpPr>
-        <p:spPr>
-          <a:xfrm>
-            <a:off x="1132435" y="9283848"/>
-            <a:ext cx="3450112" cy="707886"/>
-          </a:xfrm>
-          <a:prstGeom prst="rect">
-            <a:avLst/>
-          </a:prstGeom>
-          <a:noFill/>
-        </p:spPr>
-        <p:txBody>
-          <a:bodyPr wrap="none" rtlCol="0">
-            <a:spAutoFit/>
-          </a:bodyPr>
-          <a:lstStyle/>
-          <a:p>
-            <a:r>
-              <a:rPr lang="en-US" altLang="ja-JP" sz="4000" dirty="0">
-                <a:latin typeface="Calibri" panose="020F0502020204030204" pitchFamily="34" charset="0"/>
-                <a:cs typeface="Calibri" panose="020F0502020204030204" pitchFamily="34" charset="0"/>
-              </a:rPr>
-              <a:t>2. </a:t>
-            </a:r>
-            <a:r>
-              <a:rPr lang="en-US" altLang="ja-JP" sz="4000" dirty="0" err="1">
-                <a:latin typeface="Calibri" panose="020F0502020204030204" pitchFamily="34" charset="0"/>
-                <a:cs typeface="Calibri" panose="020F0502020204030204" pitchFamily="34" charset="0"/>
-              </a:rPr>
-              <a:t>nextCH</a:t>
-            </a:r>
-            <a:r>
-              <a:rPr lang="en-US" altLang="ja-JP" sz="4000" dirty="0">
-                <a:latin typeface="Calibri" panose="020F0502020204030204" pitchFamily="34" charset="0"/>
-                <a:cs typeface="Calibri" panose="020F0502020204030204" pitchFamily="34" charset="0"/>
-              </a:rPr>
-              <a:t> === 0</a:t>
-            </a:r>
-          </a:p>
         </p:txBody>
       </p:sp>
       <p:sp>
@@ -5533,7 +5708,7 @@
         </p:nvSpPr>
         <p:spPr>
           <a:xfrm>
-            <a:off x="5110805" y="11345664"/>
+            <a:off x="2070189" y="11209224"/>
             <a:ext cx="591015" cy="1443307"/>
           </a:xfrm>
           <a:prstGeom prst="rect">
@@ -5594,7 +5769,7 @@
         </p:nvSpPr>
         <p:spPr>
           <a:xfrm>
-            <a:off x="5701820" y="11626307"/>
+            <a:off x="2661204" y="11489867"/>
             <a:ext cx="591015" cy="1162664"/>
           </a:xfrm>
           <a:prstGeom prst="rect">
@@ -5654,7 +5829,7 @@
         </p:nvSpPr>
         <p:spPr>
           <a:xfrm>
-            <a:off x="7511152" y="11345664"/>
+            <a:off x="4470536" y="11209224"/>
             <a:ext cx="591015" cy="1443307"/>
           </a:xfrm>
           <a:prstGeom prst="rect">
@@ -5715,7 +5890,7 @@
         </p:nvSpPr>
         <p:spPr>
           <a:xfrm>
-            <a:off x="8079864" y="11010351"/>
+            <a:off x="5039248" y="10873911"/>
             <a:ext cx="591015" cy="1778620"/>
           </a:xfrm>
           <a:prstGeom prst="rect">
@@ -5776,7 +5951,7 @@
         </p:nvSpPr>
         <p:spPr>
           <a:xfrm>
-            <a:off x="5635456" y="10368673"/>
+            <a:off x="2594840" y="10232233"/>
             <a:ext cx="713684" cy="713678"/>
           </a:xfrm>
           <a:prstGeom prst="ellipse">
@@ -5826,7 +6001,7 @@
         </p:nvSpPr>
         <p:spPr>
           <a:xfrm>
-            <a:off x="6274196" y="12369602"/>
+            <a:off x="3233580" y="12233162"/>
             <a:ext cx="713684" cy="713678"/>
           </a:xfrm>
           <a:prstGeom prst="ellipse">
@@ -5882,7 +6057,7 @@
         <p:spPr>
           <a:xfrm>
             <a:off x="13722531" y="3078749"/>
-            <a:ext cx="9189720" cy="707886"/>
+            <a:ext cx="9189720" cy="1323439"/>
           </a:xfrm>
           <a:prstGeom prst="rect">
             <a:avLst/>
@@ -5928,7 +6103,41 @@
                 <a:latin typeface="Calibri" panose="020F0502020204030204" pitchFamily="34" charset="0"/>
                 <a:cs typeface="Calibri" panose="020F0502020204030204" pitchFamily="34" charset="0"/>
               </a:rPr>
-              <a:t> &gt; 0</a:t>
+              <a:t> &gt; 0 </a:t>
+            </a:r>
+            <a:r>
+              <a:rPr lang="ja-JP" altLang="en-US" sz="4000">
+                <a:latin typeface="Calibri" panose="020F0502020204030204" pitchFamily="34" charset="0"/>
+                <a:cs typeface="Calibri" panose="020F0502020204030204" pitchFamily="34" charset="0"/>
+              </a:rPr>
+              <a:t>の時</a:t>
+            </a:r>
+            <a:endParaRPr lang="en-US" altLang="ja-JP" sz="4000" dirty="0">
+              <a:latin typeface="Calibri" panose="020F0502020204030204" pitchFamily="34" charset="0"/>
+              <a:cs typeface="Calibri" panose="020F0502020204030204" pitchFamily="34" charset="0"/>
+            </a:endParaRPr>
+          </a:p>
+          <a:p>
+            <a:r>
+              <a:rPr lang="en-US" altLang="ja-JP" sz="4000" dirty="0">
+                <a:latin typeface="Calibri" panose="020F0502020204030204" pitchFamily="34" charset="0"/>
+                <a:cs typeface="Calibri" panose="020F0502020204030204" pitchFamily="34" charset="0"/>
+              </a:rPr>
+              <a:t>	</a:t>
+            </a:r>
+            <a:r>
+              <a:rPr lang="ja-JP" altLang="en-US" sz="4000">
+                <a:latin typeface="Calibri" panose="020F0502020204030204" pitchFamily="34" charset="0"/>
+                <a:cs typeface="Calibri" panose="020F0502020204030204" pitchFamily="34" charset="0"/>
+              </a:rPr>
+              <a:t>常に着地</a:t>
+            </a:r>
+            <a:r>
+              <a:rPr lang="en-US" altLang="ja-JP" sz="4000" dirty="0">
+                <a:latin typeface="Calibri" panose="020F0502020204030204" pitchFamily="34" charset="0"/>
+                <a:cs typeface="Calibri" panose="020F0502020204030204" pitchFamily="34" charset="0"/>
+              </a:rPr>
+              <a:t>.</a:t>
             </a:r>
           </a:p>
         </p:txBody>
@@ -6526,7 +6735,7 @@
         <p:spPr>
           <a:xfrm>
             <a:off x="13722531" y="8689559"/>
-            <a:ext cx="9189720" cy="707886"/>
+            <a:ext cx="9189720" cy="1323439"/>
           </a:xfrm>
           <a:prstGeom prst="rect">
             <a:avLst/>
@@ -6574,6 +6783,37 @@
               </a:rPr>
               <a:t> &gt; 0 </a:t>
             </a:r>
+            <a:r>
+              <a:rPr lang="ja-JP" altLang="en-US" sz="4000">
+                <a:latin typeface="Calibri" panose="020F0502020204030204" pitchFamily="34" charset="0"/>
+                <a:cs typeface="Calibri" panose="020F0502020204030204" pitchFamily="34" charset="0"/>
+              </a:rPr>
+              <a:t>の時</a:t>
+            </a:r>
+            <a:endParaRPr lang="en-US" altLang="ja-JP" sz="4000" dirty="0">
+              <a:latin typeface="Calibri" panose="020F0502020204030204" pitchFamily="34" charset="0"/>
+              <a:cs typeface="Calibri" panose="020F0502020204030204" pitchFamily="34" charset="0"/>
+            </a:endParaRPr>
+          </a:p>
+          <a:p>
+            <a:r>
+              <a:rPr lang="en-US" altLang="ja-JP" sz="4000" dirty="0">
+                <a:latin typeface="Calibri" panose="020F0502020204030204" pitchFamily="34" charset="0"/>
+                <a:cs typeface="Calibri" panose="020F0502020204030204" pitchFamily="34" charset="0"/>
+              </a:rPr>
+              <a:t>	</a:t>
+            </a:r>
+            <a:r>
+              <a:rPr lang="ja-JP" altLang="en-US" sz="4000">
+                <a:latin typeface="Calibri" panose="020F0502020204030204" pitchFamily="34" charset="0"/>
+                <a:cs typeface="Calibri" panose="020F0502020204030204" pitchFamily="34" charset="0"/>
+              </a:rPr>
+              <a:t>常に着地</a:t>
+            </a:r>
+            <a:endParaRPr lang="en-US" altLang="ja-JP" sz="4000" dirty="0">
+              <a:latin typeface="Calibri" panose="020F0502020204030204" pitchFamily="34" charset="0"/>
+              <a:cs typeface="Calibri" panose="020F0502020204030204" pitchFamily="34" charset="0"/>
+            </a:endParaRPr>
           </a:p>
         </p:txBody>
       </p:sp>
@@ -7224,7 +7464,7 @@
         </p:nvSpPr>
         <p:spPr>
           <a:xfrm>
-            <a:off x="7345286" y="5845973"/>
+            <a:off x="7345286" y="6127325"/>
             <a:ext cx="713684" cy="713678"/>
           </a:xfrm>
           <a:prstGeom prst="ellipse">
@@ -7284,7 +7524,7 @@
         </p:nvSpPr>
         <p:spPr>
           <a:xfrm>
-            <a:off x="6268723" y="12094348"/>
+            <a:off x="3228107" y="11957908"/>
             <a:ext cx="713684" cy="713678"/>
           </a:xfrm>
           <a:prstGeom prst="ellipse">
@@ -7584,7 +7824,7 @@
         </p:nvSpPr>
         <p:spPr>
           <a:xfrm>
-            <a:off x="9939555" y="603494"/>
+            <a:off x="11182199" y="603494"/>
             <a:ext cx="713684" cy="713678"/>
           </a:xfrm>
           <a:prstGeom prst="ellipse">
@@ -7634,7 +7874,7 @@
         </p:nvSpPr>
         <p:spPr>
           <a:xfrm>
-            <a:off x="17946112" y="603494"/>
+            <a:off x="11180722" y="1823496"/>
             <a:ext cx="713684" cy="713678"/>
           </a:xfrm>
           <a:prstGeom prst="ellipse">
@@ -7689,7 +7929,7 @@
         </p:nvSpPr>
         <p:spPr>
           <a:xfrm>
-            <a:off x="13942833" y="603494"/>
+            <a:off x="16217106" y="603494"/>
             <a:ext cx="713684" cy="713678"/>
           </a:xfrm>
           <a:prstGeom prst="ellipse">
@@ -7749,7 +7989,7 @@
         </p:nvSpPr>
         <p:spPr>
           <a:xfrm>
-            <a:off x="10770046" y="711986"/>
+            <a:off x="12012690" y="711986"/>
             <a:ext cx="3002978" cy="707886"/>
           </a:xfrm>
           <a:prstGeom prst="rect">
@@ -7791,7 +8031,7 @@
         </p:nvSpPr>
         <p:spPr>
           <a:xfrm>
-            <a:off x="18778080" y="711986"/>
+            <a:off x="12012690" y="1931988"/>
             <a:ext cx="4465564" cy="707886"/>
           </a:xfrm>
           <a:prstGeom prst="rect">
@@ -7836,7 +8076,7 @@
         </p:nvSpPr>
         <p:spPr>
           <a:xfrm>
-            <a:off x="14749793" y="711986"/>
+            <a:off x="17024066" y="711986"/>
             <a:ext cx="2806045" cy="707886"/>
           </a:xfrm>
           <a:prstGeom prst="rect">
@@ -7962,8 +8202,8 @@
         </p:nvSpPr>
         <p:spPr>
           <a:xfrm>
-            <a:off x="5177448" y="9224661"/>
-            <a:ext cx="6220713" cy="707886"/>
+            <a:off x="6628266" y="11990811"/>
+            <a:ext cx="6220713" cy="1323439"/>
           </a:xfrm>
           <a:prstGeom prst="rect">
             <a:avLst/>
@@ -8010,7 +8250,7 @@
                   <a:srgbClr val="FF0000"/>
                 </a:solidFill>
               </a:rPr>
-              <a:t> - </a:t>
+              <a:t> – </a:t>
             </a:r>
             <a:r>
               <a:rPr lang="en-US" altLang="ja-JP" sz="4000" i="1" dirty="0" err="1">
@@ -8020,6 +8260,14 @@
               </a:rPr>
               <a:t>diffHeight</a:t>
             </a:r>
+            <a:r>
+              <a:rPr lang="ja-JP" altLang="en-US" sz="4000" i="1">
+                <a:solidFill>
+                  <a:srgbClr val="FF0000"/>
+                </a:solidFill>
+              </a:rPr>
+              <a:t>として着地に問題なし</a:t>
+            </a:r>
             <a:endParaRPr lang="en-US" altLang="ja-JP" sz="4000" i="1" dirty="0">
               <a:solidFill>
                 <a:srgbClr val="FF0000"/>
@@ -8042,7 +8290,7 @@
         </p:nvSpPr>
         <p:spPr>
           <a:xfrm>
-            <a:off x="4494474" y="7190822"/>
+            <a:off x="4494474" y="7472174"/>
             <a:ext cx="581828" cy="1203220"/>
           </a:xfrm>
           <a:prstGeom prst="rect">
@@ -8118,7 +8366,7 @@
         </p:nvSpPr>
         <p:spPr>
           <a:xfrm>
-            <a:off x="4428546" y="7441039"/>
+            <a:off x="4428546" y="7722391"/>
             <a:ext cx="713684" cy="713678"/>
           </a:xfrm>
           <a:prstGeom prst="ellipse">
@@ -8173,7 +8421,7 @@
         </p:nvSpPr>
         <p:spPr>
           <a:xfrm>
-            <a:off x="7345286" y="6321377"/>
+            <a:off x="7345286" y="6602729"/>
             <a:ext cx="713684" cy="713678"/>
           </a:xfrm>
           <a:prstGeom prst="ellipse">
@@ -8228,7 +8476,7 @@
         </p:nvSpPr>
         <p:spPr>
           <a:xfrm>
-            <a:off x="3870233" y="6840675"/>
+            <a:off x="3870233" y="7122027"/>
             <a:ext cx="713684" cy="713678"/>
           </a:xfrm>
           <a:prstGeom prst="ellipse">
@@ -8485,7 +8733,7 @@
         </p:nvSpPr>
         <p:spPr>
           <a:xfrm>
-            <a:off x="7394564" y="6894964"/>
+            <a:off x="7394564" y="7176316"/>
             <a:ext cx="600556" cy="1444047"/>
           </a:xfrm>
           <a:prstGeom prst="rect">
@@ -8713,7 +8961,7 @@
         </p:nvSpPr>
         <p:spPr>
           <a:xfrm>
-            <a:off x="2120664" y="7181248"/>
+            <a:off x="2120664" y="7462600"/>
             <a:ext cx="581828" cy="1203220"/>
           </a:xfrm>
           <a:prstGeom prst="rect">
@@ -8789,7 +9037,7 @@
         </p:nvSpPr>
         <p:spPr>
           <a:xfrm>
-            <a:off x="2031361" y="7134720"/>
+            <a:off x="2031361" y="7416072"/>
             <a:ext cx="713684" cy="713678"/>
           </a:xfrm>
           <a:prstGeom prst="ellipse">
@@ -8844,7 +9092,7 @@
         </p:nvSpPr>
         <p:spPr>
           <a:xfrm>
-            <a:off x="1464180" y="6344435"/>
+            <a:off x="1464180" y="6625787"/>
             <a:ext cx="713684" cy="713678"/>
           </a:xfrm>
           <a:prstGeom prst="ellipse">
@@ -8894,7 +9142,7 @@
         </p:nvSpPr>
         <p:spPr>
           <a:xfrm>
-            <a:off x="2031361" y="6181286"/>
+            <a:off x="2031361" y="6462638"/>
             <a:ext cx="713684" cy="713678"/>
           </a:xfrm>
           <a:prstGeom prst="ellipse">
@@ -9076,8 +9324,8 @@
         </p:nvSpPr>
         <p:spPr>
           <a:xfrm>
-            <a:off x="5110805" y="4439388"/>
-            <a:ext cx="6220713" cy="707886"/>
+            <a:off x="6566726" y="7529917"/>
+            <a:ext cx="6220713" cy="1323439"/>
           </a:xfrm>
           <a:prstGeom prst="rect">
             <a:avLst/>
@@ -9124,7 +9372,7 @@
                   <a:srgbClr val="FF0000"/>
                 </a:solidFill>
               </a:rPr>
-              <a:t> - </a:t>
+              <a:t> – </a:t>
             </a:r>
             <a:r>
               <a:rPr lang="en-US" altLang="ja-JP" sz="4000" i="1" dirty="0" err="1">
@@ -9134,6 +9382,14 @@
               </a:rPr>
               <a:t>diffHeight</a:t>
             </a:r>
+            <a:r>
+              <a:rPr lang="ja-JP" altLang="en-US" sz="4000" i="1">
+                <a:solidFill>
+                  <a:srgbClr val="FF0000"/>
+                </a:solidFill>
+              </a:rPr>
+              <a:t>として着地に問題なし</a:t>
+            </a:r>
             <a:endParaRPr lang="en-US" altLang="ja-JP" sz="4000" i="1" dirty="0">
               <a:solidFill>
                 <a:srgbClr val="FF0000"/>
@@ -9156,8 +9412,8 @@
         </p:nvSpPr>
         <p:spPr>
           <a:xfrm>
-            <a:off x="16394072" y="3651236"/>
-            <a:ext cx="6220713" cy="707886"/>
+            <a:off x="16798916" y="7004624"/>
+            <a:ext cx="6220713" cy="1323439"/>
           </a:xfrm>
           <a:prstGeom prst="rect">
             <a:avLst/>
@@ -9204,7 +9460,7 @@
                   <a:srgbClr val="FF0000"/>
                 </a:solidFill>
               </a:rPr>
-              <a:t> - </a:t>
+              <a:t> – </a:t>
             </a:r>
             <a:r>
               <a:rPr lang="en-US" altLang="ja-JP" sz="4000" i="1" dirty="0" err="1">
@@ -9214,6 +9470,14 @@
               </a:rPr>
               <a:t>diffHeight</a:t>
             </a:r>
+            <a:r>
+              <a:rPr lang="ja-JP" altLang="en-US" sz="4000" i="1">
+                <a:solidFill>
+                  <a:srgbClr val="FF0000"/>
+                </a:solidFill>
+              </a:rPr>
+              <a:t>として着地に問題なし</a:t>
+            </a:r>
             <a:endParaRPr lang="en-US" altLang="ja-JP" sz="4000" i="1" dirty="0">
               <a:solidFill>
                 <a:srgbClr val="FF0000"/>
@@ -9236,8 +9500,8 @@
         </p:nvSpPr>
         <p:spPr>
           <a:xfrm>
-            <a:off x="16770092" y="9319123"/>
-            <a:ext cx="6220713" cy="707886"/>
+            <a:off x="16928166" y="12039735"/>
+            <a:ext cx="6220713" cy="1323439"/>
           </a:xfrm>
           <a:prstGeom prst="rect">
             <a:avLst/>
@@ -9294,6 +9558,14 @@
               </a:rPr>
               <a:t>diffHeight</a:t>
             </a:r>
+            <a:r>
+              <a:rPr lang="ja-JP" altLang="en-US" sz="4000" i="1">
+                <a:solidFill>
+                  <a:srgbClr val="FF0000"/>
+                </a:solidFill>
+              </a:rPr>
+              <a:t>として着地に問題なし</a:t>
+            </a:r>
             <a:endParaRPr lang="en-US" altLang="ja-JP" sz="4000" i="1" dirty="0">
               <a:solidFill>
                 <a:srgbClr val="FF0000"/>
@@ -9316,7 +9588,7 @@
         </p:nvSpPr>
         <p:spPr>
           <a:xfrm>
-            <a:off x="13989985" y="1855369"/>
+            <a:off x="16264258" y="1855369"/>
             <a:ext cx="619379" cy="707886"/>
           </a:xfrm>
           <a:prstGeom prst="rect">
@@ -9392,7 +9664,7 @@
         </p:nvSpPr>
         <p:spPr>
           <a:xfrm>
-            <a:off x="14749792" y="1879397"/>
+            <a:off x="17024065" y="1879397"/>
             <a:ext cx="6871000" cy="707886"/>
           </a:xfrm>
           <a:prstGeom prst="rect">
